--- a/presentation/disease_spreading_presentation.pptx
+++ b/presentation/disease_spreading_presentation.pptx
@@ -2,14 +2,24 @@
 <file path=ppt/presentation.xml><?xml version="1.0" encoding="utf-8"?>
 <p:presentation xmlns:a="http://schemas.openxmlformats.org/drawingml/2006/main" xmlns:r="http://schemas.openxmlformats.org/officeDocument/2006/relationships" xmlns:p="http://schemas.openxmlformats.org/presentationml/2006/main" saveSubsetFonts="1" autoCompressPictures="0">
   <p:sldMasterIdLst>
-    <p:sldMasterId id="2147483648" r:id="rId1"/>
+    <p:sldMasterId id="2147483660" r:id="rId1"/>
   </p:sldMasterIdLst>
+  <p:notesMasterIdLst>
+    <p:notesMasterId r:id="rId14"/>
+  </p:notesMasterIdLst>
   <p:sldIdLst>
-    <p:sldId id="256" r:id="rId2"/>
-    <p:sldId id="257" r:id="rId3"/>
-    <p:sldId id="258" r:id="rId4"/>
-    <p:sldId id="259" r:id="rId5"/>
-    <p:sldId id="260" r:id="rId6"/>
+    <p:sldId id="261" r:id="rId2"/>
+    <p:sldId id="263" r:id="rId3"/>
+    <p:sldId id="262" r:id="rId4"/>
+    <p:sldId id="264" r:id="rId5"/>
+    <p:sldId id="265" r:id="rId6"/>
+    <p:sldId id="266" r:id="rId7"/>
+    <p:sldId id="267" r:id="rId8"/>
+    <p:sldId id="256" r:id="rId9"/>
+    <p:sldId id="257" r:id="rId10"/>
+    <p:sldId id="258" r:id="rId11"/>
+    <p:sldId id="259" r:id="rId12"/>
+    <p:sldId id="260" r:id="rId13"/>
   </p:sldIdLst>
   <p:sldSz cx="9144000" cy="6858000" type="screen4x3"/>
   <p:notesSz cx="6858000" cy="9144000"/>
@@ -108,11 +118,804 @@
       </a:defRPr>
     </a:lvl9pPr>
   </p:defaultTextStyle>
+  <p:extLst>
+    <p:ext uri="{EFAFB233-063F-42B5-8137-9DF3F51BA10A}">
+      <p15:sldGuideLst xmlns:p15="http://schemas.microsoft.com/office/powerpoint/2012/main">
+        <p15:guide id="1" orient="horz" pos="2160">
+          <p15:clr>
+            <a:srgbClr val="A4A3A4"/>
+          </p15:clr>
+        </p15:guide>
+        <p15:guide id="2" pos="2880">
+          <p15:clr>
+            <a:srgbClr val="A4A3A4"/>
+          </p15:clr>
+        </p15:guide>
+      </p15:sldGuideLst>
+    </p:ext>
+  </p:extLst>
 </p:presentation>
 </file>
 
+<file path=ppt/notesMasters/notesMaster1.xml><?xml version="1.0" encoding="utf-8"?>
+<p:notesMaster xmlns:a="http://schemas.openxmlformats.org/drawingml/2006/main" xmlns:r="http://schemas.openxmlformats.org/officeDocument/2006/relationships" xmlns:p="http://schemas.openxmlformats.org/presentationml/2006/main">
+  <p:cSld>
+    <p:bg>
+      <p:bgRef idx="1001">
+        <a:schemeClr val="bg1"/>
+      </p:bgRef>
+    </p:bg>
+    <p:spTree>
+      <p:nvGrpSpPr>
+        <p:cNvPr id="1" name=""/>
+        <p:cNvGrpSpPr/>
+        <p:nvPr/>
+      </p:nvGrpSpPr>
+      <p:grpSpPr>
+        <a:xfrm>
+          <a:off x="0" y="0"/>
+          <a:ext cx="0" cy="0"/>
+          <a:chOff x="0" y="0"/>
+          <a:chExt cx="0" cy="0"/>
+        </a:xfrm>
+      </p:grpSpPr>
+      <p:sp>
+        <p:nvSpPr>
+          <p:cNvPr id="2" name="Header Placeholder 1"/>
+          <p:cNvSpPr>
+            <a:spLocks noGrp="1"/>
+          </p:cNvSpPr>
+          <p:nvPr>
+            <p:ph type="hdr" sz="quarter"/>
+          </p:nvPr>
+        </p:nvSpPr>
+        <p:spPr>
+          <a:xfrm>
+            <a:off x="0" y="0"/>
+            <a:ext cx="2971800" cy="458788"/>
+          </a:xfrm>
+          <a:prstGeom prst="rect">
+            <a:avLst/>
+          </a:prstGeom>
+        </p:spPr>
+        <p:txBody>
+          <a:bodyPr vert="horz" lIns="91440" tIns="45720" rIns="91440" bIns="45720" rtlCol="0"/>
+          <a:lstStyle>
+            <a:lvl1pPr algn="l">
+              <a:defRPr sz="1200"/>
+            </a:lvl1pPr>
+          </a:lstStyle>
+          <a:p>
+            <a:endParaRPr lang="en-US"/>
+          </a:p>
+        </p:txBody>
+      </p:sp>
+      <p:sp>
+        <p:nvSpPr>
+          <p:cNvPr id="3" name="Date Placeholder 2"/>
+          <p:cNvSpPr>
+            <a:spLocks noGrp="1"/>
+          </p:cNvSpPr>
+          <p:nvPr>
+            <p:ph type="dt" idx="1"/>
+          </p:nvPr>
+        </p:nvSpPr>
+        <p:spPr>
+          <a:xfrm>
+            <a:off x="3884613" y="0"/>
+            <a:ext cx="2971800" cy="458788"/>
+          </a:xfrm>
+          <a:prstGeom prst="rect">
+            <a:avLst/>
+          </a:prstGeom>
+        </p:spPr>
+        <p:txBody>
+          <a:bodyPr vert="horz" lIns="91440" tIns="45720" rIns="91440" bIns="45720" rtlCol="0"/>
+          <a:lstStyle>
+            <a:lvl1pPr algn="r">
+              <a:defRPr sz="1200"/>
+            </a:lvl1pPr>
+          </a:lstStyle>
+          <a:p>
+            <a:fld id="{7E88FFC7-8966-4ECA-A355-BC3091E12B73}" type="datetimeFigureOut">
+              <a:rPr lang="en-US" smtClean="0"/>
+              <a:t>12/12/2015</a:t>
+            </a:fld>
+            <a:endParaRPr lang="en-US"/>
+          </a:p>
+        </p:txBody>
+      </p:sp>
+      <p:sp>
+        <p:nvSpPr>
+          <p:cNvPr id="4" name="Slide Image Placeholder 3"/>
+          <p:cNvSpPr>
+            <a:spLocks noGrp="1" noRot="1" noChangeAspect="1"/>
+          </p:cNvSpPr>
+          <p:nvPr>
+            <p:ph type="sldImg" idx="2"/>
+          </p:nvPr>
+        </p:nvSpPr>
+        <p:spPr>
+          <a:xfrm>
+            <a:off x="1371600" y="1143000"/>
+            <a:ext cx="4114800" cy="3086100"/>
+          </a:xfrm>
+          <a:prstGeom prst="rect">
+            <a:avLst/>
+          </a:prstGeom>
+          <a:noFill/>
+          <a:ln w="12700">
+            <a:solidFill>
+              <a:prstClr val="black"/>
+            </a:solidFill>
+          </a:ln>
+        </p:spPr>
+        <p:txBody>
+          <a:bodyPr vert="horz" lIns="91440" tIns="45720" rIns="91440" bIns="45720" rtlCol="0" anchor="ctr"/>
+          <a:lstStyle/>
+          <a:p>
+            <a:endParaRPr lang="en-US"/>
+          </a:p>
+        </p:txBody>
+      </p:sp>
+      <p:sp>
+        <p:nvSpPr>
+          <p:cNvPr id="5" name="Notes Placeholder 4"/>
+          <p:cNvSpPr>
+            <a:spLocks noGrp="1"/>
+          </p:cNvSpPr>
+          <p:nvPr>
+            <p:ph type="body" sz="quarter" idx="3"/>
+          </p:nvPr>
+        </p:nvSpPr>
+        <p:spPr>
+          <a:xfrm>
+            <a:off x="685800" y="4400550"/>
+            <a:ext cx="5486400" cy="3600450"/>
+          </a:xfrm>
+          <a:prstGeom prst="rect">
+            <a:avLst/>
+          </a:prstGeom>
+        </p:spPr>
+        <p:txBody>
+          <a:bodyPr vert="horz" lIns="91440" tIns="45720" rIns="91440" bIns="45720" rtlCol="0"/>
+          <a:lstStyle/>
+          <a:p>
+            <a:pPr lvl="0"/>
+            <a:r>
+              <a:rPr lang="en-US" smtClean="0"/>
+              <a:t>Click to edit Master text styles</a:t>
+            </a:r>
+          </a:p>
+          <a:p>
+            <a:pPr lvl="1"/>
+            <a:r>
+              <a:rPr lang="en-US" smtClean="0"/>
+              <a:t>Second level</a:t>
+            </a:r>
+          </a:p>
+          <a:p>
+            <a:pPr lvl="2"/>
+            <a:r>
+              <a:rPr lang="en-US" smtClean="0"/>
+              <a:t>Third level</a:t>
+            </a:r>
+          </a:p>
+          <a:p>
+            <a:pPr lvl="3"/>
+            <a:r>
+              <a:rPr lang="en-US" smtClean="0"/>
+              <a:t>Fourth level</a:t>
+            </a:r>
+          </a:p>
+          <a:p>
+            <a:pPr lvl="4"/>
+            <a:r>
+              <a:rPr lang="en-US" smtClean="0"/>
+              <a:t>Fifth level</a:t>
+            </a:r>
+            <a:endParaRPr lang="en-US"/>
+          </a:p>
+        </p:txBody>
+      </p:sp>
+      <p:sp>
+        <p:nvSpPr>
+          <p:cNvPr id="6" name="Footer Placeholder 5"/>
+          <p:cNvSpPr>
+            <a:spLocks noGrp="1"/>
+          </p:cNvSpPr>
+          <p:nvPr>
+            <p:ph type="ftr" sz="quarter" idx="4"/>
+          </p:nvPr>
+        </p:nvSpPr>
+        <p:spPr>
+          <a:xfrm>
+            <a:off x="0" y="8685213"/>
+            <a:ext cx="2971800" cy="458787"/>
+          </a:xfrm>
+          <a:prstGeom prst="rect">
+            <a:avLst/>
+          </a:prstGeom>
+        </p:spPr>
+        <p:txBody>
+          <a:bodyPr vert="horz" lIns="91440" tIns="45720" rIns="91440" bIns="45720" rtlCol="0" anchor="b"/>
+          <a:lstStyle>
+            <a:lvl1pPr algn="l">
+              <a:defRPr sz="1200"/>
+            </a:lvl1pPr>
+          </a:lstStyle>
+          <a:p>
+            <a:endParaRPr lang="en-US"/>
+          </a:p>
+        </p:txBody>
+      </p:sp>
+      <p:sp>
+        <p:nvSpPr>
+          <p:cNvPr id="7" name="Slide Number Placeholder 6"/>
+          <p:cNvSpPr>
+            <a:spLocks noGrp="1"/>
+          </p:cNvSpPr>
+          <p:nvPr>
+            <p:ph type="sldNum" sz="quarter" idx="5"/>
+          </p:nvPr>
+        </p:nvSpPr>
+        <p:spPr>
+          <a:xfrm>
+            <a:off x="3884613" y="8685213"/>
+            <a:ext cx="2971800" cy="458787"/>
+          </a:xfrm>
+          <a:prstGeom prst="rect">
+            <a:avLst/>
+          </a:prstGeom>
+        </p:spPr>
+        <p:txBody>
+          <a:bodyPr vert="horz" lIns="91440" tIns="45720" rIns="91440" bIns="45720" rtlCol="0" anchor="b"/>
+          <a:lstStyle>
+            <a:lvl1pPr algn="r">
+              <a:defRPr sz="1200"/>
+            </a:lvl1pPr>
+          </a:lstStyle>
+          <a:p>
+            <a:fld id="{0FE4AD66-8E5C-48F9-B0A6-E353D58EB762}" type="slidenum">
+              <a:rPr lang="en-US" smtClean="0"/>
+              <a:t>‹#›</a:t>
+            </a:fld>
+            <a:endParaRPr lang="en-US"/>
+          </a:p>
+        </p:txBody>
+      </p:sp>
+    </p:spTree>
+    <p:extLst>
+      <p:ext uri="{BB962C8B-B14F-4D97-AF65-F5344CB8AC3E}">
+        <p14:creationId xmlns:p14="http://schemas.microsoft.com/office/powerpoint/2010/main" val="1106263917"/>
+      </p:ext>
+    </p:extLst>
+  </p:cSld>
+  <p:clrMap bg1="lt1" tx1="dk1" bg2="lt2" tx2="dk2" accent1="accent1" accent2="accent2" accent3="accent3" accent4="accent4" accent5="accent5" accent6="accent6" hlink="hlink" folHlink="folHlink"/>
+  <p:notesStyle>
+    <a:lvl1pPr marL="0" algn="l" defTabSz="914400" rtl="0" eaLnBrk="1" latinLnBrk="0" hangingPunct="1">
+      <a:defRPr sz="1200" kern="1200">
+        <a:solidFill>
+          <a:schemeClr val="tx1"/>
+        </a:solidFill>
+        <a:latin typeface="+mn-lt"/>
+        <a:ea typeface="+mn-ea"/>
+        <a:cs typeface="+mn-cs"/>
+      </a:defRPr>
+    </a:lvl1pPr>
+    <a:lvl2pPr marL="457200" algn="l" defTabSz="914400" rtl="0" eaLnBrk="1" latinLnBrk="0" hangingPunct="1">
+      <a:defRPr sz="1200" kern="1200">
+        <a:solidFill>
+          <a:schemeClr val="tx1"/>
+        </a:solidFill>
+        <a:latin typeface="+mn-lt"/>
+        <a:ea typeface="+mn-ea"/>
+        <a:cs typeface="+mn-cs"/>
+      </a:defRPr>
+    </a:lvl2pPr>
+    <a:lvl3pPr marL="914400" algn="l" defTabSz="914400" rtl="0" eaLnBrk="1" latinLnBrk="0" hangingPunct="1">
+      <a:defRPr sz="1200" kern="1200">
+        <a:solidFill>
+          <a:schemeClr val="tx1"/>
+        </a:solidFill>
+        <a:latin typeface="+mn-lt"/>
+        <a:ea typeface="+mn-ea"/>
+        <a:cs typeface="+mn-cs"/>
+      </a:defRPr>
+    </a:lvl3pPr>
+    <a:lvl4pPr marL="1371600" algn="l" defTabSz="914400" rtl="0" eaLnBrk="1" latinLnBrk="0" hangingPunct="1">
+      <a:defRPr sz="1200" kern="1200">
+        <a:solidFill>
+          <a:schemeClr val="tx1"/>
+        </a:solidFill>
+        <a:latin typeface="+mn-lt"/>
+        <a:ea typeface="+mn-ea"/>
+        <a:cs typeface="+mn-cs"/>
+      </a:defRPr>
+    </a:lvl4pPr>
+    <a:lvl5pPr marL="1828800" algn="l" defTabSz="914400" rtl="0" eaLnBrk="1" latinLnBrk="0" hangingPunct="1">
+      <a:defRPr sz="1200" kern="1200">
+        <a:solidFill>
+          <a:schemeClr val="tx1"/>
+        </a:solidFill>
+        <a:latin typeface="+mn-lt"/>
+        <a:ea typeface="+mn-ea"/>
+        <a:cs typeface="+mn-cs"/>
+      </a:defRPr>
+    </a:lvl5pPr>
+    <a:lvl6pPr marL="2286000" algn="l" defTabSz="914400" rtl="0" eaLnBrk="1" latinLnBrk="0" hangingPunct="1">
+      <a:defRPr sz="1200" kern="1200">
+        <a:solidFill>
+          <a:schemeClr val="tx1"/>
+        </a:solidFill>
+        <a:latin typeface="+mn-lt"/>
+        <a:ea typeface="+mn-ea"/>
+        <a:cs typeface="+mn-cs"/>
+      </a:defRPr>
+    </a:lvl6pPr>
+    <a:lvl7pPr marL="2743200" algn="l" defTabSz="914400" rtl="0" eaLnBrk="1" latinLnBrk="0" hangingPunct="1">
+      <a:defRPr sz="1200" kern="1200">
+        <a:solidFill>
+          <a:schemeClr val="tx1"/>
+        </a:solidFill>
+        <a:latin typeface="+mn-lt"/>
+        <a:ea typeface="+mn-ea"/>
+        <a:cs typeface="+mn-cs"/>
+      </a:defRPr>
+    </a:lvl7pPr>
+    <a:lvl8pPr marL="3200400" algn="l" defTabSz="914400" rtl="0" eaLnBrk="1" latinLnBrk="0" hangingPunct="1">
+      <a:defRPr sz="1200" kern="1200">
+        <a:solidFill>
+          <a:schemeClr val="tx1"/>
+        </a:solidFill>
+        <a:latin typeface="+mn-lt"/>
+        <a:ea typeface="+mn-ea"/>
+        <a:cs typeface="+mn-cs"/>
+      </a:defRPr>
+    </a:lvl8pPr>
+    <a:lvl9pPr marL="3657600" algn="l" defTabSz="914400" rtl="0" eaLnBrk="1" latinLnBrk="0" hangingPunct="1">
+      <a:defRPr sz="1200" kern="1200">
+        <a:solidFill>
+          <a:schemeClr val="tx1"/>
+        </a:solidFill>
+        <a:latin typeface="+mn-lt"/>
+        <a:ea typeface="+mn-ea"/>
+        <a:cs typeface="+mn-cs"/>
+      </a:defRPr>
+    </a:lvl9pPr>
+  </p:notesStyle>
+</p:notesMaster>
+</file>
+
+<file path=ppt/notesSlides/notesSlide1.xml><?xml version="1.0" encoding="utf-8"?>
+<p:notes xmlns:a="http://schemas.openxmlformats.org/drawingml/2006/main" xmlns:r="http://schemas.openxmlformats.org/officeDocument/2006/relationships" xmlns:p="http://schemas.openxmlformats.org/presentationml/2006/main">
+  <p:cSld>
+    <p:spTree>
+      <p:nvGrpSpPr>
+        <p:cNvPr id="1" name=""/>
+        <p:cNvGrpSpPr/>
+        <p:nvPr/>
+      </p:nvGrpSpPr>
+      <p:grpSpPr>
+        <a:xfrm>
+          <a:off x="0" y="0"/>
+          <a:ext cx="0" cy="0"/>
+          <a:chOff x="0" y="0"/>
+          <a:chExt cx="0" cy="0"/>
+        </a:xfrm>
+      </p:grpSpPr>
+      <p:sp>
+        <p:nvSpPr>
+          <p:cNvPr id="2" name="Slide Image Placeholder 1"/>
+          <p:cNvSpPr>
+            <a:spLocks noGrp="1" noRot="1" noChangeAspect="1"/>
+          </p:cNvSpPr>
+          <p:nvPr>
+            <p:ph type="sldImg"/>
+          </p:nvPr>
+        </p:nvSpPr>
+        <p:spPr/>
+      </p:sp>
+      <p:sp>
+        <p:nvSpPr>
+          <p:cNvPr id="3" name="Notes Placeholder 2"/>
+          <p:cNvSpPr>
+            <a:spLocks noGrp="1"/>
+          </p:cNvSpPr>
+          <p:nvPr>
+            <p:ph type="body" idx="1"/>
+          </p:nvPr>
+        </p:nvSpPr>
+        <p:spPr/>
+        <p:txBody>
+          <a:bodyPr/>
+          <a:lstStyle/>
+          <a:p>
+            <a:r>
+              <a:rPr lang="en-US" dirty="0" smtClean="0"/>
+              <a:t>We start with definition of a network</a:t>
+            </a:r>
+            <a:r>
+              <a:rPr lang="en-US" baseline="0" dirty="0" smtClean="0"/>
+              <a:t> - </a:t>
+            </a:r>
+            <a:r>
+              <a:rPr lang="en-US" dirty="0" smtClean="0"/>
+              <a:t>Each individual has a desired behavior on his own,</a:t>
+            </a:r>
+            <a:r>
+              <a:rPr lang="en-US" baseline="0" dirty="0" smtClean="0"/>
+              <a:t> but we are constantly affected by behavior of people around us. Each block of a city has its local authority and they are linked to other blocks. Each city operates on its own but is connected to other cities. And so on</a:t>
+            </a:r>
+          </a:p>
+          <a:p>
+            <a:endParaRPr lang="en-US" baseline="0" dirty="0" smtClean="0"/>
+          </a:p>
+          <a:p>
+            <a:r>
+              <a:rPr lang="en-US" baseline="0" dirty="0" smtClean="0"/>
+              <a:t>More complicated than each individual</a:t>
+            </a:r>
+          </a:p>
+          <a:p>
+            <a:endParaRPr lang="en-US" baseline="0" dirty="0" smtClean="0"/>
+          </a:p>
+          <a:p>
+            <a:r>
+              <a:rPr lang="en-US" baseline="0" dirty="0" smtClean="0"/>
+              <a:t>We live in a networked world but are they perfect? What happens if one doesn’t do his job. Important to see because otherwise we unknowingly depend upon one person/ entity too </a:t>
+            </a:r>
+            <a:r>
+              <a:rPr lang="en-US" baseline="0" dirty="0" err="1" smtClean="0"/>
+              <a:t>muc</a:t>
+            </a:r>
+            <a:r>
+              <a:rPr lang="en-US" baseline="0" dirty="0" smtClean="0"/>
+              <a:t>.</a:t>
+            </a:r>
+            <a:endParaRPr lang="en-US" dirty="0"/>
+          </a:p>
+        </p:txBody>
+      </p:sp>
+      <p:sp>
+        <p:nvSpPr>
+          <p:cNvPr id="4" name="Slide Number Placeholder 3"/>
+          <p:cNvSpPr>
+            <a:spLocks noGrp="1"/>
+          </p:cNvSpPr>
+          <p:nvPr>
+            <p:ph type="sldNum" sz="quarter" idx="10"/>
+          </p:nvPr>
+        </p:nvSpPr>
+        <p:spPr/>
+        <p:txBody>
+          <a:bodyPr/>
+          <a:lstStyle/>
+          <a:p>
+            <a:fld id="{0FE4AD66-8E5C-48F9-B0A6-E353D58EB762}" type="slidenum">
+              <a:rPr lang="en-US" smtClean="0"/>
+              <a:t>2</a:t>
+            </a:fld>
+            <a:endParaRPr lang="en-US"/>
+          </a:p>
+        </p:txBody>
+      </p:sp>
+    </p:spTree>
+    <p:extLst>
+      <p:ext uri="{BB962C8B-B14F-4D97-AF65-F5344CB8AC3E}">
+        <p14:creationId xmlns:p14="http://schemas.microsoft.com/office/powerpoint/2010/main" val="3249882799"/>
+      </p:ext>
+    </p:extLst>
+  </p:cSld>
+  <p:clrMapOvr>
+    <a:masterClrMapping/>
+  </p:clrMapOvr>
+</p:notes>
+</file>
+
+<file path=ppt/notesSlides/notesSlide2.xml><?xml version="1.0" encoding="utf-8"?>
+<p:notes xmlns:a="http://schemas.openxmlformats.org/drawingml/2006/main" xmlns:r="http://schemas.openxmlformats.org/officeDocument/2006/relationships" xmlns:p="http://schemas.openxmlformats.org/presentationml/2006/main">
+  <p:cSld>
+    <p:spTree>
+      <p:nvGrpSpPr>
+        <p:cNvPr id="1" name=""/>
+        <p:cNvGrpSpPr/>
+        <p:nvPr/>
+      </p:nvGrpSpPr>
+      <p:grpSpPr>
+        <a:xfrm>
+          <a:off x="0" y="0"/>
+          <a:ext cx="0" cy="0"/>
+          <a:chOff x="0" y="0"/>
+          <a:chExt cx="0" cy="0"/>
+        </a:xfrm>
+      </p:grpSpPr>
+      <p:sp>
+        <p:nvSpPr>
+          <p:cNvPr id="2" name="Slide Image Placeholder 1"/>
+          <p:cNvSpPr>
+            <a:spLocks noGrp="1" noRot="1" noChangeAspect="1"/>
+          </p:cNvSpPr>
+          <p:nvPr>
+            <p:ph type="sldImg"/>
+          </p:nvPr>
+        </p:nvSpPr>
+        <p:spPr/>
+      </p:sp>
+      <p:sp>
+        <p:nvSpPr>
+          <p:cNvPr id="3" name="Notes Placeholder 2"/>
+          <p:cNvSpPr>
+            <a:spLocks noGrp="1"/>
+          </p:cNvSpPr>
+          <p:nvPr>
+            <p:ph type="body" idx="1"/>
+          </p:nvPr>
+        </p:nvSpPr>
+        <p:spPr/>
+        <p:txBody>
+          <a:bodyPr/>
+          <a:lstStyle/>
+          <a:p>
+            <a:r>
+              <a:rPr lang="en-US" dirty="0" smtClean="0"/>
+              <a:t>Obvious way to model a networked society is to model it with a network. Decouples the complexity of modeling individual behavior and their </a:t>
+            </a:r>
+            <a:r>
+              <a:rPr lang="en-US" dirty="0" err="1" smtClean="0"/>
+              <a:t>interraction</a:t>
+            </a:r>
+            <a:endParaRPr lang="en-US" dirty="0"/>
+          </a:p>
+        </p:txBody>
+      </p:sp>
+      <p:sp>
+        <p:nvSpPr>
+          <p:cNvPr id="4" name="Slide Number Placeholder 3"/>
+          <p:cNvSpPr>
+            <a:spLocks noGrp="1"/>
+          </p:cNvSpPr>
+          <p:nvPr>
+            <p:ph type="sldNum" sz="quarter" idx="10"/>
+          </p:nvPr>
+        </p:nvSpPr>
+        <p:spPr/>
+        <p:txBody>
+          <a:bodyPr/>
+          <a:lstStyle/>
+          <a:p>
+            <a:fld id="{0FE4AD66-8E5C-48F9-B0A6-E353D58EB762}" type="slidenum">
+              <a:rPr lang="en-US" smtClean="0"/>
+              <a:t>3</a:t>
+            </a:fld>
+            <a:endParaRPr lang="en-US"/>
+          </a:p>
+        </p:txBody>
+      </p:sp>
+    </p:spTree>
+    <p:extLst>
+      <p:ext uri="{BB962C8B-B14F-4D97-AF65-F5344CB8AC3E}">
+        <p14:creationId xmlns:p14="http://schemas.microsoft.com/office/powerpoint/2010/main" val="3548918832"/>
+      </p:ext>
+    </p:extLst>
+  </p:cSld>
+  <p:clrMapOvr>
+    <a:masterClrMapping/>
+  </p:clrMapOvr>
+</p:notes>
+</file>
+
+<file path=ppt/notesSlides/notesSlide3.xml><?xml version="1.0" encoding="utf-8"?>
+<p:notes xmlns:a="http://schemas.openxmlformats.org/drawingml/2006/main" xmlns:r="http://schemas.openxmlformats.org/officeDocument/2006/relationships" xmlns:p="http://schemas.openxmlformats.org/presentationml/2006/main">
+  <p:cSld>
+    <p:spTree>
+      <p:nvGrpSpPr>
+        <p:cNvPr id="1" name=""/>
+        <p:cNvGrpSpPr/>
+        <p:nvPr/>
+      </p:nvGrpSpPr>
+      <p:grpSpPr>
+        <a:xfrm>
+          <a:off x="0" y="0"/>
+          <a:ext cx="0" cy="0"/>
+          <a:chOff x="0" y="0"/>
+          <a:chExt cx="0" cy="0"/>
+        </a:xfrm>
+      </p:grpSpPr>
+      <p:sp>
+        <p:nvSpPr>
+          <p:cNvPr id="2" name="Slide Image Placeholder 1"/>
+          <p:cNvSpPr>
+            <a:spLocks noGrp="1" noRot="1" noChangeAspect="1"/>
+          </p:cNvSpPr>
+          <p:nvPr>
+            <p:ph type="sldImg"/>
+          </p:nvPr>
+        </p:nvSpPr>
+        <p:spPr/>
+      </p:sp>
+      <p:sp>
+        <p:nvSpPr>
+          <p:cNvPr id="3" name="Notes Placeholder 2"/>
+          <p:cNvSpPr>
+            <a:spLocks noGrp="1"/>
+          </p:cNvSpPr>
+          <p:nvPr>
+            <p:ph type="body" idx="1"/>
+          </p:nvPr>
+        </p:nvSpPr>
+        <p:spPr/>
+        <p:txBody>
+          <a:bodyPr/>
+          <a:lstStyle/>
+          <a:p>
+            <a:r>
+              <a:rPr lang="en-US" dirty="0" smtClean="0"/>
+              <a:t>Now before</a:t>
+            </a:r>
+            <a:r>
+              <a:rPr lang="en-US" baseline="0" dirty="0" smtClean="0"/>
+              <a:t> you think the model has too many hyper parameters let me explain you the physical meaning of the parameters and how we might sensibly set them. </a:t>
+            </a:r>
+          </a:p>
+          <a:p>
+            <a:endParaRPr lang="en-US" baseline="0" dirty="0" smtClean="0"/>
+          </a:p>
+          <a:p>
+            <a:r>
+              <a:rPr lang="en-US" baseline="0" dirty="0" smtClean="0"/>
+              <a:t>Point 5 - </a:t>
+            </a:r>
+            <a:r>
+              <a:rPr lang="en-US" dirty="0" smtClean="0"/>
+              <a:t>Let us assume that two</a:t>
+            </a:r>
+            <a:r>
+              <a:rPr lang="en-US" baseline="0" dirty="0" smtClean="0"/>
+              <a:t> causes have same effect for example earthquake can make you house tremble. Same can happen if a truck hits your house. Now if you know only that you house trembled then you have equal probability of </a:t>
+            </a:r>
+            <a:r>
+              <a:rPr lang="en-US" baseline="0" dirty="0" smtClean="0"/>
+              <a:t>earthquake and a truck hitting your house. But if you know that there was an earthquake the then what is the probability of a truck hitting at the same time? It is much less. So knowledge about one cause explains away the effect. Here is a similar thing happening. If a node is connected to many different nodes its influence gets washed away.</a:t>
+            </a:r>
+            <a:endParaRPr lang="en-US" dirty="0"/>
+          </a:p>
+        </p:txBody>
+      </p:sp>
+      <p:sp>
+        <p:nvSpPr>
+          <p:cNvPr id="4" name="Slide Number Placeholder 3"/>
+          <p:cNvSpPr>
+            <a:spLocks noGrp="1"/>
+          </p:cNvSpPr>
+          <p:nvPr>
+            <p:ph type="sldNum" sz="quarter" idx="10"/>
+          </p:nvPr>
+        </p:nvSpPr>
+        <p:spPr/>
+        <p:txBody>
+          <a:bodyPr/>
+          <a:lstStyle/>
+          <a:p>
+            <a:fld id="{0FE4AD66-8E5C-48F9-B0A6-E353D58EB762}" type="slidenum">
+              <a:rPr lang="en-US" smtClean="0"/>
+              <a:t>5</a:t>
+            </a:fld>
+            <a:endParaRPr lang="en-US"/>
+          </a:p>
+        </p:txBody>
+      </p:sp>
+    </p:spTree>
+    <p:extLst>
+      <p:ext uri="{BB962C8B-B14F-4D97-AF65-F5344CB8AC3E}">
+        <p14:creationId xmlns:p14="http://schemas.microsoft.com/office/powerpoint/2010/main" val="4200700982"/>
+      </p:ext>
+    </p:extLst>
+  </p:cSld>
+  <p:clrMapOvr>
+    <a:masterClrMapping/>
+  </p:clrMapOvr>
+</p:notes>
+</file>
+
+<file path=ppt/notesSlides/notesSlide4.xml><?xml version="1.0" encoding="utf-8"?>
+<p:notes xmlns:a="http://schemas.openxmlformats.org/drawingml/2006/main" xmlns:r="http://schemas.openxmlformats.org/officeDocument/2006/relationships" xmlns:p="http://schemas.openxmlformats.org/presentationml/2006/main">
+  <p:cSld>
+    <p:spTree>
+      <p:nvGrpSpPr>
+        <p:cNvPr id="1" name=""/>
+        <p:cNvGrpSpPr/>
+        <p:nvPr/>
+      </p:nvGrpSpPr>
+      <p:grpSpPr>
+        <a:xfrm>
+          <a:off x="0" y="0"/>
+          <a:ext cx="0" cy="0"/>
+          <a:chOff x="0" y="0"/>
+          <a:chExt cx="0" cy="0"/>
+        </a:xfrm>
+      </p:grpSpPr>
+      <p:sp>
+        <p:nvSpPr>
+          <p:cNvPr id="2" name="Slide Image Placeholder 1"/>
+          <p:cNvSpPr>
+            <a:spLocks noGrp="1" noRot="1" noChangeAspect="1"/>
+          </p:cNvSpPr>
+          <p:nvPr>
+            <p:ph type="sldImg"/>
+          </p:nvPr>
+        </p:nvSpPr>
+        <p:spPr/>
+      </p:sp>
+      <p:sp>
+        <p:nvSpPr>
+          <p:cNvPr id="3" name="Notes Placeholder 2"/>
+          <p:cNvSpPr>
+            <a:spLocks noGrp="1"/>
+          </p:cNvSpPr>
+          <p:nvPr>
+            <p:ph type="body" idx="1"/>
+          </p:nvPr>
+        </p:nvSpPr>
+        <p:spPr/>
+        <p:txBody>
+          <a:bodyPr/>
+          <a:lstStyle/>
+          <a:p>
+            <a:r>
+              <a:rPr lang="en-US" dirty="0" smtClean="0"/>
+              <a:t>We decided to take the execution hit in</a:t>
+            </a:r>
+            <a:r>
+              <a:rPr lang="en-US" baseline="0" dirty="0" smtClean="0"/>
+              <a:t> exchange to</a:t>
+            </a:r>
+            <a:r>
+              <a:rPr lang="en-US" dirty="0" smtClean="0"/>
+              <a:t> this convenience.</a:t>
+            </a:r>
+            <a:endParaRPr lang="en-US" dirty="0"/>
+          </a:p>
+        </p:txBody>
+      </p:sp>
+      <p:sp>
+        <p:nvSpPr>
+          <p:cNvPr id="4" name="Slide Number Placeholder 3"/>
+          <p:cNvSpPr>
+            <a:spLocks noGrp="1"/>
+          </p:cNvSpPr>
+          <p:nvPr>
+            <p:ph type="sldNum" sz="quarter" idx="10"/>
+          </p:nvPr>
+        </p:nvSpPr>
+        <p:spPr/>
+        <p:txBody>
+          <a:bodyPr/>
+          <a:lstStyle/>
+          <a:p>
+            <a:fld id="{0FE4AD66-8E5C-48F9-B0A6-E353D58EB762}" type="slidenum">
+              <a:rPr lang="en-US" smtClean="0"/>
+              <a:t>6</a:t>
+            </a:fld>
+            <a:endParaRPr lang="en-US"/>
+          </a:p>
+        </p:txBody>
+      </p:sp>
+    </p:spTree>
+    <p:extLst>
+      <p:ext uri="{BB962C8B-B14F-4D97-AF65-F5344CB8AC3E}">
+        <p14:creationId xmlns:p14="http://schemas.microsoft.com/office/powerpoint/2010/main" val="1208198564"/>
+      </p:ext>
+    </p:extLst>
+  </p:cSld>
+  <p:clrMapOvr>
+    <a:masterClrMapping/>
+  </p:clrMapOvr>
+</p:notes>
+</file>
+
 <file path=ppt/slideLayouts/slideLayout1.xml><?xml version="1.0" encoding="utf-8"?>
-<p:sldLayout xmlns:a="http://schemas.openxmlformats.org/drawingml/2006/main" xmlns:r="http://schemas.openxmlformats.org/officeDocument/2006/relationships" xmlns:p="http://schemas.openxmlformats.org/presentationml/2006/main" type="title" preserve="1">
+<p:sldLayout xmlns:a="http://schemas.openxmlformats.org/drawingml/2006/main" xmlns:r="http://schemas.openxmlformats.org/officeDocument/2006/relationships" xmlns:p="http://schemas.openxmlformats.org/presentationml/2006/main" showMasterSp="0" type="title" preserve="1">
   <p:cSld name="Title Slide">
     <p:spTree>
       <p:nvGrpSpPr>
@@ -130,6 +933,82 @@
       </p:grpSpPr>
       <p:sp>
         <p:nvSpPr>
+          <p:cNvPr id="7" name="Rectangle 6"/>
+          <p:cNvSpPr/>
+          <p:nvPr/>
+        </p:nvSpPr>
+        <p:spPr>
+          <a:xfrm>
+            <a:off x="2382" y="6400800"/>
+            <a:ext cx="9141619" cy="457200"/>
+          </a:xfrm>
+          <a:prstGeom prst="rect">
+            <a:avLst/>
+          </a:prstGeom>
+          <a:solidFill>
+            <a:schemeClr val="accent2"/>
+          </a:solidFill>
+          <a:ln>
+            <a:noFill/>
+          </a:ln>
+        </p:spPr>
+        <p:style>
+          <a:lnRef idx="2">
+            <a:schemeClr val="accent1">
+              <a:shade val="50000"/>
+            </a:schemeClr>
+          </a:lnRef>
+          <a:fillRef idx="1">
+            <a:schemeClr val="accent1"/>
+          </a:fillRef>
+          <a:effectRef idx="0">
+            <a:schemeClr val="accent1"/>
+          </a:effectRef>
+          <a:fontRef idx="minor">
+            <a:schemeClr val="lt1"/>
+          </a:fontRef>
+        </p:style>
+      </p:sp>
+      <p:sp>
+        <p:nvSpPr>
+          <p:cNvPr id="8" name="Rectangle 7"/>
+          <p:cNvSpPr/>
+          <p:nvPr/>
+        </p:nvSpPr>
+        <p:spPr>
+          <a:xfrm>
+            <a:off x="12" y="6334316"/>
+            <a:ext cx="9141619" cy="64008"/>
+          </a:xfrm>
+          <a:prstGeom prst="rect">
+            <a:avLst/>
+          </a:prstGeom>
+          <a:solidFill>
+            <a:schemeClr val="accent1"/>
+          </a:solidFill>
+          <a:ln>
+            <a:noFill/>
+          </a:ln>
+        </p:spPr>
+        <p:style>
+          <a:lnRef idx="2">
+            <a:schemeClr val="accent1">
+              <a:shade val="50000"/>
+            </a:schemeClr>
+          </a:lnRef>
+          <a:fillRef idx="1">
+            <a:schemeClr val="accent1"/>
+          </a:fillRef>
+          <a:effectRef idx="0">
+            <a:schemeClr val="accent1"/>
+          </a:effectRef>
+          <a:fontRef idx="minor">
+            <a:schemeClr val="lt1"/>
+          </a:fontRef>
+        </p:style>
+      </p:sp>
+      <p:sp>
+        <p:nvSpPr>
           <p:cNvPr id="2" name="Title 1"/>
           <p:cNvSpPr>
             <a:spLocks noGrp="1"/>
@@ -140,19 +1019,35 @@
         </p:nvSpPr>
         <p:spPr>
           <a:xfrm>
-            <a:off x="685800" y="2130425"/>
-            <a:ext cx="7772400" cy="1470025"/>
+            <a:off x="822960" y="758952"/>
+            <a:ext cx="7543800" cy="3566160"/>
           </a:xfrm>
         </p:spPr>
         <p:txBody>
-          <a:bodyPr/>
-          <a:lstStyle/>
+          <a:bodyPr anchor="b">
+            <a:normAutofit/>
+          </a:bodyPr>
+          <a:lstStyle>
+            <a:lvl1pPr algn="l">
+              <a:lnSpc>
+                <a:spcPct val="85000"/>
+              </a:lnSpc>
+              <a:defRPr sz="8000" spc="-50" baseline="0">
+                <a:solidFill>
+                  <a:schemeClr val="tx1">
+                    <a:lumMod val="85000"/>
+                    <a:lumOff val="15000"/>
+                  </a:schemeClr>
+                </a:solidFill>
+              </a:defRPr>
+            </a:lvl1pPr>
+          </a:lstStyle>
           <a:p>
             <a:r>
               <a:rPr lang="en-US" smtClean="0"/>
               <a:t>Click to edit Master title style</a:t>
             </a:r>
-            <a:endParaRPr lang="en-US"/>
+            <a:endParaRPr lang="en-US" dirty="0"/>
           </a:p>
         </p:txBody>
       </p:sp>
@@ -168,102 +1063,55 @@
         </p:nvSpPr>
         <p:spPr>
           <a:xfrm>
-            <a:off x="1371600" y="3886200"/>
-            <a:ext cx="6400800" cy="1752600"/>
+            <a:off x="825038" y="4455621"/>
+            <a:ext cx="7543800" cy="1143000"/>
           </a:xfrm>
         </p:spPr>
         <p:txBody>
-          <a:bodyPr/>
+          <a:bodyPr lIns="91440" rIns="91440">
+            <a:normAutofit/>
+          </a:bodyPr>
           <a:lstStyle>
-            <a:lvl1pPr marL="0" indent="0" algn="ctr">
+            <a:lvl1pPr marL="0" indent="0" algn="l">
               <a:buNone/>
-              <a:defRPr>
+              <a:defRPr sz="2400" cap="all" spc="200" baseline="0">
                 <a:solidFill>
-                  <a:schemeClr val="tx1">
-                    <a:tint val="75000"/>
-                  </a:schemeClr>
+                  <a:schemeClr val="tx2"/>
                 </a:solidFill>
+                <a:latin typeface="+mj-lt"/>
               </a:defRPr>
             </a:lvl1pPr>
             <a:lvl2pPr marL="457200" indent="0" algn="ctr">
               <a:buNone/>
-              <a:defRPr>
-                <a:solidFill>
-                  <a:schemeClr val="tx1">
-                    <a:tint val="75000"/>
-                  </a:schemeClr>
-                </a:solidFill>
-              </a:defRPr>
+              <a:defRPr sz="2400"/>
             </a:lvl2pPr>
             <a:lvl3pPr marL="914400" indent="0" algn="ctr">
               <a:buNone/>
-              <a:defRPr>
-                <a:solidFill>
-                  <a:schemeClr val="tx1">
-                    <a:tint val="75000"/>
-                  </a:schemeClr>
-                </a:solidFill>
-              </a:defRPr>
+              <a:defRPr sz="2400"/>
             </a:lvl3pPr>
             <a:lvl4pPr marL="1371600" indent="0" algn="ctr">
               <a:buNone/>
-              <a:defRPr>
-                <a:solidFill>
-                  <a:schemeClr val="tx1">
-                    <a:tint val="75000"/>
-                  </a:schemeClr>
-                </a:solidFill>
-              </a:defRPr>
+              <a:defRPr sz="2000"/>
             </a:lvl4pPr>
             <a:lvl5pPr marL="1828800" indent="0" algn="ctr">
               <a:buNone/>
-              <a:defRPr>
-                <a:solidFill>
-                  <a:schemeClr val="tx1">
-                    <a:tint val="75000"/>
-                  </a:schemeClr>
-                </a:solidFill>
-              </a:defRPr>
+              <a:defRPr sz="2000"/>
             </a:lvl5pPr>
             <a:lvl6pPr marL="2286000" indent="0" algn="ctr">
               <a:buNone/>
-              <a:defRPr>
-                <a:solidFill>
-                  <a:schemeClr val="tx1">
-                    <a:tint val="75000"/>
-                  </a:schemeClr>
-                </a:solidFill>
-              </a:defRPr>
+              <a:defRPr sz="2000"/>
             </a:lvl6pPr>
             <a:lvl7pPr marL="2743200" indent="0" algn="ctr">
               <a:buNone/>
-              <a:defRPr>
-                <a:solidFill>
-                  <a:schemeClr val="tx1">
-                    <a:tint val="75000"/>
-                  </a:schemeClr>
-                </a:solidFill>
-              </a:defRPr>
+              <a:defRPr sz="2000"/>
             </a:lvl7pPr>
             <a:lvl8pPr marL="3200400" indent="0" algn="ctr">
               <a:buNone/>
-              <a:defRPr>
-                <a:solidFill>
-                  <a:schemeClr val="tx1">
-                    <a:tint val="75000"/>
-                  </a:schemeClr>
-                </a:solidFill>
-              </a:defRPr>
+              <a:defRPr sz="2000"/>
             </a:lvl8pPr>
             <a:lvl9pPr marL="3657600" indent="0" algn="ctr">
               <a:buNone/>
-              <a:defRPr>
-                <a:solidFill>
-                  <a:schemeClr val="tx1">
-                    <a:tint val="75000"/>
-                  </a:schemeClr>
-                </a:solidFill>
-              </a:defRPr>
+              <a:defRPr sz="2000"/>
             </a:lvl9pPr>
           </a:lstStyle>
           <a:p>
@@ -271,7 +1119,7 @@
               <a:rPr lang="en-US" smtClean="0"/>
               <a:t>Click to edit Master subtitle style</a:t>
             </a:r>
-            <a:endParaRPr lang="en-US"/>
+            <a:endParaRPr lang="en-US" dirty="0"/>
           </a:p>
         </p:txBody>
       </p:sp>
@@ -292,7 +1140,7 @@
           <a:p>
             <a:fld id="{DE87C573-6297-7F47-AFD3-756D08C72035}" type="datetimeFigureOut">
               <a:rPr lang="en-US" smtClean="0"/>
-              <a:t>12/5/15</a:t>
+              <a:t>12/12/2015</a:t>
             </a:fld>
             <a:endParaRPr lang="en-US"/>
           </a:p>
@@ -340,10 +1188,48 @@
           </a:p>
         </p:txBody>
       </p:sp>
+      <p:cxnSp>
+        <p:nvCxnSpPr>
+          <p:cNvPr id="9" name="Straight Connector 8"/>
+          <p:cNvCxnSpPr/>
+          <p:nvPr/>
+        </p:nvCxnSpPr>
+        <p:spPr>
+          <a:xfrm>
+            <a:off x="905744" y="4343400"/>
+            <a:ext cx="7406640" cy="0"/>
+          </a:xfrm>
+          <a:prstGeom prst="line">
+            <a:avLst/>
+          </a:prstGeom>
+          <a:ln w="6350">
+            <a:solidFill>
+              <a:schemeClr val="tx1">
+                <a:lumMod val="50000"/>
+                <a:lumOff val="50000"/>
+              </a:schemeClr>
+            </a:solidFill>
+          </a:ln>
+        </p:spPr>
+        <p:style>
+          <a:lnRef idx="1">
+            <a:schemeClr val="accent1"/>
+          </a:lnRef>
+          <a:fillRef idx="0">
+            <a:schemeClr val="accent1"/>
+          </a:fillRef>
+          <a:effectRef idx="0">
+            <a:schemeClr val="accent1"/>
+          </a:effectRef>
+          <a:fontRef idx="minor">
+            <a:schemeClr val="tx1"/>
+          </a:fontRef>
+        </p:style>
+      </p:cxnSp>
     </p:spTree>
     <p:extLst>
       <p:ext uri="{BB962C8B-B14F-4D97-AF65-F5344CB8AC3E}">
-        <p14:creationId xmlns:p14="http://schemas.microsoft.com/office/powerpoint/2010/main" val="3597475804"/>
+        <p14:creationId xmlns:p14="http://schemas.microsoft.com/office/powerpoint/2010/main" val="3469982309"/>
       </p:ext>
     </p:extLst>
   </p:cSld>
@@ -389,7 +1275,7 @@
               <a:rPr lang="en-US" smtClean="0"/>
               <a:t>Click to edit Master title style</a:t>
             </a:r>
-            <a:endParaRPr lang="en-US"/>
+            <a:endParaRPr lang="en-US" dirty="0"/>
           </a:p>
         </p:txBody>
       </p:sp>
@@ -405,7 +1291,7 @@
         </p:nvSpPr>
         <p:spPr/>
         <p:txBody>
-          <a:bodyPr vert="eaVert"/>
+          <a:bodyPr vert="eaVert" lIns="45720" tIns="0" rIns="45720" bIns="0"/>
           <a:lstStyle/>
           <a:p>
             <a:pPr lvl="0"/>
@@ -441,7 +1327,7 @@
               <a:rPr lang="en-US" smtClean="0"/>
               <a:t>Fifth level</a:t>
             </a:r>
-            <a:endParaRPr lang="en-US"/>
+            <a:endParaRPr lang="en-US" dirty="0"/>
           </a:p>
         </p:txBody>
       </p:sp>
@@ -462,7 +1348,7 @@
           <a:p>
             <a:fld id="{DE87C573-6297-7F47-AFD3-756D08C72035}" type="datetimeFigureOut">
               <a:rPr lang="en-US" smtClean="0"/>
-              <a:t>12/5/15</a:t>
+              <a:t>12/12/2015</a:t>
             </a:fld>
             <a:endParaRPr lang="en-US"/>
           </a:p>
@@ -513,7 +1399,7 @@
     </p:spTree>
     <p:extLst>
       <p:ext uri="{BB962C8B-B14F-4D97-AF65-F5344CB8AC3E}">
-        <p14:creationId xmlns:p14="http://schemas.microsoft.com/office/powerpoint/2010/main" val="2978191664"/>
+        <p14:creationId xmlns:p14="http://schemas.microsoft.com/office/powerpoint/2010/main" val="737460258"/>
       </p:ext>
     </p:extLst>
   </p:cSld>
@@ -524,7 +1410,7 @@
 </file>
 
 <file path=ppt/slideLayouts/slideLayout11.xml><?xml version="1.0" encoding="utf-8"?>
-<p:sldLayout xmlns:a="http://schemas.openxmlformats.org/drawingml/2006/main" xmlns:r="http://schemas.openxmlformats.org/officeDocument/2006/relationships" xmlns:p="http://schemas.openxmlformats.org/presentationml/2006/main" type="vertTitleAndTx" preserve="1">
+<p:sldLayout xmlns:a="http://schemas.openxmlformats.org/drawingml/2006/main" xmlns:r="http://schemas.openxmlformats.org/officeDocument/2006/relationships" xmlns:p="http://schemas.openxmlformats.org/presentationml/2006/main" showMasterSp="0" type="vertTitleAndTx" preserve="1">
   <p:cSld name="Vertical Title and Text">
     <p:spTree>
       <p:nvGrpSpPr>
@@ -542,6 +1428,82 @@
       </p:grpSpPr>
       <p:sp>
         <p:nvSpPr>
+          <p:cNvPr id="7" name="Rectangle 6"/>
+          <p:cNvSpPr/>
+          <p:nvPr/>
+        </p:nvSpPr>
+        <p:spPr>
+          <a:xfrm>
+            <a:off x="2382" y="6400800"/>
+            <a:ext cx="9141619" cy="457200"/>
+          </a:xfrm>
+          <a:prstGeom prst="rect">
+            <a:avLst/>
+          </a:prstGeom>
+          <a:solidFill>
+            <a:schemeClr val="accent2"/>
+          </a:solidFill>
+          <a:ln>
+            <a:noFill/>
+          </a:ln>
+        </p:spPr>
+        <p:style>
+          <a:lnRef idx="2">
+            <a:schemeClr val="accent1">
+              <a:shade val="50000"/>
+            </a:schemeClr>
+          </a:lnRef>
+          <a:fillRef idx="1">
+            <a:schemeClr val="accent1"/>
+          </a:fillRef>
+          <a:effectRef idx="0">
+            <a:schemeClr val="accent1"/>
+          </a:effectRef>
+          <a:fontRef idx="minor">
+            <a:schemeClr val="lt1"/>
+          </a:fontRef>
+        </p:style>
+      </p:sp>
+      <p:sp>
+        <p:nvSpPr>
+          <p:cNvPr id="8" name="Rectangle 7"/>
+          <p:cNvSpPr/>
+          <p:nvPr/>
+        </p:nvSpPr>
+        <p:spPr>
+          <a:xfrm>
+            <a:off x="12" y="6334316"/>
+            <a:ext cx="9141619" cy="64008"/>
+          </a:xfrm>
+          <a:prstGeom prst="rect">
+            <a:avLst/>
+          </a:prstGeom>
+          <a:solidFill>
+            <a:schemeClr val="accent1"/>
+          </a:solidFill>
+          <a:ln>
+            <a:noFill/>
+          </a:ln>
+        </p:spPr>
+        <p:style>
+          <a:lnRef idx="2">
+            <a:schemeClr val="accent1">
+              <a:shade val="50000"/>
+            </a:schemeClr>
+          </a:lnRef>
+          <a:fillRef idx="1">
+            <a:schemeClr val="accent1"/>
+          </a:fillRef>
+          <a:effectRef idx="0">
+            <a:schemeClr val="accent1"/>
+          </a:effectRef>
+          <a:fontRef idx="minor">
+            <a:schemeClr val="lt1"/>
+          </a:fontRef>
+        </p:style>
+      </p:sp>
+      <p:sp>
+        <p:nvSpPr>
           <p:cNvPr id="2" name="Vertical Title 1"/>
           <p:cNvSpPr>
             <a:spLocks noGrp="1"/>
@@ -552,8 +1514,8 @@
         </p:nvSpPr>
         <p:spPr>
           <a:xfrm>
-            <a:off x="6629400" y="274638"/>
-            <a:ext cx="2057400" cy="5851525"/>
+            <a:off x="6543675" y="414779"/>
+            <a:ext cx="1971675" cy="5757421"/>
           </a:xfrm>
         </p:spPr>
         <p:txBody>
@@ -564,7 +1526,7 @@
               <a:rPr lang="en-US" smtClean="0"/>
               <a:t>Click to edit Master title style</a:t>
             </a:r>
-            <a:endParaRPr lang="en-US"/>
+            <a:endParaRPr lang="en-US" dirty="0"/>
           </a:p>
         </p:txBody>
       </p:sp>
@@ -580,12 +1542,12 @@
         </p:nvSpPr>
         <p:spPr>
           <a:xfrm>
-            <a:off x="457200" y="274638"/>
-            <a:ext cx="6019800" cy="5851525"/>
+            <a:off x="628650" y="414779"/>
+            <a:ext cx="5800725" cy="5757420"/>
           </a:xfrm>
         </p:spPr>
         <p:txBody>
-          <a:bodyPr vert="eaVert"/>
+          <a:bodyPr vert="eaVert" lIns="45720" tIns="0" rIns="45720" bIns="0"/>
           <a:lstStyle/>
           <a:p>
             <a:pPr lvl="0"/>
@@ -621,7 +1583,7 @@
               <a:rPr lang="en-US" smtClean="0"/>
               <a:t>Fifth level</a:t>
             </a:r>
-            <a:endParaRPr lang="en-US"/>
+            <a:endParaRPr lang="en-US" dirty="0"/>
           </a:p>
         </p:txBody>
       </p:sp>
@@ -642,7 +1604,7 @@
           <a:p>
             <a:fld id="{DE87C573-6297-7F47-AFD3-756D08C72035}" type="datetimeFigureOut">
               <a:rPr lang="en-US" smtClean="0"/>
-              <a:t>12/5/15</a:t>
+              <a:t>12/12/2015</a:t>
             </a:fld>
             <a:endParaRPr lang="en-US"/>
           </a:p>
@@ -693,7 +1655,7 @@
     </p:spTree>
     <p:extLst>
       <p:ext uri="{BB962C8B-B14F-4D97-AF65-F5344CB8AC3E}">
-        <p14:creationId xmlns:p14="http://schemas.microsoft.com/office/powerpoint/2010/main" val="548655754"/>
+        <p14:creationId xmlns:p14="http://schemas.microsoft.com/office/powerpoint/2010/main" val="4132066981"/>
       </p:ext>
     </p:extLst>
   </p:cSld>
@@ -739,7 +1701,7 @@
               <a:rPr lang="en-US" smtClean="0"/>
               <a:t>Click to edit Master title style</a:t>
             </a:r>
-            <a:endParaRPr lang="en-US"/>
+            <a:endParaRPr lang="en-US" dirty="0"/>
           </a:p>
         </p:txBody>
       </p:sp>
@@ -791,7 +1753,7 @@
               <a:rPr lang="en-US" smtClean="0"/>
               <a:t>Fifth level</a:t>
             </a:r>
-            <a:endParaRPr lang="en-US"/>
+            <a:endParaRPr lang="en-US" dirty="0"/>
           </a:p>
         </p:txBody>
       </p:sp>
@@ -812,7 +1774,7 @@
           <a:p>
             <a:fld id="{DE87C573-6297-7F47-AFD3-756D08C72035}" type="datetimeFigureOut">
               <a:rPr lang="en-US" smtClean="0"/>
-              <a:t>12/5/15</a:t>
+              <a:t>12/12/2015</a:t>
             </a:fld>
             <a:endParaRPr lang="en-US"/>
           </a:p>
@@ -863,7 +1825,7 @@
     </p:spTree>
     <p:extLst>
       <p:ext uri="{BB962C8B-B14F-4D97-AF65-F5344CB8AC3E}">
-        <p14:creationId xmlns:p14="http://schemas.microsoft.com/office/powerpoint/2010/main" val="3038359567"/>
+        <p14:creationId xmlns:p14="http://schemas.microsoft.com/office/powerpoint/2010/main" val="133677993"/>
       </p:ext>
     </p:extLst>
   </p:cSld>
@@ -874,8 +1836,16 @@
 </file>
 
 <file path=ppt/slideLayouts/slideLayout3.xml><?xml version="1.0" encoding="utf-8"?>
-<p:sldLayout xmlns:a="http://schemas.openxmlformats.org/drawingml/2006/main" xmlns:r="http://schemas.openxmlformats.org/officeDocument/2006/relationships" xmlns:p="http://schemas.openxmlformats.org/presentationml/2006/main" type="secHead" preserve="1">
+<p:sldLayout xmlns:a="http://schemas.openxmlformats.org/drawingml/2006/main" xmlns:r="http://schemas.openxmlformats.org/officeDocument/2006/relationships" xmlns:p="http://schemas.openxmlformats.org/presentationml/2006/main" showMasterSp="0" type="secHead" preserve="1">
   <p:cSld name="Section Header">
+    <p:bg>
+      <p:bgPr>
+        <a:solidFill>
+          <a:schemeClr val="bg1"/>
+        </a:solidFill>
+        <a:effectLst/>
+      </p:bgPr>
+    </p:bg>
     <p:spTree>
       <p:nvGrpSpPr>
         <p:cNvPr id="1" name=""/>
@@ -892,6 +1862,82 @@
       </p:grpSpPr>
       <p:sp>
         <p:nvSpPr>
+          <p:cNvPr id="7" name="Rectangle 6"/>
+          <p:cNvSpPr/>
+          <p:nvPr/>
+        </p:nvSpPr>
+        <p:spPr>
+          <a:xfrm>
+            <a:off x="2382" y="6400800"/>
+            <a:ext cx="9141619" cy="457200"/>
+          </a:xfrm>
+          <a:prstGeom prst="rect">
+            <a:avLst/>
+          </a:prstGeom>
+          <a:solidFill>
+            <a:schemeClr val="accent2"/>
+          </a:solidFill>
+          <a:ln>
+            <a:noFill/>
+          </a:ln>
+        </p:spPr>
+        <p:style>
+          <a:lnRef idx="2">
+            <a:schemeClr val="accent1">
+              <a:shade val="50000"/>
+            </a:schemeClr>
+          </a:lnRef>
+          <a:fillRef idx="1">
+            <a:schemeClr val="accent1"/>
+          </a:fillRef>
+          <a:effectRef idx="0">
+            <a:schemeClr val="accent1"/>
+          </a:effectRef>
+          <a:fontRef idx="minor">
+            <a:schemeClr val="lt1"/>
+          </a:fontRef>
+        </p:style>
+      </p:sp>
+      <p:sp>
+        <p:nvSpPr>
+          <p:cNvPr id="8" name="Rectangle 7"/>
+          <p:cNvSpPr/>
+          <p:nvPr/>
+        </p:nvSpPr>
+        <p:spPr>
+          <a:xfrm>
+            <a:off x="12" y="6334316"/>
+            <a:ext cx="9141619" cy="64008"/>
+          </a:xfrm>
+          <a:prstGeom prst="rect">
+            <a:avLst/>
+          </a:prstGeom>
+          <a:solidFill>
+            <a:schemeClr val="accent1"/>
+          </a:solidFill>
+          <a:ln>
+            <a:noFill/>
+          </a:ln>
+        </p:spPr>
+        <p:style>
+          <a:lnRef idx="2">
+            <a:schemeClr val="accent1">
+              <a:shade val="50000"/>
+            </a:schemeClr>
+          </a:lnRef>
+          <a:fillRef idx="1">
+            <a:schemeClr val="accent1"/>
+          </a:fillRef>
+          <a:effectRef idx="0">
+            <a:schemeClr val="accent1"/>
+          </a:effectRef>
+          <a:fontRef idx="minor">
+            <a:schemeClr val="lt1"/>
+          </a:fontRef>
+        </p:style>
+      </p:sp>
+      <p:sp>
+        <p:nvSpPr>
           <p:cNvPr id="2" name="Title 1"/>
           <p:cNvSpPr>
             <a:spLocks noGrp="1"/>
@@ -902,15 +1948,27 @@
         </p:nvSpPr>
         <p:spPr>
           <a:xfrm>
-            <a:off x="722313" y="4406900"/>
-            <a:ext cx="7772400" cy="1362075"/>
+            <a:off x="822960" y="758952"/>
+            <a:ext cx="7543800" cy="3566160"/>
           </a:xfrm>
         </p:spPr>
         <p:txBody>
-          <a:bodyPr anchor="t"/>
+          <a:bodyPr anchor="b" anchorCtr="0">
+            <a:normAutofit/>
+          </a:bodyPr>
           <a:lstStyle>
-            <a:lvl1pPr algn="l">
-              <a:defRPr sz="4000" b="1" cap="all"/>
+            <a:lvl1pPr>
+              <a:lnSpc>
+                <a:spcPct val="85000"/>
+              </a:lnSpc>
+              <a:defRPr sz="8000" b="0">
+                <a:solidFill>
+                  <a:schemeClr val="tx1">
+                    <a:lumMod val="85000"/>
+                    <a:lumOff val="15000"/>
+                  </a:schemeClr>
+                </a:solidFill>
+              </a:defRPr>
             </a:lvl1pPr>
           </a:lstStyle>
           <a:p>
@@ -918,7 +1976,7 @@
               <a:rPr lang="en-US" smtClean="0"/>
               <a:t>Click to edit Master title style</a:t>
             </a:r>
-            <a:endParaRPr lang="en-US"/>
+            <a:endParaRPr lang="en-US" dirty="0"/>
           </a:p>
         </p:txBody>
       </p:sp>
@@ -934,21 +1992,22 @@
         </p:nvSpPr>
         <p:spPr>
           <a:xfrm>
-            <a:off x="722313" y="2906713"/>
-            <a:ext cx="7772400" cy="1500187"/>
+            <a:off x="822960" y="4453128"/>
+            <a:ext cx="7543800" cy="1143000"/>
           </a:xfrm>
         </p:spPr>
         <p:txBody>
-          <a:bodyPr anchor="b"/>
+          <a:bodyPr lIns="91440" rIns="91440" anchor="t" anchorCtr="0">
+            <a:normAutofit/>
+          </a:bodyPr>
           <a:lstStyle>
             <a:lvl1pPr marL="0" indent="0">
               <a:buNone/>
-              <a:defRPr sz="2000">
+              <a:defRPr sz="2400" cap="all" spc="200" baseline="0">
                 <a:solidFill>
-                  <a:schemeClr val="tx1">
-                    <a:tint val="75000"/>
-                  </a:schemeClr>
+                  <a:schemeClr val="tx2"/>
                 </a:solidFill>
+                <a:latin typeface="+mj-lt"/>
               </a:defRPr>
             </a:lvl1pPr>
             <a:lvl2pPr marL="457200" indent="0">
@@ -1058,7 +2117,7 @@
           <a:p>
             <a:fld id="{DE87C573-6297-7F47-AFD3-756D08C72035}" type="datetimeFigureOut">
               <a:rPr lang="en-US" smtClean="0"/>
-              <a:t>12/5/15</a:t>
+              <a:t>12/12/2015</a:t>
             </a:fld>
             <a:endParaRPr lang="en-US"/>
           </a:p>
@@ -1106,10 +2165,48 @@
           </a:p>
         </p:txBody>
       </p:sp>
+      <p:cxnSp>
+        <p:nvCxnSpPr>
+          <p:cNvPr id="9" name="Straight Connector 8"/>
+          <p:cNvCxnSpPr/>
+          <p:nvPr/>
+        </p:nvCxnSpPr>
+        <p:spPr>
+          <a:xfrm>
+            <a:off x="905744" y="4343400"/>
+            <a:ext cx="7406640" cy="0"/>
+          </a:xfrm>
+          <a:prstGeom prst="line">
+            <a:avLst/>
+          </a:prstGeom>
+          <a:ln w="6350">
+            <a:solidFill>
+              <a:schemeClr val="tx1">
+                <a:lumMod val="50000"/>
+                <a:lumOff val="50000"/>
+              </a:schemeClr>
+            </a:solidFill>
+          </a:ln>
+        </p:spPr>
+        <p:style>
+          <a:lnRef idx="1">
+            <a:schemeClr val="accent1"/>
+          </a:lnRef>
+          <a:fillRef idx="0">
+            <a:schemeClr val="accent1"/>
+          </a:fillRef>
+          <a:effectRef idx="0">
+            <a:schemeClr val="accent1"/>
+          </a:effectRef>
+          <a:fontRef idx="minor">
+            <a:schemeClr val="tx1"/>
+          </a:fontRef>
+        </p:style>
+      </p:cxnSp>
     </p:spTree>
     <p:extLst>
       <p:ext uri="{BB962C8B-B14F-4D97-AF65-F5344CB8AC3E}">
-        <p14:creationId xmlns:p14="http://schemas.microsoft.com/office/powerpoint/2010/main" val="2792889991"/>
+        <p14:creationId xmlns:p14="http://schemas.microsoft.com/office/powerpoint/2010/main" val="328919837"/>
       </p:ext>
     </p:extLst>
   </p:cSld>
@@ -1138,7 +2235,7 @@
       </p:grpSpPr>
       <p:sp>
         <p:nvSpPr>
-          <p:cNvPr id="2" name="Title 1"/>
+          <p:cNvPr id="8" name="Title 7"/>
           <p:cNvSpPr>
             <a:spLocks noGrp="1"/>
           </p:cNvSpPr>
@@ -1146,7 +2243,12 @@
             <p:ph type="title"/>
           </p:nvPr>
         </p:nvSpPr>
-        <p:spPr/>
+        <p:spPr>
+          <a:xfrm>
+            <a:off x="822960" y="286604"/>
+            <a:ext cx="7543800" cy="1450757"/>
+          </a:xfrm>
+        </p:spPr>
         <p:txBody>
           <a:bodyPr/>
           <a:lstStyle/>
@@ -1155,7 +2257,7 @@
               <a:rPr lang="en-US" smtClean="0"/>
               <a:t>Click to edit Master title style</a:t>
             </a:r>
-            <a:endParaRPr lang="en-US"/>
+            <a:endParaRPr lang="en-US" dirty="0"/>
           </a:p>
         </p:txBody>
       </p:sp>
@@ -1171,41 +2273,13 @@
         </p:nvSpPr>
         <p:spPr>
           <a:xfrm>
-            <a:off x="457200" y="1600200"/>
-            <a:ext cx="4038600" cy="4525963"/>
+            <a:off x="822960" y="1845734"/>
+            <a:ext cx="3703320" cy="4023360"/>
           </a:xfrm>
         </p:spPr>
         <p:txBody>
           <a:bodyPr/>
-          <a:lstStyle>
-            <a:lvl1pPr>
-              <a:defRPr sz="2800"/>
-            </a:lvl1pPr>
-            <a:lvl2pPr>
-              <a:defRPr sz="2400"/>
-            </a:lvl2pPr>
-            <a:lvl3pPr>
-              <a:defRPr sz="2000"/>
-            </a:lvl3pPr>
-            <a:lvl4pPr>
-              <a:defRPr sz="1800"/>
-            </a:lvl4pPr>
-            <a:lvl5pPr>
-              <a:defRPr sz="1800"/>
-            </a:lvl5pPr>
-            <a:lvl6pPr>
-              <a:defRPr sz="1800"/>
-            </a:lvl6pPr>
-            <a:lvl7pPr>
-              <a:defRPr sz="1800"/>
-            </a:lvl7pPr>
-            <a:lvl8pPr>
-              <a:defRPr sz="1800"/>
-            </a:lvl8pPr>
-            <a:lvl9pPr>
-              <a:defRPr sz="1800"/>
-            </a:lvl9pPr>
-          </a:lstStyle>
+          <a:lstStyle/>
           <a:p>
             <a:pPr lvl="0"/>
             <a:r>
@@ -1240,7 +2314,7 @@
               <a:rPr lang="en-US" smtClean="0"/>
               <a:t>Fifth level</a:t>
             </a:r>
-            <a:endParaRPr lang="en-US"/>
+            <a:endParaRPr lang="en-US" dirty="0"/>
           </a:p>
         </p:txBody>
       </p:sp>
@@ -1256,41 +2330,13 @@
         </p:nvSpPr>
         <p:spPr>
           <a:xfrm>
-            <a:off x="4648200" y="1600200"/>
-            <a:ext cx="4038600" cy="4525963"/>
+            <a:off x="4663440" y="1845736"/>
+            <a:ext cx="3703320" cy="4023359"/>
           </a:xfrm>
         </p:spPr>
         <p:txBody>
           <a:bodyPr/>
-          <a:lstStyle>
-            <a:lvl1pPr>
-              <a:defRPr sz="2800"/>
-            </a:lvl1pPr>
-            <a:lvl2pPr>
-              <a:defRPr sz="2400"/>
-            </a:lvl2pPr>
-            <a:lvl3pPr>
-              <a:defRPr sz="2000"/>
-            </a:lvl3pPr>
-            <a:lvl4pPr>
-              <a:defRPr sz="1800"/>
-            </a:lvl4pPr>
-            <a:lvl5pPr>
-              <a:defRPr sz="1800"/>
-            </a:lvl5pPr>
-            <a:lvl6pPr>
-              <a:defRPr sz="1800"/>
-            </a:lvl6pPr>
-            <a:lvl7pPr>
-              <a:defRPr sz="1800"/>
-            </a:lvl7pPr>
-            <a:lvl8pPr>
-              <a:defRPr sz="1800"/>
-            </a:lvl8pPr>
-            <a:lvl9pPr>
-              <a:defRPr sz="1800"/>
-            </a:lvl9pPr>
-          </a:lstStyle>
+          <a:lstStyle/>
           <a:p>
             <a:pPr lvl="0"/>
             <a:r>
@@ -1325,7 +2371,7 @@
               <a:rPr lang="en-US" smtClean="0"/>
               <a:t>Fifth level</a:t>
             </a:r>
-            <a:endParaRPr lang="en-US"/>
+            <a:endParaRPr lang="en-US" dirty="0"/>
           </a:p>
         </p:txBody>
       </p:sp>
@@ -1346,7 +2392,7 @@
           <a:p>
             <a:fld id="{DE87C573-6297-7F47-AFD3-756D08C72035}" type="datetimeFigureOut">
               <a:rPr lang="en-US" smtClean="0"/>
-              <a:t>12/5/15</a:t>
+              <a:t>12/12/2015</a:t>
             </a:fld>
             <a:endParaRPr lang="en-US"/>
           </a:p>
@@ -1397,7 +2443,7 @@
     </p:spTree>
     <p:extLst>
       <p:ext uri="{BB962C8B-B14F-4D97-AF65-F5344CB8AC3E}">
-        <p14:creationId xmlns:p14="http://schemas.microsoft.com/office/powerpoint/2010/main" val="2026495991"/>
+        <p14:creationId xmlns:p14="http://schemas.microsoft.com/office/powerpoint/2010/main" val="2778188194"/>
       </p:ext>
     </p:extLst>
   </p:cSld>
@@ -1426,7 +2472,7 @@
       </p:grpSpPr>
       <p:sp>
         <p:nvSpPr>
-          <p:cNvPr id="2" name="Title 1"/>
+          <p:cNvPr id="10" name="Title 9"/>
           <p:cNvSpPr>
             <a:spLocks noGrp="1"/>
           </p:cNvSpPr>
@@ -1434,20 +2480,21 @@
             <p:ph type="title"/>
           </p:nvPr>
         </p:nvSpPr>
-        <p:spPr/>
+        <p:spPr>
+          <a:xfrm>
+            <a:off x="822960" y="286604"/>
+            <a:ext cx="7543800" cy="1450757"/>
+          </a:xfrm>
+        </p:spPr>
         <p:txBody>
           <a:bodyPr/>
-          <a:lstStyle>
-            <a:lvl1pPr>
-              <a:defRPr/>
-            </a:lvl1pPr>
-          </a:lstStyle>
+          <a:lstStyle/>
           <a:p>
             <a:r>
               <a:rPr lang="en-US" smtClean="0"/>
               <a:t>Click to edit Master title style</a:t>
             </a:r>
-            <a:endParaRPr lang="en-US"/>
+            <a:endParaRPr lang="en-US" dirty="0"/>
           </a:p>
         </p:txBody>
       </p:sp>
@@ -1463,16 +2510,22 @@
         </p:nvSpPr>
         <p:spPr>
           <a:xfrm>
-            <a:off x="457200" y="1535113"/>
-            <a:ext cx="4040188" cy="639762"/>
+            <a:off x="822960" y="1846052"/>
+            <a:ext cx="3703320" cy="736282"/>
           </a:xfrm>
         </p:spPr>
         <p:txBody>
-          <a:bodyPr anchor="b"/>
+          <a:bodyPr lIns="91440" rIns="91440" anchor="ctr">
+            <a:normAutofit/>
+          </a:bodyPr>
           <a:lstStyle>
             <a:lvl1pPr marL="0" indent="0">
               <a:buNone/>
-              <a:defRPr sz="2400" b="1"/>
+              <a:defRPr sz="2000" b="0" cap="all" baseline="0">
+                <a:solidFill>
+                  <a:schemeClr val="tx2"/>
+                </a:solidFill>
+              </a:defRPr>
             </a:lvl1pPr>
             <a:lvl2pPr marL="457200" indent="0">
               <a:buNone/>
@@ -1528,41 +2581,13 @@
         </p:nvSpPr>
         <p:spPr>
           <a:xfrm>
-            <a:off x="457200" y="2174875"/>
-            <a:ext cx="4040188" cy="3951288"/>
+            <a:off x="822960" y="2582334"/>
+            <a:ext cx="3703320" cy="3286760"/>
           </a:xfrm>
         </p:spPr>
         <p:txBody>
           <a:bodyPr/>
-          <a:lstStyle>
-            <a:lvl1pPr>
-              <a:defRPr sz="2400"/>
-            </a:lvl1pPr>
-            <a:lvl2pPr>
-              <a:defRPr sz="2000"/>
-            </a:lvl2pPr>
-            <a:lvl3pPr>
-              <a:defRPr sz="1800"/>
-            </a:lvl3pPr>
-            <a:lvl4pPr>
-              <a:defRPr sz="1600"/>
-            </a:lvl4pPr>
-            <a:lvl5pPr>
-              <a:defRPr sz="1600"/>
-            </a:lvl5pPr>
-            <a:lvl6pPr>
-              <a:defRPr sz="1600"/>
-            </a:lvl6pPr>
-            <a:lvl7pPr>
-              <a:defRPr sz="1600"/>
-            </a:lvl7pPr>
-            <a:lvl8pPr>
-              <a:defRPr sz="1600"/>
-            </a:lvl8pPr>
-            <a:lvl9pPr>
-              <a:defRPr sz="1600"/>
-            </a:lvl9pPr>
-          </a:lstStyle>
+          <a:lstStyle/>
           <a:p>
             <a:pPr lvl="0"/>
             <a:r>
@@ -1597,7 +2622,7 @@
               <a:rPr lang="en-US" smtClean="0"/>
               <a:t>Fifth level</a:t>
             </a:r>
-            <a:endParaRPr lang="en-US"/>
+            <a:endParaRPr lang="en-US" dirty="0"/>
           </a:p>
         </p:txBody>
       </p:sp>
@@ -1613,16 +2638,22 @@
         </p:nvSpPr>
         <p:spPr>
           <a:xfrm>
-            <a:off x="4645025" y="1535113"/>
-            <a:ext cx="4041775" cy="639762"/>
+            <a:off x="4663440" y="1846052"/>
+            <a:ext cx="3703320" cy="736282"/>
           </a:xfrm>
         </p:spPr>
         <p:txBody>
-          <a:bodyPr anchor="b"/>
+          <a:bodyPr lIns="91440" rIns="91440" anchor="ctr">
+            <a:normAutofit/>
+          </a:bodyPr>
           <a:lstStyle>
             <a:lvl1pPr marL="0" indent="0">
               <a:buNone/>
-              <a:defRPr sz="2400" b="1"/>
+              <a:defRPr sz="2000" b="0" cap="all" baseline="0">
+                <a:solidFill>
+                  <a:schemeClr val="tx2"/>
+                </a:solidFill>
+              </a:defRPr>
             </a:lvl1pPr>
             <a:lvl2pPr marL="457200" indent="0">
               <a:buNone/>
@@ -1678,41 +2709,13 @@
         </p:nvSpPr>
         <p:spPr>
           <a:xfrm>
-            <a:off x="4645025" y="2174875"/>
-            <a:ext cx="4041775" cy="3951288"/>
+            <a:off x="4663440" y="2582334"/>
+            <a:ext cx="3703320" cy="3286760"/>
           </a:xfrm>
         </p:spPr>
         <p:txBody>
           <a:bodyPr/>
-          <a:lstStyle>
-            <a:lvl1pPr>
-              <a:defRPr sz="2400"/>
-            </a:lvl1pPr>
-            <a:lvl2pPr>
-              <a:defRPr sz="2000"/>
-            </a:lvl2pPr>
-            <a:lvl3pPr>
-              <a:defRPr sz="1800"/>
-            </a:lvl3pPr>
-            <a:lvl4pPr>
-              <a:defRPr sz="1600"/>
-            </a:lvl4pPr>
-            <a:lvl5pPr>
-              <a:defRPr sz="1600"/>
-            </a:lvl5pPr>
-            <a:lvl6pPr>
-              <a:defRPr sz="1600"/>
-            </a:lvl6pPr>
-            <a:lvl7pPr>
-              <a:defRPr sz="1600"/>
-            </a:lvl7pPr>
-            <a:lvl8pPr>
-              <a:defRPr sz="1600"/>
-            </a:lvl8pPr>
-            <a:lvl9pPr>
-              <a:defRPr sz="1600"/>
-            </a:lvl9pPr>
-          </a:lstStyle>
+          <a:lstStyle/>
           <a:p>
             <a:pPr lvl="0"/>
             <a:r>
@@ -1747,7 +2750,7 @@
               <a:rPr lang="en-US" smtClean="0"/>
               <a:t>Fifth level</a:t>
             </a:r>
-            <a:endParaRPr lang="en-US"/>
+            <a:endParaRPr lang="en-US" dirty="0"/>
           </a:p>
         </p:txBody>
       </p:sp>
@@ -1768,7 +2771,7 @@
           <a:p>
             <a:fld id="{DE87C573-6297-7F47-AFD3-756D08C72035}" type="datetimeFigureOut">
               <a:rPr lang="en-US" smtClean="0"/>
-              <a:t>12/5/15</a:t>
+              <a:t>12/12/2015</a:t>
             </a:fld>
             <a:endParaRPr lang="en-US"/>
           </a:p>
@@ -1819,7 +2822,7 @@
     </p:spTree>
     <p:extLst>
       <p:ext uri="{BB962C8B-B14F-4D97-AF65-F5344CB8AC3E}">
-        <p14:creationId xmlns:p14="http://schemas.microsoft.com/office/powerpoint/2010/main" val="3437338277"/>
+        <p14:creationId xmlns:p14="http://schemas.microsoft.com/office/powerpoint/2010/main" val="2582431003"/>
       </p:ext>
     </p:extLst>
   </p:cSld>
@@ -1865,7 +2868,7 @@
               <a:rPr lang="en-US" smtClean="0"/>
               <a:t>Click to edit Master title style</a:t>
             </a:r>
-            <a:endParaRPr lang="en-US"/>
+            <a:endParaRPr lang="en-US" dirty="0"/>
           </a:p>
         </p:txBody>
       </p:sp>
@@ -1886,7 +2889,7 @@
           <a:p>
             <a:fld id="{DE87C573-6297-7F47-AFD3-756D08C72035}" type="datetimeFigureOut">
               <a:rPr lang="en-US" smtClean="0"/>
-              <a:t>12/5/15</a:t>
+              <a:t>12/12/2015</a:t>
             </a:fld>
             <a:endParaRPr lang="en-US"/>
           </a:p>
@@ -1937,7 +2940,7 @@
     </p:spTree>
     <p:extLst>
       <p:ext uri="{BB962C8B-B14F-4D97-AF65-F5344CB8AC3E}">
-        <p14:creationId xmlns:p14="http://schemas.microsoft.com/office/powerpoint/2010/main" val="991812732"/>
+        <p14:creationId xmlns:p14="http://schemas.microsoft.com/office/powerpoint/2010/main" val="1618698724"/>
       </p:ext>
     </p:extLst>
   </p:cSld>
@@ -1948,7 +2951,7 @@
 </file>
 
 <file path=ppt/slideLayouts/slideLayout7.xml><?xml version="1.0" encoding="utf-8"?>
-<p:sldLayout xmlns:a="http://schemas.openxmlformats.org/drawingml/2006/main" xmlns:r="http://schemas.openxmlformats.org/officeDocument/2006/relationships" xmlns:p="http://schemas.openxmlformats.org/presentationml/2006/main" type="blank" preserve="1">
+<p:sldLayout xmlns:a="http://schemas.openxmlformats.org/drawingml/2006/main" xmlns:r="http://schemas.openxmlformats.org/officeDocument/2006/relationships" xmlns:p="http://schemas.openxmlformats.org/presentationml/2006/main" showMasterSp="0" type="blank" preserve="1">
   <p:cSld name="Blank">
     <p:spTree>
       <p:nvGrpSpPr>
@@ -1966,7 +2969,83 @@
       </p:grpSpPr>
       <p:sp>
         <p:nvSpPr>
-          <p:cNvPr id="2" name="Date Placeholder 1"/>
+          <p:cNvPr id="5" name="Rectangle 4"/>
+          <p:cNvSpPr/>
+          <p:nvPr/>
+        </p:nvSpPr>
+        <p:spPr>
+          <a:xfrm>
+            <a:off x="2382" y="6400800"/>
+            <a:ext cx="9141619" cy="457200"/>
+          </a:xfrm>
+          <a:prstGeom prst="rect">
+            <a:avLst/>
+          </a:prstGeom>
+          <a:solidFill>
+            <a:schemeClr val="accent2"/>
+          </a:solidFill>
+          <a:ln>
+            <a:noFill/>
+          </a:ln>
+        </p:spPr>
+        <p:style>
+          <a:lnRef idx="2">
+            <a:schemeClr val="accent1">
+              <a:shade val="50000"/>
+            </a:schemeClr>
+          </a:lnRef>
+          <a:fillRef idx="1">
+            <a:schemeClr val="accent1"/>
+          </a:fillRef>
+          <a:effectRef idx="0">
+            <a:schemeClr val="accent1"/>
+          </a:effectRef>
+          <a:fontRef idx="minor">
+            <a:schemeClr val="lt1"/>
+          </a:fontRef>
+        </p:style>
+      </p:sp>
+      <p:sp>
+        <p:nvSpPr>
+          <p:cNvPr id="6" name="Rectangle 5"/>
+          <p:cNvSpPr/>
+          <p:nvPr/>
+        </p:nvSpPr>
+        <p:spPr>
+          <a:xfrm>
+            <a:off x="12" y="6334316"/>
+            <a:ext cx="9141619" cy="64008"/>
+          </a:xfrm>
+          <a:prstGeom prst="rect">
+            <a:avLst/>
+          </a:prstGeom>
+          <a:solidFill>
+            <a:schemeClr val="accent1"/>
+          </a:solidFill>
+          <a:ln>
+            <a:noFill/>
+          </a:ln>
+        </p:spPr>
+        <p:style>
+          <a:lnRef idx="2">
+            <a:schemeClr val="accent1">
+              <a:shade val="50000"/>
+            </a:schemeClr>
+          </a:lnRef>
+          <a:fillRef idx="1">
+            <a:schemeClr val="accent1"/>
+          </a:fillRef>
+          <a:effectRef idx="0">
+            <a:schemeClr val="accent1"/>
+          </a:effectRef>
+          <a:fontRef idx="minor">
+            <a:schemeClr val="lt1"/>
+          </a:fontRef>
+        </p:style>
+      </p:sp>
+      <p:sp>
+        <p:nvSpPr>
+          <p:cNvPr id="7" name="Date Placeholder 6"/>
           <p:cNvSpPr>
             <a:spLocks noGrp="1"/>
           </p:cNvSpPr>
@@ -1981,7 +3060,7 @@
           <a:p>
             <a:fld id="{DE87C573-6297-7F47-AFD3-756D08C72035}" type="datetimeFigureOut">
               <a:rPr lang="en-US" smtClean="0"/>
-              <a:t>12/5/15</a:t>
+              <a:t>12/12/2015</a:t>
             </a:fld>
             <a:endParaRPr lang="en-US"/>
           </a:p>
@@ -1989,7 +3068,7 @@
       </p:sp>
       <p:sp>
         <p:nvSpPr>
-          <p:cNvPr id="3" name="Footer Placeholder 2"/>
+          <p:cNvPr id="8" name="Footer Placeholder 7"/>
           <p:cNvSpPr>
             <a:spLocks noGrp="1"/>
           </p:cNvSpPr>
@@ -2000,7 +3079,15 @@
         <p:spPr/>
         <p:txBody>
           <a:bodyPr/>
-          <a:lstStyle/>
+          <a:lstStyle>
+            <a:lvl1pPr>
+              <a:defRPr>
+                <a:solidFill>
+                  <a:srgbClr val="FFFFFF"/>
+                </a:solidFill>
+              </a:defRPr>
+            </a:lvl1pPr>
+          </a:lstStyle>
           <a:p>
             <a:endParaRPr lang="en-US"/>
           </a:p>
@@ -2008,7 +3095,7 @@
       </p:sp>
       <p:sp>
         <p:nvSpPr>
-          <p:cNvPr id="4" name="Slide Number Placeholder 3"/>
+          <p:cNvPr id="9" name="Slide Number Placeholder 8"/>
           <p:cNvSpPr>
             <a:spLocks noGrp="1"/>
           </p:cNvSpPr>
@@ -2032,7 +3119,7 @@
     </p:spTree>
     <p:extLst>
       <p:ext uri="{BB962C8B-B14F-4D97-AF65-F5344CB8AC3E}">
-        <p14:creationId xmlns:p14="http://schemas.microsoft.com/office/powerpoint/2010/main" val="2697737786"/>
+        <p14:creationId xmlns:p14="http://schemas.microsoft.com/office/powerpoint/2010/main" val="875675944"/>
       </p:ext>
     </p:extLst>
   </p:cSld>
@@ -2043,7 +3130,7 @@
 </file>
 
 <file path=ppt/slideLayouts/slideLayout8.xml><?xml version="1.0" encoding="utf-8"?>
-<p:sldLayout xmlns:a="http://schemas.openxmlformats.org/drawingml/2006/main" xmlns:r="http://schemas.openxmlformats.org/officeDocument/2006/relationships" xmlns:p="http://schemas.openxmlformats.org/presentationml/2006/main" type="objTx" preserve="1">
+<p:sldLayout xmlns:a="http://schemas.openxmlformats.org/drawingml/2006/main" xmlns:r="http://schemas.openxmlformats.org/officeDocument/2006/relationships" xmlns:p="http://schemas.openxmlformats.org/presentationml/2006/main" showMasterSp="0" type="objTx" preserve="1">
   <p:cSld name="Content with Caption">
     <p:spTree>
       <p:nvGrpSpPr>
@@ -2061,6 +3148,82 @@
       </p:grpSpPr>
       <p:sp>
         <p:nvSpPr>
+          <p:cNvPr id="8" name="Rectangle 7"/>
+          <p:cNvSpPr/>
+          <p:nvPr/>
+        </p:nvSpPr>
+        <p:spPr>
+          <a:xfrm>
+            <a:off x="13" y="0"/>
+            <a:ext cx="3038093" cy="6858000"/>
+          </a:xfrm>
+          <a:prstGeom prst="rect">
+            <a:avLst/>
+          </a:prstGeom>
+          <a:solidFill>
+            <a:schemeClr val="accent2"/>
+          </a:solidFill>
+          <a:ln>
+            <a:noFill/>
+          </a:ln>
+        </p:spPr>
+        <p:style>
+          <a:lnRef idx="2">
+            <a:schemeClr val="accent1">
+              <a:shade val="50000"/>
+            </a:schemeClr>
+          </a:lnRef>
+          <a:fillRef idx="1">
+            <a:schemeClr val="accent1"/>
+          </a:fillRef>
+          <a:effectRef idx="0">
+            <a:schemeClr val="accent1"/>
+          </a:effectRef>
+          <a:fontRef idx="minor">
+            <a:schemeClr val="lt1"/>
+          </a:fontRef>
+        </p:style>
+      </p:sp>
+      <p:sp>
+        <p:nvSpPr>
+          <p:cNvPr id="9" name="Rectangle 8"/>
+          <p:cNvSpPr/>
+          <p:nvPr/>
+        </p:nvSpPr>
+        <p:spPr>
+          <a:xfrm>
+            <a:off x="3030053" y="0"/>
+            <a:ext cx="48006" cy="6858000"/>
+          </a:xfrm>
+          <a:prstGeom prst="rect">
+            <a:avLst/>
+          </a:prstGeom>
+          <a:solidFill>
+            <a:schemeClr val="accent1"/>
+          </a:solidFill>
+          <a:ln>
+            <a:noFill/>
+          </a:ln>
+        </p:spPr>
+        <p:style>
+          <a:lnRef idx="2">
+            <a:schemeClr val="accent1">
+              <a:shade val="50000"/>
+            </a:schemeClr>
+          </a:lnRef>
+          <a:fillRef idx="1">
+            <a:schemeClr val="accent1"/>
+          </a:fillRef>
+          <a:effectRef idx="0">
+            <a:schemeClr val="accent1"/>
+          </a:effectRef>
+          <a:fontRef idx="minor">
+            <a:schemeClr val="lt1"/>
+          </a:fontRef>
+        </p:style>
+      </p:sp>
+      <p:sp>
+        <p:nvSpPr>
           <p:cNvPr id="2" name="Title 1"/>
           <p:cNvSpPr>
             <a:spLocks noGrp="1"/>
@@ -2071,15 +3234,21 @@
         </p:nvSpPr>
         <p:spPr>
           <a:xfrm>
-            <a:off x="457200" y="273050"/>
-            <a:ext cx="3008313" cy="1162050"/>
+            <a:off x="342900" y="594359"/>
+            <a:ext cx="2400300" cy="2286000"/>
           </a:xfrm>
         </p:spPr>
         <p:txBody>
-          <a:bodyPr anchor="b"/>
+          <a:bodyPr anchor="b">
+            <a:normAutofit/>
+          </a:bodyPr>
           <a:lstStyle>
-            <a:lvl1pPr algn="l">
-              <a:defRPr sz="2000" b="1"/>
+            <a:lvl1pPr>
+              <a:defRPr sz="3600" b="0">
+                <a:solidFill>
+                  <a:srgbClr val="FFFFFF"/>
+                </a:solidFill>
+              </a:defRPr>
             </a:lvl1pPr>
           </a:lstStyle>
           <a:p>
@@ -2087,7 +3256,7 @@
               <a:rPr lang="en-US" smtClean="0"/>
               <a:t>Click to edit Master title style</a:t>
             </a:r>
-            <a:endParaRPr lang="en-US"/>
+            <a:endParaRPr lang="en-US" dirty="0"/>
           </a:p>
         </p:txBody>
       </p:sp>
@@ -2103,41 +3272,13 @@
         </p:nvSpPr>
         <p:spPr>
           <a:xfrm>
-            <a:off x="3575050" y="273050"/>
-            <a:ext cx="5111750" cy="5853113"/>
+            <a:off x="3460237" y="731520"/>
+            <a:ext cx="5009393" cy="5257800"/>
           </a:xfrm>
         </p:spPr>
         <p:txBody>
           <a:bodyPr/>
-          <a:lstStyle>
-            <a:lvl1pPr>
-              <a:defRPr sz="3200"/>
-            </a:lvl1pPr>
-            <a:lvl2pPr>
-              <a:defRPr sz="2800"/>
-            </a:lvl2pPr>
-            <a:lvl3pPr>
-              <a:defRPr sz="2400"/>
-            </a:lvl3pPr>
-            <a:lvl4pPr>
-              <a:defRPr sz="2000"/>
-            </a:lvl4pPr>
-            <a:lvl5pPr>
-              <a:defRPr sz="2000"/>
-            </a:lvl5pPr>
-            <a:lvl6pPr>
-              <a:defRPr sz="2000"/>
-            </a:lvl6pPr>
-            <a:lvl7pPr>
-              <a:defRPr sz="2000"/>
-            </a:lvl7pPr>
-            <a:lvl8pPr>
-              <a:defRPr sz="2000"/>
-            </a:lvl8pPr>
-            <a:lvl9pPr>
-              <a:defRPr sz="2000"/>
-            </a:lvl9pPr>
-          </a:lstStyle>
+          <a:lstStyle/>
           <a:p>
             <a:pPr lvl="0"/>
             <a:r>
@@ -2172,7 +3313,7 @@
               <a:rPr lang="en-US" smtClean="0"/>
               <a:t>Fifth level</a:t>
             </a:r>
-            <a:endParaRPr lang="en-US"/>
+            <a:endParaRPr lang="en-US" dirty="0"/>
           </a:p>
         </p:txBody>
       </p:sp>
@@ -2188,16 +3329,22 @@
         </p:nvSpPr>
         <p:spPr>
           <a:xfrm>
-            <a:off x="457200" y="1435100"/>
-            <a:ext cx="3008313" cy="4691063"/>
+            <a:off x="342900" y="2926080"/>
+            <a:ext cx="2400300" cy="3379124"/>
           </a:xfrm>
         </p:spPr>
         <p:txBody>
-          <a:bodyPr/>
+          <a:bodyPr lIns="91440" rIns="91440">
+            <a:normAutofit/>
+          </a:bodyPr>
           <a:lstStyle>
             <a:lvl1pPr marL="0" indent="0">
               <a:buNone/>
-              <a:defRPr sz="1400"/>
+              <a:defRPr sz="1500">
+                <a:solidFill>
+                  <a:srgbClr val="FFFFFF"/>
+                </a:solidFill>
+              </a:defRPr>
             </a:lvl1pPr>
             <a:lvl2pPr marL="457200" indent="0">
               <a:buNone/>
@@ -2251,14 +3398,23 @@
             <p:ph type="dt" sz="half" idx="10"/>
           </p:nvPr>
         </p:nvSpPr>
-        <p:spPr/>
+        <p:spPr>
+          <a:xfrm>
+            <a:off x="349134" y="6459786"/>
+            <a:ext cx="1963883" cy="365125"/>
+          </a:xfrm>
+        </p:spPr>
         <p:txBody>
           <a:bodyPr/>
-          <a:lstStyle/>
+          <a:lstStyle>
+            <a:lvl1pPr algn="l">
+              <a:defRPr/>
+            </a:lvl1pPr>
+          </a:lstStyle>
           <a:p>
             <a:fld id="{DE87C573-6297-7F47-AFD3-756D08C72035}" type="datetimeFigureOut">
               <a:rPr lang="en-US" smtClean="0"/>
-              <a:t>12/5/15</a:t>
+              <a:t>12/12/2015</a:t>
             </a:fld>
             <a:endParaRPr lang="en-US"/>
           </a:p>
@@ -2274,10 +3430,23 @@
             <p:ph type="ftr" sz="quarter" idx="11"/>
           </p:nvPr>
         </p:nvSpPr>
-        <p:spPr/>
+        <p:spPr>
+          <a:xfrm>
+            <a:off x="3600450" y="6459786"/>
+            <a:ext cx="3486150" cy="365125"/>
+          </a:xfrm>
+        </p:spPr>
         <p:txBody>
           <a:bodyPr/>
-          <a:lstStyle/>
+          <a:lstStyle>
+            <a:lvl1pPr algn="l">
+              <a:defRPr>
+                <a:solidFill>
+                  <a:schemeClr val="tx2"/>
+                </a:solidFill>
+              </a:defRPr>
+            </a:lvl1pPr>
+          </a:lstStyle>
           <a:p>
             <a:endParaRPr lang="en-US"/>
           </a:p>
@@ -2296,7 +3465,15 @@
         <p:spPr/>
         <p:txBody>
           <a:bodyPr/>
-          <a:lstStyle/>
+          <a:lstStyle>
+            <a:lvl1pPr>
+              <a:defRPr>
+                <a:solidFill>
+                  <a:schemeClr val="tx2"/>
+                </a:solidFill>
+              </a:defRPr>
+            </a:lvl1pPr>
+          </a:lstStyle>
           <a:p>
             <a:fld id="{F10010FE-4440-304B-A77C-893F9537241F}" type="slidenum">
               <a:rPr lang="en-US" smtClean="0"/>
@@ -2309,7 +3486,7 @@
     </p:spTree>
     <p:extLst>
       <p:ext uri="{BB962C8B-B14F-4D97-AF65-F5344CB8AC3E}">
-        <p14:creationId xmlns:p14="http://schemas.microsoft.com/office/powerpoint/2010/main" val="1344820788"/>
+        <p14:creationId xmlns:p14="http://schemas.microsoft.com/office/powerpoint/2010/main" val="1486401652"/>
       </p:ext>
     </p:extLst>
   </p:cSld>
@@ -2320,7 +3497,7 @@
 </file>
 
 <file path=ppt/slideLayouts/slideLayout9.xml><?xml version="1.0" encoding="utf-8"?>
-<p:sldLayout xmlns:a="http://schemas.openxmlformats.org/drawingml/2006/main" xmlns:r="http://schemas.openxmlformats.org/officeDocument/2006/relationships" xmlns:p="http://schemas.openxmlformats.org/presentationml/2006/main" type="picTx" preserve="1">
+<p:sldLayout xmlns:a="http://schemas.openxmlformats.org/drawingml/2006/main" xmlns:r="http://schemas.openxmlformats.org/officeDocument/2006/relationships" xmlns:p="http://schemas.openxmlformats.org/presentationml/2006/main" showMasterSp="0" type="picTx" preserve="1">
   <p:cSld name="Picture with Caption">
     <p:spTree>
       <p:nvGrpSpPr>
@@ -2338,6 +3515,82 @@
       </p:grpSpPr>
       <p:sp>
         <p:nvSpPr>
+          <p:cNvPr id="8" name="Rectangle 7"/>
+          <p:cNvSpPr/>
+          <p:nvPr/>
+        </p:nvSpPr>
+        <p:spPr>
+          <a:xfrm>
+            <a:off x="0" y="4953000"/>
+            <a:ext cx="9141619" cy="1905000"/>
+          </a:xfrm>
+          <a:prstGeom prst="rect">
+            <a:avLst/>
+          </a:prstGeom>
+          <a:solidFill>
+            <a:schemeClr val="accent2"/>
+          </a:solidFill>
+          <a:ln>
+            <a:noFill/>
+          </a:ln>
+        </p:spPr>
+        <p:style>
+          <a:lnRef idx="2">
+            <a:schemeClr val="accent1">
+              <a:shade val="50000"/>
+            </a:schemeClr>
+          </a:lnRef>
+          <a:fillRef idx="1">
+            <a:schemeClr val="accent1"/>
+          </a:fillRef>
+          <a:effectRef idx="0">
+            <a:schemeClr val="accent1"/>
+          </a:effectRef>
+          <a:fontRef idx="minor">
+            <a:schemeClr val="lt1"/>
+          </a:fontRef>
+        </p:style>
+      </p:sp>
+      <p:sp>
+        <p:nvSpPr>
+          <p:cNvPr id="9" name="Rectangle 8"/>
+          <p:cNvSpPr/>
+          <p:nvPr/>
+        </p:nvSpPr>
+        <p:spPr>
+          <a:xfrm>
+            <a:off x="12" y="4915076"/>
+            <a:ext cx="9141619" cy="64008"/>
+          </a:xfrm>
+          <a:prstGeom prst="rect">
+            <a:avLst/>
+          </a:prstGeom>
+          <a:solidFill>
+            <a:schemeClr val="accent1"/>
+          </a:solidFill>
+          <a:ln>
+            <a:noFill/>
+          </a:ln>
+        </p:spPr>
+        <p:style>
+          <a:lnRef idx="2">
+            <a:schemeClr val="accent1">
+              <a:shade val="50000"/>
+            </a:schemeClr>
+          </a:lnRef>
+          <a:fillRef idx="1">
+            <a:schemeClr val="accent1"/>
+          </a:fillRef>
+          <a:effectRef idx="0">
+            <a:schemeClr val="accent1"/>
+          </a:effectRef>
+          <a:fontRef idx="minor">
+            <a:schemeClr val="lt1"/>
+          </a:fontRef>
+        </p:style>
+      </p:sp>
+      <p:sp>
+        <p:nvSpPr>
           <p:cNvPr id="2" name="Title 1"/>
           <p:cNvSpPr>
             <a:spLocks noGrp="1"/>
@@ -2348,15 +3601,21 @@
         </p:nvSpPr>
         <p:spPr>
           <a:xfrm>
-            <a:off x="1792288" y="4800600"/>
-            <a:ext cx="5486400" cy="566738"/>
+            <a:off x="822960" y="5074920"/>
+            <a:ext cx="7589520" cy="822960"/>
           </a:xfrm>
         </p:spPr>
         <p:txBody>
-          <a:bodyPr anchor="b"/>
+          <a:bodyPr tIns="0" bIns="0" anchor="b">
+            <a:noAutofit/>
+          </a:bodyPr>
           <a:lstStyle>
-            <a:lvl1pPr algn="l">
-              <a:defRPr sz="2000" b="1"/>
+            <a:lvl1pPr>
+              <a:defRPr sz="3600" b="0">
+                <a:solidFill>
+                  <a:srgbClr val="FFFFFF"/>
+                </a:solidFill>
+              </a:defRPr>
             </a:lvl1pPr>
           </a:lstStyle>
           <a:p>
@@ -2364,7 +3623,7 @@
               <a:rPr lang="en-US" smtClean="0"/>
               <a:t>Click to edit Master title style</a:t>
             </a:r>
-            <a:endParaRPr lang="en-US"/>
+            <a:endParaRPr lang="en-US" dirty="0"/>
           </a:p>
         </p:txBody>
       </p:sp>
@@ -2372,7 +3631,7 @@
         <p:nvSpPr>
           <p:cNvPr id="3" name="Picture Placeholder 2"/>
           <p:cNvSpPr>
-            <a:spLocks noGrp="1"/>
+            <a:spLocks noGrp="1" noChangeAspect="1"/>
           </p:cNvSpPr>
           <p:nvPr>
             <p:ph type="pic" idx="1"/>
@@ -2380,16 +3639,26 @@
         </p:nvSpPr>
         <p:spPr>
           <a:xfrm>
-            <a:off x="1792288" y="612775"/>
-            <a:ext cx="5486400" cy="4114800"/>
+            <a:off x="12" y="0"/>
+            <a:ext cx="9143989" cy="4915076"/>
           </a:xfrm>
+          <a:blipFill>
+            <a:blip r:embed="rId2"/>
+            <a:stretch>
+              <a:fillRect/>
+            </a:stretch>
+          </a:blipFill>
         </p:spPr>
         <p:txBody>
-          <a:bodyPr/>
+          <a:bodyPr lIns="457200" tIns="457200" anchor="t"/>
           <a:lstStyle>
             <a:lvl1pPr marL="0" indent="0">
               <a:buNone/>
-              <a:defRPr sz="3200"/>
+              <a:defRPr sz="3200">
+                <a:solidFill>
+                  <a:schemeClr val="bg1"/>
+                </a:solidFill>
+              </a:defRPr>
             </a:lvl1pPr>
             <a:lvl2pPr marL="457200" indent="0">
               <a:buNone/>
@@ -2425,7 +3694,11 @@
             </a:lvl9pPr>
           </a:lstStyle>
           <a:p>
-            <a:endParaRPr lang="en-US"/>
+            <a:r>
+              <a:rPr lang="en-US" smtClean="0"/>
+              <a:t>Click icon to add picture</a:t>
+            </a:r>
+            <a:endParaRPr lang="en-US" dirty="0"/>
           </a:p>
         </p:txBody>
       </p:sp>
@@ -2441,16 +3714,28 @@
         </p:nvSpPr>
         <p:spPr>
           <a:xfrm>
-            <a:off x="1792288" y="5367338"/>
-            <a:ext cx="5486400" cy="804862"/>
+            <a:off x="822959" y="5907024"/>
+            <a:ext cx="7589520" cy="594360"/>
           </a:xfrm>
         </p:spPr>
         <p:txBody>
-          <a:bodyPr/>
+          <a:bodyPr lIns="91440" tIns="0" rIns="91440" bIns="0">
+            <a:normAutofit/>
+          </a:bodyPr>
           <a:lstStyle>
             <a:lvl1pPr marL="0" indent="0">
+              <a:spcBef>
+                <a:spcPts val="0"/>
+              </a:spcBef>
+              <a:spcAft>
+                <a:spcPts val="600"/>
+              </a:spcAft>
               <a:buNone/>
-              <a:defRPr sz="1400"/>
+              <a:defRPr sz="1500">
+                <a:solidFill>
+                  <a:srgbClr val="FFFFFF"/>
+                </a:solidFill>
+              </a:defRPr>
             </a:lvl1pPr>
             <a:lvl2pPr marL="457200" indent="0">
               <a:buNone/>
@@ -2511,7 +3796,7 @@
           <a:p>
             <a:fld id="{DE87C573-6297-7F47-AFD3-756D08C72035}" type="datetimeFigureOut">
               <a:rPr lang="en-US" smtClean="0"/>
-              <a:t>12/5/15</a:t>
+              <a:t>12/12/2015</a:t>
             </a:fld>
             <a:endParaRPr lang="en-US"/>
           </a:p>
@@ -2562,7 +3847,7 @@
     </p:spTree>
     <p:extLst>
       <p:ext uri="{BB962C8B-B14F-4D97-AF65-F5344CB8AC3E}">
-        <p14:creationId xmlns:p14="http://schemas.microsoft.com/office/powerpoint/2010/main" val="1309775160"/>
+        <p14:creationId xmlns:p14="http://schemas.microsoft.com/office/powerpoint/2010/main" val="2540309919"/>
       </p:ext>
     </p:extLst>
   </p:cSld>
@@ -2596,6 +3881,82 @@
       </p:grpSpPr>
       <p:sp>
         <p:nvSpPr>
+          <p:cNvPr id="7" name="Rectangle 6"/>
+          <p:cNvSpPr/>
+          <p:nvPr/>
+        </p:nvSpPr>
+        <p:spPr>
+          <a:xfrm>
+            <a:off x="0" y="6400800"/>
+            <a:ext cx="9144001" cy="457200"/>
+          </a:xfrm>
+          <a:prstGeom prst="rect">
+            <a:avLst/>
+          </a:prstGeom>
+          <a:solidFill>
+            <a:schemeClr val="accent2"/>
+          </a:solidFill>
+          <a:ln>
+            <a:noFill/>
+          </a:ln>
+        </p:spPr>
+        <p:style>
+          <a:lnRef idx="2">
+            <a:schemeClr val="accent1">
+              <a:shade val="50000"/>
+            </a:schemeClr>
+          </a:lnRef>
+          <a:fillRef idx="1">
+            <a:schemeClr val="accent1"/>
+          </a:fillRef>
+          <a:effectRef idx="0">
+            <a:schemeClr val="accent1"/>
+          </a:effectRef>
+          <a:fontRef idx="minor">
+            <a:schemeClr val="lt1"/>
+          </a:fontRef>
+        </p:style>
+      </p:sp>
+      <p:sp>
+        <p:nvSpPr>
+          <p:cNvPr id="9" name="Rectangle 8"/>
+          <p:cNvSpPr/>
+          <p:nvPr/>
+        </p:nvSpPr>
+        <p:spPr>
+          <a:xfrm>
+            <a:off x="0" y="6334315"/>
+            <a:ext cx="9144001" cy="65999"/>
+          </a:xfrm>
+          <a:prstGeom prst="rect">
+            <a:avLst/>
+          </a:prstGeom>
+          <a:solidFill>
+            <a:schemeClr val="accent1"/>
+          </a:solidFill>
+          <a:ln>
+            <a:noFill/>
+          </a:ln>
+        </p:spPr>
+        <p:style>
+          <a:lnRef idx="2">
+            <a:schemeClr val="accent1">
+              <a:shade val="50000"/>
+            </a:schemeClr>
+          </a:lnRef>
+          <a:fillRef idx="1">
+            <a:schemeClr val="accent1"/>
+          </a:fillRef>
+          <a:effectRef idx="0">
+            <a:schemeClr val="accent1"/>
+          </a:effectRef>
+          <a:fontRef idx="minor">
+            <a:schemeClr val="lt1"/>
+          </a:fontRef>
+        </p:style>
+      </p:sp>
+      <p:sp>
+        <p:nvSpPr>
           <p:cNvPr id="2" name="Title Placeholder 1"/>
           <p:cNvSpPr>
             <a:spLocks noGrp="1"/>
@@ -2606,15 +3967,15 @@
         </p:nvSpPr>
         <p:spPr>
           <a:xfrm>
-            <a:off x="457200" y="274638"/>
-            <a:ext cx="8229600" cy="1143000"/>
+            <a:off x="822960" y="286604"/>
+            <a:ext cx="7543800" cy="1450757"/>
           </a:xfrm>
           <a:prstGeom prst="rect">
             <a:avLst/>
           </a:prstGeom>
         </p:spPr>
         <p:txBody>
-          <a:bodyPr vert="horz" lIns="91440" tIns="45720" rIns="91440" bIns="45720" rtlCol="0" anchor="ctr">
+          <a:bodyPr vert="horz" lIns="91440" tIns="45720" rIns="91440" bIns="45720" rtlCol="0" anchor="b">
             <a:normAutofit/>
           </a:bodyPr>
           <a:lstStyle/>
@@ -2623,7 +3984,7 @@
               <a:rPr lang="en-US" smtClean="0"/>
               <a:t>Click to edit Master title style</a:t>
             </a:r>
-            <a:endParaRPr lang="en-US"/>
+            <a:endParaRPr lang="en-US" dirty="0"/>
           </a:p>
         </p:txBody>
       </p:sp>
@@ -2639,15 +4000,15 @@
         </p:nvSpPr>
         <p:spPr>
           <a:xfrm>
-            <a:off x="457200" y="1600200"/>
-            <a:ext cx="8229600" cy="4525963"/>
+            <a:off x="822959" y="1845734"/>
+            <a:ext cx="7543801" cy="4023360"/>
           </a:xfrm>
           <a:prstGeom prst="rect">
             <a:avLst/>
           </a:prstGeom>
         </p:spPr>
         <p:txBody>
-          <a:bodyPr vert="horz" lIns="91440" tIns="45720" rIns="91440" bIns="45720" rtlCol="0">
+          <a:bodyPr vert="horz" lIns="0" tIns="45720" rIns="0" bIns="45720" rtlCol="0">
             <a:normAutofit/>
           </a:bodyPr>
           <a:lstStyle/>
@@ -2685,7 +4046,7 @@
               <a:rPr lang="en-US" smtClean="0"/>
               <a:t>Fifth level</a:t>
             </a:r>
-            <a:endParaRPr lang="en-US"/>
+            <a:endParaRPr lang="en-US" dirty="0"/>
           </a:p>
         </p:txBody>
       </p:sp>
@@ -2701,8 +4062,8 @@
         </p:nvSpPr>
         <p:spPr>
           <a:xfrm>
-            <a:off x="457200" y="6356350"/>
-            <a:ext cx="2133600" cy="365125"/>
+            <a:off x="822961" y="6459786"/>
+            <a:ext cx="1854203" cy="365125"/>
           </a:xfrm>
           <a:prstGeom prst="rect">
             <a:avLst/>
@@ -2712,11 +4073,9 @@
           <a:bodyPr vert="horz" lIns="91440" tIns="45720" rIns="91440" bIns="45720" rtlCol="0" anchor="ctr"/>
           <a:lstStyle>
             <a:lvl1pPr algn="l">
-              <a:defRPr sz="1200">
+              <a:defRPr sz="900">
                 <a:solidFill>
-                  <a:schemeClr val="tx1">
-                    <a:tint val="75000"/>
-                  </a:schemeClr>
+                  <a:srgbClr val="FFFFFF"/>
                 </a:solidFill>
               </a:defRPr>
             </a:lvl1pPr>
@@ -2724,7 +4083,7 @@
           <a:p>
             <a:fld id="{DE87C573-6297-7F47-AFD3-756D08C72035}" type="datetimeFigureOut">
               <a:rPr lang="en-US" smtClean="0"/>
-              <a:t>12/5/15</a:t>
+              <a:t>12/12/2015</a:t>
             </a:fld>
             <a:endParaRPr lang="en-US"/>
           </a:p>
@@ -2742,8 +4101,8 @@
         </p:nvSpPr>
         <p:spPr>
           <a:xfrm>
-            <a:off x="3124200" y="6356350"/>
-            <a:ext cx="2895600" cy="365125"/>
+            <a:off x="2764639" y="6459786"/>
+            <a:ext cx="3617103" cy="365125"/>
           </a:xfrm>
           <a:prstGeom prst="rect">
             <a:avLst/>
@@ -2753,11 +4112,9 @@
           <a:bodyPr vert="horz" lIns="91440" tIns="45720" rIns="91440" bIns="45720" rtlCol="0" anchor="ctr"/>
           <a:lstStyle>
             <a:lvl1pPr algn="ctr">
-              <a:defRPr sz="1200">
+              <a:defRPr sz="900" cap="all" baseline="0">
                 <a:solidFill>
-                  <a:schemeClr val="tx1">
-                    <a:tint val="75000"/>
-                  </a:schemeClr>
+                  <a:srgbClr val="FFFFFF"/>
                 </a:solidFill>
               </a:defRPr>
             </a:lvl1pPr>
@@ -2779,8 +4136,8 @@
         </p:nvSpPr>
         <p:spPr>
           <a:xfrm>
-            <a:off x="6553200" y="6356350"/>
-            <a:ext cx="2133600" cy="365125"/>
+            <a:off x="7425344" y="6459786"/>
+            <a:ext cx="984019" cy="365125"/>
           </a:xfrm>
           <a:prstGeom prst="rect">
             <a:avLst/>
@@ -2790,11 +4147,9 @@
           <a:bodyPr vert="horz" lIns="91440" tIns="45720" rIns="91440" bIns="45720" rtlCol="0" anchor="ctr"/>
           <a:lstStyle>
             <a:lvl1pPr algn="r">
-              <a:defRPr sz="1200">
+              <a:defRPr sz="1050">
                 <a:solidFill>
-                  <a:schemeClr val="tx1">
-                    <a:tint val="75000"/>
-                  </a:schemeClr>
+                  <a:srgbClr val="FFFFFF"/>
                 </a:solidFill>
               </a:defRPr>
             </a:lvl1pPr>
@@ -2808,37 +4163,81 @@
           </a:p>
         </p:txBody>
       </p:sp>
+      <p:cxnSp>
+        <p:nvCxnSpPr>
+          <p:cNvPr id="10" name="Straight Connector 9"/>
+          <p:cNvCxnSpPr/>
+          <p:nvPr/>
+        </p:nvCxnSpPr>
+        <p:spPr>
+          <a:xfrm>
+            <a:off x="895149" y="1737845"/>
+            <a:ext cx="7475220" cy="0"/>
+          </a:xfrm>
+          <a:prstGeom prst="line">
+            <a:avLst/>
+          </a:prstGeom>
+          <a:ln w="6350">
+            <a:solidFill>
+              <a:schemeClr val="tx1">
+                <a:lumMod val="50000"/>
+                <a:lumOff val="50000"/>
+              </a:schemeClr>
+            </a:solidFill>
+          </a:ln>
+        </p:spPr>
+        <p:style>
+          <a:lnRef idx="1">
+            <a:schemeClr val="accent1"/>
+          </a:lnRef>
+          <a:fillRef idx="0">
+            <a:schemeClr val="accent1"/>
+          </a:fillRef>
+          <a:effectRef idx="0">
+            <a:schemeClr val="accent1"/>
+          </a:effectRef>
+          <a:fontRef idx="minor">
+            <a:schemeClr val="tx1"/>
+          </a:fontRef>
+        </p:style>
+      </p:cxnSp>
     </p:spTree>
     <p:extLst>
       <p:ext uri="{BB962C8B-B14F-4D97-AF65-F5344CB8AC3E}">
-        <p14:creationId xmlns:p14="http://schemas.microsoft.com/office/powerpoint/2010/main" val="3435687063"/>
+        <p14:creationId xmlns:p14="http://schemas.microsoft.com/office/powerpoint/2010/main" val="243589636"/>
       </p:ext>
     </p:extLst>
   </p:cSld>
   <p:clrMap bg1="lt1" tx1="dk1" bg2="lt2" tx2="dk2" accent1="accent1" accent2="accent2" accent3="accent3" accent4="accent4" accent5="accent5" accent6="accent6" hlink="hlink" folHlink="folHlink"/>
   <p:sldLayoutIdLst>
-    <p:sldLayoutId id="2147483649" r:id="rId1"/>
-    <p:sldLayoutId id="2147483650" r:id="rId2"/>
-    <p:sldLayoutId id="2147483651" r:id="rId3"/>
-    <p:sldLayoutId id="2147483652" r:id="rId4"/>
-    <p:sldLayoutId id="2147483653" r:id="rId5"/>
-    <p:sldLayoutId id="2147483654" r:id="rId6"/>
-    <p:sldLayoutId id="2147483655" r:id="rId7"/>
-    <p:sldLayoutId id="2147483656" r:id="rId8"/>
-    <p:sldLayoutId id="2147483657" r:id="rId9"/>
-    <p:sldLayoutId id="2147483658" r:id="rId10"/>
-    <p:sldLayoutId id="2147483659" r:id="rId11"/>
+    <p:sldLayoutId id="2147483661" r:id="rId1"/>
+    <p:sldLayoutId id="2147483662" r:id="rId2"/>
+    <p:sldLayoutId id="2147483663" r:id="rId3"/>
+    <p:sldLayoutId id="2147483664" r:id="rId4"/>
+    <p:sldLayoutId id="2147483665" r:id="rId5"/>
+    <p:sldLayoutId id="2147483666" r:id="rId6"/>
+    <p:sldLayoutId id="2147483667" r:id="rId7"/>
+    <p:sldLayoutId id="2147483668" r:id="rId8"/>
+    <p:sldLayoutId id="2147483669" r:id="rId9"/>
+    <p:sldLayoutId id="2147483670" r:id="rId10"/>
+    <p:sldLayoutId id="2147483671" r:id="rId11"/>
   </p:sldLayoutIdLst>
   <p:txStyles>
     <p:titleStyle>
-      <a:lvl1pPr algn="ctr" defTabSz="457200" rtl="0" eaLnBrk="1" latinLnBrk="0" hangingPunct="1">
+      <a:lvl1pPr algn="l" defTabSz="914400" rtl="0" eaLnBrk="1" latinLnBrk="0" hangingPunct="1">
+        <a:lnSpc>
+          <a:spcPct val="85000"/>
+        </a:lnSpc>
         <a:spcBef>
           <a:spcPct val="0"/>
         </a:spcBef>
         <a:buNone/>
-        <a:defRPr sz="4400" kern="1200">
+        <a:defRPr sz="4800" kern="1200" spc="-50" baseline="0">
           <a:solidFill>
-            <a:schemeClr val="tx1"/>
+            <a:schemeClr val="tx1">
+              <a:lumMod val="75000"/>
+              <a:lumOff val="25000"/>
+            </a:schemeClr>
           </a:solidFill>
           <a:latin typeface="+mj-lt"/>
           <a:ea typeface="+mj-ea"/>
@@ -2847,135 +4246,244 @@
       </a:lvl1pPr>
     </p:titleStyle>
     <p:bodyStyle>
-      <a:lvl1pPr marL="342900" indent="-342900" algn="l" defTabSz="457200" rtl="0" eaLnBrk="1" latinLnBrk="0" hangingPunct="1">
+      <a:lvl1pPr marL="91440" indent="-91440" algn="l" defTabSz="914400" rtl="0" eaLnBrk="1" latinLnBrk="0" hangingPunct="1">
+        <a:lnSpc>
+          <a:spcPct val="90000"/>
+        </a:lnSpc>
         <a:spcBef>
-          <a:spcPct val="20000"/>
+          <a:spcPts val="1200"/>
         </a:spcBef>
-        <a:buFont typeface="Arial"/>
-        <a:buChar char="•"/>
-        <a:defRPr sz="3200" kern="1200">
+        <a:spcAft>
+          <a:spcPts val="200"/>
+        </a:spcAft>
+        <a:buClr>
+          <a:schemeClr val="accent1"/>
+        </a:buClr>
+        <a:buSzPct val="100000"/>
+        <a:buFont typeface="Calibri" panose="020F0502020204030204" pitchFamily="34" charset="0"/>
+        <a:buChar char=" "/>
+        <a:defRPr sz="2000" kern="1200">
           <a:solidFill>
-            <a:schemeClr val="tx1"/>
+            <a:schemeClr val="tx1">
+              <a:lumMod val="75000"/>
+              <a:lumOff val="25000"/>
+            </a:schemeClr>
           </a:solidFill>
           <a:latin typeface="+mn-lt"/>
           <a:ea typeface="+mn-ea"/>
           <a:cs typeface="+mn-cs"/>
         </a:defRPr>
       </a:lvl1pPr>
-      <a:lvl2pPr marL="742950" indent="-285750" algn="l" defTabSz="457200" rtl="0" eaLnBrk="1" latinLnBrk="0" hangingPunct="1">
+      <a:lvl2pPr marL="384048" indent="-182880" algn="l" defTabSz="914400" rtl="0" eaLnBrk="1" latinLnBrk="0" hangingPunct="1">
+        <a:lnSpc>
+          <a:spcPct val="90000"/>
+        </a:lnSpc>
         <a:spcBef>
-          <a:spcPct val="20000"/>
+          <a:spcPts val="200"/>
         </a:spcBef>
-        <a:buFont typeface="Arial"/>
-        <a:buChar char="–"/>
-        <a:defRPr sz="2800" kern="1200">
+        <a:spcAft>
+          <a:spcPts val="400"/>
+        </a:spcAft>
+        <a:buClr>
+          <a:schemeClr val="accent1"/>
+        </a:buClr>
+        <a:buFont typeface="Calibri" pitchFamily="34" charset="0"/>
+        <a:buChar char="◦"/>
+        <a:defRPr sz="1800" kern="1200">
           <a:solidFill>
-            <a:schemeClr val="tx1"/>
+            <a:schemeClr val="tx1">
+              <a:lumMod val="75000"/>
+              <a:lumOff val="25000"/>
+            </a:schemeClr>
           </a:solidFill>
           <a:latin typeface="+mn-lt"/>
           <a:ea typeface="+mn-ea"/>
           <a:cs typeface="+mn-cs"/>
         </a:defRPr>
       </a:lvl2pPr>
-      <a:lvl3pPr marL="1143000" indent="-228600" algn="l" defTabSz="457200" rtl="0" eaLnBrk="1" latinLnBrk="0" hangingPunct="1">
+      <a:lvl3pPr marL="566928" indent="-182880" algn="l" defTabSz="914400" rtl="0" eaLnBrk="1" latinLnBrk="0" hangingPunct="1">
+        <a:lnSpc>
+          <a:spcPct val="90000"/>
+        </a:lnSpc>
         <a:spcBef>
-          <a:spcPct val="20000"/>
+          <a:spcPts val="200"/>
         </a:spcBef>
-        <a:buFont typeface="Arial"/>
-        <a:buChar char="•"/>
-        <a:defRPr sz="2400" kern="1200">
+        <a:spcAft>
+          <a:spcPts val="400"/>
+        </a:spcAft>
+        <a:buClr>
+          <a:schemeClr val="accent1"/>
+        </a:buClr>
+        <a:buFont typeface="Calibri" pitchFamily="34" charset="0"/>
+        <a:buChar char="◦"/>
+        <a:defRPr sz="1400" kern="1200">
           <a:solidFill>
-            <a:schemeClr val="tx1"/>
+            <a:schemeClr val="tx1">
+              <a:lumMod val="75000"/>
+              <a:lumOff val="25000"/>
+            </a:schemeClr>
           </a:solidFill>
           <a:latin typeface="+mn-lt"/>
           <a:ea typeface="+mn-ea"/>
           <a:cs typeface="+mn-cs"/>
         </a:defRPr>
       </a:lvl3pPr>
-      <a:lvl4pPr marL="1600200" indent="-228600" algn="l" defTabSz="457200" rtl="0" eaLnBrk="1" latinLnBrk="0" hangingPunct="1">
+      <a:lvl4pPr marL="749808" indent="-182880" algn="l" defTabSz="914400" rtl="0" eaLnBrk="1" latinLnBrk="0" hangingPunct="1">
+        <a:lnSpc>
+          <a:spcPct val="90000"/>
+        </a:lnSpc>
         <a:spcBef>
-          <a:spcPct val="20000"/>
+          <a:spcPts val="200"/>
         </a:spcBef>
-        <a:buFont typeface="Arial"/>
-        <a:buChar char="–"/>
-        <a:defRPr sz="2000" kern="1200">
+        <a:spcAft>
+          <a:spcPts val="400"/>
+        </a:spcAft>
+        <a:buClr>
+          <a:schemeClr val="accent1"/>
+        </a:buClr>
+        <a:buFont typeface="Calibri" pitchFamily="34" charset="0"/>
+        <a:buChar char="◦"/>
+        <a:defRPr sz="1400" kern="1200">
           <a:solidFill>
-            <a:schemeClr val="tx1"/>
+            <a:schemeClr val="tx1">
+              <a:lumMod val="75000"/>
+              <a:lumOff val="25000"/>
+            </a:schemeClr>
           </a:solidFill>
           <a:latin typeface="+mn-lt"/>
           <a:ea typeface="+mn-ea"/>
           <a:cs typeface="+mn-cs"/>
         </a:defRPr>
       </a:lvl4pPr>
-      <a:lvl5pPr marL="2057400" indent="-228600" algn="l" defTabSz="457200" rtl="0" eaLnBrk="1" latinLnBrk="0" hangingPunct="1">
+      <a:lvl5pPr marL="932688" indent="-182880" algn="l" defTabSz="914400" rtl="0" eaLnBrk="1" latinLnBrk="0" hangingPunct="1">
+        <a:lnSpc>
+          <a:spcPct val="90000"/>
+        </a:lnSpc>
         <a:spcBef>
-          <a:spcPct val="20000"/>
+          <a:spcPts val="200"/>
         </a:spcBef>
-        <a:buFont typeface="Arial"/>
-        <a:buChar char="»"/>
-        <a:defRPr sz="2000" kern="1200">
+        <a:spcAft>
+          <a:spcPts val="400"/>
+        </a:spcAft>
+        <a:buClr>
+          <a:schemeClr val="accent1"/>
+        </a:buClr>
+        <a:buFont typeface="Calibri" pitchFamily="34" charset="0"/>
+        <a:buChar char="◦"/>
+        <a:defRPr sz="1400" kern="1200">
           <a:solidFill>
-            <a:schemeClr val="tx1"/>
+            <a:schemeClr val="tx1">
+              <a:lumMod val="75000"/>
+              <a:lumOff val="25000"/>
+            </a:schemeClr>
           </a:solidFill>
           <a:latin typeface="+mn-lt"/>
           <a:ea typeface="+mn-ea"/>
           <a:cs typeface="+mn-cs"/>
         </a:defRPr>
       </a:lvl5pPr>
-      <a:lvl6pPr marL="2514600" indent="-228600" algn="l" defTabSz="457200" rtl="0" eaLnBrk="1" latinLnBrk="0" hangingPunct="1">
+      <a:lvl6pPr marL="1100000" indent="-228600" algn="l" defTabSz="914400" rtl="0" eaLnBrk="1" latinLnBrk="0" hangingPunct="1">
+        <a:lnSpc>
+          <a:spcPct val="90000"/>
+        </a:lnSpc>
         <a:spcBef>
-          <a:spcPct val="20000"/>
+          <a:spcPts val="200"/>
         </a:spcBef>
-        <a:buFont typeface="Arial"/>
-        <a:buChar char="•"/>
-        <a:defRPr sz="2000" kern="1200">
+        <a:spcAft>
+          <a:spcPts val="400"/>
+        </a:spcAft>
+        <a:buClr>
+          <a:schemeClr val="accent1"/>
+        </a:buClr>
+        <a:buFont typeface="Calibri" pitchFamily="34" charset="0"/>
+        <a:buChar char="◦"/>
+        <a:defRPr sz="1400" kern="1200">
           <a:solidFill>
-            <a:schemeClr val="tx1"/>
+            <a:schemeClr val="tx1">
+              <a:lumMod val="75000"/>
+              <a:lumOff val="25000"/>
+            </a:schemeClr>
           </a:solidFill>
           <a:latin typeface="+mn-lt"/>
           <a:ea typeface="+mn-ea"/>
           <a:cs typeface="+mn-cs"/>
         </a:defRPr>
       </a:lvl6pPr>
-      <a:lvl7pPr marL="2971800" indent="-228600" algn="l" defTabSz="457200" rtl="0" eaLnBrk="1" latinLnBrk="0" hangingPunct="1">
+      <a:lvl7pPr marL="1300000" indent="-228600" algn="l" defTabSz="914400" rtl="0" eaLnBrk="1" latinLnBrk="0" hangingPunct="1">
+        <a:lnSpc>
+          <a:spcPct val="90000"/>
+        </a:lnSpc>
         <a:spcBef>
-          <a:spcPct val="20000"/>
+          <a:spcPts val="200"/>
         </a:spcBef>
-        <a:buFont typeface="Arial"/>
-        <a:buChar char="•"/>
-        <a:defRPr sz="2000" kern="1200">
+        <a:spcAft>
+          <a:spcPts val="400"/>
+        </a:spcAft>
+        <a:buClr>
+          <a:schemeClr val="accent1"/>
+        </a:buClr>
+        <a:buFont typeface="Calibri" pitchFamily="34" charset="0"/>
+        <a:buChar char="◦"/>
+        <a:defRPr sz="1400" kern="1200">
           <a:solidFill>
-            <a:schemeClr val="tx1"/>
+            <a:schemeClr val="tx1">
+              <a:lumMod val="75000"/>
+              <a:lumOff val="25000"/>
+            </a:schemeClr>
           </a:solidFill>
           <a:latin typeface="+mn-lt"/>
           <a:ea typeface="+mn-ea"/>
           <a:cs typeface="+mn-cs"/>
         </a:defRPr>
       </a:lvl7pPr>
-      <a:lvl8pPr marL="3429000" indent="-228600" algn="l" defTabSz="457200" rtl="0" eaLnBrk="1" latinLnBrk="0" hangingPunct="1">
+      <a:lvl8pPr marL="1500000" indent="-228600" algn="l" defTabSz="914400" rtl="0" eaLnBrk="1" latinLnBrk="0" hangingPunct="1">
+        <a:lnSpc>
+          <a:spcPct val="90000"/>
+        </a:lnSpc>
         <a:spcBef>
-          <a:spcPct val="20000"/>
+          <a:spcPts val="200"/>
         </a:spcBef>
-        <a:buFont typeface="Arial"/>
-        <a:buChar char="•"/>
-        <a:defRPr sz="2000" kern="1200">
+        <a:spcAft>
+          <a:spcPts val="400"/>
+        </a:spcAft>
+        <a:buClr>
+          <a:schemeClr val="accent1"/>
+        </a:buClr>
+        <a:buFont typeface="Calibri" pitchFamily="34" charset="0"/>
+        <a:buChar char="◦"/>
+        <a:defRPr sz="1400" kern="1200">
           <a:solidFill>
-            <a:schemeClr val="tx1"/>
+            <a:schemeClr val="tx1">
+              <a:lumMod val="75000"/>
+              <a:lumOff val="25000"/>
+            </a:schemeClr>
           </a:solidFill>
           <a:latin typeface="+mn-lt"/>
           <a:ea typeface="+mn-ea"/>
           <a:cs typeface="+mn-cs"/>
         </a:defRPr>
       </a:lvl8pPr>
-      <a:lvl9pPr marL="3886200" indent="-228600" algn="l" defTabSz="457200" rtl="0" eaLnBrk="1" latinLnBrk="0" hangingPunct="1">
+      <a:lvl9pPr marL="1700000" indent="-228600" algn="l" defTabSz="914400" rtl="0" eaLnBrk="1" latinLnBrk="0" hangingPunct="1">
+        <a:lnSpc>
+          <a:spcPct val="90000"/>
+        </a:lnSpc>
         <a:spcBef>
-          <a:spcPct val="20000"/>
+          <a:spcPts val="200"/>
         </a:spcBef>
-        <a:buFont typeface="Arial"/>
-        <a:buChar char="•"/>
-        <a:defRPr sz="2000" kern="1200">
+        <a:spcAft>
+          <a:spcPts val="400"/>
+        </a:spcAft>
+        <a:buClr>
+          <a:schemeClr val="accent1"/>
+        </a:buClr>
+        <a:buFont typeface="Calibri" pitchFamily="34" charset="0"/>
+        <a:buChar char="◦"/>
+        <a:defRPr sz="1400" kern="1200">
           <a:solidFill>
-            <a:schemeClr val="tx1"/>
+            <a:schemeClr val="tx1">
+              <a:lumMod val="75000"/>
+              <a:lumOff val="25000"/>
+            </a:schemeClr>
           </a:solidFill>
           <a:latin typeface="+mn-lt"/>
           <a:ea typeface="+mn-ea"/>
@@ -2987,7 +4495,7 @@
       <a:defPPr>
         <a:defRPr lang="en-US"/>
       </a:defPPr>
-      <a:lvl1pPr marL="0" algn="l" defTabSz="457200" rtl="0" eaLnBrk="1" latinLnBrk="0" hangingPunct="1">
+      <a:lvl1pPr marL="0" algn="l" defTabSz="914400" rtl="0" eaLnBrk="1" latinLnBrk="0" hangingPunct="1">
         <a:defRPr sz="1800" kern="1200">
           <a:solidFill>
             <a:schemeClr val="tx1"/>
@@ -2997,7 +4505,7 @@
           <a:cs typeface="+mn-cs"/>
         </a:defRPr>
       </a:lvl1pPr>
-      <a:lvl2pPr marL="457200" algn="l" defTabSz="457200" rtl="0" eaLnBrk="1" latinLnBrk="0" hangingPunct="1">
+      <a:lvl2pPr marL="457200" algn="l" defTabSz="914400" rtl="0" eaLnBrk="1" latinLnBrk="0" hangingPunct="1">
         <a:defRPr sz="1800" kern="1200">
           <a:solidFill>
             <a:schemeClr val="tx1"/>
@@ -3007,7 +4515,7 @@
           <a:cs typeface="+mn-cs"/>
         </a:defRPr>
       </a:lvl2pPr>
-      <a:lvl3pPr marL="914400" algn="l" defTabSz="457200" rtl="0" eaLnBrk="1" latinLnBrk="0" hangingPunct="1">
+      <a:lvl3pPr marL="914400" algn="l" defTabSz="914400" rtl="0" eaLnBrk="1" latinLnBrk="0" hangingPunct="1">
         <a:defRPr sz="1800" kern="1200">
           <a:solidFill>
             <a:schemeClr val="tx1"/>
@@ -3017,7 +4525,7 @@
           <a:cs typeface="+mn-cs"/>
         </a:defRPr>
       </a:lvl3pPr>
-      <a:lvl4pPr marL="1371600" algn="l" defTabSz="457200" rtl="0" eaLnBrk="1" latinLnBrk="0" hangingPunct="1">
+      <a:lvl4pPr marL="1371600" algn="l" defTabSz="914400" rtl="0" eaLnBrk="1" latinLnBrk="0" hangingPunct="1">
         <a:defRPr sz="1800" kern="1200">
           <a:solidFill>
             <a:schemeClr val="tx1"/>
@@ -3027,7 +4535,7 @@
           <a:cs typeface="+mn-cs"/>
         </a:defRPr>
       </a:lvl4pPr>
-      <a:lvl5pPr marL="1828800" algn="l" defTabSz="457200" rtl="0" eaLnBrk="1" latinLnBrk="0" hangingPunct="1">
+      <a:lvl5pPr marL="1828800" algn="l" defTabSz="914400" rtl="0" eaLnBrk="1" latinLnBrk="0" hangingPunct="1">
         <a:defRPr sz="1800" kern="1200">
           <a:solidFill>
             <a:schemeClr val="tx1"/>
@@ -3037,7 +4545,7 @@
           <a:cs typeface="+mn-cs"/>
         </a:defRPr>
       </a:lvl5pPr>
-      <a:lvl6pPr marL="2286000" algn="l" defTabSz="457200" rtl="0" eaLnBrk="1" latinLnBrk="0" hangingPunct="1">
+      <a:lvl6pPr marL="2286000" algn="l" defTabSz="914400" rtl="0" eaLnBrk="1" latinLnBrk="0" hangingPunct="1">
         <a:defRPr sz="1800" kern="1200">
           <a:solidFill>
             <a:schemeClr val="tx1"/>
@@ -3047,7 +4555,7 @@
           <a:cs typeface="+mn-cs"/>
         </a:defRPr>
       </a:lvl6pPr>
-      <a:lvl7pPr marL="2743200" algn="l" defTabSz="457200" rtl="0" eaLnBrk="1" latinLnBrk="0" hangingPunct="1">
+      <a:lvl7pPr marL="2743200" algn="l" defTabSz="914400" rtl="0" eaLnBrk="1" latinLnBrk="0" hangingPunct="1">
         <a:defRPr sz="1800" kern="1200">
           <a:solidFill>
             <a:schemeClr val="tx1"/>
@@ -3057,7 +4565,7 @@
           <a:cs typeface="+mn-cs"/>
         </a:defRPr>
       </a:lvl7pPr>
-      <a:lvl8pPr marL="3200400" algn="l" defTabSz="457200" rtl="0" eaLnBrk="1" latinLnBrk="0" hangingPunct="1">
+      <a:lvl8pPr marL="3200400" algn="l" defTabSz="914400" rtl="0" eaLnBrk="1" latinLnBrk="0" hangingPunct="1">
         <a:defRPr sz="1800" kern="1200">
           <a:solidFill>
             <a:schemeClr val="tx1"/>
@@ -3067,7 +4575,7 @@
           <a:cs typeface="+mn-cs"/>
         </a:defRPr>
       </a:lvl8pPr>
-      <a:lvl9pPr marL="3657600" algn="l" defTabSz="457200" rtl="0" eaLnBrk="1" latinLnBrk="0" hangingPunct="1">
+      <a:lvl9pPr marL="3657600" algn="l" defTabSz="914400" rtl="0" eaLnBrk="1" latinLnBrk="0" hangingPunct="1">
         <a:defRPr sz="1800" kern="1200">
           <a:solidFill>
             <a:schemeClr val="tx1"/>
@@ -3099,200 +4607,102 @@
           <a:chExt cx="0" cy="0"/>
         </a:xfrm>
       </p:grpSpPr>
-      <p:pic>
-        <p:nvPicPr>
-          <p:cNvPr id="5" name="Picture 4" descr="beta0.jpg"/>
-          <p:cNvPicPr>
-            <a:picLocks noChangeAspect="1"/>
-          </p:cNvPicPr>
-          <p:nvPr/>
-        </p:nvPicPr>
-        <p:blipFill>
-          <a:blip r:embed="rId2">
-            <a:extLst>
-              <a:ext uri="{28A0092B-C50C-407E-A947-70E740481C1C}">
-                <a14:useLocalDpi xmlns:a14="http://schemas.microsoft.com/office/drawing/2010/main" val="0"/>
-              </a:ext>
-            </a:extLst>
-          </a:blip>
-          <a:stretch>
-            <a:fillRect/>
-          </a:stretch>
-        </p:blipFill>
-        <p:spPr>
-          <a:xfrm>
-            <a:off x="0" y="0"/>
-            <a:ext cx="4575477" cy="3431608"/>
-          </a:xfrm>
-          <a:prstGeom prst="rect">
-            <a:avLst/>
-          </a:prstGeom>
-        </p:spPr>
-      </p:pic>
-      <p:pic>
-        <p:nvPicPr>
-          <p:cNvPr id="6" name="Picture 5" descr="beta0.50.jpg"/>
-          <p:cNvPicPr>
-            <a:picLocks noChangeAspect="1"/>
-          </p:cNvPicPr>
-          <p:nvPr/>
-        </p:nvPicPr>
-        <p:blipFill>
-          <a:blip r:embed="rId3">
-            <a:extLst>
-              <a:ext uri="{28A0092B-C50C-407E-A947-70E740481C1C}">
-                <a14:useLocalDpi xmlns:a14="http://schemas.microsoft.com/office/drawing/2010/main" val="0"/>
-              </a:ext>
-            </a:extLst>
-          </a:blip>
-          <a:stretch>
-            <a:fillRect/>
-          </a:stretch>
-        </p:blipFill>
-        <p:spPr>
-          <a:xfrm>
-            <a:off x="4417738" y="1"/>
-            <a:ext cx="4575477" cy="3431608"/>
-          </a:xfrm>
-          <a:prstGeom prst="rect">
-            <a:avLst/>
-          </a:prstGeom>
-        </p:spPr>
-      </p:pic>
-      <p:pic>
-        <p:nvPicPr>
-          <p:cNvPr id="7" name="Picture 6" descr="beta0.15.jpg"/>
-          <p:cNvPicPr>
-            <a:picLocks noChangeAspect="1"/>
-          </p:cNvPicPr>
-          <p:nvPr/>
-        </p:nvPicPr>
-        <p:blipFill>
-          <a:blip r:embed="rId4">
-            <a:extLst>
-              <a:ext uri="{28A0092B-C50C-407E-A947-70E740481C1C}">
-                <a14:useLocalDpi xmlns:a14="http://schemas.microsoft.com/office/drawing/2010/main" val="0"/>
-              </a:ext>
-            </a:extLst>
-          </a:blip>
-          <a:stretch>
-            <a:fillRect/>
-          </a:stretch>
-        </p:blipFill>
-        <p:spPr>
-          <a:xfrm>
-            <a:off x="48364" y="3252723"/>
-            <a:ext cx="4527113" cy="3395335"/>
-          </a:xfrm>
-          <a:prstGeom prst="rect">
-            <a:avLst/>
-          </a:prstGeom>
-        </p:spPr>
-      </p:pic>
-      <p:pic>
-        <p:nvPicPr>
-          <p:cNvPr id="8" name="Picture 7" descr="beta1.jpg"/>
-          <p:cNvPicPr>
-            <a:picLocks noChangeAspect="1"/>
-          </p:cNvPicPr>
-          <p:nvPr/>
-        </p:nvPicPr>
-        <p:blipFill>
-          <a:blip r:embed="rId5">
-            <a:extLst>
-              <a:ext uri="{28A0092B-C50C-407E-A947-70E740481C1C}">
-                <a14:useLocalDpi xmlns:a14="http://schemas.microsoft.com/office/drawing/2010/main" val="0"/>
-              </a:ext>
-            </a:extLst>
-          </a:blip>
-          <a:stretch>
-            <a:fillRect/>
-          </a:stretch>
-        </p:blipFill>
-        <p:spPr>
-          <a:xfrm>
-            <a:off x="4227588" y="3252723"/>
-            <a:ext cx="4765627" cy="3574220"/>
-          </a:xfrm>
-          <a:prstGeom prst="rect">
-            <a:avLst/>
-          </a:prstGeom>
-        </p:spPr>
-      </p:pic>
+      <p:sp>
+        <p:nvSpPr>
+          <p:cNvPr id="2" name="Title 1"/>
+          <p:cNvSpPr>
+            <a:spLocks noGrp="1"/>
+          </p:cNvSpPr>
+          <p:nvPr>
+            <p:ph type="ctrTitle"/>
+          </p:nvPr>
+        </p:nvSpPr>
+        <p:spPr/>
+        <p:txBody>
+          <a:bodyPr>
+            <a:normAutofit fontScale="90000"/>
+          </a:bodyPr>
+          <a:lstStyle/>
+          <a:p>
+            <a:r>
+              <a:rPr lang="en-US" dirty="0"/>
+              <a:t>Robustness Analysis of Social Networks</a:t>
+            </a:r>
+            <a:br>
+              <a:rPr lang="en-US" dirty="0"/>
+            </a:br>
+            <a:r>
+              <a:rPr lang="en-US" dirty="0"/>
+              <a:t>under </a:t>
+            </a:r>
+            <a:r>
+              <a:rPr lang="en-US" dirty="0" smtClean="0"/>
+              <a:t>Different </a:t>
+            </a:r>
+            <a:r>
+              <a:rPr lang="en-US" dirty="0"/>
+              <a:t>Attack Models</a:t>
+            </a:r>
+            <a:endParaRPr lang="en-US" dirty="0"/>
+          </a:p>
+        </p:txBody>
+      </p:sp>
+      <p:sp>
+        <p:nvSpPr>
+          <p:cNvPr id="3" name="Subtitle 2"/>
+          <p:cNvSpPr>
+            <a:spLocks noGrp="1"/>
+          </p:cNvSpPr>
+          <p:nvPr>
+            <p:ph type="subTitle" idx="1"/>
+          </p:nvPr>
+        </p:nvSpPr>
+        <p:spPr/>
+        <p:txBody>
+          <a:bodyPr/>
+          <a:lstStyle/>
+          <a:p>
+            <a:r>
+              <a:rPr lang="en-US" dirty="0" smtClean="0"/>
+              <a:t>Presented by - </a:t>
+            </a:r>
+            <a:r>
+              <a:rPr lang="en-US" dirty="0"/>
+              <a:t>Ghosh, Partha &amp; </a:t>
+            </a:r>
+            <a:r>
+              <a:rPr lang="en-US" dirty="0" err="1"/>
+              <a:t>Thapa</a:t>
+            </a:r>
+            <a:r>
+              <a:rPr lang="en-US" dirty="0"/>
+              <a:t>, Manish Jung &amp; Acharya, Dinesh</a:t>
+            </a:r>
+            <a:endParaRPr lang="en-US" dirty="0"/>
+          </a:p>
+        </p:txBody>
+      </p:sp>
     </p:spTree>
     <p:extLst>
       <p:ext uri="{BB962C8B-B14F-4D97-AF65-F5344CB8AC3E}">
-        <p14:creationId xmlns:p14="http://schemas.microsoft.com/office/powerpoint/2010/main" val="2951118777"/>
+        <p14:creationId xmlns:p14="http://schemas.microsoft.com/office/powerpoint/2010/main" val="2710936512"/>
       </p:ext>
     </p:extLst>
   </p:cSld>
   <p:clrMapOvr>
     <a:masterClrMapping/>
   </p:clrMapOvr>
+  <p:timing>
+    <p:tnLst>
+      <p:par>
+        <p:cTn id="1" dur="indefinite" restart="never" nodeType="tmRoot"/>
+      </p:par>
+    </p:tnLst>
+  </p:timing>
 </p:sld>
 </file>
 
-<file path=ppt/slides/slide2.xml><?xml version="1.0" encoding="utf-8"?>
-<p:sld xmlns:a="http://schemas.openxmlformats.org/drawingml/2006/main" xmlns:r="http://schemas.openxmlformats.org/officeDocument/2006/relationships" xmlns:p="http://schemas.openxmlformats.org/presentationml/2006/main">
-  <p:cSld>
-    <p:spTree>
-      <p:nvGrpSpPr>
-        <p:cNvPr id="1" name=""/>
-        <p:cNvGrpSpPr/>
-        <p:nvPr/>
-      </p:nvGrpSpPr>
-      <p:grpSpPr>
-        <a:xfrm>
-          <a:off x="0" y="0"/>
-          <a:ext cx="0" cy="0"/>
-          <a:chOff x="0" y="0"/>
-          <a:chExt cx="0" cy="0"/>
-        </a:xfrm>
-      </p:grpSpPr>
-      <p:pic>
-        <p:nvPicPr>
-          <p:cNvPr id="2" name="Picture 1" descr="node_degree_distribution_20.jpg"/>
-          <p:cNvPicPr>
-            <a:picLocks noChangeAspect="1"/>
-          </p:cNvPicPr>
-          <p:nvPr/>
-        </p:nvPicPr>
-        <p:blipFill>
-          <a:blip r:embed="rId2">
-            <a:extLst>
-              <a:ext uri="{28A0092B-C50C-407E-A947-70E740481C1C}">
-                <a14:useLocalDpi xmlns:a14="http://schemas.microsoft.com/office/drawing/2010/main" val="0"/>
-              </a:ext>
-            </a:extLst>
-          </a:blip>
-          <a:stretch>
-            <a:fillRect/>
-          </a:stretch>
-        </p:blipFill>
-        <p:spPr>
-          <a:xfrm>
-            <a:off x="342290" y="177219"/>
-            <a:ext cx="8506504" cy="6379878"/>
-          </a:xfrm>
-          <a:prstGeom prst="rect">
-            <a:avLst/>
-          </a:prstGeom>
-        </p:spPr>
-      </p:pic>
-    </p:spTree>
-    <p:extLst>
-      <p:ext uri="{BB962C8B-B14F-4D97-AF65-F5344CB8AC3E}">
-        <p14:creationId xmlns:p14="http://schemas.microsoft.com/office/powerpoint/2010/main" val="1618235595"/>
-      </p:ext>
-    </p:extLst>
-  </p:cSld>
-  <p:clrMapOvr>
-    <a:masterClrMapping/>
-  </p:clrMapOvr>
-</p:sld>
-</file>
-
-<file path=ppt/slides/slide3.xml><?xml version="1.0" encoding="utf-8"?>
+<file path=ppt/slides/slide10.xml><?xml version="1.0" encoding="utf-8"?>
 <p:sld xmlns:a="http://schemas.openxmlformats.org/drawingml/2006/main" xmlns:r="http://schemas.openxmlformats.org/officeDocument/2006/relationships" xmlns:p="http://schemas.openxmlformats.org/presentationml/2006/main">
   <p:cSld>
     <p:spTree>
@@ -3349,10 +4759,17 @@
   <p:clrMapOvr>
     <a:masterClrMapping/>
   </p:clrMapOvr>
+  <p:timing>
+    <p:tnLst>
+      <p:par>
+        <p:cTn id="1" dur="indefinite" restart="never" nodeType="tmRoot"/>
+      </p:par>
+    </p:tnLst>
+  </p:timing>
 </p:sld>
 </file>
 
-<file path=ppt/slides/slide4.xml><?xml version="1.0" encoding="utf-8"?>
+<file path=ppt/slides/slide11.xml><?xml version="1.0" encoding="utf-8"?>
 <p:sld xmlns:a="http://schemas.openxmlformats.org/drawingml/2006/main" xmlns:r="http://schemas.openxmlformats.org/officeDocument/2006/relationships" xmlns:p="http://schemas.openxmlformats.org/presentationml/2006/main">
   <p:cSld>
     <p:spTree>
@@ -3499,10 +4916,17 @@
   <p:clrMapOvr>
     <a:masterClrMapping/>
   </p:clrMapOvr>
+  <p:timing>
+    <p:tnLst>
+      <p:par>
+        <p:cTn id="1" dur="indefinite" restart="never" nodeType="tmRoot"/>
+      </p:par>
+    </p:tnLst>
+  </p:timing>
 </p:sld>
 </file>
 
-<file path=ppt/slides/slide5.xml><?xml version="1.0" encoding="utf-8"?>
+<file path=ppt/slides/slide12.xml><?xml version="1.0" encoding="utf-8"?>
 <p:sld xmlns:a="http://schemas.openxmlformats.org/drawingml/2006/main" xmlns:r="http://schemas.openxmlformats.org/officeDocument/2006/relationships" xmlns:p="http://schemas.openxmlformats.org/presentationml/2006/main">
   <p:cSld>
     <p:spTree>
@@ -3559,53 +4983,4642 @@
   <p:clrMapOvr>
     <a:masterClrMapping/>
   </p:clrMapOvr>
+  <p:timing>
+    <p:tnLst>
+      <p:par>
+        <p:cTn id="1" dur="indefinite" restart="never" nodeType="tmRoot"/>
+      </p:par>
+    </p:tnLst>
+  </p:timing>
+</p:sld>
+</file>
+
+<file path=ppt/slides/slide2.xml><?xml version="1.0" encoding="utf-8"?>
+<p:sld xmlns:a="http://schemas.openxmlformats.org/drawingml/2006/main" xmlns:r="http://schemas.openxmlformats.org/officeDocument/2006/relationships" xmlns:p="http://schemas.openxmlformats.org/presentationml/2006/main">
+  <p:cSld>
+    <p:spTree>
+      <p:nvGrpSpPr>
+        <p:cNvPr id="1" name=""/>
+        <p:cNvGrpSpPr/>
+        <p:nvPr/>
+      </p:nvGrpSpPr>
+      <p:grpSpPr>
+        <a:xfrm>
+          <a:off x="0" y="0"/>
+          <a:ext cx="0" cy="0"/>
+          <a:chOff x="0" y="0"/>
+          <a:chExt cx="0" cy="0"/>
+        </a:xfrm>
+      </p:grpSpPr>
+      <p:sp>
+        <p:nvSpPr>
+          <p:cNvPr id="2" name="Title 1"/>
+          <p:cNvSpPr>
+            <a:spLocks noGrp="1"/>
+          </p:cNvSpPr>
+          <p:nvPr>
+            <p:ph type="title"/>
+          </p:nvPr>
+        </p:nvSpPr>
+        <p:spPr/>
+        <p:txBody>
+          <a:bodyPr/>
+          <a:lstStyle/>
+          <a:p>
+            <a:r>
+              <a:rPr lang="en-US" dirty="0" smtClean="0"/>
+              <a:t>Networked society</a:t>
+            </a:r>
+            <a:endParaRPr lang="en-US" dirty="0"/>
+          </a:p>
+        </p:txBody>
+      </p:sp>
+      <p:sp>
+        <p:nvSpPr>
+          <p:cNvPr id="3" name="Content Placeholder 2"/>
+          <p:cNvSpPr>
+            <a:spLocks noGrp="1"/>
+          </p:cNvSpPr>
+          <p:nvPr>
+            <p:ph idx="1"/>
+          </p:nvPr>
+        </p:nvSpPr>
+        <p:spPr/>
+        <p:txBody>
+          <a:bodyPr>
+            <a:normAutofit lnSpcReduction="10000"/>
+          </a:bodyPr>
+          <a:lstStyle/>
+          <a:p>
+            <a:pPr>
+              <a:buFont typeface="Wingdings" panose="05000000000000000000" pitchFamily="2" charset="2"/>
+              <a:buChar char="Ø"/>
+            </a:pPr>
+            <a:r>
+              <a:rPr lang="en-US" dirty="0" smtClean="0"/>
+              <a:t>Network := individual with independent behavior is connected with certain other individual in different ways.</a:t>
+            </a:r>
+          </a:p>
+          <a:p>
+            <a:pPr lvl="1">
+              <a:buFont typeface="Wingdings" panose="05000000000000000000" pitchFamily="2" charset="2"/>
+              <a:buChar char="Ø"/>
+            </a:pPr>
+            <a:r>
+              <a:rPr lang="en-US" dirty="0" smtClean="0"/>
+              <a:t>One city is influenced by other</a:t>
+            </a:r>
+          </a:p>
+          <a:p>
+            <a:pPr lvl="1">
+              <a:buFont typeface="Wingdings" panose="05000000000000000000" pitchFamily="2" charset="2"/>
+              <a:buChar char="Ø"/>
+            </a:pPr>
+            <a:r>
+              <a:rPr lang="en-US" dirty="0" smtClean="0"/>
+              <a:t>One country is influenced by other</a:t>
+            </a:r>
+          </a:p>
+          <a:p>
+            <a:pPr lvl="1">
+              <a:buFont typeface="Wingdings" panose="05000000000000000000" pitchFamily="2" charset="2"/>
+              <a:buChar char="Ø"/>
+            </a:pPr>
+            <a:r>
+              <a:rPr lang="en-US" dirty="0" smtClean="0"/>
+              <a:t>One individual is influenced by other</a:t>
+            </a:r>
+            <a:endParaRPr lang="en-US" dirty="0"/>
+          </a:p>
+          <a:p>
+            <a:pPr>
+              <a:buFont typeface="Wingdings" panose="05000000000000000000" pitchFamily="2" charset="2"/>
+              <a:buChar char="Ø"/>
+            </a:pPr>
+            <a:r>
+              <a:rPr lang="en-US" dirty="0" smtClean="0"/>
+              <a:t>Complicated group behavior emerge from simple individual behavior.</a:t>
+            </a:r>
+          </a:p>
+          <a:p>
+            <a:pPr>
+              <a:buFont typeface="Wingdings" panose="05000000000000000000" pitchFamily="2" charset="2"/>
+              <a:buChar char="Ø"/>
+            </a:pPr>
+            <a:r>
+              <a:rPr lang="en-US" dirty="0" smtClean="0"/>
+              <a:t>We form network without noticing.</a:t>
+            </a:r>
+          </a:p>
+          <a:p>
+            <a:pPr lvl="1">
+              <a:buFont typeface="Wingdings" panose="05000000000000000000" pitchFamily="2" charset="2"/>
+              <a:buChar char="Ø"/>
+            </a:pPr>
+            <a:r>
+              <a:rPr lang="en-US" dirty="0" smtClean="0"/>
+              <a:t>Power grid</a:t>
+            </a:r>
+          </a:p>
+          <a:p>
+            <a:pPr lvl="1">
+              <a:buFont typeface="Wingdings" panose="05000000000000000000" pitchFamily="2" charset="2"/>
+              <a:buChar char="Ø"/>
+            </a:pPr>
+            <a:r>
+              <a:rPr lang="en-US" dirty="0" smtClean="0"/>
+              <a:t>Supply chain</a:t>
+            </a:r>
+          </a:p>
+          <a:p>
+            <a:pPr lvl="1">
+              <a:buFont typeface="Wingdings" panose="05000000000000000000" pitchFamily="2" charset="2"/>
+              <a:buChar char="Ø"/>
+            </a:pPr>
+            <a:r>
+              <a:rPr lang="en-US" dirty="0" smtClean="0"/>
+              <a:t>Transportation</a:t>
+            </a:r>
+          </a:p>
+          <a:p>
+            <a:pPr>
+              <a:buFont typeface="Wingdings" panose="05000000000000000000" pitchFamily="2" charset="2"/>
+              <a:buChar char="Ø"/>
+            </a:pPr>
+            <a:r>
+              <a:rPr lang="en-US" dirty="0" smtClean="0">
+                <a:solidFill>
+                  <a:srgbClr val="00B050"/>
+                </a:solidFill>
+              </a:rPr>
+              <a:t>Are they Perfect? How do they behave when expected behavior is not received in individual level.</a:t>
+            </a:r>
+            <a:endParaRPr lang="en-US" dirty="0">
+              <a:solidFill>
+                <a:srgbClr val="00B050"/>
+              </a:solidFill>
+            </a:endParaRPr>
+          </a:p>
+        </p:txBody>
+      </p:sp>
+    </p:spTree>
+    <p:extLst>
+      <p:ext uri="{BB962C8B-B14F-4D97-AF65-F5344CB8AC3E}">
+        <p14:creationId xmlns:p14="http://schemas.microsoft.com/office/powerpoint/2010/main" val="1724805311"/>
+      </p:ext>
+    </p:extLst>
+  </p:cSld>
+  <p:clrMapOvr>
+    <a:masterClrMapping/>
+  </p:clrMapOvr>
+  <p:timing>
+    <p:tnLst>
+      <p:par>
+        <p:cTn id="1" dur="indefinite" restart="never" nodeType="tmRoot">
+          <p:childTnLst>
+            <p:seq concurrent="1" nextAc="seek">
+              <p:cTn id="2" dur="indefinite" nodeType="mainSeq">
+                <p:childTnLst>
+                  <p:par>
+                    <p:cTn id="3" fill="hold">
+                      <p:stCondLst>
+                        <p:cond delay="indefinite"/>
+                      </p:stCondLst>
+                      <p:childTnLst>
+                        <p:par>
+                          <p:cTn id="4" fill="hold">
+                            <p:stCondLst>
+                              <p:cond delay="0"/>
+                            </p:stCondLst>
+                            <p:childTnLst>
+                              <p:par>
+                                <p:cTn id="5" presetID="10" presetClass="entr" presetSubtype="0" fill="hold" nodeType="clickEffect">
+                                  <p:stCondLst>
+                                    <p:cond delay="0"/>
+                                  </p:stCondLst>
+                                  <p:childTnLst>
+                                    <p:set>
+                                      <p:cBhvr>
+                                        <p:cTn id="6" dur="1" fill="hold">
+                                          <p:stCondLst>
+                                            <p:cond delay="0"/>
+                                          </p:stCondLst>
+                                        </p:cTn>
+                                        <p:tgtEl>
+                                          <p:spTgt spid="3">
+                                            <p:txEl>
+                                              <p:pRg st="0" end="0"/>
+                                            </p:txEl>
+                                          </p:spTgt>
+                                        </p:tgtEl>
+                                        <p:attrNameLst>
+                                          <p:attrName>style.visibility</p:attrName>
+                                        </p:attrNameLst>
+                                      </p:cBhvr>
+                                      <p:to>
+                                        <p:strVal val="visible"/>
+                                      </p:to>
+                                    </p:set>
+                                    <p:animEffect transition="in" filter="fade">
+                                      <p:cBhvr>
+                                        <p:cTn id="7" dur="500"/>
+                                        <p:tgtEl>
+                                          <p:spTgt spid="3">
+                                            <p:txEl>
+                                              <p:pRg st="0" end="0"/>
+                                            </p:txEl>
+                                          </p:spTgt>
+                                        </p:tgtEl>
+                                      </p:cBhvr>
+                                    </p:animEffect>
+                                  </p:childTnLst>
+                                </p:cTn>
+                              </p:par>
+                            </p:childTnLst>
+                          </p:cTn>
+                        </p:par>
+                      </p:childTnLst>
+                    </p:cTn>
+                  </p:par>
+                  <p:par>
+                    <p:cTn id="8" fill="hold">
+                      <p:stCondLst>
+                        <p:cond delay="indefinite"/>
+                      </p:stCondLst>
+                      <p:childTnLst>
+                        <p:par>
+                          <p:cTn id="9" fill="hold">
+                            <p:stCondLst>
+                              <p:cond delay="0"/>
+                            </p:stCondLst>
+                            <p:childTnLst>
+                              <p:par>
+                                <p:cTn id="10" presetID="10" presetClass="entr" presetSubtype="0" fill="hold" nodeType="clickEffect">
+                                  <p:stCondLst>
+                                    <p:cond delay="0"/>
+                                  </p:stCondLst>
+                                  <p:childTnLst>
+                                    <p:set>
+                                      <p:cBhvr>
+                                        <p:cTn id="11" dur="1" fill="hold">
+                                          <p:stCondLst>
+                                            <p:cond delay="0"/>
+                                          </p:stCondLst>
+                                        </p:cTn>
+                                        <p:tgtEl>
+                                          <p:spTgt spid="3">
+                                            <p:txEl>
+                                              <p:pRg st="1" end="1"/>
+                                            </p:txEl>
+                                          </p:spTgt>
+                                        </p:tgtEl>
+                                        <p:attrNameLst>
+                                          <p:attrName>style.visibility</p:attrName>
+                                        </p:attrNameLst>
+                                      </p:cBhvr>
+                                      <p:to>
+                                        <p:strVal val="visible"/>
+                                      </p:to>
+                                    </p:set>
+                                    <p:animEffect transition="in" filter="fade">
+                                      <p:cBhvr>
+                                        <p:cTn id="12" dur="500"/>
+                                        <p:tgtEl>
+                                          <p:spTgt spid="3">
+                                            <p:txEl>
+                                              <p:pRg st="1" end="1"/>
+                                            </p:txEl>
+                                          </p:spTgt>
+                                        </p:tgtEl>
+                                      </p:cBhvr>
+                                    </p:animEffect>
+                                  </p:childTnLst>
+                                </p:cTn>
+                              </p:par>
+                            </p:childTnLst>
+                          </p:cTn>
+                        </p:par>
+                      </p:childTnLst>
+                    </p:cTn>
+                  </p:par>
+                  <p:par>
+                    <p:cTn id="13" fill="hold">
+                      <p:stCondLst>
+                        <p:cond delay="indefinite"/>
+                      </p:stCondLst>
+                      <p:childTnLst>
+                        <p:par>
+                          <p:cTn id="14" fill="hold">
+                            <p:stCondLst>
+                              <p:cond delay="0"/>
+                            </p:stCondLst>
+                            <p:childTnLst>
+                              <p:par>
+                                <p:cTn id="15" presetID="10" presetClass="entr" presetSubtype="0" fill="hold" nodeType="clickEffect">
+                                  <p:stCondLst>
+                                    <p:cond delay="0"/>
+                                  </p:stCondLst>
+                                  <p:childTnLst>
+                                    <p:set>
+                                      <p:cBhvr>
+                                        <p:cTn id="16" dur="1" fill="hold">
+                                          <p:stCondLst>
+                                            <p:cond delay="0"/>
+                                          </p:stCondLst>
+                                        </p:cTn>
+                                        <p:tgtEl>
+                                          <p:spTgt spid="3">
+                                            <p:txEl>
+                                              <p:pRg st="2" end="2"/>
+                                            </p:txEl>
+                                          </p:spTgt>
+                                        </p:tgtEl>
+                                        <p:attrNameLst>
+                                          <p:attrName>style.visibility</p:attrName>
+                                        </p:attrNameLst>
+                                      </p:cBhvr>
+                                      <p:to>
+                                        <p:strVal val="visible"/>
+                                      </p:to>
+                                    </p:set>
+                                    <p:animEffect transition="in" filter="fade">
+                                      <p:cBhvr>
+                                        <p:cTn id="17" dur="500"/>
+                                        <p:tgtEl>
+                                          <p:spTgt spid="3">
+                                            <p:txEl>
+                                              <p:pRg st="2" end="2"/>
+                                            </p:txEl>
+                                          </p:spTgt>
+                                        </p:tgtEl>
+                                      </p:cBhvr>
+                                    </p:animEffect>
+                                  </p:childTnLst>
+                                </p:cTn>
+                              </p:par>
+                            </p:childTnLst>
+                          </p:cTn>
+                        </p:par>
+                      </p:childTnLst>
+                    </p:cTn>
+                  </p:par>
+                  <p:par>
+                    <p:cTn id="18" fill="hold">
+                      <p:stCondLst>
+                        <p:cond delay="indefinite"/>
+                      </p:stCondLst>
+                      <p:childTnLst>
+                        <p:par>
+                          <p:cTn id="19" fill="hold">
+                            <p:stCondLst>
+                              <p:cond delay="0"/>
+                            </p:stCondLst>
+                            <p:childTnLst>
+                              <p:par>
+                                <p:cTn id="20" presetID="10" presetClass="entr" presetSubtype="0" fill="hold" nodeType="clickEffect">
+                                  <p:stCondLst>
+                                    <p:cond delay="0"/>
+                                  </p:stCondLst>
+                                  <p:childTnLst>
+                                    <p:set>
+                                      <p:cBhvr>
+                                        <p:cTn id="21" dur="1" fill="hold">
+                                          <p:stCondLst>
+                                            <p:cond delay="0"/>
+                                          </p:stCondLst>
+                                        </p:cTn>
+                                        <p:tgtEl>
+                                          <p:spTgt spid="3">
+                                            <p:txEl>
+                                              <p:pRg st="3" end="3"/>
+                                            </p:txEl>
+                                          </p:spTgt>
+                                        </p:tgtEl>
+                                        <p:attrNameLst>
+                                          <p:attrName>style.visibility</p:attrName>
+                                        </p:attrNameLst>
+                                      </p:cBhvr>
+                                      <p:to>
+                                        <p:strVal val="visible"/>
+                                      </p:to>
+                                    </p:set>
+                                    <p:animEffect transition="in" filter="fade">
+                                      <p:cBhvr>
+                                        <p:cTn id="22" dur="500"/>
+                                        <p:tgtEl>
+                                          <p:spTgt spid="3">
+                                            <p:txEl>
+                                              <p:pRg st="3" end="3"/>
+                                            </p:txEl>
+                                          </p:spTgt>
+                                        </p:tgtEl>
+                                      </p:cBhvr>
+                                    </p:animEffect>
+                                  </p:childTnLst>
+                                </p:cTn>
+                              </p:par>
+                            </p:childTnLst>
+                          </p:cTn>
+                        </p:par>
+                      </p:childTnLst>
+                    </p:cTn>
+                  </p:par>
+                  <p:par>
+                    <p:cTn id="23" fill="hold">
+                      <p:stCondLst>
+                        <p:cond delay="indefinite"/>
+                      </p:stCondLst>
+                      <p:childTnLst>
+                        <p:par>
+                          <p:cTn id="24" fill="hold">
+                            <p:stCondLst>
+                              <p:cond delay="0"/>
+                            </p:stCondLst>
+                            <p:childTnLst>
+                              <p:par>
+                                <p:cTn id="25" presetID="10" presetClass="entr" presetSubtype="0" fill="hold" nodeType="clickEffect">
+                                  <p:stCondLst>
+                                    <p:cond delay="0"/>
+                                  </p:stCondLst>
+                                  <p:childTnLst>
+                                    <p:set>
+                                      <p:cBhvr>
+                                        <p:cTn id="26" dur="1" fill="hold">
+                                          <p:stCondLst>
+                                            <p:cond delay="0"/>
+                                          </p:stCondLst>
+                                        </p:cTn>
+                                        <p:tgtEl>
+                                          <p:spTgt spid="3">
+                                            <p:txEl>
+                                              <p:pRg st="4" end="4"/>
+                                            </p:txEl>
+                                          </p:spTgt>
+                                        </p:tgtEl>
+                                        <p:attrNameLst>
+                                          <p:attrName>style.visibility</p:attrName>
+                                        </p:attrNameLst>
+                                      </p:cBhvr>
+                                      <p:to>
+                                        <p:strVal val="visible"/>
+                                      </p:to>
+                                    </p:set>
+                                    <p:animEffect transition="in" filter="fade">
+                                      <p:cBhvr>
+                                        <p:cTn id="27" dur="500"/>
+                                        <p:tgtEl>
+                                          <p:spTgt spid="3">
+                                            <p:txEl>
+                                              <p:pRg st="4" end="4"/>
+                                            </p:txEl>
+                                          </p:spTgt>
+                                        </p:tgtEl>
+                                      </p:cBhvr>
+                                    </p:animEffect>
+                                  </p:childTnLst>
+                                </p:cTn>
+                              </p:par>
+                            </p:childTnLst>
+                          </p:cTn>
+                        </p:par>
+                      </p:childTnLst>
+                    </p:cTn>
+                  </p:par>
+                  <p:par>
+                    <p:cTn id="28" fill="hold">
+                      <p:stCondLst>
+                        <p:cond delay="indefinite"/>
+                      </p:stCondLst>
+                      <p:childTnLst>
+                        <p:par>
+                          <p:cTn id="29" fill="hold">
+                            <p:stCondLst>
+                              <p:cond delay="0"/>
+                            </p:stCondLst>
+                            <p:childTnLst>
+                              <p:par>
+                                <p:cTn id="30" presetID="10" presetClass="entr" presetSubtype="0" fill="hold" nodeType="clickEffect">
+                                  <p:stCondLst>
+                                    <p:cond delay="0"/>
+                                  </p:stCondLst>
+                                  <p:childTnLst>
+                                    <p:set>
+                                      <p:cBhvr>
+                                        <p:cTn id="31" dur="1" fill="hold">
+                                          <p:stCondLst>
+                                            <p:cond delay="0"/>
+                                          </p:stCondLst>
+                                        </p:cTn>
+                                        <p:tgtEl>
+                                          <p:spTgt spid="3">
+                                            <p:txEl>
+                                              <p:pRg st="5" end="5"/>
+                                            </p:txEl>
+                                          </p:spTgt>
+                                        </p:tgtEl>
+                                        <p:attrNameLst>
+                                          <p:attrName>style.visibility</p:attrName>
+                                        </p:attrNameLst>
+                                      </p:cBhvr>
+                                      <p:to>
+                                        <p:strVal val="visible"/>
+                                      </p:to>
+                                    </p:set>
+                                    <p:animEffect transition="in" filter="fade">
+                                      <p:cBhvr>
+                                        <p:cTn id="32" dur="500"/>
+                                        <p:tgtEl>
+                                          <p:spTgt spid="3">
+                                            <p:txEl>
+                                              <p:pRg st="5" end="5"/>
+                                            </p:txEl>
+                                          </p:spTgt>
+                                        </p:tgtEl>
+                                      </p:cBhvr>
+                                    </p:animEffect>
+                                  </p:childTnLst>
+                                </p:cTn>
+                              </p:par>
+                            </p:childTnLst>
+                          </p:cTn>
+                        </p:par>
+                      </p:childTnLst>
+                    </p:cTn>
+                  </p:par>
+                  <p:par>
+                    <p:cTn id="33" fill="hold">
+                      <p:stCondLst>
+                        <p:cond delay="indefinite"/>
+                      </p:stCondLst>
+                      <p:childTnLst>
+                        <p:par>
+                          <p:cTn id="34" fill="hold">
+                            <p:stCondLst>
+                              <p:cond delay="0"/>
+                            </p:stCondLst>
+                            <p:childTnLst>
+                              <p:par>
+                                <p:cTn id="35" presetID="10" presetClass="entr" presetSubtype="0" fill="hold" nodeType="clickEffect">
+                                  <p:stCondLst>
+                                    <p:cond delay="0"/>
+                                  </p:stCondLst>
+                                  <p:childTnLst>
+                                    <p:set>
+                                      <p:cBhvr>
+                                        <p:cTn id="36" dur="1" fill="hold">
+                                          <p:stCondLst>
+                                            <p:cond delay="0"/>
+                                          </p:stCondLst>
+                                        </p:cTn>
+                                        <p:tgtEl>
+                                          <p:spTgt spid="3">
+                                            <p:txEl>
+                                              <p:pRg st="6" end="6"/>
+                                            </p:txEl>
+                                          </p:spTgt>
+                                        </p:tgtEl>
+                                        <p:attrNameLst>
+                                          <p:attrName>style.visibility</p:attrName>
+                                        </p:attrNameLst>
+                                      </p:cBhvr>
+                                      <p:to>
+                                        <p:strVal val="visible"/>
+                                      </p:to>
+                                    </p:set>
+                                    <p:animEffect transition="in" filter="fade">
+                                      <p:cBhvr>
+                                        <p:cTn id="37" dur="500"/>
+                                        <p:tgtEl>
+                                          <p:spTgt spid="3">
+                                            <p:txEl>
+                                              <p:pRg st="6" end="6"/>
+                                            </p:txEl>
+                                          </p:spTgt>
+                                        </p:tgtEl>
+                                      </p:cBhvr>
+                                    </p:animEffect>
+                                  </p:childTnLst>
+                                </p:cTn>
+                              </p:par>
+                            </p:childTnLst>
+                          </p:cTn>
+                        </p:par>
+                      </p:childTnLst>
+                    </p:cTn>
+                  </p:par>
+                  <p:par>
+                    <p:cTn id="38" fill="hold">
+                      <p:stCondLst>
+                        <p:cond delay="indefinite"/>
+                      </p:stCondLst>
+                      <p:childTnLst>
+                        <p:par>
+                          <p:cTn id="39" fill="hold">
+                            <p:stCondLst>
+                              <p:cond delay="0"/>
+                            </p:stCondLst>
+                            <p:childTnLst>
+                              <p:par>
+                                <p:cTn id="40" presetID="10" presetClass="entr" presetSubtype="0" fill="hold" nodeType="clickEffect">
+                                  <p:stCondLst>
+                                    <p:cond delay="0"/>
+                                  </p:stCondLst>
+                                  <p:childTnLst>
+                                    <p:set>
+                                      <p:cBhvr>
+                                        <p:cTn id="41" dur="1" fill="hold">
+                                          <p:stCondLst>
+                                            <p:cond delay="0"/>
+                                          </p:stCondLst>
+                                        </p:cTn>
+                                        <p:tgtEl>
+                                          <p:spTgt spid="3">
+                                            <p:txEl>
+                                              <p:pRg st="7" end="7"/>
+                                            </p:txEl>
+                                          </p:spTgt>
+                                        </p:tgtEl>
+                                        <p:attrNameLst>
+                                          <p:attrName>style.visibility</p:attrName>
+                                        </p:attrNameLst>
+                                      </p:cBhvr>
+                                      <p:to>
+                                        <p:strVal val="visible"/>
+                                      </p:to>
+                                    </p:set>
+                                    <p:animEffect transition="in" filter="fade">
+                                      <p:cBhvr>
+                                        <p:cTn id="42" dur="500"/>
+                                        <p:tgtEl>
+                                          <p:spTgt spid="3">
+                                            <p:txEl>
+                                              <p:pRg st="7" end="7"/>
+                                            </p:txEl>
+                                          </p:spTgt>
+                                        </p:tgtEl>
+                                      </p:cBhvr>
+                                    </p:animEffect>
+                                  </p:childTnLst>
+                                </p:cTn>
+                              </p:par>
+                            </p:childTnLst>
+                          </p:cTn>
+                        </p:par>
+                      </p:childTnLst>
+                    </p:cTn>
+                  </p:par>
+                  <p:par>
+                    <p:cTn id="43" fill="hold">
+                      <p:stCondLst>
+                        <p:cond delay="indefinite"/>
+                      </p:stCondLst>
+                      <p:childTnLst>
+                        <p:par>
+                          <p:cTn id="44" fill="hold">
+                            <p:stCondLst>
+                              <p:cond delay="0"/>
+                            </p:stCondLst>
+                            <p:childTnLst>
+                              <p:par>
+                                <p:cTn id="45" presetID="10" presetClass="entr" presetSubtype="0" fill="hold" nodeType="clickEffect">
+                                  <p:stCondLst>
+                                    <p:cond delay="0"/>
+                                  </p:stCondLst>
+                                  <p:childTnLst>
+                                    <p:set>
+                                      <p:cBhvr>
+                                        <p:cTn id="46" dur="1" fill="hold">
+                                          <p:stCondLst>
+                                            <p:cond delay="0"/>
+                                          </p:stCondLst>
+                                        </p:cTn>
+                                        <p:tgtEl>
+                                          <p:spTgt spid="3">
+                                            <p:txEl>
+                                              <p:pRg st="8" end="8"/>
+                                            </p:txEl>
+                                          </p:spTgt>
+                                        </p:tgtEl>
+                                        <p:attrNameLst>
+                                          <p:attrName>style.visibility</p:attrName>
+                                        </p:attrNameLst>
+                                      </p:cBhvr>
+                                      <p:to>
+                                        <p:strVal val="visible"/>
+                                      </p:to>
+                                    </p:set>
+                                    <p:animEffect transition="in" filter="fade">
+                                      <p:cBhvr>
+                                        <p:cTn id="47" dur="500"/>
+                                        <p:tgtEl>
+                                          <p:spTgt spid="3">
+                                            <p:txEl>
+                                              <p:pRg st="8" end="8"/>
+                                            </p:txEl>
+                                          </p:spTgt>
+                                        </p:tgtEl>
+                                      </p:cBhvr>
+                                    </p:animEffect>
+                                  </p:childTnLst>
+                                </p:cTn>
+                              </p:par>
+                            </p:childTnLst>
+                          </p:cTn>
+                        </p:par>
+                      </p:childTnLst>
+                    </p:cTn>
+                  </p:par>
+                  <p:par>
+                    <p:cTn id="48" fill="hold">
+                      <p:stCondLst>
+                        <p:cond delay="indefinite"/>
+                      </p:stCondLst>
+                      <p:childTnLst>
+                        <p:par>
+                          <p:cTn id="49" fill="hold">
+                            <p:stCondLst>
+                              <p:cond delay="0"/>
+                            </p:stCondLst>
+                            <p:childTnLst>
+                              <p:par>
+                                <p:cTn id="50" presetID="10" presetClass="entr" presetSubtype="0" fill="hold" nodeType="clickEffect">
+                                  <p:stCondLst>
+                                    <p:cond delay="0"/>
+                                  </p:stCondLst>
+                                  <p:childTnLst>
+                                    <p:set>
+                                      <p:cBhvr>
+                                        <p:cTn id="51" dur="1" fill="hold">
+                                          <p:stCondLst>
+                                            <p:cond delay="0"/>
+                                          </p:stCondLst>
+                                        </p:cTn>
+                                        <p:tgtEl>
+                                          <p:spTgt spid="3">
+                                            <p:txEl>
+                                              <p:pRg st="9" end="9"/>
+                                            </p:txEl>
+                                          </p:spTgt>
+                                        </p:tgtEl>
+                                        <p:attrNameLst>
+                                          <p:attrName>style.visibility</p:attrName>
+                                        </p:attrNameLst>
+                                      </p:cBhvr>
+                                      <p:to>
+                                        <p:strVal val="visible"/>
+                                      </p:to>
+                                    </p:set>
+                                    <p:animEffect transition="in" filter="fade">
+                                      <p:cBhvr>
+                                        <p:cTn id="52" dur="500"/>
+                                        <p:tgtEl>
+                                          <p:spTgt spid="3">
+                                            <p:txEl>
+                                              <p:pRg st="9" end="9"/>
+                                            </p:txEl>
+                                          </p:spTgt>
+                                        </p:tgtEl>
+                                      </p:cBhvr>
+                                    </p:animEffect>
+                                  </p:childTnLst>
+                                </p:cTn>
+                              </p:par>
+                            </p:childTnLst>
+                          </p:cTn>
+                        </p:par>
+                      </p:childTnLst>
+                    </p:cTn>
+                  </p:par>
+                </p:childTnLst>
+              </p:cTn>
+              <p:prevCondLst>
+                <p:cond evt="onPrev" delay="0">
+                  <p:tgtEl>
+                    <p:sldTgt/>
+                  </p:tgtEl>
+                </p:cond>
+              </p:prevCondLst>
+              <p:nextCondLst>
+                <p:cond evt="onNext" delay="0">
+                  <p:tgtEl>
+                    <p:sldTgt/>
+                  </p:tgtEl>
+                </p:cond>
+              </p:nextCondLst>
+            </p:seq>
+          </p:childTnLst>
+        </p:cTn>
+      </p:par>
+    </p:tnLst>
+  </p:timing>
+</p:sld>
+</file>
+
+<file path=ppt/slides/slide3.xml><?xml version="1.0" encoding="utf-8"?>
+<p:sld xmlns:a="http://schemas.openxmlformats.org/drawingml/2006/main" xmlns:r="http://schemas.openxmlformats.org/officeDocument/2006/relationships" xmlns:p="http://schemas.openxmlformats.org/presentationml/2006/main">
+  <p:cSld>
+    <p:spTree>
+      <p:nvGrpSpPr>
+        <p:cNvPr id="1" name=""/>
+        <p:cNvGrpSpPr/>
+        <p:nvPr/>
+      </p:nvGrpSpPr>
+      <p:grpSpPr>
+        <a:xfrm>
+          <a:off x="0" y="0"/>
+          <a:ext cx="0" cy="0"/>
+          <a:chOff x="0" y="0"/>
+          <a:chExt cx="0" cy="0"/>
+        </a:xfrm>
+      </p:grpSpPr>
+      <p:sp>
+        <p:nvSpPr>
+          <p:cNvPr id="2" name="Title 1"/>
+          <p:cNvSpPr>
+            <a:spLocks noGrp="1"/>
+          </p:cNvSpPr>
+          <p:nvPr>
+            <p:ph type="title"/>
+          </p:nvPr>
+        </p:nvSpPr>
+        <p:spPr/>
+        <p:txBody>
+          <a:bodyPr/>
+          <a:lstStyle/>
+          <a:p>
+            <a:r>
+              <a:rPr lang="en-US" dirty="0" smtClean="0"/>
+              <a:t>Networked models</a:t>
+            </a:r>
+            <a:endParaRPr lang="en-US" dirty="0"/>
+          </a:p>
+        </p:txBody>
+      </p:sp>
+      <p:sp>
+        <p:nvSpPr>
+          <p:cNvPr id="3" name="Content Placeholder 2"/>
+          <p:cNvSpPr>
+            <a:spLocks noGrp="1"/>
+          </p:cNvSpPr>
+          <p:nvPr>
+            <p:ph idx="1"/>
+          </p:nvPr>
+        </p:nvSpPr>
+        <p:spPr/>
+        <p:txBody>
+          <a:bodyPr>
+            <a:normAutofit lnSpcReduction="10000"/>
+          </a:bodyPr>
+          <a:lstStyle/>
+          <a:p>
+            <a:pPr>
+              <a:buFont typeface="Wingdings" panose="05000000000000000000" pitchFamily="2" charset="2"/>
+              <a:buChar char="Ø"/>
+            </a:pPr>
+            <a:r>
+              <a:rPr lang="en-US" dirty="0" smtClean="0"/>
+              <a:t> Powerful tool to capture interaction between individual entities</a:t>
+            </a:r>
+          </a:p>
+          <a:p>
+            <a:pPr>
+              <a:buFont typeface="Wingdings" panose="05000000000000000000" pitchFamily="2" charset="2"/>
+              <a:buChar char="Ø"/>
+            </a:pPr>
+            <a:r>
+              <a:rPr lang="en-US" dirty="0" smtClean="0"/>
+              <a:t>Can be modeled in any granularity. </a:t>
+            </a:r>
+          </a:p>
+          <a:p>
+            <a:pPr lvl="1">
+              <a:buFont typeface="Wingdings" panose="05000000000000000000" pitchFamily="2" charset="2"/>
+              <a:buChar char="Ø"/>
+            </a:pPr>
+            <a:r>
+              <a:rPr lang="en-US" dirty="0" smtClean="0"/>
+              <a:t>Nodes could be cities or every individual</a:t>
+            </a:r>
+          </a:p>
+          <a:p>
+            <a:pPr>
+              <a:buFont typeface="Wingdings" panose="05000000000000000000" pitchFamily="2" charset="2"/>
+              <a:buChar char="Ø"/>
+            </a:pPr>
+            <a:r>
+              <a:rPr lang="en-US" dirty="0" smtClean="0"/>
+              <a:t>Complicated and varying interactions can be captured by suitable edge models</a:t>
+            </a:r>
+          </a:p>
+          <a:p>
+            <a:pPr>
+              <a:buFont typeface="Wingdings" panose="05000000000000000000" pitchFamily="2" charset="2"/>
+              <a:buChar char="Ø"/>
+            </a:pPr>
+            <a:r>
+              <a:rPr lang="en-US" dirty="0" smtClean="0"/>
+              <a:t>It is easy to model individual participants in a system and then find their inter relation rather than trying to figure out everything at once.</a:t>
+            </a:r>
+          </a:p>
+          <a:p>
+            <a:pPr>
+              <a:buFont typeface="Wingdings" panose="05000000000000000000" pitchFamily="2" charset="2"/>
+              <a:buChar char="Ø"/>
+            </a:pPr>
+            <a:endParaRPr lang="en-US" dirty="0"/>
+          </a:p>
+          <a:p>
+            <a:pPr>
+              <a:buFont typeface="Wingdings" panose="05000000000000000000" pitchFamily="2" charset="2"/>
+              <a:buChar char="Ø"/>
+            </a:pPr>
+            <a:r>
+              <a:rPr lang="en-US" dirty="0" smtClean="0">
+                <a:solidFill>
+                  <a:srgbClr val="00B050"/>
+                </a:solidFill>
+              </a:rPr>
+              <a:t>The structure plays rather critical role</a:t>
+            </a:r>
+          </a:p>
+          <a:p>
+            <a:pPr lvl="1">
+              <a:buFont typeface="Wingdings" panose="05000000000000000000" pitchFamily="2" charset="2"/>
+              <a:buChar char="Ø"/>
+            </a:pPr>
+            <a:r>
+              <a:rPr lang="en-US" dirty="0" smtClean="0">
+                <a:solidFill>
+                  <a:srgbClr val="00B050"/>
+                </a:solidFill>
+              </a:rPr>
+              <a:t>We explore exactly how critical this parameter in some of the well-known networks</a:t>
+            </a:r>
+          </a:p>
+          <a:p>
+            <a:pPr>
+              <a:buFont typeface="Wingdings" panose="05000000000000000000" pitchFamily="2" charset="2"/>
+              <a:buChar char="Ø"/>
+            </a:pPr>
+            <a:endParaRPr lang="en-US" dirty="0" smtClean="0"/>
+          </a:p>
+          <a:p>
+            <a:pPr>
+              <a:buFont typeface="Wingdings" panose="05000000000000000000" pitchFamily="2" charset="2"/>
+              <a:buChar char="Ø"/>
+            </a:pPr>
+            <a:endParaRPr lang="en-US" dirty="0"/>
+          </a:p>
+        </p:txBody>
+      </p:sp>
+    </p:spTree>
+    <p:extLst>
+      <p:ext uri="{BB962C8B-B14F-4D97-AF65-F5344CB8AC3E}">
+        <p14:creationId xmlns:p14="http://schemas.microsoft.com/office/powerpoint/2010/main" val="3598925510"/>
+      </p:ext>
+    </p:extLst>
+  </p:cSld>
+  <p:clrMapOvr>
+    <a:masterClrMapping/>
+  </p:clrMapOvr>
+  <p:timing>
+    <p:tnLst>
+      <p:par>
+        <p:cTn id="1" dur="indefinite" restart="never" nodeType="tmRoot">
+          <p:childTnLst>
+            <p:seq concurrent="1" nextAc="seek">
+              <p:cTn id="2" dur="indefinite" nodeType="mainSeq">
+                <p:childTnLst>
+                  <p:par>
+                    <p:cTn id="3" fill="hold">
+                      <p:stCondLst>
+                        <p:cond delay="indefinite"/>
+                      </p:stCondLst>
+                      <p:childTnLst>
+                        <p:par>
+                          <p:cTn id="4" fill="hold">
+                            <p:stCondLst>
+                              <p:cond delay="0"/>
+                            </p:stCondLst>
+                            <p:childTnLst>
+                              <p:par>
+                                <p:cTn id="5" presetID="10" presetClass="entr" presetSubtype="0" fill="hold" nodeType="clickEffect">
+                                  <p:stCondLst>
+                                    <p:cond delay="0"/>
+                                  </p:stCondLst>
+                                  <p:childTnLst>
+                                    <p:set>
+                                      <p:cBhvr>
+                                        <p:cTn id="6" dur="1" fill="hold">
+                                          <p:stCondLst>
+                                            <p:cond delay="0"/>
+                                          </p:stCondLst>
+                                        </p:cTn>
+                                        <p:tgtEl>
+                                          <p:spTgt spid="3">
+                                            <p:txEl>
+                                              <p:pRg st="0" end="0"/>
+                                            </p:txEl>
+                                          </p:spTgt>
+                                        </p:tgtEl>
+                                        <p:attrNameLst>
+                                          <p:attrName>style.visibility</p:attrName>
+                                        </p:attrNameLst>
+                                      </p:cBhvr>
+                                      <p:to>
+                                        <p:strVal val="visible"/>
+                                      </p:to>
+                                    </p:set>
+                                    <p:animEffect transition="in" filter="fade">
+                                      <p:cBhvr>
+                                        <p:cTn id="7" dur="500"/>
+                                        <p:tgtEl>
+                                          <p:spTgt spid="3">
+                                            <p:txEl>
+                                              <p:pRg st="0" end="0"/>
+                                            </p:txEl>
+                                          </p:spTgt>
+                                        </p:tgtEl>
+                                      </p:cBhvr>
+                                    </p:animEffect>
+                                  </p:childTnLst>
+                                </p:cTn>
+                              </p:par>
+                            </p:childTnLst>
+                          </p:cTn>
+                        </p:par>
+                      </p:childTnLst>
+                    </p:cTn>
+                  </p:par>
+                  <p:par>
+                    <p:cTn id="8" fill="hold">
+                      <p:stCondLst>
+                        <p:cond delay="indefinite"/>
+                      </p:stCondLst>
+                      <p:childTnLst>
+                        <p:par>
+                          <p:cTn id="9" fill="hold">
+                            <p:stCondLst>
+                              <p:cond delay="0"/>
+                            </p:stCondLst>
+                            <p:childTnLst>
+                              <p:par>
+                                <p:cTn id="10" presetID="10" presetClass="entr" presetSubtype="0" fill="hold" nodeType="clickEffect">
+                                  <p:stCondLst>
+                                    <p:cond delay="0"/>
+                                  </p:stCondLst>
+                                  <p:childTnLst>
+                                    <p:set>
+                                      <p:cBhvr>
+                                        <p:cTn id="11" dur="1" fill="hold">
+                                          <p:stCondLst>
+                                            <p:cond delay="0"/>
+                                          </p:stCondLst>
+                                        </p:cTn>
+                                        <p:tgtEl>
+                                          <p:spTgt spid="3">
+                                            <p:txEl>
+                                              <p:pRg st="1" end="1"/>
+                                            </p:txEl>
+                                          </p:spTgt>
+                                        </p:tgtEl>
+                                        <p:attrNameLst>
+                                          <p:attrName>style.visibility</p:attrName>
+                                        </p:attrNameLst>
+                                      </p:cBhvr>
+                                      <p:to>
+                                        <p:strVal val="visible"/>
+                                      </p:to>
+                                    </p:set>
+                                    <p:animEffect transition="in" filter="fade">
+                                      <p:cBhvr>
+                                        <p:cTn id="12" dur="500"/>
+                                        <p:tgtEl>
+                                          <p:spTgt spid="3">
+                                            <p:txEl>
+                                              <p:pRg st="1" end="1"/>
+                                            </p:txEl>
+                                          </p:spTgt>
+                                        </p:tgtEl>
+                                      </p:cBhvr>
+                                    </p:animEffect>
+                                  </p:childTnLst>
+                                </p:cTn>
+                              </p:par>
+                              <p:par>
+                                <p:cTn id="13" presetID="10" presetClass="entr" presetSubtype="0" fill="hold" nodeType="withEffect">
+                                  <p:stCondLst>
+                                    <p:cond delay="0"/>
+                                  </p:stCondLst>
+                                  <p:childTnLst>
+                                    <p:set>
+                                      <p:cBhvr>
+                                        <p:cTn id="14" dur="1" fill="hold">
+                                          <p:stCondLst>
+                                            <p:cond delay="0"/>
+                                          </p:stCondLst>
+                                        </p:cTn>
+                                        <p:tgtEl>
+                                          <p:spTgt spid="3">
+                                            <p:txEl>
+                                              <p:pRg st="2" end="2"/>
+                                            </p:txEl>
+                                          </p:spTgt>
+                                        </p:tgtEl>
+                                        <p:attrNameLst>
+                                          <p:attrName>style.visibility</p:attrName>
+                                        </p:attrNameLst>
+                                      </p:cBhvr>
+                                      <p:to>
+                                        <p:strVal val="visible"/>
+                                      </p:to>
+                                    </p:set>
+                                    <p:animEffect transition="in" filter="fade">
+                                      <p:cBhvr>
+                                        <p:cTn id="15" dur="500"/>
+                                        <p:tgtEl>
+                                          <p:spTgt spid="3">
+                                            <p:txEl>
+                                              <p:pRg st="2" end="2"/>
+                                            </p:txEl>
+                                          </p:spTgt>
+                                        </p:tgtEl>
+                                      </p:cBhvr>
+                                    </p:animEffect>
+                                  </p:childTnLst>
+                                </p:cTn>
+                              </p:par>
+                            </p:childTnLst>
+                          </p:cTn>
+                        </p:par>
+                      </p:childTnLst>
+                    </p:cTn>
+                  </p:par>
+                  <p:par>
+                    <p:cTn id="16" fill="hold">
+                      <p:stCondLst>
+                        <p:cond delay="indefinite"/>
+                      </p:stCondLst>
+                      <p:childTnLst>
+                        <p:par>
+                          <p:cTn id="17" fill="hold">
+                            <p:stCondLst>
+                              <p:cond delay="0"/>
+                            </p:stCondLst>
+                            <p:childTnLst>
+                              <p:par>
+                                <p:cTn id="18" presetID="10" presetClass="entr" presetSubtype="0" fill="hold" nodeType="clickEffect">
+                                  <p:stCondLst>
+                                    <p:cond delay="0"/>
+                                  </p:stCondLst>
+                                  <p:childTnLst>
+                                    <p:set>
+                                      <p:cBhvr>
+                                        <p:cTn id="19" dur="1" fill="hold">
+                                          <p:stCondLst>
+                                            <p:cond delay="0"/>
+                                          </p:stCondLst>
+                                        </p:cTn>
+                                        <p:tgtEl>
+                                          <p:spTgt spid="3">
+                                            <p:txEl>
+                                              <p:pRg st="3" end="3"/>
+                                            </p:txEl>
+                                          </p:spTgt>
+                                        </p:tgtEl>
+                                        <p:attrNameLst>
+                                          <p:attrName>style.visibility</p:attrName>
+                                        </p:attrNameLst>
+                                      </p:cBhvr>
+                                      <p:to>
+                                        <p:strVal val="visible"/>
+                                      </p:to>
+                                    </p:set>
+                                    <p:animEffect transition="in" filter="fade">
+                                      <p:cBhvr>
+                                        <p:cTn id="20" dur="500"/>
+                                        <p:tgtEl>
+                                          <p:spTgt spid="3">
+                                            <p:txEl>
+                                              <p:pRg st="3" end="3"/>
+                                            </p:txEl>
+                                          </p:spTgt>
+                                        </p:tgtEl>
+                                      </p:cBhvr>
+                                    </p:animEffect>
+                                  </p:childTnLst>
+                                </p:cTn>
+                              </p:par>
+                            </p:childTnLst>
+                          </p:cTn>
+                        </p:par>
+                      </p:childTnLst>
+                    </p:cTn>
+                  </p:par>
+                  <p:par>
+                    <p:cTn id="21" fill="hold">
+                      <p:stCondLst>
+                        <p:cond delay="indefinite"/>
+                      </p:stCondLst>
+                      <p:childTnLst>
+                        <p:par>
+                          <p:cTn id="22" fill="hold">
+                            <p:stCondLst>
+                              <p:cond delay="0"/>
+                            </p:stCondLst>
+                            <p:childTnLst>
+                              <p:par>
+                                <p:cTn id="23" presetID="10" presetClass="entr" presetSubtype="0" fill="hold" nodeType="clickEffect">
+                                  <p:stCondLst>
+                                    <p:cond delay="0"/>
+                                  </p:stCondLst>
+                                  <p:childTnLst>
+                                    <p:set>
+                                      <p:cBhvr>
+                                        <p:cTn id="24" dur="1" fill="hold">
+                                          <p:stCondLst>
+                                            <p:cond delay="0"/>
+                                          </p:stCondLst>
+                                        </p:cTn>
+                                        <p:tgtEl>
+                                          <p:spTgt spid="3">
+                                            <p:txEl>
+                                              <p:pRg st="4" end="4"/>
+                                            </p:txEl>
+                                          </p:spTgt>
+                                        </p:tgtEl>
+                                        <p:attrNameLst>
+                                          <p:attrName>style.visibility</p:attrName>
+                                        </p:attrNameLst>
+                                      </p:cBhvr>
+                                      <p:to>
+                                        <p:strVal val="visible"/>
+                                      </p:to>
+                                    </p:set>
+                                    <p:animEffect transition="in" filter="fade">
+                                      <p:cBhvr>
+                                        <p:cTn id="25" dur="500"/>
+                                        <p:tgtEl>
+                                          <p:spTgt spid="3">
+                                            <p:txEl>
+                                              <p:pRg st="4" end="4"/>
+                                            </p:txEl>
+                                          </p:spTgt>
+                                        </p:tgtEl>
+                                      </p:cBhvr>
+                                    </p:animEffect>
+                                  </p:childTnLst>
+                                </p:cTn>
+                              </p:par>
+                            </p:childTnLst>
+                          </p:cTn>
+                        </p:par>
+                      </p:childTnLst>
+                    </p:cTn>
+                  </p:par>
+                  <p:par>
+                    <p:cTn id="26" fill="hold">
+                      <p:stCondLst>
+                        <p:cond delay="indefinite"/>
+                      </p:stCondLst>
+                      <p:childTnLst>
+                        <p:par>
+                          <p:cTn id="27" fill="hold">
+                            <p:stCondLst>
+                              <p:cond delay="0"/>
+                            </p:stCondLst>
+                            <p:childTnLst>
+                              <p:par>
+                                <p:cTn id="28" presetID="10" presetClass="entr" presetSubtype="0" fill="hold" nodeType="clickEffect">
+                                  <p:stCondLst>
+                                    <p:cond delay="0"/>
+                                  </p:stCondLst>
+                                  <p:childTnLst>
+                                    <p:set>
+                                      <p:cBhvr>
+                                        <p:cTn id="29" dur="1" fill="hold">
+                                          <p:stCondLst>
+                                            <p:cond delay="0"/>
+                                          </p:stCondLst>
+                                        </p:cTn>
+                                        <p:tgtEl>
+                                          <p:spTgt spid="3">
+                                            <p:txEl>
+                                              <p:pRg st="6" end="6"/>
+                                            </p:txEl>
+                                          </p:spTgt>
+                                        </p:tgtEl>
+                                        <p:attrNameLst>
+                                          <p:attrName>style.visibility</p:attrName>
+                                        </p:attrNameLst>
+                                      </p:cBhvr>
+                                      <p:to>
+                                        <p:strVal val="visible"/>
+                                      </p:to>
+                                    </p:set>
+                                    <p:animEffect transition="in" filter="fade">
+                                      <p:cBhvr>
+                                        <p:cTn id="30" dur="500"/>
+                                        <p:tgtEl>
+                                          <p:spTgt spid="3">
+                                            <p:txEl>
+                                              <p:pRg st="6" end="6"/>
+                                            </p:txEl>
+                                          </p:spTgt>
+                                        </p:tgtEl>
+                                      </p:cBhvr>
+                                    </p:animEffect>
+                                  </p:childTnLst>
+                                </p:cTn>
+                              </p:par>
+                              <p:par>
+                                <p:cTn id="31" presetID="10" presetClass="entr" presetSubtype="0" fill="hold" nodeType="withEffect">
+                                  <p:stCondLst>
+                                    <p:cond delay="0"/>
+                                  </p:stCondLst>
+                                  <p:childTnLst>
+                                    <p:set>
+                                      <p:cBhvr>
+                                        <p:cTn id="32" dur="1" fill="hold">
+                                          <p:stCondLst>
+                                            <p:cond delay="0"/>
+                                          </p:stCondLst>
+                                        </p:cTn>
+                                        <p:tgtEl>
+                                          <p:spTgt spid="3">
+                                            <p:txEl>
+                                              <p:pRg st="7" end="7"/>
+                                            </p:txEl>
+                                          </p:spTgt>
+                                        </p:tgtEl>
+                                        <p:attrNameLst>
+                                          <p:attrName>style.visibility</p:attrName>
+                                        </p:attrNameLst>
+                                      </p:cBhvr>
+                                      <p:to>
+                                        <p:strVal val="visible"/>
+                                      </p:to>
+                                    </p:set>
+                                    <p:animEffect transition="in" filter="fade">
+                                      <p:cBhvr>
+                                        <p:cTn id="33" dur="500"/>
+                                        <p:tgtEl>
+                                          <p:spTgt spid="3">
+                                            <p:txEl>
+                                              <p:pRg st="7" end="7"/>
+                                            </p:txEl>
+                                          </p:spTgt>
+                                        </p:tgtEl>
+                                      </p:cBhvr>
+                                    </p:animEffect>
+                                  </p:childTnLst>
+                                </p:cTn>
+                              </p:par>
+                            </p:childTnLst>
+                          </p:cTn>
+                        </p:par>
+                      </p:childTnLst>
+                    </p:cTn>
+                  </p:par>
+                </p:childTnLst>
+              </p:cTn>
+              <p:prevCondLst>
+                <p:cond evt="onPrev" delay="0">
+                  <p:tgtEl>
+                    <p:sldTgt/>
+                  </p:tgtEl>
+                </p:cond>
+              </p:prevCondLst>
+              <p:nextCondLst>
+                <p:cond evt="onNext" delay="0">
+                  <p:tgtEl>
+                    <p:sldTgt/>
+                  </p:tgtEl>
+                </p:cond>
+              </p:nextCondLst>
+            </p:seq>
+          </p:childTnLst>
+        </p:cTn>
+      </p:par>
+    </p:tnLst>
+  </p:timing>
+</p:sld>
+</file>
+
+<file path=ppt/slides/slide4.xml><?xml version="1.0" encoding="utf-8"?>
+<p:sld xmlns:a="http://schemas.openxmlformats.org/drawingml/2006/main" xmlns:r="http://schemas.openxmlformats.org/officeDocument/2006/relationships" xmlns:p="http://schemas.openxmlformats.org/presentationml/2006/main">
+  <p:cSld>
+    <p:spTree>
+      <p:nvGrpSpPr>
+        <p:cNvPr id="1" name=""/>
+        <p:cNvGrpSpPr/>
+        <p:nvPr/>
+      </p:nvGrpSpPr>
+      <p:grpSpPr>
+        <a:xfrm>
+          <a:off x="0" y="0"/>
+          <a:ext cx="0" cy="0"/>
+          <a:chOff x="0" y="0"/>
+          <a:chExt cx="0" cy="0"/>
+        </a:xfrm>
+      </p:grpSpPr>
+      <p:sp>
+        <p:nvSpPr>
+          <p:cNvPr id="2" name="Title 1"/>
+          <p:cNvSpPr>
+            <a:spLocks noGrp="1"/>
+          </p:cNvSpPr>
+          <p:nvPr>
+            <p:ph type="title"/>
+          </p:nvPr>
+        </p:nvSpPr>
+        <p:spPr/>
+        <p:txBody>
+          <a:bodyPr/>
+          <a:lstStyle/>
+          <a:p>
+            <a:r>
+              <a:rPr lang="en-US" dirty="0" smtClean="0"/>
+              <a:t>Assumptions</a:t>
+            </a:r>
+            <a:endParaRPr lang="en-US" dirty="0"/>
+          </a:p>
+        </p:txBody>
+      </p:sp>
+      <p:sp>
+        <p:nvSpPr>
+          <p:cNvPr id="3" name="Content Placeholder 2"/>
+          <p:cNvSpPr>
+            <a:spLocks noGrp="1"/>
+          </p:cNvSpPr>
+          <p:nvPr>
+            <p:ph idx="1"/>
+          </p:nvPr>
+        </p:nvSpPr>
+        <p:spPr/>
+        <p:txBody>
+          <a:bodyPr/>
+          <a:lstStyle/>
+          <a:p>
+            <a:pPr>
+              <a:buFont typeface="Wingdings" panose="05000000000000000000" pitchFamily="2" charset="2"/>
+              <a:buChar char="Ø"/>
+            </a:pPr>
+            <a:r>
+              <a:rPr lang="en-US" dirty="0" smtClean="0"/>
+              <a:t>Disturbance rejection capability of a network is a good metric of measure of robustness</a:t>
+            </a:r>
+          </a:p>
+          <a:p>
+            <a:pPr>
+              <a:buFont typeface="Wingdings" panose="05000000000000000000" pitchFamily="2" charset="2"/>
+              <a:buChar char="Ø"/>
+            </a:pPr>
+            <a:r>
+              <a:rPr lang="en-US" dirty="0" smtClean="0"/>
+              <a:t>Each individual behaves fairly and takes part by propagating some part of its disturbance level and rejecting some part</a:t>
+            </a:r>
+          </a:p>
+          <a:p>
+            <a:pPr lvl="1">
+              <a:buFont typeface="Wingdings" panose="05000000000000000000" pitchFamily="2" charset="2"/>
+              <a:buChar char="Ø"/>
+            </a:pPr>
+            <a:r>
+              <a:rPr lang="en-US" dirty="0" smtClean="0"/>
+              <a:t>Self-healing</a:t>
+            </a:r>
+          </a:p>
+          <a:p>
+            <a:pPr lvl="1">
+              <a:buFont typeface="Wingdings" panose="05000000000000000000" pitchFamily="2" charset="2"/>
+              <a:buChar char="Ø"/>
+            </a:pPr>
+            <a:r>
+              <a:rPr lang="en-US" dirty="0" smtClean="0"/>
+              <a:t>No node tries to intentionally destabilize the whole network</a:t>
+            </a:r>
+          </a:p>
+          <a:p>
+            <a:pPr>
+              <a:buFont typeface="Wingdings" panose="05000000000000000000" pitchFamily="2" charset="2"/>
+              <a:buChar char="Ø"/>
+            </a:pPr>
+            <a:r>
+              <a:rPr lang="en-US" dirty="0" smtClean="0"/>
+              <a:t>The disturbance is of one kind</a:t>
+            </a:r>
+          </a:p>
+          <a:p>
+            <a:pPr lvl="1">
+              <a:buFont typeface="Wingdings" panose="05000000000000000000" pitchFamily="2" charset="2"/>
+              <a:buChar char="Ø"/>
+            </a:pPr>
+            <a:r>
+              <a:rPr lang="en-US" dirty="0" smtClean="0"/>
+              <a:t>If there is a disease that is spreading there is only that entity. Panic over social media is not spreading and effecting individual behavior.</a:t>
+            </a:r>
+            <a:endParaRPr lang="en-US" dirty="0"/>
+          </a:p>
+        </p:txBody>
+      </p:sp>
+    </p:spTree>
+    <p:extLst>
+      <p:ext uri="{BB962C8B-B14F-4D97-AF65-F5344CB8AC3E}">
+        <p14:creationId xmlns:p14="http://schemas.microsoft.com/office/powerpoint/2010/main" val="1202516932"/>
+      </p:ext>
+    </p:extLst>
+  </p:cSld>
+  <p:clrMapOvr>
+    <a:masterClrMapping/>
+  </p:clrMapOvr>
+  <p:timing>
+    <p:tnLst>
+      <p:par>
+        <p:cTn id="1" dur="indefinite" restart="never" nodeType="tmRoot">
+          <p:childTnLst>
+            <p:seq concurrent="1" nextAc="seek">
+              <p:cTn id="2" dur="indefinite" nodeType="mainSeq">
+                <p:childTnLst>
+                  <p:par>
+                    <p:cTn id="3" fill="hold">
+                      <p:stCondLst>
+                        <p:cond delay="indefinite"/>
+                      </p:stCondLst>
+                      <p:childTnLst>
+                        <p:par>
+                          <p:cTn id="4" fill="hold">
+                            <p:stCondLst>
+                              <p:cond delay="0"/>
+                            </p:stCondLst>
+                            <p:childTnLst>
+                              <p:par>
+                                <p:cTn id="5" presetID="10" presetClass="entr" presetSubtype="0" fill="hold" nodeType="clickEffect">
+                                  <p:stCondLst>
+                                    <p:cond delay="0"/>
+                                  </p:stCondLst>
+                                  <p:childTnLst>
+                                    <p:set>
+                                      <p:cBhvr>
+                                        <p:cTn id="6" dur="1" fill="hold">
+                                          <p:stCondLst>
+                                            <p:cond delay="0"/>
+                                          </p:stCondLst>
+                                        </p:cTn>
+                                        <p:tgtEl>
+                                          <p:spTgt spid="3">
+                                            <p:txEl>
+                                              <p:pRg st="0" end="0"/>
+                                            </p:txEl>
+                                          </p:spTgt>
+                                        </p:tgtEl>
+                                        <p:attrNameLst>
+                                          <p:attrName>style.visibility</p:attrName>
+                                        </p:attrNameLst>
+                                      </p:cBhvr>
+                                      <p:to>
+                                        <p:strVal val="visible"/>
+                                      </p:to>
+                                    </p:set>
+                                    <p:animEffect transition="in" filter="fade">
+                                      <p:cBhvr>
+                                        <p:cTn id="7" dur="500"/>
+                                        <p:tgtEl>
+                                          <p:spTgt spid="3">
+                                            <p:txEl>
+                                              <p:pRg st="0" end="0"/>
+                                            </p:txEl>
+                                          </p:spTgt>
+                                        </p:tgtEl>
+                                      </p:cBhvr>
+                                    </p:animEffect>
+                                  </p:childTnLst>
+                                </p:cTn>
+                              </p:par>
+                            </p:childTnLst>
+                          </p:cTn>
+                        </p:par>
+                      </p:childTnLst>
+                    </p:cTn>
+                  </p:par>
+                  <p:par>
+                    <p:cTn id="8" fill="hold">
+                      <p:stCondLst>
+                        <p:cond delay="indefinite"/>
+                      </p:stCondLst>
+                      <p:childTnLst>
+                        <p:par>
+                          <p:cTn id="9" fill="hold">
+                            <p:stCondLst>
+                              <p:cond delay="0"/>
+                            </p:stCondLst>
+                            <p:childTnLst>
+                              <p:par>
+                                <p:cTn id="10" presetID="10" presetClass="entr" presetSubtype="0" fill="hold" nodeType="clickEffect">
+                                  <p:stCondLst>
+                                    <p:cond delay="0"/>
+                                  </p:stCondLst>
+                                  <p:childTnLst>
+                                    <p:set>
+                                      <p:cBhvr>
+                                        <p:cTn id="11" dur="1" fill="hold">
+                                          <p:stCondLst>
+                                            <p:cond delay="0"/>
+                                          </p:stCondLst>
+                                        </p:cTn>
+                                        <p:tgtEl>
+                                          <p:spTgt spid="3">
+                                            <p:txEl>
+                                              <p:pRg st="1" end="1"/>
+                                            </p:txEl>
+                                          </p:spTgt>
+                                        </p:tgtEl>
+                                        <p:attrNameLst>
+                                          <p:attrName>style.visibility</p:attrName>
+                                        </p:attrNameLst>
+                                      </p:cBhvr>
+                                      <p:to>
+                                        <p:strVal val="visible"/>
+                                      </p:to>
+                                    </p:set>
+                                    <p:animEffect transition="in" filter="fade">
+                                      <p:cBhvr>
+                                        <p:cTn id="12" dur="500"/>
+                                        <p:tgtEl>
+                                          <p:spTgt spid="3">
+                                            <p:txEl>
+                                              <p:pRg st="1" end="1"/>
+                                            </p:txEl>
+                                          </p:spTgt>
+                                        </p:tgtEl>
+                                      </p:cBhvr>
+                                    </p:animEffect>
+                                  </p:childTnLst>
+                                </p:cTn>
+                              </p:par>
+                            </p:childTnLst>
+                          </p:cTn>
+                        </p:par>
+                      </p:childTnLst>
+                    </p:cTn>
+                  </p:par>
+                  <p:par>
+                    <p:cTn id="13" fill="hold">
+                      <p:stCondLst>
+                        <p:cond delay="indefinite"/>
+                      </p:stCondLst>
+                      <p:childTnLst>
+                        <p:par>
+                          <p:cTn id="14" fill="hold">
+                            <p:stCondLst>
+                              <p:cond delay="0"/>
+                            </p:stCondLst>
+                            <p:childTnLst>
+                              <p:par>
+                                <p:cTn id="15" presetID="10" presetClass="entr" presetSubtype="0" fill="hold" nodeType="clickEffect">
+                                  <p:stCondLst>
+                                    <p:cond delay="0"/>
+                                  </p:stCondLst>
+                                  <p:childTnLst>
+                                    <p:set>
+                                      <p:cBhvr>
+                                        <p:cTn id="16" dur="1" fill="hold">
+                                          <p:stCondLst>
+                                            <p:cond delay="0"/>
+                                          </p:stCondLst>
+                                        </p:cTn>
+                                        <p:tgtEl>
+                                          <p:spTgt spid="3">
+                                            <p:txEl>
+                                              <p:pRg st="2" end="2"/>
+                                            </p:txEl>
+                                          </p:spTgt>
+                                        </p:tgtEl>
+                                        <p:attrNameLst>
+                                          <p:attrName>style.visibility</p:attrName>
+                                        </p:attrNameLst>
+                                      </p:cBhvr>
+                                      <p:to>
+                                        <p:strVal val="visible"/>
+                                      </p:to>
+                                    </p:set>
+                                    <p:animEffect transition="in" filter="fade">
+                                      <p:cBhvr>
+                                        <p:cTn id="17" dur="500"/>
+                                        <p:tgtEl>
+                                          <p:spTgt spid="3">
+                                            <p:txEl>
+                                              <p:pRg st="2" end="2"/>
+                                            </p:txEl>
+                                          </p:spTgt>
+                                        </p:tgtEl>
+                                      </p:cBhvr>
+                                    </p:animEffect>
+                                  </p:childTnLst>
+                                </p:cTn>
+                              </p:par>
+                            </p:childTnLst>
+                          </p:cTn>
+                        </p:par>
+                      </p:childTnLst>
+                    </p:cTn>
+                  </p:par>
+                  <p:par>
+                    <p:cTn id="18" fill="hold">
+                      <p:stCondLst>
+                        <p:cond delay="indefinite"/>
+                      </p:stCondLst>
+                      <p:childTnLst>
+                        <p:par>
+                          <p:cTn id="19" fill="hold">
+                            <p:stCondLst>
+                              <p:cond delay="0"/>
+                            </p:stCondLst>
+                            <p:childTnLst>
+                              <p:par>
+                                <p:cTn id="20" presetID="10" presetClass="entr" presetSubtype="0" fill="hold" nodeType="clickEffect">
+                                  <p:stCondLst>
+                                    <p:cond delay="0"/>
+                                  </p:stCondLst>
+                                  <p:childTnLst>
+                                    <p:set>
+                                      <p:cBhvr>
+                                        <p:cTn id="21" dur="1" fill="hold">
+                                          <p:stCondLst>
+                                            <p:cond delay="0"/>
+                                          </p:stCondLst>
+                                        </p:cTn>
+                                        <p:tgtEl>
+                                          <p:spTgt spid="3">
+                                            <p:txEl>
+                                              <p:pRg st="3" end="3"/>
+                                            </p:txEl>
+                                          </p:spTgt>
+                                        </p:tgtEl>
+                                        <p:attrNameLst>
+                                          <p:attrName>style.visibility</p:attrName>
+                                        </p:attrNameLst>
+                                      </p:cBhvr>
+                                      <p:to>
+                                        <p:strVal val="visible"/>
+                                      </p:to>
+                                    </p:set>
+                                    <p:animEffect transition="in" filter="fade">
+                                      <p:cBhvr>
+                                        <p:cTn id="22" dur="500"/>
+                                        <p:tgtEl>
+                                          <p:spTgt spid="3">
+                                            <p:txEl>
+                                              <p:pRg st="3" end="3"/>
+                                            </p:txEl>
+                                          </p:spTgt>
+                                        </p:tgtEl>
+                                      </p:cBhvr>
+                                    </p:animEffect>
+                                  </p:childTnLst>
+                                </p:cTn>
+                              </p:par>
+                            </p:childTnLst>
+                          </p:cTn>
+                        </p:par>
+                      </p:childTnLst>
+                    </p:cTn>
+                  </p:par>
+                  <p:par>
+                    <p:cTn id="23" fill="hold">
+                      <p:stCondLst>
+                        <p:cond delay="indefinite"/>
+                      </p:stCondLst>
+                      <p:childTnLst>
+                        <p:par>
+                          <p:cTn id="24" fill="hold">
+                            <p:stCondLst>
+                              <p:cond delay="0"/>
+                            </p:stCondLst>
+                            <p:childTnLst>
+                              <p:par>
+                                <p:cTn id="25" presetID="10" presetClass="entr" presetSubtype="0" fill="hold" nodeType="clickEffect">
+                                  <p:stCondLst>
+                                    <p:cond delay="0"/>
+                                  </p:stCondLst>
+                                  <p:childTnLst>
+                                    <p:set>
+                                      <p:cBhvr>
+                                        <p:cTn id="26" dur="1" fill="hold">
+                                          <p:stCondLst>
+                                            <p:cond delay="0"/>
+                                          </p:stCondLst>
+                                        </p:cTn>
+                                        <p:tgtEl>
+                                          <p:spTgt spid="3">
+                                            <p:txEl>
+                                              <p:pRg st="4" end="4"/>
+                                            </p:txEl>
+                                          </p:spTgt>
+                                        </p:tgtEl>
+                                        <p:attrNameLst>
+                                          <p:attrName>style.visibility</p:attrName>
+                                        </p:attrNameLst>
+                                      </p:cBhvr>
+                                      <p:to>
+                                        <p:strVal val="visible"/>
+                                      </p:to>
+                                    </p:set>
+                                    <p:animEffect transition="in" filter="fade">
+                                      <p:cBhvr>
+                                        <p:cTn id="27" dur="500"/>
+                                        <p:tgtEl>
+                                          <p:spTgt spid="3">
+                                            <p:txEl>
+                                              <p:pRg st="4" end="4"/>
+                                            </p:txEl>
+                                          </p:spTgt>
+                                        </p:tgtEl>
+                                      </p:cBhvr>
+                                    </p:animEffect>
+                                  </p:childTnLst>
+                                </p:cTn>
+                              </p:par>
+                              <p:par>
+                                <p:cTn id="28" presetID="10" presetClass="entr" presetSubtype="0" fill="hold" nodeType="withEffect">
+                                  <p:stCondLst>
+                                    <p:cond delay="0"/>
+                                  </p:stCondLst>
+                                  <p:childTnLst>
+                                    <p:set>
+                                      <p:cBhvr>
+                                        <p:cTn id="29" dur="1" fill="hold">
+                                          <p:stCondLst>
+                                            <p:cond delay="0"/>
+                                          </p:stCondLst>
+                                        </p:cTn>
+                                        <p:tgtEl>
+                                          <p:spTgt spid="3">
+                                            <p:txEl>
+                                              <p:pRg st="5" end="5"/>
+                                            </p:txEl>
+                                          </p:spTgt>
+                                        </p:tgtEl>
+                                        <p:attrNameLst>
+                                          <p:attrName>style.visibility</p:attrName>
+                                        </p:attrNameLst>
+                                      </p:cBhvr>
+                                      <p:to>
+                                        <p:strVal val="visible"/>
+                                      </p:to>
+                                    </p:set>
+                                    <p:animEffect transition="in" filter="fade">
+                                      <p:cBhvr>
+                                        <p:cTn id="30" dur="500"/>
+                                        <p:tgtEl>
+                                          <p:spTgt spid="3">
+                                            <p:txEl>
+                                              <p:pRg st="5" end="5"/>
+                                            </p:txEl>
+                                          </p:spTgt>
+                                        </p:tgtEl>
+                                      </p:cBhvr>
+                                    </p:animEffect>
+                                  </p:childTnLst>
+                                </p:cTn>
+                              </p:par>
+                            </p:childTnLst>
+                          </p:cTn>
+                        </p:par>
+                      </p:childTnLst>
+                    </p:cTn>
+                  </p:par>
+                </p:childTnLst>
+              </p:cTn>
+              <p:prevCondLst>
+                <p:cond evt="onPrev" delay="0">
+                  <p:tgtEl>
+                    <p:sldTgt/>
+                  </p:tgtEl>
+                </p:cond>
+              </p:prevCondLst>
+              <p:nextCondLst>
+                <p:cond evt="onNext" delay="0">
+                  <p:tgtEl>
+                    <p:sldTgt/>
+                  </p:tgtEl>
+                </p:cond>
+              </p:nextCondLst>
+            </p:seq>
+          </p:childTnLst>
+        </p:cTn>
+      </p:par>
+    </p:tnLst>
+  </p:timing>
+</p:sld>
+</file>
+
+<file path=ppt/slides/slide5.xml><?xml version="1.0" encoding="utf-8"?>
+<p:sld xmlns:a="http://schemas.openxmlformats.org/drawingml/2006/main" xmlns:r="http://schemas.openxmlformats.org/officeDocument/2006/relationships" xmlns:p="http://schemas.openxmlformats.org/presentationml/2006/main">
+  <p:cSld>
+    <p:spTree>
+      <p:nvGrpSpPr>
+        <p:cNvPr id="1" name=""/>
+        <p:cNvGrpSpPr/>
+        <p:nvPr/>
+      </p:nvGrpSpPr>
+      <p:grpSpPr>
+        <a:xfrm>
+          <a:off x="0" y="0"/>
+          <a:ext cx="0" cy="0"/>
+          <a:chOff x="0" y="0"/>
+          <a:chExt cx="0" cy="0"/>
+        </a:xfrm>
+      </p:grpSpPr>
+      <p:sp>
+        <p:nvSpPr>
+          <p:cNvPr id="2" name="Title 1"/>
+          <p:cNvSpPr>
+            <a:spLocks noGrp="1"/>
+          </p:cNvSpPr>
+          <p:nvPr>
+            <p:ph type="title"/>
+          </p:nvPr>
+        </p:nvSpPr>
+        <p:spPr/>
+        <p:txBody>
+          <a:bodyPr/>
+          <a:lstStyle/>
+          <a:p>
+            <a:r>
+              <a:rPr lang="en-US" dirty="0" smtClean="0"/>
+              <a:t>Model</a:t>
+            </a:r>
+            <a:endParaRPr lang="en-US" dirty="0"/>
+          </a:p>
+        </p:txBody>
+      </p:sp>
+      <mc:AlternateContent xmlns:mc="http://schemas.openxmlformats.org/markup-compatibility/2006">
+        <mc:Choice xmlns:a14="http://schemas.microsoft.com/office/drawing/2010/main" Requires="a14">
+          <p:sp>
+            <p:nvSpPr>
+              <p:cNvPr id="3" name="Content Placeholder 2"/>
+              <p:cNvSpPr>
+                <a:spLocks noGrp="1"/>
+              </p:cNvSpPr>
+              <p:nvPr>
+                <p:ph idx="1"/>
+              </p:nvPr>
+            </p:nvSpPr>
+            <p:spPr/>
+            <p:txBody>
+              <a:bodyPr>
+                <a:normAutofit lnSpcReduction="10000"/>
+              </a:bodyPr>
+              <a:lstStyle/>
+              <a:p>
+                <a:pPr marL="0" indent="0">
+                  <a:buNone/>
+                </a:pPr>
+                <a14:m>
+                  <m:oMathPara xmlns:m="http://schemas.openxmlformats.org/officeDocument/2006/math">
+                    <m:oMathParaPr>
+                      <m:jc m:val="centerGroup"/>
+                    </m:oMathParaPr>
+                    <m:oMath xmlns:m="http://schemas.openxmlformats.org/officeDocument/2006/math">
+                      <m:f>
+                        <m:fPr>
+                          <m:ctrlPr>
+                            <a:rPr lang="en-US" b="0" i="1" smtClean="0">
+                              <a:latin typeface="Cambria Math" panose="02040503050406030204" pitchFamily="18" charset="0"/>
+                            </a:rPr>
+                          </m:ctrlPr>
+                        </m:fPr>
+                        <m:num>
+                          <m:r>
+                            <a:rPr lang="en-US" b="0" i="1" smtClean="0">
+                              <a:latin typeface="Cambria Math" panose="02040503050406030204" pitchFamily="18" charset="0"/>
+                            </a:rPr>
+                            <m:t>𝑑</m:t>
+                          </m:r>
+                          <m:sSub>
+                            <m:sSubPr>
+                              <m:ctrlPr>
+                                <a:rPr lang="en-US" b="0" i="1" smtClean="0">
+                                  <a:latin typeface="Cambria Math" panose="02040503050406030204" pitchFamily="18" charset="0"/>
+                                </a:rPr>
+                              </m:ctrlPr>
+                            </m:sSubPr>
+                            <m:e>
+                              <m:r>
+                                <a:rPr lang="en-US" b="0" i="1" smtClean="0">
+                                  <a:latin typeface="Cambria Math" panose="02040503050406030204" pitchFamily="18" charset="0"/>
+                                </a:rPr>
+                                <m:t>𝑥</m:t>
+                              </m:r>
+                            </m:e>
+                            <m:sub>
+                              <m:r>
+                                <a:rPr lang="en-US" b="0" i="1" smtClean="0">
+                                  <a:latin typeface="Cambria Math" panose="02040503050406030204" pitchFamily="18" charset="0"/>
+                                </a:rPr>
+                                <m:t>𝑖</m:t>
+                              </m:r>
+                            </m:sub>
+                          </m:sSub>
+                        </m:num>
+                        <m:den>
+                          <m:r>
+                            <a:rPr lang="en-US" b="0" i="1" smtClean="0">
+                              <a:latin typeface="Cambria Math" panose="02040503050406030204" pitchFamily="18" charset="0"/>
+                            </a:rPr>
+                            <m:t>𝑑𝑡</m:t>
+                          </m:r>
+                        </m:den>
+                      </m:f>
+                      <m:r>
+                        <a:rPr lang="en-US" b="0" i="1" smtClean="0">
+                          <a:latin typeface="Cambria Math" panose="02040503050406030204" pitchFamily="18" charset="0"/>
+                        </a:rPr>
+                        <m:t>=−</m:t>
+                      </m:r>
+                      <m:f>
+                        <m:fPr>
+                          <m:ctrlPr>
+                            <a:rPr lang="en-US" b="0" i="1" smtClean="0">
+                              <a:latin typeface="Cambria Math" panose="02040503050406030204" pitchFamily="18" charset="0"/>
+                            </a:rPr>
+                          </m:ctrlPr>
+                        </m:fPr>
+                        <m:num>
+                          <m:sSub>
+                            <m:sSubPr>
+                              <m:ctrlPr>
+                                <a:rPr lang="en-US" b="0" i="1" smtClean="0">
+                                  <a:latin typeface="Cambria Math" panose="02040503050406030204" pitchFamily="18" charset="0"/>
+                                </a:rPr>
+                              </m:ctrlPr>
+                            </m:sSubPr>
+                            <m:e>
+                              <m:r>
+                                <a:rPr lang="en-US" b="0" i="1" smtClean="0">
+                                  <a:latin typeface="Cambria Math" panose="02040503050406030204" pitchFamily="18" charset="0"/>
+                                </a:rPr>
+                                <m:t>𝑥</m:t>
+                              </m:r>
+                            </m:e>
+                            <m:sub>
+                              <m:r>
+                                <a:rPr lang="en-US" b="0" i="1" smtClean="0">
+                                  <a:latin typeface="Cambria Math" panose="02040503050406030204" pitchFamily="18" charset="0"/>
+                                </a:rPr>
+                                <m:t>𝑖</m:t>
+                              </m:r>
+                            </m:sub>
+                          </m:sSub>
+                        </m:num>
+                        <m:den>
+                          <m:sSub>
+                            <m:sSubPr>
+                              <m:ctrlPr>
+                                <a:rPr lang="en-US" b="0" i="1" smtClean="0">
+                                  <a:latin typeface="Cambria Math" panose="02040503050406030204" pitchFamily="18" charset="0"/>
+                                </a:rPr>
+                              </m:ctrlPr>
+                            </m:sSubPr>
+                            <m:e>
+                              <m:r>
+                                <a:rPr lang="en-US" b="0" i="1" smtClean="0">
+                                  <a:latin typeface="Cambria Math" panose="02040503050406030204" pitchFamily="18" charset="0"/>
+                                </a:rPr>
+                                <m:t>𝜏</m:t>
+                              </m:r>
+                            </m:e>
+                            <m:sub>
+                              <m:r>
+                                <a:rPr lang="en-US" b="0" i="1" smtClean="0">
+                                  <a:latin typeface="Cambria Math" panose="02040503050406030204" pitchFamily="18" charset="0"/>
+                                </a:rPr>
+                                <m:t>𝑖</m:t>
+                              </m:r>
+                            </m:sub>
+                          </m:sSub>
+                        </m:den>
+                      </m:f>
+                      <m:r>
+                        <a:rPr lang="en-US" b="0" i="1" smtClean="0">
+                          <a:latin typeface="Cambria Math" panose="02040503050406030204" pitchFamily="18" charset="0"/>
+                        </a:rPr>
+                        <m:t>+</m:t>
+                      </m:r>
+                      <m:r>
+                        <a:rPr lang="en-US" b="0" i="1" smtClean="0">
+                          <a:latin typeface="Cambria Math" panose="02040503050406030204" pitchFamily="18" charset="0"/>
+                        </a:rPr>
+                        <m:t>𝜃</m:t>
+                      </m:r>
+                      <m:d>
+                        <m:dPr>
+                          <m:ctrlPr>
+                            <a:rPr lang="en-US" b="0" i="1" smtClean="0">
+                              <a:latin typeface="Cambria Math" panose="02040503050406030204" pitchFamily="18" charset="0"/>
+                            </a:rPr>
+                          </m:ctrlPr>
+                        </m:dPr>
+                        <m:e>
+                          <m:nary>
+                            <m:naryPr>
+                              <m:chr m:val="∑"/>
+                              <m:supHide m:val="on"/>
+                              <m:ctrlPr>
+                                <a:rPr lang="en-US" b="0" i="1" smtClean="0">
+                                  <a:latin typeface="Cambria Math" panose="02040503050406030204" pitchFamily="18" charset="0"/>
+                                </a:rPr>
+                              </m:ctrlPr>
+                            </m:naryPr>
+                            <m:sub>
+                              <m:r>
+                                <a:rPr lang="en-US" b="0" i="1" smtClean="0">
+                                  <a:latin typeface="Cambria Math" panose="02040503050406030204" pitchFamily="18" charset="0"/>
+                                </a:rPr>
+                                <m:t>𝑖</m:t>
+                              </m:r>
+                              <m:r>
+                                <a:rPr lang="en-US" b="0" i="1" smtClean="0">
+                                  <a:latin typeface="Cambria Math" panose="02040503050406030204" pitchFamily="18" charset="0"/>
+                                </a:rPr>
+                                <m:t>≠</m:t>
+                              </m:r>
+                              <m:r>
+                                <a:rPr lang="en-US" b="0" i="1" smtClean="0">
+                                  <a:latin typeface="Cambria Math" panose="02040503050406030204" pitchFamily="18" charset="0"/>
+                                </a:rPr>
+                                <m:t>𝑗</m:t>
+                              </m:r>
+                            </m:sub>
+                            <m:sup/>
+                            <m:e>
+                              <m:f>
+                                <m:fPr>
+                                  <m:ctrlPr>
+                                    <a:rPr lang="en-US" b="0" i="1" smtClean="0">
+                                      <a:latin typeface="Cambria Math" panose="02040503050406030204" pitchFamily="18" charset="0"/>
+                                    </a:rPr>
+                                  </m:ctrlPr>
+                                </m:fPr>
+                                <m:num>
+                                  <m:sSub>
+                                    <m:sSubPr>
+                                      <m:ctrlPr>
+                                        <a:rPr lang="en-US" b="0" i="1" smtClean="0">
+                                          <a:latin typeface="Cambria Math" panose="02040503050406030204" pitchFamily="18" charset="0"/>
+                                        </a:rPr>
+                                      </m:ctrlPr>
+                                    </m:sSubPr>
+                                    <m:e>
+                                      <m:r>
+                                        <a:rPr lang="en-US" b="0" i="1" smtClean="0">
+                                          <a:latin typeface="Cambria Math" panose="02040503050406030204" pitchFamily="18" charset="0"/>
+                                        </a:rPr>
+                                        <m:t>𝑀</m:t>
+                                      </m:r>
+                                    </m:e>
+                                    <m:sub>
+                                      <m:r>
+                                        <a:rPr lang="en-US" b="0" i="1" smtClean="0">
+                                          <a:latin typeface="Cambria Math" panose="02040503050406030204" pitchFamily="18" charset="0"/>
+                                        </a:rPr>
+                                        <m:t>𝑖𝑗</m:t>
+                                      </m:r>
+                                    </m:sub>
+                                  </m:sSub>
+                                  <m:sSub>
+                                    <m:sSubPr>
+                                      <m:ctrlPr>
+                                        <a:rPr lang="en-US" b="0" i="1" smtClean="0">
+                                          <a:latin typeface="Cambria Math" panose="02040503050406030204" pitchFamily="18" charset="0"/>
+                                        </a:rPr>
+                                      </m:ctrlPr>
+                                    </m:sSubPr>
+                                    <m:e>
+                                      <m:r>
+                                        <a:rPr lang="en-US" b="0" i="1" smtClean="0">
+                                          <a:latin typeface="Cambria Math" panose="02040503050406030204" pitchFamily="18" charset="0"/>
+                                        </a:rPr>
+                                        <m:t>𝑥</m:t>
+                                      </m:r>
+                                    </m:e>
+                                    <m:sub>
+                                      <m:r>
+                                        <a:rPr lang="en-US" b="0" i="1" smtClean="0">
+                                          <a:latin typeface="Cambria Math" panose="02040503050406030204" pitchFamily="18" charset="0"/>
+                                        </a:rPr>
+                                        <m:t>𝑗</m:t>
+                                      </m:r>
+                                    </m:sub>
+                                  </m:sSub>
+                                  <m:d>
+                                    <m:dPr>
+                                      <m:ctrlPr>
+                                        <a:rPr lang="en-US" b="0" i="1" smtClean="0">
+                                          <a:latin typeface="Cambria Math" panose="02040503050406030204" pitchFamily="18" charset="0"/>
+                                        </a:rPr>
+                                      </m:ctrlPr>
+                                    </m:dPr>
+                                    <m:e>
+                                      <m:r>
+                                        <a:rPr lang="en-US" b="0" i="1" smtClean="0">
+                                          <a:latin typeface="Cambria Math" panose="02040503050406030204" pitchFamily="18" charset="0"/>
+                                        </a:rPr>
+                                        <m:t>𝑡</m:t>
+                                      </m:r>
+                                      <m:r>
+                                        <a:rPr lang="en-US" b="0" i="1" smtClean="0">
+                                          <a:latin typeface="Cambria Math" panose="02040503050406030204" pitchFamily="18" charset="0"/>
+                                        </a:rPr>
+                                        <m:t>−</m:t>
+                                      </m:r>
+                                      <m:sSub>
+                                        <m:sSubPr>
+                                          <m:ctrlPr>
+                                            <a:rPr lang="en-US" b="0" i="1" smtClean="0">
+                                              <a:latin typeface="Cambria Math" panose="02040503050406030204" pitchFamily="18" charset="0"/>
+                                            </a:rPr>
+                                          </m:ctrlPr>
+                                        </m:sSubPr>
+                                        <m:e>
+                                          <m:r>
+                                            <a:rPr lang="en-US" b="0" i="1" smtClean="0">
+                                              <a:latin typeface="Cambria Math" panose="02040503050406030204" pitchFamily="18" charset="0"/>
+                                            </a:rPr>
+                                            <m:t>𝑡</m:t>
+                                          </m:r>
+                                        </m:e>
+                                        <m:sub>
+                                          <m:r>
+                                            <a:rPr lang="en-US" b="0" i="1" smtClean="0">
+                                              <a:latin typeface="Cambria Math" panose="02040503050406030204" pitchFamily="18" charset="0"/>
+                                            </a:rPr>
+                                            <m:t>𝑖𝑗</m:t>
+                                          </m:r>
+                                        </m:sub>
+                                      </m:sSub>
+                                    </m:e>
+                                  </m:d>
+                                </m:num>
+                                <m:den>
+                                  <m:r>
+                                    <a:rPr lang="en-US" b="0" i="1" smtClean="0">
+                                      <a:latin typeface="Cambria Math" panose="02040503050406030204" pitchFamily="18" charset="0"/>
+                                    </a:rPr>
+                                    <m:t>𝑓</m:t>
+                                  </m:r>
+                                  <m:d>
+                                    <m:dPr>
+                                      <m:ctrlPr>
+                                        <a:rPr lang="en-US" b="0" i="1" smtClean="0">
+                                          <a:latin typeface="Cambria Math" panose="02040503050406030204" pitchFamily="18" charset="0"/>
+                                        </a:rPr>
+                                      </m:ctrlPr>
+                                    </m:dPr>
+                                    <m:e>
+                                      <m:sSub>
+                                        <m:sSubPr>
+                                          <m:ctrlPr>
+                                            <a:rPr lang="en-US" b="0" i="1" smtClean="0">
+                                              <a:latin typeface="Cambria Math" panose="02040503050406030204" pitchFamily="18" charset="0"/>
+                                            </a:rPr>
+                                          </m:ctrlPr>
+                                        </m:sSubPr>
+                                        <m:e>
+                                          <m:r>
+                                            <a:rPr lang="en-US" b="0" i="1" smtClean="0">
+                                              <a:latin typeface="Cambria Math" panose="02040503050406030204" pitchFamily="18" charset="0"/>
+                                            </a:rPr>
+                                            <m:t>𝑂</m:t>
+                                          </m:r>
+                                        </m:e>
+                                        <m:sub>
+                                          <m:r>
+                                            <a:rPr lang="en-US" b="0" i="1" smtClean="0">
+                                              <a:latin typeface="Cambria Math" panose="02040503050406030204" pitchFamily="18" charset="0"/>
+                                            </a:rPr>
+                                            <m:t>𝑗</m:t>
+                                          </m:r>
+                                        </m:sub>
+                                      </m:sSub>
+                                    </m:e>
+                                  </m:d>
+                                </m:den>
+                              </m:f>
+                              <m:sSup>
+                                <m:sSupPr>
+                                  <m:ctrlPr>
+                                    <a:rPr lang="en-US" b="0" i="1" smtClean="0">
+                                      <a:latin typeface="Cambria Math" panose="02040503050406030204" pitchFamily="18" charset="0"/>
+                                    </a:rPr>
+                                  </m:ctrlPr>
+                                </m:sSupPr>
+                                <m:e>
+                                  <m:r>
+                                    <a:rPr lang="en-US" b="0" i="1" smtClean="0">
+                                      <a:latin typeface="Cambria Math" panose="02040503050406030204" pitchFamily="18" charset="0"/>
+                                    </a:rPr>
+                                    <m:t>𝑒</m:t>
+                                  </m:r>
+                                </m:e>
+                                <m:sup>
+                                  <m:r>
+                                    <a:rPr lang="en-US" b="0" i="1" smtClean="0">
+                                      <a:latin typeface="Cambria Math" panose="02040503050406030204" pitchFamily="18" charset="0"/>
+                                    </a:rPr>
+                                    <m:t>−</m:t>
+                                  </m:r>
+                                  <m:sSub>
+                                    <m:sSubPr>
+                                      <m:ctrlPr>
+                                        <a:rPr lang="en-US" b="0" i="1" smtClean="0">
+                                          <a:latin typeface="Cambria Math" panose="02040503050406030204" pitchFamily="18" charset="0"/>
+                                        </a:rPr>
+                                      </m:ctrlPr>
+                                    </m:sSubPr>
+                                    <m:e>
+                                      <m:r>
+                                        <a:rPr lang="en-US" b="0" i="1" smtClean="0">
+                                          <a:latin typeface="Cambria Math" panose="02040503050406030204" pitchFamily="18" charset="0"/>
+                                        </a:rPr>
+                                        <m:t>𝛽</m:t>
+                                      </m:r>
+                                    </m:e>
+                                    <m:sub>
+                                      <m:r>
+                                        <a:rPr lang="en-US" b="0" i="1" smtClean="0">
+                                          <a:latin typeface="Cambria Math" panose="02040503050406030204" pitchFamily="18" charset="0"/>
+                                        </a:rPr>
+                                        <m:t>𝑗𝑖</m:t>
+                                      </m:r>
+                                    </m:sub>
+                                  </m:sSub>
+                                </m:sup>
+                              </m:sSup>
+                            </m:e>
+                          </m:nary>
+                        </m:e>
+                      </m:d>
+                    </m:oMath>
+                  </m:oMathPara>
+                </a14:m>
+                <a:endParaRPr lang="en-US" dirty="0" smtClean="0"/>
+              </a:p>
+              <a:p>
+                <a:pPr>
+                  <a:buFont typeface="Wingdings" panose="05000000000000000000" pitchFamily="2" charset="2"/>
+                  <a:buChar char="Ø"/>
+                </a:pPr>
+                <a14:m>
+                  <m:oMath xmlns:m="http://schemas.openxmlformats.org/officeDocument/2006/math">
+                    <m:sSub>
+                      <m:sSubPr>
+                        <m:ctrlPr>
+                          <a:rPr lang="en-US" i="1">
+                            <a:latin typeface="Cambria Math" panose="02040503050406030204" pitchFamily="18" charset="0"/>
+                          </a:rPr>
+                        </m:ctrlPr>
+                      </m:sSubPr>
+                      <m:e>
+                        <m:r>
+                          <a:rPr lang="en-US" i="1">
+                            <a:latin typeface="Cambria Math" panose="02040503050406030204" pitchFamily="18" charset="0"/>
+                          </a:rPr>
+                          <m:t>𝑥</m:t>
+                        </m:r>
+                      </m:e>
+                      <m:sub>
+                        <m:r>
+                          <a:rPr lang="en-US" i="1">
+                            <a:latin typeface="Cambria Math" panose="02040503050406030204" pitchFamily="18" charset="0"/>
+                          </a:rPr>
+                          <m:t>𝑖</m:t>
+                        </m:r>
+                      </m:sub>
+                    </m:sSub>
+                  </m:oMath>
+                </a14:m>
+                <a:r>
+                  <a:rPr lang="en-US" dirty="0" smtClean="0"/>
+                  <a:t> represents individual i’s health</a:t>
+                </a:r>
+              </a:p>
+              <a:p>
+                <a:pPr>
+                  <a:buFont typeface="Wingdings" panose="05000000000000000000" pitchFamily="2" charset="2"/>
+                  <a:buChar char="Ø"/>
+                </a:pPr>
+                <a:r>
+                  <a:rPr lang="en-US" dirty="0" smtClean="0"/>
+                  <a:t>Every individual tries to reject some disturbance. </a:t>
+                </a:r>
+                <a14:m>
+                  <m:oMath xmlns:m="http://schemas.openxmlformats.org/officeDocument/2006/math">
+                    <m:sSub>
+                      <m:sSubPr>
+                        <m:ctrlPr>
+                          <a:rPr lang="en-US" i="1">
+                            <a:latin typeface="Cambria Math" panose="02040503050406030204" pitchFamily="18" charset="0"/>
+                          </a:rPr>
+                        </m:ctrlPr>
+                      </m:sSubPr>
+                      <m:e>
+                        <m:r>
+                          <a:rPr lang="en-US" i="1">
+                            <a:latin typeface="Cambria Math" panose="02040503050406030204" pitchFamily="18" charset="0"/>
+                          </a:rPr>
+                          <m:t>𝜏</m:t>
+                        </m:r>
+                      </m:e>
+                      <m:sub>
+                        <m:r>
+                          <a:rPr lang="en-US" i="1">
+                            <a:latin typeface="Cambria Math" panose="02040503050406030204" pitchFamily="18" charset="0"/>
+                          </a:rPr>
+                          <m:t>𝑖</m:t>
+                        </m:r>
+                      </m:sub>
+                    </m:sSub>
+                  </m:oMath>
+                </a14:m>
+                <a:r>
+                  <a:rPr lang="en-US" dirty="0" smtClean="0"/>
+                  <a:t> represents one’s capability</a:t>
+                </a:r>
+              </a:p>
+              <a:p>
+                <a:pPr>
+                  <a:buFont typeface="Wingdings" panose="05000000000000000000" pitchFamily="2" charset="2"/>
+                  <a:buChar char="Ø"/>
+                </a:pPr>
+                <a14:m>
+                  <m:oMath xmlns:m="http://schemas.openxmlformats.org/officeDocument/2006/math">
+                    <m:r>
+                      <a:rPr lang="en-US" i="1">
+                        <a:latin typeface="Cambria Math" panose="02040503050406030204" pitchFamily="18" charset="0"/>
+                      </a:rPr>
+                      <m:t>𝜃</m:t>
+                    </m:r>
+                  </m:oMath>
+                </a14:m>
+                <a:r>
+                  <a:rPr lang="en-US" dirty="0" smtClean="0"/>
+                  <a:t> is a sigmoid function to keep numerical bound on health value</a:t>
+                </a:r>
+              </a:p>
+              <a:p>
+                <a:pPr>
+                  <a:buFont typeface="Wingdings" panose="05000000000000000000" pitchFamily="2" charset="2"/>
+                  <a:buChar char="Ø"/>
+                </a:pPr>
+                <a14:m>
+                  <m:oMath xmlns:m="http://schemas.openxmlformats.org/officeDocument/2006/math">
+                    <m:sSub>
+                      <m:sSubPr>
+                        <m:ctrlPr>
+                          <a:rPr lang="en-US" i="1">
+                            <a:latin typeface="Cambria Math" panose="02040503050406030204" pitchFamily="18" charset="0"/>
+                          </a:rPr>
+                        </m:ctrlPr>
+                      </m:sSubPr>
+                      <m:e>
+                        <m:r>
+                          <a:rPr lang="en-US" i="1">
+                            <a:latin typeface="Cambria Math" panose="02040503050406030204" pitchFamily="18" charset="0"/>
+                          </a:rPr>
+                          <m:t>𝑀</m:t>
+                        </m:r>
+                      </m:e>
+                      <m:sub>
+                        <m:r>
+                          <a:rPr lang="en-US" i="1">
+                            <a:latin typeface="Cambria Math" panose="02040503050406030204" pitchFamily="18" charset="0"/>
+                          </a:rPr>
+                          <m:t>𝑖𝑗</m:t>
+                        </m:r>
+                      </m:sub>
+                    </m:sSub>
+                  </m:oMath>
+                </a14:m>
+                <a:r>
+                  <a:rPr lang="en-US" dirty="0" smtClean="0"/>
+                  <a:t> represents the strength of connection between </a:t>
+                </a:r>
+                <a:r>
+                  <a:rPr lang="en-US" dirty="0" err="1" smtClean="0"/>
+                  <a:t>i</a:t>
+                </a:r>
+                <a:r>
+                  <a:rPr lang="en-US" dirty="0" smtClean="0"/>
+                  <a:t> and j</a:t>
+                </a:r>
+              </a:p>
+              <a:p>
+                <a:pPr>
+                  <a:buFont typeface="Wingdings" panose="05000000000000000000" pitchFamily="2" charset="2"/>
+                  <a:buChar char="Ø"/>
+                </a:pPr>
+                <a14:m>
+                  <m:oMath xmlns:m="http://schemas.openxmlformats.org/officeDocument/2006/math">
+                    <m:r>
+                      <a:rPr lang="en-US" i="1">
+                        <a:latin typeface="Cambria Math" panose="02040503050406030204" pitchFamily="18" charset="0"/>
+                      </a:rPr>
+                      <m:t>𝑓</m:t>
+                    </m:r>
+                    <m:d>
+                      <m:dPr>
+                        <m:ctrlPr>
+                          <a:rPr lang="en-US" i="1">
+                            <a:latin typeface="Cambria Math" panose="02040503050406030204" pitchFamily="18" charset="0"/>
+                          </a:rPr>
+                        </m:ctrlPr>
+                      </m:dPr>
+                      <m:e>
+                        <m:sSub>
+                          <m:sSubPr>
+                            <m:ctrlPr>
+                              <a:rPr lang="en-US" i="1">
+                                <a:latin typeface="Cambria Math" panose="02040503050406030204" pitchFamily="18" charset="0"/>
+                              </a:rPr>
+                            </m:ctrlPr>
+                          </m:sSubPr>
+                          <m:e>
+                            <m:r>
+                              <a:rPr lang="en-US" i="1">
+                                <a:latin typeface="Cambria Math" panose="02040503050406030204" pitchFamily="18" charset="0"/>
+                              </a:rPr>
+                              <m:t>𝑂</m:t>
+                            </m:r>
+                          </m:e>
+                          <m:sub>
+                            <m:r>
+                              <a:rPr lang="en-US" i="1">
+                                <a:latin typeface="Cambria Math" panose="02040503050406030204" pitchFamily="18" charset="0"/>
+                              </a:rPr>
+                              <m:t>𝑗</m:t>
+                            </m:r>
+                          </m:sub>
+                        </m:sSub>
+                      </m:e>
+                    </m:d>
+                  </m:oMath>
+                </a14:m>
+                <a:r>
+                  <a:rPr lang="en-US" dirty="0" smtClean="0"/>
+                  <a:t> represents the explain away effect</a:t>
+                </a:r>
+              </a:p>
+              <a:p>
+                <a:pPr>
+                  <a:buFont typeface="Wingdings" panose="05000000000000000000" pitchFamily="2" charset="2"/>
+                  <a:buChar char="Ø"/>
+                </a:pPr>
+                <a14:m>
+                  <m:oMath xmlns:m="http://schemas.openxmlformats.org/officeDocument/2006/math">
+                    <m:sSup>
+                      <m:sSupPr>
+                        <m:ctrlPr>
+                          <a:rPr lang="en-US" i="1">
+                            <a:latin typeface="Cambria Math" panose="02040503050406030204" pitchFamily="18" charset="0"/>
+                          </a:rPr>
+                        </m:ctrlPr>
+                      </m:sSupPr>
+                      <m:e>
+                        <m:r>
+                          <a:rPr lang="en-US" i="1">
+                            <a:latin typeface="Cambria Math" panose="02040503050406030204" pitchFamily="18" charset="0"/>
+                          </a:rPr>
+                          <m:t>𝑒</m:t>
+                        </m:r>
+                      </m:e>
+                      <m:sup>
+                        <m:r>
+                          <a:rPr lang="en-US" i="1">
+                            <a:latin typeface="Cambria Math" panose="02040503050406030204" pitchFamily="18" charset="0"/>
+                          </a:rPr>
+                          <m:t>−</m:t>
+                        </m:r>
+                        <m:sSub>
+                          <m:sSubPr>
+                            <m:ctrlPr>
+                              <a:rPr lang="en-US" i="1">
+                                <a:latin typeface="Cambria Math" panose="02040503050406030204" pitchFamily="18" charset="0"/>
+                              </a:rPr>
+                            </m:ctrlPr>
+                          </m:sSubPr>
+                          <m:e>
+                            <m:r>
+                              <a:rPr lang="en-US" i="1">
+                                <a:latin typeface="Cambria Math" panose="02040503050406030204" pitchFamily="18" charset="0"/>
+                              </a:rPr>
+                              <m:t>𝛽</m:t>
+                            </m:r>
+                          </m:e>
+                          <m:sub>
+                            <m:r>
+                              <a:rPr lang="en-US" i="1">
+                                <a:latin typeface="Cambria Math" panose="02040503050406030204" pitchFamily="18" charset="0"/>
+                              </a:rPr>
+                              <m:t>𝑗𝑖</m:t>
+                            </m:r>
+                          </m:sub>
+                        </m:sSub>
+                      </m:sup>
+                    </m:sSup>
+                  </m:oMath>
+                </a14:m>
+                <a:r>
+                  <a:rPr lang="en-US" dirty="0" smtClean="0"/>
+                  <a:t> represents the gain of the propagation channel</a:t>
+                </a:r>
+                <a:endParaRPr lang="en-US" dirty="0"/>
+              </a:p>
+            </p:txBody>
+          </p:sp>
+        </mc:Choice>
+        <mc:Fallback>
+          <p:sp>
+            <p:nvSpPr>
+              <p:cNvPr id="3" name="Content Placeholder 2"/>
+              <p:cNvSpPr>
+                <a:spLocks noGrp="1" noRot="1" noChangeAspect="1" noMove="1" noResize="1" noEditPoints="1" noAdjustHandles="1" noChangeArrowheads="1" noChangeShapeType="1" noTextEdit="1"/>
+              </p:cNvSpPr>
+              <p:nvPr>
+                <p:ph idx="1"/>
+              </p:nvPr>
+            </p:nvSpPr>
+            <p:spPr>
+              <a:blipFill rotWithShape="0">
+                <a:blip r:embed="rId3"/>
+                <a:stretch>
+                  <a:fillRect l="-1939" t="-152"/>
+                </a:stretch>
+              </a:blipFill>
+            </p:spPr>
+            <p:txBody>
+              <a:bodyPr/>
+              <a:lstStyle/>
+              <a:p>
+                <a:r>
+                  <a:rPr lang="en-US">
+                    <a:noFill/>
+                  </a:rPr>
+                  <a:t> </a:t>
+                </a:r>
+              </a:p>
+            </p:txBody>
+          </p:sp>
+        </mc:Fallback>
+      </mc:AlternateContent>
+    </p:spTree>
+    <p:extLst>
+      <p:ext uri="{BB962C8B-B14F-4D97-AF65-F5344CB8AC3E}">
+        <p14:creationId xmlns:p14="http://schemas.microsoft.com/office/powerpoint/2010/main" val="1148843560"/>
+      </p:ext>
+    </p:extLst>
+  </p:cSld>
+  <p:clrMapOvr>
+    <a:masterClrMapping/>
+  </p:clrMapOvr>
+  <p:timing>
+    <p:tnLst>
+      <p:par>
+        <p:cTn id="1" dur="indefinite" restart="never" nodeType="tmRoot">
+          <p:childTnLst>
+            <p:seq concurrent="1" nextAc="seek">
+              <p:cTn id="2" dur="indefinite" nodeType="mainSeq">
+                <p:childTnLst>
+                  <p:par>
+                    <p:cTn id="3" fill="hold">
+                      <p:stCondLst>
+                        <p:cond delay="indefinite"/>
+                      </p:stCondLst>
+                      <p:childTnLst>
+                        <p:par>
+                          <p:cTn id="4" fill="hold">
+                            <p:stCondLst>
+                              <p:cond delay="0"/>
+                            </p:stCondLst>
+                            <p:childTnLst>
+                              <p:par>
+                                <p:cTn id="5" presetID="10" presetClass="entr" presetSubtype="0" fill="hold" nodeType="clickEffect">
+                                  <p:stCondLst>
+                                    <p:cond delay="0"/>
+                                  </p:stCondLst>
+                                  <p:childTnLst>
+                                    <p:set>
+                                      <p:cBhvr>
+                                        <p:cTn id="6" dur="1" fill="hold">
+                                          <p:stCondLst>
+                                            <p:cond delay="0"/>
+                                          </p:stCondLst>
+                                        </p:cTn>
+                                        <p:tgtEl>
+                                          <p:spTgt spid="3">
+                                            <p:txEl>
+                                              <p:pRg st="1" end="1"/>
+                                            </p:txEl>
+                                          </p:spTgt>
+                                        </p:tgtEl>
+                                        <p:attrNameLst>
+                                          <p:attrName>style.visibility</p:attrName>
+                                        </p:attrNameLst>
+                                      </p:cBhvr>
+                                      <p:to>
+                                        <p:strVal val="visible"/>
+                                      </p:to>
+                                    </p:set>
+                                    <p:animEffect transition="in" filter="fade">
+                                      <p:cBhvr>
+                                        <p:cTn id="7" dur="500"/>
+                                        <p:tgtEl>
+                                          <p:spTgt spid="3">
+                                            <p:txEl>
+                                              <p:pRg st="1" end="1"/>
+                                            </p:txEl>
+                                          </p:spTgt>
+                                        </p:tgtEl>
+                                      </p:cBhvr>
+                                    </p:animEffect>
+                                  </p:childTnLst>
+                                </p:cTn>
+                              </p:par>
+                            </p:childTnLst>
+                          </p:cTn>
+                        </p:par>
+                      </p:childTnLst>
+                    </p:cTn>
+                  </p:par>
+                  <p:par>
+                    <p:cTn id="8" fill="hold">
+                      <p:stCondLst>
+                        <p:cond delay="indefinite"/>
+                      </p:stCondLst>
+                      <p:childTnLst>
+                        <p:par>
+                          <p:cTn id="9" fill="hold">
+                            <p:stCondLst>
+                              <p:cond delay="0"/>
+                            </p:stCondLst>
+                            <p:childTnLst>
+                              <p:par>
+                                <p:cTn id="10" presetID="10" presetClass="entr" presetSubtype="0" fill="hold" nodeType="clickEffect">
+                                  <p:stCondLst>
+                                    <p:cond delay="0"/>
+                                  </p:stCondLst>
+                                  <p:childTnLst>
+                                    <p:set>
+                                      <p:cBhvr>
+                                        <p:cTn id="11" dur="1" fill="hold">
+                                          <p:stCondLst>
+                                            <p:cond delay="0"/>
+                                          </p:stCondLst>
+                                        </p:cTn>
+                                        <p:tgtEl>
+                                          <p:spTgt spid="3">
+                                            <p:txEl>
+                                              <p:pRg st="2" end="2"/>
+                                            </p:txEl>
+                                          </p:spTgt>
+                                        </p:tgtEl>
+                                        <p:attrNameLst>
+                                          <p:attrName>style.visibility</p:attrName>
+                                        </p:attrNameLst>
+                                      </p:cBhvr>
+                                      <p:to>
+                                        <p:strVal val="visible"/>
+                                      </p:to>
+                                    </p:set>
+                                    <p:animEffect transition="in" filter="fade">
+                                      <p:cBhvr>
+                                        <p:cTn id="12" dur="500"/>
+                                        <p:tgtEl>
+                                          <p:spTgt spid="3">
+                                            <p:txEl>
+                                              <p:pRg st="2" end="2"/>
+                                            </p:txEl>
+                                          </p:spTgt>
+                                        </p:tgtEl>
+                                      </p:cBhvr>
+                                    </p:animEffect>
+                                  </p:childTnLst>
+                                </p:cTn>
+                              </p:par>
+                            </p:childTnLst>
+                          </p:cTn>
+                        </p:par>
+                      </p:childTnLst>
+                    </p:cTn>
+                  </p:par>
+                  <p:par>
+                    <p:cTn id="13" fill="hold">
+                      <p:stCondLst>
+                        <p:cond delay="indefinite"/>
+                      </p:stCondLst>
+                      <p:childTnLst>
+                        <p:par>
+                          <p:cTn id="14" fill="hold">
+                            <p:stCondLst>
+                              <p:cond delay="0"/>
+                            </p:stCondLst>
+                            <p:childTnLst>
+                              <p:par>
+                                <p:cTn id="15" presetID="10" presetClass="entr" presetSubtype="0" fill="hold" nodeType="clickEffect">
+                                  <p:stCondLst>
+                                    <p:cond delay="0"/>
+                                  </p:stCondLst>
+                                  <p:childTnLst>
+                                    <p:set>
+                                      <p:cBhvr>
+                                        <p:cTn id="16" dur="1" fill="hold">
+                                          <p:stCondLst>
+                                            <p:cond delay="0"/>
+                                          </p:stCondLst>
+                                        </p:cTn>
+                                        <p:tgtEl>
+                                          <p:spTgt spid="3">
+                                            <p:txEl>
+                                              <p:pRg st="3" end="3"/>
+                                            </p:txEl>
+                                          </p:spTgt>
+                                        </p:tgtEl>
+                                        <p:attrNameLst>
+                                          <p:attrName>style.visibility</p:attrName>
+                                        </p:attrNameLst>
+                                      </p:cBhvr>
+                                      <p:to>
+                                        <p:strVal val="visible"/>
+                                      </p:to>
+                                    </p:set>
+                                    <p:animEffect transition="in" filter="fade">
+                                      <p:cBhvr>
+                                        <p:cTn id="17" dur="500"/>
+                                        <p:tgtEl>
+                                          <p:spTgt spid="3">
+                                            <p:txEl>
+                                              <p:pRg st="3" end="3"/>
+                                            </p:txEl>
+                                          </p:spTgt>
+                                        </p:tgtEl>
+                                      </p:cBhvr>
+                                    </p:animEffect>
+                                  </p:childTnLst>
+                                </p:cTn>
+                              </p:par>
+                            </p:childTnLst>
+                          </p:cTn>
+                        </p:par>
+                      </p:childTnLst>
+                    </p:cTn>
+                  </p:par>
+                  <p:par>
+                    <p:cTn id="18" fill="hold">
+                      <p:stCondLst>
+                        <p:cond delay="indefinite"/>
+                      </p:stCondLst>
+                      <p:childTnLst>
+                        <p:par>
+                          <p:cTn id="19" fill="hold">
+                            <p:stCondLst>
+                              <p:cond delay="0"/>
+                            </p:stCondLst>
+                            <p:childTnLst>
+                              <p:par>
+                                <p:cTn id="20" presetID="10" presetClass="entr" presetSubtype="0" fill="hold" nodeType="clickEffect">
+                                  <p:stCondLst>
+                                    <p:cond delay="0"/>
+                                  </p:stCondLst>
+                                  <p:childTnLst>
+                                    <p:set>
+                                      <p:cBhvr>
+                                        <p:cTn id="21" dur="1" fill="hold">
+                                          <p:stCondLst>
+                                            <p:cond delay="0"/>
+                                          </p:stCondLst>
+                                        </p:cTn>
+                                        <p:tgtEl>
+                                          <p:spTgt spid="3">
+                                            <p:txEl>
+                                              <p:pRg st="4" end="4"/>
+                                            </p:txEl>
+                                          </p:spTgt>
+                                        </p:tgtEl>
+                                        <p:attrNameLst>
+                                          <p:attrName>style.visibility</p:attrName>
+                                        </p:attrNameLst>
+                                      </p:cBhvr>
+                                      <p:to>
+                                        <p:strVal val="visible"/>
+                                      </p:to>
+                                    </p:set>
+                                    <p:animEffect transition="in" filter="fade">
+                                      <p:cBhvr>
+                                        <p:cTn id="22" dur="500"/>
+                                        <p:tgtEl>
+                                          <p:spTgt spid="3">
+                                            <p:txEl>
+                                              <p:pRg st="4" end="4"/>
+                                            </p:txEl>
+                                          </p:spTgt>
+                                        </p:tgtEl>
+                                      </p:cBhvr>
+                                    </p:animEffect>
+                                  </p:childTnLst>
+                                </p:cTn>
+                              </p:par>
+                            </p:childTnLst>
+                          </p:cTn>
+                        </p:par>
+                      </p:childTnLst>
+                    </p:cTn>
+                  </p:par>
+                  <p:par>
+                    <p:cTn id="23" fill="hold">
+                      <p:stCondLst>
+                        <p:cond delay="indefinite"/>
+                      </p:stCondLst>
+                      <p:childTnLst>
+                        <p:par>
+                          <p:cTn id="24" fill="hold">
+                            <p:stCondLst>
+                              <p:cond delay="0"/>
+                            </p:stCondLst>
+                            <p:childTnLst>
+                              <p:par>
+                                <p:cTn id="25" presetID="10" presetClass="entr" presetSubtype="0" fill="hold" nodeType="clickEffect">
+                                  <p:stCondLst>
+                                    <p:cond delay="0"/>
+                                  </p:stCondLst>
+                                  <p:childTnLst>
+                                    <p:set>
+                                      <p:cBhvr>
+                                        <p:cTn id="26" dur="1" fill="hold">
+                                          <p:stCondLst>
+                                            <p:cond delay="0"/>
+                                          </p:stCondLst>
+                                        </p:cTn>
+                                        <p:tgtEl>
+                                          <p:spTgt spid="3">
+                                            <p:txEl>
+                                              <p:pRg st="5" end="5"/>
+                                            </p:txEl>
+                                          </p:spTgt>
+                                        </p:tgtEl>
+                                        <p:attrNameLst>
+                                          <p:attrName>style.visibility</p:attrName>
+                                        </p:attrNameLst>
+                                      </p:cBhvr>
+                                      <p:to>
+                                        <p:strVal val="visible"/>
+                                      </p:to>
+                                    </p:set>
+                                    <p:animEffect transition="in" filter="fade">
+                                      <p:cBhvr>
+                                        <p:cTn id="27" dur="500"/>
+                                        <p:tgtEl>
+                                          <p:spTgt spid="3">
+                                            <p:txEl>
+                                              <p:pRg st="5" end="5"/>
+                                            </p:txEl>
+                                          </p:spTgt>
+                                        </p:tgtEl>
+                                      </p:cBhvr>
+                                    </p:animEffect>
+                                  </p:childTnLst>
+                                </p:cTn>
+                              </p:par>
+                            </p:childTnLst>
+                          </p:cTn>
+                        </p:par>
+                      </p:childTnLst>
+                    </p:cTn>
+                  </p:par>
+                  <p:par>
+                    <p:cTn id="28" fill="hold">
+                      <p:stCondLst>
+                        <p:cond delay="indefinite"/>
+                      </p:stCondLst>
+                      <p:childTnLst>
+                        <p:par>
+                          <p:cTn id="29" fill="hold">
+                            <p:stCondLst>
+                              <p:cond delay="0"/>
+                            </p:stCondLst>
+                            <p:childTnLst>
+                              <p:par>
+                                <p:cTn id="30" presetID="10" presetClass="entr" presetSubtype="0" fill="hold" nodeType="clickEffect">
+                                  <p:stCondLst>
+                                    <p:cond delay="0"/>
+                                  </p:stCondLst>
+                                  <p:childTnLst>
+                                    <p:set>
+                                      <p:cBhvr>
+                                        <p:cTn id="31" dur="1" fill="hold">
+                                          <p:stCondLst>
+                                            <p:cond delay="0"/>
+                                          </p:stCondLst>
+                                        </p:cTn>
+                                        <p:tgtEl>
+                                          <p:spTgt spid="3">
+                                            <p:txEl>
+                                              <p:pRg st="6" end="6"/>
+                                            </p:txEl>
+                                          </p:spTgt>
+                                        </p:tgtEl>
+                                        <p:attrNameLst>
+                                          <p:attrName>style.visibility</p:attrName>
+                                        </p:attrNameLst>
+                                      </p:cBhvr>
+                                      <p:to>
+                                        <p:strVal val="visible"/>
+                                      </p:to>
+                                    </p:set>
+                                    <p:animEffect transition="in" filter="fade">
+                                      <p:cBhvr>
+                                        <p:cTn id="32" dur="500"/>
+                                        <p:tgtEl>
+                                          <p:spTgt spid="3">
+                                            <p:txEl>
+                                              <p:pRg st="6" end="6"/>
+                                            </p:txEl>
+                                          </p:spTgt>
+                                        </p:tgtEl>
+                                      </p:cBhvr>
+                                    </p:animEffect>
+                                  </p:childTnLst>
+                                </p:cTn>
+                              </p:par>
+                            </p:childTnLst>
+                          </p:cTn>
+                        </p:par>
+                      </p:childTnLst>
+                    </p:cTn>
+                  </p:par>
+                </p:childTnLst>
+              </p:cTn>
+              <p:prevCondLst>
+                <p:cond evt="onPrev" delay="0">
+                  <p:tgtEl>
+                    <p:sldTgt/>
+                  </p:tgtEl>
+                </p:cond>
+              </p:prevCondLst>
+              <p:nextCondLst>
+                <p:cond evt="onNext" delay="0">
+                  <p:tgtEl>
+                    <p:sldTgt/>
+                  </p:tgtEl>
+                </p:cond>
+              </p:nextCondLst>
+            </p:seq>
+          </p:childTnLst>
+        </p:cTn>
+      </p:par>
+    </p:tnLst>
+  </p:timing>
+</p:sld>
+</file>
+
+<file path=ppt/slides/slide6.xml><?xml version="1.0" encoding="utf-8"?>
+<p:sld xmlns:a="http://schemas.openxmlformats.org/drawingml/2006/main" xmlns:r="http://schemas.openxmlformats.org/officeDocument/2006/relationships" xmlns:p="http://schemas.openxmlformats.org/presentationml/2006/main">
+  <p:cSld>
+    <p:spTree>
+      <p:nvGrpSpPr>
+        <p:cNvPr id="1" name=""/>
+        <p:cNvGrpSpPr/>
+        <p:nvPr/>
+      </p:nvGrpSpPr>
+      <p:grpSpPr>
+        <a:xfrm>
+          <a:off x="0" y="0"/>
+          <a:ext cx="0" cy="0"/>
+          <a:chOff x="0" y="0"/>
+          <a:chExt cx="0" cy="0"/>
+        </a:xfrm>
+      </p:grpSpPr>
+      <p:sp>
+        <p:nvSpPr>
+          <p:cNvPr id="2" name="Title 1"/>
+          <p:cNvSpPr>
+            <a:spLocks noGrp="1"/>
+          </p:cNvSpPr>
+          <p:nvPr>
+            <p:ph type="title"/>
+          </p:nvPr>
+        </p:nvSpPr>
+        <p:spPr/>
+        <p:txBody>
+          <a:bodyPr/>
+          <a:lstStyle/>
+          <a:p>
+            <a:r>
+              <a:rPr lang="en-US" dirty="0" smtClean="0"/>
+              <a:t>Implementation</a:t>
+            </a:r>
+            <a:endParaRPr lang="en-US" dirty="0"/>
+          </a:p>
+        </p:txBody>
+      </p:sp>
+      <mc:AlternateContent xmlns:mc="http://schemas.openxmlformats.org/markup-compatibility/2006">
+        <mc:Choice xmlns:a14="http://schemas.microsoft.com/office/drawing/2010/main" Requires="a14">
+          <p:sp>
+            <p:nvSpPr>
+              <p:cNvPr id="3" name="Content Placeholder 2"/>
+              <p:cNvSpPr>
+                <a:spLocks noGrp="1"/>
+              </p:cNvSpPr>
+              <p:nvPr>
+                <p:ph idx="1"/>
+              </p:nvPr>
+            </p:nvSpPr>
+            <p:spPr/>
+            <p:txBody>
+              <a:bodyPr>
+                <a:normAutofit fontScale="92500" lnSpcReduction="10000"/>
+              </a:bodyPr>
+              <a:lstStyle/>
+              <a:p>
+                <a:pPr>
+                  <a:buFont typeface="Wingdings" panose="05000000000000000000" pitchFamily="2" charset="2"/>
+                  <a:buChar char="Ø"/>
+                </a:pPr>
+                <a:r>
+                  <a:rPr lang="en-US" dirty="0" smtClean="0"/>
+                  <a:t>Two parts</a:t>
+                </a:r>
+              </a:p>
+              <a:p>
+                <a:pPr lvl="1">
+                  <a:buFont typeface="Wingdings" panose="05000000000000000000" pitchFamily="2" charset="2"/>
+                  <a:buChar char="Ø"/>
+                </a:pPr>
+                <a:r>
+                  <a:rPr lang="en-US" dirty="0" smtClean="0"/>
+                  <a:t>Specific to one individual in the group</a:t>
+                </a:r>
+              </a:p>
+              <a:p>
+                <a:pPr lvl="2">
+                  <a:buFont typeface="Wingdings" panose="05000000000000000000" pitchFamily="2" charset="2"/>
+                  <a:buChar char="Ø"/>
+                </a:pPr>
+                <a14:m>
+                  <m:oMath xmlns:m="http://schemas.openxmlformats.org/officeDocument/2006/math">
+                    <m:r>
+                      <a:rPr lang="en-US" sz="2000" i="1">
+                        <a:latin typeface="Cambria Math" panose="02040503050406030204" pitchFamily="18" charset="0"/>
+                      </a:rPr>
+                      <m:t>−</m:t>
+                    </m:r>
+                    <m:f>
+                      <m:fPr>
+                        <m:ctrlPr>
+                          <a:rPr lang="en-US" sz="2000" i="1">
+                            <a:latin typeface="Cambria Math" panose="02040503050406030204" pitchFamily="18" charset="0"/>
+                          </a:rPr>
+                        </m:ctrlPr>
+                      </m:fPr>
+                      <m:num>
+                        <m:sSub>
+                          <m:sSubPr>
+                            <m:ctrlPr>
+                              <a:rPr lang="en-US" sz="2000" i="1">
+                                <a:latin typeface="Cambria Math" panose="02040503050406030204" pitchFamily="18" charset="0"/>
+                              </a:rPr>
+                            </m:ctrlPr>
+                          </m:sSubPr>
+                          <m:e>
+                            <m:r>
+                              <a:rPr lang="en-US" sz="2000" i="1">
+                                <a:latin typeface="Cambria Math" panose="02040503050406030204" pitchFamily="18" charset="0"/>
+                              </a:rPr>
+                              <m:t>𝑥</m:t>
+                            </m:r>
+                          </m:e>
+                          <m:sub>
+                            <m:r>
+                              <a:rPr lang="en-US" sz="2000" i="1">
+                                <a:latin typeface="Cambria Math" panose="02040503050406030204" pitchFamily="18" charset="0"/>
+                              </a:rPr>
+                              <m:t>𝑖</m:t>
+                            </m:r>
+                          </m:sub>
+                        </m:sSub>
+                      </m:num>
+                      <m:den>
+                        <m:sSub>
+                          <m:sSubPr>
+                            <m:ctrlPr>
+                              <a:rPr lang="en-US" sz="2000" i="1">
+                                <a:latin typeface="Cambria Math" panose="02040503050406030204" pitchFamily="18" charset="0"/>
+                              </a:rPr>
+                            </m:ctrlPr>
+                          </m:sSubPr>
+                          <m:e>
+                            <m:r>
+                              <a:rPr lang="en-US" sz="2000" i="1">
+                                <a:latin typeface="Cambria Math" panose="02040503050406030204" pitchFamily="18" charset="0"/>
+                              </a:rPr>
+                              <m:t>𝜏</m:t>
+                            </m:r>
+                          </m:e>
+                          <m:sub>
+                            <m:r>
+                              <a:rPr lang="en-US" sz="2000" i="1">
+                                <a:latin typeface="Cambria Math" panose="02040503050406030204" pitchFamily="18" charset="0"/>
+                              </a:rPr>
+                              <m:t>𝑖</m:t>
+                            </m:r>
+                          </m:sub>
+                        </m:sSub>
+                      </m:den>
+                    </m:f>
+                  </m:oMath>
+                </a14:m>
+                <a:endParaRPr lang="en-US" sz="2000" dirty="0" smtClean="0"/>
+              </a:p>
+              <a:p>
+                <a:pPr lvl="1">
+                  <a:buFont typeface="Wingdings" panose="05000000000000000000" pitchFamily="2" charset="2"/>
+                  <a:buChar char="Ø"/>
+                </a:pPr>
+                <a:r>
+                  <a:rPr lang="en-US" dirty="0" smtClean="0"/>
+                  <a:t>Disturbance from neighbors </a:t>
+                </a:r>
+              </a:p>
+              <a:p>
+                <a:pPr lvl="2">
+                  <a:buFont typeface="Wingdings" panose="05000000000000000000" pitchFamily="2" charset="2"/>
+                  <a:buChar char="Ø"/>
+                </a:pPr>
+                <a14:m>
+                  <m:oMath xmlns:m="http://schemas.openxmlformats.org/officeDocument/2006/math">
+                    <m:nary>
+                      <m:naryPr>
+                        <m:chr m:val="∑"/>
+                        <m:supHide m:val="on"/>
+                        <m:ctrlPr>
+                          <a:rPr lang="en-US" i="1">
+                            <a:latin typeface="Cambria Math" panose="02040503050406030204" pitchFamily="18" charset="0"/>
+                          </a:rPr>
+                        </m:ctrlPr>
+                      </m:naryPr>
+                      <m:sub>
+                        <m:r>
+                          <a:rPr lang="en-US" i="1">
+                            <a:latin typeface="Cambria Math" panose="02040503050406030204" pitchFamily="18" charset="0"/>
+                          </a:rPr>
+                          <m:t>𝑖</m:t>
+                        </m:r>
+                        <m:r>
+                          <a:rPr lang="en-US" i="1">
+                            <a:latin typeface="Cambria Math" panose="02040503050406030204" pitchFamily="18" charset="0"/>
+                          </a:rPr>
+                          <m:t>≠</m:t>
+                        </m:r>
+                        <m:r>
+                          <a:rPr lang="en-US" i="1">
+                            <a:latin typeface="Cambria Math" panose="02040503050406030204" pitchFamily="18" charset="0"/>
+                          </a:rPr>
+                          <m:t>𝑗</m:t>
+                        </m:r>
+                      </m:sub>
+                      <m:sup/>
+                      <m:e>
+                        <m:f>
+                          <m:fPr>
+                            <m:ctrlPr>
+                              <a:rPr lang="en-US" i="1">
+                                <a:latin typeface="Cambria Math" panose="02040503050406030204" pitchFamily="18" charset="0"/>
+                              </a:rPr>
+                            </m:ctrlPr>
+                          </m:fPr>
+                          <m:num>
+                            <m:sSub>
+                              <m:sSubPr>
+                                <m:ctrlPr>
+                                  <a:rPr lang="en-US" i="1">
+                                    <a:latin typeface="Cambria Math" panose="02040503050406030204" pitchFamily="18" charset="0"/>
+                                  </a:rPr>
+                                </m:ctrlPr>
+                              </m:sSubPr>
+                              <m:e>
+                                <m:r>
+                                  <a:rPr lang="en-US" i="1">
+                                    <a:latin typeface="Cambria Math" panose="02040503050406030204" pitchFamily="18" charset="0"/>
+                                  </a:rPr>
+                                  <m:t>𝑀</m:t>
+                                </m:r>
+                              </m:e>
+                              <m:sub>
+                                <m:r>
+                                  <a:rPr lang="en-US" i="1">
+                                    <a:latin typeface="Cambria Math" panose="02040503050406030204" pitchFamily="18" charset="0"/>
+                                  </a:rPr>
+                                  <m:t>𝑖𝑗</m:t>
+                                </m:r>
+                              </m:sub>
+                            </m:sSub>
+                            <m:sSub>
+                              <m:sSubPr>
+                                <m:ctrlPr>
+                                  <a:rPr lang="en-US" i="1">
+                                    <a:latin typeface="Cambria Math" panose="02040503050406030204" pitchFamily="18" charset="0"/>
+                                  </a:rPr>
+                                </m:ctrlPr>
+                              </m:sSubPr>
+                              <m:e>
+                                <m:r>
+                                  <a:rPr lang="en-US" i="1">
+                                    <a:latin typeface="Cambria Math" panose="02040503050406030204" pitchFamily="18" charset="0"/>
+                                  </a:rPr>
+                                  <m:t>𝑥</m:t>
+                                </m:r>
+                              </m:e>
+                              <m:sub>
+                                <m:r>
+                                  <a:rPr lang="en-US" i="1">
+                                    <a:latin typeface="Cambria Math" panose="02040503050406030204" pitchFamily="18" charset="0"/>
+                                  </a:rPr>
+                                  <m:t>𝑗</m:t>
+                                </m:r>
+                              </m:sub>
+                            </m:sSub>
+                            <m:d>
+                              <m:dPr>
+                                <m:ctrlPr>
+                                  <a:rPr lang="en-US" i="1">
+                                    <a:latin typeface="Cambria Math" panose="02040503050406030204" pitchFamily="18" charset="0"/>
+                                  </a:rPr>
+                                </m:ctrlPr>
+                              </m:dPr>
+                              <m:e>
+                                <m:r>
+                                  <a:rPr lang="en-US" i="1">
+                                    <a:latin typeface="Cambria Math" panose="02040503050406030204" pitchFamily="18" charset="0"/>
+                                  </a:rPr>
+                                  <m:t>𝑡</m:t>
+                                </m:r>
+                                <m:r>
+                                  <a:rPr lang="en-US" i="1">
+                                    <a:latin typeface="Cambria Math" panose="02040503050406030204" pitchFamily="18" charset="0"/>
+                                  </a:rPr>
+                                  <m:t>−</m:t>
+                                </m:r>
+                                <m:sSub>
+                                  <m:sSubPr>
+                                    <m:ctrlPr>
+                                      <a:rPr lang="en-US" i="1">
+                                        <a:latin typeface="Cambria Math" panose="02040503050406030204" pitchFamily="18" charset="0"/>
+                                      </a:rPr>
+                                    </m:ctrlPr>
+                                  </m:sSubPr>
+                                  <m:e>
+                                    <m:r>
+                                      <a:rPr lang="en-US" i="1">
+                                        <a:latin typeface="Cambria Math" panose="02040503050406030204" pitchFamily="18" charset="0"/>
+                                      </a:rPr>
+                                      <m:t>𝑡</m:t>
+                                    </m:r>
+                                  </m:e>
+                                  <m:sub>
+                                    <m:r>
+                                      <a:rPr lang="en-US" i="1">
+                                        <a:latin typeface="Cambria Math" panose="02040503050406030204" pitchFamily="18" charset="0"/>
+                                      </a:rPr>
+                                      <m:t>𝑖𝑗</m:t>
+                                    </m:r>
+                                  </m:sub>
+                                </m:sSub>
+                              </m:e>
+                            </m:d>
+                          </m:num>
+                          <m:den>
+                            <m:r>
+                              <a:rPr lang="en-US" i="1">
+                                <a:latin typeface="Cambria Math" panose="02040503050406030204" pitchFamily="18" charset="0"/>
+                              </a:rPr>
+                              <m:t>𝑓</m:t>
+                            </m:r>
+                            <m:d>
+                              <m:dPr>
+                                <m:ctrlPr>
+                                  <a:rPr lang="en-US" i="1">
+                                    <a:latin typeface="Cambria Math" panose="02040503050406030204" pitchFamily="18" charset="0"/>
+                                  </a:rPr>
+                                </m:ctrlPr>
+                              </m:dPr>
+                              <m:e>
+                                <m:sSub>
+                                  <m:sSubPr>
+                                    <m:ctrlPr>
+                                      <a:rPr lang="en-US" i="1">
+                                        <a:latin typeface="Cambria Math" panose="02040503050406030204" pitchFamily="18" charset="0"/>
+                                      </a:rPr>
+                                    </m:ctrlPr>
+                                  </m:sSubPr>
+                                  <m:e>
+                                    <m:r>
+                                      <a:rPr lang="en-US" i="1">
+                                        <a:latin typeface="Cambria Math" panose="02040503050406030204" pitchFamily="18" charset="0"/>
+                                      </a:rPr>
+                                      <m:t>𝑂</m:t>
+                                    </m:r>
+                                  </m:e>
+                                  <m:sub>
+                                    <m:r>
+                                      <a:rPr lang="en-US" i="1">
+                                        <a:latin typeface="Cambria Math" panose="02040503050406030204" pitchFamily="18" charset="0"/>
+                                      </a:rPr>
+                                      <m:t>𝑗</m:t>
+                                    </m:r>
+                                  </m:sub>
+                                </m:sSub>
+                              </m:e>
+                            </m:d>
+                          </m:den>
+                        </m:f>
+                        <m:sSup>
+                          <m:sSupPr>
+                            <m:ctrlPr>
+                              <a:rPr lang="en-US" i="1">
+                                <a:latin typeface="Cambria Math" panose="02040503050406030204" pitchFamily="18" charset="0"/>
+                              </a:rPr>
+                            </m:ctrlPr>
+                          </m:sSupPr>
+                          <m:e>
+                            <m:r>
+                              <a:rPr lang="en-US" i="1">
+                                <a:latin typeface="Cambria Math" panose="02040503050406030204" pitchFamily="18" charset="0"/>
+                              </a:rPr>
+                              <m:t>𝑒</m:t>
+                            </m:r>
+                          </m:e>
+                          <m:sup>
+                            <m:r>
+                              <a:rPr lang="en-US" i="1">
+                                <a:latin typeface="Cambria Math" panose="02040503050406030204" pitchFamily="18" charset="0"/>
+                              </a:rPr>
+                              <m:t>−</m:t>
+                            </m:r>
+                            <m:sSub>
+                              <m:sSubPr>
+                                <m:ctrlPr>
+                                  <a:rPr lang="en-US" i="1">
+                                    <a:latin typeface="Cambria Math" panose="02040503050406030204" pitchFamily="18" charset="0"/>
+                                  </a:rPr>
+                                </m:ctrlPr>
+                              </m:sSubPr>
+                              <m:e>
+                                <m:r>
+                                  <a:rPr lang="en-US" i="1">
+                                    <a:latin typeface="Cambria Math" panose="02040503050406030204" pitchFamily="18" charset="0"/>
+                                  </a:rPr>
+                                  <m:t>𝛽</m:t>
+                                </m:r>
+                              </m:e>
+                              <m:sub>
+                                <m:r>
+                                  <a:rPr lang="en-US" i="1">
+                                    <a:latin typeface="Cambria Math" panose="02040503050406030204" pitchFamily="18" charset="0"/>
+                                  </a:rPr>
+                                  <m:t>𝑗𝑖</m:t>
+                                </m:r>
+                              </m:sub>
+                            </m:sSub>
+                          </m:sup>
+                        </m:sSup>
+                      </m:e>
+                    </m:nary>
+                  </m:oMath>
+                </a14:m>
+                <a:endParaRPr lang="en-US" dirty="0" smtClean="0"/>
+              </a:p>
+              <a:p>
+                <a:pPr lvl="2">
+                  <a:buFont typeface="Wingdings" panose="05000000000000000000" pitchFamily="2" charset="2"/>
+                  <a:buChar char="Ø"/>
+                </a:pPr>
+                <a14:m>
+                  <m:oMath xmlns:m="http://schemas.openxmlformats.org/officeDocument/2006/math">
+                    <m:r>
+                      <a:rPr lang="en-US" i="1">
+                        <a:latin typeface="Cambria Math" panose="02040503050406030204" pitchFamily="18" charset="0"/>
+                      </a:rPr>
+                      <m:t>𝜃</m:t>
+                    </m:r>
+                  </m:oMath>
+                </a14:m>
+                <a:r>
+                  <a:rPr lang="en-US" dirty="0" smtClean="0"/>
+                  <a:t> function is just a numerical convenience</a:t>
+                </a:r>
+              </a:p>
+              <a:p>
+                <a:pPr>
+                  <a:buFont typeface="Wingdings" panose="05000000000000000000" pitchFamily="2" charset="2"/>
+                  <a:buChar char="Ø"/>
+                </a:pPr>
+                <a:r>
+                  <a:rPr lang="en-US" dirty="0" smtClean="0"/>
+                  <a:t>Modular implementation</a:t>
+                </a:r>
+              </a:p>
+              <a:p>
+                <a:pPr lvl="1">
+                  <a:buFont typeface="Wingdings" panose="05000000000000000000" pitchFamily="2" charset="2"/>
+                  <a:buChar char="Ø"/>
+                </a:pPr>
+                <a:r>
+                  <a:rPr lang="en-US" dirty="0" smtClean="0"/>
+                  <a:t>Nodes simulate individual</a:t>
+                </a:r>
+              </a:p>
+              <a:p>
+                <a:pPr lvl="1">
+                  <a:buFont typeface="Wingdings" panose="05000000000000000000" pitchFamily="2" charset="2"/>
+                  <a:buChar char="Ø"/>
+                </a:pPr>
+                <a:r>
+                  <a:rPr lang="en-US" dirty="0" smtClean="0"/>
+                  <a:t>Network simulates interactions</a:t>
+                </a:r>
+              </a:p>
+              <a:p>
+                <a:pPr>
+                  <a:buFont typeface="Wingdings" panose="05000000000000000000" pitchFamily="2" charset="2"/>
+                  <a:buChar char="Ø"/>
+                </a:pPr>
+                <a:r>
+                  <a:rPr lang="en-US" dirty="0" smtClean="0"/>
+                  <a:t>Behavior of individual can be changed without effecting rest of the code</a:t>
+                </a:r>
+              </a:p>
+              <a:p>
+                <a:pPr>
+                  <a:buFont typeface="Wingdings" panose="05000000000000000000" pitchFamily="2" charset="2"/>
+                  <a:buChar char="Ø"/>
+                </a:pPr>
+                <a:r>
+                  <a:rPr lang="en-US" dirty="0" smtClean="0"/>
+                  <a:t>Properties of interaction can be specified separately for each connection</a:t>
+                </a:r>
+              </a:p>
+              <a:p>
+                <a:pPr lvl="1">
+                  <a:buFont typeface="Wingdings" panose="05000000000000000000" pitchFamily="2" charset="2"/>
+                  <a:buChar char="Ø"/>
+                </a:pPr>
+                <a:r>
+                  <a:rPr lang="en-US" dirty="0" smtClean="0"/>
+                  <a:t>Reusability.</a:t>
+                </a:r>
+              </a:p>
+            </p:txBody>
+          </p:sp>
+        </mc:Choice>
+        <mc:Fallback>
+          <p:sp>
+            <p:nvSpPr>
+              <p:cNvPr id="3" name="Content Placeholder 2"/>
+              <p:cNvSpPr>
+                <a:spLocks noGrp="1" noRot="1" noChangeAspect="1" noMove="1" noResize="1" noEditPoints="1" noAdjustHandles="1" noChangeArrowheads="1" noChangeShapeType="1" noTextEdit="1"/>
+              </p:cNvSpPr>
+              <p:nvPr>
+                <p:ph idx="1"/>
+              </p:nvPr>
+            </p:nvSpPr>
+            <p:spPr>
+              <a:blipFill rotWithShape="0">
+                <a:blip r:embed="rId3"/>
+                <a:stretch>
+                  <a:fillRect l="-1777" t="-1970" b="-758"/>
+                </a:stretch>
+              </a:blipFill>
+            </p:spPr>
+            <p:txBody>
+              <a:bodyPr/>
+              <a:lstStyle/>
+              <a:p>
+                <a:r>
+                  <a:rPr lang="en-US">
+                    <a:noFill/>
+                  </a:rPr>
+                  <a:t> </a:t>
+                </a:r>
+              </a:p>
+            </p:txBody>
+          </p:sp>
+        </mc:Fallback>
+      </mc:AlternateContent>
+    </p:spTree>
+    <p:extLst>
+      <p:ext uri="{BB962C8B-B14F-4D97-AF65-F5344CB8AC3E}">
+        <p14:creationId xmlns:p14="http://schemas.microsoft.com/office/powerpoint/2010/main" val="2313981543"/>
+      </p:ext>
+    </p:extLst>
+  </p:cSld>
+  <p:clrMapOvr>
+    <a:masterClrMapping/>
+  </p:clrMapOvr>
+  <p:timing>
+    <p:tnLst>
+      <p:par>
+        <p:cTn id="1" dur="indefinite" restart="never" nodeType="tmRoot">
+          <p:childTnLst>
+            <p:seq concurrent="1" nextAc="seek">
+              <p:cTn id="2" dur="indefinite" nodeType="mainSeq">
+                <p:childTnLst>
+                  <p:par>
+                    <p:cTn id="3" fill="hold">
+                      <p:stCondLst>
+                        <p:cond delay="indefinite"/>
+                      </p:stCondLst>
+                      <p:childTnLst>
+                        <p:par>
+                          <p:cTn id="4" fill="hold">
+                            <p:stCondLst>
+                              <p:cond delay="0"/>
+                            </p:stCondLst>
+                            <p:childTnLst>
+                              <p:par>
+                                <p:cTn id="5" presetID="10" presetClass="entr" presetSubtype="0" fill="hold" nodeType="clickEffect">
+                                  <p:stCondLst>
+                                    <p:cond delay="0"/>
+                                  </p:stCondLst>
+                                  <p:childTnLst>
+                                    <p:set>
+                                      <p:cBhvr>
+                                        <p:cTn id="6" dur="1" fill="hold">
+                                          <p:stCondLst>
+                                            <p:cond delay="0"/>
+                                          </p:stCondLst>
+                                        </p:cTn>
+                                        <p:tgtEl>
+                                          <p:spTgt spid="3">
+                                            <p:txEl>
+                                              <p:pRg st="1" end="1"/>
+                                            </p:txEl>
+                                          </p:spTgt>
+                                        </p:tgtEl>
+                                        <p:attrNameLst>
+                                          <p:attrName>style.visibility</p:attrName>
+                                        </p:attrNameLst>
+                                      </p:cBhvr>
+                                      <p:to>
+                                        <p:strVal val="visible"/>
+                                      </p:to>
+                                    </p:set>
+                                    <p:animEffect transition="in" filter="fade">
+                                      <p:cBhvr>
+                                        <p:cTn id="7" dur="500"/>
+                                        <p:tgtEl>
+                                          <p:spTgt spid="3">
+                                            <p:txEl>
+                                              <p:pRg st="1" end="1"/>
+                                            </p:txEl>
+                                          </p:spTgt>
+                                        </p:tgtEl>
+                                      </p:cBhvr>
+                                    </p:animEffect>
+                                  </p:childTnLst>
+                                </p:cTn>
+                              </p:par>
+                              <p:par>
+                                <p:cTn id="8" presetID="10" presetClass="entr" presetSubtype="0" fill="hold" nodeType="withEffect">
+                                  <p:stCondLst>
+                                    <p:cond delay="0"/>
+                                  </p:stCondLst>
+                                  <p:childTnLst>
+                                    <p:set>
+                                      <p:cBhvr>
+                                        <p:cTn id="9" dur="1" fill="hold">
+                                          <p:stCondLst>
+                                            <p:cond delay="0"/>
+                                          </p:stCondLst>
+                                        </p:cTn>
+                                        <p:tgtEl>
+                                          <p:spTgt spid="3">
+                                            <p:txEl>
+                                              <p:pRg st="2" end="2"/>
+                                            </p:txEl>
+                                          </p:spTgt>
+                                        </p:tgtEl>
+                                        <p:attrNameLst>
+                                          <p:attrName>style.visibility</p:attrName>
+                                        </p:attrNameLst>
+                                      </p:cBhvr>
+                                      <p:to>
+                                        <p:strVal val="visible"/>
+                                      </p:to>
+                                    </p:set>
+                                    <p:animEffect transition="in" filter="fade">
+                                      <p:cBhvr>
+                                        <p:cTn id="10" dur="500"/>
+                                        <p:tgtEl>
+                                          <p:spTgt spid="3">
+                                            <p:txEl>
+                                              <p:pRg st="2" end="2"/>
+                                            </p:txEl>
+                                          </p:spTgt>
+                                        </p:tgtEl>
+                                      </p:cBhvr>
+                                    </p:animEffect>
+                                  </p:childTnLst>
+                                </p:cTn>
+                              </p:par>
+                            </p:childTnLst>
+                          </p:cTn>
+                        </p:par>
+                      </p:childTnLst>
+                    </p:cTn>
+                  </p:par>
+                  <p:par>
+                    <p:cTn id="11" fill="hold">
+                      <p:stCondLst>
+                        <p:cond delay="indefinite"/>
+                      </p:stCondLst>
+                      <p:childTnLst>
+                        <p:par>
+                          <p:cTn id="12" fill="hold">
+                            <p:stCondLst>
+                              <p:cond delay="0"/>
+                            </p:stCondLst>
+                            <p:childTnLst>
+                              <p:par>
+                                <p:cTn id="13" presetID="10" presetClass="entr" presetSubtype="0" fill="hold" nodeType="clickEffect">
+                                  <p:stCondLst>
+                                    <p:cond delay="0"/>
+                                  </p:stCondLst>
+                                  <p:childTnLst>
+                                    <p:set>
+                                      <p:cBhvr>
+                                        <p:cTn id="14" dur="1" fill="hold">
+                                          <p:stCondLst>
+                                            <p:cond delay="0"/>
+                                          </p:stCondLst>
+                                        </p:cTn>
+                                        <p:tgtEl>
+                                          <p:spTgt spid="3">
+                                            <p:txEl>
+                                              <p:pRg st="3" end="3"/>
+                                            </p:txEl>
+                                          </p:spTgt>
+                                        </p:tgtEl>
+                                        <p:attrNameLst>
+                                          <p:attrName>style.visibility</p:attrName>
+                                        </p:attrNameLst>
+                                      </p:cBhvr>
+                                      <p:to>
+                                        <p:strVal val="visible"/>
+                                      </p:to>
+                                    </p:set>
+                                    <p:animEffect transition="in" filter="fade">
+                                      <p:cBhvr>
+                                        <p:cTn id="15" dur="500"/>
+                                        <p:tgtEl>
+                                          <p:spTgt spid="3">
+                                            <p:txEl>
+                                              <p:pRg st="3" end="3"/>
+                                            </p:txEl>
+                                          </p:spTgt>
+                                        </p:tgtEl>
+                                      </p:cBhvr>
+                                    </p:animEffect>
+                                  </p:childTnLst>
+                                </p:cTn>
+                              </p:par>
+                              <p:par>
+                                <p:cTn id="16" presetID="10" presetClass="entr" presetSubtype="0" fill="hold" nodeType="withEffect">
+                                  <p:stCondLst>
+                                    <p:cond delay="0"/>
+                                  </p:stCondLst>
+                                  <p:childTnLst>
+                                    <p:set>
+                                      <p:cBhvr>
+                                        <p:cTn id="17" dur="1" fill="hold">
+                                          <p:stCondLst>
+                                            <p:cond delay="0"/>
+                                          </p:stCondLst>
+                                        </p:cTn>
+                                        <p:tgtEl>
+                                          <p:spTgt spid="3">
+                                            <p:txEl>
+                                              <p:pRg st="4" end="4"/>
+                                            </p:txEl>
+                                          </p:spTgt>
+                                        </p:tgtEl>
+                                        <p:attrNameLst>
+                                          <p:attrName>style.visibility</p:attrName>
+                                        </p:attrNameLst>
+                                      </p:cBhvr>
+                                      <p:to>
+                                        <p:strVal val="visible"/>
+                                      </p:to>
+                                    </p:set>
+                                    <p:animEffect transition="in" filter="fade">
+                                      <p:cBhvr>
+                                        <p:cTn id="18" dur="500"/>
+                                        <p:tgtEl>
+                                          <p:spTgt spid="3">
+                                            <p:txEl>
+                                              <p:pRg st="4" end="4"/>
+                                            </p:txEl>
+                                          </p:spTgt>
+                                        </p:tgtEl>
+                                      </p:cBhvr>
+                                    </p:animEffect>
+                                  </p:childTnLst>
+                                </p:cTn>
+                              </p:par>
+                            </p:childTnLst>
+                          </p:cTn>
+                        </p:par>
+                      </p:childTnLst>
+                    </p:cTn>
+                  </p:par>
+                  <p:par>
+                    <p:cTn id="19" fill="hold">
+                      <p:stCondLst>
+                        <p:cond delay="indefinite"/>
+                      </p:stCondLst>
+                      <p:childTnLst>
+                        <p:par>
+                          <p:cTn id="20" fill="hold">
+                            <p:stCondLst>
+                              <p:cond delay="0"/>
+                            </p:stCondLst>
+                            <p:childTnLst>
+                              <p:par>
+                                <p:cTn id="21" presetID="10" presetClass="entr" presetSubtype="0" fill="hold" nodeType="clickEffect">
+                                  <p:stCondLst>
+                                    <p:cond delay="0"/>
+                                  </p:stCondLst>
+                                  <p:childTnLst>
+                                    <p:set>
+                                      <p:cBhvr>
+                                        <p:cTn id="22" dur="1" fill="hold">
+                                          <p:stCondLst>
+                                            <p:cond delay="0"/>
+                                          </p:stCondLst>
+                                        </p:cTn>
+                                        <p:tgtEl>
+                                          <p:spTgt spid="3">
+                                            <p:txEl>
+                                              <p:pRg st="5" end="5"/>
+                                            </p:txEl>
+                                          </p:spTgt>
+                                        </p:tgtEl>
+                                        <p:attrNameLst>
+                                          <p:attrName>style.visibility</p:attrName>
+                                        </p:attrNameLst>
+                                      </p:cBhvr>
+                                      <p:to>
+                                        <p:strVal val="visible"/>
+                                      </p:to>
+                                    </p:set>
+                                    <p:animEffect transition="in" filter="fade">
+                                      <p:cBhvr>
+                                        <p:cTn id="23" dur="500"/>
+                                        <p:tgtEl>
+                                          <p:spTgt spid="3">
+                                            <p:txEl>
+                                              <p:pRg st="5" end="5"/>
+                                            </p:txEl>
+                                          </p:spTgt>
+                                        </p:tgtEl>
+                                      </p:cBhvr>
+                                    </p:animEffect>
+                                  </p:childTnLst>
+                                </p:cTn>
+                              </p:par>
+                            </p:childTnLst>
+                          </p:cTn>
+                        </p:par>
+                      </p:childTnLst>
+                    </p:cTn>
+                  </p:par>
+                  <p:par>
+                    <p:cTn id="24" fill="hold">
+                      <p:stCondLst>
+                        <p:cond delay="indefinite"/>
+                      </p:stCondLst>
+                      <p:childTnLst>
+                        <p:par>
+                          <p:cTn id="25" fill="hold">
+                            <p:stCondLst>
+                              <p:cond delay="0"/>
+                            </p:stCondLst>
+                            <p:childTnLst>
+                              <p:par>
+                                <p:cTn id="26" presetID="10" presetClass="entr" presetSubtype="0" fill="hold" nodeType="clickEffect">
+                                  <p:stCondLst>
+                                    <p:cond delay="0"/>
+                                  </p:stCondLst>
+                                  <p:childTnLst>
+                                    <p:set>
+                                      <p:cBhvr>
+                                        <p:cTn id="27" dur="1" fill="hold">
+                                          <p:stCondLst>
+                                            <p:cond delay="0"/>
+                                          </p:stCondLst>
+                                        </p:cTn>
+                                        <p:tgtEl>
+                                          <p:spTgt spid="3">
+                                            <p:txEl>
+                                              <p:pRg st="6" end="6"/>
+                                            </p:txEl>
+                                          </p:spTgt>
+                                        </p:tgtEl>
+                                        <p:attrNameLst>
+                                          <p:attrName>style.visibility</p:attrName>
+                                        </p:attrNameLst>
+                                      </p:cBhvr>
+                                      <p:to>
+                                        <p:strVal val="visible"/>
+                                      </p:to>
+                                    </p:set>
+                                    <p:animEffect transition="in" filter="fade">
+                                      <p:cBhvr>
+                                        <p:cTn id="28" dur="500"/>
+                                        <p:tgtEl>
+                                          <p:spTgt spid="3">
+                                            <p:txEl>
+                                              <p:pRg st="6" end="6"/>
+                                            </p:txEl>
+                                          </p:spTgt>
+                                        </p:tgtEl>
+                                      </p:cBhvr>
+                                    </p:animEffect>
+                                  </p:childTnLst>
+                                </p:cTn>
+                              </p:par>
+                            </p:childTnLst>
+                          </p:cTn>
+                        </p:par>
+                      </p:childTnLst>
+                    </p:cTn>
+                  </p:par>
+                  <p:par>
+                    <p:cTn id="29" fill="hold">
+                      <p:stCondLst>
+                        <p:cond delay="indefinite"/>
+                      </p:stCondLst>
+                      <p:childTnLst>
+                        <p:par>
+                          <p:cTn id="30" fill="hold">
+                            <p:stCondLst>
+                              <p:cond delay="0"/>
+                            </p:stCondLst>
+                            <p:childTnLst>
+                              <p:par>
+                                <p:cTn id="31" presetID="10" presetClass="entr" presetSubtype="0" fill="hold" nodeType="clickEffect">
+                                  <p:stCondLst>
+                                    <p:cond delay="0"/>
+                                  </p:stCondLst>
+                                  <p:childTnLst>
+                                    <p:set>
+                                      <p:cBhvr>
+                                        <p:cTn id="32" dur="1" fill="hold">
+                                          <p:stCondLst>
+                                            <p:cond delay="0"/>
+                                          </p:stCondLst>
+                                        </p:cTn>
+                                        <p:tgtEl>
+                                          <p:spTgt spid="3">
+                                            <p:txEl>
+                                              <p:pRg st="7" end="7"/>
+                                            </p:txEl>
+                                          </p:spTgt>
+                                        </p:tgtEl>
+                                        <p:attrNameLst>
+                                          <p:attrName>style.visibility</p:attrName>
+                                        </p:attrNameLst>
+                                      </p:cBhvr>
+                                      <p:to>
+                                        <p:strVal val="visible"/>
+                                      </p:to>
+                                    </p:set>
+                                    <p:animEffect transition="in" filter="fade">
+                                      <p:cBhvr>
+                                        <p:cTn id="33" dur="500"/>
+                                        <p:tgtEl>
+                                          <p:spTgt spid="3">
+                                            <p:txEl>
+                                              <p:pRg st="7" end="7"/>
+                                            </p:txEl>
+                                          </p:spTgt>
+                                        </p:tgtEl>
+                                      </p:cBhvr>
+                                    </p:animEffect>
+                                  </p:childTnLst>
+                                </p:cTn>
+                              </p:par>
+                            </p:childTnLst>
+                          </p:cTn>
+                        </p:par>
+                      </p:childTnLst>
+                    </p:cTn>
+                  </p:par>
+                  <p:par>
+                    <p:cTn id="34" fill="hold">
+                      <p:stCondLst>
+                        <p:cond delay="indefinite"/>
+                      </p:stCondLst>
+                      <p:childTnLst>
+                        <p:par>
+                          <p:cTn id="35" fill="hold">
+                            <p:stCondLst>
+                              <p:cond delay="0"/>
+                            </p:stCondLst>
+                            <p:childTnLst>
+                              <p:par>
+                                <p:cTn id="36" presetID="10" presetClass="entr" presetSubtype="0" fill="hold" nodeType="clickEffect">
+                                  <p:stCondLst>
+                                    <p:cond delay="0"/>
+                                  </p:stCondLst>
+                                  <p:childTnLst>
+                                    <p:set>
+                                      <p:cBhvr>
+                                        <p:cTn id="37" dur="1" fill="hold">
+                                          <p:stCondLst>
+                                            <p:cond delay="0"/>
+                                          </p:stCondLst>
+                                        </p:cTn>
+                                        <p:tgtEl>
+                                          <p:spTgt spid="3">
+                                            <p:txEl>
+                                              <p:pRg st="8" end="8"/>
+                                            </p:txEl>
+                                          </p:spTgt>
+                                        </p:tgtEl>
+                                        <p:attrNameLst>
+                                          <p:attrName>style.visibility</p:attrName>
+                                        </p:attrNameLst>
+                                      </p:cBhvr>
+                                      <p:to>
+                                        <p:strVal val="visible"/>
+                                      </p:to>
+                                    </p:set>
+                                    <p:animEffect transition="in" filter="fade">
+                                      <p:cBhvr>
+                                        <p:cTn id="38" dur="500"/>
+                                        <p:tgtEl>
+                                          <p:spTgt spid="3">
+                                            <p:txEl>
+                                              <p:pRg st="8" end="8"/>
+                                            </p:txEl>
+                                          </p:spTgt>
+                                        </p:tgtEl>
+                                      </p:cBhvr>
+                                    </p:animEffect>
+                                  </p:childTnLst>
+                                </p:cTn>
+                              </p:par>
+                            </p:childTnLst>
+                          </p:cTn>
+                        </p:par>
+                      </p:childTnLst>
+                    </p:cTn>
+                  </p:par>
+                  <p:par>
+                    <p:cTn id="39" fill="hold">
+                      <p:stCondLst>
+                        <p:cond delay="indefinite"/>
+                      </p:stCondLst>
+                      <p:childTnLst>
+                        <p:par>
+                          <p:cTn id="40" fill="hold">
+                            <p:stCondLst>
+                              <p:cond delay="0"/>
+                            </p:stCondLst>
+                            <p:childTnLst>
+                              <p:par>
+                                <p:cTn id="41" presetID="10" presetClass="entr" presetSubtype="0" fill="hold" nodeType="clickEffect">
+                                  <p:stCondLst>
+                                    <p:cond delay="0"/>
+                                  </p:stCondLst>
+                                  <p:childTnLst>
+                                    <p:set>
+                                      <p:cBhvr>
+                                        <p:cTn id="42" dur="1" fill="hold">
+                                          <p:stCondLst>
+                                            <p:cond delay="0"/>
+                                          </p:stCondLst>
+                                        </p:cTn>
+                                        <p:tgtEl>
+                                          <p:spTgt spid="3">
+                                            <p:txEl>
+                                              <p:pRg st="9" end="9"/>
+                                            </p:txEl>
+                                          </p:spTgt>
+                                        </p:tgtEl>
+                                        <p:attrNameLst>
+                                          <p:attrName>style.visibility</p:attrName>
+                                        </p:attrNameLst>
+                                      </p:cBhvr>
+                                      <p:to>
+                                        <p:strVal val="visible"/>
+                                      </p:to>
+                                    </p:set>
+                                    <p:animEffect transition="in" filter="fade">
+                                      <p:cBhvr>
+                                        <p:cTn id="43" dur="500"/>
+                                        <p:tgtEl>
+                                          <p:spTgt spid="3">
+                                            <p:txEl>
+                                              <p:pRg st="9" end="9"/>
+                                            </p:txEl>
+                                          </p:spTgt>
+                                        </p:tgtEl>
+                                      </p:cBhvr>
+                                    </p:animEffect>
+                                  </p:childTnLst>
+                                </p:cTn>
+                              </p:par>
+                            </p:childTnLst>
+                          </p:cTn>
+                        </p:par>
+                      </p:childTnLst>
+                    </p:cTn>
+                  </p:par>
+                  <p:par>
+                    <p:cTn id="44" fill="hold">
+                      <p:stCondLst>
+                        <p:cond delay="indefinite"/>
+                      </p:stCondLst>
+                      <p:childTnLst>
+                        <p:par>
+                          <p:cTn id="45" fill="hold">
+                            <p:stCondLst>
+                              <p:cond delay="0"/>
+                            </p:stCondLst>
+                            <p:childTnLst>
+                              <p:par>
+                                <p:cTn id="46" presetID="10" presetClass="entr" presetSubtype="0" fill="hold" nodeType="clickEffect">
+                                  <p:stCondLst>
+                                    <p:cond delay="0"/>
+                                  </p:stCondLst>
+                                  <p:childTnLst>
+                                    <p:set>
+                                      <p:cBhvr>
+                                        <p:cTn id="47" dur="1" fill="hold">
+                                          <p:stCondLst>
+                                            <p:cond delay="0"/>
+                                          </p:stCondLst>
+                                        </p:cTn>
+                                        <p:tgtEl>
+                                          <p:spTgt spid="3">
+                                            <p:txEl>
+                                              <p:pRg st="10" end="10"/>
+                                            </p:txEl>
+                                          </p:spTgt>
+                                        </p:tgtEl>
+                                        <p:attrNameLst>
+                                          <p:attrName>style.visibility</p:attrName>
+                                        </p:attrNameLst>
+                                      </p:cBhvr>
+                                      <p:to>
+                                        <p:strVal val="visible"/>
+                                      </p:to>
+                                    </p:set>
+                                    <p:animEffect transition="in" filter="fade">
+                                      <p:cBhvr>
+                                        <p:cTn id="48" dur="500"/>
+                                        <p:tgtEl>
+                                          <p:spTgt spid="3">
+                                            <p:txEl>
+                                              <p:pRg st="10" end="10"/>
+                                            </p:txEl>
+                                          </p:spTgt>
+                                        </p:tgtEl>
+                                      </p:cBhvr>
+                                    </p:animEffect>
+                                  </p:childTnLst>
+                                </p:cTn>
+                              </p:par>
+                              <p:par>
+                                <p:cTn id="49" presetID="10" presetClass="entr" presetSubtype="0" fill="hold" nodeType="withEffect">
+                                  <p:stCondLst>
+                                    <p:cond delay="0"/>
+                                  </p:stCondLst>
+                                  <p:childTnLst>
+                                    <p:set>
+                                      <p:cBhvr>
+                                        <p:cTn id="50" dur="1" fill="hold">
+                                          <p:stCondLst>
+                                            <p:cond delay="0"/>
+                                          </p:stCondLst>
+                                        </p:cTn>
+                                        <p:tgtEl>
+                                          <p:spTgt spid="3">
+                                            <p:txEl>
+                                              <p:pRg st="11" end="11"/>
+                                            </p:txEl>
+                                          </p:spTgt>
+                                        </p:tgtEl>
+                                        <p:attrNameLst>
+                                          <p:attrName>style.visibility</p:attrName>
+                                        </p:attrNameLst>
+                                      </p:cBhvr>
+                                      <p:to>
+                                        <p:strVal val="visible"/>
+                                      </p:to>
+                                    </p:set>
+                                    <p:animEffect transition="in" filter="fade">
+                                      <p:cBhvr>
+                                        <p:cTn id="51" dur="500"/>
+                                        <p:tgtEl>
+                                          <p:spTgt spid="3">
+                                            <p:txEl>
+                                              <p:pRg st="11" end="11"/>
+                                            </p:txEl>
+                                          </p:spTgt>
+                                        </p:tgtEl>
+                                      </p:cBhvr>
+                                    </p:animEffect>
+                                  </p:childTnLst>
+                                </p:cTn>
+                              </p:par>
+                            </p:childTnLst>
+                          </p:cTn>
+                        </p:par>
+                      </p:childTnLst>
+                    </p:cTn>
+                  </p:par>
+                </p:childTnLst>
+              </p:cTn>
+              <p:prevCondLst>
+                <p:cond evt="onPrev" delay="0">
+                  <p:tgtEl>
+                    <p:sldTgt/>
+                  </p:tgtEl>
+                </p:cond>
+              </p:prevCondLst>
+              <p:nextCondLst>
+                <p:cond evt="onNext" delay="0">
+                  <p:tgtEl>
+                    <p:sldTgt/>
+                  </p:tgtEl>
+                </p:cond>
+              </p:nextCondLst>
+            </p:seq>
+          </p:childTnLst>
+        </p:cTn>
+      </p:par>
+    </p:tnLst>
+  </p:timing>
+</p:sld>
+</file>
+
+<file path=ppt/slides/slide7.xml><?xml version="1.0" encoding="utf-8"?>
+<p:sld xmlns:a="http://schemas.openxmlformats.org/drawingml/2006/main" xmlns:r="http://schemas.openxmlformats.org/officeDocument/2006/relationships" xmlns:p="http://schemas.openxmlformats.org/presentationml/2006/main">
+  <p:cSld>
+    <p:spTree>
+      <p:nvGrpSpPr>
+        <p:cNvPr id="1" name=""/>
+        <p:cNvGrpSpPr/>
+        <p:nvPr/>
+      </p:nvGrpSpPr>
+      <p:grpSpPr>
+        <a:xfrm>
+          <a:off x="0" y="0"/>
+          <a:ext cx="0" cy="0"/>
+          <a:chOff x="0" y="0"/>
+          <a:chExt cx="0" cy="0"/>
+        </a:xfrm>
+      </p:grpSpPr>
+      <p:sp>
+        <p:nvSpPr>
+          <p:cNvPr id="2" name="Title 1"/>
+          <p:cNvSpPr>
+            <a:spLocks noGrp="1"/>
+          </p:cNvSpPr>
+          <p:nvPr>
+            <p:ph type="title"/>
+          </p:nvPr>
+        </p:nvSpPr>
+        <p:spPr/>
+        <p:txBody>
+          <a:bodyPr/>
+          <a:lstStyle/>
+          <a:p>
+            <a:r>
+              <a:rPr lang="en-US" dirty="0" smtClean="0"/>
+              <a:t>Results and their interpretations.</a:t>
+            </a:r>
+            <a:endParaRPr lang="en-US" dirty="0"/>
+          </a:p>
+        </p:txBody>
+      </p:sp>
+      <p:sp>
+        <p:nvSpPr>
+          <p:cNvPr id="3" name="Content Placeholder 2"/>
+          <p:cNvSpPr>
+            <a:spLocks noGrp="1"/>
+          </p:cNvSpPr>
+          <p:nvPr>
+            <p:ph idx="1"/>
+          </p:nvPr>
+        </p:nvSpPr>
+        <p:spPr/>
+        <p:txBody>
+          <a:bodyPr/>
+          <a:lstStyle/>
+          <a:p>
+            <a:endParaRPr lang="en-US"/>
+          </a:p>
+        </p:txBody>
+      </p:sp>
+    </p:spTree>
+    <p:extLst>
+      <p:ext uri="{BB962C8B-B14F-4D97-AF65-F5344CB8AC3E}">
+        <p14:creationId xmlns:p14="http://schemas.microsoft.com/office/powerpoint/2010/main" val="2056232160"/>
+      </p:ext>
+    </p:extLst>
+  </p:cSld>
+  <p:clrMapOvr>
+    <a:masterClrMapping/>
+  </p:clrMapOvr>
+  <p:timing>
+    <p:tnLst>
+      <p:par>
+        <p:cTn id="1" dur="indefinite" restart="never" nodeType="tmRoot"/>
+      </p:par>
+    </p:tnLst>
+  </p:timing>
+</p:sld>
+</file>
+
+<file path=ppt/slides/slide8.xml><?xml version="1.0" encoding="utf-8"?>
+<p:sld xmlns:a="http://schemas.openxmlformats.org/drawingml/2006/main" xmlns:r="http://schemas.openxmlformats.org/officeDocument/2006/relationships" xmlns:p="http://schemas.openxmlformats.org/presentationml/2006/main">
+  <p:cSld>
+    <p:spTree>
+      <p:nvGrpSpPr>
+        <p:cNvPr id="1" name=""/>
+        <p:cNvGrpSpPr/>
+        <p:nvPr/>
+      </p:nvGrpSpPr>
+      <p:grpSpPr>
+        <a:xfrm>
+          <a:off x="0" y="0"/>
+          <a:ext cx="0" cy="0"/>
+          <a:chOff x="0" y="0"/>
+          <a:chExt cx="0" cy="0"/>
+        </a:xfrm>
+      </p:grpSpPr>
+      <p:pic>
+        <p:nvPicPr>
+          <p:cNvPr id="5" name="Picture 4" descr="beta0.jpg"/>
+          <p:cNvPicPr>
+            <a:picLocks noChangeAspect="1"/>
+          </p:cNvPicPr>
+          <p:nvPr/>
+        </p:nvPicPr>
+        <p:blipFill>
+          <a:blip r:embed="rId2">
+            <a:extLst>
+              <a:ext uri="{28A0092B-C50C-407E-A947-70E740481C1C}">
+                <a14:useLocalDpi xmlns:a14="http://schemas.microsoft.com/office/drawing/2010/main" val="0"/>
+              </a:ext>
+            </a:extLst>
+          </a:blip>
+          <a:stretch>
+            <a:fillRect/>
+          </a:stretch>
+        </p:blipFill>
+        <p:spPr>
+          <a:xfrm>
+            <a:off x="0" y="0"/>
+            <a:ext cx="4575477" cy="3431608"/>
+          </a:xfrm>
+          <a:prstGeom prst="rect">
+            <a:avLst/>
+          </a:prstGeom>
+        </p:spPr>
+      </p:pic>
+      <p:pic>
+        <p:nvPicPr>
+          <p:cNvPr id="6" name="Picture 5" descr="beta0.50.jpg"/>
+          <p:cNvPicPr>
+            <a:picLocks noChangeAspect="1"/>
+          </p:cNvPicPr>
+          <p:nvPr/>
+        </p:nvPicPr>
+        <p:blipFill>
+          <a:blip r:embed="rId3">
+            <a:extLst>
+              <a:ext uri="{28A0092B-C50C-407E-A947-70E740481C1C}">
+                <a14:useLocalDpi xmlns:a14="http://schemas.microsoft.com/office/drawing/2010/main" val="0"/>
+              </a:ext>
+            </a:extLst>
+          </a:blip>
+          <a:stretch>
+            <a:fillRect/>
+          </a:stretch>
+        </p:blipFill>
+        <p:spPr>
+          <a:xfrm>
+            <a:off x="4417738" y="1"/>
+            <a:ext cx="4575477" cy="3431608"/>
+          </a:xfrm>
+          <a:prstGeom prst="rect">
+            <a:avLst/>
+          </a:prstGeom>
+        </p:spPr>
+      </p:pic>
+      <p:pic>
+        <p:nvPicPr>
+          <p:cNvPr id="7" name="Picture 6" descr="beta0.15.jpg"/>
+          <p:cNvPicPr>
+            <a:picLocks noChangeAspect="1"/>
+          </p:cNvPicPr>
+          <p:nvPr/>
+        </p:nvPicPr>
+        <p:blipFill rotWithShape="1">
+          <a:blip r:embed="rId4">
+            <a:extLst>
+              <a:ext uri="{28A0092B-C50C-407E-A947-70E740481C1C}">
+                <a14:useLocalDpi xmlns:a14="http://schemas.microsoft.com/office/drawing/2010/main" val="0"/>
+              </a:ext>
+            </a:extLst>
+          </a:blip>
+          <a:srcRect l="4233" t="2278" b="5674"/>
+          <a:stretch/>
+        </p:blipFill>
+        <p:spPr>
+          <a:xfrm>
+            <a:off x="232012" y="3182215"/>
+            <a:ext cx="4335489" cy="3125338"/>
+          </a:xfrm>
+          <a:prstGeom prst="rect">
+            <a:avLst/>
+          </a:prstGeom>
+        </p:spPr>
+      </p:pic>
+      <p:pic>
+        <p:nvPicPr>
+          <p:cNvPr id="8" name="Picture 7" descr="beta1.jpg"/>
+          <p:cNvPicPr>
+            <a:picLocks noChangeAspect="1"/>
+          </p:cNvPicPr>
+          <p:nvPr/>
+        </p:nvPicPr>
+        <p:blipFill rotWithShape="1">
+          <a:blip r:embed="rId5">
+            <a:extLst>
+              <a:ext uri="{28A0092B-C50C-407E-A947-70E740481C1C}">
+                <a14:useLocalDpi xmlns:a14="http://schemas.microsoft.com/office/drawing/2010/main" val="0"/>
+              </a:ext>
+            </a:extLst>
+          </a:blip>
+          <a:srcRect t="3309" b="6194"/>
+          <a:stretch/>
+        </p:blipFill>
+        <p:spPr>
+          <a:xfrm>
+            <a:off x="4227588" y="3182215"/>
+            <a:ext cx="4765627" cy="3234519"/>
+          </a:xfrm>
+          <a:prstGeom prst="rect">
+            <a:avLst/>
+          </a:prstGeom>
+        </p:spPr>
+      </p:pic>
+    </p:spTree>
+    <p:extLst>
+      <p:ext uri="{BB962C8B-B14F-4D97-AF65-F5344CB8AC3E}">
+        <p14:creationId xmlns:p14="http://schemas.microsoft.com/office/powerpoint/2010/main" val="2951118777"/>
+      </p:ext>
+    </p:extLst>
+  </p:cSld>
+  <p:clrMapOvr>
+    <a:masterClrMapping/>
+  </p:clrMapOvr>
+  <p:timing>
+    <p:tnLst>
+      <p:par>
+        <p:cTn id="1" dur="indefinite" restart="never" nodeType="tmRoot"/>
+      </p:par>
+    </p:tnLst>
+  </p:timing>
+</p:sld>
+</file>
+
+<file path=ppt/slides/slide9.xml><?xml version="1.0" encoding="utf-8"?>
+<p:sld xmlns:a="http://schemas.openxmlformats.org/drawingml/2006/main" xmlns:r="http://schemas.openxmlformats.org/officeDocument/2006/relationships" xmlns:p="http://schemas.openxmlformats.org/presentationml/2006/main">
+  <p:cSld>
+    <p:spTree>
+      <p:nvGrpSpPr>
+        <p:cNvPr id="1" name=""/>
+        <p:cNvGrpSpPr/>
+        <p:nvPr/>
+      </p:nvGrpSpPr>
+      <p:grpSpPr>
+        <a:xfrm>
+          <a:off x="0" y="0"/>
+          <a:ext cx="0" cy="0"/>
+          <a:chOff x="0" y="0"/>
+          <a:chExt cx="0" cy="0"/>
+        </a:xfrm>
+      </p:grpSpPr>
+      <p:pic>
+        <p:nvPicPr>
+          <p:cNvPr id="2" name="Picture 1" descr="node_degree_distribution_20.jpg"/>
+          <p:cNvPicPr>
+            <a:picLocks noChangeAspect="1"/>
+          </p:cNvPicPr>
+          <p:nvPr/>
+        </p:nvPicPr>
+        <p:blipFill>
+          <a:blip r:embed="rId2">
+            <a:extLst>
+              <a:ext uri="{28A0092B-C50C-407E-A947-70E740481C1C}">
+                <a14:useLocalDpi xmlns:a14="http://schemas.microsoft.com/office/drawing/2010/main" val="0"/>
+              </a:ext>
+            </a:extLst>
+          </a:blip>
+          <a:stretch>
+            <a:fillRect/>
+          </a:stretch>
+        </p:blipFill>
+        <p:spPr>
+          <a:xfrm>
+            <a:off x="342290" y="177219"/>
+            <a:ext cx="8506504" cy="6379878"/>
+          </a:xfrm>
+          <a:prstGeom prst="rect">
+            <a:avLst/>
+          </a:prstGeom>
+        </p:spPr>
+      </p:pic>
+    </p:spTree>
+    <p:extLst>
+      <p:ext uri="{BB962C8B-B14F-4D97-AF65-F5344CB8AC3E}">
+        <p14:creationId xmlns:p14="http://schemas.microsoft.com/office/powerpoint/2010/main" val="1618235595"/>
+      </p:ext>
+    </p:extLst>
+  </p:cSld>
+  <p:clrMapOvr>
+    <a:masterClrMapping/>
+  </p:clrMapOvr>
+  <p:timing>
+    <p:tnLst>
+      <p:par>
+        <p:cTn id="1" dur="indefinite" restart="never" nodeType="tmRoot"/>
+      </p:par>
+    </p:tnLst>
+  </p:timing>
 </p:sld>
 </file>
 
 <file path=ppt/theme/theme1.xml><?xml version="1.0" encoding="utf-8"?>
-<a:theme xmlns:a="http://schemas.openxmlformats.org/drawingml/2006/main" name="Office Theme">
+<a:theme xmlns:a="http://schemas.openxmlformats.org/drawingml/2006/main" name="Retrospect">
   <a:themeElements>
-    <a:clrScheme name="Office">
+    <a:clrScheme name="Retrospect">
       <a:dk1>
-        <a:sysClr val="windowText" lastClr="000000"/>
+        <a:srgbClr val="000000"/>
       </a:dk1>
       <a:lt1>
         <a:sysClr val="window" lastClr="FFFFFF"/>
       </a:lt1>
       <a:dk2>
-        <a:srgbClr val="1F497D"/>
+        <a:srgbClr val="637052"/>
       </a:dk2>
       <a:lt2>
-        <a:srgbClr val="EEECE1"/>
+        <a:srgbClr val="CCDDEA"/>
       </a:lt2>
       <a:accent1>
-        <a:srgbClr val="4F81BD"/>
+        <a:srgbClr val="E48312"/>
       </a:accent1>
       <a:accent2>
-        <a:srgbClr val="C0504D"/>
+        <a:srgbClr val="BD582C"/>
       </a:accent2>
       <a:accent3>
-        <a:srgbClr val="9BBB59"/>
+        <a:srgbClr val="865640"/>
       </a:accent3>
       <a:accent4>
-        <a:srgbClr val="8064A2"/>
+        <a:srgbClr val="9B8357"/>
       </a:accent4>
       <a:accent5>
-        <a:srgbClr val="4BACC6"/>
+        <a:srgbClr val="C2BC80"/>
       </a:accent5>
       <a:accent6>
-        <a:srgbClr val="F79646"/>
+        <a:srgbClr val="94A088"/>
       </a:accent6>
       <a:hlink>
-        <a:srgbClr val="0000FF"/>
+        <a:srgbClr val="2998E3"/>
       </a:hlink>
       <a:folHlink>
-        <a:srgbClr val="800080"/>
+        <a:srgbClr val="8C8C8C"/>
       </a:folHlink>
     </a:clrScheme>
-    <a:fontScheme name="Office">
+    <a:fontScheme name="Retrospect">
       <a:majorFont>
-        <a:latin typeface="Calibri"/>
+        <a:latin typeface="Calibri Light" panose="020F0302020204030204"/>
         <a:ea typeface=""/>
         <a:cs typeface=""/>
         <a:font script="Jpan" typeface="ＭＳ Ｐゴシック"/>
@@ -3640,7 +9653,290 @@
         <a:font script="Geor" typeface="Sylfaen"/>
       </a:majorFont>
       <a:minorFont>
-        <a:latin typeface="Calibri"/>
+        <a:latin typeface="Calibri" panose="020F0502020204030204"/>
+        <a:ea typeface=""/>
+        <a:cs typeface=""/>
+        <a:font script="Jpan" typeface="ＭＳ Ｐゴシック"/>
+        <a:font script="Hang" typeface="맑은 고딕"/>
+        <a:font script="Hans" typeface="宋体"/>
+        <a:font script="Hant" typeface="新細明體"/>
+        <a:font script="Arab" typeface="Arial"/>
+        <a:font script="Hebr" typeface="Arial"/>
+        <a:font script="Thai" typeface="Cordia New"/>
+        <a:font script="Ethi" typeface="Nyala"/>
+        <a:font script="Beng" typeface="Vrinda"/>
+        <a:font script="Gujr" typeface="Shruti"/>
+        <a:font script="Khmr" typeface="DaunPenh"/>
+        <a:font script="Knda" typeface="Tunga"/>
+        <a:font script="Guru" typeface="Raavi"/>
+        <a:font script="Cans" typeface="Euphemia"/>
+        <a:font script="Cher" typeface="Plantagenet Cherokee"/>
+        <a:font script="Yiii" typeface="Microsoft Yi Baiti"/>
+        <a:font script="Tibt" typeface="Microsoft Himalaya"/>
+        <a:font script="Thaa" typeface="MV Boli"/>
+        <a:font script="Deva" typeface="Mangal"/>
+        <a:font script="Telu" typeface="Gautami"/>
+        <a:font script="Taml" typeface="Latha"/>
+        <a:font script="Syrc" typeface="Estrangelo Edessa"/>
+        <a:font script="Orya" typeface="Kalinga"/>
+        <a:font script="Mlym" typeface="Kartika"/>
+        <a:font script="Laoo" typeface="DokChampa"/>
+        <a:font script="Sinh" typeface="Iskoola Pota"/>
+        <a:font script="Mong" typeface="Mongolian Baiti"/>
+        <a:font script="Viet" typeface="Arial"/>
+        <a:font script="Uigh" typeface="Microsoft Uighur"/>
+        <a:font script="Geor" typeface="Sylfaen"/>
+      </a:minorFont>
+    </a:fontScheme>
+    <a:fmtScheme name="Retrospect">
+      <a:fillStyleLst>
+        <a:solidFill>
+          <a:schemeClr val="phClr"/>
+        </a:solidFill>
+        <a:gradFill rotWithShape="1">
+          <a:gsLst>
+            <a:gs pos="0">
+              <a:schemeClr val="phClr">
+                <a:tint val="65000"/>
+                <a:shade val="92000"/>
+                <a:satMod val="130000"/>
+              </a:schemeClr>
+            </a:gs>
+            <a:gs pos="45000">
+              <a:schemeClr val="phClr">
+                <a:tint val="60000"/>
+                <a:shade val="99000"/>
+                <a:satMod val="120000"/>
+              </a:schemeClr>
+            </a:gs>
+            <a:gs pos="100000">
+              <a:schemeClr val="phClr">
+                <a:tint val="55000"/>
+                <a:satMod val="140000"/>
+              </a:schemeClr>
+            </a:gs>
+          </a:gsLst>
+          <a:path path="circle">
+            <a:fillToRect l="100000" t="100000" r="100000" b="100000"/>
+          </a:path>
+        </a:gradFill>
+        <a:gradFill rotWithShape="1">
+          <a:gsLst>
+            <a:gs pos="0">
+              <a:schemeClr val="phClr">
+                <a:shade val="85000"/>
+                <a:satMod val="130000"/>
+              </a:schemeClr>
+            </a:gs>
+            <a:gs pos="34000">
+              <a:schemeClr val="phClr">
+                <a:shade val="87000"/>
+                <a:satMod val="125000"/>
+              </a:schemeClr>
+            </a:gs>
+            <a:gs pos="70000">
+              <a:schemeClr val="phClr">
+                <a:tint val="100000"/>
+                <a:shade val="90000"/>
+                <a:satMod val="130000"/>
+              </a:schemeClr>
+            </a:gs>
+            <a:gs pos="100000">
+              <a:schemeClr val="phClr">
+                <a:tint val="100000"/>
+                <a:shade val="100000"/>
+                <a:satMod val="110000"/>
+              </a:schemeClr>
+            </a:gs>
+          </a:gsLst>
+          <a:path path="circle">
+            <a:fillToRect l="100000" t="100000" r="100000" b="100000"/>
+          </a:path>
+        </a:gradFill>
+      </a:fillStyleLst>
+      <a:lnStyleLst>
+        <a:ln w="12700" cap="flat" cmpd="sng" algn="ctr">
+          <a:solidFill>
+            <a:schemeClr val="phClr"/>
+          </a:solidFill>
+          <a:prstDash val="solid"/>
+        </a:ln>
+        <a:ln w="15875" cap="flat" cmpd="sng" algn="ctr">
+          <a:solidFill>
+            <a:schemeClr val="phClr"/>
+          </a:solidFill>
+          <a:prstDash val="solid"/>
+        </a:ln>
+        <a:ln w="25400" cap="flat" cmpd="sng" algn="ctr">
+          <a:solidFill>
+            <a:schemeClr val="phClr"/>
+          </a:solidFill>
+          <a:prstDash val="solid"/>
+        </a:ln>
+      </a:lnStyleLst>
+      <a:effectStyleLst>
+        <a:effectStyle>
+          <a:effectLst/>
+        </a:effectStyle>
+        <a:effectStyle>
+          <a:effectLst>
+            <a:outerShdw blurRad="38100" dist="25400" dir="2700000" algn="br" rotWithShape="0">
+              <a:srgbClr val="000000">
+                <a:alpha val="60000"/>
+              </a:srgbClr>
+            </a:outerShdw>
+          </a:effectLst>
+        </a:effectStyle>
+        <a:effectStyle>
+          <a:effectLst>
+            <a:outerShdw blurRad="44450" dist="25400" dir="2700000" algn="br" rotWithShape="0">
+              <a:srgbClr val="000000">
+                <a:alpha val="60000"/>
+              </a:srgbClr>
+            </a:outerShdw>
+          </a:effectLst>
+          <a:scene3d>
+            <a:camera prst="orthographicFront">
+              <a:rot lat="0" lon="0" rev="0"/>
+            </a:camera>
+            <a:lightRig rig="threePt" dir="t">
+              <a:rot lat="0" lon="0" rev="19800000"/>
+            </a:lightRig>
+          </a:scene3d>
+          <a:sp3d prstMaterial="flat">
+            <a:bevelT w="25400" h="31750"/>
+          </a:sp3d>
+        </a:effectStyle>
+      </a:effectStyleLst>
+      <a:bgFillStyleLst>
+        <a:solidFill>
+          <a:schemeClr val="phClr"/>
+        </a:solidFill>
+        <a:solidFill>
+          <a:schemeClr val="phClr">
+            <a:tint val="90000"/>
+            <a:shade val="97000"/>
+            <a:satMod val="130000"/>
+          </a:schemeClr>
+        </a:solidFill>
+        <a:gradFill rotWithShape="1">
+          <a:gsLst>
+            <a:gs pos="0">
+              <a:schemeClr val="phClr">
+                <a:tint val="96000"/>
+                <a:shade val="99000"/>
+                <a:satMod val="140000"/>
+              </a:schemeClr>
+            </a:gs>
+            <a:gs pos="65000">
+              <a:schemeClr val="phClr">
+                <a:tint val="100000"/>
+                <a:shade val="80000"/>
+                <a:satMod val="130000"/>
+              </a:schemeClr>
+            </a:gs>
+            <a:gs pos="100000">
+              <a:schemeClr val="phClr">
+                <a:tint val="100000"/>
+                <a:shade val="48000"/>
+                <a:satMod val="120000"/>
+              </a:schemeClr>
+            </a:gs>
+          </a:gsLst>
+          <a:lin ang="16200000" scaled="0"/>
+        </a:gradFill>
+      </a:bgFillStyleLst>
+    </a:fmtScheme>
+  </a:themeElements>
+  <a:objectDefaults/>
+  <a:extraClrSchemeLst/>
+  <a:extLst>
+    <a:ext uri="{05A4C25C-085E-4340-85A3-A5531E510DB2}">
+      <thm15:themeFamily xmlns:thm15="http://schemas.microsoft.com/office/thememl/2012/main" name="Retrospect" id="{5F128B03-DCCA-4EEB-AB3B-CF2899314A46}" vid="{3F1AAB62-24C6-49D2-8E01-B56FAC9A3DCD}"/>
+    </a:ext>
+  </a:extLst>
+</a:theme>
+</file>
+
+<file path=ppt/theme/theme2.xml><?xml version="1.0" encoding="utf-8"?>
+<a:theme xmlns:a="http://schemas.openxmlformats.org/drawingml/2006/main" name="Office Theme">
+  <a:themeElements>
+    <a:clrScheme name="Office">
+      <a:dk1>
+        <a:sysClr val="windowText" lastClr="000000"/>
+      </a:dk1>
+      <a:lt1>
+        <a:sysClr val="window" lastClr="FFFFFF"/>
+      </a:lt1>
+      <a:dk2>
+        <a:srgbClr val="44546A"/>
+      </a:dk2>
+      <a:lt2>
+        <a:srgbClr val="E7E6E6"/>
+      </a:lt2>
+      <a:accent1>
+        <a:srgbClr val="5B9BD5"/>
+      </a:accent1>
+      <a:accent2>
+        <a:srgbClr val="ED7D31"/>
+      </a:accent2>
+      <a:accent3>
+        <a:srgbClr val="A5A5A5"/>
+      </a:accent3>
+      <a:accent4>
+        <a:srgbClr val="FFC000"/>
+      </a:accent4>
+      <a:accent5>
+        <a:srgbClr val="4472C4"/>
+      </a:accent5>
+      <a:accent6>
+        <a:srgbClr val="70AD47"/>
+      </a:accent6>
+      <a:hlink>
+        <a:srgbClr val="0563C1"/>
+      </a:hlink>
+      <a:folHlink>
+        <a:srgbClr val="954F72"/>
+      </a:folHlink>
+    </a:clrScheme>
+    <a:fontScheme name="Office">
+      <a:majorFont>
+        <a:latin typeface="Calibri Light" panose="020F0302020204030204"/>
+        <a:ea typeface=""/>
+        <a:cs typeface=""/>
+        <a:font script="Jpan" typeface="ＭＳ Ｐゴシック"/>
+        <a:font script="Hang" typeface="맑은 고딕"/>
+        <a:font script="Hans" typeface="宋体"/>
+        <a:font script="Hant" typeface="新細明體"/>
+        <a:font script="Arab" typeface="Times New Roman"/>
+        <a:font script="Hebr" typeface="Times New Roman"/>
+        <a:font script="Thai" typeface="Angsana New"/>
+        <a:font script="Ethi" typeface="Nyala"/>
+        <a:font script="Beng" typeface="Vrinda"/>
+        <a:font script="Gujr" typeface="Shruti"/>
+        <a:font script="Khmr" typeface="MoolBoran"/>
+        <a:font script="Knda" typeface="Tunga"/>
+        <a:font script="Guru" typeface="Raavi"/>
+        <a:font script="Cans" typeface="Euphemia"/>
+        <a:font script="Cher" typeface="Plantagenet Cherokee"/>
+        <a:font script="Yiii" typeface="Microsoft Yi Baiti"/>
+        <a:font script="Tibt" typeface="Microsoft Himalaya"/>
+        <a:font script="Thaa" typeface="MV Boli"/>
+        <a:font script="Deva" typeface="Mangal"/>
+        <a:font script="Telu" typeface="Gautami"/>
+        <a:font script="Taml" typeface="Latha"/>
+        <a:font script="Syrc" typeface="Estrangelo Edessa"/>
+        <a:font script="Orya" typeface="Kalinga"/>
+        <a:font script="Mlym" typeface="Kartika"/>
+        <a:font script="Laoo" typeface="DokChampa"/>
+        <a:font script="Sinh" typeface="Iskoola Pota"/>
+        <a:font script="Mong" typeface="Mongolian Baiti"/>
+        <a:font script="Viet" typeface="Times New Roman"/>
+        <a:font script="Uigh" typeface="Microsoft Uighur"/>
+        <a:font script="Geor" typeface="Sylfaen"/>
+      </a:majorFont>
+      <a:minorFont>
+        <a:latin typeface="Calibri" panose="020F0502020204030204"/>
         <a:ea typeface=""/>
         <a:cs typeface=""/>
         <a:font script="Jpan" typeface="ＭＳ Ｐゴシック"/>
@@ -3684,200 +9980,141 @@
           <a:gsLst>
             <a:gs pos="0">
               <a:schemeClr val="phClr">
-                <a:tint val="50000"/>
-                <a:satMod val="300000"/>
+                <a:lumMod val="110000"/>
+                <a:satMod val="105000"/>
+                <a:tint val="67000"/>
               </a:schemeClr>
             </a:gs>
-            <a:gs pos="35000">
+            <a:gs pos="50000">
               <a:schemeClr val="phClr">
-                <a:tint val="37000"/>
-                <a:satMod val="300000"/>
+                <a:lumMod val="105000"/>
+                <a:satMod val="103000"/>
+                <a:tint val="73000"/>
               </a:schemeClr>
             </a:gs>
             <a:gs pos="100000">
               <a:schemeClr val="phClr">
-                <a:tint val="15000"/>
-                <a:satMod val="350000"/>
+                <a:lumMod val="105000"/>
+                <a:satMod val="109000"/>
+                <a:tint val="81000"/>
               </a:schemeClr>
             </a:gs>
           </a:gsLst>
-          <a:lin ang="16200000" scaled="1"/>
+          <a:lin ang="5400000" scaled="0"/>
         </a:gradFill>
         <a:gradFill rotWithShape="1">
           <a:gsLst>
             <a:gs pos="0">
               <a:schemeClr val="phClr">
-                <a:tint val="100000"/>
+                <a:satMod val="103000"/>
+                <a:lumMod val="102000"/>
+                <a:tint val="94000"/>
+              </a:schemeClr>
+            </a:gs>
+            <a:gs pos="50000">
+              <a:schemeClr val="phClr">
+                <a:satMod val="110000"/>
+                <a:lumMod val="100000"/>
                 <a:shade val="100000"/>
-                <a:satMod val="130000"/>
               </a:schemeClr>
             </a:gs>
             <a:gs pos="100000">
               <a:schemeClr val="phClr">
-                <a:tint val="50000"/>
-                <a:shade val="100000"/>
-                <a:satMod val="350000"/>
+                <a:lumMod val="99000"/>
+                <a:satMod val="120000"/>
+                <a:shade val="78000"/>
               </a:schemeClr>
             </a:gs>
           </a:gsLst>
-          <a:lin ang="16200000" scaled="0"/>
+          <a:lin ang="5400000" scaled="0"/>
         </a:gradFill>
       </a:fillStyleLst>
       <a:lnStyleLst>
-        <a:ln w="9525" cap="flat" cmpd="sng" algn="ctr">
-          <a:solidFill>
-            <a:schemeClr val="phClr">
-              <a:shade val="95000"/>
-              <a:satMod val="105000"/>
-            </a:schemeClr>
-          </a:solidFill>
-          <a:prstDash val="solid"/>
-        </a:ln>
-        <a:ln w="25400" cap="flat" cmpd="sng" algn="ctr">
+        <a:ln w="6350" cap="flat" cmpd="sng" algn="ctr">
           <a:solidFill>
             <a:schemeClr val="phClr"/>
           </a:solidFill>
           <a:prstDash val="solid"/>
+          <a:miter lim="800000"/>
         </a:ln>
-        <a:ln w="38100" cap="flat" cmpd="sng" algn="ctr">
+        <a:ln w="12700" cap="flat" cmpd="sng" algn="ctr">
           <a:solidFill>
             <a:schemeClr val="phClr"/>
           </a:solidFill>
           <a:prstDash val="solid"/>
+          <a:miter lim="800000"/>
+        </a:ln>
+        <a:ln w="19050" cap="flat" cmpd="sng" algn="ctr">
+          <a:solidFill>
+            <a:schemeClr val="phClr"/>
+          </a:solidFill>
+          <a:prstDash val="solid"/>
+          <a:miter lim="800000"/>
         </a:ln>
       </a:lnStyleLst>
       <a:effectStyleLst>
         <a:effectStyle>
+          <a:effectLst/>
+        </a:effectStyle>
+        <a:effectStyle>
+          <a:effectLst/>
+        </a:effectStyle>
+        <a:effectStyle>
           <a:effectLst>
-            <a:outerShdw blurRad="40000" dist="20000" dir="5400000" rotWithShape="0">
+            <a:outerShdw blurRad="57150" dist="19050" dir="5400000" algn="ctr" rotWithShape="0">
               <a:srgbClr val="000000">
-                <a:alpha val="38000"/>
+                <a:alpha val="63000"/>
               </a:srgbClr>
             </a:outerShdw>
           </a:effectLst>
-        </a:effectStyle>
-        <a:effectStyle>
-          <a:effectLst>
-            <a:outerShdw blurRad="40000" dist="23000" dir="5400000" rotWithShape="0">
-              <a:srgbClr val="000000">
-                <a:alpha val="35000"/>
-              </a:srgbClr>
-            </a:outerShdw>
-          </a:effectLst>
-        </a:effectStyle>
-        <a:effectStyle>
-          <a:effectLst>
-            <a:outerShdw blurRad="40000" dist="23000" dir="5400000" rotWithShape="0">
-              <a:srgbClr val="000000">
-                <a:alpha val="35000"/>
-              </a:srgbClr>
-            </a:outerShdw>
-          </a:effectLst>
-          <a:scene3d>
-            <a:camera prst="orthographicFront">
-              <a:rot lat="0" lon="0" rev="0"/>
-            </a:camera>
-            <a:lightRig rig="threePt" dir="t">
-              <a:rot lat="0" lon="0" rev="1200000"/>
-            </a:lightRig>
-          </a:scene3d>
-          <a:sp3d>
-            <a:bevelT w="63500" h="25400"/>
-          </a:sp3d>
         </a:effectStyle>
       </a:effectStyleLst>
       <a:bgFillStyleLst>
         <a:solidFill>
           <a:schemeClr val="phClr"/>
         </a:solidFill>
+        <a:solidFill>
+          <a:schemeClr val="phClr">
+            <a:tint val="95000"/>
+            <a:satMod val="170000"/>
+          </a:schemeClr>
+        </a:solidFill>
         <a:gradFill rotWithShape="1">
           <a:gsLst>
             <a:gs pos="0">
               <a:schemeClr val="phClr">
-                <a:tint val="40000"/>
-                <a:satMod val="350000"/>
+                <a:tint val="93000"/>
+                <a:satMod val="150000"/>
+                <a:shade val="98000"/>
+                <a:lumMod val="102000"/>
               </a:schemeClr>
             </a:gs>
-            <a:gs pos="40000">
+            <a:gs pos="50000">
               <a:schemeClr val="phClr">
-                <a:tint val="45000"/>
-                <a:shade val="99000"/>
-                <a:satMod val="350000"/>
+                <a:tint val="98000"/>
+                <a:satMod val="130000"/>
+                <a:shade val="90000"/>
+                <a:lumMod val="103000"/>
               </a:schemeClr>
             </a:gs>
             <a:gs pos="100000">
               <a:schemeClr val="phClr">
-                <a:shade val="20000"/>
-                <a:satMod val="255000"/>
+                <a:shade val="63000"/>
+                <a:satMod val="120000"/>
               </a:schemeClr>
             </a:gs>
           </a:gsLst>
-          <a:path path="circle">
-            <a:fillToRect l="50000" t="-80000" r="50000" b="180000"/>
-          </a:path>
-        </a:gradFill>
-        <a:gradFill rotWithShape="1">
-          <a:gsLst>
-            <a:gs pos="0">
-              <a:schemeClr val="phClr">
-                <a:tint val="80000"/>
-                <a:satMod val="300000"/>
-              </a:schemeClr>
-            </a:gs>
-            <a:gs pos="100000">
-              <a:schemeClr val="phClr">
-                <a:shade val="30000"/>
-                <a:satMod val="200000"/>
-              </a:schemeClr>
-            </a:gs>
-          </a:gsLst>
-          <a:path path="circle">
-            <a:fillToRect l="50000" t="50000" r="50000" b="50000"/>
-          </a:path>
+          <a:lin ang="5400000" scaled="0"/>
         </a:gradFill>
       </a:bgFillStyleLst>
     </a:fmtScheme>
   </a:themeElements>
-  <a:objectDefaults>
-    <a:spDef>
-      <a:spPr/>
-      <a:bodyPr/>
-      <a:lstStyle/>
-      <a:style>
-        <a:lnRef idx="1">
-          <a:schemeClr val="accent1"/>
-        </a:lnRef>
-        <a:fillRef idx="3">
-          <a:schemeClr val="accent1"/>
-        </a:fillRef>
-        <a:effectRef idx="2">
-          <a:schemeClr val="accent1"/>
-        </a:effectRef>
-        <a:fontRef idx="minor">
-          <a:schemeClr val="lt1"/>
-        </a:fontRef>
-      </a:style>
-    </a:spDef>
-    <a:lnDef>
-      <a:spPr/>
-      <a:bodyPr/>
-      <a:lstStyle/>
-      <a:style>
-        <a:lnRef idx="2">
-          <a:schemeClr val="accent1"/>
-        </a:lnRef>
-        <a:fillRef idx="0">
-          <a:schemeClr val="accent1"/>
-        </a:fillRef>
-        <a:effectRef idx="1">
-          <a:schemeClr val="accent1"/>
-        </a:effectRef>
-        <a:fontRef idx="minor">
-          <a:schemeClr val="tx1"/>
-        </a:fontRef>
-      </a:style>
-    </a:lnDef>
-  </a:objectDefaults>
+  <a:objectDefaults/>
   <a:extraClrSchemeLst/>
+  <a:extLst>
+    <a:ext uri="{05A4C25C-085E-4340-85A3-A5531E510DB2}">
+      <thm15:themeFamily xmlns:thm15="http://schemas.microsoft.com/office/thememl/2012/main" name="Office Theme" id="{62F939B6-93AF-4DB8-9C6B-D6C7DFDC589F}" vid="{4A3C46E8-61CC-4603-A589-7422A47A8E4A}"/>
+    </a:ext>
+  </a:extLst>
 </a:theme>
 </file>
--- a/presentation/disease_spreading_presentation.pptx
+++ b/presentation/disease_spreading_presentation.pptx
@@ -5,7 +5,7 @@
     <p:sldMasterId id="2147483660" r:id="rId1"/>
   </p:sldMasterIdLst>
   <p:notesMasterIdLst>
-    <p:notesMasterId r:id="rId14"/>
+    <p:notesMasterId r:id="rId15"/>
   </p:notesMasterIdLst>
   <p:sldIdLst>
     <p:sldId id="261" r:id="rId2"/>
@@ -14,12 +14,13 @@
     <p:sldId id="264" r:id="rId5"/>
     <p:sldId id="265" r:id="rId6"/>
     <p:sldId id="266" r:id="rId7"/>
-    <p:sldId id="267" r:id="rId8"/>
-    <p:sldId id="256" r:id="rId9"/>
-    <p:sldId id="257" r:id="rId10"/>
-    <p:sldId id="258" r:id="rId11"/>
-    <p:sldId id="259" r:id="rId12"/>
-    <p:sldId id="260" r:id="rId13"/>
+    <p:sldId id="273" r:id="rId8"/>
+    <p:sldId id="267" r:id="rId9"/>
+    <p:sldId id="268" r:id="rId10"/>
+    <p:sldId id="272" r:id="rId11"/>
+    <p:sldId id="271" r:id="rId12"/>
+    <p:sldId id="270" r:id="rId13"/>
+    <p:sldId id="274" r:id="rId14"/>
   </p:sldIdLst>
   <p:sldSz cx="9144000" cy="6858000" type="screen4x3"/>
   <p:notesSz cx="6858000" cy="9144000"/>
@@ -120,7 +121,7 @@
   </p:defaultTextStyle>
   <p:extLst>
     <p:ext uri="{EFAFB233-063F-42B5-8137-9DF3F51BA10A}">
-      <p15:sldGuideLst xmlns:p15="http://schemas.microsoft.com/office/powerpoint/2012/main">
+      <p15:sldGuideLst xmlns:p15="http://schemas.microsoft.com/office/powerpoint/2012/main" xmlns="">
         <p15:guide id="1" orient="horz" pos="2160">
           <p15:clr>
             <a:srgbClr val="A4A3A4"/>
@@ -219,7 +220,7 @@
           <a:p>
             <a:fld id="{7E88FFC7-8966-4ECA-A355-BC3091E12B73}" type="datetimeFigureOut">
               <a:rPr lang="en-US" smtClean="0"/>
-              <a:t>12/12/2015</a:t>
+              <a:t>12/13/15</a:t>
             </a:fld>
             <a:endParaRPr lang="en-US"/>
           </a:p>
@@ -772,11 +773,7 @@
             </a:r>
             <a:r>
               <a:rPr lang="en-US" baseline="0" dirty="0" smtClean="0"/>
-              <a:t> causes have same effect for example earthquake can make you house tremble. Same can happen if a truck hits your house. Now if you know only that you house trembled then you have equal probability of </a:t>
-            </a:r>
-            <a:r>
-              <a:rPr lang="en-US" baseline="0" dirty="0" smtClean="0"/>
-              <a:t>earthquake and a truck hitting your house. But if you know that there was an earthquake the then what is the probability of a truck hitting at the same time? It is much less. So knowledge about one cause explains away the effect. Here is a similar thing happening. If a node is connected to many different nodes its influence gets washed away.</a:t>
+              <a:t> causes have same effect for example earthquake can make you house tremble. Same can happen if a truck hits your house. Now if you know only that you house trembled then you have equal probability of earthquake and a truck hitting your house. But if you know that there was an earthquake the then what is the probability of a truck hitting at the same time? It is much less. So knowledge about one cause explains away the effect. Here is a similar thing happening. If a node is connected to many different nodes its influence gets washed away.</a:t>
             </a:r>
             <a:endParaRPr lang="en-US" dirty="0"/>
           </a:p>
@@ -905,6 +902,209 @@
     <p:extLst>
       <p:ext uri="{BB962C8B-B14F-4D97-AF65-F5344CB8AC3E}">
         <p14:creationId xmlns:p14="http://schemas.microsoft.com/office/powerpoint/2010/main" val="1208198564"/>
+      </p:ext>
+    </p:extLst>
+  </p:cSld>
+  <p:clrMapOvr>
+    <a:masterClrMapping/>
+  </p:clrMapOvr>
+</p:notes>
+</file>
+
+<file path=ppt/notesSlides/notesSlide5.xml><?xml version="1.0" encoding="utf-8"?>
+<p:notes xmlns:a="http://schemas.openxmlformats.org/drawingml/2006/main" xmlns:r="http://schemas.openxmlformats.org/officeDocument/2006/relationships" xmlns:p="http://schemas.openxmlformats.org/presentationml/2006/main">
+  <p:cSld>
+    <p:spTree>
+      <p:nvGrpSpPr>
+        <p:cNvPr id="1" name=""/>
+        <p:cNvGrpSpPr/>
+        <p:nvPr/>
+      </p:nvGrpSpPr>
+      <p:grpSpPr>
+        <a:xfrm>
+          <a:off x="0" y="0"/>
+          <a:ext cx="0" cy="0"/>
+          <a:chOff x="0" y="0"/>
+          <a:chExt cx="0" cy="0"/>
+        </a:xfrm>
+      </p:grpSpPr>
+      <p:sp>
+        <p:nvSpPr>
+          <p:cNvPr id="2" name="Slide Image Placeholder 1"/>
+          <p:cNvSpPr>
+            <a:spLocks noGrp="1" noRot="1" noChangeAspect="1"/>
+          </p:cNvSpPr>
+          <p:nvPr>
+            <p:ph type="sldImg"/>
+          </p:nvPr>
+        </p:nvSpPr>
+        <p:spPr/>
+      </p:sp>
+      <p:sp>
+        <p:nvSpPr>
+          <p:cNvPr id="3" name="Notes Placeholder 2"/>
+          <p:cNvSpPr>
+            <a:spLocks noGrp="1"/>
+          </p:cNvSpPr>
+          <p:nvPr>
+            <p:ph type="body" idx="1"/>
+          </p:nvPr>
+        </p:nvSpPr>
+        <p:spPr/>
+        <p:txBody>
+          <a:bodyPr/>
+          <a:lstStyle/>
+          <a:p>
+            <a:r>
+              <a:rPr lang="en-US" dirty="0" smtClean="0"/>
+              <a:t>We decided to take the execution hit in</a:t>
+            </a:r>
+            <a:r>
+              <a:rPr lang="en-US" baseline="0" dirty="0" smtClean="0"/>
+              <a:t> exchange to</a:t>
+            </a:r>
+            <a:r>
+              <a:rPr lang="en-US" dirty="0" smtClean="0"/>
+              <a:t> this convenience.</a:t>
+            </a:r>
+            <a:endParaRPr lang="en-US" dirty="0"/>
+          </a:p>
+        </p:txBody>
+      </p:sp>
+      <p:sp>
+        <p:nvSpPr>
+          <p:cNvPr id="4" name="Slide Number Placeholder 3"/>
+          <p:cNvSpPr>
+            <a:spLocks noGrp="1"/>
+          </p:cNvSpPr>
+          <p:nvPr>
+            <p:ph type="sldNum" sz="quarter" idx="10"/>
+          </p:nvPr>
+        </p:nvSpPr>
+        <p:spPr/>
+        <p:txBody>
+          <a:bodyPr/>
+          <a:lstStyle/>
+          <a:p>
+            <a:fld id="{0FE4AD66-8E5C-48F9-B0A6-E353D58EB762}" type="slidenum">
+              <a:rPr lang="en-US" smtClean="0"/>
+              <a:t>7</a:t>
+            </a:fld>
+            <a:endParaRPr lang="en-US"/>
+          </a:p>
+        </p:txBody>
+      </p:sp>
+    </p:spTree>
+    <p:extLst>
+      <p:ext uri="{BB962C8B-B14F-4D97-AF65-F5344CB8AC3E}">
+        <p14:creationId xmlns:p14="http://schemas.microsoft.com/office/powerpoint/2010/main" val="1208198564"/>
+      </p:ext>
+    </p:extLst>
+  </p:cSld>
+  <p:clrMapOvr>
+    <a:masterClrMapping/>
+  </p:clrMapOvr>
+</p:notes>
+</file>
+
+<file path=ppt/notesSlides/notesSlide6.xml><?xml version="1.0" encoding="utf-8"?>
+<p:notes xmlns:a="http://schemas.openxmlformats.org/drawingml/2006/main" xmlns:r="http://schemas.openxmlformats.org/officeDocument/2006/relationships" xmlns:p="http://schemas.openxmlformats.org/presentationml/2006/main">
+  <p:cSld>
+    <p:spTree>
+      <p:nvGrpSpPr>
+        <p:cNvPr id="1" name=""/>
+        <p:cNvGrpSpPr/>
+        <p:nvPr/>
+      </p:nvGrpSpPr>
+      <p:grpSpPr>
+        <a:xfrm>
+          <a:off x="0" y="0"/>
+          <a:ext cx="0" cy="0"/>
+          <a:chOff x="0" y="0"/>
+          <a:chExt cx="0" cy="0"/>
+        </a:xfrm>
+      </p:grpSpPr>
+      <p:sp>
+        <p:nvSpPr>
+          <p:cNvPr id="2" name="Slide Image Placeholder 1"/>
+          <p:cNvSpPr>
+            <a:spLocks noGrp="1" noRot="1" noChangeAspect="1"/>
+          </p:cNvSpPr>
+          <p:nvPr>
+            <p:ph type="sldImg"/>
+          </p:nvPr>
+        </p:nvSpPr>
+        <p:spPr/>
+      </p:sp>
+      <p:sp>
+        <p:nvSpPr>
+          <p:cNvPr id="3" name="Notes Placeholder 2"/>
+          <p:cNvSpPr>
+            <a:spLocks noGrp="1"/>
+          </p:cNvSpPr>
+          <p:nvPr>
+            <p:ph type="body" idx="1"/>
+          </p:nvPr>
+        </p:nvSpPr>
+        <p:spPr/>
+        <p:txBody>
+          <a:bodyPr/>
+          <a:lstStyle/>
+          <a:p>
+            <a:pPr marL="0" marR="0" indent="0" algn="l" defTabSz="914400" rtl="0" eaLnBrk="1" fontAlgn="auto" latinLnBrk="0" hangingPunct="1">
+              <a:lnSpc>
+                <a:spcPct val="100000"/>
+              </a:lnSpc>
+              <a:spcBef>
+                <a:spcPts val="0"/>
+              </a:spcBef>
+              <a:spcAft>
+                <a:spcPts val="0"/>
+              </a:spcAft>
+              <a:buClrTx/>
+              <a:buSzTx/>
+              <a:buFontTx/>
+              <a:buNone/>
+              <a:tabLst/>
+              <a:defRPr/>
+            </a:pPr>
+            <a:r>
+              <a:rPr lang="en-US" smtClean="0"/>
+              <a:t>-We don’t look at damage the network encounters under single particular node failure, but under any arbitrary single random node failure so this tool is more practical, because in flow networks you never know which node might fail at any given time.</a:t>
+            </a:r>
+          </a:p>
+          <a:p>
+            <a:endParaRPr lang="en-US" dirty="0"/>
+          </a:p>
+        </p:txBody>
+      </p:sp>
+      <p:sp>
+        <p:nvSpPr>
+          <p:cNvPr id="4" name="Slide Number Placeholder 3"/>
+          <p:cNvSpPr>
+            <a:spLocks noGrp="1"/>
+          </p:cNvSpPr>
+          <p:nvPr>
+            <p:ph type="sldNum" sz="quarter" idx="10"/>
+          </p:nvPr>
+        </p:nvSpPr>
+        <p:spPr/>
+        <p:txBody>
+          <a:bodyPr/>
+          <a:lstStyle/>
+          <a:p>
+            <a:fld id="{0FE4AD66-8E5C-48F9-B0A6-E353D58EB762}" type="slidenum">
+              <a:rPr lang="en-US" smtClean="0"/>
+              <a:t>13</a:t>
+            </a:fld>
+            <a:endParaRPr lang="en-US"/>
+          </a:p>
+        </p:txBody>
+      </p:sp>
+    </p:spTree>
+    <p:extLst>
+      <p:ext uri="{BB962C8B-B14F-4D97-AF65-F5344CB8AC3E}">
+        <p14:creationId xmlns:p14="http://schemas.microsoft.com/office/powerpoint/2010/main" val="2901866639"/>
       </p:ext>
     </p:extLst>
   </p:cSld>
@@ -1140,7 +1340,7 @@
           <a:p>
             <a:fld id="{DE87C573-6297-7F47-AFD3-756D08C72035}" type="datetimeFigureOut">
               <a:rPr lang="en-US" smtClean="0"/>
-              <a:t>12/12/2015</a:t>
+              <a:t>12/13/15</a:t>
             </a:fld>
             <a:endParaRPr lang="en-US"/>
           </a:p>
@@ -1348,7 +1548,7 @@
           <a:p>
             <a:fld id="{DE87C573-6297-7F47-AFD3-756D08C72035}" type="datetimeFigureOut">
               <a:rPr lang="en-US" smtClean="0"/>
-              <a:t>12/12/2015</a:t>
+              <a:t>12/13/15</a:t>
             </a:fld>
             <a:endParaRPr lang="en-US"/>
           </a:p>
@@ -1604,7 +1804,7 @@
           <a:p>
             <a:fld id="{DE87C573-6297-7F47-AFD3-756D08C72035}" type="datetimeFigureOut">
               <a:rPr lang="en-US" smtClean="0"/>
-              <a:t>12/12/2015</a:t>
+              <a:t>12/13/15</a:t>
             </a:fld>
             <a:endParaRPr lang="en-US"/>
           </a:p>
@@ -1774,7 +1974,7 @@
           <a:p>
             <a:fld id="{DE87C573-6297-7F47-AFD3-756D08C72035}" type="datetimeFigureOut">
               <a:rPr lang="en-US" smtClean="0"/>
-              <a:t>12/12/2015</a:t>
+              <a:t>12/13/15</a:t>
             </a:fld>
             <a:endParaRPr lang="en-US"/>
           </a:p>
@@ -2117,7 +2317,7 @@
           <a:p>
             <a:fld id="{DE87C573-6297-7F47-AFD3-756D08C72035}" type="datetimeFigureOut">
               <a:rPr lang="en-US" smtClean="0"/>
-              <a:t>12/12/2015</a:t>
+              <a:t>12/13/15</a:t>
             </a:fld>
             <a:endParaRPr lang="en-US"/>
           </a:p>
@@ -2392,7 +2592,7 @@
           <a:p>
             <a:fld id="{DE87C573-6297-7F47-AFD3-756D08C72035}" type="datetimeFigureOut">
               <a:rPr lang="en-US" smtClean="0"/>
-              <a:t>12/12/2015</a:t>
+              <a:t>12/13/15</a:t>
             </a:fld>
             <a:endParaRPr lang="en-US"/>
           </a:p>
@@ -2771,7 +2971,7 @@
           <a:p>
             <a:fld id="{DE87C573-6297-7F47-AFD3-756D08C72035}" type="datetimeFigureOut">
               <a:rPr lang="en-US" smtClean="0"/>
-              <a:t>12/12/2015</a:t>
+              <a:t>12/13/15</a:t>
             </a:fld>
             <a:endParaRPr lang="en-US"/>
           </a:p>
@@ -2889,7 +3089,7 @@
           <a:p>
             <a:fld id="{DE87C573-6297-7F47-AFD3-756D08C72035}" type="datetimeFigureOut">
               <a:rPr lang="en-US" smtClean="0"/>
-              <a:t>12/12/2015</a:t>
+              <a:t>12/13/15</a:t>
             </a:fld>
             <a:endParaRPr lang="en-US"/>
           </a:p>
@@ -3060,7 +3260,7 @@
           <a:p>
             <a:fld id="{DE87C573-6297-7F47-AFD3-756D08C72035}" type="datetimeFigureOut">
               <a:rPr lang="en-US" smtClean="0"/>
-              <a:t>12/12/2015</a:t>
+              <a:t>12/13/15</a:t>
             </a:fld>
             <a:endParaRPr lang="en-US"/>
           </a:p>
@@ -3414,7 +3614,7 @@
           <a:p>
             <a:fld id="{DE87C573-6297-7F47-AFD3-756D08C72035}" type="datetimeFigureOut">
               <a:rPr lang="en-US" smtClean="0"/>
-              <a:t>12/12/2015</a:t>
+              <a:t>12/13/15</a:t>
             </a:fld>
             <a:endParaRPr lang="en-US"/>
           </a:p>
@@ -3796,7 +3996,7 @@
           <a:p>
             <a:fld id="{DE87C573-6297-7F47-AFD3-756D08C72035}" type="datetimeFigureOut">
               <a:rPr lang="en-US" smtClean="0"/>
-              <a:t>12/12/2015</a:t>
+              <a:t>12/13/15</a:t>
             </a:fld>
             <a:endParaRPr lang="en-US"/>
           </a:p>
@@ -4083,7 +4283,7 @@
           <a:p>
             <a:fld id="{DE87C573-6297-7F47-AFD3-756D08C72035}" type="datetimeFigureOut">
               <a:rPr lang="en-US" smtClean="0"/>
-              <a:t>12/12/2015</a:t>
+              <a:t>12/13/15</a:t>
             </a:fld>
             <a:endParaRPr lang="en-US"/>
           </a:p>
@@ -4643,7 +4843,6 @@
               <a:rPr lang="en-US" dirty="0"/>
               <a:t>Attack Models</a:t>
             </a:r>
-            <a:endParaRPr lang="en-US" dirty="0"/>
           </a:p>
         </p:txBody>
       </p:sp>
@@ -4678,7 +4877,6 @@
               <a:rPr lang="en-US" dirty="0"/>
               <a:t>, Manish Jung &amp; Acharya, Dinesh</a:t>
             </a:r>
-            <a:endParaRPr lang="en-US" dirty="0"/>
           </a:p>
         </p:txBody>
       </p:sp>
@@ -4695,7 +4893,7 @@
   <p:timing>
     <p:tnLst>
       <p:par>
-        <p:cTn id="1" dur="indefinite" restart="never" nodeType="tmRoot"/>
+        <p:cTn xmlns:p14="http://schemas.microsoft.com/office/powerpoint/2010/main" id="1" dur="indefinite" restart="never" nodeType="tmRoot"/>
       </p:par>
     </p:tnLst>
   </p:timing>
@@ -4719,15 +4917,155 @@
           <a:chExt cx="0" cy="0"/>
         </a:xfrm>
       </p:grpSpPr>
+      <p:sp>
+        <p:nvSpPr>
+          <p:cNvPr id="2" name="Title 1"/>
+          <p:cNvSpPr>
+            <a:spLocks noGrp="1"/>
+          </p:cNvSpPr>
+          <p:nvPr>
+            <p:ph type="title"/>
+          </p:nvPr>
+        </p:nvSpPr>
+        <p:spPr/>
+        <p:txBody>
+          <a:bodyPr/>
+          <a:lstStyle/>
+          <a:p>
+            <a:r>
+              <a:rPr lang="en-US" dirty="0" smtClean="0"/>
+              <a:t>Evolution Plot</a:t>
+            </a:r>
+            <a:endParaRPr lang="en-US" dirty="0"/>
+          </a:p>
+        </p:txBody>
+      </p:sp>
+      <p:sp>
+        <p:nvSpPr>
+          <p:cNvPr id="3" name="TextBox 2"/>
+          <p:cNvSpPr txBox="1"/>
+          <p:nvPr/>
+        </p:nvSpPr>
+        <p:spPr>
+          <a:xfrm>
+            <a:off x="6165639" y="1808785"/>
+            <a:ext cx="3270584" cy="3416320"/>
+          </a:xfrm>
+          <a:prstGeom prst="rect">
+            <a:avLst/>
+          </a:prstGeom>
+          <a:noFill/>
+        </p:spPr>
+        <p:txBody>
+          <a:bodyPr wrap="none" rtlCol="0">
+            <a:spAutoFit/>
+          </a:bodyPr>
+          <a:lstStyle/>
+          <a:p>
+            <a:pPr>
+              <a:buFont typeface="Wingdings" panose="05000000000000000000" pitchFamily="2" charset="2"/>
+              <a:buChar char="Ø"/>
+            </a:pPr>
+            <a:r>
+              <a:rPr lang="en-US" dirty="0" smtClean="0"/>
+              <a:t>A node is infected</a:t>
+            </a:r>
+            <a:br>
+              <a:rPr lang="en-US" dirty="0" smtClean="0"/>
+            </a:br>
+            <a:endParaRPr lang="en-US" dirty="0" smtClean="0"/>
+          </a:p>
+          <a:p>
+            <a:pPr>
+              <a:buFont typeface="Wingdings" panose="05000000000000000000" pitchFamily="2" charset="2"/>
+              <a:buChar char="Ø"/>
+            </a:pPr>
+            <a:r>
+              <a:rPr lang="en-US" dirty="0" smtClean="0"/>
+              <a:t>The evolution of other nodes</a:t>
+            </a:r>
+            <a:br>
+              <a:rPr lang="en-US" dirty="0" smtClean="0"/>
+            </a:br>
+            <a:r>
+              <a:rPr lang="en-US" dirty="0" smtClean="0"/>
+              <a:t>health recorded in each iteration</a:t>
+            </a:r>
+            <a:br>
+              <a:rPr lang="en-US" dirty="0" smtClean="0"/>
+            </a:br>
+            <a:endParaRPr lang="en-US" dirty="0" smtClean="0"/>
+          </a:p>
+          <a:p>
+            <a:pPr>
+              <a:buFont typeface="Wingdings" panose="05000000000000000000" pitchFamily="2" charset="2"/>
+              <a:buChar char="Ø"/>
+            </a:pPr>
+            <a:r>
+              <a:rPr lang="en-US" dirty="0" smtClean="0"/>
+              <a:t>This process is repeated for</a:t>
+            </a:r>
+            <a:br>
+              <a:rPr lang="en-US" dirty="0" smtClean="0"/>
+            </a:br>
+            <a:r>
+              <a:rPr lang="en-US" dirty="0" smtClean="0"/>
+              <a:t>all other nodes</a:t>
+            </a:r>
+            <a:br>
+              <a:rPr lang="en-US" dirty="0" smtClean="0"/>
+            </a:br>
+            <a:endParaRPr lang="en-US" dirty="0"/>
+          </a:p>
+          <a:p>
+            <a:pPr>
+              <a:buFont typeface="Wingdings" panose="05000000000000000000" pitchFamily="2" charset="2"/>
+              <a:buChar char="Ø"/>
+            </a:pPr>
+            <a:r>
+              <a:rPr lang="en-US" dirty="0" smtClean="0"/>
+              <a:t>Each of this plots corresponds</a:t>
+            </a:r>
+            <a:br>
+              <a:rPr lang="en-US" dirty="0" smtClean="0"/>
+            </a:br>
+            <a:r>
+              <a:rPr lang="en-US" dirty="0" smtClean="0"/>
+              <a:t>to CPD of node health for each</a:t>
+            </a:r>
+            <a:br>
+              <a:rPr lang="en-US" dirty="0" smtClean="0"/>
+            </a:br>
+            <a:r>
+              <a:rPr lang="en-US" dirty="0" smtClean="0"/>
+              <a:t> iteration</a:t>
+            </a:r>
+            <a:endParaRPr lang="en-US" dirty="0"/>
+          </a:p>
+          <a:p>
+            <a:pPr>
+              <a:buFont typeface="Wingdings" panose="05000000000000000000" pitchFamily="2" charset="2"/>
+              <a:buChar char="Ø"/>
+            </a:pPr>
+            <a:endParaRPr lang="en-US" dirty="0">
+              <a:solidFill>
+                <a:srgbClr val="00B050"/>
+              </a:solidFill>
+            </a:endParaRPr>
+          </a:p>
+        </p:txBody>
+      </p:sp>
       <p:pic>
         <p:nvPicPr>
-          <p:cNvPr id="4" name="Picture 3" descr="smallworld_evolution_20beta0.jpg"/>
+          <p:cNvPr id="5" name="Content Placeholder 4" descr="evolution.jpg"/>
           <p:cNvPicPr>
-            <a:picLocks noChangeAspect="1"/>
+            <a:picLocks noGrp="1" noChangeAspect="1"/>
           </p:cNvPicPr>
-          <p:nvPr/>
+          <p:nvPr>
+            <p:ph idx="1"/>
+          </p:nvPr>
         </p:nvPicPr>
-        <p:blipFill>
+        <p:blipFill rotWithShape="1">
           <a:blip r:embed="rId2">
             <a:extLst>
               <a:ext uri="{28A0092B-C50C-407E-A947-70E740481C1C}">
@@ -4735,24 +5073,20 @@
               </a:ext>
             </a:extLst>
           </a:blip>
-          <a:stretch>
-            <a:fillRect/>
-          </a:stretch>
+          <a:srcRect l="4625" t="7146" r="4363"/>
+          <a:stretch/>
         </p:blipFill>
         <p:spPr>
           <a:xfrm>
-            <a:off x="951165" y="643986"/>
-            <a:ext cx="7112000" cy="5334000"/>
+            <a:off x="392653" y="1808785"/>
+            <a:ext cx="5888446" cy="4217942"/>
           </a:xfrm>
-          <a:prstGeom prst="rect">
-            <a:avLst/>
-          </a:prstGeom>
         </p:spPr>
       </p:pic>
     </p:spTree>
     <p:extLst>
       <p:ext uri="{BB962C8B-B14F-4D97-AF65-F5344CB8AC3E}">
-        <p14:creationId xmlns:p14="http://schemas.microsoft.com/office/powerpoint/2010/main" val="2198523634"/>
+        <p14:creationId xmlns:p14="http://schemas.microsoft.com/office/powerpoint/2010/main" val="1053937380"/>
       </p:ext>
     </p:extLst>
   </p:cSld>
@@ -4762,7 +5096,7 @@
   <p:timing>
     <p:tnLst>
       <p:par>
-        <p:cTn id="1" dur="indefinite" restart="never" nodeType="tmRoot"/>
+        <p:cTn xmlns:p14="http://schemas.microsoft.com/office/powerpoint/2010/main" id="1" dur="indefinite" restart="never" nodeType="tmRoot"/>
       </p:par>
     </p:tnLst>
   </p:timing>
@@ -4786,15 +5120,169 @@
           <a:chExt cx="0" cy="0"/>
         </a:xfrm>
       </p:grpSpPr>
+      <p:sp>
+        <p:nvSpPr>
+          <p:cNvPr id="2" name="Title 1"/>
+          <p:cNvSpPr>
+            <a:spLocks noGrp="1"/>
+          </p:cNvSpPr>
+          <p:nvPr>
+            <p:ph type="title"/>
+          </p:nvPr>
+        </p:nvSpPr>
+        <p:spPr/>
+        <p:txBody>
+          <a:bodyPr/>
+          <a:lstStyle/>
+          <a:p>
+            <a:r>
+              <a:rPr lang="en-US" dirty="0" smtClean="0"/>
+              <a:t>Average Node Health </a:t>
+            </a:r>
+            <a:endParaRPr lang="en-US" dirty="0"/>
+          </a:p>
+        </p:txBody>
+      </p:sp>
+      <p:sp>
+        <p:nvSpPr>
+          <p:cNvPr id="3" name="TextBox 2"/>
+          <p:cNvSpPr txBox="1"/>
+          <p:nvPr/>
+        </p:nvSpPr>
+        <p:spPr>
+          <a:xfrm>
+            <a:off x="5996985" y="1737361"/>
+            <a:ext cx="3544560" cy="3970318"/>
+          </a:xfrm>
+          <a:prstGeom prst="rect">
+            <a:avLst/>
+          </a:prstGeom>
+          <a:noFill/>
+        </p:spPr>
+        <p:txBody>
+          <a:bodyPr wrap="none" rtlCol="0">
+            <a:spAutoFit/>
+          </a:bodyPr>
+          <a:lstStyle/>
+          <a:p>
+            <a:pPr>
+              <a:buFont typeface="Wingdings" panose="05000000000000000000" pitchFamily="2" charset="2"/>
+              <a:buChar char="Ø"/>
+            </a:pPr>
+            <a:r>
+              <a:rPr lang="en-US" dirty="0" smtClean="0"/>
+              <a:t>Represents the damage plot</a:t>
+            </a:r>
+            <a:br>
+              <a:rPr lang="en-US" dirty="0" smtClean="0"/>
+            </a:br>
+            <a:r>
+              <a:rPr lang="en-US" dirty="0" smtClean="0"/>
+              <a:t>for each of the network</a:t>
+            </a:r>
+            <a:br>
+              <a:rPr lang="en-US" dirty="0" smtClean="0"/>
+            </a:br>
+            <a:endParaRPr lang="en-US" dirty="0"/>
+          </a:p>
+          <a:p>
+            <a:pPr>
+              <a:buFont typeface="Wingdings" panose="05000000000000000000" pitchFamily="2" charset="2"/>
+              <a:buChar char="Ø"/>
+            </a:pPr>
+            <a:r>
+              <a:rPr lang="en-US" dirty="0" smtClean="0"/>
+              <a:t>This quantifies the robustness</a:t>
+            </a:r>
+            <a:br>
+              <a:rPr lang="en-US" dirty="0" smtClean="0"/>
+            </a:br>
+            <a:r>
+              <a:rPr lang="en-US" dirty="0" smtClean="0"/>
+              <a:t>of network in each iteration</a:t>
+            </a:r>
+            <a:br>
+              <a:rPr lang="en-US" dirty="0" smtClean="0"/>
+            </a:br>
+            <a:endParaRPr lang="en-US" dirty="0"/>
+          </a:p>
+          <a:p>
+            <a:pPr>
+              <a:buFont typeface="Wingdings" panose="05000000000000000000" pitchFamily="2" charset="2"/>
+              <a:buChar char="Ø"/>
+            </a:pPr>
+            <a:r>
+              <a:rPr lang="en-US" dirty="0" smtClean="0"/>
+              <a:t>It is calculated as the are between</a:t>
+            </a:r>
+            <a:br>
+              <a:rPr lang="en-US" dirty="0" smtClean="0"/>
+            </a:br>
+            <a:r>
+              <a:rPr lang="en-US" dirty="0" smtClean="0"/>
+              <a:t>two neighboring plots</a:t>
+            </a:r>
+            <a:br>
+              <a:rPr lang="en-US" dirty="0" smtClean="0"/>
+            </a:br>
+            <a:endParaRPr lang="en-US" dirty="0"/>
+          </a:p>
+          <a:p>
+            <a:pPr>
+              <a:buFont typeface="Wingdings" panose="05000000000000000000" pitchFamily="2" charset="2"/>
+              <a:buChar char="Ø"/>
+            </a:pPr>
+            <a:r>
+              <a:rPr lang="en-US" dirty="0" smtClean="0"/>
+              <a:t>Bigger are signifies more damage</a:t>
+            </a:r>
+            <a:br>
+              <a:rPr lang="en-US" dirty="0" smtClean="0"/>
+            </a:br>
+            <a:r>
+              <a:rPr lang="en-US" dirty="0" smtClean="0"/>
+              <a:t>occurs in that iteration</a:t>
+            </a:r>
+            <a:br>
+              <a:rPr lang="en-US" dirty="0" smtClean="0"/>
+            </a:br>
+            <a:endParaRPr lang="en-US" dirty="0" smtClean="0"/>
+          </a:p>
+          <a:p>
+            <a:pPr>
+              <a:buFont typeface="Wingdings" panose="05000000000000000000" pitchFamily="2" charset="2"/>
+              <a:buChar char="Ø"/>
+            </a:pPr>
+            <a:r>
+              <a:rPr lang="en-US" dirty="0" smtClean="0"/>
+              <a:t>We call this average node health</a:t>
+            </a:r>
+            <a:endParaRPr lang="en-US" dirty="0"/>
+          </a:p>
+          <a:p>
+            <a:pPr>
+              <a:buFont typeface="Wingdings" panose="05000000000000000000" pitchFamily="2" charset="2"/>
+              <a:buChar char="Ø"/>
+            </a:pPr>
+            <a:endParaRPr lang="en-US" dirty="0">
+              <a:solidFill>
+                <a:srgbClr val="00B050"/>
+              </a:solidFill>
+            </a:endParaRPr>
+          </a:p>
+        </p:txBody>
+      </p:sp>
       <p:pic>
         <p:nvPicPr>
-          <p:cNvPr id="3" name="Picture 2" descr="beta0.jpg"/>
+          <p:cNvPr id="6" name="Content Placeholder 5" descr="average node health.png"/>
           <p:cNvPicPr>
-            <a:picLocks noChangeAspect="1"/>
+            <a:picLocks noGrp="1" noChangeAspect="1"/>
           </p:cNvPicPr>
-          <p:nvPr/>
+          <p:nvPr>
+            <p:ph idx="1"/>
+          </p:nvPr>
         </p:nvPicPr>
-        <p:blipFill>
+        <p:blipFill rotWithShape="1">
           <a:blip r:embed="rId2">
             <a:extLst>
               <a:ext uri="{28A0092B-C50C-407E-A947-70E740481C1C}">
@@ -4802,114 +5290,260 @@
               </a:ext>
             </a:extLst>
           </a:blip>
-          <a:stretch>
-            <a:fillRect/>
-          </a:stretch>
+          <a:srcRect l="-1082" r="-308"/>
+          <a:stretch/>
         </p:blipFill>
         <p:spPr>
           <a:xfrm>
-            <a:off x="0" y="0"/>
-            <a:ext cx="4784909" cy="3588682"/>
+            <a:off x="560806" y="1737361"/>
+            <a:ext cx="5104866" cy="4349475"/>
+          </a:xfrm>
+        </p:spPr>
+      </p:pic>
+      <p:sp>
+        <p:nvSpPr>
+          <p:cNvPr id="8" name="TextBox 7"/>
+          <p:cNvSpPr txBox="1"/>
+          <p:nvPr/>
+        </p:nvSpPr>
+        <p:spPr>
+          <a:xfrm rot="16200000">
+            <a:off x="-57539" y="2340862"/>
+            <a:ext cx="1484000" cy="276999"/>
           </a:xfrm>
           <a:prstGeom prst="rect">
             <a:avLst/>
           </a:prstGeom>
+          <a:noFill/>
         </p:spPr>
-      </p:pic>
-      <p:pic>
-        <p:nvPicPr>
-          <p:cNvPr id="5" name="Picture 4" descr="beta0.50.jpg"/>
-          <p:cNvPicPr>
-            <a:picLocks noChangeAspect="1"/>
-          </p:cNvPicPr>
+        <p:txBody>
+          <a:bodyPr wrap="none" rtlCol="0">
+            <a:spAutoFit/>
+          </a:bodyPr>
+          <a:lstStyle/>
+          <a:p>
+            <a:r>
+              <a:rPr lang="en-US" sz="1200" dirty="0" smtClean="0"/>
+              <a:t>Average node health</a:t>
+            </a:r>
+            <a:endParaRPr lang="en-US" sz="1200" dirty="0"/>
+          </a:p>
+        </p:txBody>
+      </p:sp>
+      <p:sp>
+        <p:nvSpPr>
+          <p:cNvPr id="9" name="TextBox 8"/>
+          <p:cNvSpPr txBox="1"/>
           <p:nvPr/>
-        </p:nvPicPr>
-        <p:blipFill>
-          <a:blip r:embed="rId3">
-            <a:extLst>
-              <a:ext uri="{28A0092B-C50C-407E-A947-70E740481C1C}">
-                <a14:useLocalDpi xmlns:a14="http://schemas.microsoft.com/office/drawing/2010/main" val="0"/>
-              </a:ext>
-            </a:extLst>
-          </a:blip>
-          <a:stretch>
-            <a:fillRect/>
-          </a:stretch>
-        </p:blipFill>
+        </p:nvSpPr>
         <p:spPr>
-          <a:xfrm>
-            <a:off x="4461920" y="0"/>
-            <a:ext cx="4682079" cy="3588682"/>
+          <a:xfrm rot="16200000">
+            <a:off x="-57539" y="4656698"/>
+            <a:ext cx="1484000" cy="276999"/>
           </a:xfrm>
           <a:prstGeom prst="rect">
             <a:avLst/>
           </a:prstGeom>
+          <a:noFill/>
         </p:spPr>
-      </p:pic>
-      <p:pic>
-        <p:nvPicPr>
-          <p:cNvPr id="6" name="Picture 5" descr="beta0.15.jpg"/>
-          <p:cNvPicPr>
-            <a:picLocks noChangeAspect="1"/>
-          </p:cNvPicPr>
+        <p:txBody>
+          <a:bodyPr wrap="none" rtlCol="0">
+            <a:spAutoFit/>
+          </a:bodyPr>
+          <a:lstStyle/>
+          <a:p>
+            <a:r>
+              <a:rPr lang="en-US" sz="1200" dirty="0" smtClean="0"/>
+              <a:t>Average node health</a:t>
+            </a:r>
+            <a:endParaRPr lang="en-US" sz="1200" dirty="0"/>
+          </a:p>
+        </p:txBody>
+      </p:sp>
+      <p:sp>
+        <p:nvSpPr>
+          <p:cNvPr id="10" name="TextBox 9"/>
+          <p:cNvSpPr txBox="1"/>
           <p:nvPr/>
-        </p:nvPicPr>
-        <p:blipFill>
-          <a:blip r:embed="rId4">
-            <a:extLst>
-              <a:ext uri="{28A0092B-C50C-407E-A947-70E740481C1C}">
-                <a14:useLocalDpi xmlns:a14="http://schemas.microsoft.com/office/drawing/2010/main" val="0"/>
-              </a:ext>
-            </a:extLst>
-          </a:blip>
-          <a:stretch>
-            <a:fillRect/>
-          </a:stretch>
-        </p:blipFill>
+        </p:nvSpPr>
         <p:spPr>
-          <a:xfrm>
-            <a:off x="0" y="3346442"/>
-            <a:ext cx="4682077" cy="3511558"/>
+          <a:xfrm rot="16200000">
+            <a:off x="2554486" y="2340862"/>
+            <a:ext cx="1484000" cy="276999"/>
           </a:xfrm>
           <a:prstGeom prst="rect">
             <a:avLst/>
           </a:prstGeom>
+          <a:noFill/>
         </p:spPr>
-      </p:pic>
-      <p:pic>
-        <p:nvPicPr>
-          <p:cNvPr id="7" name="Picture 6" descr="beta1.jpg"/>
-          <p:cNvPicPr>
-            <a:picLocks noChangeAspect="1"/>
-          </p:cNvPicPr>
+        <p:txBody>
+          <a:bodyPr wrap="none" rtlCol="0">
+            <a:spAutoFit/>
+          </a:bodyPr>
+          <a:lstStyle/>
+          <a:p>
+            <a:r>
+              <a:rPr lang="en-US" sz="1200" dirty="0" smtClean="0"/>
+              <a:t>Average node health</a:t>
+            </a:r>
+            <a:endParaRPr lang="en-US" sz="1200" dirty="0"/>
+          </a:p>
+        </p:txBody>
+      </p:sp>
+      <p:sp>
+        <p:nvSpPr>
+          <p:cNvPr id="11" name="TextBox 10"/>
+          <p:cNvSpPr txBox="1"/>
           <p:nvPr/>
-        </p:nvPicPr>
-        <p:blipFill>
-          <a:blip r:embed="rId5">
-            <a:extLst>
-              <a:ext uri="{28A0092B-C50C-407E-A947-70E740481C1C}">
-                <a14:useLocalDpi xmlns:a14="http://schemas.microsoft.com/office/drawing/2010/main" val="0"/>
-              </a:ext>
-            </a:extLst>
-          </a:blip>
-          <a:stretch>
-            <a:fillRect/>
-          </a:stretch>
-        </p:blipFill>
+        </p:nvSpPr>
         <p:spPr>
-          <a:xfrm>
-            <a:off x="4461920" y="3346440"/>
-            <a:ext cx="4682079" cy="3511559"/>
+          <a:xfrm rot="16200000">
+            <a:off x="2554487" y="4627700"/>
+            <a:ext cx="1484000" cy="276999"/>
           </a:xfrm>
           <a:prstGeom prst="rect">
             <a:avLst/>
           </a:prstGeom>
+          <a:noFill/>
         </p:spPr>
-      </p:pic>
+        <p:txBody>
+          <a:bodyPr wrap="none" rtlCol="0">
+            <a:spAutoFit/>
+          </a:bodyPr>
+          <a:lstStyle/>
+          <a:p>
+            <a:r>
+              <a:rPr lang="en-US" sz="1200" dirty="0" smtClean="0"/>
+              <a:t>Average node health</a:t>
+            </a:r>
+            <a:endParaRPr lang="en-US" sz="1200" dirty="0"/>
+          </a:p>
+        </p:txBody>
+      </p:sp>
+      <p:sp>
+        <p:nvSpPr>
+          <p:cNvPr id="12" name="TextBox 11"/>
+          <p:cNvSpPr txBox="1"/>
+          <p:nvPr/>
+        </p:nvSpPr>
+        <p:spPr>
+          <a:xfrm>
+            <a:off x="1562315" y="5673150"/>
+            <a:ext cx="723200" cy="276999"/>
+          </a:xfrm>
+          <a:prstGeom prst="rect">
+            <a:avLst/>
+          </a:prstGeom>
+          <a:noFill/>
+        </p:spPr>
+        <p:txBody>
+          <a:bodyPr wrap="none" rtlCol="0">
+            <a:spAutoFit/>
+          </a:bodyPr>
+          <a:lstStyle/>
+          <a:p>
+            <a:r>
+              <a:rPr lang="en-US" sz="1200" dirty="0" smtClean="0"/>
+              <a:t>iteration</a:t>
+            </a:r>
+            <a:endParaRPr lang="en-US" sz="1200" dirty="0"/>
+          </a:p>
+        </p:txBody>
+      </p:sp>
+      <p:sp>
+        <p:nvSpPr>
+          <p:cNvPr id="13" name="TextBox 12"/>
+          <p:cNvSpPr txBox="1"/>
+          <p:nvPr/>
+        </p:nvSpPr>
+        <p:spPr>
+          <a:xfrm>
+            <a:off x="4176998" y="3429809"/>
+            <a:ext cx="723200" cy="276999"/>
+          </a:xfrm>
+          <a:prstGeom prst="rect">
+            <a:avLst/>
+          </a:prstGeom>
+          <a:noFill/>
+        </p:spPr>
+        <p:txBody>
+          <a:bodyPr wrap="none" rtlCol="0">
+            <a:spAutoFit/>
+          </a:bodyPr>
+          <a:lstStyle/>
+          <a:p>
+            <a:r>
+              <a:rPr lang="en-US" sz="1200" dirty="0" smtClean="0"/>
+              <a:t>iteration</a:t>
+            </a:r>
+            <a:endParaRPr lang="en-US" sz="1200" dirty="0"/>
+          </a:p>
+        </p:txBody>
+      </p:sp>
+      <p:sp>
+        <p:nvSpPr>
+          <p:cNvPr id="14" name="TextBox 13"/>
+          <p:cNvSpPr txBox="1"/>
+          <p:nvPr/>
+        </p:nvSpPr>
+        <p:spPr>
+          <a:xfrm>
+            <a:off x="4176998" y="5656655"/>
+            <a:ext cx="723200" cy="276999"/>
+          </a:xfrm>
+          <a:prstGeom prst="rect">
+            <a:avLst/>
+          </a:prstGeom>
+          <a:noFill/>
+        </p:spPr>
+        <p:txBody>
+          <a:bodyPr wrap="none" rtlCol="0">
+            <a:spAutoFit/>
+          </a:bodyPr>
+          <a:lstStyle/>
+          <a:p>
+            <a:r>
+              <a:rPr lang="en-US" sz="1200" dirty="0" smtClean="0"/>
+              <a:t>iteration</a:t>
+            </a:r>
+            <a:endParaRPr lang="en-US" sz="1200" dirty="0"/>
+          </a:p>
+        </p:txBody>
+      </p:sp>
+      <p:sp>
+        <p:nvSpPr>
+          <p:cNvPr id="15" name="TextBox 14"/>
+          <p:cNvSpPr txBox="1"/>
+          <p:nvPr/>
+        </p:nvSpPr>
+        <p:spPr>
+          <a:xfrm>
+            <a:off x="1562315" y="3446304"/>
+            <a:ext cx="723200" cy="276999"/>
+          </a:xfrm>
+          <a:prstGeom prst="rect">
+            <a:avLst/>
+          </a:prstGeom>
+          <a:noFill/>
+        </p:spPr>
+        <p:txBody>
+          <a:bodyPr wrap="none" rtlCol="0">
+            <a:spAutoFit/>
+          </a:bodyPr>
+          <a:lstStyle/>
+          <a:p>
+            <a:r>
+              <a:rPr lang="en-US" sz="1200" dirty="0" smtClean="0"/>
+              <a:t>iteration</a:t>
+            </a:r>
+            <a:endParaRPr lang="en-US" sz="1200" dirty="0"/>
+          </a:p>
+        </p:txBody>
+      </p:sp>
     </p:spTree>
     <p:extLst>
       <p:ext uri="{BB962C8B-B14F-4D97-AF65-F5344CB8AC3E}">
-        <p14:creationId xmlns:p14="http://schemas.microsoft.com/office/powerpoint/2010/main" val="3818996291"/>
+        <p14:creationId xmlns:p14="http://schemas.microsoft.com/office/powerpoint/2010/main" val="696914910"/>
       </p:ext>
     </p:extLst>
   </p:cSld>
@@ -4919,7 +5553,7 @@
   <p:timing>
     <p:tnLst>
       <p:par>
-        <p:cTn id="1" dur="indefinite" restart="never" nodeType="tmRoot"/>
+        <p:cTn xmlns:p14="http://schemas.microsoft.com/office/powerpoint/2010/main" id="1" dur="indefinite" restart="never" nodeType="tmRoot"/>
       </p:par>
     </p:tnLst>
   </p:timing>
@@ -4943,15 +5577,40 @@
           <a:chExt cx="0" cy="0"/>
         </a:xfrm>
       </p:grpSpPr>
+      <p:sp>
+        <p:nvSpPr>
+          <p:cNvPr id="2" name="Title 1"/>
+          <p:cNvSpPr>
+            <a:spLocks noGrp="1"/>
+          </p:cNvSpPr>
+          <p:nvPr>
+            <p:ph type="title"/>
+          </p:nvPr>
+        </p:nvSpPr>
+        <p:spPr/>
+        <p:txBody>
+          <a:bodyPr/>
+          <a:lstStyle/>
+          <a:p>
+            <a:r>
+              <a:rPr lang="en-US" dirty="0" smtClean="0"/>
+              <a:t>Robustness Metric</a:t>
+            </a:r>
+            <a:endParaRPr lang="en-US" dirty="0"/>
+          </a:p>
+        </p:txBody>
+      </p:sp>
       <p:pic>
         <p:nvPicPr>
-          <p:cNvPr id="2" name="Picture 1" descr="robusntess_small_world.jpg"/>
+          <p:cNvPr id="5" name="Content Placeholder 4" descr="robustness.png"/>
           <p:cNvPicPr>
-            <a:picLocks noChangeAspect="1"/>
+            <a:picLocks noGrp="1" noChangeAspect="1"/>
           </p:cNvPicPr>
-          <p:nvPr/>
+          <p:nvPr>
+            <p:ph idx="1"/>
+          </p:nvPr>
         </p:nvPicPr>
-        <p:blipFill>
+        <p:blipFill rotWithShape="1">
           <a:blip r:embed="rId2">
             <a:extLst>
               <a:ext uri="{28A0092B-C50C-407E-A947-70E740481C1C}">
@@ -4959,24 +5618,138 @@
               </a:ext>
             </a:extLst>
           </a:blip>
-          <a:stretch>
-            <a:fillRect/>
-          </a:stretch>
+          <a:srcRect l="1" r="-2954"/>
+          <a:stretch/>
         </p:blipFill>
         <p:spPr>
           <a:xfrm>
-            <a:off x="0" y="281640"/>
-            <a:ext cx="9115772" cy="6393604"/>
+            <a:off x="674513" y="1737361"/>
+            <a:ext cx="5033434" cy="4023360"/>
+          </a:xfrm>
+        </p:spPr>
+      </p:pic>
+      <p:sp>
+        <p:nvSpPr>
+          <p:cNvPr id="7" name="TextBox 6"/>
+          <p:cNvSpPr txBox="1"/>
+          <p:nvPr/>
+        </p:nvSpPr>
+        <p:spPr>
+          <a:xfrm>
+            <a:off x="6020401" y="2170974"/>
+            <a:ext cx="3416320" cy="3693319"/>
           </a:xfrm>
           <a:prstGeom prst="rect">
             <a:avLst/>
           </a:prstGeom>
+          <a:noFill/>
         </p:spPr>
-      </p:pic>
+        <p:txBody>
+          <a:bodyPr wrap="none" rtlCol="0">
+            <a:spAutoFit/>
+          </a:bodyPr>
+          <a:lstStyle/>
+          <a:p>
+            <a:pPr>
+              <a:buFont typeface="Wingdings" panose="05000000000000000000" pitchFamily="2" charset="2"/>
+              <a:buChar char="Ø"/>
+            </a:pPr>
+            <a:r>
+              <a:rPr lang="en-US" dirty="0" smtClean="0"/>
+              <a:t>This plot quantifies the </a:t>
+            </a:r>
+            <a:br>
+              <a:rPr lang="en-US" dirty="0" smtClean="0"/>
+            </a:br>
+            <a:r>
+              <a:rPr lang="en-US" dirty="0" smtClean="0"/>
+              <a:t>final robustness metric of network</a:t>
+            </a:r>
+            <a:br>
+              <a:rPr lang="en-US" dirty="0" smtClean="0"/>
+            </a:br>
+            <a:endParaRPr lang="en-US" dirty="0"/>
+          </a:p>
+          <a:p>
+            <a:pPr>
+              <a:buFont typeface="Wingdings" panose="05000000000000000000" pitchFamily="2" charset="2"/>
+              <a:buChar char="Ø"/>
+            </a:pPr>
+            <a:r>
+              <a:rPr lang="en-US" dirty="0" smtClean="0"/>
+              <a:t>It is defined as the average </a:t>
+            </a:r>
+            <a:br>
+              <a:rPr lang="en-US" dirty="0" smtClean="0"/>
+            </a:br>
+            <a:r>
+              <a:rPr lang="en-US" dirty="0" smtClean="0"/>
+              <a:t>of ‘average node health’</a:t>
+            </a:r>
+            <a:br>
+              <a:rPr lang="en-US" dirty="0" smtClean="0"/>
+            </a:br>
+            <a:endParaRPr lang="en-US" dirty="0"/>
+          </a:p>
+          <a:p>
+            <a:pPr>
+              <a:buFont typeface="Wingdings" panose="05000000000000000000" pitchFamily="2" charset="2"/>
+              <a:buChar char="Ø"/>
+            </a:pPr>
+            <a:r>
+              <a:rPr lang="en-US" dirty="0" smtClean="0"/>
+              <a:t>The network with beta=0 is the</a:t>
+            </a:r>
+            <a:br>
+              <a:rPr lang="en-US" dirty="0" smtClean="0"/>
+            </a:br>
+            <a:r>
+              <a:rPr lang="en-US" dirty="0" smtClean="0"/>
+              <a:t>least robust, while beta=1 is </a:t>
+            </a:r>
+            <a:br>
+              <a:rPr lang="en-US" dirty="0" smtClean="0"/>
+            </a:br>
+            <a:r>
+              <a:rPr lang="en-US" dirty="0" smtClean="0"/>
+              <a:t>the most robust</a:t>
+            </a:r>
+            <a:br>
+              <a:rPr lang="en-US" dirty="0" smtClean="0"/>
+            </a:br>
+            <a:endParaRPr lang="en-US" dirty="0"/>
+          </a:p>
+          <a:p>
+            <a:pPr>
+              <a:buFont typeface="Wingdings" panose="05000000000000000000" pitchFamily="2" charset="2"/>
+              <a:buChar char="Ø"/>
+            </a:pPr>
+            <a:r>
+              <a:rPr lang="en-US" dirty="0"/>
+              <a:t/>
+            </a:r>
+            <a:br>
+              <a:rPr lang="en-US" dirty="0"/>
+            </a:br>
+            <a:endParaRPr lang="en-US" dirty="0"/>
+          </a:p>
+          <a:p>
+            <a:pPr>
+              <a:buFont typeface="Wingdings" panose="05000000000000000000" pitchFamily="2" charset="2"/>
+              <a:buChar char="Ø"/>
+            </a:pPr>
+            <a:endParaRPr lang="en-US" dirty="0">
+              <a:solidFill>
+                <a:srgbClr val="00B050"/>
+              </a:solidFill>
+            </a:endParaRPr>
+          </a:p>
+        </p:txBody>
+      </p:sp>
     </p:spTree>
     <p:extLst>
       <p:ext uri="{BB962C8B-B14F-4D97-AF65-F5344CB8AC3E}">
-        <p14:creationId xmlns:p14="http://schemas.microsoft.com/office/powerpoint/2010/main" val="960387008"/>
+        <p14:creationId xmlns:p14="http://schemas.microsoft.com/office/powerpoint/2010/main" val="602921650"/>
       </p:ext>
     </p:extLst>
   </p:cSld>
@@ -4986,7 +5759,154 @@
   <p:timing>
     <p:tnLst>
       <p:par>
-        <p:cTn id="1" dur="indefinite" restart="never" nodeType="tmRoot"/>
+        <p:cTn xmlns:p14="http://schemas.microsoft.com/office/powerpoint/2010/main" id="1" dur="indefinite" restart="never" nodeType="tmRoot"/>
+      </p:par>
+    </p:tnLst>
+  </p:timing>
+</p:sld>
+</file>
+
+<file path=ppt/slides/slide13.xml><?xml version="1.0" encoding="utf-8"?>
+<p:sld xmlns:a="http://schemas.openxmlformats.org/drawingml/2006/main" xmlns:r="http://schemas.openxmlformats.org/officeDocument/2006/relationships" xmlns:p="http://schemas.openxmlformats.org/presentationml/2006/main">
+  <p:cSld>
+    <p:spTree>
+      <p:nvGrpSpPr>
+        <p:cNvPr id="1" name=""/>
+        <p:cNvGrpSpPr/>
+        <p:nvPr/>
+      </p:nvGrpSpPr>
+      <p:grpSpPr>
+        <a:xfrm>
+          <a:off x="0" y="0"/>
+          <a:ext cx="0" cy="0"/>
+          <a:chOff x="0" y="0"/>
+          <a:chExt cx="0" cy="0"/>
+        </a:xfrm>
+      </p:grpSpPr>
+      <p:sp>
+        <p:nvSpPr>
+          <p:cNvPr id="2" name="Title 1"/>
+          <p:cNvSpPr>
+            <a:spLocks noGrp="1"/>
+          </p:cNvSpPr>
+          <p:nvPr>
+            <p:ph type="title"/>
+          </p:nvPr>
+        </p:nvSpPr>
+        <p:spPr/>
+        <p:txBody>
+          <a:bodyPr/>
+          <a:lstStyle/>
+          <a:p>
+            <a:r>
+              <a:rPr lang="en-US" dirty="0" smtClean="0"/>
+              <a:t>Conclusion</a:t>
+            </a:r>
+            <a:endParaRPr lang="en-US" dirty="0"/>
+          </a:p>
+        </p:txBody>
+      </p:sp>
+      <p:sp>
+        <p:nvSpPr>
+          <p:cNvPr id="3" name="Content Placeholder 2"/>
+          <p:cNvSpPr>
+            <a:spLocks noGrp="1"/>
+          </p:cNvSpPr>
+          <p:nvPr>
+            <p:ph idx="1"/>
+          </p:nvPr>
+        </p:nvSpPr>
+        <p:spPr/>
+        <p:txBody>
+          <a:bodyPr>
+            <a:normAutofit/>
+          </a:bodyPr>
+          <a:lstStyle/>
+          <a:p>
+            <a:pPr>
+              <a:buFont typeface="Wingdings" panose="05000000000000000000" pitchFamily="2" charset="2"/>
+              <a:buChar char="Ø"/>
+            </a:pPr>
+            <a:r>
+              <a:rPr lang="en-US" dirty="0" smtClean="0"/>
+              <a:t>The tool developed in our project could be used to study the robustness of social networks</a:t>
+            </a:r>
+          </a:p>
+          <a:p>
+            <a:pPr>
+              <a:buFont typeface="Wingdings" panose="05000000000000000000" pitchFamily="2" charset="2"/>
+              <a:buChar char="Ø"/>
+            </a:pPr>
+            <a:r>
+              <a:rPr lang="en-US" dirty="0" smtClean="0"/>
+              <a:t>This tool is more practical</a:t>
+            </a:r>
+            <a:endParaRPr lang="en-US" dirty="0"/>
+          </a:p>
+          <a:p>
+            <a:pPr>
+              <a:buFont typeface="Wingdings" panose="05000000000000000000" pitchFamily="2" charset="2"/>
+              <a:buChar char="Ø"/>
+            </a:pPr>
+            <a:r>
+              <a:rPr lang="en-US" dirty="0" smtClean="0"/>
+              <a:t>The metric is weighted, and transcends many domains of flow networks like power flow, gas flow or any other flow networks that possibly encounters cascading failure</a:t>
+            </a:r>
+            <a:endParaRPr lang="en-US" dirty="0"/>
+          </a:p>
+          <a:p>
+            <a:pPr>
+              <a:buFont typeface="Wingdings" panose="05000000000000000000" pitchFamily="2" charset="2"/>
+              <a:buChar char="Ø"/>
+            </a:pPr>
+            <a:r>
+              <a:rPr lang="en-US" dirty="0" smtClean="0"/>
+              <a:t>With this tool, one can come up with better protection strategy because we are finally looking at optimizing the robustness metric of our previous page</a:t>
+            </a:r>
+          </a:p>
+          <a:p>
+            <a:pPr marL="0" indent="0">
+              <a:buNone/>
+            </a:pPr>
+            <a:r>
+              <a:rPr lang="en-US" dirty="0"/>
+              <a:t/>
+            </a:r>
+            <a:br>
+              <a:rPr lang="en-US" dirty="0"/>
+            </a:br>
+            <a:endParaRPr lang="en-US" dirty="0"/>
+          </a:p>
+          <a:p>
+            <a:pPr>
+              <a:buFont typeface="Wingdings" panose="05000000000000000000" pitchFamily="2" charset="2"/>
+              <a:buChar char="Ø"/>
+            </a:pPr>
+            <a:endParaRPr lang="en-US" dirty="0">
+              <a:solidFill>
+                <a:srgbClr val="00B050"/>
+              </a:solidFill>
+            </a:endParaRPr>
+          </a:p>
+          <a:p>
+            <a:endParaRPr lang="en-US" dirty="0"/>
+          </a:p>
+        </p:txBody>
+      </p:sp>
+    </p:spTree>
+    <p:extLst>
+      <p:ext uri="{BB962C8B-B14F-4D97-AF65-F5344CB8AC3E}">
+        <p14:creationId xmlns:p14="http://schemas.microsoft.com/office/powerpoint/2010/main" val="3570483644"/>
+      </p:ext>
+    </p:extLst>
+  </p:cSld>
+  <p:clrMapOvr>
+    <a:masterClrMapping/>
+  </p:clrMapOvr>
+  <p:timing>
+    <p:tnLst>
+      <p:par>
+        <p:cTn xmlns:p14="http://schemas.microsoft.com/office/powerpoint/2010/main" id="1" dur="indefinite" restart="never" nodeType="tmRoot"/>
       </p:par>
     </p:tnLst>
   </p:timing>
@@ -5174,7 +6094,7 @@
   <p:timing>
     <p:tnLst>
       <p:par>
-        <p:cTn id="1" dur="indefinite" restart="never" nodeType="tmRoot">
+        <p:cTn xmlns:p14="http://schemas.microsoft.com/office/powerpoint/2010/main" id="1" dur="indefinite" restart="never" nodeType="tmRoot">
           <p:childTnLst>
             <p:seq concurrent="1" nextAc="seek">
               <p:cTn id="2" dur="indefinite" nodeType="mainSeq">
@@ -5984,7 +6904,7 @@
   <p:timing>
     <p:tnLst>
       <p:par>
-        <p:cTn id="1" dur="indefinite" restart="never" nodeType="tmRoot">
+        <p:cTn xmlns:p14="http://schemas.microsoft.com/office/powerpoint/2010/main" id="1" dur="indefinite" restart="never" nodeType="tmRoot">
           <p:childTnLst>
             <p:seq concurrent="1" nextAc="seek">
               <p:cTn id="2" dur="indefinite" nodeType="mainSeq">
@@ -6535,7 +7455,7 @@
   <p:timing>
     <p:tnLst>
       <p:par>
-        <p:cTn id="1" dur="indefinite" restart="never" nodeType="tmRoot">
+        <p:cTn xmlns:p14="http://schemas.microsoft.com/office/powerpoint/2010/main" id="1" dur="indefinite" restart="never" nodeType="tmRoot">
           <p:childTnLst>
             <p:seq concurrent="1" nextAc="seek">
               <p:cTn id="2" dur="indefinite" nodeType="mainSeq">
@@ -6953,8 +7873,8 @@
           </a:p>
         </p:txBody>
       </p:sp>
-      <mc:AlternateContent xmlns:mc="http://schemas.openxmlformats.org/markup-compatibility/2006">
-        <mc:Choice xmlns:a14="http://schemas.microsoft.com/office/drawing/2010/main" Requires="a14">
+      <mc:AlternateContent xmlns:mc="http://schemas.openxmlformats.org/markup-compatibility/2006" xmlns:a14="http://schemas.microsoft.com/office/drawing/2010/main">
+        <mc:Choice Requires="a14">
           <p:sp>
             <p:nvSpPr>
               <p:cNvPr id="3" name="Content Placeholder 2"/>
@@ -6968,401 +7888,14 @@
             <p:spPr/>
             <p:txBody>
               <a:bodyPr>
-                <a:normAutofit lnSpcReduction="10000"/>
+                <a:normAutofit/>
               </a:bodyPr>
               <a:lstStyle/>
               <a:p>
                 <a:pPr marL="0" indent="0">
                   <a:buNone/>
                 </a:pPr>
-                <a14:m>
-                  <m:oMathPara xmlns:m="http://schemas.openxmlformats.org/officeDocument/2006/math">
-                    <m:oMathParaPr>
-                      <m:jc m:val="centerGroup"/>
-                    </m:oMathParaPr>
-                    <m:oMath xmlns:m="http://schemas.openxmlformats.org/officeDocument/2006/math">
-                      <m:f>
-                        <m:fPr>
-                          <m:ctrlPr>
-                            <a:rPr lang="en-US" b="0" i="1" smtClean="0">
-                              <a:latin typeface="Cambria Math" panose="02040503050406030204" pitchFamily="18" charset="0"/>
-                            </a:rPr>
-                          </m:ctrlPr>
-                        </m:fPr>
-                        <m:num>
-                          <m:r>
-                            <a:rPr lang="en-US" b="0" i="1" smtClean="0">
-                              <a:latin typeface="Cambria Math" panose="02040503050406030204" pitchFamily="18" charset="0"/>
-                            </a:rPr>
-                            <m:t>𝑑</m:t>
-                          </m:r>
-                          <m:sSub>
-                            <m:sSubPr>
-                              <m:ctrlPr>
-                                <a:rPr lang="en-US" b="0" i="1" smtClean="0">
-                                  <a:latin typeface="Cambria Math" panose="02040503050406030204" pitchFamily="18" charset="0"/>
-                                </a:rPr>
-                              </m:ctrlPr>
-                            </m:sSubPr>
-                            <m:e>
-                              <m:r>
-                                <a:rPr lang="en-US" b="0" i="1" smtClean="0">
-                                  <a:latin typeface="Cambria Math" panose="02040503050406030204" pitchFamily="18" charset="0"/>
-                                </a:rPr>
-                                <m:t>𝑥</m:t>
-                              </m:r>
-                            </m:e>
-                            <m:sub>
-                              <m:r>
-                                <a:rPr lang="en-US" b="0" i="1" smtClean="0">
-                                  <a:latin typeface="Cambria Math" panose="02040503050406030204" pitchFamily="18" charset="0"/>
-                                </a:rPr>
-                                <m:t>𝑖</m:t>
-                              </m:r>
-                            </m:sub>
-                          </m:sSub>
-                        </m:num>
-                        <m:den>
-                          <m:r>
-                            <a:rPr lang="en-US" b="0" i="1" smtClean="0">
-                              <a:latin typeface="Cambria Math" panose="02040503050406030204" pitchFamily="18" charset="0"/>
-                            </a:rPr>
-                            <m:t>𝑑𝑡</m:t>
-                          </m:r>
-                        </m:den>
-                      </m:f>
-                      <m:r>
-                        <a:rPr lang="en-US" b="0" i="1" smtClean="0">
-                          <a:latin typeface="Cambria Math" panose="02040503050406030204" pitchFamily="18" charset="0"/>
-                        </a:rPr>
-                        <m:t>=−</m:t>
-                      </m:r>
-                      <m:f>
-                        <m:fPr>
-                          <m:ctrlPr>
-                            <a:rPr lang="en-US" b="0" i="1" smtClean="0">
-                              <a:latin typeface="Cambria Math" panose="02040503050406030204" pitchFamily="18" charset="0"/>
-                            </a:rPr>
-                          </m:ctrlPr>
-                        </m:fPr>
-                        <m:num>
-                          <m:sSub>
-                            <m:sSubPr>
-                              <m:ctrlPr>
-                                <a:rPr lang="en-US" b="0" i="1" smtClean="0">
-                                  <a:latin typeface="Cambria Math" panose="02040503050406030204" pitchFamily="18" charset="0"/>
-                                </a:rPr>
-                              </m:ctrlPr>
-                            </m:sSubPr>
-                            <m:e>
-                              <m:r>
-                                <a:rPr lang="en-US" b="0" i="1" smtClean="0">
-                                  <a:latin typeface="Cambria Math" panose="02040503050406030204" pitchFamily="18" charset="0"/>
-                                </a:rPr>
-                                <m:t>𝑥</m:t>
-                              </m:r>
-                            </m:e>
-                            <m:sub>
-                              <m:r>
-                                <a:rPr lang="en-US" b="0" i="1" smtClean="0">
-                                  <a:latin typeface="Cambria Math" panose="02040503050406030204" pitchFamily="18" charset="0"/>
-                                </a:rPr>
-                                <m:t>𝑖</m:t>
-                              </m:r>
-                            </m:sub>
-                          </m:sSub>
-                        </m:num>
-                        <m:den>
-                          <m:sSub>
-                            <m:sSubPr>
-                              <m:ctrlPr>
-                                <a:rPr lang="en-US" b="0" i="1" smtClean="0">
-                                  <a:latin typeface="Cambria Math" panose="02040503050406030204" pitchFamily="18" charset="0"/>
-                                </a:rPr>
-                              </m:ctrlPr>
-                            </m:sSubPr>
-                            <m:e>
-                              <m:r>
-                                <a:rPr lang="en-US" b="0" i="1" smtClean="0">
-                                  <a:latin typeface="Cambria Math" panose="02040503050406030204" pitchFamily="18" charset="0"/>
-                                </a:rPr>
-                                <m:t>𝜏</m:t>
-                              </m:r>
-                            </m:e>
-                            <m:sub>
-                              <m:r>
-                                <a:rPr lang="en-US" b="0" i="1" smtClean="0">
-                                  <a:latin typeface="Cambria Math" panose="02040503050406030204" pitchFamily="18" charset="0"/>
-                                </a:rPr>
-                                <m:t>𝑖</m:t>
-                              </m:r>
-                            </m:sub>
-                          </m:sSub>
-                        </m:den>
-                      </m:f>
-                      <m:r>
-                        <a:rPr lang="en-US" b="0" i="1" smtClean="0">
-                          <a:latin typeface="Cambria Math" panose="02040503050406030204" pitchFamily="18" charset="0"/>
-                        </a:rPr>
-                        <m:t>+</m:t>
-                      </m:r>
-                      <m:r>
-                        <a:rPr lang="en-US" b="0" i="1" smtClean="0">
-                          <a:latin typeface="Cambria Math" panose="02040503050406030204" pitchFamily="18" charset="0"/>
-                        </a:rPr>
-                        <m:t>𝜃</m:t>
-                      </m:r>
-                      <m:d>
-                        <m:dPr>
-                          <m:ctrlPr>
-                            <a:rPr lang="en-US" b="0" i="1" smtClean="0">
-                              <a:latin typeface="Cambria Math" panose="02040503050406030204" pitchFamily="18" charset="0"/>
-                            </a:rPr>
-                          </m:ctrlPr>
-                        </m:dPr>
-                        <m:e>
-                          <m:nary>
-                            <m:naryPr>
-                              <m:chr m:val="∑"/>
-                              <m:supHide m:val="on"/>
-                              <m:ctrlPr>
-                                <a:rPr lang="en-US" b="0" i="1" smtClean="0">
-                                  <a:latin typeface="Cambria Math" panose="02040503050406030204" pitchFamily="18" charset="0"/>
-                                </a:rPr>
-                              </m:ctrlPr>
-                            </m:naryPr>
-                            <m:sub>
-                              <m:r>
-                                <a:rPr lang="en-US" b="0" i="1" smtClean="0">
-                                  <a:latin typeface="Cambria Math" panose="02040503050406030204" pitchFamily="18" charset="0"/>
-                                </a:rPr>
-                                <m:t>𝑖</m:t>
-                              </m:r>
-                              <m:r>
-                                <a:rPr lang="en-US" b="0" i="1" smtClean="0">
-                                  <a:latin typeface="Cambria Math" panose="02040503050406030204" pitchFamily="18" charset="0"/>
-                                </a:rPr>
-                                <m:t>≠</m:t>
-                              </m:r>
-                              <m:r>
-                                <a:rPr lang="en-US" b="0" i="1" smtClean="0">
-                                  <a:latin typeface="Cambria Math" panose="02040503050406030204" pitchFamily="18" charset="0"/>
-                                </a:rPr>
-                                <m:t>𝑗</m:t>
-                              </m:r>
-                            </m:sub>
-                            <m:sup/>
-                            <m:e>
-                              <m:f>
-                                <m:fPr>
-                                  <m:ctrlPr>
-                                    <a:rPr lang="en-US" b="0" i="1" smtClean="0">
-                                      <a:latin typeface="Cambria Math" panose="02040503050406030204" pitchFamily="18" charset="0"/>
-                                    </a:rPr>
-                                  </m:ctrlPr>
-                                </m:fPr>
-                                <m:num>
-                                  <m:sSub>
-                                    <m:sSubPr>
-                                      <m:ctrlPr>
-                                        <a:rPr lang="en-US" b="0" i="1" smtClean="0">
-                                          <a:latin typeface="Cambria Math" panose="02040503050406030204" pitchFamily="18" charset="0"/>
-                                        </a:rPr>
-                                      </m:ctrlPr>
-                                    </m:sSubPr>
-                                    <m:e>
-                                      <m:r>
-                                        <a:rPr lang="en-US" b="0" i="1" smtClean="0">
-                                          <a:latin typeface="Cambria Math" panose="02040503050406030204" pitchFamily="18" charset="0"/>
-                                        </a:rPr>
-                                        <m:t>𝑀</m:t>
-                                      </m:r>
-                                    </m:e>
-                                    <m:sub>
-                                      <m:r>
-                                        <a:rPr lang="en-US" b="0" i="1" smtClean="0">
-                                          <a:latin typeface="Cambria Math" panose="02040503050406030204" pitchFamily="18" charset="0"/>
-                                        </a:rPr>
-                                        <m:t>𝑖𝑗</m:t>
-                                      </m:r>
-                                    </m:sub>
-                                  </m:sSub>
-                                  <m:sSub>
-                                    <m:sSubPr>
-                                      <m:ctrlPr>
-                                        <a:rPr lang="en-US" b="0" i="1" smtClean="0">
-                                          <a:latin typeface="Cambria Math" panose="02040503050406030204" pitchFamily="18" charset="0"/>
-                                        </a:rPr>
-                                      </m:ctrlPr>
-                                    </m:sSubPr>
-                                    <m:e>
-                                      <m:r>
-                                        <a:rPr lang="en-US" b="0" i="1" smtClean="0">
-                                          <a:latin typeface="Cambria Math" panose="02040503050406030204" pitchFamily="18" charset="0"/>
-                                        </a:rPr>
-                                        <m:t>𝑥</m:t>
-                                      </m:r>
-                                    </m:e>
-                                    <m:sub>
-                                      <m:r>
-                                        <a:rPr lang="en-US" b="0" i="1" smtClean="0">
-                                          <a:latin typeface="Cambria Math" panose="02040503050406030204" pitchFamily="18" charset="0"/>
-                                        </a:rPr>
-                                        <m:t>𝑗</m:t>
-                                      </m:r>
-                                    </m:sub>
-                                  </m:sSub>
-                                  <m:d>
-                                    <m:dPr>
-                                      <m:ctrlPr>
-                                        <a:rPr lang="en-US" b="0" i="1" smtClean="0">
-                                          <a:latin typeface="Cambria Math" panose="02040503050406030204" pitchFamily="18" charset="0"/>
-                                        </a:rPr>
-                                      </m:ctrlPr>
-                                    </m:dPr>
-                                    <m:e>
-                                      <m:r>
-                                        <a:rPr lang="en-US" b="0" i="1" smtClean="0">
-                                          <a:latin typeface="Cambria Math" panose="02040503050406030204" pitchFamily="18" charset="0"/>
-                                        </a:rPr>
-                                        <m:t>𝑡</m:t>
-                                      </m:r>
-                                      <m:r>
-                                        <a:rPr lang="en-US" b="0" i="1" smtClean="0">
-                                          <a:latin typeface="Cambria Math" panose="02040503050406030204" pitchFamily="18" charset="0"/>
-                                        </a:rPr>
-                                        <m:t>−</m:t>
-                                      </m:r>
-                                      <m:sSub>
-                                        <m:sSubPr>
-                                          <m:ctrlPr>
-                                            <a:rPr lang="en-US" b="0" i="1" smtClean="0">
-                                              <a:latin typeface="Cambria Math" panose="02040503050406030204" pitchFamily="18" charset="0"/>
-                                            </a:rPr>
-                                          </m:ctrlPr>
-                                        </m:sSubPr>
-                                        <m:e>
-                                          <m:r>
-                                            <a:rPr lang="en-US" b="0" i="1" smtClean="0">
-                                              <a:latin typeface="Cambria Math" panose="02040503050406030204" pitchFamily="18" charset="0"/>
-                                            </a:rPr>
-                                            <m:t>𝑡</m:t>
-                                          </m:r>
-                                        </m:e>
-                                        <m:sub>
-                                          <m:r>
-                                            <a:rPr lang="en-US" b="0" i="1" smtClean="0">
-                                              <a:latin typeface="Cambria Math" panose="02040503050406030204" pitchFamily="18" charset="0"/>
-                                            </a:rPr>
-                                            <m:t>𝑖𝑗</m:t>
-                                          </m:r>
-                                        </m:sub>
-                                      </m:sSub>
-                                    </m:e>
-                                  </m:d>
-                                </m:num>
-                                <m:den>
-                                  <m:r>
-                                    <a:rPr lang="en-US" b="0" i="1" smtClean="0">
-                                      <a:latin typeface="Cambria Math" panose="02040503050406030204" pitchFamily="18" charset="0"/>
-                                    </a:rPr>
-                                    <m:t>𝑓</m:t>
-                                  </m:r>
-                                  <m:d>
-                                    <m:dPr>
-                                      <m:ctrlPr>
-                                        <a:rPr lang="en-US" b="0" i="1" smtClean="0">
-                                          <a:latin typeface="Cambria Math" panose="02040503050406030204" pitchFamily="18" charset="0"/>
-                                        </a:rPr>
-                                      </m:ctrlPr>
-                                    </m:dPr>
-                                    <m:e>
-                                      <m:sSub>
-                                        <m:sSubPr>
-                                          <m:ctrlPr>
-                                            <a:rPr lang="en-US" b="0" i="1" smtClean="0">
-                                              <a:latin typeface="Cambria Math" panose="02040503050406030204" pitchFamily="18" charset="0"/>
-                                            </a:rPr>
-                                          </m:ctrlPr>
-                                        </m:sSubPr>
-                                        <m:e>
-                                          <m:r>
-                                            <a:rPr lang="en-US" b="0" i="1" smtClean="0">
-                                              <a:latin typeface="Cambria Math" panose="02040503050406030204" pitchFamily="18" charset="0"/>
-                                            </a:rPr>
-                                            <m:t>𝑂</m:t>
-                                          </m:r>
-                                        </m:e>
-                                        <m:sub>
-                                          <m:r>
-                                            <a:rPr lang="en-US" b="0" i="1" smtClean="0">
-                                              <a:latin typeface="Cambria Math" panose="02040503050406030204" pitchFamily="18" charset="0"/>
-                                            </a:rPr>
-                                            <m:t>𝑗</m:t>
-                                          </m:r>
-                                        </m:sub>
-                                      </m:sSub>
-                                    </m:e>
-                                  </m:d>
-                                </m:den>
-                              </m:f>
-                              <m:sSup>
-                                <m:sSupPr>
-                                  <m:ctrlPr>
-                                    <a:rPr lang="en-US" b="0" i="1" smtClean="0">
-                                      <a:latin typeface="Cambria Math" panose="02040503050406030204" pitchFamily="18" charset="0"/>
-                                    </a:rPr>
-                                  </m:ctrlPr>
-                                </m:sSupPr>
-                                <m:e>
-                                  <m:r>
-                                    <a:rPr lang="en-US" b="0" i="1" smtClean="0">
-                                      <a:latin typeface="Cambria Math" panose="02040503050406030204" pitchFamily="18" charset="0"/>
-                                    </a:rPr>
-                                    <m:t>𝑒</m:t>
-                                  </m:r>
-                                </m:e>
-                                <m:sup>
-                                  <m:r>
-                                    <a:rPr lang="en-US" b="0" i="1" smtClean="0">
-                                      <a:latin typeface="Cambria Math" panose="02040503050406030204" pitchFamily="18" charset="0"/>
-                                    </a:rPr>
-                                    <m:t>−</m:t>
-                                  </m:r>
-                                  <m:sSub>
-                                    <m:sSubPr>
-                                      <m:ctrlPr>
-                                        <a:rPr lang="en-US" b="0" i="1" smtClean="0">
-                                          <a:latin typeface="Cambria Math" panose="02040503050406030204" pitchFamily="18" charset="0"/>
-                                        </a:rPr>
-                                      </m:ctrlPr>
-                                    </m:sSubPr>
-                                    <m:e>
-                                      <m:r>
-                                        <a:rPr lang="en-US" b="0" i="1" smtClean="0">
-                                          <a:latin typeface="Cambria Math" panose="02040503050406030204" pitchFamily="18" charset="0"/>
-                                        </a:rPr>
-                                        <m:t>𝛽</m:t>
-                                      </m:r>
-                                    </m:e>
-                                    <m:sub>
-                                      <m:r>
-                                        <a:rPr lang="en-US" b="0" i="1" smtClean="0">
-                                          <a:latin typeface="Cambria Math" panose="02040503050406030204" pitchFamily="18" charset="0"/>
-                                        </a:rPr>
-                                        <m:t>𝑗𝑖</m:t>
-                                      </m:r>
-                                    </m:sub>
-                                  </m:sSub>
-                                </m:sup>
-                              </m:sSup>
-                            </m:e>
-                          </m:nary>
-                        </m:e>
-                      </m:d>
-                    </m:oMath>
-                  </m:oMathPara>
-                </a14:m>
+                <a14:m/>
                 <a:endParaRPr lang="en-US" dirty="0" smtClean="0"/>
               </a:p>
               <a:p>
@@ -7370,35 +7903,7 @@
                   <a:buFont typeface="Wingdings" panose="05000000000000000000" pitchFamily="2" charset="2"/>
                   <a:buChar char="Ø"/>
                 </a:pPr>
-                <a14:m>
-                  <m:oMath xmlns:m="http://schemas.openxmlformats.org/officeDocument/2006/math">
-                    <m:sSub>
-                      <m:sSubPr>
-                        <m:ctrlPr>
-                          <a:rPr lang="en-US" i="1">
-                            <a:latin typeface="Cambria Math" panose="02040503050406030204" pitchFamily="18" charset="0"/>
-                          </a:rPr>
-                        </m:ctrlPr>
-                      </m:sSubPr>
-                      <m:e>
-                        <m:r>
-                          <a:rPr lang="en-US" i="1">
-                            <a:latin typeface="Cambria Math" panose="02040503050406030204" pitchFamily="18" charset="0"/>
-                          </a:rPr>
-                          <m:t>𝑥</m:t>
-                        </m:r>
-                      </m:e>
-                      <m:sub>
-                        <m:r>
-                          <a:rPr lang="en-US" i="1">
-                            <a:latin typeface="Cambria Math" panose="02040503050406030204" pitchFamily="18" charset="0"/>
-                          </a:rPr>
-                          <m:t>𝑖</m:t>
-                        </m:r>
-                      </m:sub>
-                    </m:sSub>
-                  </m:oMath>
-                </a14:m>
+                <a14:m/>
                 <a:r>
                   <a:rPr lang="en-US" dirty="0" smtClean="0"/>
                   <a:t> represents individual i’s health</a:t>
@@ -7413,35 +7918,7 @@
                   <a:rPr lang="en-US" dirty="0" smtClean="0"/>
                   <a:t>Every individual tries to reject some disturbance. </a:t>
                 </a:r>
-                <a14:m>
-                  <m:oMath xmlns:m="http://schemas.openxmlformats.org/officeDocument/2006/math">
-                    <m:sSub>
-                      <m:sSubPr>
-                        <m:ctrlPr>
-                          <a:rPr lang="en-US" i="1">
-                            <a:latin typeface="Cambria Math" panose="02040503050406030204" pitchFamily="18" charset="0"/>
-                          </a:rPr>
-                        </m:ctrlPr>
-                      </m:sSubPr>
-                      <m:e>
-                        <m:r>
-                          <a:rPr lang="en-US" i="1">
-                            <a:latin typeface="Cambria Math" panose="02040503050406030204" pitchFamily="18" charset="0"/>
-                          </a:rPr>
-                          <m:t>𝜏</m:t>
-                        </m:r>
-                      </m:e>
-                      <m:sub>
-                        <m:r>
-                          <a:rPr lang="en-US" i="1">
-                            <a:latin typeface="Cambria Math" panose="02040503050406030204" pitchFamily="18" charset="0"/>
-                          </a:rPr>
-                          <m:t>𝑖</m:t>
-                        </m:r>
-                      </m:sub>
-                    </m:sSub>
-                  </m:oMath>
-                </a14:m>
+                <a14:m/>
                 <a:r>
                   <a:rPr lang="en-US" dirty="0" smtClean="0"/>
                   <a:t> represents one’s capability</a:t>
@@ -7452,16 +7929,7 @@
                   <a:buFont typeface="Wingdings" panose="05000000000000000000" pitchFamily="2" charset="2"/>
                   <a:buChar char="Ø"/>
                 </a:pPr>
-                <a14:m>
-                  <m:oMath xmlns:m="http://schemas.openxmlformats.org/officeDocument/2006/math">
-                    <m:r>
-                      <a:rPr lang="en-US" i="1">
-                        <a:latin typeface="Cambria Math" panose="02040503050406030204" pitchFamily="18" charset="0"/>
-                      </a:rPr>
-                      <m:t>𝜃</m:t>
-                    </m:r>
-                  </m:oMath>
-                </a14:m>
+                <a14:m/>
                 <a:r>
                   <a:rPr lang="en-US" dirty="0" smtClean="0"/>
                   <a:t> is a sigmoid function to keep numerical bound on health value</a:t>
@@ -7472,35 +7940,7 @@
                   <a:buFont typeface="Wingdings" panose="05000000000000000000" pitchFamily="2" charset="2"/>
                   <a:buChar char="Ø"/>
                 </a:pPr>
-                <a14:m>
-                  <m:oMath xmlns:m="http://schemas.openxmlformats.org/officeDocument/2006/math">
-                    <m:sSub>
-                      <m:sSubPr>
-                        <m:ctrlPr>
-                          <a:rPr lang="en-US" i="1">
-                            <a:latin typeface="Cambria Math" panose="02040503050406030204" pitchFamily="18" charset="0"/>
-                          </a:rPr>
-                        </m:ctrlPr>
-                      </m:sSubPr>
-                      <m:e>
-                        <m:r>
-                          <a:rPr lang="en-US" i="1">
-                            <a:latin typeface="Cambria Math" panose="02040503050406030204" pitchFamily="18" charset="0"/>
-                          </a:rPr>
-                          <m:t>𝑀</m:t>
-                        </m:r>
-                      </m:e>
-                      <m:sub>
-                        <m:r>
-                          <a:rPr lang="en-US" i="1">
-                            <a:latin typeface="Cambria Math" panose="02040503050406030204" pitchFamily="18" charset="0"/>
-                          </a:rPr>
-                          <m:t>𝑖𝑗</m:t>
-                        </m:r>
-                      </m:sub>
-                    </m:sSub>
-                  </m:oMath>
-                </a14:m>
+                <a14:m/>
                 <a:r>
                   <a:rPr lang="en-US" dirty="0" smtClean="0"/>
                   <a:t> represents the strength of connection between </a:t>
@@ -7519,52 +7959,7 @@
                   <a:buFont typeface="Wingdings" panose="05000000000000000000" pitchFamily="2" charset="2"/>
                   <a:buChar char="Ø"/>
                 </a:pPr>
-                <a14:m>
-                  <m:oMath xmlns:m="http://schemas.openxmlformats.org/officeDocument/2006/math">
-                    <m:r>
-                      <a:rPr lang="en-US" i="1">
-                        <a:latin typeface="Cambria Math" panose="02040503050406030204" pitchFamily="18" charset="0"/>
-                      </a:rPr>
-                      <m:t>𝑓</m:t>
-                    </m:r>
-                    <m:d>
-                      <m:dPr>
-                        <m:ctrlPr>
-                          <a:rPr lang="en-US" i="1">
-                            <a:latin typeface="Cambria Math" panose="02040503050406030204" pitchFamily="18" charset="0"/>
-                          </a:rPr>
-                        </m:ctrlPr>
-                      </m:dPr>
-                      <m:e>
-                        <m:sSub>
-                          <m:sSubPr>
-                            <m:ctrlPr>
-                              <a:rPr lang="en-US" i="1">
-                                <a:latin typeface="Cambria Math" panose="02040503050406030204" pitchFamily="18" charset="0"/>
-                              </a:rPr>
-                            </m:ctrlPr>
-                          </m:sSubPr>
-                          <m:e>
-                            <m:r>
-                              <a:rPr lang="en-US" i="1">
-                                <a:latin typeface="Cambria Math" panose="02040503050406030204" pitchFamily="18" charset="0"/>
-                              </a:rPr>
-                              <m:t>𝑂</m:t>
-                            </m:r>
-                          </m:e>
-                          <m:sub>
-                            <m:r>
-                              <a:rPr lang="en-US" i="1">
-                                <a:latin typeface="Cambria Math" panose="02040503050406030204" pitchFamily="18" charset="0"/>
-                              </a:rPr>
-                              <m:t>𝑗</m:t>
-                            </m:r>
-                          </m:sub>
-                        </m:sSub>
-                      </m:e>
-                    </m:d>
-                  </m:oMath>
-                </a14:m>
+                <a14:m/>
                 <a:r>
                   <a:rPr lang="en-US" dirty="0" smtClean="0"/>
                   <a:t> represents the explain away effect</a:t>
@@ -7575,60 +7970,7 @@
                   <a:buFont typeface="Wingdings" panose="05000000000000000000" pitchFamily="2" charset="2"/>
                   <a:buChar char="Ø"/>
                 </a:pPr>
-                <a14:m>
-                  <m:oMath xmlns:m="http://schemas.openxmlformats.org/officeDocument/2006/math">
-                    <m:sSup>
-                      <m:sSupPr>
-                        <m:ctrlPr>
-                          <a:rPr lang="en-US" i="1">
-                            <a:latin typeface="Cambria Math" panose="02040503050406030204" pitchFamily="18" charset="0"/>
-                          </a:rPr>
-                        </m:ctrlPr>
-                      </m:sSupPr>
-                      <m:e>
-                        <m:r>
-                          <a:rPr lang="en-US" i="1">
-                            <a:latin typeface="Cambria Math" panose="02040503050406030204" pitchFamily="18" charset="0"/>
-                          </a:rPr>
-                          <m:t>𝑒</m:t>
-                        </m:r>
-                      </m:e>
-                      <m:sup>
-                        <m:r>
-                          <a:rPr lang="en-US" i="1">
-                            <a:latin typeface="Cambria Math" panose="02040503050406030204" pitchFamily="18" charset="0"/>
-                          </a:rPr>
-                          <m:t>−</m:t>
-                        </m:r>
-                        <m:sSub>
-                          <m:sSubPr>
-                            <m:ctrlPr>
-                              <a:rPr lang="en-US" i="1">
-                                <a:latin typeface="Cambria Math" panose="02040503050406030204" pitchFamily="18" charset="0"/>
-                              </a:rPr>
-                            </m:ctrlPr>
-                          </m:sSubPr>
-                          <m:e>
-                            <m:r>
-                              <a:rPr lang="en-US" i="1">
-                                <a:latin typeface="Cambria Math" panose="02040503050406030204" pitchFamily="18" charset="0"/>
-                              </a:rPr>
-                              <m:t>𝛽</m:t>
-                            </m:r>
-                          </m:e>
-                          <m:sub>
-                            <m:r>
-                              <a:rPr lang="en-US" i="1">
-                                <a:latin typeface="Cambria Math" panose="02040503050406030204" pitchFamily="18" charset="0"/>
-                              </a:rPr>
-                              <m:t>𝑗𝑖</m:t>
-                            </m:r>
-                          </m:sub>
-                        </m:sSub>
-                      </m:sup>
-                    </m:sSup>
-                  </m:oMath>
-                </a14:m>
+                <a14:m/>
                 <a:r>
                   <a:rPr lang="en-US" dirty="0" smtClean="0"/>
                   <a:t> represents the gain of the propagation channel</a:t>
@@ -7638,7 +7980,7 @@
             </p:txBody>
           </p:sp>
         </mc:Choice>
-        <mc:Fallback>
+        <mc:Fallback xmlns="">
           <p:sp>
             <p:nvSpPr>
               <p:cNvPr id="3" name="Content Placeholder 2"/>
@@ -7685,7 +8027,7 @@
   <p:timing>
     <p:tnLst>
       <p:par>
-        <p:cTn id="1" dur="indefinite" restart="never" nodeType="tmRoot">
+        <p:cTn xmlns:p14="http://schemas.microsoft.com/office/powerpoint/2010/main" id="1" dur="indefinite" restart="never" nodeType="tmRoot">
           <p:childTnLst>
             <p:seq concurrent="1" nextAc="seek">
               <p:cTn id="2" dur="indefinite" nodeType="mainSeq">
@@ -8121,8 +8463,8 @@
           </a:p>
         </p:txBody>
       </p:sp>
-      <mc:AlternateContent xmlns:mc="http://schemas.openxmlformats.org/markup-compatibility/2006">
-        <mc:Choice xmlns:a14="http://schemas.microsoft.com/office/drawing/2010/main" Requires="a14">
+      <mc:AlternateContent xmlns:mc="http://schemas.openxmlformats.org/markup-compatibility/2006" xmlns:a14="http://schemas.microsoft.com/office/drawing/2010/main">
+        <mc:Choice Requires="a14">
           <p:sp>
             <p:nvSpPr>
               <p:cNvPr id="3" name="Content Placeholder 2"/>
@@ -8136,7 +8478,7 @@
             <p:spPr/>
             <p:txBody>
               <a:bodyPr>
-                <a:normAutofit fontScale="92500" lnSpcReduction="10000"/>
+                <a:normAutofit fontScale="92500"/>
               </a:bodyPr>
               <a:lstStyle/>
               <a:p>
@@ -8164,79 +8506,7 @@
                   <a:buFont typeface="Wingdings" panose="05000000000000000000" pitchFamily="2" charset="2"/>
                   <a:buChar char="Ø"/>
                 </a:pPr>
-                <a14:m>
-                  <m:oMath xmlns:m="http://schemas.openxmlformats.org/officeDocument/2006/math">
-                    <m:r>
-                      <a:rPr lang="en-US" sz="2000" i="1">
-                        <a:latin typeface="Cambria Math" panose="02040503050406030204" pitchFamily="18" charset="0"/>
-                      </a:rPr>
-                      <m:t>−</m:t>
-                    </m:r>
-                    <m:f>
-                      <m:fPr>
-                        <m:ctrlPr>
-                          <a:rPr lang="en-US" sz="2000" i="1">
-                            <a:latin typeface="Cambria Math" panose="02040503050406030204" pitchFamily="18" charset="0"/>
-                          </a:rPr>
-                        </m:ctrlPr>
-                      </m:fPr>
-                      <m:num>
-                        <m:sSub>
-                          <m:sSubPr>
-                            <m:ctrlPr>
-                              <a:rPr lang="en-US" sz="2000" i="1">
-                                <a:latin typeface="Cambria Math" panose="02040503050406030204" pitchFamily="18" charset="0"/>
-                              </a:rPr>
-                            </m:ctrlPr>
-                          </m:sSubPr>
-                          <m:e>
-                            <m:r>
-                              <a:rPr lang="en-US" sz="2000" i="1">
-                                <a:latin typeface="Cambria Math" panose="02040503050406030204" pitchFamily="18" charset="0"/>
-                              </a:rPr>
-                              <m:t>𝑥</m:t>
-                            </m:r>
-                          </m:e>
-                          <m:sub>
-                            <m:r>
-                              <a:rPr lang="en-US" sz="2000" i="1">
-                                <a:latin typeface="Cambria Math" panose="02040503050406030204" pitchFamily="18" charset="0"/>
-                              </a:rPr>
-                              <m:t>𝑖</m:t>
-                            </m:r>
-                          </m:sub>
-                        </m:sSub>
-                      </m:num>
-                      <m:den>
-                        <m:sSub>
-                          <m:sSubPr>
-                            <m:ctrlPr>
-                              <a:rPr lang="en-US" sz="2000" i="1">
-                                <a:latin typeface="Cambria Math" panose="02040503050406030204" pitchFamily="18" charset="0"/>
-                              </a:rPr>
-                            </m:ctrlPr>
-                          </m:sSubPr>
-                          <m:e>
-                            <m:r>
-                              <a:rPr lang="en-US" sz="2000" i="1">
-                                <a:latin typeface="Cambria Math" panose="02040503050406030204" pitchFamily="18" charset="0"/>
-                              </a:rPr>
-                              <m:t>𝜏</m:t>
-                            </m:r>
-                          </m:e>
-                          <m:sub>
-                            <m:r>
-                              <a:rPr lang="en-US" sz="2000" i="1">
-                                <a:latin typeface="Cambria Math" panose="02040503050406030204" pitchFamily="18" charset="0"/>
-                              </a:rPr>
-                              <m:t>𝑖</m:t>
-                            </m:r>
-                          </m:sub>
-                        </m:sSub>
-                      </m:den>
-                    </m:f>
-                  </m:oMath>
-                </a14:m>
+                <a14:m/>
                 <a:endParaRPr lang="en-US" sz="2000" dirty="0" smtClean="0"/>
               </a:p>
               <a:p>
@@ -8254,247 +8524,7 @@
                   <a:buFont typeface="Wingdings" panose="05000000000000000000" pitchFamily="2" charset="2"/>
                   <a:buChar char="Ø"/>
                 </a:pPr>
-                <a14:m>
-                  <m:oMath xmlns:m="http://schemas.openxmlformats.org/officeDocument/2006/math">
-                    <m:nary>
-                      <m:naryPr>
-                        <m:chr m:val="∑"/>
-                        <m:supHide m:val="on"/>
-                        <m:ctrlPr>
-                          <a:rPr lang="en-US" i="1">
-                            <a:latin typeface="Cambria Math" panose="02040503050406030204" pitchFamily="18" charset="0"/>
-                          </a:rPr>
-                        </m:ctrlPr>
-                      </m:naryPr>
-                      <m:sub>
-                        <m:r>
-                          <a:rPr lang="en-US" i="1">
-                            <a:latin typeface="Cambria Math" panose="02040503050406030204" pitchFamily="18" charset="0"/>
-                          </a:rPr>
-                          <m:t>𝑖</m:t>
-                        </m:r>
-                        <m:r>
-                          <a:rPr lang="en-US" i="1">
-                            <a:latin typeface="Cambria Math" panose="02040503050406030204" pitchFamily="18" charset="0"/>
-                          </a:rPr>
-                          <m:t>≠</m:t>
-                        </m:r>
-                        <m:r>
-                          <a:rPr lang="en-US" i="1">
-                            <a:latin typeface="Cambria Math" panose="02040503050406030204" pitchFamily="18" charset="0"/>
-                          </a:rPr>
-                          <m:t>𝑗</m:t>
-                        </m:r>
-                      </m:sub>
-                      <m:sup/>
-                      <m:e>
-                        <m:f>
-                          <m:fPr>
-                            <m:ctrlPr>
-                              <a:rPr lang="en-US" i="1">
-                                <a:latin typeface="Cambria Math" panose="02040503050406030204" pitchFamily="18" charset="0"/>
-                              </a:rPr>
-                            </m:ctrlPr>
-                          </m:fPr>
-                          <m:num>
-                            <m:sSub>
-                              <m:sSubPr>
-                                <m:ctrlPr>
-                                  <a:rPr lang="en-US" i="1">
-                                    <a:latin typeface="Cambria Math" panose="02040503050406030204" pitchFamily="18" charset="0"/>
-                                  </a:rPr>
-                                </m:ctrlPr>
-                              </m:sSubPr>
-                              <m:e>
-                                <m:r>
-                                  <a:rPr lang="en-US" i="1">
-                                    <a:latin typeface="Cambria Math" panose="02040503050406030204" pitchFamily="18" charset="0"/>
-                                  </a:rPr>
-                                  <m:t>𝑀</m:t>
-                                </m:r>
-                              </m:e>
-                              <m:sub>
-                                <m:r>
-                                  <a:rPr lang="en-US" i="1">
-                                    <a:latin typeface="Cambria Math" panose="02040503050406030204" pitchFamily="18" charset="0"/>
-                                  </a:rPr>
-                                  <m:t>𝑖𝑗</m:t>
-                                </m:r>
-                              </m:sub>
-                            </m:sSub>
-                            <m:sSub>
-                              <m:sSubPr>
-                                <m:ctrlPr>
-                                  <a:rPr lang="en-US" i="1">
-                                    <a:latin typeface="Cambria Math" panose="02040503050406030204" pitchFamily="18" charset="0"/>
-                                  </a:rPr>
-                                </m:ctrlPr>
-                              </m:sSubPr>
-                              <m:e>
-                                <m:r>
-                                  <a:rPr lang="en-US" i="1">
-                                    <a:latin typeface="Cambria Math" panose="02040503050406030204" pitchFamily="18" charset="0"/>
-                                  </a:rPr>
-                                  <m:t>𝑥</m:t>
-                                </m:r>
-                              </m:e>
-                              <m:sub>
-                                <m:r>
-                                  <a:rPr lang="en-US" i="1">
-                                    <a:latin typeface="Cambria Math" panose="02040503050406030204" pitchFamily="18" charset="0"/>
-                                  </a:rPr>
-                                  <m:t>𝑗</m:t>
-                                </m:r>
-                              </m:sub>
-                            </m:sSub>
-                            <m:d>
-                              <m:dPr>
-                                <m:ctrlPr>
-                                  <a:rPr lang="en-US" i="1">
-                                    <a:latin typeface="Cambria Math" panose="02040503050406030204" pitchFamily="18" charset="0"/>
-                                  </a:rPr>
-                                </m:ctrlPr>
-                              </m:dPr>
-                              <m:e>
-                                <m:r>
-                                  <a:rPr lang="en-US" i="1">
-                                    <a:latin typeface="Cambria Math" panose="02040503050406030204" pitchFamily="18" charset="0"/>
-                                  </a:rPr>
-                                  <m:t>𝑡</m:t>
-                                </m:r>
-                                <m:r>
-                                  <a:rPr lang="en-US" i="1">
-                                    <a:latin typeface="Cambria Math" panose="02040503050406030204" pitchFamily="18" charset="0"/>
-                                  </a:rPr>
-                                  <m:t>−</m:t>
-                                </m:r>
-                                <m:sSub>
-                                  <m:sSubPr>
-                                    <m:ctrlPr>
-                                      <a:rPr lang="en-US" i="1">
-                                        <a:latin typeface="Cambria Math" panose="02040503050406030204" pitchFamily="18" charset="0"/>
-                                      </a:rPr>
-                                    </m:ctrlPr>
-                                  </m:sSubPr>
-                                  <m:e>
-                                    <m:r>
-                                      <a:rPr lang="en-US" i="1">
-                                        <a:latin typeface="Cambria Math" panose="02040503050406030204" pitchFamily="18" charset="0"/>
-                                      </a:rPr>
-                                      <m:t>𝑡</m:t>
-                                    </m:r>
-                                  </m:e>
-                                  <m:sub>
-                                    <m:r>
-                                      <a:rPr lang="en-US" i="1">
-                                        <a:latin typeface="Cambria Math" panose="02040503050406030204" pitchFamily="18" charset="0"/>
-                                      </a:rPr>
-                                      <m:t>𝑖𝑗</m:t>
-                                    </m:r>
-                                  </m:sub>
-                                </m:sSub>
-                              </m:e>
-                            </m:d>
-                          </m:num>
-                          <m:den>
-                            <m:r>
-                              <a:rPr lang="en-US" i="1">
-                                <a:latin typeface="Cambria Math" panose="02040503050406030204" pitchFamily="18" charset="0"/>
-                              </a:rPr>
-                              <m:t>𝑓</m:t>
-                            </m:r>
-                            <m:d>
-                              <m:dPr>
-                                <m:ctrlPr>
-                                  <a:rPr lang="en-US" i="1">
-                                    <a:latin typeface="Cambria Math" panose="02040503050406030204" pitchFamily="18" charset="0"/>
-                                  </a:rPr>
-                                </m:ctrlPr>
-                              </m:dPr>
-                              <m:e>
-                                <m:sSub>
-                                  <m:sSubPr>
-                                    <m:ctrlPr>
-                                      <a:rPr lang="en-US" i="1">
-                                        <a:latin typeface="Cambria Math" panose="02040503050406030204" pitchFamily="18" charset="0"/>
-                                      </a:rPr>
-                                    </m:ctrlPr>
-                                  </m:sSubPr>
-                                  <m:e>
-                                    <m:r>
-                                      <a:rPr lang="en-US" i="1">
-                                        <a:latin typeface="Cambria Math" panose="02040503050406030204" pitchFamily="18" charset="0"/>
-                                      </a:rPr>
-                                      <m:t>𝑂</m:t>
-                                    </m:r>
-                                  </m:e>
-                                  <m:sub>
-                                    <m:r>
-                                      <a:rPr lang="en-US" i="1">
-                                        <a:latin typeface="Cambria Math" panose="02040503050406030204" pitchFamily="18" charset="0"/>
-                                      </a:rPr>
-                                      <m:t>𝑗</m:t>
-                                    </m:r>
-                                  </m:sub>
-                                </m:sSub>
-                              </m:e>
-                            </m:d>
-                          </m:den>
-                        </m:f>
-                        <m:sSup>
-                          <m:sSupPr>
-                            <m:ctrlPr>
-                              <a:rPr lang="en-US" i="1">
-                                <a:latin typeface="Cambria Math" panose="02040503050406030204" pitchFamily="18" charset="0"/>
-                              </a:rPr>
-                            </m:ctrlPr>
-                          </m:sSupPr>
-                          <m:e>
-                            <m:r>
-                              <a:rPr lang="en-US" i="1">
-                                <a:latin typeface="Cambria Math" panose="02040503050406030204" pitchFamily="18" charset="0"/>
-                              </a:rPr>
-                              <m:t>𝑒</m:t>
-                            </m:r>
-                          </m:e>
-                          <m:sup>
-                            <m:r>
-                              <a:rPr lang="en-US" i="1">
-                                <a:latin typeface="Cambria Math" panose="02040503050406030204" pitchFamily="18" charset="0"/>
-                              </a:rPr>
-                              <m:t>−</m:t>
-                            </m:r>
-                            <m:sSub>
-                              <m:sSubPr>
-                                <m:ctrlPr>
-                                  <a:rPr lang="en-US" i="1">
-                                    <a:latin typeface="Cambria Math" panose="02040503050406030204" pitchFamily="18" charset="0"/>
-                                  </a:rPr>
-                                </m:ctrlPr>
-                              </m:sSubPr>
-                              <m:e>
-                                <m:r>
-                                  <a:rPr lang="en-US" i="1">
-                                    <a:latin typeface="Cambria Math" panose="02040503050406030204" pitchFamily="18" charset="0"/>
-                                  </a:rPr>
-                                  <m:t>𝛽</m:t>
-                                </m:r>
-                              </m:e>
-                              <m:sub>
-                                <m:r>
-                                  <a:rPr lang="en-US" i="1">
-                                    <a:latin typeface="Cambria Math" panose="02040503050406030204" pitchFamily="18" charset="0"/>
-                                  </a:rPr>
-                                  <m:t>𝑗𝑖</m:t>
-                                </m:r>
-                              </m:sub>
-                            </m:sSub>
-                          </m:sup>
-                        </m:sSup>
-                      </m:e>
-                    </m:nary>
-                  </m:oMath>
-                </a14:m>
+                <a14:m/>
                 <a:endParaRPr lang="en-US" dirty="0" smtClean="0"/>
               </a:p>
               <a:p>
@@ -8502,16 +8532,7 @@
                   <a:buFont typeface="Wingdings" panose="05000000000000000000" pitchFamily="2" charset="2"/>
                   <a:buChar char="Ø"/>
                 </a:pPr>
-                <a14:m>
-                  <m:oMath xmlns:m="http://schemas.openxmlformats.org/officeDocument/2006/math">
-                    <m:r>
-                      <a:rPr lang="en-US" i="1">
-                        <a:latin typeface="Cambria Math" panose="02040503050406030204" pitchFamily="18" charset="0"/>
-                      </a:rPr>
-                      <m:t>𝜃</m:t>
-                    </m:r>
-                  </m:oMath>
-                </a14:m>
+                <a14:m/>
                 <a:r>
                   <a:rPr lang="en-US" dirty="0" smtClean="0"/>
                   <a:t> function is just a numerical convenience</a:t>
@@ -8580,7 +8601,7 @@
             </p:txBody>
           </p:sp>
         </mc:Choice>
-        <mc:Fallback>
+        <mc:Fallback xmlns="">
           <p:sp>
             <p:nvSpPr>
               <p:cNvPr id="3" name="Content Placeholder 2"/>
@@ -8627,7 +8648,7 @@
   <p:timing>
     <p:tnLst>
       <p:par>
-        <p:cTn id="1" dur="indefinite" restart="never" nodeType="tmRoot">
+        <p:cTn xmlns:p14="http://schemas.microsoft.com/office/powerpoint/2010/main" id="1" dur="indefinite" restart="never" nodeType="tmRoot">
           <p:childTnLst>
             <p:seq concurrent="1" nextAc="seek">
               <p:cTn id="2" dur="indefinite" nodeType="mainSeq">
@@ -9308,35 +9329,188 @@
           <a:p>
             <a:r>
               <a:rPr lang="en-US" dirty="0" smtClean="0"/>
-              <a:t>Results and their interpretations.</a:t>
+              <a:t>Implementation</a:t>
             </a:r>
             <a:endParaRPr lang="en-US" dirty="0"/>
           </a:p>
         </p:txBody>
       </p:sp>
-      <p:sp>
-        <p:nvSpPr>
-          <p:cNvPr id="3" name="Content Placeholder 2"/>
-          <p:cNvSpPr>
-            <a:spLocks noGrp="1"/>
-          </p:cNvSpPr>
-          <p:nvPr>
-            <p:ph idx="1"/>
-          </p:nvPr>
-        </p:nvSpPr>
-        <p:spPr/>
-        <p:txBody>
-          <a:bodyPr/>
-          <a:lstStyle/>
-          <a:p>
-            <a:endParaRPr lang="en-US"/>
-          </a:p>
-        </p:txBody>
-      </p:sp>
+      <mc:AlternateContent xmlns:mc="http://schemas.openxmlformats.org/markup-compatibility/2006" xmlns:a14="http://schemas.microsoft.com/office/drawing/2010/main">
+        <mc:Choice Requires="a14">
+          <p:sp>
+            <p:nvSpPr>
+              <p:cNvPr id="3" name="Content Placeholder 2"/>
+              <p:cNvSpPr>
+                <a:spLocks noGrp="1"/>
+              </p:cNvSpPr>
+              <p:nvPr>
+                <p:ph idx="1"/>
+              </p:nvPr>
+            </p:nvSpPr>
+            <p:spPr/>
+            <p:txBody>
+              <a:bodyPr>
+                <a:normAutofit fontScale="92500"/>
+              </a:bodyPr>
+              <a:lstStyle/>
+              <a:p>
+                <a:pPr>
+                  <a:buFont typeface="Wingdings" panose="05000000000000000000" pitchFamily="2" charset="2"/>
+                  <a:buChar char="Ø"/>
+                </a:pPr>
+                <a:r>
+                  <a:rPr lang="en-US" dirty="0" smtClean="0"/>
+                  <a:t>Two parts</a:t>
+                </a:r>
+              </a:p>
+              <a:p>
+                <a:pPr lvl="1">
+                  <a:buFont typeface="Wingdings" panose="05000000000000000000" pitchFamily="2" charset="2"/>
+                  <a:buChar char="Ø"/>
+                </a:pPr>
+                <a:r>
+                  <a:rPr lang="en-US" dirty="0" smtClean="0"/>
+                  <a:t>Specific to one individual in the group</a:t>
+                </a:r>
+              </a:p>
+              <a:p>
+                <a:pPr lvl="2">
+                  <a:buFont typeface="Wingdings" panose="05000000000000000000" pitchFamily="2" charset="2"/>
+                  <a:buChar char="Ø"/>
+                </a:pPr>
+                <a14:m/>
+                <a:endParaRPr lang="en-US" sz="2000" dirty="0" smtClean="0"/>
+              </a:p>
+              <a:p>
+                <a:pPr lvl="1">
+                  <a:buFont typeface="Wingdings" panose="05000000000000000000" pitchFamily="2" charset="2"/>
+                  <a:buChar char="Ø"/>
+                </a:pPr>
+                <a:r>
+                  <a:rPr lang="en-US" dirty="0" smtClean="0"/>
+                  <a:t>Disturbance from neighbors </a:t>
+                </a:r>
+              </a:p>
+              <a:p>
+                <a:pPr lvl="2">
+                  <a:buFont typeface="Wingdings" panose="05000000000000000000" pitchFamily="2" charset="2"/>
+                  <a:buChar char="Ø"/>
+                </a:pPr>
+                <a14:m/>
+                <a:endParaRPr lang="en-US" dirty="0" smtClean="0"/>
+              </a:p>
+              <a:p>
+                <a:pPr lvl="2">
+                  <a:buFont typeface="Wingdings" panose="05000000000000000000" pitchFamily="2" charset="2"/>
+                  <a:buChar char="Ø"/>
+                </a:pPr>
+                <a14:m/>
+                <a:r>
+                  <a:rPr lang="en-US" dirty="0" smtClean="0"/>
+                  <a:t> function is just a numerical convenience</a:t>
+                </a:r>
+              </a:p>
+              <a:p>
+                <a:pPr>
+                  <a:buFont typeface="Wingdings" panose="05000000000000000000" pitchFamily="2" charset="2"/>
+                  <a:buChar char="Ø"/>
+                </a:pPr>
+                <a:r>
+                  <a:rPr lang="en-US" dirty="0" smtClean="0"/>
+                  <a:t>Modular implementation</a:t>
+                </a:r>
+              </a:p>
+              <a:p>
+                <a:pPr lvl="1">
+                  <a:buFont typeface="Wingdings" panose="05000000000000000000" pitchFamily="2" charset="2"/>
+                  <a:buChar char="Ø"/>
+                </a:pPr>
+                <a:r>
+                  <a:rPr lang="en-US" dirty="0" smtClean="0"/>
+                  <a:t>Nodes simulate individual</a:t>
+                </a:r>
+              </a:p>
+              <a:p>
+                <a:pPr lvl="1">
+                  <a:buFont typeface="Wingdings" panose="05000000000000000000" pitchFamily="2" charset="2"/>
+                  <a:buChar char="Ø"/>
+                </a:pPr>
+                <a:r>
+                  <a:rPr lang="en-US" dirty="0" smtClean="0"/>
+                  <a:t>Network simulates interactions</a:t>
+                </a:r>
+              </a:p>
+              <a:p>
+                <a:pPr>
+                  <a:buFont typeface="Wingdings" panose="05000000000000000000" pitchFamily="2" charset="2"/>
+                  <a:buChar char="Ø"/>
+                </a:pPr>
+                <a:r>
+                  <a:rPr lang="en-US" dirty="0" smtClean="0"/>
+                  <a:t>Behavior of individual can be changed without effecting rest of the code</a:t>
+                </a:r>
+              </a:p>
+              <a:p>
+                <a:pPr>
+                  <a:buFont typeface="Wingdings" panose="05000000000000000000" pitchFamily="2" charset="2"/>
+                  <a:buChar char="Ø"/>
+                </a:pPr>
+                <a:r>
+                  <a:rPr lang="en-US" dirty="0" smtClean="0"/>
+                  <a:t>Properties of interaction can be specified separately for each connection</a:t>
+                </a:r>
+              </a:p>
+              <a:p>
+                <a:pPr lvl="1">
+                  <a:buFont typeface="Wingdings" panose="05000000000000000000" pitchFamily="2" charset="2"/>
+                  <a:buChar char="Ø"/>
+                </a:pPr>
+                <a:r>
+                  <a:rPr lang="en-US" dirty="0" smtClean="0"/>
+                  <a:t>Reusability.</a:t>
+                </a:r>
+              </a:p>
+            </p:txBody>
+          </p:sp>
+        </mc:Choice>
+        <mc:Fallback xmlns="">
+          <p:sp>
+            <p:nvSpPr>
+              <p:cNvPr id="3" name="Content Placeholder 2"/>
+              <p:cNvSpPr>
+                <a:spLocks noGrp="1" noRot="1" noChangeAspect="1" noMove="1" noResize="1" noEditPoints="1" noAdjustHandles="1" noChangeArrowheads="1" noChangeShapeType="1" noTextEdit="1"/>
+              </p:cNvSpPr>
+              <p:nvPr>
+                <p:ph idx="1"/>
+              </p:nvPr>
+            </p:nvSpPr>
+            <p:spPr>
+              <a:blipFill rotWithShape="0">
+                <a:blip r:embed="rId3"/>
+                <a:stretch>
+                  <a:fillRect l="-1777" t="-1970" b="-758"/>
+                </a:stretch>
+              </a:blipFill>
+            </p:spPr>
+            <p:txBody>
+              <a:bodyPr/>
+              <a:lstStyle/>
+              <a:p>
+                <a:r>
+                  <a:rPr lang="en-US">
+                    <a:noFill/>
+                  </a:rPr>
+                  <a:t> </a:t>
+                </a:r>
+              </a:p>
+            </p:txBody>
+          </p:sp>
+        </mc:Fallback>
+      </mc:AlternateContent>
     </p:spTree>
     <p:extLst>
       <p:ext uri="{BB962C8B-B14F-4D97-AF65-F5344CB8AC3E}">
-        <p14:creationId xmlns:p14="http://schemas.microsoft.com/office/powerpoint/2010/main" val="2056232160"/>
+        <p14:creationId xmlns:p14="http://schemas.microsoft.com/office/powerpoint/2010/main" val="2263920839"/>
       </p:ext>
     </p:extLst>
   </p:cSld>
@@ -9346,7 +9520,647 @@
   <p:timing>
     <p:tnLst>
       <p:par>
-        <p:cTn id="1" dur="indefinite" restart="never" nodeType="tmRoot"/>
+        <p:cTn xmlns:p14="http://schemas.microsoft.com/office/powerpoint/2010/main" id="1" dur="indefinite" restart="never" nodeType="tmRoot">
+          <p:childTnLst>
+            <p:seq concurrent="1" nextAc="seek">
+              <p:cTn id="2" dur="indefinite" nodeType="mainSeq">
+                <p:childTnLst>
+                  <p:par>
+                    <p:cTn id="3" fill="hold">
+                      <p:stCondLst>
+                        <p:cond delay="indefinite"/>
+                      </p:stCondLst>
+                      <p:childTnLst>
+                        <p:par>
+                          <p:cTn id="4" fill="hold">
+                            <p:stCondLst>
+                              <p:cond delay="0"/>
+                            </p:stCondLst>
+                            <p:childTnLst>
+                              <p:par>
+                                <p:cTn id="5" presetID="10" presetClass="entr" presetSubtype="0" fill="hold" nodeType="clickEffect">
+                                  <p:stCondLst>
+                                    <p:cond delay="0"/>
+                                  </p:stCondLst>
+                                  <p:childTnLst>
+                                    <p:set>
+                                      <p:cBhvr>
+                                        <p:cTn id="6" dur="1" fill="hold">
+                                          <p:stCondLst>
+                                            <p:cond delay="0"/>
+                                          </p:stCondLst>
+                                        </p:cTn>
+                                        <p:tgtEl>
+                                          <p:spTgt spid="3">
+                                            <p:txEl>
+                                              <p:pRg st="1" end="1"/>
+                                            </p:txEl>
+                                          </p:spTgt>
+                                        </p:tgtEl>
+                                        <p:attrNameLst>
+                                          <p:attrName>style.visibility</p:attrName>
+                                        </p:attrNameLst>
+                                      </p:cBhvr>
+                                      <p:to>
+                                        <p:strVal val="visible"/>
+                                      </p:to>
+                                    </p:set>
+                                    <p:animEffect transition="in" filter="fade">
+                                      <p:cBhvr>
+                                        <p:cTn id="7" dur="500"/>
+                                        <p:tgtEl>
+                                          <p:spTgt spid="3">
+                                            <p:txEl>
+                                              <p:pRg st="1" end="1"/>
+                                            </p:txEl>
+                                          </p:spTgt>
+                                        </p:tgtEl>
+                                      </p:cBhvr>
+                                    </p:animEffect>
+                                  </p:childTnLst>
+                                </p:cTn>
+                              </p:par>
+                              <p:par>
+                                <p:cTn id="8" presetID="10" presetClass="entr" presetSubtype="0" fill="hold" nodeType="withEffect">
+                                  <p:stCondLst>
+                                    <p:cond delay="0"/>
+                                  </p:stCondLst>
+                                  <p:childTnLst>
+                                    <p:set>
+                                      <p:cBhvr>
+                                        <p:cTn id="9" dur="1" fill="hold">
+                                          <p:stCondLst>
+                                            <p:cond delay="0"/>
+                                          </p:stCondLst>
+                                        </p:cTn>
+                                        <p:tgtEl>
+                                          <p:spTgt spid="3">
+                                            <p:txEl>
+                                              <p:pRg st="2" end="2"/>
+                                            </p:txEl>
+                                          </p:spTgt>
+                                        </p:tgtEl>
+                                        <p:attrNameLst>
+                                          <p:attrName>style.visibility</p:attrName>
+                                        </p:attrNameLst>
+                                      </p:cBhvr>
+                                      <p:to>
+                                        <p:strVal val="visible"/>
+                                      </p:to>
+                                    </p:set>
+                                    <p:animEffect transition="in" filter="fade">
+                                      <p:cBhvr>
+                                        <p:cTn id="10" dur="500"/>
+                                        <p:tgtEl>
+                                          <p:spTgt spid="3">
+                                            <p:txEl>
+                                              <p:pRg st="2" end="2"/>
+                                            </p:txEl>
+                                          </p:spTgt>
+                                        </p:tgtEl>
+                                      </p:cBhvr>
+                                    </p:animEffect>
+                                  </p:childTnLst>
+                                </p:cTn>
+                              </p:par>
+                            </p:childTnLst>
+                          </p:cTn>
+                        </p:par>
+                      </p:childTnLst>
+                    </p:cTn>
+                  </p:par>
+                  <p:par>
+                    <p:cTn id="11" fill="hold">
+                      <p:stCondLst>
+                        <p:cond delay="indefinite"/>
+                      </p:stCondLst>
+                      <p:childTnLst>
+                        <p:par>
+                          <p:cTn id="12" fill="hold">
+                            <p:stCondLst>
+                              <p:cond delay="0"/>
+                            </p:stCondLst>
+                            <p:childTnLst>
+                              <p:par>
+                                <p:cTn id="13" presetID="10" presetClass="entr" presetSubtype="0" fill="hold" nodeType="clickEffect">
+                                  <p:stCondLst>
+                                    <p:cond delay="0"/>
+                                  </p:stCondLst>
+                                  <p:childTnLst>
+                                    <p:set>
+                                      <p:cBhvr>
+                                        <p:cTn id="14" dur="1" fill="hold">
+                                          <p:stCondLst>
+                                            <p:cond delay="0"/>
+                                          </p:stCondLst>
+                                        </p:cTn>
+                                        <p:tgtEl>
+                                          <p:spTgt spid="3">
+                                            <p:txEl>
+                                              <p:pRg st="3" end="3"/>
+                                            </p:txEl>
+                                          </p:spTgt>
+                                        </p:tgtEl>
+                                        <p:attrNameLst>
+                                          <p:attrName>style.visibility</p:attrName>
+                                        </p:attrNameLst>
+                                      </p:cBhvr>
+                                      <p:to>
+                                        <p:strVal val="visible"/>
+                                      </p:to>
+                                    </p:set>
+                                    <p:animEffect transition="in" filter="fade">
+                                      <p:cBhvr>
+                                        <p:cTn id="15" dur="500"/>
+                                        <p:tgtEl>
+                                          <p:spTgt spid="3">
+                                            <p:txEl>
+                                              <p:pRg st="3" end="3"/>
+                                            </p:txEl>
+                                          </p:spTgt>
+                                        </p:tgtEl>
+                                      </p:cBhvr>
+                                    </p:animEffect>
+                                  </p:childTnLst>
+                                </p:cTn>
+                              </p:par>
+                              <p:par>
+                                <p:cTn id="16" presetID="10" presetClass="entr" presetSubtype="0" fill="hold" nodeType="withEffect">
+                                  <p:stCondLst>
+                                    <p:cond delay="0"/>
+                                  </p:stCondLst>
+                                  <p:childTnLst>
+                                    <p:set>
+                                      <p:cBhvr>
+                                        <p:cTn id="17" dur="1" fill="hold">
+                                          <p:stCondLst>
+                                            <p:cond delay="0"/>
+                                          </p:stCondLst>
+                                        </p:cTn>
+                                        <p:tgtEl>
+                                          <p:spTgt spid="3">
+                                            <p:txEl>
+                                              <p:pRg st="4" end="4"/>
+                                            </p:txEl>
+                                          </p:spTgt>
+                                        </p:tgtEl>
+                                        <p:attrNameLst>
+                                          <p:attrName>style.visibility</p:attrName>
+                                        </p:attrNameLst>
+                                      </p:cBhvr>
+                                      <p:to>
+                                        <p:strVal val="visible"/>
+                                      </p:to>
+                                    </p:set>
+                                    <p:animEffect transition="in" filter="fade">
+                                      <p:cBhvr>
+                                        <p:cTn id="18" dur="500"/>
+                                        <p:tgtEl>
+                                          <p:spTgt spid="3">
+                                            <p:txEl>
+                                              <p:pRg st="4" end="4"/>
+                                            </p:txEl>
+                                          </p:spTgt>
+                                        </p:tgtEl>
+                                      </p:cBhvr>
+                                    </p:animEffect>
+                                  </p:childTnLst>
+                                </p:cTn>
+                              </p:par>
+                            </p:childTnLst>
+                          </p:cTn>
+                        </p:par>
+                      </p:childTnLst>
+                    </p:cTn>
+                  </p:par>
+                  <p:par>
+                    <p:cTn id="19" fill="hold">
+                      <p:stCondLst>
+                        <p:cond delay="indefinite"/>
+                      </p:stCondLst>
+                      <p:childTnLst>
+                        <p:par>
+                          <p:cTn id="20" fill="hold">
+                            <p:stCondLst>
+                              <p:cond delay="0"/>
+                            </p:stCondLst>
+                            <p:childTnLst>
+                              <p:par>
+                                <p:cTn id="21" presetID="10" presetClass="entr" presetSubtype="0" fill="hold" nodeType="clickEffect">
+                                  <p:stCondLst>
+                                    <p:cond delay="0"/>
+                                  </p:stCondLst>
+                                  <p:childTnLst>
+                                    <p:set>
+                                      <p:cBhvr>
+                                        <p:cTn id="22" dur="1" fill="hold">
+                                          <p:stCondLst>
+                                            <p:cond delay="0"/>
+                                          </p:stCondLst>
+                                        </p:cTn>
+                                        <p:tgtEl>
+                                          <p:spTgt spid="3">
+                                            <p:txEl>
+                                              <p:pRg st="5" end="5"/>
+                                            </p:txEl>
+                                          </p:spTgt>
+                                        </p:tgtEl>
+                                        <p:attrNameLst>
+                                          <p:attrName>style.visibility</p:attrName>
+                                        </p:attrNameLst>
+                                      </p:cBhvr>
+                                      <p:to>
+                                        <p:strVal val="visible"/>
+                                      </p:to>
+                                    </p:set>
+                                    <p:animEffect transition="in" filter="fade">
+                                      <p:cBhvr>
+                                        <p:cTn id="23" dur="500"/>
+                                        <p:tgtEl>
+                                          <p:spTgt spid="3">
+                                            <p:txEl>
+                                              <p:pRg st="5" end="5"/>
+                                            </p:txEl>
+                                          </p:spTgt>
+                                        </p:tgtEl>
+                                      </p:cBhvr>
+                                    </p:animEffect>
+                                  </p:childTnLst>
+                                </p:cTn>
+                              </p:par>
+                            </p:childTnLst>
+                          </p:cTn>
+                        </p:par>
+                      </p:childTnLst>
+                    </p:cTn>
+                  </p:par>
+                  <p:par>
+                    <p:cTn id="24" fill="hold">
+                      <p:stCondLst>
+                        <p:cond delay="indefinite"/>
+                      </p:stCondLst>
+                      <p:childTnLst>
+                        <p:par>
+                          <p:cTn id="25" fill="hold">
+                            <p:stCondLst>
+                              <p:cond delay="0"/>
+                            </p:stCondLst>
+                            <p:childTnLst>
+                              <p:par>
+                                <p:cTn id="26" presetID="10" presetClass="entr" presetSubtype="0" fill="hold" nodeType="clickEffect">
+                                  <p:stCondLst>
+                                    <p:cond delay="0"/>
+                                  </p:stCondLst>
+                                  <p:childTnLst>
+                                    <p:set>
+                                      <p:cBhvr>
+                                        <p:cTn id="27" dur="1" fill="hold">
+                                          <p:stCondLst>
+                                            <p:cond delay="0"/>
+                                          </p:stCondLst>
+                                        </p:cTn>
+                                        <p:tgtEl>
+                                          <p:spTgt spid="3">
+                                            <p:txEl>
+                                              <p:pRg st="6" end="6"/>
+                                            </p:txEl>
+                                          </p:spTgt>
+                                        </p:tgtEl>
+                                        <p:attrNameLst>
+                                          <p:attrName>style.visibility</p:attrName>
+                                        </p:attrNameLst>
+                                      </p:cBhvr>
+                                      <p:to>
+                                        <p:strVal val="visible"/>
+                                      </p:to>
+                                    </p:set>
+                                    <p:animEffect transition="in" filter="fade">
+                                      <p:cBhvr>
+                                        <p:cTn id="28" dur="500"/>
+                                        <p:tgtEl>
+                                          <p:spTgt spid="3">
+                                            <p:txEl>
+                                              <p:pRg st="6" end="6"/>
+                                            </p:txEl>
+                                          </p:spTgt>
+                                        </p:tgtEl>
+                                      </p:cBhvr>
+                                    </p:animEffect>
+                                  </p:childTnLst>
+                                </p:cTn>
+                              </p:par>
+                            </p:childTnLst>
+                          </p:cTn>
+                        </p:par>
+                      </p:childTnLst>
+                    </p:cTn>
+                  </p:par>
+                  <p:par>
+                    <p:cTn id="29" fill="hold">
+                      <p:stCondLst>
+                        <p:cond delay="indefinite"/>
+                      </p:stCondLst>
+                      <p:childTnLst>
+                        <p:par>
+                          <p:cTn id="30" fill="hold">
+                            <p:stCondLst>
+                              <p:cond delay="0"/>
+                            </p:stCondLst>
+                            <p:childTnLst>
+                              <p:par>
+                                <p:cTn id="31" presetID="10" presetClass="entr" presetSubtype="0" fill="hold" nodeType="clickEffect">
+                                  <p:stCondLst>
+                                    <p:cond delay="0"/>
+                                  </p:stCondLst>
+                                  <p:childTnLst>
+                                    <p:set>
+                                      <p:cBhvr>
+                                        <p:cTn id="32" dur="1" fill="hold">
+                                          <p:stCondLst>
+                                            <p:cond delay="0"/>
+                                          </p:stCondLst>
+                                        </p:cTn>
+                                        <p:tgtEl>
+                                          <p:spTgt spid="3">
+                                            <p:txEl>
+                                              <p:pRg st="7" end="7"/>
+                                            </p:txEl>
+                                          </p:spTgt>
+                                        </p:tgtEl>
+                                        <p:attrNameLst>
+                                          <p:attrName>style.visibility</p:attrName>
+                                        </p:attrNameLst>
+                                      </p:cBhvr>
+                                      <p:to>
+                                        <p:strVal val="visible"/>
+                                      </p:to>
+                                    </p:set>
+                                    <p:animEffect transition="in" filter="fade">
+                                      <p:cBhvr>
+                                        <p:cTn id="33" dur="500"/>
+                                        <p:tgtEl>
+                                          <p:spTgt spid="3">
+                                            <p:txEl>
+                                              <p:pRg st="7" end="7"/>
+                                            </p:txEl>
+                                          </p:spTgt>
+                                        </p:tgtEl>
+                                      </p:cBhvr>
+                                    </p:animEffect>
+                                  </p:childTnLst>
+                                </p:cTn>
+                              </p:par>
+                            </p:childTnLst>
+                          </p:cTn>
+                        </p:par>
+                      </p:childTnLst>
+                    </p:cTn>
+                  </p:par>
+                  <p:par>
+                    <p:cTn id="34" fill="hold">
+                      <p:stCondLst>
+                        <p:cond delay="indefinite"/>
+                      </p:stCondLst>
+                      <p:childTnLst>
+                        <p:par>
+                          <p:cTn id="35" fill="hold">
+                            <p:stCondLst>
+                              <p:cond delay="0"/>
+                            </p:stCondLst>
+                            <p:childTnLst>
+                              <p:par>
+                                <p:cTn id="36" presetID="10" presetClass="entr" presetSubtype="0" fill="hold" nodeType="clickEffect">
+                                  <p:stCondLst>
+                                    <p:cond delay="0"/>
+                                  </p:stCondLst>
+                                  <p:childTnLst>
+                                    <p:set>
+                                      <p:cBhvr>
+                                        <p:cTn id="37" dur="1" fill="hold">
+                                          <p:stCondLst>
+                                            <p:cond delay="0"/>
+                                          </p:stCondLst>
+                                        </p:cTn>
+                                        <p:tgtEl>
+                                          <p:spTgt spid="3">
+                                            <p:txEl>
+                                              <p:pRg st="8" end="8"/>
+                                            </p:txEl>
+                                          </p:spTgt>
+                                        </p:tgtEl>
+                                        <p:attrNameLst>
+                                          <p:attrName>style.visibility</p:attrName>
+                                        </p:attrNameLst>
+                                      </p:cBhvr>
+                                      <p:to>
+                                        <p:strVal val="visible"/>
+                                      </p:to>
+                                    </p:set>
+                                    <p:animEffect transition="in" filter="fade">
+                                      <p:cBhvr>
+                                        <p:cTn id="38" dur="500"/>
+                                        <p:tgtEl>
+                                          <p:spTgt spid="3">
+                                            <p:txEl>
+                                              <p:pRg st="8" end="8"/>
+                                            </p:txEl>
+                                          </p:spTgt>
+                                        </p:tgtEl>
+                                      </p:cBhvr>
+                                    </p:animEffect>
+                                  </p:childTnLst>
+                                </p:cTn>
+                              </p:par>
+                            </p:childTnLst>
+                          </p:cTn>
+                        </p:par>
+                      </p:childTnLst>
+                    </p:cTn>
+                  </p:par>
+                  <p:par>
+                    <p:cTn id="39" fill="hold">
+                      <p:stCondLst>
+                        <p:cond delay="indefinite"/>
+                      </p:stCondLst>
+                      <p:childTnLst>
+                        <p:par>
+                          <p:cTn id="40" fill="hold">
+                            <p:stCondLst>
+                              <p:cond delay="0"/>
+                            </p:stCondLst>
+                            <p:childTnLst>
+                              <p:par>
+                                <p:cTn id="41" presetID="10" presetClass="entr" presetSubtype="0" fill="hold" nodeType="clickEffect">
+                                  <p:stCondLst>
+                                    <p:cond delay="0"/>
+                                  </p:stCondLst>
+                                  <p:childTnLst>
+                                    <p:set>
+                                      <p:cBhvr>
+                                        <p:cTn id="42" dur="1" fill="hold">
+                                          <p:stCondLst>
+                                            <p:cond delay="0"/>
+                                          </p:stCondLst>
+                                        </p:cTn>
+                                        <p:tgtEl>
+                                          <p:spTgt spid="3">
+                                            <p:txEl>
+                                              <p:pRg st="9" end="9"/>
+                                            </p:txEl>
+                                          </p:spTgt>
+                                        </p:tgtEl>
+                                        <p:attrNameLst>
+                                          <p:attrName>style.visibility</p:attrName>
+                                        </p:attrNameLst>
+                                      </p:cBhvr>
+                                      <p:to>
+                                        <p:strVal val="visible"/>
+                                      </p:to>
+                                    </p:set>
+                                    <p:animEffect transition="in" filter="fade">
+                                      <p:cBhvr>
+                                        <p:cTn id="43" dur="500"/>
+                                        <p:tgtEl>
+                                          <p:spTgt spid="3">
+                                            <p:txEl>
+                                              <p:pRg st="9" end="9"/>
+                                            </p:txEl>
+                                          </p:spTgt>
+                                        </p:tgtEl>
+                                      </p:cBhvr>
+                                    </p:animEffect>
+                                  </p:childTnLst>
+                                </p:cTn>
+                              </p:par>
+                            </p:childTnLst>
+                          </p:cTn>
+                        </p:par>
+                      </p:childTnLst>
+                    </p:cTn>
+                  </p:par>
+                  <p:par>
+                    <p:cTn id="44" fill="hold">
+                      <p:stCondLst>
+                        <p:cond delay="indefinite"/>
+                      </p:stCondLst>
+                      <p:childTnLst>
+                        <p:par>
+                          <p:cTn id="45" fill="hold">
+                            <p:stCondLst>
+                              <p:cond delay="0"/>
+                            </p:stCondLst>
+                            <p:childTnLst>
+                              <p:par>
+                                <p:cTn id="46" presetID="10" presetClass="entr" presetSubtype="0" fill="hold" nodeType="clickEffect">
+                                  <p:stCondLst>
+                                    <p:cond delay="0"/>
+                                  </p:stCondLst>
+                                  <p:childTnLst>
+                                    <p:set>
+                                      <p:cBhvr>
+                                        <p:cTn id="47" dur="1" fill="hold">
+                                          <p:stCondLst>
+                                            <p:cond delay="0"/>
+                                          </p:stCondLst>
+                                        </p:cTn>
+                                        <p:tgtEl>
+                                          <p:spTgt spid="3">
+                                            <p:txEl>
+                                              <p:pRg st="10" end="10"/>
+                                            </p:txEl>
+                                          </p:spTgt>
+                                        </p:tgtEl>
+                                        <p:attrNameLst>
+                                          <p:attrName>style.visibility</p:attrName>
+                                        </p:attrNameLst>
+                                      </p:cBhvr>
+                                      <p:to>
+                                        <p:strVal val="visible"/>
+                                      </p:to>
+                                    </p:set>
+                                    <p:animEffect transition="in" filter="fade">
+                                      <p:cBhvr>
+                                        <p:cTn id="48" dur="500"/>
+                                        <p:tgtEl>
+                                          <p:spTgt spid="3">
+                                            <p:txEl>
+                                              <p:pRg st="10" end="10"/>
+                                            </p:txEl>
+                                          </p:spTgt>
+                                        </p:tgtEl>
+                                      </p:cBhvr>
+                                    </p:animEffect>
+                                  </p:childTnLst>
+                                </p:cTn>
+                              </p:par>
+                              <p:par>
+                                <p:cTn id="49" presetID="10" presetClass="entr" presetSubtype="0" fill="hold" nodeType="withEffect">
+                                  <p:stCondLst>
+                                    <p:cond delay="0"/>
+                                  </p:stCondLst>
+                                  <p:childTnLst>
+                                    <p:set>
+                                      <p:cBhvr>
+                                        <p:cTn id="50" dur="1" fill="hold">
+                                          <p:stCondLst>
+                                            <p:cond delay="0"/>
+                                          </p:stCondLst>
+                                        </p:cTn>
+                                        <p:tgtEl>
+                                          <p:spTgt spid="3">
+                                            <p:txEl>
+                                              <p:pRg st="11" end="11"/>
+                                            </p:txEl>
+                                          </p:spTgt>
+                                        </p:tgtEl>
+                                        <p:attrNameLst>
+                                          <p:attrName>style.visibility</p:attrName>
+                                        </p:attrNameLst>
+                                      </p:cBhvr>
+                                      <p:to>
+                                        <p:strVal val="visible"/>
+                                      </p:to>
+                                    </p:set>
+                                    <p:animEffect transition="in" filter="fade">
+                                      <p:cBhvr>
+                                        <p:cTn id="51" dur="500"/>
+                                        <p:tgtEl>
+                                          <p:spTgt spid="3">
+                                            <p:txEl>
+                                              <p:pRg st="11" end="11"/>
+                                            </p:txEl>
+                                          </p:spTgt>
+                                        </p:tgtEl>
+                                      </p:cBhvr>
+                                    </p:animEffect>
+                                  </p:childTnLst>
+                                </p:cTn>
+                              </p:par>
+                            </p:childTnLst>
+                          </p:cTn>
+                        </p:par>
+                      </p:childTnLst>
+                    </p:cTn>
+                  </p:par>
+                </p:childTnLst>
+              </p:cTn>
+              <p:prevCondLst>
+                <p:cond evt="onPrev" delay="0">
+                  <p:tgtEl>
+                    <p:sldTgt/>
+                  </p:tgtEl>
+                </p:cond>
+              </p:prevCondLst>
+              <p:nextCondLst>
+                <p:cond evt="onNext" delay="0">
+                  <p:tgtEl>
+                    <p:sldTgt/>
+                  </p:tgtEl>
+                </p:cond>
+              </p:nextCondLst>
+            </p:seq>
+          </p:childTnLst>
+        </p:cTn>
       </p:par>
     </p:tnLst>
   </p:timing>
@@ -9370,128 +10184,33 @@
           <a:chExt cx="0" cy="0"/>
         </a:xfrm>
       </p:grpSpPr>
-      <p:pic>
-        <p:nvPicPr>
-          <p:cNvPr id="5" name="Picture 4" descr="beta0.jpg"/>
-          <p:cNvPicPr>
-            <a:picLocks noChangeAspect="1"/>
-          </p:cNvPicPr>
-          <p:nvPr/>
-        </p:nvPicPr>
-        <p:blipFill>
-          <a:blip r:embed="rId2">
-            <a:extLst>
-              <a:ext uri="{28A0092B-C50C-407E-A947-70E740481C1C}">
-                <a14:useLocalDpi xmlns:a14="http://schemas.microsoft.com/office/drawing/2010/main" val="0"/>
-              </a:ext>
-            </a:extLst>
-          </a:blip>
-          <a:stretch>
-            <a:fillRect/>
-          </a:stretch>
-        </p:blipFill>
-        <p:spPr>
-          <a:xfrm>
-            <a:off x="0" y="0"/>
-            <a:ext cx="4575477" cy="3431608"/>
-          </a:xfrm>
-          <a:prstGeom prst="rect">
-            <a:avLst/>
-          </a:prstGeom>
-        </p:spPr>
-      </p:pic>
-      <p:pic>
-        <p:nvPicPr>
-          <p:cNvPr id="6" name="Picture 5" descr="beta0.50.jpg"/>
-          <p:cNvPicPr>
-            <a:picLocks noChangeAspect="1"/>
-          </p:cNvPicPr>
-          <p:nvPr/>
-        </p:nvPicPr>
-        <p:blipFill>
-          <a:blip r:embed="rId3">
-            <a:extLst>
-              <a:ext uri="{28A0092B-C50C-407E-A947-70E740481C1C}">
-                <a14:useLocalDpi xmlns:a14="http://schemas.microsoft.com/office/drawing/2010/main" val="0"/>
-              </a:ext>
-            </a:extLst>
-          </a:blip>
-          <a:stretch>
-            <a:fillRect/>
-          </a:stretch>
-        </p:blipFill>
-        <p:spPr>
-          <a:xfrm>
-            <a:off x="4417738" y="1"/>
-            <a:ext cx="4575477" cy="3431608"/>
-          </a:xfrm>
-          <a:prstGeom prst="rect">
-            <a:avLst/>
-          </a:prstGeom>
-        </p:spPr>
-      </p:pic>
-      <p:pic>
-        <p:nvPicPr>
-          <p:cNvPr id="7" name="Picture 6" descr="beta0.15.jpg"/>
-          <p:cNvPicPr>
-            <a:picLocks noChangeAspect="1"/>
-          </p:cNvPicPr>
-          <p:nvPr/>
-        </p:nvPicPr>
-        <p:blipFill rotWithShape="1">
-          <a:blip r:embed="rId4">
-            <a:extLst>
-              <a:ext uri="{28A0092B-C50C-407E-A947-70E740481C1C}">
-                <a14:useLocalDpi xmlns:a14="http://schemas.microsoft.com/office/drawing/2010/main" val="0"/>
-              </a:ext>
-            </a:extLst>
-          </a:blip>
-          <a:srcRect l="4233" t="2278" b="5674"/>
-          <a:stretch/>
-        </p:blipFill>
-        <p:spPr>
-          <a:xfrm>
-            <a:off x="232012" y="3182215"/>
-            <a:ext cx="4335489" cy="3125338"/>
-          </a:xfrm>
-          <a:prstGeom prst="rect">
-            <a:avLst/>
-          </a:prstGeom>
-        </p:spPr>
-      </p:pic>
-      <p:pic>
-        <p:nvPicPr>
-          <p:cNvPr id="8" name="Picture 7" descr="beta1.jpg"/>
-          <p:cNvPicPr>
-            <a:picLocks noChangeAspect="1"/>
-          </p:cNvPicPr>
-          <p:nvPr/>
-        </p:nvPicPr>
-        <p:blipFill rotWithShape="1">
-          <a:blip r:embed="rId5">
-            <a:extLst>
-              <a:ext uri="{28A0092B-C50C-407E-A947-70E740481C1C}">
-                <a14:useLocalDpi xmlns:a14="http://schemas.microsoft.com/office/drawing/2010/main" val="0"/>
-              </a:ext>
-            </a:extLst>
-          </a:blip>
-          <a:srcRect t="3309" b="6194"/>
-          <a:stretch/>
-        </p:blipFill>
-        <p:spPr>
-          <a:xfrm>
-            <a:off x="4227588" y="3182215"/>
-            <a:ext cx="4765627" cy="3234519"/>
-          </a:xfrm>
-          <a:prstGeom prst="rect">
-            <a:avLst/>
-          </a:prstGeom>
-        </p:spPr>
-      </p:pic>
+      <p:sp>
+        <p:nvSpPr>
+          <p:cNvPr id="2" name="Title 1"/>
+          <p:cNvSpPr>
+            <a:spLocks noGrp="1"/>
+          </p:cNvSpPr>
+          <p:nvPr>
+            <p:ph type="title"/>
+          </p:nvPr>
+        </p:nvSpPr>
+        <p:spPr/>
+        <p:txBody>
+          <a:bodyPr/>
+          <a:lstStyle/>
+          <a:p>
+            <a:r>
+              <a:rPr lang="en-US" dirty="0" smtClean="0"/>
+              <a:t>Results and their interpretations.</a:t>
+            </a:r>
+            <a:endParaRPr lang="en-US" dirty="0"/>
+          </a:p>
+        </p:txBody>
+      </p:sp>
     </p:spTree>
     <p:extLst>
       <p:ext uri="{BB962C8B-B14F-4D97-AF65-F5344CB8AC3E}">
-        <p14:creationId xmlns:p14="http://schemas.microsoft.com/office/powerpoint/2010/main" val="2951118777"/>
+        <p14:creationId xmlns:p14="http://schemas.microsoft.com/office/powerpoint/2010/main" val="2056232160"/>
       </p:ext>
     </p:extLst>
   </p:cSld>
@@ -9501,7 +10220,7 @@
   <p:timing>
     <p:tnLst>
       <p:par>
-        <p:cTn id="1" dur="indefinite" restart="never" nodeType="tmRoot"/>
+        <p:cTn xmlns:p14="http://schemas.microsoft.com/office/powerpoint/2010/main" id="1" dur="indefinite" restart="never" nodeType="tmRoot"/>
       </p:par>
     </p:tnLst>
   </p:timing>
@@ -9525,15 +10244,44 @@
           <a:chExt cx="0" cy="0"/>
         </a:xfrm>
       </p:grpSpPr>
+      <p:sp>
+        <p:nvSpPr>
+          <p:cNvPr id="2" name="Title 1"/>
+          <p:cNvSpPr>
+            <a:spLocks noGrp="1"/>
+          </p:cNvSpPr>
+          <p:nvPr>
+            <p:ph type="title"/>
+          </p:nvPr>
+        </p:nvSpPr>
+        <p:spPr/>
+        <p:txBody>
+          <a:bodyPr/>
+          <a:lstStyle/>
+          <a:p>
+            <a:r>
+              <a:rPr lang="en-US" dirty="0" smtClean="0"/>
+              <a:t>Small</a:t>
+            </a:r>
+            <a:r>
+              <a:rPr lang="en-US" dirty="0" smtClean="0"/>
+              <a:t>-world Networks</a:t>
+            </a:r>
+            <a:endParaRPr lang="en-US" dirty="0"/>
+          </a:p>
+        </p:txBody>
+      </p:sp>
       <p:pic>
         <p:nvPicPr>
-          <p:cNvPr id="2" name="Picture 1" descr="node_degree_distribution_20.jpg"/>
+          <p:cNvPr id="6" name="Content Placeholder 5" descr="Wattson.png"/>
           <p:cNvPicPr>
-            <a:picLocks noChangeAspect="1"/>
+            <a:picLocks noGrp="1" noChangeAspect="1"/>
           </p:cNvPicPr>
-          <p:nvPr/>
+          <p:nvPr>
+            <p:ph idx="1"/>
+          </p:nvPr>
         </p:nvPicPr>
-        <p:blipFill>
+        <p:blipFill rotWithShape="1">
           <a:blip r:embed="rId2">
             <a:extLst>
               <a:ext uri="{28A0092B-C50C-407E-A947-70E740481C1C}">
@@ -9541,24 +10289,147 @@
               </a:ext>
             </a:extLst>
           </a:blip>
-          <a:stretch>
-            <a:fillRect/>
-          </a:stretch>
+          <a:srcRect r="37"/>
+          <a:stretch/>
         </p:blipFill>
         <p:spPr>
           <a:xfrm>
-            <a:off x="342290" y="177219"/>
-            <a:ext cx="8506504" cy="6379878"/>
+            <a:off x="822960" y="1737361"/>
+            <a:ext cx="5139272" cy="4557656"/>
+          </a:xfrm>
+        </p:spPr>
+      </p:pic>
+      <p:sp>
+        <p:nvSpPr>
+          <p:cNvPr id="3" name="TextBox 2"/>
+          <p:cNvSpPr txBox="1"/>
+          <p:nvPr/>
+        </p:nvSpPr>
+        <p:spPr>
+          <a:xfrm>
+            <a:off x="6165639" y="1808785"/>
+            <a:ext cx="3147015" cy="3416320"/>
           </a:xfrm>
           <a:prstGeom prst="rect">
             <a:avLst/>
           </a:prstGeom>
+          <a:noFill/>
         </p:spPr>
-      </p:pic>
+        <p:txBody>
+          <a:bodyPr wrap="none" rtlCol="0">
+            <a:spAutoFit/>
+          </a:bodyPr>
+          <a:lstStyle/>
+          <a:p>
+            <a:pPr>
+              <a:buFont typeface="Wingdings" panose="05000000000000000000" pitchFamily="2" charset="2"/>
+              <a:buChar char="Ø"/>
+            </a:pPr>
+            <a:r>
+              <a:rPr lang="en-US" dirty="0" smtClean="0"/>
+              <a:t>Small world networks created</a:t>
+            </a:r>
+            <a:br>
+              <a:rPr lang="en-US" dirty="0" smtClean="0"/>
+            </a:br>
+            <a:r>
+              <a:rPr lang="en-US" dirty="0" smtClean="0"/>
+              <a:t>with </a:t>
+            </a:r>
+            <a:r>
+              <a:rPr lang="en-US" dirty="0" err="1"/>
+              <a:t>W</a:t>
+            </a:r>
+            <a:r>
+              <a:rPr lang="en-US" dirty="0" err="1" smtClean="0"/>
+              <a:t>attson-Strogatz</a:t>
+            </a:r>
+            <a:r>
+              <a:rPr lang="en-US" dirty="0" smtClean="0"/>
+              <a:t/>
+            </a:r>
+            <a:br>
+              <a:rPr lang="en-US" dirty="0" smtClean="0"/>
+            </a:br>
+            <a:endParaRPr lang="en-US" dirty="0" smtClean="0"/>
+          </a:p>
+          <a:p>
+            <a:pPr>
+              <a:buFont typeface="Wingdings" panose="05000000000000000000" pitchFamily="2" charset="2"/>
+              <a:buChar char="Ø"/>
+            </a:pPr>
+            <a:r>
+              <a:rPr lang="en-US" dirty="0" smtClean="0"/>
+              <a:t>The size is fixed, and average</a:t>
+            </a:r>
+            <a:br>
+              <a:rPr lang="en-US" dirty="0" smtClean="0"/>
+            </a:br>
+            <a:r>
+              <a:rPr lang="en-US" dirty="0" smtClean="0"/>
+              <a:t>node degree is at 2 </a:t>
+            </a:r>
+            <a:br>
+              <a:rPr lang="en-US" dirty="0" smtClean="0"/>
+            </a:br>
+            <a:endParaRPr lang="en-US" dirty="0" smtClean="0"/>
+          </a:p>
+          <a:p>
+            <a:pPr>
+              <a:buFont typeface="Wingdings" panose="05000000000000000000" pitchFamily="2" charset="2"/>
+              <a:buChar char="Ø"/>
+            </a:pPr>
+            <a:r>
+              <a:rPr lang="en-US" dirty="0" smtClean="0"/>
+              <a:t>The beta parameter defines</a:t>
+            </a:r>
+            <a:br>
+              <a:rPr lang="en-US" dirty="0" smtClean="0"/>
+            </a:br>
+            <a:r>
+              <a:rPr lang="en-US" dirty="0" smtClean="0"/>
+              <a:t>the degree of rewiring</a:t>
+            </a:r>
+            <a:br>
+              <a:rPr lang="en-US" dirty="0" smtClean="0"/>
+            </a:br>
+            <a:endParaRPr lang="en-US" dirty="0"/>
+          </a:p>
+          <a:p>
+            <a:pPr>
+              <a:buFont typeface="Wingdings" panose="05000000000000000000" pitchFamily="2" charset="2"/>
+              <a:buChar char="Ø"/>
+            </a:pPr>
+            <a:r>
+              <a:rPr lang="en-US" dirty="0" smtClean="0"/>
+              <a:t>Beta=0 signifies ideas small-</a:t>
+            </a:r>
+            <a:br>
+              <a:rPr lang="en-US" dirty="0" smtClean="0"/>
+            </a:br>
+            <a:r>
+              <a:rPr lang="en-US" dirty="0" smtClean="0"/>
+              <a:t>world</a:t>
+            </a:r>
+            <a:endParaRPr lang="en-US" dirty="0"/>
+          </a:p>
+          <a:p>
+            <a:pPr>
+              <a:buFont typeface="Wingdings" panose="05000000000000000000" pitchFamily="2" charset="2"/>
+              <a:buChar char="Ø"/>
+            </a:pPr>
+            <a:endParaRPr lang="en-US" dirty="0">
+              <a:solidFill>
+                <a:srgbClr val="00B050"/>
+              </a:solidFill>
+            </a:endParaRPr>
+          </a:p>
+        </p:txBody>
+      </p:sp>
     </p:spTree>
     <p:extLst>
       <p:ext uri="{BB962C8B-B14F-4D97-AF65-F5344CB8AC3E}">
-        <p14:creationId xmlns:p14="http://schemas.microsoft.com/office/powerpoint/2010/main" val="1618235595"/>
+        <p14:creationId xmlns:p14="http://schemas.microsoft.com/office/powerpoint/2010/main" val="237490160"/>
       </p:ext>
     </p:extLst>
   </p:cSld>
@@ -9568,7 +10439,7 @@
   <p:timing>
     <p:tnLst>
       <p:par>
-        <p:cTn id="1" dur="indefinite" restart="never" nodeType="tmRoot"/>
+        <p:cTn xmlns:p14="http://schemas.microsoft.com/office/powerpoint/2010/main" id="1" dur="indefinite" restart="never" nodeType="tmRoot"/>
       </p:par>
     </p:tnLst>
   </p:timing>
@@ -9618,7 +10489,7 @@
     </a:clrScheme>
     <a:fontScheme name="Retrospect">
       <a:majorFont>
-        <a:latin typeface="Calibri Light" panose="020F0302020204030204"/>
+        <a:latin typeface="Calibri Light"/>
         <a:ea typeface=""/>
         <a:cs typeface=""/>
         <a:font script="Jpan" typeface="ＭＳ Ｐゴシック"/>
@@ -9653,7 +10524,7 @@
         <a:font script="Geor" typeface="Sylfaen"/>
       </a:majorFont>
       <a:minorFont>
-        <a:latin typeface="Calibri" panose="020F0502020204030204"/>
+        <a:latin typeface="Calibri"/>
         <a:ea typeface=""/>
         <a:cs typeface=""/>
         <a:font script="Jpan" typeface="ＭＳ Ｐゴシック"/>
@@ -9852,7 +10723,7 @@
   <a:extraClrSchemeLst/>
   <a:extLst>
     <a:ext uri="{05A4C25C-085E-4340-85A3-A5531E510DB2}">
-      <thm15:themeFamily xmlns:thm15="http://schemas.microsoft.com/office/thememl/2012/main" name="Retrospect" id="{5F128B03-DCCA-4EEB-AB3B-CF2899314A46}" vid="{3F1AAB62-24C6-49D2-8E01-B56FAC9A3DCD}"/>
+      <thm15:themeFamily xmlns:thm15="http://schemas.microsoft.com/office/thememl/2012/main" xmlns="" name="Retrospect" id="{5F128B03-DCCA-4EEB-AB3B-CF2899314A46}" vid="{3F1AAB62-24C6-49D2-8E01-B56FAC9A3DCD}"/>
     </a:ext>
   </a:extLst>
 </a:theme>
@@ -9901,7 +10772,7 @@
     </a:clrScheme>
     <a:fontScheme name="Office">
       <a:majorFont>
-        <a:latin typeface="Calibri Light" panose="020F0302020204030204"/>
+        <a:latin typeface="Calibri Light"/>
         <a:ea typeface=""/>
         <a:cs typeface=""/>
         <a:font script="Jpan" typeface="ＭＳ Ｐゴシック"/>
@@ -9936,7 +10807,7 @@
         <a:font script="Geor" typeface="Sylfaen"/>
       </a:majorFont>
       <a:minorFont>
-        <a:latin typeface="Calibri" panose="020F0502020204030204"/>
+        <a:latin typeface="Calibri"/>
         <a:ea typeface=""/>
         <a:cs typeface=""/>
         <a:font script="Jpan" typeface="ＭＳ Ｐゴシック"/>
@@ -10113,7 +10984,7 @@
   <a:extraClrSchemeLst/>
   <a:extLst>
     <a:ext uri="{05A4C25C-085E-4340-85A3-A5531E510DB2}">
-      <thm15:themeFamily xmlns:thm15="http://schemas.microsoft.com/office/thememl/2012/main" name="Office Theme" id="{62F939B6-93AF-4DB8-9C6B-D6C7DFDC589F}" vid="{4A3C46E8-61CC-4603-A589-7422A47A8E4A}"/>
+      <thm15:themeFamily xmlns:thm15="http://schemas.microsoft.com/office/thememl/2012/main" xmlns="" name="Office Theme" id="{62F939B6-93AF-4DB8-9C6B-D6C7DFDC589F}" vid="{4A3C46E8-61CC-4603-A589-7422A47A8E4A}"/>
     </a:ext>
   </a:extLst>
 </a:theme>

--- a/presentation/disease_spreading_presentation.pptx
+++ b/presentation/disease_spreading_presentation.pptx
@@ -220,7 +220,7 @@
           <a:p>
             <a:fld id="{7E88FFC7-8966-4ECA-A355-BC3091E12B73}" type="datetimeFigureOut">
               <a:rPr lang="en-US" smtClean="0"/>
-              <a:t>12/13/15</a:t>
+              <a:t>12/14/15</a:t>
             </a:fld>
             <a:endParaRPr lang="en-US"/>
           </a:p>
@@ -1069,8 +1069,8 @@
               <a:defRPr/>
             </a:pPr>
             <a:r>
-              <a:rPr lang="en-US" smtClean="0"/>
-              <a:t>-We don’t look at damage the network encounters under single particular node failure, but under any arbitrary single random node failure so this tool is more practical, because in flow networks you never know which node might fail at any given time.</a:t>
+              <a:rPr lang="en-US" dirty="0" smtClean="0"/>
+              <a:t>-We don’t just look at damage the network encounters under single particular node failure, but under any arbitrary single random node failure so this tool is more practical, because in flow networks you never know which node might fail at any given time.</a:t>
             </a:r>
           </a:p>
           <a:p>
@@ -1340,7 +1340,7 @@
           <a:p>
             <a:fld id="{DE87C573-6297-7F47-AFD3-756D08C72035}" type="datetimeFigureOut">
               <a:rPr lang="en-US" smtClean="0"/>
-              <a:t>12/13/15</a:t>
+              <a:t>12/14/15</a:t>
             </a:fld>
             <a:endParaRPr lang="en-US"/>
           </a:p>
@@ -1548,7 +1548,7 @@
           <a:p>
             <a:fld id="{DE87C573-6297-7F47-AFD3-756D08C72035}" type="datetimeFigureOut">
               <a:rPr lang="en-US" smtClean="0"/>
-              <a:t>12/13/15</a:t>
+              <a:t>12/14/15</a:t>
             </a:fld>
             <a:endParaRPr lang="en-US"/>
           </a:p>
@@ -1804,7 +1804,7 @@
           <a:p>
             <a:fld id="{DE87C573-6297-7F47-AFD3-756D08C72035}" type="datetimeFigureOut">
               <a:rPr lang="en-US" smtClean="0"/>
-              <a:t>12/13/15</a:t>
+              <a:t>12/14/15</a:t>
             </a:fld>
             <a:endParaRPr lang="en-US"/>
           </a:p>
@@ -1974,7 +1974,7 @@
           <a:p>
             <a:fld id="{DE87C573-6297-7F47-AFD3-756D08C72035}" type="datetimeFigureOut">
               <a:rPr lang="en-US" smtClean="0"/>
-              <a:t>12/13/15</a:t>
+              <a:t>12/14/15</a:t>
             </a:fld>
             <a:endParaRPr lang="en-US"/>
           </a:p>
@@ -2317,7 +2317,7 @@
           <a:p>
             <a:fld id="{DE87C573-6297-7F47-AFD3-756D08C72035}" type="datetimeFigureOut">
               <a:rPr lang="en-US" smtClean="0"/>
-              <a:t>12/13/15</a:t>
+              <a:t>12/14/15</a:t>
             </a:fld>
             <a:endParaRPr lang="en-US"/>
           </a:p>
@@ -2592,7 +2592,7 @@
           <a:p>
             <a:fld id="{DE87C573-6297-7F47-AFD3-756D08C72035}" type="datetimeFigureOut">
               <a:rPr lang="en-US" smtClean="0"/>
-              <a:t>12/13/15</a:t>
+              <a:t>12/14/15</a:t>
             </a:fld>
             <a:endParaRPr lang="en-US"/>
           </a:p>
@@ -2971,7 +2971,7 @@
           <a:p>
             <a:fld id="{DE87C573-6297-7F47-AFD3-756D08C72035}" type="datetimeFigureOut">
               <a:rPr lang="en-US" smtClean="0"/>
-              <a:t>12/13/15</a:t>
+              <a:t>12/14/15</a:t>
             </a:fld>
             <a:endParaRPr lang="en-US"/>
           </a:p>
@@ -3089,7 +3089,7 @@
           <a:p>
             <a:fld id="{DE87C573-6297-7F47-AFD3-756D08C72035}" type="datetimeFigureOut">
               <a:rPr lang="en-US" smtClean="0"/>
-              <a:t>12/13/15</a:t>
+              <a:t>12/14/15</a:t>
             </a:fld>
             <a:endParaRPr lang="en-US"/>
           </a:p>
@@ -3260,7 +3260,7 @@
           <a:p>
             <a:fld id="{DE87C573-6297-7F47-AFD3-756D08C72035}" type="datetimeFigureOut">
               <a:rPr lang="en-US" smtClean="0"/>
-              <a:t>12/13/15</a:t>
+              <a:t>12/14/15</a:t>
             </a:fld>
             <a:endParaRPr lang="en-US"/>
           </a:p>
@@ -3614,7 +3614,7 @@
           <a:p>
             <a:fld id="{DE87C573-6297-7F47-AFD3-756D08C72035}" type="datetimeFigureOut">
               <a:rPr lang="en-US" smtClean="0"/>
-              <a:t>12/13/15</a:t>
+              <a:t>12/14/15</a:t>
             </a:fld>
             <a:endParaRPr lang="en-US"/>
           </a:p>
@@ -3996,7 +3996,7 @@
           <a:p>
             <a:fld id="{DE87C573-6297-7F47-AFD3-756D08C72035}" type="datetimeFigureOut">
               <a:rPr lang="en-US" smtClean="0"/>
-              <a:t>12/13/15</a:t>
+              <a:t>12/14/15</a:t>
             </a:fld>
             <a:endParaRPr lang="en-US"/>
           </a:p>
@@ -4283,7 +4283,7 @@
           <a:p>
             <a:fld id="{DE87C573-6297-7F47-AFD3-756D08C72035}" type="datetimeFigureOut">
               <a:rPr lang="en-US" smtClean="0"/>
-              <a:t>12/13/15</a:t>
+              <a:t>12/14/15</a:t>
             </a:fld>
             <a:endParaRPr lang="en-US"/>
           </a:p>
@@ -4982,7 +4982,7 @@
             </a:pPr>
             <a:r>
               <a:rPr lang="en-US" dirty="0" smtClean="0"/>
-              <a:t>The evolution of other nodes</a:t>
+              <a:t>The evolution of other nodes’</a:t>
             </a:r>
             <a:br>
               <a:rPr lang="en-US" dirty="0" smtClean="0"/>
@@ -5151,8 +5151,8 @@
         </p:nvSpPr>
         <p:spPr>
           <a:xfrm>
-            <a:off x="5996985" y="1737361"/>
-            <a:ext cx="3544560" cy="3970318"/>
+            <a:off x="5927826" y="1737361"/>
+            <a:ext cx="3429144" cy="3139321"/>
           </a:xfrm>
           <a:prstGeom prst="rect">
             <a:avLst/>
@@ -5171,7 +5171,7 @@
             </a:pPr>
             <a:r>
               <a:rPr lang="en-US" dirty="0" smtClean="0"/>
-              <a:t>Represents the damage plot</a:t>
+              <a:t>Represents the average damage </a:t>
             </a:r>
             <a:br>
               <a:rPr lang="en-US" dirty="0" smtClean="0"/>
@@ -5179,6 +5179,46 @@
             <a:r>
               <a:rPr lang="en-US" dirty="0" smtClean="0"/>
               <a:t>for each of the network</a:t>
+            </a:r>
+          </a:p>
+          <a:p>
+            <a:pPr>
+              <a:buFont typeface="Wingdings" panose="05000000000000000000" pitchFamily="2" charset="2"/>
+              <a:buChar char="Ø"/>
+            </a:pPr>
+            <a:endParaRPr lang="en-US" dirty="0" smtClean="0"/>
+          </a:p>
+          <a:p>
+            <a:pPr>
+              <a:buFont typeface="Wingdings" panose="05000000000000000000" pitchFamily="2" charset="2"/>
+              <a:buChar char="Ø"/>
+            </a:pPr>
+            <a:r>
+              <a:rPr lang="en-US" dirty="0"/>
+              <a:t>It is calculated as the area </a:t>
+            </a:r>
+            <a:r>
+              <a:rPr lang="en-US" dirty="0" err="1" smtClean="0"/>
+              <a:t>betw</a:t>
+            </a:r>
+            <a:r>
+              <a:rPr lang="en-US" dirty="0" smtClean="0"/>
+              <a:t>.</a:t>
+            </a:r>
+            <a:r>
+              <a:rPr lang="en-US" dirty="0"/>
+              <a:t/>
+            </a:r>
+            <a:br>
+              <a:rPr lang="en-US" dirty="0"/>
+            </a:br>
+            <a:r>
+              <a:rPr lang="en-US" dirty="0"/>
+              <a:t>two neighboring CPD </a:t>
+            </a:r>
+            <a:r>
+              <a:rPr lang="en-US" dirty="0" smtClean="0"/>
+              <a:t>plot</a:t>
             </a:r>
             <a:br>
               <a:rPr lang="en-US" dirty="0" smtClean="0"/>
@@ -5192,56 +5232,14 @@
             </a:pPr>
             <a:r>
               <a:rPr lang="en-US" dirty="0" smtClean="0"/>
-              <a:t>This quantifies the robustness</a:t>
+              <a:t>Bigger area signifies more </a:t>
             </a:r>
             <a:br>
               <a:rPr lang="en-US" dirty="0" smtClean="0"/>
             </a:br>
             <a:r>
               <a:rPr lang="en-US" dirty="0" smtClean="0"/>
-              <a:t>of network in each iteration</a:t>
-            </a:r>
-            <a:br>
-              <a:rPr lang="en-US" dirty="0" smtClean="0"/>
-            </a:br>
-            <a:endParaRPr lang="en-US" dirty="0"/>
-          </a:p>
-          <a:p>
-            <a:pPr>
-              <a:buFont typeface="Wingdings" panose="05000000000000000000" pitchFamily="2" charset="2"/>
-              <a:buChar char="Ø"/>
-            </a:pPr>
-            <a:r>
-              <a:rPr lang="en-US" dirty="0" smtClean="0"/>
-              <a:t>It is calculated as the are between</a:t>
-            </a:r>
-            <a:br>
-              <a:rPr lang="en-US" dirty="0" smtClean="0"/>
-            </a:br>
-            <a:r>
-              <a:rPr lang="en-US" dirty="0" smtClean="0"/>
-              <a:t>two neighboring plots</a:t>
-            </a:r>
-            <a:br>
-              <a:rPr lang="en-US" dirty="0" smtClean="0"/>
-            </a:br>
-            <a:endParaRPr lang="en-US" dirty="0"/>
-          </a:p>
-          <a:p>
-            <a:pPr>
-              <a:buFont typeface="Wingdings" panose="05000000000000000000" pitchFamily="2" charset="2"/>
-              <a:buChar char="Ø"/>
-            </a:pPr>
-            <a:r>
-              <a:rPr lang="en-US" dirty="0" smtClean="0"/>
-              <a:t>Bigger are signifies more damage</a:t>
-            </a:r>
-            <a:br>
-              <a:rPr lang="en-US" dirty="0" smtClean="0"/>
-            </a:br>
-            <a:r>
-              <a:rPr lang="en-US" dirty="0" smtClean="0"/>
-              <a:t>occurs in that iteration</a:t>
+              <a:t>damage</a:t>
             </a:r>
             <a:br>
               <a:rPr lang="en-US" dirty="0" smtClean="0"/>
@@ -5295,7 +5293,7 @@
         </p:blipFill>
         <p:spPr>
           <a:xfrm>
-            <a:off x="560806" y="1737361"/>
+            <a:off x="605554" y="1737361"/>
             <a:ext cx="5104866" cy="4349475"/>
           </a:xfrm>
         </p:spPr>
@@ -5458,7 +5456,7 @@
         </p:nvSpPr>
         <p:spPr>
           <a:xfrm>
-            <a:off x="4176998" y="3429809"/>
+            <a:off x="3968240" y="3446304"/>
             <a:ext cx="723200" cy="276999"/>
           </a:xfrm>
           <a:prstGeom prst="rect">
@@ -5636,8 +5634,8 @@
         </p:nvSpPr>
         <p:spPr>
           <a:xfrm>
-            <a:off x="6020401" y="2170974"/>
-            <a:ext cx="3416320" cy="3693319"/>
+            <a:off x="5727680" y="1818377"/>
+            <a:ext cx="3416320" cy="3970318"/>
           </a:xfrm>
           <a:prstGeom prst="rect">
             <a:avLst/>
@@ -5712,7 +5710,14 @@
             </a:br>
             <a:r>
               <a:rPr lang="en-US" dirty="0" smtClean="0"/>
-              <a:t>the most robust</a:t>
+              <a:t>the most robust; long range</a:t>
+            </a:r>
+            <a:br>
+              <a:rPr lang="en-US" dirty="0" smtClean="0"/>
+            </a:br>
+            <a:r>
+              <a:rPr lang="en-US" dirty="0" smtClean="0"/>
+              <a:t>interaction taking place</a:t>
             </a:r>
             <a:br>
               <a:rPr lang="en-US" dirty="0" smtClean="0"/>
@@ -5720,10 +5725,6 @@
             <a:endParaRPr lang="en-US" dirty="0"/>
           </a:p>
           <a:p>
-            <a:pPr>
-              <a:buFont typeface="Wingdings" panose="05000000000000000000" pitchFamily="2" charset="2"/>
-              <a:buChar char="Ø"/>
-            </a:pPr>
             <a:r>
               <a:rPr lang="en-US" dirty="0"/>
               <a:t/>
@@ -5839,7 +5840,7 @@
             </a:pPr>
             <a:r>
               <a:rPr lang="en-US" dirty="0" smtClean="0"/>
-              <a:t>This tool is more practical</a:t>
+              <a:t>This tool is more practical; quantifies arbitrary node-failure</a:t>
             </a:r>
             <a:endParaRPr lang="en-US" dirty="0"/>
           </a:p>
@@ -5850,9 +5851,8 @@
             </a:pPr>
             <a:r>
               <a:rPr lang="en-US" dirty="0" smtClean="0"/>
-              <a:t>The metric is weighted, and transcends many domains of flow networks like power flow, gas flow or any other flow networks that possibly encounters cascading failure</a:t>
-            </a:r>
-            <a:endParaRPr lang="en-US" dirty="0"/>
+              <a:t>The metric is weighted, and transcends many domains of flow networks </a:t>
+            </a:r>
           </a:p>
           <a:p>
             <a:pPr>
@@ -5861,7 +5861,7 @@
             </a:pPr>
             <a:r>
               <a:rPr lang="en-US" dirty="0" smtClean="0"/>
-              <a:t>With this tool, one can come up with better protection strategy because we are finally looking at optimizing the robustness metric of our previous page</a:t>
+              <a:t>With this tool, one can come up with better protection strategy because we are finally looking at optimizing the robustness metric of the network</a:t>
             </a:r>
           </a:p>
           <a:p>
@@ -7895,7 +7895,6 @@
                 <a:pPr marL="0" indent="0">
                   <a:buNone/>
                 </a:pPr>
-                <a14:m/>
                 <a:endParaRPr lang="en-US" dirty="0" smtClean="0"/>
               </a:p>
               <a:p>
@@ -7903,7 +7902,6 @@
                   <a:buFont typeface="Wingdings" panose="05000000000000000000" pitchFamily="2" charset="2"/>
                   <a:buChar char="Ø"/>
                 </a:pPr>
-                <a14:m/>
                 <a:r>
                   <a:rPr lang="en-US" dirty="0" smtClean="0"/>
                   <a:t> represents individual i’s health</a:t>
@@ -7916,12 +7914,7 @@
                 </a:pPr>
                 <a:r>
                   <a:rPr lang="en-US" dirty="0" smtClean="0"/>
-                  <a:t>Every individual tries to reject some disturbance. </a:t>
-                </a:r>
-                <a14:m/>
-                <a:r>
-                  <a:rPr lang="en-US" dirty="0" smtClean="0"/>
-                  <a:t> represents one’s capability</a:t>
+                  <a:t>Every individual tries to reject some disturbance.  represents one’s capability</a:t>
                 </a:r>
               </a:p>
               <a:p>
@@ -7929,7 +7922,6 @@
                   <a:buFont typeface="Wingdings" panose="05000000000000000000" pitchFamily="2" charset="2"/>
                   <a:buChar char="Ø"/>
                 </a:pPr>
-                <a14:m/>
                 <a:r>
                   <a:rPr lang="en-US" dirty="0" smtClean="0"/>
                   <a:t> is a sigmoid function to keep numerical bound on health value</a:t>
@@ -7940,7 +7932,6 @@
                   <a:buFont typeface="Wingdings" panose="05000000000000000000" pitchFamily="2" charset="2"/>
                   <a:buChar char="Ø"/>
                 </a:pPr>
-                <a14:m/>
                 <a:r>
                   <a:rPr lang="en-US" dirty="0" smtClean="0"/>
                   <a:t> represents the strength of connection between </a:t>
@@ -7959,7 +7950,6 @@
                   <a:buFont typeface="Wingdings" panose="05000000000000000000" pitchFamily="2" charset="2"/>
                   <a:buChar char="Ø"/>
                 </a:pPr>
-                <a14:m/>
                 <a:r>
                   <a:rPr lang="en-US" dirty="0" smtClean="0"/>
                   <a:t> represents the explain away effect</a:t>
@@ -7970,7 +7960,6 @@
                   <a:buFont typeface="Wingdings" panose="05000000000000000000" pitchFamily="2" charset="2"/>
                   <a:buChar char="Ø"/>
                 </a:pPr>
-                <a14:m/>
                 <a:r>
                   <a:rPr lang="en-US" dirty="0" smtClean="0"/>
                   <a:t> represents the gain of the propagation channel</a:t>
@@ -8478,7 +8467,7 @@
             <p:spPr/>
             <p:txBody>
               <a:bodyPr>
-                <a:normAutofit fontScale="92500"/>
+                <a:normAutofit fontScale="92500" lnSpcReduction="10000"/>
               </a:bodyPr>
               <a:lstStyle/>
               <a:p>
@@ -8506,7 +8495,6 @@
                   <a:buFont typeface="Wingdings" panose="05000000000000000000" pitchFamily="2" charset="2"/>
                   <a:buChar char="Ø"/>
                 </a:pPr>
-                <a14:m/>
                 <a:endParaRPr lang="en-US" sz="2000" dirty="0" smtClean="0"/>
               </a:p>
               <a:p>
@@ -8524,7 +8512,6 @@
                   <a:buFont typeface="Wingdings" panose="05000000000000000000" pitchFamily="2" charset="2"/>
                   <a:buChar char="Ø"/>
                 </a:pPr>
-                <a14:m/>
                 <a:endParaRPr lang="en-US" dirty="0" smtClean="0"/>
               </a:p>
               <a:p>
@@ -8532,7 +8519,6 @@
                   <a:buFont typeface="Wingdings" panose="05000000000000000000" pitchFamily="2" charset="2"/>
                   <a:buChar char="Ø"/>
                 </a:pPr>
-                <a14:m/>
                 <a:r>
                   <a:rPr lang="en-US" dirty="0" smtClean="0"/>
                   <a:t> function is just a numerical convenience</a:t>
@@ -9350,7 +9336,7 @@
             <p:spPr/>
             <p:txBody>
               <a:bodyPr>
-                <a:normAutofit fontScale="92500"/>
+                <a:normAutofit fontScale="92500" lnSpcReduction="10000"/>
               </a:bodyPr>
               <a:lstStyle/>
               <a:p>
@@ -9378,7 +9364,6 @@
                   <a:buFont typeface="Wingdings" panose="05000000000000000000" pitchFamily="2" charset="2"/>
                   <a:buChar char="Ø"/>
                 </a:pPr>
-                <a14:m/>
                 <a:endParaRPr lang="en-US" sz="2000" dirty="0" smtClean="0"/>
               </a:p>
               <a:p>
@@ -9396,7 +9381,6 @@
                   <a:buFont typeface="Wingdings" panose="05000000000000000000" pitchFamily="2" charset="2"/>
                   <a:buChar char="Ø"/>
                 </a:pPr>
-                <a14:m/>
                 <a:endParaRPr lang="en-US" dirty="0" smtClean="0"/>
               </a:p>
               <a:p>
@@ -9404,7 +9388,6 @@
                   <a:buFont typeface="Wingdings" panose="05000000000000000000" pitchFamily="2" charset="2"/>
                   <a:buChar char="Ø"/>
                 </a:pPr>
-                <a14:m/>
                 <a:r>
                   <a:rPr lang="en-US" dirty="0" smtClean="0"/>
                   <a:t> function is just a numerical convenience</a:t>
@@ -10261,11 +10244,7 @@
           <a:p>
             <a:r>
               <a:rPr lang="en-US" dirty="0" smtClean="0"/>
-              <a:t>Small</a:t>
-            </a:r>
-            <a:r>
-              <a:rPr lang="en-US" dirty="0" smtClean="0"/>
-              <a:t>-world Networks</a:t>
+              <a:t>Small-world Networks</a:t>
             </a:r>
             <a:endParaRPr lang="en-US" dirty="0"/>
           </a:p>
@@ -10334,15 +10313,11 @@
             </a:br>
             <a:r>
               <a:rPr lang="en-US" dirty="0" smtClean="0"/>
-              <a:t>with </a:t>
-            </a:r>
-            <a:r>
-              <a:rPr lang="en-US" dirty="0" err="1"/>
-              <a:t>W</a:t>
+              <a:t>with Watts-</a:t>
             </a:r>
             <a:r>
               <a:rPr lang="en-US" dirty="0" err="1" smtClean="0"/>
-              <a:t>attson-Strogatz</a:t>
+              <a:t>Strogatz</a:t>
             </a:r>
             <a:r>
               <a:rPr lang="en-US" dirty="0" smtClean="0"/>
@@ -10388,7 +10363,7 @@
             </a:br>
             <a:r>
               <a:rPr lang="en-US" dirty="0" smtClean="0"/>
-              <a:t>the degree of rewiring</a:t>
+              <a:t>the probability of rewiring</a:t>
             </a:r>
             <a:br>
               <a:rPr lang="en-US" dirty="0" smtClean="0"/>
@@ -10402,14 +10377,14 @@
             </a:pPr>
             <a:r>
               <a:rPr lang="en-US" dirty="0" smtClean="0"/>
-              <a:t>Beta=0 signifies ideas small-</a:t>
+              <a:t>Beta=0 is ideal small-world;</a:t>
             </a:r>
             <a:br>
               <a:rPr lang="en-US" dirty="0" smtClean="0"/>
             </a:br>
             <a:r>
               <a:rPr lang="en-US" dirty="0" smtClean="0"/>
-              <a:t>world</a:t>
+              <a:t>large beta is random network </a:t>
             </a:r>
             <a:endParaRPr lang="en-US" dirty="0"/>
           </a:p>

--- a/presentation/disease_spreading_presentation.pptx
+++ b/presentation/disease_spreading_presentation.pptx
@@ -5,22 +5,24 @@
     <p:sldMasterId id="2147483660" r:id="rId1"/>
   </p:sldMasterIdLst>
   <p:notesMasterIdLst>
-    <p:notesMasterId r:id="rId15"/>
+    <p:notesMasterId r:id="rId17"/>
   </p:notesMasterIdLst>
   <p:sldIdLst>
     <p:sldId id="261" r:id="rId2"/>
     <p:sldId id="263" r:id="rId3"/>
     <p:sldId id="262" r:id="rId4"/>
-    <p:sldId id="264" r:id="rId5"/>
-    <p:sldId id="265" r:id="rId6"/>
-    <p:sldId id="266" r:id="rId7"/>
-    <p:sldId id="273" r:id="rId8"/>
-    <p:sldId id="267" r:id="rId9"/>
-    <p:sldId id="268" r:id="rId10"/>
-    <p:sldId id="272" r:id="rId11"/>
-    <p:sldId id="271" r:id="rId12"/>
-    <p:sldId id="270" r:id="rId13"/>
-    <p:sldId id="274" r:id="rId14"/>
+    <p:sldId id="275" r:id="rId5"/>
+    <p:sldId id="276" r:id="rId6"/>
+    <p:sldId id="264" r:id="rId7"/>
+    <p:sldId id="265" r:id="rId8"/>
+    <p:sldId id="266" r:id="rId9"/>
+    <p:sldId id="273" r:id="rId10"/>
+    <p:sldId id="267" r:id="rId11"/>
+    <p:sldId id="268" r:id="rId12"/>
+    <p:sldId id="272" r:id="rId13"/>
+    <p:sldId id="271" r:id="rId14"/>
+    <p:sldId id="270" r:id="rId15"/>
+    <p:sldId id="274" r:id="rId16"/>
   </p:sldIdLst>
   <p:sldSz cx="9144000" cy="6858000" type="screen4x3"/>
   <p:notesSz cx="6858000" cy="9144000"/>
@@ -121,7 +123,7 @@
   </p:defaultTextStyle>
   <p:extLst>
     <p:ext uri="{EFAFB233-063F-42B5-8137-9DF3F51BA10A}">
-      <p15:sldGuideLst xmlns:p15="http://schemas.microsoft.com/office/powerpoint/2012/main" xmlns="">
+      <p15:sldGuideLst xmlns:p15="http://schemas.microsoft.com/office/powerpoint/2012/main">
         <p15:guide id="1" orient="horz" pos="2160">
           <p15:clr>
             <a:srgbClr val="A4A3A4"/>
@@ -220,7 +222,7 @@
           <a:p>
             <a:fld id="{7E88FFC7-8966-4ECA-A355-BC3091E12B73}" type="datetimeFigureOut">
               <a:rPr lang="en-US" smtClean="0"/>
-              <a:t>12/14/15</a:t>
+              <a:t>12/15/2015</a:t>
             </a:fld>
             <a:endParaRPr lang="en-US"/>
           </a:p>
@@ -751,31 +753,22 @@
           <a:lstStyle/>
           <a:p>
             <a:r>
-              <a:rPr lang="en-US" dirty="0" smtClean="0"/>
-              <a:t>Now before</a:t>
-            </a:r>
-            <a:r>
-              <a:rPr lang="en-US" baseline="0" dirty="0" smtClean="0"/>
-              <a:t> you think the model has too many hyper parameters let me explain you the physical meaning of the parameters and how we might sensibly set them. </a:t>
-            </a:r>
-          </a:p>
-          <a:p>
-            <a:endParaRPr lang="en-US" baseline="0" dirty="0" smtClean="0"/>
-          </a:p>
-          <a:p>
-            <a:r>
-              <a:rPr lang="en-US" baseline="0" dirty="0" smtClean="0"/>
-              <a:t>Point 5 - </a:t>
-            </a:r>
-            <a:r>
-              <a:rPr lang="en-US" dirty="0" smtClean="0"/>
-              <a:t>Let us assume that two</a:t>
-            </a:r>
-            <a:r>
-              <a:rPr lang="en-US" baseline="0" dirty="0" smtClean="0"/>
-              <a:t> causes have same effect for example earthquake can make you house tremble. Same can happen if a truck hits your house. Now if you know only that you house trembled then you have equal probability of earthquake and a truck hitting your house. But if you know that there was an earthquake the then what is the probability of a truck hitting at the same time? It is much less. So knowledge about one cause explains away the effect. Here is a similar thing happening. If a node is connected to many different nodes its influence gets washed away.</a:t>
-            </a:r>
-            <a:endParaRPr lang="en-US" dirty="0"/>
+              <a:rPr lang="en-GB" dirty="0" smtClean="0"/>
+              <a:t>SIR</a:t>
+            </a:r>
+            <a:r>
+              <a:rPr lang="en-GB" baseline="0" dirty="0" smtClean="0"/>
+              <a:t> and SIS models are based on compartmentalization of the whole population into respectively two or three compartments and study the evolution of number of individuals in each compartments. Correspondingly they use two or three differential equations to model population dynamic. These models have the disadvantage that they cannot account for the dynamics that may arise due to individual behaviour.</a:t>
+            </a:r>
+          </a:p>
+          <a:p>
+            <a:r>
+              <a:rPr lang="en-GB" baseline="0" dirty="0" smtClean="0"/>
+              <a:t>Network Theory Based models try to capture the transfer of disease from one individual to another and study the dynamics of evolution of the epidemics. Based on the method of simulation of spread of disease, different methods are used. In one of the models, rate with which a node gets infected is equal to product of transmission rate and number of infected neighbours. In one of the models, a randomly chosen vertex can probabilistically infect any or all of its neighbours.</a:t>
+            </a:r>
+          </a:p>
+          <a:p>
+            <a:endParaRPr lang="en-GB" dirty="0"/>
           </a:p>
         </p:txBody>
       </p:sp>
@@ -796,7 +789,7 @@
           <a:p>
             <a:fld id="{0FE4AD66-8E5C-48F9-B0A6-E353D58EB762}" type="slidenum">
               <a:rPr lang="en-US" smtClean="0"/>
-              <a:t>5</a:t>
+              <a:t>4</a:t>
             </a:fld>
             <a:endParaRPr lang="en-US"/>
           </a:p>
@@ -805,7 +798,7 @@
     </p:spTree>
     <p:extLst>
       <p:ext uri="{BB962C8B-B14F-4D97-AF65-F5344CB8AC3E}">
-        <p14:creationId xmlns:p14="http://schemas.microsoft.com/office/powerpoint/2010/main" val="4200700982"/>
+        <p14:creationId xmlns:p14="http://schemas.microsoft.com/office/powerpoint/2010/main" val="3004335316"/>
       </p:ext>
     </p:extLst>
   </p:cSld>
@@ -860,18 +853,52 @@
           <a:lstStyle/>
           <a:p>
             <a:r>
-              <a:rPr lang="en-US" dirty="0" smtClean="0"/>
-              <a:t>We decided to take the execution hit in</a:t>
-            </a:r>
-            <a:r>
-              <a:rPr lang="en-US" baseline="0" dirty="0" smtClean="0"/>
-              <a:t> exchange to</a:t>
-            </a:r>
-            <a:r>
-              <a:rPr lang="en-US" dirty="0" smtClean="0"/>
-              <a:t> this convenience.</a:t>
-            </a:r>
-            <a:endParaRPr lang="en-US" dirty="0"/>
+              <a:rPr lang="en-GB" dirty="0" smtClean="0"/>
+              <a:t>We define</a:t>
+            </a:r>
+            <a:r>
+              <a:rPr lang="en-GB" baseline="0" dirty="0" smtClean="0"/>
+              <a:t> a robustness metric and use it to study robustness of randomly generated graphs. We use the cascading model by </a:t>
+            </a:r>
+            <a:r>
+              <a:rPr lang="en-GB" baseline="0" dirty="0" err="1" smtClean="0"/>
+              <a:t>Lubos</a:t>
+            </a:r>
+            <a:r>
+              <a:rPr lang="en-GB" baseline="0" dirty="0" smtClean="0"/>
+              <a:t> et. al. to model the evolution of disease spread. </a:t>
+            </a:r>
+          </a:p>
+          <a:p>
+            <a:endParaRPr lang="en-GB" baseline="0" dirty="0" smtClean="0"/>
+          </a:p>
+          <a:p>
+            <a:r>
+              <a:rPr lang="en-GB" baseline="0" dirty="0" smtClean="0"/>
+              <a:t>Rather than trying to model evolution of epidemic within a given population, as done by the models discussed earlier, we interpret the spread of disease from one city to another.</a:t>
+            </a:r>
+          </a:p>
+          <a:p>
+            <a:endParaRPr lang="en-GB" baseline="0" dirty="0" smtClean="0"/>
+          </a:p>
+          <a:p>
+            <a:r>
+              <a:rPr lang="en-GB" baseline="0" dirty="0" smtClean="0"/>
+              <a:t>We also explore what happens if we </a:t>
+            </a:r>
+            <a:r>
+              <a:rPr lang="en-GB" baseline="0" dirty="0" err="1" smtClean="0"/>
+              <a:t>simplifify</a:t>
+            </a:r>
+            <a:r>
+              <a:rPr lang="en-GB" baseline="0" dirty="0" smtClean="0"/>
+              <a:t> the model i.e. disregard the effect of some </a:t>
+            </a:r>
+            <a:r>
+              <a:rPr lang="en-GB" baseline="0" smtClean="0"/>
+              <a:t>parameters from the model.</a:t>
+            </a:r>
+            <a:endParaRPr lang="en-GB" dirty="0"/>
           </a:p>
         </p:txBody>
       </p:sp>
@@ -892,7 +919,7 @@
           <a:p>
             <a:fld id="{0FE4AD66-8E5C-48F9-B0A6-E353D58EB762}" type="slidenum">
               <a:rPr lang="en-US" smtClean="0"/>
-              <a:t>6</a:t>
+              <a:t>5</a:t>
             </a:fld>
             <a:endParaRPr lang="en-US"/>
           </a:p>
@@ -901,7 +928,7 @@
     </p:spTree>
     <p:extLst>
       <p:ext uri="{BB962C8B-B14F-4D97-AF65-F5344CB8AC3E}">
-        <p14:creationId xmlns:p14="http://schemas.microsoft.com/office/powerpoint/2010/main" val="1208198564"/>
+        <p14:creationId xmlns:p14="http://schemas.microsoft.com/office/powerpoint/2010/main" val="1928663785"/>
       </p:ext>
     </p:extLst>
   </p:cSld>
@@ -957,15 +984,28 @@
           <a:p>
             <a:r>
               <a:rPr lang="en-US" dirty="0" smtClean="0"/>
-              <a:t>We decided to take the execution hit in</a:t>
+              <a:t>Now before</a:t>
             </a:r>
             <a:r>
               <a:rPr lang="en-US" baseline="0" dirty="0" smtClean="0"/>
-              <a:t> exchange to</a:t>
+              <a:t> you think the model has too many hyper parameters let me explain you the physical meaning of the parameters and how we might sensibly set them. </a:t>
+            </a:r>
+          </a:p>
+          <a:p>
+            <a:endParaRPr lang="en-US" baseline="0" dirty="0" smtClean="0"/>
+          </a:p>
+          <a:p>
+            <a:r>
+              <a:rPr lang="en-US" baseline="0" dirty="0" smtClean="0"/>
+              <a:t>Point 5 - </a:t>
             </a:r>
             <a:r>
               <a:rPr lang="en-US" dirty="0" smtClean="0"/>
-              <a:t> this convenience.</a:t>
+              <a:t>Let us assume that two</a:t>
+            </a:r>
+            <a:r>
+              <a:rPr lang="en-US" baseline="0" dirty="0" smtClean="0"/>
+              <a:t> causes have same effect for example earthquake can make you house tremble. Same can happen if a truck hits your house. Now if you know only that you house trembled then you have equal probability of earthquake and a truck hitting your house. But if you know that there was an earthquake the then what is the probability of a truck hitting at the same time? It is much less. So knowledge about one cause explains away the effect. Here is a similar thing happening. If a node is connected to many different nodes its influence gets washed away.</a:t>
             </a:r>
             <a:endParaRPr lang="en-US" dirty="0"/>
           </a:p>
@@ -997,7 +1037,7 @@
     </p:spTree>
     <p:extLst>
       <p:ext uri="{BB962C8B-B14F-4D97-AF65-F5344CB8AC3E}">
-        <p14:creationId xmlns:p14="http://schemas.microsoft.com/office/powerpoint/2010/main" val="1208198564"/>
+        <p14:creationId xmlns:p14="http://schemas.microsoft.com/office/powerpoint/2010/main" val="4200700982"/>
       </p:ext>
     </p:extLst>
   </p:cSld>
@@ -1051,6 +1091,198 @@
           <a:bodyPr/>
           <a:lstStyle/>
           <a:p>
+            <a:r>
+              <a:rPr lang="en-US" dirty="0" smtClean="0"/>
+              <a:t>We decided to take the execution hit in</a:t>
+            </a:r>
+            <a:r>
+              <a:rPr lang="en-US" baseline="0" dirty="0" smtClean="0"/>
+              <a:t> exchange to</a:t>
+            </a:r>
+            <a:r>
+              <a:rPr lang="en-US" dirty="0" smtClean="0"/>
+              <a:t> this convenience.</a:t>
+            </a:r>
+            <a:endParaRPr lang="en-US" dirty="0"/>
+          </a:p>
+        </p:txBody>
+      </p:sp>
+      <p:sp>
+        <p:nvSpPr>
+          <p:cNvPr id="4" name="Slide Number Placeholder 3"/>
+          <p:cNvSpPr>
+            <a:spLocks noGrp="1"/>
+          </p:cNvSpPr>
+          <p:nvPr>
+            <p:ph type="sldNum" sz="quarter" idx="10"/>
+          </p:nvPr>
+        </p:nvSpPr>
+        <p:spPr/>
+        <p:txBody>
+          <a:bodyPr/>
+          <a:lstStyle/>
+          <a:p>
+            <a:fld id="{0FE4AD66-8E5C-48F9-B0A6-E353D58EB762}" type="slidenum">
+              <a:rPr lang="en-US" smtClean="0"/>
+              <a:t>8</a:t>
+            </a:fld>
+            <a:endParaRPr lang="en-US"/>
+          </a:p>
+        </p:txBody>
+      </p:sp>
+    </p:spTree>
+    <p:extLst>
+      <p:ext uri="{BB962C8B-B14F-4D97-AF65-F5344CB8AC3E}">
+        <p14:creationId xmlns:p14="http://schemas.microsoft.com/office/powerpoint/2010/main" val="1208198564"/>
+      </p:ext>
+    </p:extLst>
+  </p:cSld>
+  <p:clrMapOvr>
+    <a:masterClrMapping/>
+  </p:clrMapOvr>
+</p:notes>
+</file>
+
+<file path=ppt/notesSlides/notesSlide7.xml><?xml version="1.0" encoding="utf-8"?>
+<p:notes xmlns:a="http://schemas.openxmlformats.org/drawingml/2006/main" xmlns:r="http://schemas.openxmlformats.org/officeDocument/2006/relationships" xmlns:p="http://schemas.openxmlformats.org/presentationml/2006/main">
+  <p:cSld>
+    <p:spTree>
+      <p:nvGrpSpPr>
+        <p:cNvPr id="1" name=""/>
+        <p:cNvGrpSpPr/>
+        <p:nvPr/>
+      </p:nvGrpSpPr>
+      <p:grpSpPr>
+        <a:xfrm>
+          <a:off x="0" y="0"/>
+          <a:ext cx="0" cy="0"/>
+          <a:chOff x="0" y="0"/>
+          <a:chExt cx="0" cy="0"/>
+        </a:xfrm>
+      </p:grpSpPr>
+      <p:sp>
+        <p:nvSpPr>
+          <p:cNvPr id="2" name="Slide Image Placeholder 1"/>
+          <p:cNvSpPr>
+            <a:spLocks noGrp="1" noRot="1" noChangeAspect="1"/>
+          </p:cNvSpPr>
+          <p:nvPr>
+            <p:ph type="sldImg"/>
+          </p:nvPr>
+        </p:nvSpPr>
+        <p:spPr/>
+      </p:sp>
+      <p:sp>
+        <p:nvSpPr>
+          <p:cNvPr id="3" name="Notes Placeholder 2"/>
+          <p:cNvSpPr>
+            <a:spLocks noGrp="1"/>
+          </p:cNvSpPr>
+          <p:nvPr>
+            <p:ph type="body" idx="1"/>
+          </p:nvPr>
+        </p:nvSpPr>
+        <p:spPr/>
+        <p:txBody>
+          <a:bodyPr/>
+          <a:lstStyle/>
+          <a:p>
+            <a:r>
+              <a:rPr lang="en-US" dirty="0" smtClean="0"/>
+              <a:t>We decided to take the execution hit in</a:t>
+            </a:r>
+            <a:r>
+              <a:rPr lang="en-US" baseline="0" dirty="0" smtClean="0"/>
+              <a:t> exchange to</a:t>
+            </a:r>
+            <a:r>
+              <a:rPr lang="en-US" dirty="0" smtClean="0"/>
+              <a:t> this convenience.</a:t>
+            </a:r>
+            <a:endParaRPr lang="en-US" dirty="0"/>
+          </a:p>
+        </p:txBody>
+      </p:sp>
+      <p:sp>
+        <p:nvSpPr>
+          <p:cNvPr id="4" name="Slide Number Placeholder 3"/>
+          <p:cNvSpPr>
+            <a:spLocks noGrp="1"/>
+          </p:cNvSpPr>
+          <p:nvPr>
+            <p:ph type="sldNum" sz="quarter" idx="10"/>
+          </p:nvPr>
+        </p:nvSpPr>
+        <p:spPr/>
+        <p:txBody>
+          <a:bodyPr/>
+          <a:lstStyle/>
+          <a:p>
+            <a:fld id="{0FE4AD66-8E5C-48F9-B0A6-E353D58EB762}" type="slidenum">
+              <a:rPr lang="en-US" smtClean="0"/>
+              <a:t>9</a:t>
+            </a:fld>
+            <a:endParaRPr lang="en-US"/>
+          </a:p>
+        </p:txBody>
+      </p:sp>
+    </p:spTree>
+    <p:extLst>
+      <p:ext uri="{BB962C8B-B14F-4D97-AF65-F5344CB8AC3E}">
+        <p14:creationId xmlns:p14="http://schemas.microsoft.com/office/powerpoint/2010/main" val="1208198564"/>
+      </p:ext>
+    </p:extLst>
+  </p:cSld>
+  <p:clrMapOvr>
+    <a:masterClrMapping/>
+  </p:clrMapOvr>
+</p:notes>
+</file>
+
+<file path=ppt/notesSlides/notesSlide8.xml><?xml version="1.0" encoding="utf-8"?>
+<p:notes xmlns:a="http://schemas.openxmlformats.org/drawingml/2006/main" xmlns:r="http://schemas.openxmlformats.org/officeDocument/2006/relationships" xmlns:p="http://schemas.openxmlformats.org/presentationml/2006/main">
+  <p:cSld>
+    <p:spTree>
+      <p:nvGrpSpPr>
+        <p:cNvPr id="1" name=""/>
+        <p:cNvGrpSpPr/>
+        <p:nvPr/>
+      </p:nvGrpSpPr>
+      <p:grpSpPr>
+        <a:xfrm>
+          <a:off x="0" y="0"/>
+          <a:ext cx="0" cy="0"/>
+          <a:chOff x="0" y="0"/>
+          <a:chExt cx="0" cy="0"/>
+        </a:xfrm>
+      </p:grpSpPr>
+      <p:sp>
+        <p:nvSpPr>
+          <p:cNvPr id="2" name="Slide Image Placeholder 1"/>
+          <p:cNvSpPr>
+            <a:spLocks noGrp="1" noRot="1" noChangeAspect="1"/>
+          </p:cNvSpPr>
+          <p:nvPr>
+            <p:ph type="sldImg"/>
+          </p:nvPr>
+        </p:nvSpPr>
+        <p:spPr/>
+      </p:sp>
+      <p:sp>
+        <p:nvSpPr>
+          <p:cNvPr id="3" name="Notes Placeholder 2"/>
+          <p:cNvSpPr>
+            <a:spLocks noGrp="1"/>
+          </p:cNvSpPr>
+          <p:nvPr>
+            <p:ph type="body" idx="1"/>
+          </p:nvPr>
+        </p:nvSpPr>
+        <p:spPr/>
+        <p:txBody>
+          <a:bodyPr/>
+          <a:lstStyle/>
+          <a:p>
             <a:pPr marL="0" marR="0" indent="0" algn="l" defTabSz="914400" rtl="0" eaLnBrk="1" fontAlgn="auto" latinLnBrk="0" hangingPunct="1">
               <a:lnSpc>
                 <a:spcPct val="100000"/>
@@ -1095,7 +1327,7 @@
           <a:p>
             <a:fld id="{0FE4AD66-8E5C-48F9-B0A6-E353D58EB762}" type="slidenum">
               <a:rPr lang="en-US" smtClean="0"/>
-              <a:t>13</a:t>
+              <a:t>15</a:t>
             </a:fld>
             <a:endParaRPr lang="en-US"/>
           </a:p>
@@ -1340,7 +1572,7 @@
           <a:p>
             <a:fld id="{DE87C573-6297-7F47-AFD3-756D08C72035}" type="datetimeFigureOut">
               <a:rPr lang="en-US" smtClean="0"/>
-              <a:t>12/14/15</a:t>
+              <a:t>12/15/2015</a:t>
             </a:fld>
             <a:endParaRPr lang="en-US"/>
           </a:p>
@@ -1548,7 +1780,7 @@
           <a:p>
             <a:fld id="{DE87C573-6297-7F47-AFD3-756D08C72035}" type="datetimeFigureOut">
               <a:rPr lang="en-US" smtClean="0"/>
-              <a:t>12/14/15</a:t>
+              <a:t>12/15/2015</a:t>
             </a:fld>
             <a:endParaRPr lang="en-US"/>
           </a:p>
@@ -1804,7 +2036,7 @@
           <a:p>
             <a:fld id="{DE87C573-6297-7F47-AFD3-756D08C72035}" type="datetimeFigureOut">
               <a:rPr lang="en-US" smtClean="0"/>
-              <a:t>12/14/15</a:t>
+              <a:t>12/15/2015</a:t>
             </a:fld>
             <a:endParaRPr lang="en-US"/>
           </a:p>
@@ -1974,7 +2206,7 @@
           <a:p>
             <a:fld id="{DE87C573-6297-7F47-AFD3-756D08C72035}" type="datetimeFigureOut">
               <a:rPr lang="en-US" smtClean="0"/>
-              <a:t>12/14/15</a:t>
+              <a:t>12/15/2015</a:t>
             </a:fld>
             <a:endParaRPr lang="en-US"/>
           </a:p>
@@ -2317,7 +2549,7 @@
           <a:p>
             <a:fld id="{DE87C573-6297-7F47-AFD3-756D08C72035}" type="datetimeFigureOut">
               <a:rPr lang="en-US" smtClean="0"/>
-              <a:t>12/14/15</a:t>
+              <a:t>12/15/2015</a:t>
             </a:fld>
             <a:endParaRPr lang="en-US"/>
           </a:p>
@@ -2592,7 +2824,7 @@
           <a:p>
             <a:fld id="{DE87C573-6297-7F47-AFD3-756D08C72035}" type="datetimeFigureOut">
               <a:rPr lang="en-US" smtClean="0"/>
-              <a:t>12/14/15</a:t>
+              <a:t>12/15/2015</a:t>
             </a:fld>
             <a:endParaRPr lang="en-US"/>
           </a:p>
@@ -2971,7 +3203,7 @@
           <a:p>
             <a:fld id="{DE87C573-6297-7F47-AFD3-756D08C72035}" type="datetimeFigureOut">
               <a:rPr lang="en-US" smtClean="0"/>
-              <a:t>12/14/15</a:t>
+              <a:t>12/15/2015</a:t>
             </a:fld>
             <a:endParaRPr lang="en-US"/>
           </a:p>
@@ -3089,7 +3321,7 @@
           <a:p>
             <a:fld id="{DE87C573-6297-7F47-AFD3-756D08C72035}" type="datetimeFigureOut">
               <a:rPr lang="en-US" smtClean="0"/>
-              <a:t>12/14/15</a:t>
+              <a:t>12/15/2015</a:t>
             </a:fld>
             <a:endParaRPr lang="en-US"/>
           </a:p>
@@ -3260,7 +3492,7 @@
           <a:p>
             <a:fld id="{DE87C573-6297-7F47-AFD3-756D08C72035}" type="datetimeFigureOut">
               <a:rPr lang="en-US" smtClean="0"/>
-              <a:t>12/14/15</a:t>
+              <a:t>12/15/2015</a:t>
             </a:fld>
             <a:endParaRPr lang="en-US"/>
           </a:p>
@@ -3614,7 +3846,7 @@
           <a:p>
             <a:fld id="{DE87C573-6297-7F47-AFD3-756D08C72035}" type="datetimeFigureOut">
               <a:rPr lang="en-US" smtClean="0"/>
-              <a:t>12/14/15</a:t>
+              <a:t>12/15/2015</a:t>
             </a:fld>
             <a:endParaRPr lang="en-US"/>
           </a:p>
@@ -3996,7 +4228,7 @@
           <a:p>
             <a:fld id="{DE87C573-6297-7F47-AFD3-756D08C72035}" type="datetimeFigureOut">
               <a:rPr lang="en-US" smtClean="0"/>
-              <a:t>12/14/15</a:t>
+              <a:t>12/15/2015</a:t>
             </a:fld>
             <a:endParaRPr lang="en-US"/>
           </a:p>
@@ -4283,7 +4515,7 @@
           <a:p>
             <a:fld id="{DE87C573-6297-7F47-AFD3-756D08C72035}" type="datetimeFigureOut">
               <a:rPr lang="en-US" smtClean="0"/>
-              <a:t>12/14/15</a:t>
+              <a:t>12/15/2015</a:t>
             </a:fld>
             <a:endParaRPr lang="en-US"/>
           </a:p>
@@ -4893,7 +5125,7 @@
   <p:timing>
     <p:tnLst>
       <p:par>
-        <p:cTn xmlns:p14="http://schemas.microsoft.com/office/powerpoint/2010/main" id="1" dur="indefinite" restart="never" nodeType="tmRoot"/>
+        <p:cTn id="1" dur="indefinite" restart="never" nodeType="tmRoot"/>
       </p:par>
     </p:tnLst>
   </p:timing>
@@ -4901,6 +5133,277 @@
 </file>
 
 <file path=ppt/slides/slide10.xml><?xml version="1.0" encoding="utf-8"?>
+<p:sld xmlns:a="http://schemas.openxmlformats.org/drawingml/2006/main" xmlns:r="http://schemas.openxmlformats.org/officeDocument/2006/relationships" xmlns:p="http://schemas.openxmlformats.org/presentationml/2006/main">
+  <p:cSld>
+    <p:spTree>
+      <p:nvGrpSpPr>
+        <p:cNvPr id="1" name=""/>
+        <p:cNvGrpSpPr/>
+        <p:nvPr/>
+      </p:nvGrpSpPr>
+      <p:grpSpPr>
+        <a:xfrm>
+          <a:off x="0" y="0"/>
+          <a:ext cx="0" cy="0"/>
+          <a:chOff x="0" y="0"/>
+          <a:chExt cx="0" cy="0"/>
+        </a:xfrm>
+      </p:grpSpPr>
+      <p:sp>
+        <p:nvSpPr>
+          <p:cNvPr id="2" name="Title 1"/>
+          <p:cNvSpPr>
+            <a:spLocks noGrp="1"/>
+          </p:cNvSpPr>
+          <p:nvPr>
+            <p:ph type="title"/>
+          </p:nvPr>
+        </p:nvSpPr>
+        <p:spPr/>
+        <p:txBody>
+          <a:bodyPr/>
+          <a:lstStyle/>
+          <a:p>
+            <a:r>
+              <a:rPr lang="en-US" dirty="0" smtClean="0"/>
+              <a:t>Results and their interpretations.</a:t>
+            </a:r>
+            <a:endParaRPr lang="en-US" dirty="0"/>
+          </a:p>
+        </p:txBody>
+      </p:sp>
+    </p:spTree>
+    <p:extLst>
+      <p:ext uri="{BB962C8B-B14F-4D97-AF65-F5344CB8AC3E}">
+        <p14:creationId xmlns:p14="http://schemas.microsoft.com/office/powerpoint/2010/main" val="2056232160"/>
+      </p:ext>
+    </p:extLst>
+  </p:cSld>
+  <p:clrMapOvr>
+    <a:masterClrMapping/>
+  </p:clrMapOvr>
+  <p:timing>
+    <p:tnLst>
+      <p:par>
+        <p:cTn id="1" dur="indefinite" restart="never" nodeType="tmRoot"/>
+      </p:par>
+    </p:tnLst>
+  </p:timing>
+</p:sld>
+</file>
+
+<file path=ppt/slides/slide11.xml><?xml version="1.0" encoding="utf-8"?>
+<p:sld xmlns:a="http://schemas.openxmlformats.org/drawingml/2006/main" xmlns:r="http://schemas.openxmlformats.org/officeDocument/2006/relationships" xmlns:p="http://schemas.openxmlformats.org/presentationml/2006/main">
+  <p:cSld>
+    <p:spTree>
+      <p:nvGrpSpPr>
+        <p:cNvPr id="1" name=""/>
+        <p:cNvGrpSpPr/>
+        <p:nvPr/>
+      </p:nvGrpSpPr>
+      <p:grpSpPr>
+        <a:xfrm>
+          <a:off x="0" y="0"/>
+          <a:ext cx="0" cy="0"/>
+          <a:chOff x="0" y="0"/>
+          <a:chExt cx="0" cy="0"/>
+        </a:xfrm>
+      </p:grpSpPr>
+      <p:sp>
+        <p:nvSpPr>
+          <p:cNvPr id="2" name="Title 1"/>
+          <p:cNvSpPr>
+            <a:spLocks noGrp="1"/>
+          </p:cNvSpPr>
+          <p:nvPr>
+            <p:ph type="title"/>
+          </p:nvPr>
+        </p:nvSpPr>
+        <p:spPr/>
+        <p:txBody>
+          <a:bodyPr/>
+          <a:lstStyle/>
+          <a:p>
+            <a:r>
+              <a:rPr lang="en-US" dirty="0" smtClean="0"/>
+              <a:t>Small-world Networks</a:t>
+            </a:r>
+            <a:endParaRPr lang="en-US" dirty="0"/>
+          </a:p>
+        </p:txBody>
+      </p:sp>
+      <p:pic>
+        <p:nvPicPr>
+          <p:cNvPr id="6" name="Content Placeholder 5" descr="Wattson.png"/>
+          <p:cNvPicPr>
+            <a:picLocks noGrp="1" noChangeAspect="1"/>
+          </p:cNvPicPr>
+          <p:nvPr>
+            <p:ph idx="1"/>
+          </p:nvPr>
+        </p:nvPicPr>
+        <p:blipFill rotWithShape="1">
+          <a:blip r:embed="rId2">
+            <a:extLst>
+              <a:ext uri="{28A0092B-C50C-407E-A947-70E740481C1C}">
+                <a14:useLocalDpi xmlns:a14="http://schemas.microsoft.com/office/drawing/2010/main" val="0"/>
+              </a:ext>
+            </a:extLst>
+          </a:blip>
+          <a:srcRect r="37"/>
+          <a:stretch/>
+        </p:blipFill>
+        <p:spPr>
+          <a:xfrm>
+            <a:off x="822960" y="1737361"/>
+            <a:ext cx="5139272" cy="4557656"/>
+          </a:xfrm>
+        </p:spPr>
+      </p:pic>
+      <p:sp>
+        <p:nvSpPr>
+          <p:cNvPr id="3" name="TextBox 2"/>
+          <p:cNvSpPr txBox="1"/>
+          <p:nvPr/>
+        </p:nvSpPr>
+        <p:spPr>
+          <a:xfrm>
+            <a:off x="6165639" y="1808785"/>
+            <a:ext cx="3147015" cy="3416320"/>
+          </a:xfrm>
+          <a:prstGeom prst="rect">
+            <a:avLst/>
+          </a:prstGeom>
+          <a:noFill/>
+        </p:spPr>
+        <p:txBody>
+          <a:bodyPr wrap="none" rtlCol="0">
+            <a:spAutoFit/>
+          </a:bodyPr>
+          <a:lstStyle/>
+          <a:p>
+            <a:pPr>
+              <a:buFont typeface="Wingdings" panose="05000000000000000000" pitchFamily="2" charset="2"/>
+              <a:buChar char="Ø"/>
+            </a:pPr>
+            <a:r>
+              <a:rPr lang="en-US" dirty="0" smtClean="0"/>
+              <a:t>Small world networks created</a:t>
+            </a:r>
+            <a:br>
+              <a:rPr lang="en-US" dirty="0" smtClean="0"/>
+            </a:br>
+            <a:r>
+              <a:rPr lang="en-US" dirty="0" smtClean="0"/>
+              <a:t>with Watts-</a:t>
+            </a:r>
+            <a:r>
+              <a:rPr lang="en-US" dirty="0" err="1" smtClean="0"/>
+              <a:t>Strogatz</a:t>
+            </a:r>
+            <a:r>
+              <a:rPr lang="en-US" dirty="0" smtClean="0"/>
+              <a:t/>
+            </a:r>
+            <a:br>
+              <a:rPr lang="en-US" dirty="0" smtClean="0"/>
+            </a:br>
+            <a:endParaRPr lang="en-US" dirty="0" smtClean="0"/>
+          </a:p>
+          <a:p>
+            <a:pPr>
+              <a:buFont typeface="Wingdings" panose="05000000000000000000" pitchFamily="2" charset="2"/>
+              <a:buChar char="Ø"/>
+            </a:pPr>
+            <a:r>
+              <a:rPr lang="en-US" dirty="0" smtClean="0"/>
+              <a:t>The size is fixed, and average</a:t>
+            </a:r>
+            <a:br>
+              <a:rPr lang="en-US" dirty="0" smtClean="0"/>
+            </a:br>
+            <a:r>
+              <a:rPr lang="en-US" dirty="0" smtClean="0"/>
+              <a:t>node degree is at 2 </a:t>
+            </a:r>
+            <a:br>
+              <a:rPr lang="en-US" dirty="0" smtClean="0"/>
+            </a:br>
+            <a:endParaRPr lang="en-US" dirty="0" smtClean="0"/>
+          </a:p>
+          <a:p>
+            <a:pPr>
+              <a:buFont typeface="Wingdings" panose="05000000000000000000" pitchFamily="2" charset="2"/>
+              <a:buChar char="Ø"/>
+            </a:pPr>
+            <a:r>
+              <a:rPr lang="en-US" dirty="0" smtClean="0"/>
+              <a:t>The beta parameter defines</a:t>
+            </a:r>
+            <a:br>
+              <a:rPr lang="en-US" dirty="0" smtClean="0"/>
+            </a:br>
+            <a:r>
+              <a:rPr lang="en-US" dirty="0" smtClean="0"/>
+              <a:t>the probability of rewiring</a:t>
+            </a:r>
+            <a:br>
+              <a:rPr lang="en-US" dirty="0" smtClean="0"/>
+            </a:br>
+            <a:endParaRPr lang="en-US" dirty="0"/>
+          </a:p>
+          <a:p>
+            <a:pPr>
+              <a:buFont typeface="Wingdings" panose="05000000000000000000" pitchFamily="2" charset="2"/>
+              <a:buChar char="Ø"/>
+            </a:pPr>
+            <a:r>
+              <a:rPr lang="en-US" dirty="0" smtClean="0"/>
+              <a:t>Beta=0 is ideal small-world;</a:t>
+            </a:r>
+            <a:br>
+              <a:rPr lang="en-US" dirty="0" smtClean="0"/>
+            </a:br>
+            <a:r>
+              <a:rPr lang="en-US" dirty="0" smtClean="0"/>
+              <a:t>large beta is random network </a:t>
+            </a:r>
+            <a:endParaRPr lang="en-US" dirty="0"/>
+          </a:p>
+          <a:p>
+            <a:pPr>
+              <a:buFont typeface="Wingdings" panose="05000000000000000000" pitchFamily="2" charset="2"/>
+              <a:buChar char="Ø"/>
+            </a:pPr>
+            <a:endParaRPr lang="en-US" dirty="0">
+              <a:solidFill>
+                <a:srgbClr val="00B050"/>
+              </a:solidFill>
+            </a:endParaRPr>
+          </a:p>
+        </p:txBody>
+      </p:sp>
+    </p:spTree>
+    <p:extLst>
+      <p:ext uri="{BB962C8B-B14F-4D97-AF65-F5344CB8AC3E}">
+        <p14:creationId xmlns:p14="http://schemas.microsoft.com/office/powerpoint/2010/main" val="237490160"/>
+      </p:ext>
+    </p:extLst>
+  </p:cSld>
+  <p:clrMapOvr>
+    <a:masterClrMapping/>
+  </p:clrMapOvr>
+  <p:timing>
+    <p:tnLst>
+      <p:par>
+        <p:cTn id="1" dur="indefinite" restart="never" nodeType="tmRoot"/>
+      </p:par>
+    </p:tnLst>
+  </p:timing>
+</p:sld>
+</file>
+
+<file path=ppt/slides/slide12.xml><?xml version="1.0" encoding="utf-8"?>
 <p:sld xmlns:a="http://schemas.openxmlformats.org/drawingml/2006/main" xmlns:r="http://schemas.openxmlformats.org/officeDocument/2006/relationships" xmlns:p="http://schemas.openxmlformats.org/presentationml/2006/main">
   <p:cSld>
     <p:spTree>
@@ -5096,671 +5599,7 @@
   <p:timing>
     <p:tnLst>
       <p:par>
-        <p:cTn xmlns:p14="http://schemas.microsoft.com/office/powerpoint/2010/main" id="1" dur="indefinite" restart="never" nodeType="tmRoot"/>
-      </p:par>
-    </p:tnLst>
-  </p:timing>
-</p:sld>
-</file>
-
-<file path=ppt/slides/slide11.xml><?xml version="1.0" encoding="utf-8"?>
-<p:sld xmlns:a="http://schemas.openxmlformats.org/drawingml/2006/main" xmlns:r="http://schemas.openxmlformats.org/officeDocument/2006/relationships" xmlns:p="http://schemas.openxmlformats.org/presentationml/2006/main">
-  <p:cSld>
-    <p:spTree>
-      <p:nvGrpSpPr>
-        <p:cNvPr id="1" name=""/>
-        <p:cNvGrpSpPr/>
-        <p:nvPr/>
-      </p:nvGrpSpPr>
-      <p:grpSpPr>
-        <a:xfrm>
-          <a:off x="0" y="0"/>
-          <a:ext cx="0" cy="0"/>
-          <a:chOff x="0" y="0"/>
-          <a:chExt cx="0" cy="0"/>
-        </a:xfrm>
-      </p:grpSpPr>
-      <p:sp>
-        <p:nvSpPr>
-          <p:cNvPr id="2" name="Title 1"/>
-          <p:cNvSpPr>
-            <a:spLocks noGrp="1"/>
-          </p:cNvSpPr>
-          <p:nvPr>
-            <p:ph type="title"/>
-          </p:nvPr>
-        </p:nvSpPr>
-        <p:spPr/>
-        <p:txBody>
-          <a:bodyPr/>
-          <a:lstStyle/>
-          <a:p>
-            <a:r>
-              <a:rPr lang="en-US" dirty="0" smtClean="0"/>
-              <a:t>Average Node Health </a:t>
-            </a:r>
-            <a:endParaRPr lang="en-US" dirty="0"/>
-          </a:p>
-        </p:txBody>
-      </p:sp>
-      <p:sp>
-        <p:nvSpPr>
-          <p:cNvPr id="3" name="TextBox 2"/>
-          <p:cNvSpPr txBox="1"/>
-          <p:nvPr/>
-        </p:nvSpPr>
-        <p:spPr>
-          <a:xfrm>
-            <a:off x="5927826" y="1737361"/>
-            <a:ext cx="3429144" cy="3139321"/>
-          </a:xfrm>
-          <a:prstGeom prst="rect">
-            <a:avLst/>
-          </a:prstGeom>
-          <a:noFill/>
-        </p:spPr>
-        <p:txBody>
-          <a:bodyPr wrap="none" rtlCol="0">
-            <a:spAutoFit/>
-          </a:bodyPr>
-          <a:lstStyle/>
-          <a:p>
-            <a:pPr>
-              <a:buFont typeface="Wingdings" panose="05000000000000000000" pitchFamily="2" charset="2"/>
-              <a:buChar char="Ø"/>
-            </a:pPr>
-            <a:r>
-              <a:rPr lang="en-US" dirty="0" smtClean="0"/>
-              <a:t>Represents the average damage </a:t>
-            </a:r>
-            <a:br>
-              <a:rPr lang="en-US" dirty="0" smtClean="0"/>
-            </a:br>
-            <a:r>
-              <a:rPr lang="en-US" dirty="0" smtClean="0"/>
-              <a:t>for each of the network</a:t>
-            </a:r>
-          </a:p>
-          <a:p>
-            <a:pPr>
-              <a:buFont typeface="Wingdings" panose="05000000000000000000" pitchFamily="2" charset="2"/>
-              <a:buChar char="Ø"/>
-            </a:pPr>
-            <a:endParaRPr lang="en-US" dirty="0" smtClean="0"/>
-          </a:p>
-          <a:p>
-            <a:pPr>
-              <a:buFont typeface="Wingdings" panose="05000000000000000000" pitchFamily="2" charset="2"/>
-              <a:buChar char="Ø"/>
-            </a:pPr>
-            <a:r>
-              <a:rPr lang="en-US" dirty="0"/>
-              <a:t>It is calculated as the area </a:t>
-            </a:r>
-            <a:r>
-              <a:rPr lang="en-US" dirty="0" err="1" smtClean="0"/>
-              <a:t>betw</a:t>
-            </a:r>
-            <a:r>
-              <a:rPr lang="en-US" dirty="0" smtClean="0"/>
-              <a:t>.</a:t>
-            </a:r>
-            <a:r>
-              <a:rPr lang="en-US" dirty="0"/>
-              <a:t/>
-            </a:r>
-            <a:br>
-              <a:rPr lang="en-US" dirty="0"/>
-            </a:br>
-            <a:r>
-              <a:rPr lang="en-US" dirty="0"/>
-              <a:t>two neighboring CPD </a:t>
-            </a:r>
-            <a:r>
-              <a:rPr lang="en-US" dirty="0" smtClean="0"/>
-              <a:t>plot</a:t>
-            </a:r>
-            <a:br>
-              <a:rPr lang="en-US" dirty="0" smtClean="0"/>
-            </a:br>
-            <a:endParaRPr lang="en-US" dirty="0"/>
-          </a:p>
-          <a:p>
-            <a:pPr>
-              <a:buFont typeface="Wingdings" panose="05000000000000000000" pitchFamily="2" charset="2"/>
-              <a:buChar char="Ø"/>
-            </a:pPr>
-            <a:r>
-              <a:rPr lang="en-US" dirty="0" smtClean="0"/>
-              <a:t>Bigger area signifies more </a:t>
-            </a:r>
-            <a:br>
-              <a:rPr lang="en-US" dirty="0" smtClean="0"/>
-            </a:br>
-            <a:r>
-              <a:rPr lang="en-US" dirty="0" smtClean="0"/>
-              <a:t>damage</a:t>
-            </a:r>
-            <a:br>
-              <a:rPr lang="en-US" dirty="0" smtClean="0"/>
-            </a:br>
-            <a:endParaRPr lang="en-US" dirty="0" smtClean="0"/>
-          </a:p>
-          <a:p>
-            <a:pPr>
-              <a:buFont typeface="Wingdings" panose="05000000000000000000" pitchFamily="2" charset="2"/>
-              <a:buChar char="Ø"/>
-            </a:pPr>
-            <a:r>
-              <a:rPr lang="en-US" dirty="0" smtClean="0"/>
-              <a:t>We call this average node health</a:t>
-            </a:r>
-            <a:endParaRPr lang="en-US" dirty="0"/>
-          </a:p>
-          <a:p>
-            <a:pPr>
-              <a:buFont typeface="Wingdings" panose="05000000000000000000" pitchFamily="2" charset="2"/>
-              <a:buChar char="Ø"/>
-            </a:pPr>
-            <a:endParaRPr lang="en-US" dirty="0">
-              <a:solidFill>
-                <a:srgbClr val="00B050"/>
-              </a:solidFill>
-            </a:endParaRPr>
-          </a:p>
-        </p:txBody>
-      </p:sp>
-      <p:pic>
-        <p:nvPicPr>
-          <p:cNvPr id="6" name="Content Placeholder 5" descr="average node health.png"/>
-          <p:cNvPicPr>
-            <a:picLocks noGrp="1" noChangeAspect="1"/>
-          </p:cNvPicPr>
-          <p:nvPr>
-            <p:ph idx="1"/>
-          </p:nvPr>
-        </p:nvPicPr>
-        <p:blipFill rotWithShape="1">
-          <a:blip r:embed="rId2">
-            <a:extLst>
-              <a:ext uri="{28A0092B-C50C-407E-A947-70E740481C1C}">
-                <a14:useLocalDpi xmlns:a14="http://schemas.microsoft.com/office/drawing/2010/main" val="0"/>
-              </a:ext>
-            </a:extLst>
-          </a:blip>
-          <a:srcRect l="-1082" r="-308"/>
-          <a:stretch/>
-        </p:blipFill>
-        <p:spPr>
-          <a:xfrm>
-            <a:off x="605554" y="1737361"/>
-            <a:ext cx="5104866" cy="4349475"/>
-          </a:xfrm>
-        </p:spPr>
-      </p:pic>
-      <p:sp>
-        <p:nvSpPr>
-          <p:cNvPr id="8" name="TextBox 7"/>
-          <p:cNvSpPr txBox="1"/>
-          <p:nvPr/>
-        </p:nvSpPr>
-        <p:spPr>
-          <a:xfrm rot="16200000">
-            <a:off x="-57539" y="2340862"/>
-            <a:ext cx="1484000" cy="276999"/>
-          </a:xfrm>
-          <a:prstGeom prst="rect">
-            <a:avLst/>
-          </a:prstGeom>
-          <a:noFill/>
-        </p:spPr>
-        <p:txBody>
-          <a:bodyPr wrap="none" rtlCol="0">
-            <a:spAutoFit/>
-          </a:bodyPr>
-          <a:lstStyle/>
-          <a:p>
-            <a:r>
-              <a:rPr lang="en-US" sz="1200" dirty="0" smtClean="0"/>
-              <a:t>Average node health</a:t>
-            </a:r>
-            <a:endParaRPr lang="en-US" sz="1200" dirty="0"/>
-          </a:p>
-        </p:txBody>
-      </p:sp>
-      <p:sp>
-        <p:nvSpPr>
-          <p:cNvPr id="9" name="TextBox 8"/>
-          <p:cNvSpPr txBox="1"/>
-          <p:nvPr/>
-        </p:nvSpPr>
-        <p:spPr>
-          <a:xfrm rot="16200000">
-            <a:off x="-57539" y="4656698"/>
-            <a:ext cx="1484000" cy="276999"/>
-          </a:xfrm>
-          <a:prstGeom prst="rect">
-            <a:avLst/>
-          </a:prstGeom>
-          <a:noFill/>
-        </p:spPr>
-        <p:txBody>
-          <a:bodyPr wrap="none" rtlCol="0">
-            <a:spAutoFit/>
-          </a:bodyPr>
-          <a:lstStyle/>
-          <a:p>
-            <a:r>
-              <a:rPr lang="en-US" sz="1200" dirty="0" smtClean="0"/>
-              <a:t>Average node health</a:t>
-            </a:r>
-            <a:endParaRPr lang="en-US" sz="1200" dirty="0"/>
-          </a:p>
-        </p:txBody>
-      </p:sp>
-      <p:sp>
-        <p:nvSpPr>
-          <p:cNvPr id="10" name="TextBox 9"/>
-          <p:cNvSpPr txBox="1"/>
-          <p:nvPr/>
-        </p:nvSpPr>
-        <p:spPr>
-          <a:xfrm rot="16200000">
-            <a:off x="2554486" y="2340862"/>
-            <a:ext cx="1484000" cy="276999"/>
-          </a:xfrm>
-          <a:prstGeom prst="rect">
-            <a:avLst/>
-          </a:prstGeom>
-          <a:noFill/>
-        </p:spPr>
-        <p:txBody>
-          <a:bodyPr wrap="none" rtlCol="0">
-            <a:spAutoFit/>
-          </a:bodyPr>
-          <a:lstStyle/>
-          <a:p>
-            <a:r>
-              <a:rPr lang="en-US" sz="1200" dirty="0" smtClean="0"/>
-              <a:t>Average node health</a:t>
-            </a:r>
-            <a:endParaRPr lang="en-US" sz="1200" dirty="0"/>
-          </a:p>
-        </p:txBody>
-      </p:sp>
-      <p:sp>
-        <p:nvSpPr>
-          <p:cNvPr id="11" name="TextBox 10"/>
-          <p:cNvSpPr txBox="1"/>
-          <p:nvPr/>
-        </p:nvSpPr>
-        <p:spPr>
-          <a:xfrm rot="16200000">
-            <a:off x="2554487" y="4627700"/>
-            <a:ext cx="1484000" cy="276999"/>
-          </a:xfrm>
-          <a:prstGeom prst="rect">
-            <a:avLst/>
-          </a:prstGeom>
-          <a:noFill/>
-        </p:spPr>
-        <p:txBody>
-          <a:bodyPr wrap="none" rtlCol="0">
-            <a:spAutoFit/>
-          </a:bodyPr>
-          <a:lstStyle/>
-          <a:p>
-            <a:r>
-              <a:rPr lang="en-US" sz="1200" dirty="0" smtClean="0"/>
-              <a:t>Average node health</a:t>
-            </a:r>
-            <a:endParaRPr lang="en-US" sz="1200" dirty="0"/>
-          </a:p>
-        </p:txBody>
-      </p:sp>
-      <p:sp>
-        <p:nvSpPr>
-          <p:cNvPr id="12" name="TextBox 11"/>
-          <p:cNvSpPr txBox="1"/>
-          <p:nvPr/>
-        </p:nvSpPr>
-        <p:spPr>
-          <a:xfrm>
-            <a:off x="1562315" y="5673150"/>
-            <a:ext cx="723200" cy="276999"/>
-          </a:xfrm>
-          <a:prstGeom prst="rect">
-            <a:avLst/>
-          </a:prstGeom>
-          <a:noFill/>
-        </p:spPr>
-        <p:txBody>
-          <a:bodyPr wrap="none" rtlCol="0">
-            <a:spAutoFit/>
-          </a:bodyPr>
-          <a:lstStyle/>
-          <a:p>
-            <a:r>
-              <a:rPr lang="en-US" sz="1200" dirty="0" smtClean="0"/>
-              <a:t>iteration</a:t>
-            </a:r>
-            <a:endParaRPr lang="en-US" sz="1200" dirty="0"/>
-          </a:p>
-        </p:txBody>
-      </p:sp>
-      <p:sp>
-        <p:nvSpPr>
-          <p:cNvPr id="13" name="TextBox 12"/>
-          <p:cNvSpPr txBox="1"/>
-          <p:nvPr/>
-        </p:nvSpPr>
-        <p:spPr>
-          <a:xfrm>
-            <a:off x="3968240" y="3446304"/>
-            <a:ext cx="723200" cy="276999"/>
-          </a:xfrm>
-          <a:prstGeom prst="rect">
-            <a:avLst/>
-          </a:prstGeom>
-          <a:noFill/>
-        </p:spPr>
-        <p:txBody>
-          <a:bodyPr wrap="none" rtlCol="0">
-            <a:spAutoFit/>
-          </a:bodyPr>
-          <a:lstStyle/>
-          <a:p>
-            <a:r>
-              <a:rPr lang="en-US" sz="1200" dirty="0" smtClean="0"/>
-              <a:t>iteration</a:t>
-            </a:r>
-            <a:endParaRPr lang="en-US" sz="1200" dirty="0"/>
-          </a:p>
-        </p:txBody>
-      </p:sp>
-      <p:sp>
-        <p:nvSpPr>
-          <p:cNvPr id="14" name="TextBox 13"/>
-          <p:cNvSpPr txBox="1"/>
-          <p:nvPr/>
-        </p:nvSpPr>
-        <p:spPr>
-          <a:xfrm>
-            <a:off x="4176998" y="5656655"/>
-            <a:ext cx="723200" cy="276999"/>
-          </a:xfrm>
-          <a:prstGeom prst="rect">
-            <a:avLst/>
-          </a:prstGeom>
-          <a:noFill/>
-        </p:spPr>
-        <p:txBody>
-          <a:bodyPr wrap="none" rtlCol="0">
-            <a:spAutoFit/>
-          </a:bodyPr>
-          <a:lstStyle/>
-          <a:p>
-            <a:r>
-              <a:rPr lang="en-US" sz="1200" dirty="0" smtClean="0"/>
-              <a:t>iteration</a:t>
-            </a:r>
-            <a:endParaRPr lang="en-US" sz="1200" dirty="0"/>
-          </a:p>
-        </p:txBody>
-      </p:sp>
-      <p:sp>
-        <p:nvSpPr>
-          <p:cNvPr id="15" name="TextBox 14"/>
-          <p:cNvSpPr txBox="1"/>
-          <p:nvPr/>
-        </p:nvSpPr>
-        <p:spPr>
-          <a:xfrm>
-            <a:off x="1562315" y="3446304"/>
-            <a:ext cx="723200" cy="276999"/>
-          </a:xfrm>
-          <a:prstGeom prst="rect">
-            <a:avLst/>
-          </a:prstGeom>
-          <a:noFill/>
-        </p:spPr>
-        <p:txBody>
-          <a:bodyPr wrap="none" rtlCol="0">
-            <a:spAutoFit/>
-          </a:bodyPr>
-          <a:lstStyle/>
-          <a:p>
-            <a:r>
-              <a:rPr lang="en-US" sz="1200" dirty="0" smtClean="0"/>
-              <a:t>iteration</a:t>
-            </a:r>
-            <a:endParaRPr lang="en-US" sz="1200" dirty="0"/>
-          </a:p>
-        </p:txBody>
-      </p:sp>
-    </p:spTree>
-    <p:extLst>
-      <p:ext uri="{BB962C8B-B14F-4D97-AF65-F5344CB8AC3E}">
-        <p14:creationId xmlns:p14="http://schemas.microsoft.com/office/powerpoint/2010/main" val="696914910"/>
-      </p:ext>
-    </p:extLst>
-  </p:cSld>
-  <p:clrMapOvr>
-    <a:masterClrMapping/>
-  </p:clrMapOvr>
-  <p:timing>
-    <p:tnLst>
-      <p:par>
-        <p:cTn xmlns:p14="http://schemas.microsoft.com/office/powerpoint/2010/main" id="1" dur="indefinite" restart="never" nodeType="tmRoot"/>
-      </p:par>
-    </p:tnLst>
-  </p:timing>
-</p:sld>
-</file>
-
-<file path=ppt/slides/slide12.xml><?xml version="1.0" encoding="utf-8"?>
-<p:sld xmlns:a="http://schemas.openxmlformats.org/drawingml/2006/main" xmlns:r="http://schemas.openxmlformats.org/officeDocument/2006/relationships" xmlns:p="http://schemas.openxmlformats.org/presentationml/2006/main">
-  <p:cSld>
-    <p:spTree>
-      <p:nvGrpSpPr>
-        <p:cNvPr id="1" name=""/>
-        <p:cNvGrpSpPr/>
-        <p:nvPr/>
-      </p:nvGrpSpPr>
-      <p:grpSpPr>
-        <a:xfrm>
-          <a:off x="0" y="0"/>
-          <a:ext cx="0" cy="0"/>
-          <a:chOff x="0" y="0"/>
-          <a:chExt cx="0" cy="0"/>
-        </a:xfrm>
-      </p:grpSpPr>
-      <p:sp>
-        <p:nvSpPr>
-          <p:cNvPr id="2" name="Title 1"/>
-          <p:cNvSpPr>
-            <a:spLocks noGrp="1"/>
-          </p:cNvSpPr>
-          <p:nvPr>
-            <p:ph type="title"/>
-          </p:nvPr>
-        </p:nvSpPr>
-        <p:spPr/>
-        <p:txBody>
-          <a:bodyPr/>
-          <a:lstStyle/>
-          <a:p>
-            <a:r>
-              <a:rPr lang="en-US" dirty="0" smtClean="0"/>
-              <a:t>Robustness Metric</a:t>
-            </a:r>
-            <a:endParaRPr lang="en-US" dirty="0"/>
-          </a:p>
-        </p:txBody>
-      </p:sp>
-      <p:pic>
-        <p:nvPicPr>
-          <p:cNvPr id="5" name="Content Placeholder 4" descr="robustness.png"/>
-          <p:cNvPicPr>
-            <a:picLocks noGrp="1" noChangeAspect="1"/>
-          </p:cNvPicPr>
-          <p:nvPr>
-            <p:ph idx="1"/>
-          </p:nvPr>
-        </p:nvPicPr>
-        <p:blipFill rotWithShape="1">
-          <a:blip r:embed="rId2">
-            <a:extLst>
-              <a:ext uri="{28A0092B-C50C-407E-A947-70E740481C1C}">
-                <a14:useLocalDpi xmlns:a14="http://schemas.microsoft.com/office/drawing/2010/main" val="0"/>
-              </a:ext>
-            </a:extLst>
-          </a:blip>
-          <a:srcRect l="1" r="-2954"/>
-          <a:stretch/>
-        </p:blipFill>
-        <p:spPr>
-          <a:xfrm>
-            <a:off x="674513" y="1737361"/>
-            <a:ext cx="5033434" cy="4023360"/>
-          </a:xfrm>
-        </p:spPr>
-      </p:pic>
-      <p:sp>
-        <p:nvSpPr>
-          <p:cNvPr id="7" name="TextBox 6"/>
-          <p:cNvSpPr txBox="1"/>
-          <p:nvPr/>
-        </p:nvSpPr>
-        <p:spPr>
-          <a:xfrm>
-            <a:off x="5727680" y="1818377"/>
-            <a:ext cx="3416320" cy="3970318"/>
-          </a:xfrm>
-          <a:prstGeom prst="rect">
-            <a:avLst/>
-          </a:prstGeom>
-          <a:noFill/>
-        </p:spPr>
-        <p:txBody>
-          <a:bodyPr wrap="none" rtlCol="0">
-            <a:spAutoFit/>
-          </a:bodyPr>
-          <a:lstStyle/>
-          <a:p>
-            <a:pPr>
-              <a:buFont typeface="Wingdings" panose="05000000000000000000" pitchFamily="2" charset="2"/>
-              <a:buChar char="Ø"/>
-            </a:pPr>
-            <a:r>
-              <a:rPr lang="en-US" dirty="0" smtClean="0"/>
-              <a:t>This plot quantifies the </a:t>
-            </a:r>
-            <a:br>
-              <a:rPr lang="en-US" dirty="0" smtClean="0"/>
-            </a:br>
-            <a:r>
-              <a:rPr lang="en-US" dirty="0" smtClean="0"/>
-              <a:t>final robustness metric of network</a:t>
-            </a:r>
-            <a:br>
-              <a:rPr lang="en-US" dirty="0" smtClean="0"/>
-            </a:br>
-            <a:endParaRPr lang="en-US" dirty="0"/>
-          </a:p>
-          <a:p>
-            <a:pPr>
-              <a:buFont typeface="Wingdings" panose="05000000000000000000" pitchFamily="2" charset="2"/>
-              <a:buChar char="Ø"/>
-            </a:pPr>
-            <a:r>
-              <a:rPr lang="en-US" dirty="0" smtClean="0"/>
-              <a:t>It is defined as the average </a:t>
-            </a:r>
-            <a:br>
-              <a:rPr lang="en-US" dirty="0" smtClean="0"/>
-            </a:br>
-            <a:r>
-              <a:rPr lang="en-US" dirty="0" smtClean="0"/>
-              <a:t>of ‘average node health’</a:t>
-            </a:r>
-            <a:br>
-              <a:rPr lang="en-US" dirty="0" smtClean="0"/>
-            </a:br>
-            <a:endParaRPr lang="en-US" dirty="0"/>
-          </a:p>
-          <a:p>
-            <a:pPr>
-              <a:buFont typeface="Wingdings" panose="05000000000000000000" pitchFamily="2" charset="2"/>
-              <a:buChar char="Ø"/>
-            </a:pPr>
-            <a:r>
-              <a:rPr lang="en-US" dirty="0" smtClean="0"/>
-              <a:t>The network with beta=0 is the</a:t>
-            </a:r>
-            <a:br>
-              <a:rPr lang="en-US" dirty="0" smtClean="0"/>
-            </a:br>
-            <a:r>
-              <a:rPr lang="en-US" dirty="0" smtClean="0"/>
-              <a:t>least robust, while beta=1 is </a:t>
-            </a:r>
-            <a:br>
-              <a:rPr lang="en-US" dirty="0" smtClean="0"/>
-            </a:br>
-            <a:r>
-              <a:rPr lang="en-US" dirty="0" smtClean="0"/>
-              <a:t>the most robust; long range</a:t>
-            </a:r>
-            <a:br>
-              <a:rPr lang="en-US" dirty="0" smtClean="0"/>
-            </a:br>
-            <a:r>
-              <a:rPr lang="en-US" dirty="0" smtClean="0"/>
-              <a:t>interaction taking place</a:t>
-            </a:r>
-            <a:br>
-              <a:rPr lang="en-US" dirty="0" smtClean="0"/>
-            </a:br>
-            <a:endParaRPr lang="en-US" dirty="0"/>
-          </a:p>
-          <a:p>
-            <a:r>
-              <a:rPr lang="en-US" dirty="0"/>
-              <a:t/>
-            </a:r>
-            <a:br>
-              <a:rPr lang="en-US" dirty="0"/>
-            </a:br>
-            <a:endParaRPr lang="en-US" dirty="0"/>
-          </a:p>
-          <a:p>
-            <a:pPr>
-              <a:buFont typeface="Wingdings" panose="05000000000000000000" pitchFamily="2" charset="2"/>
-              <a:buChar char="Ø"/>
-            </a:pPr>
-            <a:endParaRPr lang="en-US" dirty="0">
-              <a:solidFill>
-                <a:srgbClr val="00B050"/>
-              </a:solidFill>
-            </a:endParaRPr>
-          </a:p>
-        </p:txBody>
-      </p:sp>
-    </p:spTree>
-    <p:extLst>
-      <p:ext uri="{BB962C8B-B14F-4D97-AF65-F5344CB8AC3E}">
-        <p14:creationId xmlns:p14="http://schemas.microsoft.com/office/powerpoint/2010/main" val="602921650"/>
-      </p:ext>
-    </p:extLst>
-  </p:cSld>
-  <p:clrMapOvr>
-    <a:masterClrMapping/>
-  </p:clrMapOvr>
-  <p:timing>
-    <p:tnLst>
-      <p:par>
-        <p:cTn xmlns:p14="http://schemas.microsoft.com/office/powerpoint/2010/main" id="1" dur="indefinite" restart="never" nodeType="tmRoot"/>
+        <p:cTn id="1" dur="indefinite" restart="never" nodeType="tmRoot"/>
       </p:par>
     </p:tnLst>
   </p:timing>
@@ -5801,6 +5640,670 @@
           <a:p>
             <a:r>
               <a:rPr lang="en-US" dirty="0" smtClean="0"/>
+              <a:t>Average Node Health </a:t>
+            </a:r>
+            <a:endParaRPr lang="en-US" dirty="0"/>
+          </a:p>
+        </p:txBody>
+      </p:sp>
+      <p:sp>
+        <p:nvSpPr>
+          <p:cNvPr id="3" name="TextBox 2"/>
+          <p:cNvSpPr txBox="1"/>
+          <p:nvPr/>
+        </p:nvSpPr>
+        <p:spPr>
+          <a:xfrm>
+            <a:off x="5927826" y="1737361"/>
+            <a:ext cx="3429144" cy="3139321"/>
+          </a:xfrm>
+          <a:prstGeom prst="rect">
+            <a:avLst/>
+          </a:prstGeom>
+          <a:noFill/>
+        </p:spPr>
+        <p:txBody>
+          <a:bodyPr wrap="none" rtlCol="0">
+            <a:spAutoFit/>
+          </a:bodyPr>
+          <a:lstStyle/>
+          <a:p>
+            <a:pPr>
+              <a:buFont typeface="Wingdings" panose="05000000000000000000" pitchFamily="2" charset="2"/>
+              <a:buChar char="Ø"/>
+            </a:pPr>
+            <a:r>
+              <a:rPr lang="en-US" dirty="0" smtClean="0"/>
+              <a:t>Represents the average damage </a:t>
+            </a:r>
+            <a:br>
+              <a:rPr lang="en-US" dirty="0" smtClean="0"/>
+            </a:br>
+            <a:r>
+              <a:rPr lang="en-US" dirty="0" smtClean="0"/>
+              <a:t>for each of the network</a:t>
+            </a:r>
+          </a:p>
+          <a:p>
+            <a:pPr>
+              <a:buFont typeface="Wingdings" panose="05000000000000000000" pitchFamily="2" charset="2"/>
+              <a:buChar char="Ø"/>
+            </a:pPr>
+            <a:endParaRPr lang="en-US" dirty="0" smtClean="0"/>
+          </a:p>
+          <a:p>
+            <a:pPr>
+              <a:buFont typeface="Wingdings" panose="05000000000000000000" pitchFamily="2" charset="2"/>
+              <a:buChar char="Ø"/>
+            </a:pPr>
+            <a:r>
+              <a:rPr lang="en-US" dirty="0"/>
+              <a:t>It is calculated as the area </a:t>
+            </a:r>
+            <a:r>
+              <a:rPr lang="en-US" dirty="0" err="1" smtClean="0"/>
+              <a:t>betw</a:t>
+            </a:r>
+            <a:r>
+              <a:rPr lang="en-US" dirty="0" smtClean="0"/>
+              <a:t>.</a:t>
+            </a:r>
+            <a:r>
+              <a:rPr lang="en-US" dirty="0"/>
+              <a:t/>
+            </a:r>
+            <a:br>
+              <a:rPr lang="en-US" dirty="0"/>
+            </a:br>
+            <a:r>
+              <a:rPr lang="en-US" dirty="0"/>
+              <a:t>two neighboring CPD </a:t>
+            </a:r>
+            <a:r>
+              <a:rPr lang="en-US" dirty="0" smtClean="0"/>
+              <a:t>plot</a:t>
+            </a:r>
+            <a:br>
+              <a:rPr lang="en-US" dirty="0" smtClean="0"/>
+            </a:br>
+            <a:endParaRPr lang="en-US" dirty="0"/>
+          </a:p>
+          <a:p>
+            <a:pPr>
+              <a:buFont typeface="Wingdings" panose="05000000000000000000" pitchFamily="2" charset="2"/>
+              <a:buChar char="Ø"/>
+            </a:pPr>
+            <a:r>
+              <a:rPr lang="en-US" dirty="0" smtClean="0"/>
+              <a:t>Bigger area signifies more </a:t>
+            </a:r>
+            <a:br>
+              <a:rPr lang="en-US" dirty="0" smtClean="0"/>
+            </a:br>
+            <a:r>
+              <a:rPr lang="en-US" dirty="0" smtClean="0"/>
+              <a:t>damage</a:t>
+            </a:r>
+            <a:br>
+              <a:rPr lang="en-US" dirty="0" smtClean="0"/>
+            </a:br>
+            <a:endParaRPr lang="en-US" dirty="0" smtClean="0"/>
+          </a:p>
+          <a:p>
+            <a:pPr>
+              <a:buFont typeface="Wingdings" panose="05000000000000000000" pitchFamily="2" charset="2"/>
+              <a:buChar char="Ø"/>
+            </a:pPr>
+            <a:r>
+              <a:rPr lang="en-US" dirty="0" smtClean="0"/>
+              <a:t>We call this average node health</a:t>
+            </a:r>
+            <a:endParaRPr lang="en-US" dirty="0"/>
+          </a:p>
+          <a:p>
+            <a:pPr>
+              <a:buFont typeface="Wingdings" panose="05000000000000000000" pitchFamily="2" charset="2"/>
+              <a:buChar char="Ø"/>
+            </a:pPr>
+            <a:endParaRPr lang="en-US" dirty="0">
+              <a:solidFill>
+                <a:srgbClr val="00B050"/>
+              </a:solidFill>
+            </a:endParaRPr>
+          </a:p>
+        </p:txBody>
+      </p:sp>
+      <p:pic>
+        <p:nvPicPr>
+          <p:cNvPr id="6" name="Content Placeholder 5" descr="average node health.png"/>
+          <p:cNvPicPr>
+            <a:picLocks noGrp="1" noChangeAspect="1"/>
+          </p:cNvPicPr>
+          <p:nvPr>
+            <p:ph idx="1"/>
+          </p:nvPr>
+        </p:nvPicPr>
+        <p:blipFill rotWithShape="1">
+          <a:blip r:embed="rId2">
+            <a:extLst>
+              <a:ext uri="{28A0092B-C50C-407E-A947-70E740481C1C}">
+                <a14:useLocalDpi xmlns:a14="http://schemas.microsoft.com/office/drawing/2010/main" val="0"/>
+              </a:ext>
+            </a:extLst>
+          </a:blip>
+          <a:srcRect l="-1082" r="-308"/>
+          <a:stretch/>
+        </p:blipFill>
+        <p:spPr>
+          <a:xfrm>
+            <a:off x="605554" y="1737361"/>
+            <a:ext cx="5104866" cy="4349475"/>
+          </a:xfrm>
+        </p:spPr>
+      </p:pic>
+      <p:sp>
+        <p:nvSpPr>
+          <p:cNvPr id="8" name="TextBox 7"/>
+          <p:cNvSpPr txBox="1"/>
+          <p:nvPr/>
+        </p:nvSpPr>
+        <p:spPr>
+          <a:xfrm rot="16200000">
+            <a:off x="-57539" y="2340862"/>
+            <a:ext cx="1484000" cy="276999"/>
+          </a:xfrm>
+          <a:prstGeom prst="rect">
+            <a:avLst/>
+          </a:prstGeom>
+          <a:noFill/>
+        </p:spPr>
+        <p:txBody>
+          <a:bodyPr wrap="none" rtlCol="0">
+            <a:spAutoFit/>
+          </a:bodyPr>
+          <a:lstStyle/>
+          <a:p>
+            <a:r>
+              <a:rPr lang="en-US" sz="1200" dirty="0" smtClean="0"/>
+              <a:t>Average node health</a:t>
+            </a:r>
+            <a:endParaRPr lang="en-US" sz="1200" dirty="0"/>
+          </a:p>
+        </p:txBody>
+      </p:sp>
+      <p:sp>
+        <p:nvSpPr>
+          <p:cNvPr id="9" name="TextBox 8"/>
+          <p:cNvSpPr txBox="1"/>
+          <p:nvPr/>
+        </p:nvSpPr>
+        <p:spPr>
+          <a:xfrm rot="16200000">
+            <a:off x="-57539" y="4656698"/>
+            <a:ext cx="1484000" cy="276999"/>
+          </a:xfrm>
+          <a:prstGeom prst="rect">
+            <a:avLst/>
+          </a:prstGeom>
+          <a:noFill/>
+        </p:spPr>
+        <p:txBody>
+          <a:bodyPr wrap="none" rtlCol="0">
+            <a:spAutoFit/>
+          </a:bodyPr>
+          <a:lstStyle/>
+          <a:p>
+            <a:r>
+              <a:rPr lang="en-US" sz="1200" dirty="0" smtClean="0"/>
+              <a:t>Average node health</a:t>
+            </a:r>
+            <a:endParaRPr lang="en-US" sz="1200" dirty="0"/>
+          </a:p>
+        </p:txBody>
+      </p:sp>
+      <p:sp>
+        <p:nvSpPr>
+          <p:cNvPr id="10" name="TextBox 9"/>
+          <p:cNvSpPr txBox="1"/>
+          <p:nvPr/>
+        </p:nvSpPr>
+        <p:spPr>
+          <a:xfrm rot="16200000">
+            <a:off x="2554486" y="2340862"/>
+            <a:ext cx="1484000" cy="276999"/>
+          </a:xfrm>
+          <a:prstGeom prst="rect">
+            <a:avLst/>
+          </a:prstGeom>
+          <a:noFill/>
+        </p:spPr>
+        <p:txBody>
+          <a:bodyPr wrap="none" rtlCol="0">
+            <a:spAutoFit/>
+          </a:bodyPr>
+          <a:lstStyle/>
+          <a:p>
+            <a:r>
+              <a:rPr lang="en-US" sz="1200" dirty="0" smtClean="0"/>
+              <a:t>Average node health</a:t>
+            </a:r>
+            <a:endParaRPr lang="en-US" sz="1200" dirty="0"/>
+          </a:p>
+        </p:txBody>
+      </p:sp>
+      <p:sp>
+        <p:nvSpPr>
+          <p:cNvPr id="11" name="TextBox 10"/>
+          <p:cNvSpPr txBox="1"/>
+          <p:nvPr/>
+        </p:nvSpPr>
+        <p:spPr>
+          <a:xfrm rot="16200000">
+            <a:off x="2554487" y="4627700"/>
+            <a:ext cx="1484000" cy="276999"/>
+          </a:xfrm>
+          <a:prstGeom prst="rect">
+            <a:avLst/>
+          </a:prstGeom>
+          <a:noFill/>
+        </p:spPr>
+        <p:txBody>
+          <a:bodyPr wrap="none" rtlCol="0">
+            <a:spAutoFit/>
+          </a:bodyPr>
+          <a:lstStyle/>
+          <a:p>
+            <a:r>
+              <a:rPr lang="en-US" sz="1200" dirty="0" smtClean="0"/>
+              <a:t>Average node health</a:t>
+            </a:r>
+            <a:endParaRPr lang="en-US" sz="1200" dirty="0"/>
+          </a:p>
+        </p:txBody>
+      </p:sp>
+      <p:sp>
+        <p:nvSpPr>
+          <p:cNvPr id="12" name="TextBox 11"/>
+          <p:cNvSpPr txBox="1"/>
+          <p:nvPr/>
+        </p:nvSpPr>
+        <p:spPr>
+          <a:xfrm>
+            <a:off x="1562315" y="5673150"/>
+            <a:ext cx="723200" cy="276999"/>
+          </a:xfrm>
+          <a:prstGeom prst="rect">
+            <a:avLst/>
+          </a:prstGeom>
+          <a:noFill/>
+        </p:spPr>
+        <p:txBody>
+          <a:bodyPr wrap="none" rtlCol="0">
+            <a:spAutoFit/>
+          </a:bodyPr>
+          <a:lstStyle/>
+          <a:p>
+            <a:r>
+              <a:rPr lang="en-US" sz="1200" dirty="0" smtClean="0"/>
+              <a:t>iteration</a:t>
+            </a:r>
+            <a:endParaRPr lang="en-US" sz="1200" dirty="0"/>
+          </a:p>
+        </p:txBody>
+      </p:sp>
+      <p:sp>
+        <p:nvSpPr>
+          <p:cNvPr id="13" name="TextBox 12"/>
+          <p:cNvSpPr txBox="1"/>
+          <p:nvPr/>
+        </p:nvSpPr>
+        <p:spPr>
+          <a:xfrm>
+            <a:off x="3968240" y="3446304"/>
+            <a:ext cx="723200" cy="276999"/>
+          </a:xfrm>
+          <a:prstGeom prst="rect">
+            <a:avLst/>
+          </a:prstGeom>
+          <a:noFill/>
+        </p:spPr>
+        <p:txBody>
+          <a:bodyPr wrap="none" rtlCol="0">
+            <a:spAutoFit/>
+          </a:bodyPr>
+          <a:lstStyle/>
+          <a:p>
+            <a:r>
+              <a:rPr lang="en-US" sz="1200" dirty="0" smtClean="0"/>
+              <a:t>iteration</a:t>
+            </a:r>
+            <a:endParaRPr lang="en-US" sz="1200" dirty="0"/>
+          </a:p>
+        </p:txBody>
+      </p:sp>
+      <p:sp>
+        <p:nvSpPr>
+          <p:cNvPr id="14" name="TextBox 13"/>
+          <p:cNvSpPr txBox="1"/>
+          <p:nvPr/>
+        </p:nvSpPr>
+        <p:spPr>
+          <a:xfrm>
+            <a:off x="4176998" y="5656655"/>
+            <a:ext cx="723200" cy="276999"/>
+          </a:xfrm>
+          <a:prstGeom prst="rect">
+            <a:avLst/>
+          </a:prstGeom>
+          <a:noFill/>
+        </p:spPr>
+        <p:txBody>
+          <a:bodyPr wrap="none" rtlCol="0">
+            <a:spAutoFit/>
+          </a:bodyPr>
+          <a:lstStyle/>
+          <a:p>
+            <a:r>
+              <a:rPr lang="en-US" sz="1200" dirty="0" smtClean="0"/>
+              <a:t>iteration</a:t>
+            </a:r>
+            <a:endParaRPr lang="en-US" sz="1200" dirty="0"/>
+          </a:p>
+        </p:txBody>
+      </p:sp>
+      <p:sp>
+        <p:nvSpPr>
+          <p:cNvPr id="15" name="TextBox 14"/>
+          <p:cNvSpPr txBox="1"/>
+          <p:nvPr/>
+        </p:nvSpPr>
+        <p:spPr>
+          <a:xfrm>
+            <a:off x="1562315" y="3446304"/>
+            <a:ext cx="723200" cy="276999"/>
+          </a:xfrm>
+          <a:prstGeom prst="rect">
+            <a:avLst/>
+          </a:prstGeom>
+          <a:noFill/>
+        </p:spPr>
+        <p:txBody>
+          <a:bodyPr wrap="none" rtlCol="0">
+            <a:spAutoFit/>
+          </a:bodyPr>
+          <a:lstStyle/>
+          <a:p>
+            <a:r>
+              <a:rPr lang="en-US" sz="1200" dirty="0" smtClean="0"/>
+              <a:t>iteration</a:t>
+            </a:r>
+            <a:endParaRPr lang="en-US" sz="1200" dirty="0"/>
+          </a:p>
+        </p:txBody>
+      </p:sp>
+    </p:spTree>
+    <p:extLst>
+      <p:ext uri="{BB962C8B-B14F-4D97-AF65-F5344CB8AC3E}">
+        <p14:creationId xmlns:p14="http://schemas.microsoft.com/office/powerpoint/2010/main" val="696914910"/>
+      </p:ext>
+    </p:extLst>
+  </p:cSld>
+  <p:clrMapOvr>
+    <a:masterClrMapping/>
+  </p:clrMapOvr>
+  <p:timing>
+    <p:tnLst>
+      <p:par>
+        <p:cTn id="1" dur="indefinite" restart="never" nodeType="tmRoot"/>
+      </p:par>
+    </p:tnLst>
+  </p:timing>
+</p:sld>
+</file>
+
+<file path=ppt/slides/slide14.xml><?xml version="1.0" encoding="utf-8"?>
+<p:sld xmlns:a="http://schemas.openxmlformats.org/drawingml/2006/main" xmlns:r="http://schemas.openxmlformats.org/officeDocument/2006/relationships" xmlns:p="http://schemas.openxmlformats.org/presentationml/2006/main">
+  <p:cSld>
+    <p:spTree>
+      <p:nvGrpSpPr>
+        <p:cNvPr id="1" name=""/>
+        <p:cNvGrpSpPr/>
+        <p:nvPr/>
+      </p:nvGrpSpPr>
+      <p:grpSpPr>
+        <a:xfrm>
+          <a:off x="0" y="0"/>
+          <a:ext cx="0" cy="0"/>
+          <a:chOff x="0" y="0"/>
+          <a:chExt cx="0" cy="0"/>
+        </a:xfrm>
+      </p:grpSpPr>
+      <p:sp>
+        <p:nvSpPr>
+          <p:cNvPr id="2" name="Title 1"/>
+          <p:cNvSpPr>
+            <a:spLocks noGrp="1"/>
+          </p:cNvSpPr>
+          <p:nvPr>
+            <p:ph type="title"/>
+          </p:nvPr>
+        </p:nvSpPr>
+        <p:spPr/>
+        <p:txBody>
+          <a:bodyPr/>
+          <a:lstStyle/>
+          <a:p>
+            <a:r>
+              <a:rPr lang="en-US" dirty="0" smtClean="0"/>
+              <a:t>Robustness Metric</a:t>
+            </a:r>
+            <a:endParaRPr lang="en-US" dirty="0"/>
+          </a:p>
+        </p:txBody>
+      </p:sp>
+      <p:pic>
+        <p:nvPicPr>
+          <p:cNvPr id="5" name="Content Placeholder 4" descr="robustness.png"/>
+          <p:cNvPicPr>
+            <a:picLocks noGrp="1" noChangeAspect="1"/>
+          </p:cNvPicPr>
+          <p:nvPr>
+            <p:ph idx="1"/>
+          </p:nvPr>
+        </p:nvPicPr>
+        <p:blipFill rotWithShape="1">
+          <a:blip r:embed="rId2">
+            <a:extLst>
+              <a:ext uri="{28A0092B-C50C-407E-A947-70E740481C1C}">
+                <a14:useLocalDpi xmlns:a14="http://schemas.microsoft.com/office/drawing/2010/main" val="0"/>
+              </a:ext>
+            </a:extLst>
+          </a:blip>
+          <a:srcRect l="1" r="-2954"/>
+          <a:stretch/>
+        </p:blipFill>
+        <p:spPr>
+          <a:xfrm>
+            <a:off x="674513" y="1737361"/>
+            <a:ext cx="5033434" cy="4023360"/>
+          </a:xfrm>
+        </p:spPr>
+      </p:pic>
+      <p:sp>
+        <p:nvSpPr>
+          <p:cNvPr id="7" name="TextBox 6"/>
+          <p:cNvSpPr txBox="1"/>
+          <p:nvPr/>
+        </p:nvSpPr>
+        <p:spPr>
+          <a:xfrm>
+            <a:off x="5727680" y="1818377"/>
+            <a:ext cx="3416320" cy="3970318"/>
+          </a:xfrm>
+          <a:prstGeom prst="rect">
+            <a:avLst/>
+          </a:prstGeom>
+          <a:noFill/>
+        </p:spPr>
+        <p:txBody>
+          <a:bodyPr wrap="none" rtlCol="0">
+            <a:spAutoFit/>
+          </a:bodyPr>
+          <a:lstStyle/>
+          <a:p>
+            <a:pPr>
+              <a:buFont typeface="Wingdings" panose="05000000000000000000" pitchFamily="2" charset="2"/>
+              <a:buChar char="Ø"/>
+            </a:pPr>
+            <a:r>
+              <a:rPr lang="en-US" dirty="0" smtClean="0"/>
+              <a:t>This plot quantifies the </a:t>
+            </a:r>
+            <a:br>
+              <a:rPr lang="en-US" dirty="0" smtClean="0"/>
+            </a:br>
+            <a:r>
+              <a:rPr lang="en-US" dirty="0" smtClean="0"/>
+              <a:t>final robustness metric of network</a:t>
+            </a:r>
+            <a:br>
+              <a:rPr lang="en-US" dirty="0" smtClean="0"/>
+            </a:br>
+            <a:endParaRPr lang="en-US" dirty="0"/>
+          </a:p>
+          <a:p>
+            <a:pPr>
+              <a:buFont typeface="Wingdings" panose="05000000000000000000" pitchFamily="2" charset="2"/>
+              <a:buChar char="Ø"/>
+            </a:pPr>
+            <a:r>
+              <a:rPr lang="en-US" dirty="0" smtClean="0"/>
+              <a:t>It is defined as the average </a:t>
+            </a:r>
+            <a:br>
+              <a:rPr lang="en-US" dirty="0" smtClean="0"/>
+            </a:br>
+            <a:r>
+              <a:rPr lang="en-US" dirty="0" smtClean="0"/>
+              <a:t>of ‘average node health’</a:t>
+            </a:r>
+            <a:br>
+              <a:rPr lang="en-US" dirty="0" smtClean="0"/>
+            </a:br>
+            <a:endParaRPr lang="en-US" dirty="0"/>
+          </a:p>
+          <a:p>
+            <a:pPr>
+              <a:buFont typeface="Wingdings" panose="05000000000000000000" pitchFamily="2" charset="2"/>
+              <a:buChar char="Ø"/>
+            </a:pPr>
+            <a:r>
+              <a:rPr lang="en-US" dirty="0" smtClean="0"/>
+              <a:t>The network with beta=0 is the</a:t>
+            </a:r>
+            <a:br>
+              <a:rPr lang="en-US" dirty="0" smtClean="0"/>
+            </a:br>
+            <a:r>
+              <a:rPr lang="en-US" dirty="0" smtClean="0"/>
+              <a:t>least robust, while beta=1 is </a:t>
+            </a:r>
+            <a:br>
+              <a:rPr lang="en-US" dirty="0" smtClean="0"/>
+            </a:br>
+            <a:r>
+              <a:rPr lang="en-US" dirty="0" smtClean="0"/>
+              <a:t>the most robust; long range</a:t>
+            </a:r>
+            <a:br>
+              <a:rPr lang="en-US" dirty="0" smtClean="0"/>
+            </a:br>
+            <a:r>
+              <a:rPr lang="en-US" dirty="0" smtClean="0"/>
+              <a:t>interaction taking place</a:t>
+            </a:r>
+            <a:br>
+              <a:rPr lang="en-US" dirty="0" smtClean="0"/>
+            </a:br>
+            <a:endParaRPr lang="en-US" dirty="0"/>
+          </a:p>
+          <a:p>
+            <a:r>
+              <a:rPr lang="en-US" dirty="0"/>
+              <a:t/>
+            </a:r>
+            <a:br>
+              <a:rPr lang="en-US" dirty="0"/>
+            </a:br>
+            <a:endParaRPr lang="en-US" dirty="0"/>
+          </a:p>
+          <a:p>
+            <a:pPr>
+              <a:buFont typeface="Wingdings" panose="05000000000000000000" pitchFamily="2" charset="2"/>
+              <a:buChar char="Ø"/>
+            </a:pPr>
+            <a:endParaRPr lang="en-US" dirty="0">
+              <a:solidFill>
+                <a:srgbClr val="00B050"/>
+              </a:solidFill>
+            </a:endParaRPr>
+          </a:p>
+        </p:txBody>
+      </p:sp>
+    </p:spTree>
+    <p:extLst>
+      <p:ext uri="{BB962C8B-B14F-4D97-AF65-F5344CB8AC3E}">
+        <p14:creationId xmlns:p14="http://schemas.microsoft.com/office/powerpoint/2010/main" val="602921650"/>
+      </p:ext>
+    </p:extLst>
+  </p:cSld>
+  <p:clrMapOvr>
+    <a:masterClrMapping/>
+  </p:clrMapOvr>
+  <p:timing>
+    <p:tnLst>
+      <p:par>
+        <p:cTn id="1" dur="indefinite" restart="never" nodeType="tmRoot"/>
+      </p:par>
+    </p:tnLst>
+  </p:timing>
+</p:sld>
+</file>
+
+<file path=ppt/slides/slide15.xml><?xml version="1.0" encoding="utf-8"?>
+<p:sld xmlns:a="http://schemas.openxmlformats.org/drawingml/2006/main" xmlns:r="http://schemas.openxmlformats.org/officeDocument/2006/relationships" xmlns:p="http://schemas.openxmlformats.org/presentationml/2006/main">
+  <p:cSld>
+    <p:spTree>
+      <p:nvGrpSpPr>
+        <p:cNvPr id="1" name=""/>
+        <p:cNvGrpSpPr/>
+        <p:nvPr/>
+      </p:nvGrpSpPr>
+      <p:grpSpPr>
+        <a:xfrm>
+          <a:off x="0" y="0"/>
+          <a:ext cx="0" cy="0"/>
+          <a:chOff x="0" y="0"/>
+          <a:chExt cx="0" cy="0"/>
+        </a:xfrm>
+      </p:grpSpPr>
+      <p:sp>
+        <p:nvSpPr>
+          <p:cNvPr id="2" name="Title 1"/>
+          <p:cNvSpPr>
+            <a:spLocks noGrp="1"/>
+          </p:cNvSpPr>
+          <p:nvPr>
+            <p:ph type="title"/>
+          </p:nvPr>
+        </p:nvSpPr>
+        <p:spPr/>
+        <p:txBody>
+          <a:bodyPr/>
+          <a:lstStyle/>
+          <a:p>
+            <a:r>
+              <a:rPr lang="en-US" dirty="0" smtClean="0"/>
               <a:t>Conclusion</a:t>
             </a:r>
             <a:endParaRPr lang="en-US" dirty="0"/>
@@ -5906,7 +6409,7 @@
   <p:timing>
     <p:tnLst>
       <p:par>
-        <p:cTn xmlns:p14="http://schemas.microsoft.com/office/powerpoint/2010/main" id="1" dur="indefinite" restart="never" nodeType="tmRoot"/>
+        <p:cTn id="1" dur="indefinite" restart="never" nodeType="tmRoot"/>
       </p:par>
     </p:tnLst>
   </p:timing>
@@ -6094,7 +6597,7 @@
   <p:timing>
     <p:tnLst>
       <p:par>
-        <p:cTn xmlns:p14="http://schemas.microsoft.com/office/powerpoint/2010/main" id="1" dur="indefinite" restart="never" nodeType="tmRoot">
+        <p:cTn id="1" dur="indefinite" restart="never" nodeType="tmRoot">
           <p:childTnLst>
             <p:seq concurrent="1" nextAc="seek">
               <p:cTn id="2" dur="indefinite" nodeType="mainSeq">
@@ -6904,7 +7407,7 @@
   <p:timing>
     <p:tnLst>
       <p:par>
-        <p:cTn xmlns:p14="http://schemas.microsoft.com/office/powerpoint/2010/main" id="1" dur="indefinite" restart="never" nodeType="tmRoot">
+        <p:cTn id="1" dur="indefinite" restart="never" nodeType="tmRoot">
           <p:childTnLst>
             <p:seq concurrent="1" nextAc="seek">
               <p:cTn id="2" dur="indefinite" nodeType="mainSeq">
@@ -7358,6 +7861,257 @@
           <a:lstStyle/>
           <a:p>
             <a:r>
+              <a:rPr lang="en-GB" dirty="0" smtClean="0"/>
+              <a:t>Relevant Works</a:t>
+            </a:r>
+            <a:endParaRPr lang="en-GB" dirty="0"/>
+          </a:p>
+        </p:txBody>
+      </p:sp>
+      <p:sp>
+        <p:nvSpPr>
+          <p:cNvPr id="3" name="Content Placeholder 2"/>
+          <p:cNvSpPr>
+            <a:spLocks noGrp="1"/>
+          </p:cNvSpPr>
+          <p:nvPr>
+            <p:ph idx="1"/>
+          </p:nvPr>
+        </p:nvSpPr>
+        <p:spPr/>
+        <p:txBody>
+          <a:bodyPr/>
+          <a:lstStyle/>
+          <a:p>
+            <a:pPr>
+              <a:buFont typeface="Wingdings" panose="05000000000000000000" pitchFamily="2" charset="2"/>
+              <a:buChar char="Ø"/>
+            </a:pPr>
+            <a:r>
+              <a:rPr lang="en-GB" dirty="0" smtClean="0"/>
+              <a:t>Epidemic Theory</a:t>
+            </a:r>
+          </a:p>
+          <a:p>
+            <a:pPr lvl="1">
+              <a:buFont typeface="Wingdings" panose="05000000000000000000" pitchFamily="2" charset="2"/>
+              <a:buChar char="Ø"/>
+            </a:pPr>
+            <a:r>
+              <a:rPr lang="en-GB" dirty="0" smtClean="0"/>
+              <a:t>Susceptible-Infected-Recovered (SIR) Model</a:t>
+            </a:r>
+          </a:p>
+          <a:p>
+            <a:pPr lvl="1">
+              <a:buFont typeface="Wingdings" panose="05000000000000000000" pitchFamily="2" charset="2"/>
+              <a:buChar char="Ø"/>
+            </a:pPr>
+            <a:r>
+              <a:rPr lang="en-GB" dirty="0" smtClean="0"/>
+              <a:t>Susceptible-Infectious-Susceptible (SIS) Model</a:t>
+            </a:r>
+          </a:p>
+          <a:p>
+            <a:pPr>
+              <a:buFont typeface="Wingdings" panose="05000000000000000000" pitchFamily="2" charset="2"/>
+              <a:buChar char="Ø"/>
+            </a:pPr>
+            <a:r>
+              <a:rPr lang="en-GB" dirty="0" smtClean="0"/>
+              <a:t>Network Theory Model</a:t>
+            </a:r>
+            <a:endParaRPr lang="en-GB" dirty="0"/>
+          </a:p>
+          <a:p>
+            <a:pPr lvl="1">
+              <a:buFont typeface="Wingdings" panose="05000000000000000000" pitchFamily="2" charset="2"/>
+              <a:buChar char="Ø"/>
+            </a:pPr>
+            <a:r>
+              <a:rPr lang="en-GB" dirty="0" smtClean="0"/>
+              <a:t>Models based on simulation mechanism:</a:t>
+            </a:r>
+          </a:p>
+          <a:p>
+            <a:pPr lvl="2">
+              <a:buFont typeface="Wingdings" panose="05000000000000000000" pitchFamily="2" charset="2"/>
+              <a:buChar char="Ø"/>
+            </a:pPr>
+            <a:r>
+              <a:rPr lang="en-GB" dirty="0" smtClean="0"/>
+              <a:t>Rate of Infection = Transmission Rate * Number of Infected Neighbours</a:t>
+            </a:r>
+          </a:p>
+          <a:p>
+            <a:pPr lvl="2">
+              <a:buFont typeface="Wingdings" panose="05000000000000000000" pitchFamily="2" charset="2"/>
+              <a:buChar char="Ø"/>
+            </a:pPr>
+            <a:r>
+              <a:rPr lang="en-GB" dirty="0" smtClean="0"/>
+              <a:t>Probabilistic Spread of Infection</a:t>
+            </a:r>
+          </a:p>
+          <a:p>
+            <a:pPr lvl="1">
+              <a:buFont typeface="Wingdings" panose="05000000000000000000" pitchFamily="2" charset="2"/>
+              <a:buChar char="Ø"/>
+            </a:pPr>
+            <a:endParaRPr lang="en-GB" dirty="0"/>
+          </a:p>
+        </p:txBody>
+      </p:sp>
+    </p:spTree>
+    <p:extLst>
+      <p:ext uri="{BB962C8B-B14F-4D97-AF65-F5344CB8AC3E}">
+        <p14:creationId xmlns:p14="http://schemas.microsoft.com/office/powerpoint/2010/main" val="3471722688"/>
+      </p:ext>
+    </p:extLst>
+  </p:cSld>
+  <p:clrMapOvr>
+    <a:masterClrMapping/>
+  </p:clrMapOvr>
+  <p:timing>
+    <p:tnLst>
+      <p:par>
+        <p:cTn id="1" dur="indefinite" restart="never" nodeType="tmRoot"/>
+      </p:par>
+    </p:tnLst>
+  </p:timing>
+</p:sld>
+</file>
+
+<file path=ppt/slides/slide5.xml><?xml version="1.0" encoding="utf-8"?>
+<p:sld xmlns:a="http://schemas.openxmlformats.org/drawingml/2006/main" xmlns:r="http://schemas.openxmlformats.org/officeDocument/2006/relationships" xmlns:p="http://schemas.openxmlformats.org/presentationml/2006/main">
+  <p:cSld>
+    <p:spTree>
+      <p:nvGrpSpPr>
+        <p:cNvPr id="1" name=""/>
+        <p:cNvGrpSpPr/>
+        <p:nvPr/>
+      </p:nvGrpSpPr>
+      <p:grpSpPr>
+        <a:xfrm>
+          <a:off x="0" y="0"/>
+          <a:ext cx="0" cy="0"/>
+          <a:chOff x="0" y="0"/>
+          <a:chExt cx="0" cy="0"/>
+        </a:xfrm>
+      </p:grpSpPr>
+      <p:sp>
+        <p:nvSpPr>
+          <p:cNvPr id="2" name="Title 1"/>
+          <p:cNvSpPr>
+            <a:spLocks noGrp="1"/>
+          </p:cNvSpPr>
+          <p:nvPr>
+            <p:ph type="title"/>
+          </p:nvPr>
+        </p:nvSpPr>
+        <p:spPr/>
+        <p:txBody>
+          <a:bodyPr/>
+          <a:lstStyle/>
+          <a:p>
+            <a:r>
+              <a:rPr lang="en-GB" dirty="0" smtClean="0"/>
+              <a:t>Research Problem</a:t>
+            </a:r>
+            <a:endParaRPr lang="en-GB" dirty="0"/>
+          </a:p>
+        </p:txBody>
+      </p:sp>
+      <p:sp>
+        <p:nvSpPr>
+          <p:cNvPr id="3" name="Content Placeholder 2"/>
+          <p:cNvSpPr>
+            <a:spLocks noGrp="1"/>
+          </p:cNvSpPr>
+          <p:nvPr>
+            <p:ph idx="1"/>
+          </p:nvPr>
+        </p:nvSpPr>
+        <p:spPr/>
+        <p:txBody>
+          <a:bodyPr/>
+          <a:lstStyle/>
+          <a:p>
+            <a:pPr>
+              <a:buFont typeface="Wingdings" panose="05000000000000000000" pitchFamily="2" charset="2"/>
+              <a:buChar char="Ø"/>
+            </a:pPr>
+            <a:r>
+              <a:rPr lang="en-GB" dirty="0" smtClean="0"/>
+              <a:t>Determine Robustness of Randomly Generated Graphs</a:t>
+            </a:r>
+          </a:p>
+          <a:p>
+            <a:pPr>
+              <a:buFont typeface="Wingdings" panose="05000000000000000000" pitchFamily="2" charset="2"/>
+              <a:buChar char="Ø"/>
+            </a:pPr>
+            <a:r>
+              <a:rPr lang="en-GB" dirty="0" smtClean="0"/>
+              <a:t>Effect of simplification of model is also explored</a:t>
+            </a:r>
+            <a:endParaRPr lang="en-GB" dirty="0"/>
+          </a:p>
+        </p:txBody>
+      </p:sp>
+    </p:spTree>
+    <p:extLst>
+      <p:ext uri="{BB962C8B-B14F-4D97-AF65-F5344CB8AC3E}">
+        <p14:creationId xmlns:p14="http://schemas.microsoft.com/office/powerpoint/2010/main" val="1833941494"/>
+      </p:ext>
+    </p:extLst>
+  </p:cSld>
+  <p:clrMapOvr>
+    <a:masterClrMapping/>
+  </p:clrMapOvr>
+  <p:timing>
+    <p:tnLst>
+      <p:par>
+        <p:cTn id="1" dur="indefinite" restart="never" nodeType="tmRoot"/>
+      </p:par>
+    </p:tnLst>
+  </p:timing>
+</p:sld>
+</file>
+
+<file path=ppt/slides/slide6.xml><?xml version="1.0" encoding="utf-8"?>
+<p:sld xmlns:a="http://schemas.openxmlformats.org/drawingml/2006/main" xmlns:r="http://schemas.openxmlformats.org/officeDocument/2006/relationships" xmlns:p="http://schemas.openxmlformats.org/presentationml/2006/main">
+  <p:cSld>
+    <p:spTree>
+      <p:nvGrpSpPr>
+        <p:cNvPr id="1" name=""/>
+        <p:cNvGrpSpPr/>
+        <p:nvPr/>
+      </p:nvGrpSpPr>
+      <p:grpSpPr>
+        <a:xfrm>
+          <a:off x="0" y="0"/>
+          <a:ext cx="0" cy="0"/>
+          <a:chOff x="0" y="0"/>
+          <a:chExt cx="0" cy="0"/>
+        </a:xfrm>
+      </p:grpSpPr>
+      <p:sp>
+        <p:nvSpPr>
+          <p:cNvPr id="2" name="Title 1"/>
+          <p:cNvSpPr>
+            <a:spLocks noGrp="1"/>
+          </p:cNvSpPr>
+          <p:nvPr>
+            <p:ph type="title"/>
+          </p:nvPr>
+        </p:nvSpPr>
+        <p:spPr/>
+        <p:txBody>
+          <a:bodyPr/>
+          <a:lstStyle/>
+          <a:p>
+            <a:r>
               <a:rPr lang="en-US" dirty="0" smtClean="0"/>
               <a:t>Assumptions</a:t>
             </a:r>
@@ -7455,7 +8209,7 @@
   <p:timing>
     <p:tnLst>
       <p:par>
-        <p:cTn xmlns:p14="http://schemas.microsoft.com/office/powerpoint/2010/main" id="1" dur="indefinite" restart="never" nodeType="tmRoot">
+        <p:cTn id="1" dur="indefinite" restart="never" nodeType="tmRoot">
           <p:childTnLst>
             <p:seq concurrent="1" nextAc="seek">
               <p:cTn id="2" dur="indefinite" nodeType="mainSeq">
@@ -7833,7 +8587,7 @@
 </p:sld>
 </file>
 
-<file path=ppt/slides/slide5.xml><?xml version="1.0" encoding="utf-8"?>
+<file path=ppt/slides/slide7.xml><?xml version="1.0" encoding="utf-8"?>
 <p:sld xmlns:a="http://schemas.openxmlformats.org/drawingml/2006/main" xmlns:r="http://schemas.openxmlformats.org/officeDocument/2006/relationships" xmlns:p="http://schemas.openxmlformats.org/presentationml/2006/main">
   <p:cSld>
     <p:spTree>
@@ -7904,7 +8658,11 @@
                 </a:pPr>
                 <a:r>
                   <a:rPr lang="en-US" dirty="0" smtClean="0"/>
-                  <a:t> represents individual i’s health</a:t>
+                  <a:t> </a:t>
+                </a:r>
+                <a:r>
+                  <a:rPr lang="en-US" dirty="0" smtClean="0"/>
+                  <a:t>represents individual i’s health</a:t>
                 </a:r>
               </a:p>
               <a:p>
@@ -8016,7 +8774,7 @@
   <p:timing>
     <p:tnLst>
       <p:par>
-        <p:cTn xmlns:p14="http://schemas.microsoft.com/office/powerpoint/2010/main" id="1" dur="indefinite" restart="never" nodeType="tmRoot">
+        <p:cTn id="1" dur="indefinite" restart="never" nodeType="tmRoot">
           <p:childTnLst>
             <p:seq concurrent="1" nextAc="seek">
               <p:cTn id="2" dur="indefinite" nodeType="mainSeq">
@@ -8412,7 +9170,7 @@
 </p:sld>
 </file>
 
-<file path=ppt/slides/slide6.xml><?xml version="1.0" encoding="utf-8"?>
+<file path=ppt/slides/slide8.xml><?xml version="1.0" encoding="utf-8"?>
 <p:sld xmlns:a="http://schemas.openxmlformats.org/drawingml/2006/main" xmlns:r="http://schemas.openxmlformats.org/officeDocument/2006/relationships" xmlns:p="http://schemas.openxmlformats.org/presentationml/2006/main">
   <p:cSld>
     <p:spTree>
@@ -8634,7 +9392,7 @@
   <p:timing>
     <p:tnLst>
       <p:par>
-        <p:cTn xmlns:p14="http://schemas.microsoft.com/office/powerpoint/2010/main" id="1" dur="indefinite" restart="never" nodeType="tmRoot">
+        <p:cTn id="1" dur="indefinite" restart="never" nodeType="tmRoot">
           <p:childTnLst>
             <p:seq concurrent="1" nextAc="seek">
               <p:cTn id="2" dur="indefinite" nodeType="mainSeq">
@@ -9281,7 +10039,7 @@
 </p:sld>
 </file>
 
-<file path=ppt/slides/slide7.xml><?xml version="1.0" encoding="utf-8"?>
+<file path=ppt/slides/slide9.xml><?xml version="1.0" encoding="utf-8"?>
 <p:sld xmlns:a="http://schemas.openxmlformats.org/drawingml/2006/main" xmlns:r="http://schemas.openxmlformats.org/officeDocument/2006/relationships" xmlns:p="http://schemas.openxmlformats.org/presentationml/2006/main">
   <p:cSld>
     <p:spTree>
@@ -9503,7 +10261,7 @@
   <p:timing>
     <p:tnLst>
       <p:par>
-        <p:cTn xmlns:p14="http://schemas.microsoft.com/office/powerpoint/2010/main" id="1" dur="indefinite" restart="never" nodeType="tmRoot">
+        <p:cTn id="1" dur="indefinite" restart="never" nodeType="tmRoot">
           <p:childTnLst>
             <p:seq concurrent="1" nextAc="seek">
               <p:cTn id="2" dur="indefinite" nodeType="mainSeq">
@@ -10150,277 +10908,6 @@
 </p:sld>
 </file>
 
-<file path=ppt/slides/slide8.xml><?xml version="1.0" encoding="utf-8"?>
-<p:sld xmlns:a="http://schemas.openxmlformats.org/drawingml/2006/main" xmlns:r="http://schemas.openxmlformats.org/officeDocument/2006/relationships" xmlns:p="http://schemas.openxmlformats.org/presentationml/2006/main">
-  <p:cSld>
-    <p:spTree>
-      <p:nvGrpSpPr>
-        <p:cNvPr id="1" name=""/>
-        <p:cNvGrpSpPr/>
-        <p:nvPr/>
-      </p:nvGrpSpPr>
-      <p:grpSpPr>
-        <a:xfrm>
-          <a:off x="0" y="0"/>
-          <a:ext cx="0" cy="0"/>
-          <a:chOff x="0" y="0"/>
-          <a:chExt cx="0" cy="0"/>
-        </a:xfrm>
-      </p:grpSpPr>
-      <p:sp>
-        <p:nvSpPr>
-          <p:cNvPr id="2" name="Title 1"/>
-          <p:cNvSpPr>
-            <a:spLocks noGrp="1"/>
-          </p:cNvSpPr>
-          <p:nvPr>
-            <p:ph type="title"/>
-          </p:nvPr>
-        </p:nvSpPr>
-        <p:spPr/>
-        <p:txBody>
-          <a:bodyPr/>
-          <a:lstStyle/>
-          <a:p>
-            <a:r>
-              <a:rPr lang="en-US" dirty="0" smtClean="0"/>
-              <a:t>Results and their interpretations.</a:t>
-            </a:r>
-            <a:endParaRPr lang="en-US" dirty="0"/>
-          </a:p>
-        </p:txBody>
-      </p:sp>
-    </p:spTree>
-    <p:extLst>
-      <p:ext uri="{BB962C8B-B14F-4D97-AF65-F5344CB8AC3E}">
-        <p14:creationId xmlns:p14="http://schemas.microsoft.com/office/powerpoint/2010/main" val="2056232160"/>
-      </p:ext>
-    </p:extLst>
-  </p:cSld>
-  <p:clrMapOvr>
-    <a:masterClrMapping/>
-  </p:clrMapOvr>
-  <p:timing>
-    <p:tnLst>
-      <p:par>
-        <p:cTn xmlns:p14="http://schemas.microsoft.com/office/powerpoint/2010/main" id="1" dur="indefinite" restart="never" nodeType="tmRoot"/>
-      </p:par>
-    </p:tnLst>
-  </p:timing>
-</p:sld>
-</file>
-
-<file path=ppt/slides/slide9.xml><?xml version="1.0" encoding="utf-8"?>
-<p:sld xmlns:a="http://schemas.openxmlformats.org/drawingml/2006/main" xmlns:r="http://schemas.openxmlformats.org/officeDocument/2006/relationships" xmlns:p="http://schemas.openxmlformats.org/presentationml/2006/main">
-  <p:cSld>
-    <p:spTree>
-      <p:nvGrpSpPr>
-        <p:cNvPr id="1" name=""/>
-        <p:cNvGrpSpPr/>
-        <p:nvPr/>
-      </p:nvGrpSpPr>
-      <p:grpSpPr>
-        <a:xfrm>
-          <a:off x="0" y="0"/>
-          <a:ext cx="0" cy="0"/>
-          <a:chOff x="0" y="0"/>
-          <a:chExt cx="0" cy="0"/>
-        </a:xfrm>
-      </p:grpSpPr>
-      <p:sp>
-        <p:nvSpPr>
-          <p:cNvPr id="2" name="Title 1"/>
-          <p:cNvSpPr>
-            <a:spLocks noGrp="1"/>
-          </p:cNvSpPr>
-          <p:nvPr>
-            <p:ph type="title"/>
-          </p:nvPr>
-        </p:nvSpPr>
-        <p:spPr/>
-        <p:txBody>
-          <a:bodyPr/>
-          <a:lstStyle/>
-          <a:p>
-            <a:r>
-              <a:rPr lang="en-US" dirty="0" smtClean="0"/>
-              <a:t>Small-world Networks</a:t>
-            </a:r>
-            <a:endParaRPr lang="en-US" dirty="0"/>
-          </a:p>
-        </p:txBody>
-      </p:sp>
-      <p:pic>
-        <p:nvPicPr>
-          <p:cNvPr id="6" name="Content Placeholder 5" descr="Wattson.png"/>
-          <p:cNvPicPr>
-            <a:picLocks noGrp="1" noChangeAspect="1"/>
-          </p:cNvPicPr>
-          <p:nvPr>
-            <p:ph idx="1"/>
-          </p:nvPr>
-        </p:nvPicPr>
-        <p:blipFill rotWithShape="1">
-          <a:blip r:embed="rId2">
-            <a:extLst>
-              <a:ext uri="{28A0092B-C50C-407E-A947-70E740481C1C}">
-                <a14:useLocalDpi xmlns:a14="http://schemas.microsoft.com/office/drawing/2010/main" val="0"/>
-              </a:ext>
-            </a:extLst>
-          </a:blip>
-          <a:srcRect r="37"/>
-          <a:stretch/>
-        </p:blipFill>
-        <p:spPr>
-          <a:xfrm>
-            <a:off x="822960" y="1737361"/>
-            <a:ext cx="5139272" cy="4557656"/>
-          </a:xfrm>
-        </p:spPr>
-      </p:pic>
-      <p:sp>
-        <p:nvSpPr>
-          <p:cNvPr id="3" name="TextBox 2"/>
-          <p:cNvSpPr txBox="1"/>
-          <p:nvPr/>
-        </p:nvSpPr>
-        <p:spPr>
-          <a:xfrm>
-            <a:off x="6165639" y="1808785"/>
-            <a:ext cx="3147015" cy="3416320"/>
-          </a:xfrm>
-          <a:prstGeom prst="rect">
-            <a:avLst/>
-          </a:prstGeom>
-          <a:noFill/>
-        </p:spPr>
-        <p:txBody>
-          <a:bodyPr wrap="none" rtlCol="0">
-            <a:spAutoFit/>
-          </a:bodyPr>
-          <a:lstStyle/>
-          <a:p>
-            <a:pPr>
-              <a:buFont typeface="Wingdings" panose="05000000000000000000" pitchFamily="2" charset="2"/>
-              <a:buChar char="Ø"/>
-            </a:pPr>
-            <a:r>
-              <a:rPr lang="en-US" dirty="0" smtClean="0"/>
-              <a:t>Small world networks created</a:t>
-            </a:r>
-            <a:br>
-              <a:rPr lang="en-US" dirty="0" smtClean="0"/>
-            </a:br>
-            <a:r>
-              <a:rPr lang="en-US" dirty="0" smtClean="0"/>
-              <a:t>with Watts-</a:t>
-            </a:r>
-            <a:r>
-              <a:rPr lang="en-US" dirty="0" err="1" smtClean="0"/>
-              <a:t>Strogatz</a:t>
-            </a:r>
-            <a:r>
-              <a:rPr lang="en-US" dirty="0" smtClean="0"/>
-              <a:t/>
-            </a:r>
-            <a:br>
-              <a:rPr lang="en-US" dirty="0" smtClean="0"/>
-            </a:br>
-            <a:endParaRPr lang="en-US" dirty="0" smtClean="0"/>
-          </a:p>
-          <a:p>
-            <a:pPr>
-              <a:buFont typeface="Wingdings" panose="05000000000000000000" pitchFamily="2" charset="2"/>
-              <a:buChar char="Ø"/>
-            </a:pPr>
-            <a:r>
-              <a:rPr lang="en-US" dirty="0" smtClean="0"/>
-              <a:t>The size is fixed, and average</a:t>
-            </a:r>
-            <a:br>
-              <a:rPr lang="en-US" dirty="0" smtClean="0"/>
-            </a:br>
-            <a:r>
-              <a:rPr lang="en-US" dirty="0" smtClean="0"/>
-              <a:t>node degree is at 2 </a:t>
-            </a:r>
-            <a:br>
-              <a:rPr lang="en-US" dirty="0" smtClean="0"/>
-            </a:br>
-            <a:endParaRPr lang="en-US" dirty="0" smtClean="0"/>
-          </a:p>
-          <a:p>
-            <a:pPr>
-              <a:buFont typeface="Wingdings" panose="05000000000000000000" pitchFamily="2" charset="2"/>
-              <a:buChar char="Ø"/>
-            </a:pPr>
-            <a:r>
-              <a:rPr lang="en-US" dirty="0" smtClean="0"/>
-              <a:t>The beta parameter defines</a:t>
-            </a:r>
-            <a:br>
-              <a:rPr lang="en-US" dirty="0" smtClean="0"/>
-            </a:br>
-            <a:r>
-              <a:rPr lang="en-US" dirty="0" smtClean="0"/>
-              <a:t>the probability of rewiring</a:t>
-            </a:r>
-            <a:br>
-              <a:rPr lang="en-US" dirty="0" smtClean="0"/>
-            </a:br>
-            <a:endParaRPr lang="en-US" dirty="0"/>
-          </a:p>
-          <a:p>
-            <a:pPr>
-              <a:buFont typeface="Wingdings" panose="05000000000000000000" pitchFamily="2" charset="2"/>
-              <a:buChar char="Ø"/>
-            </a:pPr>
-            <a:r>
-              <a:rPr lang="en-US" dirty="0" smtClean="0"/>
-              <a:t>Beta=0 is ideal small-world;</a:t>
-            </a:r>
-            <a:br>
-              <a:rPr lang="en-US" dirty="0" smtClean="0"/>
-            </a:br>
-            <a:r>
-              <a:rPr lang="en-US" dirty="0" smtClean="0"/>
-              <a:t>large beta is random network </a:t>
-            </a:r>
-            <a:endParaRPr lang="en-US" dirty="0"/>
-          </a:p>
-          <a:p>
-            <a:pPr>
-              <a:buFont typeface="Wingdings" panose="05000000000000000000" pitchFamily="2" charset="2"/>
-              <a:buChar char="Ø"/>
-            </a:pPr>
-            <a:endParaRPr lang="en-US" dirty="0">
-              <a:solidFill>
-                <a:srgbClr val="00B050"/>
-              </a:solidFill>
-            </a:endParaRPr>
-          </a:p>
-        </p:txBody>
-      </p:sp>
-    </p:spTree>
-    <p:extLst>
-      <p:ext uri="{BB962C8B-B14F-4D97-AF65-F5344CB8AC3E}">
-        <p14:creationId xmlns:p14="http://schemas.microsoft.com/office/powerpoint/2010/main" val="237490160"/>
-      </p:ext>
-    </p:extLst>
-  </p:cSld>
-  <p:clrMapOvr>
-    <a:masterClrMapping/>
-  </p:clrMapOvr>
-  <p:timing>
-    <p:tnLst>
-      <p:par>
-        <p:cTn xmlns:p14="http://schemas.microsoft.com/office/powerpoint/2010/main" id="1" dur="indefinite" restart="never" nodeType="tmRoot"/>
-      </p:par>
-    </p:tnLst>
-  </p:timing>
-</p:sld>
-</file>
-
 <file path=ppt/theme/theme1.xml><?xml version="1.0" encoding="utf-8"?>
 <a:theme xmlns:a="http://schemas.openxmlformats.org/drawingml/2006/main" name="Retrospect">
   <a:themeElements>
@@ -10698,7 +11185,7 @@
   <a:extraClrSchemeLst/>
   <a:extLst>
     <a:ext uri="{05A4C25C-085E-4340-85A3-A5531E510DB2}">
-      <thm15:themeFamily xmlns:thm15="http://schemas.microsoft.com/office/thememl/2012/main" xmlns="" name="Retrospect" id="{5F128B03-DCCA-4EEB-AB3B-CF2899314A46}" vid="{3F1AAB62-24C6-49D2-8E01-B56FAC9A3DCD}"/>
+      <thm15:themeFamily xmlns:thm15="http://schemas.microsoft.com/office/thememl/2012/main" name="Retrospect" id="{5F128B03-DCCA-4EEB-AB3B-CF2899314A46}" vid="{3F1AAB62-24C6-49D2-8E01-B56FAC9A3DCD}"/>
     </a:ext>
   </a:extLst>
 </a:theme>
@@ -10959,7 +11446,7 @@
   <a:extraClrSchemeLst/>
   <a:extLst>
     <a:ext uri="{05A4C25C-085E-4340-85A3-A5531E510DB2}">
-      <thm15:themeFamily xmlns:thm15="http://schemas.microsoft.com/office/thememl/2012/main" xmlns="" name="Office Theme" id="{62F939B6-93AF-4DB8-9C6B-D6C7DFDC589F}" vid="{4A3C46E8-61CC-4603-A589-7422A47A8E4A}"/>
+      <thm15:themeFamily xmlns:thm15="http://schemas.microsoft.com/office/thememl/2012/main" name="Office Theme" id="{62F939B6-93AF-4DB8-9C6B-D6C7DFDC589F}" vid="{4A3C46E8-61CC-4603-A589-7422A47A8E4A}"/>
     </a:ext>
   </a:extLst>
 </a:theme>

--- a/presentation/disease_spreading_presentation.pptx
+++ b/presentation/disease_spreading_presentation.pptx
@@ -5,13 +5,13 @@
     <p:sldMasterId id="2147483660" r:id="rId1"/>
   </p:sldMasterIdLst>
   <p:notesMasterIdLst>
-    <p:notesMasterId r:id="rId17"/>
+    <p:notesMasterId r:id="rId18"/>
   </p:notesMasterIdLst>
   <p:sldIdLst>
     <p:sldId id="261" r:id="rId2"/>
     <p:sldId id="263" r:id="rId3"/>
-    <p:sldId id="262" r:id="rId4"/>
-    <p:sldId id="275" r:id="rId5"/>
+    <p:sldId id="275" r:id="rId4"/>
+    <p:sldId id="262" r:id="rId5"/>
     <p:sldId id="276" r:id="rId6"/>
     <p:sldId id="264" r:id="rId7"/>
     <p:sldId id="265" r:id="rId8"/>
@@ -23,6 +23,7 @@
     <p:sldId id="271" r:id="rId14"/>
     <p:sldId id="270" r:id="rId15"/>
     <p:sldId id="274" r:id="rId16"/>
+    <p:sldId id="277" r:id="rId17"/>
   </p:sldIdLst>
   <p:sldSz cx="9144000" cy="6858000" type="screen4x3"/>
   <p:notesSz cx="6858000" cy="9144000"/>
@@ -661,14 +662,29 @@
           <a:lstStyle/>
           <a:p>
             <a:r>
-              <a:rPr lang="en-US" dirty="0" smtClean="0"/>
-              <a:t>Obvious way to model a networked society is to model it with a network. Decouples the complexity of modeling individual behavior and their </a:t>
-            </a:r>
-            <a:r>
-              <a:rPr lang="en-US" dirty="0" err="1" smtClean="0"/>
-              <a:t>interraction</a:t>
-            </a:r>
-            <a:endParaRPr lang="en-US" dirty="0"/>
+              <a:rPr lang="en-GB" dirty="0" smtClean="0"/>
+              <a:t>SIR</a:t>
+            </a:r>
+            <a:r>
+              <a:rPr lang="en-GB" baseline="0" dirty="0" smtClean="0"/>
+              <a:t> and SIS models are based on compartmentalization of the whole population into respectively two or three compartments and study the evolution of number of individuals in each compartments. Correspondingly they use two or three differential equations to model population dynamic. These models have the disadvantage that they cannot account for the dynamics that may arise due to individual behaviour</a:t>
+            </a:r>
+            <a:r>
+              <a:rPr lang="en-GB" baseline="0" dirty="0" smtClean="0"/>
+              <a:t>.</a:t>
+            </a:r>
+          </a:p>
+          <a:p>
+            <a:endParaRPr lang="en-GB" baseline="0" dirty="0" smtClean="0"/>
+          </a:p>
+          <a:p>
+            <a:r>
+              <a:rPr lang="en-GB" baseline="0" dirty="0" smtClean="0"/>
+              <a:t>Network Theory Based models try to capture the transfer of disease from one individual to another and study the dynamics of evolution of the epidemics. Based on the method of simulation of spread of disease, different methods are used. In one of the models, rate with which a node gets infected is equal to product of transmission rate and number of infected neighbours. In one of the models, a randomly chosen vertex can probabilistically infect any or all of its neighbours.</a:t>
+            </a:r>
+          </a:p>
+          <a:p>
+            <a:endParaRPr lang="en-GB" dirty="0"/>
           </a:p>
         </p:txBody>
       </p:sp>
@@ -698,7 +714,7 @@
     </p:spTree>
     <p:extLst>
       <p:ext uri="{BB962C8B-B14F-4D97-AF65-F5344CB8AC3E}">
-        <p14:creationId xmlns:p14="http://schemas.microsoft.com/office/powerpoint/2010/main" val="3548918832"/>
+        <p14:creationId xmlns:p14="http://schemas.microsoft.com/office/powerpoint/2010/main" val="3004335316"/>
       </p:ext>
     </p:extLst>
   </p:cSld>
@@ -753,22 +769,14 @@
           <a:lstStyle/>
           <a:p>
             <a:r>
-              <a:rPr lang="en-GB" dirty="0" smtClean="0"/>
-              <a:t>SIR</a:t>
-            </a:r>
-            <a:r>
-              <a:rPr lang="en-GB" baseline="0" dirty="0" smtClean="0"/>
-              <a:t> and SIS models are based on compartmentalization of the whole population into respectively two or three compartments and study the evolution of number of individuals in each compartments. Correspondingly they use two or three differential equations to model population dynamic. These models have the disadvantage that they cannot account for the dynamics that may arise due to individual behaviour.</a:t>
-            </a:r>
-          </a:p>
-          <a:p>
-            <a:r>
-              <a:rPr lang="en-GB" baseline="0" dirty="0" smtClean="0"/>
-              <a:t>Network Theory Based models try to capture the transfer of disease from one individual to another and study the dynamics of evolution of the epidemics. Based on the method of simulation of spread of disease, different methods are used. In one of the models, rate with which a node gets infected is equal to product of transmission rate and number of infected neighbours. In one of the models, a randomly chosen vertex can probabilistically infect any or all of its neighbours.</a:t>
-            </a:r>
-          </a:p>
-          <a:p>
-            <a:endParaRPr lang="en-GB" dirty="0"/>
+              <a:rPr lang="en-US" dirty="0" smtClean="0"/>
+              <a:t>Obvious way to model a networked society is to model it with a network. Decouples the complexity of modeling individual behavior and their </a:t>
+            </a:r>
+            <a:r>
+              <a:rPr lang="en-US" dirty="0" err="1" smtClean="0"/>
+              <a:t>interraction</a:t>
+            </a:r>
+            <a:endParaRPr lang="en-US" dirty="0"/>
           </a:p>
         </p:txBody>
       </p:sp>
@@ -798,7 +806,7 @@
     </p:spTree>
     <p:extLst>
       <p:ext uri="{BB962C8B-B14F-4D97-AF65-F5344CB8AC3E}">
-        <p14:creationId xmlns:p14="http://schemas.microsoft.com/office/powerpoint/2010/main" val="3004335316"/>
+        <p14:creationId xmlns:p14="http://schemas.microsoft.com/office/powerpoint/2010/main" val="3548918832"/>
       </p:ext>
     </p:extLst>
   </p:cSld>
@@ -6400,6 +6408,584 @@
     <p:extLst>
       <p:ext uri="{BB962C8B-B14F-4D97-AF65-F5344CB8AC3E}">
         <p14:creationId xmlns:p14="http://schemas.microsoft.com/office/powerpoint/2010/main" val="3570483644"/>
+      </p:ext>
+    </p:extLst>
+  </p:cSld>
+  <p:clrMapOvr>
+    <a:masterClrMapping/>
+  </p:clrMapOvr>
+  <p:timing>
+    <p:tnLst>
+      <p:par>
+        <p:cTn id="1" dur="indefinite" restart="never" nodeType="tmRoot"/>
+      </p:par>
+    </p:tnLst>
+  </p:timing>
+</p:sld>
+</file>
+
+<file path=ppt/slides/slide16.xml><?xml version="1.0" encoding="utf-8"?>
+<p:sld xmlns:a="http://schemas.openxmlformats.org/drawingml/2006/main" xmlns:r="http://schemas.openxmlformats.org/officeDocument/2006/relationships" xmlns:p="http://schemas.openxmlformats.org/presentationml/2006/main">
+  <p:cSld>
+    <p:spTree>
+      <p:nvGrpSpPr>
+        <p:cNvPr id="1" name=""/>
+        <p:cNvGrpSpPr/>
+        <p:nvPr/>
+      </p:nvGrpSpPr>
+      <p:grpSpPr>
+        <a:xfrm>
+          <a:off x="0" y="0"/>
+          <a:ext cx="0" cy="0"/>
+          <a:chOff x="0" y="0"/>
+          <a:chExt cx="0" cy="0"/>
+        </a:xfrm>
+      </p:grpSpPr>
+      <p:sp>
+        <p:nvSpPr>
+          <p:cNvPr id="2" name="Title 1"/>
+          <p:cNvSpPr>
+            <a:spLocks noGrp="1"/>
+          </p:cNvSpPr>
+          <p:nvPr>
+            <p:ph type="title"/>
+          </p:nvPr>
+        </p:nvSpPr>
+        <p:spPr/>
+        <p:txBody>
+          <a:bodyPr/>
+          <a:lstStyle/>
+          <a:p>
+            <a:r>
+              <a:rPr lang="en-GB" dirty="0" smtClean="0"/>
+              <a:t>References</a:t>
+            </a:r>
+            <a:endParaRPr lang="en-GB" dirty="0"/>
+          </a:p>
+        </p:txBody>
+      </p:sp>
+      <p:sp>
+        <p:nvSpPr>
+          <p:cNvPr id="4" name="Rectangle 1"/>
+          <p:cNvSpPr>
+            <a:spLocks noGrp="1" noChangeArrowheads="1"/>
+          </p:cNvSpPr>
+          <p:nvPr>
+            <p:ph idx="1"/>
+          </p:nvPr>
+        </p:nvSpPr>
+        <p:spPr bwMode="auto">
+          <a:xfrm>
+            <a:off x="822960" y="1946596"/>
+            <a:ext cx="7243355" cy="2769989"/>
+          </a:xfrm>
+          <a:prstGeom prst="rect">
+            <a:avLst/>
+          </a:prstGeom>
+          <a:noFill/>
+          <a:ln>
+            <a:noFill/>
+          </a:ln>
+          <a:effectLst/>
+          <a:extLst>
+            <a:ext uri="{909E8E84-426E-40DD-AFC4-6F175D3DCCD1}">
+              <a14:hiddenFill xmlns:a14="http://schemas.microsoft.com/office/drawing/2010/main">
+                <a:solidFill>
+                  <a:schemeClr val="accent1"/>
+                </a:solidFill>
+              </a14:hiddenFill>
+            </a:ext>
+            <a:ext uri="{91240B29-F687-4F45-9708-019B960494DF}">
+              <a14:hiddenLine xmlns:a14="http://schemas.microsoft.com/office/drawing/2010/main" w="9525">
+                <a:solidFill>
+                  <a:schemeClr val="tx1"/>
+                </a:solidFill>
+                <a:miter lim="800000"/>
+                <a:headEnd/>
+                <a:tailEnd/>
+              </a14:hiddenLine>
+            </a:ext>
+            <a:ext uri="{AF507438-7753-43E0-B8FC-AC1667EBCBE1}">
+              <a14:hiddenEffects xmlns:a14="http://schemas.microsoft.com/office/drawing/2010/main">
+                <a:effectLst>
+                  <a:outerShdw dist="35921" dir="2700000" algn="ctr" rotWithShape="0">
+                    <a:schemeClr val="bg2"/>
+                  </a:outerShdw>
+                </a:effectLst>
+              </a14:hiddenEffects>
+            </a:ext>
+          </a:extLst>
+        </p:spPr>
+        <p:txBody>
+          <a:bodyPr vert="horz" wrap="square" lIns="0" tIns="0" rIns="0" bIns="0" numCol="1" anchor="ctr" anchorCtr="0" compatLnSpc="1">
+            <a:prstTxWarp prst="textNoShape">
+              <a:avLst/>
+            </a:prstTxWarp>
+            <a:spAutoFit/>
+          </a:bodyPr>
+          <a:lstStyle/>
+          <a:p>
+            <a:pPr marR="0" lvl="0" algn="l" defTabSz="914400" rtl="0" eaLnBrk="0" fontAlgn="base" latinLnBrk="0" hangingPunct="0">
+              <a:lnSpc>
+                <a:spcPct val="100000"/>
+              </a:lnSpc>
+              <a:spcBef>
+                <a:spcPct val="0"/>
+              </a:spcBef>
+              <a:spcAft>
+                <a:spcPct val="0"/>
+              </a:spcAft>
+              <a:buClrTx/>
+              <a:buSzTx/>
+              <a:buFont typeface="Wingdings" panose="05000000000000000000" pitchFamily="2" charset="2"/>
+              <a:buChar char="Ø"/>
+              <a:tabLst/>
+            </a:pPr>
+            <a:r>
+              <a:rPr kumimoji="0" lang="en-US" altLang="en-US" b="0" i="0" u="none" strike="noStrike" cap="none" normalizeH="0" baseline="0" dirty="0" smtClean="0">
+                <a:ln>
+                  <a:noFill/>
+                </a:ln>
+                <a:solidFill>
+                  <a:srgbClr val="000000"/>
+                </a:solidFill>
+                <a:effectLst/>
+              </a:rPr>
+              <a:t>Shirley, Mark D.F. and </a:t>
+            </a:r>
+            <a:r>
+              <a:rPr kumimoji="0" lang="en-US" altLang="en-US" b="0" i="0" u="sng" strike="noStrike" cap="none" normalizeH="0" baseline="0" dirty="0" smtClean="0">
+                <a:ln>
+                  <a:noFill/>
+                </a:ln>
+                <a:solidFill>
+                  <a:srgbClr val="000000"/>
+                </a:solidFill>
+                <a:effectLst/>
+              </a:rPr>
+              <a:t>Rushton</a:t>
+            </a:r>
+            <a:r>
+              <a:rPr kumimoji="0" lang="en-US" altLang="en-US" b="0" i="0" u="none" strike="noStrike" cap="none" normalizeH="0" baseline="0" dirty="0" smtClean="0">
+                <a:ln>
+                  <a:noFill/>
+                </a:ln>
+                <a:solidFill>
+                  <a:srgbClr val="000000"/>
+                </a:solidFill>
+                <a:effectLst/>
+              </a:rPr>
+              <a:t>, Steve P. </a:t>
+            </a:r>
+            <a:r>
+              <a:rPr kumimoji="0" lang="en-US" altLang="en-US" b="0" i="1" u="none" strike="noStrike" cap="none" normalizeH="0" baseline="0" dirty="0" smtClean="0">
+                <a:ln>
+                  <a:noFill/>
+                </a:ln>
+                <a:solidFill>
+                  <a:srgbClr val="000000"/>
+                </a:solidFill>
+                <a:effectLst/>
+              </a:rPr>
+              <a:t>The impacts of network topology on disease spread</a:t>
+            </a:r>
+            <a:r>
+              <a:rPr kumimoji="0" lang="en-US" altLang="en-US" b="0" i="0" u="none" strike="noStrike" cap="none" normalizeH="0" baseline="0" dirty="0" smtClean="0">
+                <a:ln>
+                  <a:noFill/>
+                </a:ln>
+                <a:solidFill>
+                  <a:srgbClr val="000000"/>
+                </a:solidFill>
+                <a:effectLst/>
+              </a:rPr>
+              <a:t>, Ecological Complexity, 2005.</a:t>
+            </a:r>
+            <a:r>
+              <a:rPr kumimoji="0" lang="en-US" altLang="en-US" b="0" i="0" u="none" strike="noStrike" cap="none" normalizeH="0" baseline="0" dirty="0" smtClean="0">
+                <a:ln>
+                  <a:noFill/>
+                </a:ln>
+                <a:solidFill>
+                  <a:schemeClr val="tx1"/>
+                </a:solidFill>
+                <a:effectLst/>
+              </a:rPr>
+              <a:t> </a:t>
+            </a:r>
+          </a:p>
+          <a:p>
+            <a:pPr marR="0" lvl="0" algn="l" defTabSz="914400" rtl="0" eaLnBrk="0" fontAlgn="base" latinLnBrk="0" hangingPunct="0">
+              <a:lnSpc>
+                <a:spcPct val="100000"/>
+              </a:lnSpc>
+              <a:spcBef>
+                <a:spcPct val="0"/>
+              </a:spcBef>
+              <a:spcAft>
+                <a:spcPct val="0"/>
+              </a:spcAft>
+              <a:buClrTx/>
+              <a:buSzTx/>
+              <a:buFont typeface="Wingdings" panose="05000000000000000000" pitchFamily="2" charset="2"/>
+              <a:buChar char="Ø"/>
+              <a:tabLst/>
+            </a:pPr>
+            <a:endParaRPr kumimoji="0" lang="en-US" altLang="en-US" b="0" i="0" u="none" strike="noStrike" cap="none" normalizeH="0" baseline="0" dirty="0" smtClean="0">
+              <a:ln>
+                <a:noFill/>
+              </a:ln>
+              <a:solidFill>
+                <a:schemeClr val="tx1"/>
+              </a:solidFill>
+              <a:effectLst/>
+            </a:endParaRPr>
+          </a:p>
+          <a:p>
+            <a:pPr marR="0" lvl="0" algn="l" defTabSz="914400" rtl="0" eaLnBrk="0" fontAlgn="base" latinLnBrk="0" hangingPunct="0">
+              <a:lnSpc>
+                <a:spcPct val="100000"/>
+              </a:lnSpc>
+              <a:spcBef>
+                <a:spcPct val="0"/>
+              </a:spcBef>
+              <a:spcAft>
+                <a:spcPct val="0"/>
+              </a:spcAft>
+              <a:buClrTx/>
+              <a:buSzTx/>
+              <a:buFont typeface="Wingdings" panose="05000000000000000000" pitchFamily="2" charset="2"/>
+              <a:buChar char="Ø"/>
+              <a:tabLst/>
+            </a:pPr>
+            <a:r>
+              <a:rPr kumimoji="0" lang="en-US" altLang="en-US" b="0" i="0" u="sng" strike="noStrike" cap="none" normalizeH="0" baseline="0" dirty="0" err="1" smtClean="0">
+                <a:ln>
+                  <a:noFill/>
+                </a:ln>
+                <a:solidFill>
+                  <a:srgbClr val="000000"/>
+                </a:solidFill>
+                <a:effectLst/>
+              </a:rPr>
+              <a:t>Buzna</a:t>
+            </a:r>
+            <a:r>
+              <a:rPr kumimoji="0" lang="en-US" altLang="en-US" b="0" i="0" u="none" strike="noStrike" cap="none" normalizeH="0" baseline="0" dirty="0" smtClean="0">
+                <a:ln>
+                  <a:noFill/>
+                </a:ln>
+                <a:solidFill>
+                  <a:srgbClr val="000000"/>
+                </a:solidFill>
+                <a:effectLst/>
+              </a:rPr>
+              <a:t>, </a:t>
+            </a:r>
+            <a:r>
+              <a:rPr kumimoji="0" lang="en-US" altLang="en-US" b="0" i="0" u="sng" strike="noStrike" cap="none" normalizeH="0" baseline="0" dirty="0" err="1" smtClean="0">
+                <a:ln>
+                  <a:noFill/>
+                </a:ln>
+                <a:solidFill>
+                  <a:srgbClr val="000000"/>
+                </a:solidFill>
+                <a:effectLst/>
+              </a:rPr>
+              <a:t>Lubos</a:t>
+            </a:r>
+            <a:r>
+              <a:rPr kumimoji="0" lang="en-US" altLang="en-US" b="0" i="0" u="none" strike="noStrike" cap="none" normalizeH="0" baseline="0" dirty="0" smtClean="0">
+                <a:ln>
+                  <a:noFill/>
+                </a:ln>
+                <a:solidFill>
+                  <a:srgbClr val="000000"/>
+                </a:solidFill>
+                <a:effectLst/>
+              </a:rPr>
+              <a:t>; Peters, </a:t>
+            </a:r>
+            <a:r>
+              <a:rPr kumimoji="0" lang="en-US" altLang="en-US" b="0" i="0" u="sng" strike="noStrike" cap="none" normalizeH="0" baseline="0" dirty="0" err="1" smtClean="0">
+                <a:ln>
+                  <a:noFill/>
+                </a:ln>
+                <a:solidFill>
+                  <a:srgbClr val="000000"/>
+                </a:solidFill>
+                <a:effectLst/>
+              </a:rPr>
+              <a:t>Karsten</a:t>
+            </a:r>
+            <a:r>
+              <a:rPr kumimoji="0" lang="en-US" altLang="en-US" b="0" i="0" u="none" strike="noStrike" cap="none" normalizeH="0" baseline="0" dirty="0" smtClean="0">
+                <a:ln>
+                  <a:noFill/>
+                </a:ln>
+                <a:solidFill>
+                  <a:srgbClr val="000000"/>
+                </a:solidFill>
+                <a:effectLst/>
+              </a:rPr>
+              <a:t>; </a:t>
+            </a:r>
+            <a:r>
+              <a:rPr kumimoji="0" lang="en-US" altLang="en-US" b="0" i="0" u="sng" strike="noStrike" cap="none" normalizeH="0" baseline="0" dirty="0" err="1" smtClean="0">
+                <a:ln>
+                  <a:noFill/>
+                </a:ln>
+                <a:solidFill>
+                  <a:srgbClr val="000000"/>
+                </a:solidFill>
+                <a:effectLst/>
+              </a:rPr>
+              <a:t>Ammoser</a:t>
+            </a:r>
+            <a:r>
+              <a:rPr kumimoji="0" lang="en-US" altLang="en-US" b="0" i="0" u="none" strike="noStrike" cap="none" normalizeH="0" baseline="0" dirty="0" smtClean="0">
+                <a:ln>
+                  <a:noFill/>
+                </a:ln>
+                <a:solidFill>
+                  <a:srgbClr val="000000"/>
+                </a:solidFill>
+                <a:effectLst/>
+              </a:rPr>
+              <a:t>, </a:t>
+            </a:r>
+            <a:r>
+              <a:rPr kumimoji="0" lang="en-US" altLang="en-US" b="0" i="0" u="sng" strike="noStrike" cap="none" normalizeH="0" baseline="0" dirty="0" smtClean="0">
+                <a:ln>
+                  <a:noFill/>
+                </a:ln>
+                <a:solidFill>
+                  <a:srgbClr val="000000"/>
+                </a:solidFill>
+                <a:effectLst/>
+              </a:rPr>
+              <a:t>Hendrik</a:t>
+            </a:r>
+            <a:r>
+              <a:rPr kumimoji="0" lang="en-US" altLang="en-US" b="0" i="0" u="none" strike="noStrike" cap="none" normalizeH="0" baseline="0" dirty="0" smtClean="0">
+                <a:ln>
+                  <a:noFill/>
+                </a:ln>
+                <a:solidFill>
+                  <a:srgbClr val="000000"/>
+                </a:solidFill>
+                <a:effectLst/>
+              </a:rPr>
+              <a:t>; </a:t>
+            </a:r>
+            <a:r>
+              <a:rPr kumimoji="0" lang="en-US" altLang="en-US" b="0" i="0" u="sng" strike="noStrike" cap="none" normalizeH="0" baseline="0" dirty="0" smtClean="0">
+                <a:ln>
+                  <a:noFill/>
+                </a:ln>
+                <a:solidFill>
+                  <a:srgbClr val="000000"/>
+                </a:solidFill>
+                <a:effectLst/>
+              </a:rPr>
+              <a:t>Kuhnert</a:t>
+            </a:r>
+            <a:r>
+              <a:rPr kumimoji="0" lang="en-US" altLang="en-US" b="0" i="0" u="none" strike="noStrike" cap="none" normalizeH="0" baseline="0" dirty="0" smtClean="0">
+                <a:ln>
+                  <a:noFill/>
+                </a:ln>
+                <a:solidFill>
+                  <a:srgbClr val="000000"/>
+                </a:solidFill>
+                <a:effectLst/>
+              </a:rPr>
+              <a:t>, Christian and </a:t>
+            </a:r>
+            <a:r>
+              <a:rPr kumimoji="0" lang="en-US" altLang="en-US" b="0" i="0" u="sng" strike="noStrike" cap="none" normalizeH="0" baseline="0" dirty="0" smtClean="0">
+                <a:ln>
+                  <a:noFill/>
+                </a:ln>
+                <a:solidFill>
+                  <a:srgbClr val="000000"/>
+                </a:solidFill>
+                <a:effectLst/>
+              </a:rPr>
+              <a:t>Helbing</a:t>
+            </a:r>
+            <a:r>
+              <a:rPr kumimoji="0" lang="en-US" altLang="en-US" b="0" i="0" u="none" strike="noStrike" cap="none" normalizeH="0" baseline="0" dirty="0" smtClean="0">
+                <a:ln>
+                  <a:noFill/>
+                </a:ln>
+                <a:solidFill>
+                  <a:srgbClr val="000000"/>
+                </a:solidFill>
+                <a:effectLst/>
+              </a:rPr>
+              <a:t>, Dirk. </a:t>
+            </a:r>
+            <a:r>
+              <a:rPr kumimoji="0" lang="en-US" altLang="en-US" b="0" i="1" u="none" strike="noStrike" cap="none" normalizeH="0" baseline="0" dirty="0" smtClean="0">
+                <a:ln>
+                  <a:noFill/>
+                </a:ln>
+                <a:solidFill>
+                  <a:srgbClr val="000000"/>
+                </a:solidFill>
+                <a:effectLst/>
+              </a:rPr>
+              <a:t>Efficient Response to Cascading Disaster Spreading</a:t>
+            </a:r>
+            <a:r>
+              <a:rPr kumimoji="0" lang="en-US" altLang="en-US" b="0" i="0" u="none" strike="noStrike" cap="none" normalizeH="0" baseline="0" dirty="0" smtClean="0">
+                <a:ln>
+                  <a:noFill/>
+                </a:ln>
+                <a:solidFill>
+                  <a:srgbClr val="000000"/>
+                </a:solidFill>
+                <a:effectLst/>
+              </a:rPr>
+              <a:t>, Physical Review, 2007.</a:t>
+            </a:r>
+            <a:r>
+              <a:rPr kumimoji="0" lang="en-US" altLang="en-US" b="0" i="0" u="none" strike="noStrike" cap="none" normalizeH="0" baseline="0" dirty="0" smtClean="0">
+                <a:ln>
+                  <a:noFill/>
+                </a:ln>
+                <a:solidFill>
+                  <a:schemeClr val="tx1"/>
+                </a:solidFill>
+                <a:effectLst/>
+              </a:rPr>
+              <a:t> </a:t>
+            </a:r>
+          </a:p>
+          <a:p>
+            <a:pPr marR="0" lvl="0" algn="l" defTabSz="914400" rtl="0" eaLnBrk="0" fontAlgn="base" latinLnBrk="0" hangingPunct="0">
+              <a:lnSpc>
+                <a:spcPct val="100000"/>
+              </a:lnSpc>
+              <a:spcBef>
+                <a:spcPct val="0"/>
+              </a:spcBef>
+              <a:spcAft>
+                <a:spcPct val="0"/>
+              </a:spcAft>
+              <a:buClrTx/>
+              <a:buSzTx/>
+              <a:buFont typeface="Wingdings" panose="05000000000000000000" pitchFamily="2" charset="2"/>
+              <a:buChar char="Ø"/>
+              <a:tabLst/>
+            </a:pPr>
+            <a:endParaRPr kumimoji="0" lang="en-US" altLang="en-US" b="0" i="0" u="none" strike="noStrike" cap="none" normalizeH="0" baseline="0" dirty="0" smtClean="0">
+              <a:ln>
+                <a:noFill/>
+              </a:ln>
+              <a:solidFill>
+                <a:schemeClr val="tx1"/>
+              </a:solidFill>
+              <a:effectLst/>
+            </a:endParaRPr>
+          </a:p>
+          <a:p>
+            <a:pPr marR="0" lvl="0" algn="l" defTabSz="914400" rtl="0" eaLnBrk="0" fontAlgn="base" latinLnBrk="0" hangingPunct="0">
+              <a:lnSpc>
+                <a:spcPct val="100000"/>
+              </a:lnSpc>
+              <a:spcBef>
+                <a:spcPct val="0"/>
+              </a:spcBef>
+              <a:spcAft>
+                <a:spcPct val="0"/>
+              </a:spcAft>
+              <a:buClrTx/>
+              <a:buSzTx/>
+              <a:buFont typeface="Wingdings" panose="05000000000000000000" pitchFamily="2" charset="2"/>
+              <a:buChar char="Ø"/>
+              <a:tabLst/>
+            </a:pPr>
+            <a:r>
+              <a:rPr kumimoji="0" lang="en-US" altLang="en-US" b="0" i="0" u="none" strike="noStrike" cap="none" normalizeH="0" baseline="0" dirty="0" smtClean="0">
+                <a:ln>
+                  <a:noFill/>
+                </a:ln>
+                <a:solidFill>
+                  <a:srgbClr val="000000"/>
+                </a:solidFill>
+                <a:effectLst/>
+              </a:rPr>
+              <a:t>Keeling, Matt J. and Ken T.D. </a:t>
+            </a:r>
+            <a:r>
+              <a:rPr kumimoji="0" lang="en-US" altLang="en-US" b="0" i="0" u="sng" strike="noStrike" cap="none" normalizeH="0" baseline="0" dirty="0" smtClean="0">
+                <a:ln>
+                  <a:noFill/>
+                </a:ln>
+                <a:solidFill>
+                  <a:srgbClr val="000000"/>
+                </a:solidFill>
+                <a:effectLst/>
+              </a:rPr>
+              <a:t>Eames</a:t>
+            </a:r>
+            <a:r>
+              <a:rPr kumimoji="0" lang="en-US" altLang="en-US" b="0" i="0" u="none" strike="noStrike" cap="none" normalizeH="0" baseline="0" dirty="0" smtClean="0">
+                <a:ln>
+                  <a:noFill/>
+                </a:ln>
+                <a:solidFill>
+                  <a:srgbClr val="000000"/>
+                </a:solidFill>
+                <a:effectLst/>
+              </a:rPr>
+              <a:t>. </a:t>
+            </a:r>
+            <a:r>
+              <a:rPr kumimoji="0" lang="en-US" altLang="en-US" b="0" i="1" u="none" strike="noStrike" cap="none" normalizeH="0" baseline="0" dirty="0" smtClean="0">
+                <a:ln>
+                  <a:noFill/>
+                </a:ln>
+                <a:solidFill>
+                  <a:srgbClr val="000000"/>
+                </a:solidFill>
+                <a:effectLst/>
+              </a:rPr>
+              <a:t>Networks and Epidemic Models</a:t>
+            </a:r>
+            <a:r>
+              <a:rPr kumimoji="0" lang="en-US" altLang="en-US" b="0" i="0" u="none" strike="noStrike" cap="none" normalizeH="0" baseline="0" dirty="0" smtClean="0">
+                <a:ln>
+                  <a:noFill/>
+                </a:ln>
+                <a:solidFill>
+                  <a:srgbClr val="000000"/>
+                </a:solidFill>
+                <a:effectLst/>
+              </a:rPr>
+              <a:t>, Journal of the Royal Society Interface, 2015.</a:t>
+            </a:r>
+            <a:r>
+              <a:rPr kumimoji="0" lang="en-US" altLang="en-US" b="0" i="0" u="none" strike="noStrike" cap="none" normalizeH="0" baseline="0" dirty="0" smtClean="0">
+                <a:ln>
+                  <a:noFill/>
+                </a:ln>
+                <a:solidFill>
+                  <a:schemeClr val="tx1"/>
+                </a:solidFill>
+                <a:effectLst/>
+              </a:rPr>
+              <a:t> </a:t>
+            </a:r>
+          </a:p>
+        </p:txBody>
+      </p:sp>
+    </p:spTree>
+    <p:extLst>
+      <p:ext uri="{BB962C8B-B14F-4D97-AF65-F5344CB8AC3E}">
+        <p14:creationId xmlns:p14="http://schemas.microsoft.com/office/powerpoint/2010/main" val="296623916"/>
       </p:ext>
     </p:extLst>
   </p:cSld>
@@ -7270,6 +7856,439 @@
           <a:lstStyle/>
           <a:p>
             <a:r>
+              <a:rPr lang="en-GB" dirty="0" smtClean="0"/>
+              <a:t>Relevant Works</a:t>
+            </a:r>
+            <a:endParaRPr lang="en-GB" dirty="0"/>
+          </a:p>
+        </p:txBody>
+      </p:sp>
+      <p:sp>
+        <p:nvSpPr>
+          <p:cNvPr id="3" name="Content Placeholder 2"/>
+          <p:cNvSpPr>
+            <a:spLocks noGrp="1"/>
+          </p:cNvSpPr>
+          <p:nvPr>
+            <p:ph idx="1"/>
+          </p:nvPr>
+        </p:nvSpPr>
+        <p:spPr/>
+        <p:txBody>
+          <a:bodyPr/>
+          <a:lstStyle/>
+          <a:p>
+            <a:pPr>
+              <a:buFont typeface="Wingdings" panose="05000000000000000000" pitchFamily="2" charset="2"/>
+              <a:buChar char="Ø"/>
+            </a:pPr>
+            <a:r>
+              <a:rPr lang="en-GB" dirty="0" smtClean="0"/>
+              <a:t>Epidemic Theory</a:t>
+            </a:r>
+          </a:p>
+          <a:p>
+            <a:pPr lvl="1">
+              <a:buFont typeface="Wingdings" panose="05000000000000000000" pitchFamily="2" charset="2"/>
+              <a:buChar char="Ø"/>
+            </a:pPr>
+            <a:r>
+              <a:rPr lang="en-GB" dirty="0" smtClean="0"/>
+              <a:t>Susceptible-Infected-Recovered (SIR) Model</a:t>
+            </a:r>
+          </a:p>
+          <a:p>
+            <a:pPr lvl="1">
+              <a:buFont typeface="Wingdings" panose="05000000000000000000" pitchFamily="2" charset="2"/>
+              <a:buChar char="Ø"/>
+            </a:pPr>
+            <a:r>
+              <a:rPr lang="en-GB" dirty="0" smtClean="0"/>
+              <a:t>Susceptible-Infectious-Susceptible (SIS) Model</a:t>
+            </a:r>
+          </a:p>
+          <a:p>
+            <a:pPr>
+              <a:buFont typeface="Wingdings" panose="05000000000000000000" pitchFamily="2" charset="2"/>
+              <a:buChar char="Ø"/>
+            </a:pPr>
+            <a:r>
+              <a:rPr lang="en-GB" dirty="0" smtClean="0"/>
+              <a:t>Network Theory Model</a:t>
+            </a:r>
+            <a:endParaRPr lang="en-GB" dirty="0"/>
+          </a:p>
+          <a:p>
+            <a:pPr lvl="1">
+              <a:buFont typeface="Wingdings" panose="05000000000000000000" pitchFamily="2" charset="2"/>
+              <a:buChar char="Ø"/>
+            </a:pPr>
+            <a:r>
+              <a:rPr lang="en-GB" dirty="0" smtClean="0"/>
+              <a:t>Models based on simulation mechanism:</a:t>
+            </a:r>
+          </a:p>
+          <a:p>
+            <a:pPr lvl="2">
+              <a:buFont typeface="Wingdings" panose="05000000000000000000" pitchFamily="2" charset="2"/>
+              <a:buChar char="Ø"/>
+            </a:pPr>
+            <a:r>
+              <a:rPr lang="en-GB" dirty="0" smtClean="0"/>
+              <a:t>Rate of Infection = Transmission Rate * Number of Infected Neighbours</a:t>
+            </a:r>
+          </a:p>
+          <a:p>
+            <a:pPr lvl="2">
+              <a:buFont typeface="Wingdings" panose="05000000000000000000" pitchFamily="2" charset="2"/>
+              <a:buChar char="Ø"/>
+            </a:pPr>
+            <a:r>
+              <a:rPr lang="en-GB" dirty="0" smtClean="0"/>
+              <a:t>Probabilistic Spread of Infection</a:t>
+            </a:r>
+          </a:p>
+          <a:p>
+            <a:pPr lvl="1">
+              <a:buFont typeface="Wingdings" panose="05000000000000000000" pitchFamily="2" charset="2"/>
+              <a:buChar char="Ø"/>
+            </a:pPr>
+            <a:endParaRPr lang="en-GB" dirty="0"/>
+          </a:p>
+        </p:txBody>
+      </p:sp>
+    </p:spTree>
+    <p:extLst>
+      <p:ext uri="{BB962C8B-B14F-4D97-AF65-F5344CB8AC3E}">
+        <p14:creationId xmlns:p14="http://schemas.microsoft.com/office/powerpoint/2010/main" val="3471722688"/>
+      </p:ext>
+    </p:extLst>
+  </p:cSld>
+  <p:clrMapOvr>
+    <a:masterClrMapping/>
+  </p:clrMapOvr>
+  <p:timing>
+    <p:tnLst>
+      <p:par>
+        <p:cTn id="1" dur="indefinite" restart="never" nodeType="tmRoot">
+          <p:childTnLst>
+            <p:seq concurrent="1" nextAc="seek">
+              <p:cTn id="2" dur="indefinite" nodeType="mainSeq">
+                <p:childTnLst>
+                  <p:par>
+                    <p:cTn id="3" fill="hold">
+                      <p:stCondLst>
+                        <p:cond delay="indefinite"/>
+                      </p:stCondLst>
+                      <p:childTnLst>
+                        <p:par>
+                          <p:cTn id="4" fill="hold">
+                            <p:stCondLst>
+                              <p:cond delay="0"/>
+                            </p:stCondLst>
+                            <p:childTnLst>
+                              <p:par>
+                                <p:cTn id="5" presetID="1" presetClass="entr" presetSubtype="0" fill="hold" grpId="0" nodeType="clickEffect">
+                                  <p:stCondLst>
+                                    <p:cond delay="200"/>
+                                  </p:stCondLst>
+                                  <p:childTnLst>
+                                    <p:set>
+                                      <p:cBhvr>
+                                        <p:cTn id="6" dur="1" fill="hold">
+                                          <p:stCondLst>
+                                            <p:cond delay="0"/>
+                                          </p:stCondLst>
+                                        </p:cTn>
+                                        <p:tgtEl>
+                                          <p:spTgt spid="3">
+                                            <p:txEl>
+                                              <p:pRg st="0" end="0"/>
+                                            </p:txEl>
+                                          </p:spTgt>
+                                        </p:tgtEl>
+                                        <p:attrNameLst>
+                                          <p:attrName>style.visibility</p:attrName>
+                                        </p:attrNameLst>
+                                      </p:cBhvr>
+                                      <p:to>
+                                        <p:strVal val="visible"/>
+                                      </p:to>
+                                    </p:set>
+                                  </p:childTnLst>
+                                </p:cTn>
+                              </p:par>
+                              <p:par>
+                                <p:cTn id="7" presetID="1" presetClass="entr" presetSubtype="0" fill="hold" grpId="0" nodeType="withEffect">
+                                  <p:stCondLst>
+                                    <p:cond delay="0"/>
+                                  </p:stCondLst>
+                                  <p:childTnLst>
+                                    <p:set>
+                                      <p:cBhvr>
+                                        <p:cTn id="8" dur="1" fill="hold">
+                                          <p:stCondLst>
+                                            <p:cond delay="0"/>
+                                          </p:stCondLst>
+                                        </p:cTn>
+                                        <p:tgtEl>
+                                          <p:spTgt spid="3">
+                                            <p:txEl>
+                                              <p:pRg st="1" end="1"/>
+                                            </p:txEl>
+                                          </p:spTgt>
+                                        </p:tgtEl>
+                                        <p:attrNameLst>
+                                          <p:attrName>style.visibility</p:attrName>
+                                        </p:attrNameLst>
+                                      </p:cBhvr>
+                                      <p:to>
+                                        <p:strVal val="visible"/>
+                                      </p:to>
+                                    </p:set>
+                                  </p:childTnLst>
+                                </p:cTn>
+                              </p:par>
+                              <p:par>
+                                <p:cTn id="9" presetID="1" presetClass="entr" presetSubtype="0" fill="hold" grpId="0" nodeType="withEffect">
+                                  <p:stCondLst>
+                                    <p:cond delay="0"/>
+                                  </p:stCondLst>
+                                  <p:childTnLst>
+                                    <p:set>
+                                      <p:cBhvr>
+                                        <p:cTn id="10" dur="1" fill="hold">
+                                          <p:stCondLst>
+                                            <p:cond delay="0"/>
+                                          </p:stCondLst>
+                                        </p:cTn>
+                                        <p:tgtEl>
+                                          <p:spTgt spid="3">
+                                            <p:txEl>
+                                              <p:pRg st="2" end="2"/>
+                                            </p:txEl>
+                                          </p:spTgt>
+                                        </p:tgtEl>
+                                        <p:attrNameLst>
+                                          <p:attrName>style.visibility</p:attrName>
+                                        </p:attrNameLst>
+                                      </p:cBhvr>
+                                      <p:to>
+                                        <p:strVal val="visible"/>
+                                      </p:to>
+                                    </p:set>
+                                  </p:childTnLst>
+                                </p:cTn>
+                              </p:par>
+                            </p:childTnLst>
+                          </p:cTn>
+                        </p:par>
+                      </p:childTnLst>
+                    </p:cTn>
+                  </p:par>
+                  <p:par>
+                    <p:cTn id="11" fill="hold">
+                      <p:stCondLst>
+                        <p:cond delay="indefinite"/>
+                      </p:stCondLst>
+                      <p:childTnLst>
+                        <p:par>
+                          <p:cTn id="12" fill="hold">
+                            <p:stCondLst>
+                              <p:cond delay="0"/>
+                            </p:stCondLst>
+                            <p:childTnLst>
+                              <p:par>
+                                <p:cTn id="13" presetID="1" presetClass="entr" presetSubtype="0" fill="hold" grpId="0" nodeType="clickEffect">
+                                  <p:stCondLst>
+                                    <p:cond delay="0"/>
+                                  </p:stCondLst>
+                                  <p:childTnLst>
+                                    <p:set>
+                                      <p:cBhvr>
+                                        <p:cTn id="14" dur="1" fill="hold">
+                                          <p:stCondLst>
+                                            <p:cond delay="0"/>
+                                          </p:stCondLst>
+                                        </p:cTn>
+                                        <p:tgtEl>
+                                          <p:spTgt spid="3">
+                                            <p:txEl>
+                                              <p:pRg st="3" end="3"/>
+                                            </p:txEl>
+                                          </p:spTgt>
+                                        </p:tgtEl>
+                                        <p:attrNameLst>
+                                          <p:attrName>style.visibility</p:attrName>
+                                        </p:attrNameLst>
+                                      </p:cBhvr>
+                                      <p:to>
+                                        <p:strVal val="visible"/>
+                                      </p:to>
+                                    </p:set>
+                                  </p:childTnLst>
+                                </p:cTn>
+                              </p:par>
+                              <p:par>
+                                <p:cTn id="15" presetID="1" presetClass="entr" presetSubtype="0" fill="hold" grpId="0" nodeType="withEffect">
+                                  <p:stCondLst>
+                                    <p:cond delay="0"/>
+                                  </p:stCondLst>
+                                  <p:childTnLst>
+                                    <p:set>
+                                      <p:cBhvr>
+                                        <p:cTn id="16" dur="1" fill="hold">
+                                          <p:stCondLst>
+                                            <p:cond delay="0"/>
+                                          </p:stCondLst>
+                                        </p:cTn>
+                                        <p:tgtEl>
+                                          <p:spTgt spid="3">
+                                            <p:txEl>
+                                              <p:pRg st="4" end="4"/>
+                                            </p:txEl>
+                                          </p:spTgt>
+                                        </p:tgtEl>
+                                        <p:attrNameLst>
+                                          <p:attrName>style.visibility</p:attrName>
+                                        </p:attrNameLst>
+                                      </p:cBhvr>
+                                      <p:to>
+                                        <p:strVal val="visible"/>
+                                      </p:to>
+                                    </p:set>
+                                  </p:childTnLst>
+                                </p:cTn>
+                              </p:par>
+                              <p:par>
+                                <p:cTn id="17" presetID="1" presetClass="entr" presetSubtype="0" fill="hold" grpId="0" nodeType="withEffect">
+                                  <p:stCondLst>
+                                    <p:cond delay="0"/>
+                                  </p:stCondLst>
+                                  <p:childTnLst>
+                                    <p:set>
+                                      <p:cBhvr>
+                                        <p:cTn id="18" dur="1" fill="hold">
+                                          <p:stCondLst>
+                                            <p:cond delay="0"/>
+                                          </p:stCondLst>
+                                        </p:cTn>
+                                        <p:tgtEl>
+                                          <p:spTgt spid="3">
+                                            <p:txEl>
+                                              <p:pRg st="5" end="5"/>
+                                            </p:txEl>
+                                          </p:spTgt>
+                                        </p:tgtEl>
+                                        <p:attrNameLst>
+                                          <p:attrName>style.visibility</p:attrName>
+                                        </p:attrNameLst>
+                                      </p:cBhvr>
+                                      <p:to>
+                                        <p:strVal val="visible"/>
+                                      </p:to>
+                                    </p:set>
+                                  </p:childTnLst>
+                                </p:cTn>
+                              </p:par>
+                              <p:par>
+                                <p:cTn id="19" presetID="1" presetClass="entr" presetSubtype="0" fill="hold" grpId="0" nodeType="withEffect">
+                                  <p:stCondLst>
+                                    <p:cond delay="0"/>
+                                  </p:stCondLst>
+                                  <p:childTnLst>
+                                    <p:set>
+                                      <p:cBhvr>
+                                        <p:cTn id="20" dur="1" fill="hold">
+                                          <p:stCondLst>
+                                            <p:cond delay="0"/>
+                                          </p:stCondLst>
+                                        </p:cTn>
+                                        <p:tgtEl>
+                                          <p:spTgt spid="3">
+                                            <p:txEl>
+                                              <p:pRg st="6" end="6"/>
+                                            </p:txEl>
+                                          </p:spTgt>
+                                        </p:tgtEl>
+                                        <p:attrNameLst>
+                                          <p:attrName>style.visibility</p:attrName>
+                                        </p:attrNameLst>
+                                      </p:cBhvr>
+                                      <p:to>
+                                        <p:strVal val="visible"/>
+                                      </p:to>
+                                    </p:set>
+                                  </p:childTnLst>
+                                </p:cTn>
+                              </p:par>
+                            </p:childTnLst>
+                          </p:cTn>
+                        </p:par>
+                      </p:childTnLst>
+                    </p:cTn>
+                  </p:par>
+                </p:childTnLst>
+              </p:cTn>
+              <p:prevCondLst>
+                <p:cond evt="onPrev" delay="0">
+                  <p:tgtEl>
+                    <p:sldTgt/>
+                  </p:tgtEl>
+                </p:cond>
+              </p:prevCondLst>
+              <p:nextCondLst>
+                <p:cond evt="onNext" delay="0">
+                  <p:tgtEl>
+                    <p:sldTgt/>
+                  </p:tgtEl>
+                </p:cond>
+              </p:nextCondLst>
+            </p:seq>
+          </p:childTnLst>
+        </p:cTn>
+      </p:par>
+    </p:tnLst>
+    <p:bldLst>
+      <p:bldP spid="3" grpId="0" build="p"/>
+    </p:bldLst>
+  </p:timing>
+</p:sld>
+</file>
+
+<file path=ppt/slides/slide4.xml><?xml version="1.0" encoding="utf-8"?>
+<p:sld xmlns:a="http://schemas.openxmlformats.org/drawingml/2006/main" xmlns:r="http://schemas.openxmlformats.org/officeDocument/2006/relationships" xmlns:p="http://schemas.openxmlformats.org/presentationml/2006/main">
+  <p:cSld>
+    <p:spTree>
+      <p:nvGrpSpPr>
+        <p:cNvPr id="1" name=""/>
+        <p:cNvGrpSpPr/>
+        <p:nvPr/>
+      </p:nvGrpSpPr>
+      <p:grpSpPr>
+        <a:xfrm>
+          <a:off x="0" y="0"/>
+          <a:ext cx="0" cy="0"/>
+          <a:chOff x="0" y="0"/>
+          <a:chExt cx="0" cy="0"/>
+        </a:xfrm>
+      </p:grpSpPr>
+      <p:sp>
+        <p:nvSpPr>
+          <p:cNvPr id="2" name="Title 1"/>
+          <p:cNvSpPr>
+            <a:spLocks noGrp="1"/>
+          </p:cNvSpPr>
+          <p:nvPr>
+            <p:ph type="title"/>
+          </p:nvPr>
+        </p:nvSpPr>
+        <p:spPr/>
+        <p:txBody>
+          <a:bodyPr/>
+          <a:lstStyle/>
+          <a:p>
+            <a:r>
               <a:rPr lang="en-US" dirty="0" smtClean="0"/>
               <a:t>Networked models</a:t>
             </a:r>
@@ -7828,160 +8847,6 @@
 </p:sld>
 </file>
 
-<file path=ppt/slides/slide4.xml><?xml version="1.0" encoding="utf-8"?>
-<p:sld xmlns:a="http://schemas.openxmlformats.org/drawingml/2006/main" xmlns:r="http://schemas.openxmlformats.org/officeDocument/2006/relationships" xmlns:p="http://schemas.openxmlformats.org/presentationml/2006/main">
-  <p:cSld>
-    <p:spTree>
-      <p:nvGrpSpPr>
-        <p:cNvPr id="1" name=""/>
-        <p:cNvGrpSpPr/>
-        <p:nvPr/>
-      </p:nvGrpSpPr>
-      <p:grpSpPr>
-        <a:xfrm>
-          <a:off x="0" y="0"/>
-          <a:ext cx="0" cy="0"/>
-          <a:chOff x="0" y="0"/>
-          <a:chExt cx="0" cy="0"/>
-        </a:xfrm>
-      </p:grpSpPr>
-      <p:sp>
-        <p:nvSpPr>
-          <p:cNvPr id="2" name="Title 1"/>
-          <p:cNvSpPr>
-            <a:spLocks noGrp="1"/>
-          </p:cNvSpPr>
-          <p:nvPr>
-            <p:ph type="title"/>
-          </p:nvPr>
-        </p:nvSpPr>
-        <p:spPr/>
-        <p:txBody>
-          <a:bodyPr/>
-          <a:lstStyle/>
-          <a:p>
-            <a:r>
-              <a:rPr lang="en-GB" dirty="0" smtClean="0"/>
-              <a:t>Relevant Works</a:t>
-            </a:r>
-            <a:endParaRPr lang="en-GB" dirty="0"/>
-          </a:p>
-        </p:txBody>
-      </p:sp>
-      <p:sp>
-        <p:nvSpPr>
-          <p:cNvPr id="3" name="Content Placeholder 2"/>
-          <p:cNvSpPr>
-            <a:spLocks noGrp="1"/>
-          </p:cNvSpPr>
-          <p:nvPr>
-            <p:ph idx="1"/>
-          </p:nvPr>
-        </p:nvSpPr>
-        <p:spPr/>
-        <p:txBody>
-          <a:bodyPr/>
-          <a:lstStyle/>
-          <a:p>
-            <a:pPr>
-              <a:buFont typeface="Wingdings" panose="05000000000000000000" pitchFamily="2" charset="2"/>
-              <a:buChar char="Ø"/>
-            </a:pPr>
-            <a:r>
-              <a:rPr lang="en-GB" dirty="0" smtClean="0"/>
-              <a:t>Epidemic Theory</a:t>
-            </a:r>
-          </a:p>
-          <a:p>
-            <a:pPr lvl="1">
-              <a:buFont typeface="Wingdings" panose="05000000000000000000" pitchFamily="2" charset="2"/>
-              <a:buChar char="Ø"/>
-            </a:pPr>
-            <a:r>
-              <a:rPr lang="en-GB" dirty="0" smtClean="0"/>
-              <a:t>Susceptible-Infected-Recovered (SIR) Model</a:t>
-            </a:r>
-          </a:p>
-          <a:p>
-            <a:pPr lvl="1">
-              <a:buFont typeface="Wingdings" panose="05000000000000000000" pitchFamily="2" charset="2"/>
-              <a:buChar char="Ø"/>
-            </a:pPr>
-            <a:r>
-              <a:rPr lang="en-GB" dirty="0" smtClean="0"/>
-              <a:t>Susceptible-Infectious-Susceptible (SIS) Model</a:t>
-            </a:r>
-          </a:p>
-          <a:p>
-            <a:pPr>
-              <a:buFont typeface="Wingdings" panose="05000000000000000000" pitchFamily="2" charset="2"/>
-              <a:buChar char="Ø"/>
-            </a:pPr>
-            <a:r>
-              <a:rPr lang="en-GB" dirty="0" smtClean="0"/>
-              <a:t>Network Theory Model</a:t>
-            </a:r>
-            <a:endParaRPr lang="en-GB" dirty="0"/>
-          </a:p>
-          <a:p>
-            <a:pPr lvl="1">
-              <a:buFont typeface="Wingdings" panose="05000000000000000000" pitchFamily="2" charset="2"/>
-              <a:buChar char="Ø"/>
-            </a:pPr>
-            <a:r>
-              <a:rPr lang="en-GB" dirty="0" smtClean="0"/>
-              <a:t>Models based on simulation mechanism:</a:t>
-            </a:r>
-          </a:p>
-          <a:p>
-            <a:pPr lvl="2">
-              <a:buFont typeface="Wingdings" panose="05000000000000000000" pitchFamily="2" charset="2"/>
-              <a:buChar char="Ø"/>
-            </a:pPr>
-            <a:r>
-              <a:rPr lang="en-GB" dirty="0" smtClean="0"/>
-              <a:t>Rate of Infection = Transmission Rate * Number of Infected Neighbours</a:t>
-            </a:r>
-          </a:p>
-          <a:p>
-            <a:pPr lvl="2">
-              <a:buFont typeface="Wingdings" panose="05000000000000000000" pitchFamily="2" charset="2"/>
-              <a:buChar char="Ø"/>
-            </a:pPr>
-            <a:r>
-              <a:rPr lang="en-GB" dirty="0" smtClean="0"/>
-              <a:t>Probabilistic Spread of Infection</a:t>
-            </a:r>
-          </a:p>
-          <a:p>
-            <a:pPr lvl="1">
-              <a:buFont typeface="Wingdings" panose="05000000000000000000" pitchFamily="2" charset="2"/>
-              <a:buChar char="Ø"/>
-            </a:pPr>
-            <a:endParaRPr lang="en-GB" dirty="0"/>
-          </a:p>
-        </p:txBody>
-      </p:sp>
-    </p:spTree>
-    <p:extLst>
-      <p:ext uri="{BB962C8B-B14F-4D97-AF65-F5344CB8AC3E}">
-        <p14:creationId xmlns:p14="http://schemas.microsoft.com/office/powerpoint/2010/main" val="3471722688"/>
-      </p:ext>
-    </p:extLst>
-  </p:cSld>
-  <p:clrMapOvr>
-    <a:masterClrMapping/>
-  </p:clrMapOvr>
-  <p:timing>
-    <p:tnLst>
-      <p:par>
-        <p:cTn id="1" dur="indefinite" restart="never" nodeType="tmRoot"/>
-      </p:par>
-    </p:tnLst>
-  </p:timing>
-</p:sld>
-</file>
-
 <file path=ppt/slides/slide5.xml><?xml version="1.0" encoding="utf-8"?>
 <p:sld xmlns:a="http://schemas.openxmlformats.org/drawingml/2006/main" xmlns:r="http://schemas.openxmlformats.org/officeDocument/2006/relationships" xmlns:p="http://schemas.openxmlformats.org/presentationml/2006/main">
   <p:cSld>
@@ -8072,9 +8937,133 @@
   <p:timing>
     <p:tnLst>
       <p:par>
-        <p:cTn id="1" dur="indefinite" restart="never" nodeType="tmRoot"/>
+        <p:cTn id="1" dur="indefinite" restart="never" nodeType="tmRoot">
+          <p:childTnLst>
+            <p:seq concurrent="1" nextAc="seek">
+              <p:cTn id="2" dur="indefinite" nodeType="mainSeq">
+                <p:childTnLst>
+                  <p:par>
+                    <p:cTn id="3" fill="hold">
+                      <p:stCondLst>
+                        <p:cond delay="indefinite"/>
+                      </p:stCondLst>
+                      <p:childTnLst>
+                        <p:par>
+                          <p:cTn id="4" fill="hold">
+                            <p:stCondLst>
+                              <p:cond delay="0"/>
+                            </p:stCondLst>
+                            <p:childTnLst>
+                              <p:par>
+                                <p:cTn id="5" presetID="1" presetClass="entr" presetSubtype="0" fill="hold" grpId="0" nodeType="clickEffect">
+                                  <p:stCondLst>
+                                    <p:cond delay="0"/>
+                                  </p:stCondLst>
+                                  <p:childTnLst>
+                                    <p:set>
+                                      <p:cBhvr>
+                                        <p:cTn id="6" dur="1" fill="hold">
+                                          <p:stCondLst>
+                                            <p:cond delay="0"/>
+                                          </p:stCondLst>
+                                        </p:cTn>
+                                        <p:tgtEl>
+                                          <p:spTgt spid="3">
+                                            <p:txEl>
+                                              <p:pRg st="0" end="0"/>
+                                            </p:txEl>
+                                          </p:spTgt>
+                                        </p:tgtEl>
+                                        <p:attrNameLst>
+                                          <p:attrName>style.visibility</p:attrName>
+                                        </p:attrNameLst>
+                                      </p:cBhvr>
+                                      <p:to>
+                                        <p:strVal val="visible"/>
+                                      </p:to>
+                                    </p:set>
+                                  </p:childTnLst>
+                                </p:cTn>
+                              </p:par>
+                            </p:childTnLst>
+                          </p:cTn>
+                        </p:par>
+                      </p:childTnLst>
+                    </p:cTn>
+                  </p:par>
+                  <p:par>
+                    <p:cTn id="7" fill="hold">
+                      <p:stCondLst>
+                        <p:cond delay="indefinite"/>
+                      </p:stCondLst>
+                      <p:childTnLst>
+                        <p:par>
+                          <p:cTn id="8" fill="hold">
+                            <p:stCondLst>
+                              <p:cond delay="0"/>
+                            </p:stCondLst>
+                            <p:childTnLst>
+                              <p:par>
+                                <p:cTn id="9" presetID="1" presetClass="entr" presetSubtype="0" fill="hold" grpId="0" nodeType="clickEffect">
+                                  <p:stCondLst>
+                                    <p:cond delay="0"/>
+                                  </p:stCondLst>
+                                  <p:childTnLst>
+                                    <p:set>
+                                      <p:cBhvr>
+                                        <p:cTn id="10" dur="1" fill="hold">
+                                          <p:stCondLst>
+                                            <p:cond delay="0"/>
+                                          </p:stCondLst>
+                                        </p:cTn>
+                                        <p:tgtEl>
+                                          <p:spTgt spid="3">
+                                            <p:txEl>
+                                              <p:pRg st="1" end="1"/>
+                                            </p:txEl>
+                                          </p:spTgt>
+                                        </p:tgtEl>
+                                        <p:attrNameLst>
+                                          <p:attrName>style.visibility</p:attrName>
+                                        </p:attrNameLst>
+                                      </p:cBhvr>
+                                      <p:to>
+                                        <p:strVal val="visible"/>
+                                      </p:to>
+                                    </p:set>
+                                  </p:childTnLst>
+                                </p:cTn>
+                              </p:par>
+                            </p:childTnLst>
+                          </p:cTn>
+                        </p:par>
+                      </p:childTnLst>
+                    </p:cTn>
+                  </p:par>
+                </p:childTnLst>
+              </p:cTn>
+              <p:prevCondLst>
+                <p:cond evt="onPrev" delay="0">
+                  <p:tgtEl>
+                    <p:sldTgt/>
+                  </p:tgtEl>
+                </p:cond>
+              </p:prevCondLst>
+              <p:nextCondLst>
+                <p:cond evt="onNext" delay="0">
+                  <p:tgtEl>
+                    <p:sldTgt/>
+                  </p:tgtEl>
+                </p:cond>
+              </p:nextCondLst>
+            </p:seq>
+          </p:childTnLst>
+        </p:cTn>
       </p:par>
     </p:tnLst>
+    <p:bldLst>
+      <p:bldP spid="3" grpId="0" build="p"/>
+    </p:bldLst>
   </p:timing>
 </p:sld>
 </file>
@@ -8658,11 +9647,7 @@
                 </a:pPr>
                 <a:r>
                   <a:rPr lang="en-US" dirty="0" smtClean="0"/>
-                  <a:t> </a:t>
-                </a:r>
-                <a:r>
-                  <a:rPr lang="en-US" dirty="0" smtClean="0"/>
-                  <a:t>represents individual i’s health</a:t>
+                  <a:t> represents individual i’s health</a:t>
                 </a:r>
               </a:p>
               <a:p>

--- a/presentation/disease_spreading_presentation.pptx
+++ b/presentation/disease_spreading_presentation.pptx
@@ -10,9 +10,9 @@
   <p:sldIdLst>
     <p:sldId id="261" r:id="rId2"/>
     <p:sldId id="263" r:id="rId3"/>
-    <p:sldId id="275" r:id="rId4"/>
-    <p:sldId id="262" r:id="rId5"/>
-    <p:sldId id="276" r:id="rId6"/>
+    <p:sldId id="276" r:id="rId4"/>
+    <p:sldId id="275" r:id="rId5"/>
+    <p:sldId id="262" r:id="rId6"/>
     <p:sldId id="264" r:id="rId7"/>
     <p:sldId id="265" r:id="rId8"/>
     <p:sldId id="266" r:id="rId9"/>
@@ -663,15 +663,19 @@
           <a:p>
             <a:r>
               <a:rPr lang="en-GB" dirty="0" smtClean="0"/>
-              <a:t>SIR</a:t>
+              <a:t>We define</a:t>
             </a:r>
             <a:r>
               <a:rPr lang="en-GB" baseline="0" dirty="0" smtClean="0"/>
-              <a:t> and SIS models are based on compartmentalization of the whole population into respectively two or three compartments and study the evolution of number of individuals in each compartments. Correspondingly they use two or three differential equations to model population dynamic. These models have the disadvantage that they cannot account for the dynamics that may arise due to individual behaviour</a:t>
+              <a:t> a robustness metric and use it to study robustness of randomly generated graphs. We use the cascading model by </a:t>
+            </a:r>
+            <a:r>
+              <a:rPr lang="en-GB" baseline="0" dirty="0" err="1" smtClean="0"/>
+              <a:t>Lubos</a:t>
             </a:r>
             <a:r>
               <a:rPr lang="en-GB" baseline="0" dirty="0" smtClean="0"/>
-              <a:t>.</a:t>
+              <a:t> et. al. to model the evolution of disease spread. </a:t>
             </a:r>
           </a:p>
           <a:p>
@@ -680,10 +684,29 @@
           <a:p>
             <a:r>
               <a:rPr lang="en-GB" baseline="0" dirty="0" smtClean="0"/>
-              <a:t>Network Theory Based models try to capture the transfer of disease from one individual to another and study the dynamics of evolution of the epidemics. Based on the method of simulation of spread of disease, different methods are used. In one of the models, rate with which a node gets infected is equal to product of transmission rate and number of infected neighbours. In one of the models, a randomly chosen vertex can probabilistically infect any or all of its neighbours.</a:t>
-            </a:r>
-          </a:p>
-          <a:p>
+              <a:t>Rather than trying to model evolution of epidemic within a given population, as done by the models discussed earlier, we interpret the spread of disease from one city to another.</a:t>
+            </a:r>
+          </a:p>
+          <a:p>
+            <a:endParaRPr lang="en-GB" baseline="0" dirty="0" smtClean="0"/>
+          </a:p>
+          <a:p>
+            <a:r>
+              <a:rPr lang="en-GB" baseline="0" dirty="0" smtClean="0"/>
+              <a:t>We also explore what happens if we </a:t>
+            </a:r>
+            <a:r>
+              <a:rPr lang="en-GB" baseline="0" dirty="0" err="1" smtClean="0"/>
+              <a:t>simplifify</a:t>
+            </a:r>
+            <a:r>
+              <a:rPr lang="en-GB" baseline="0" dirty="0" smtClean="0"/>
+              <a:t> the model i.e. disregard the effect of some </a:t>
+            </a:r>
+            <a:r>
+              <a:rPr lang="en-GB" baseline="0" smtClean="0"/>
+              <a:t>parameters from the model.</a:t>
+            </a:r>
             <a:endParaRPr lang="en-GB" dirty="0"/>
           </a:p>
         </p:txBody>
@@ -714,7 +737,7 @@
     </p:spTree>
     <p:extLst>
       <p:ext uri="{BB962C8B-B14F-4D97-AF65-F5344CB8AC3E}">
-        <p14:creationId xmlns:p14="http://schemas.microsoft.com/office/powerpoint/2010/main" val="3004335316"/>
+        <p14:creationId xmlns:p14="http://schemas.microsoft.com/office/powerpoint/2010/main" val="1928663785"/>
       </p:ext>
     </p:extLst>
   </p:cSld>
@@ -769,14 +792,29 @@
           <a:lstStyle/>
           <a:p>
             <a:r>
-              <a:rPr lang="en-US" dirty="0" smtClean="0"/>
-              <a:t>Obvious way to model a networked society is to model it with a network. Decouples the complexity of modeling individual behavior and their </a:t>
-            </a:r>
-            <a:r>
-              <a:rPr lang="en-US" dirty="0" err="1" smtClean="0"/>
-              <a:t>interraction</a:t>
-            </a:r>
-            <a:endParaRPr lang="en-US" dirty="0"/>
+              <a:rPr lang="en-GB" dirty="0" smtClean="0"/>
+              <a:t>SIR</a:t>
+            </a:r>
+            <a:r>
+              <a:rPr lang="en-GB" baseline="0" dirty="0" smtClean="0"/>
+              <a:t> and SIS models are based on compartmentalization of the whole population into respectively two or three compartments and study the evolution of number of individuals in each compartments. Correspondingly they use two or three differential equations to model population dynamic. These models have the disadvantage that they cannot account for the dynamics that may arise due to individual behaviour</a:t>
+            </a:r>
+            <a:r>
+              <a:rPr lang="en-GB" baseline="0" dirty="0" smtClean="0"/>
+              <a:t>.</a:t>
+            </a:r>
+          </a:p>
+          <a:p>
+            <a:endParaRPr lang="en-GB" baseline="0" dirty="0" smtClean="0"/>
+          </a:p>
+          <a:p>
+            <a:r>
+              <a:rPr lang="en-GB" baseline="0" dirty="0" smtClean="0"/>
+              <a:t>Network Theory Based models try to capture the transfer of disease from one individual to another and study the dynamics of evolution of the epidemics. Based on the method of simulation of spread of disease, different methods are used. In one of the models, rate with which a node gets infected is equal to product of transmission rate and number of infected neighbours. In one of the models, a randomly chosen vertex can probabilistically infect any or all of its neighbours.</a:t>
+            </a:r>
+          </a:p>
+          <a:p>
+            <a:endParaRPr lang="en-GB" dirty="0"/>
           </a:p>
         </p:txBody>
       </p:sp>
@@ -806,7 +844,7 @@
     </p:spTree>
     <p:extLst>
       <p:ext uri="{BB962C8B-B14F-4D97-AF65-F5344CB8AC3E}">
-        <p14:creationId xmlns:p14="http://schemas.microsoft.com/office/powerpoint/2010/main" val="3548918832"/>
+        <p14:creationId xmlns:p14="http://schemas.microsoft.com/office/powerpoint/2010/main" val="3004335316"/>
       </p:ext>
     </p:extLst>
   </p:cSld>
@@ -861,52 +899,14 @@
           <a:lstStyle/>
           <a:p>
             <a:r>
-              <a:rPr lang="en-GB" dirty="0" smtClean="0"/>
-              <a:t>We define</a:t>
-            </a:r>
-            <a:r>
-              <a:rPr lang="en-GB" baseline="0" dirty="0" smtClean="0"/>
-              <a:t> a robustness metric and use it to study robustness of randomly generated graphs. We use the cascading model by </a:t>
-            </a:r>
-            <a:r>
-              <a:rPr lang="en-GB" baseline="0" dirty="0" err="1" smtClean="0"/>
-              <a:t>Lubos</a:t>
-            </a:r>
-            <a:r>
-              <a:rPr lang="en-GB" baseline="0" dirty="0" smtClean="0"/>
-              <a:t> et. al. to model the evolution of disease spread. </a:t>
-            </a:r>
-          </a:p>
-          <a:p>
-            <a:endParaRPr lang="en-GB" baseline="0" dirty="0" smtClean="0"/>
-          </a:p>
-          <a:p>
-            <a:r>
-              <a:rPr lang="en-GB" baseline="0" dirty="0" smtClean="0"/>
-              <a:t>Rather than trying to model evolution of epidemic within a given population, as done by the models discussed earlier, we interpret the spread of disease from one city to another.</a:t>
-            </a:r>
-          </a:p>
-          <a:p>
-            <a:endParaRPr lang="en-GB" baseline="0" dirty="0" smtClean="0"/>
-          </a:p>
-          <a:p>
-            <a:r>
-              <a:rPr lang="en-GB" baseline="0" dirty="0" smtClean="0"/>
-              <a:t>We also explore what happens if we </a:t>
-            </a:r>
-            <a:r>
-              <a:rPr lang="en-GB" baseline="0" dirty="0" err="1" smtClean="0"/>
-              <a:t>simplifify</a:t>
-            </a:r>
-            <a:r>
-              <a:rPr lang="en-GB" baseline="0" dirty="0" smtClean="0"/>
-              <a:t> the model i.e. disregard the effect of some </a:t>
-            </a:r>
-            <a:r>
-              <a:rPr lang="en-GB" baseline="0" smtClean="0"/>
-              <a:t>parameters from the model.</a:t>
-            </a:r>
-            <a:endParaRPr lang="en-GB" dirty="0"/>
+              <a:rPr lang="en-US" dirty="0" smtClean="0"/>
+              <a:t>Obvious way to model a networked society is to model it with a network. Decouples the complexity of modeling individual behavior and their </a:t>
+            </a:r>
+            <a:r>
+              <a:rPr lang="en-US" dirty="0" err="1" smtClean="0"/>
+              <a:t>interraction</a:t>
+            </a:r>
+            <a:endParaRPr lang="en-US" dirty="0"/>
           </a:p>
         </p:txBody>
       </p:sp>
@@ -936,7 +936,7 @@
     </p:spTree>
     <p:extLst>
       <p:ext uri="{BB962C8B-B14F-4D97-AF65-F5344CB8AC3E}">
-        <p14:creationId xmlns:p14="http://schemas.microsoft.com/office/powerpoint/2010/main" val="1928663785"/>
+        <p14:creationId xmlns:p14="http://schemas.microsoft.com/office/powerpoint/2010/main" val="3548918832"/>
       </p:ext>
     </p:extLst>
   </p:cSld>
@@ -7857,6 +7857,227 @@
           <a:p>
             <a:r>
               <a:rPr lang="en-GB" dirty="0" smtClean="0"/>
+              <a:t>Research Problem</a:t>
+            </a:r>
+            <a:endParaRPr lang="en-GB" dirty="0"/>
+          </a:p>
+        </p:txBody>
+      </p:sp>
+      <p:sp>
+        <p:nvSpPr>
+          <p:cNvPr id="3" name="Content Placeholder 2"/>
+          <p:cNvSpPr>
+            <a:spLocks noGrp="1"/>
+          </p:cNvSpPr>
+          <p:nvPr>
+            <p:ph idx="1"/>
+          </p:nvPr>
+        </p:nvSpPr>
+        <p:spPr/>
+        <p:txBody>
+          <a:bodyPr/>
+          <a:lstStyle/>
+          <a:p>
+            <a:pPr>
+              <a:buFont typeface="Wingdings" panose="05000000000000000000" pitchFamily="2" charset="2"/>
+              <a:buChar char="Ø"/>
+            </a:pPr>
+            <a:r>
+              <a:rPr lang="en-GB" dirty="0" smtClean="0"/>
+              <a:t>Determine Robustness of Randomly Generated Graphs</a:t>
+            </a:r>
+          </a:p>
+          <a:p>
+            <a:pPr>
+              <a:buFont typeface="Wingdings" panose="05000000000000000000" pitchFamily="2" charset="2"/>
+              <a:buChar char="Ø"/>
+            </a:pPr>
+            <a:r>
+              <a:rPr lang="en-GB" dirty="0" smtClean="0"/>
+              <a:t>Effect of simplification of model is also explored</a:t>
+            </a:r>
+            <a:endParaRPr lang="en-GB" dirty="0"/>
+          </a:p>
+        </p:txBody>
+      </p:sp>
+    </p:spTree>
+    <p:extLst>
+      <p:ext uri="{BB962C8B-B14F-4D97-AF65-F5344CB8AC3E}">
+        <p14:creationId xmlns:p14="http://schemas.microsoft.com/office/powerpoint/2010/main" val="1833941494"/>
+      </p:ext>
+    </p:extLst>
+  </p:cSld>
+  <p:clrMapOvr>
+    <a:masterClrMapping/>
+  </p:clrMapOvr>
+  <p:timing>
+    <p:tnLst>
+      <p:par>
+        <p:cTn id="1" dur="indefinite" restart="never" nodeType="tmRoot">
+          <p:childTnLst>
+            <p:seq concurrent="1" nextAc="seek">
+              <p:cTn id="2" dur="indefinite" nodeType="mainSeq">
+                <p:childTnLst>
+                  <p:par>
+                    <p:cTn id="3" fill="hold">
+                      <p:stCondLst>
+                        <p:cond delay="indefinite"/>
+                      </p:stCondLst>
+                      <p:childTnLst>
+                        <p:par>
+                          <p:cTn id="4" fill="hold">
+                            <p:stCondLst>
+                              <p:cond delay="0"/>
+                            </p:stCondLst>
+                            <p:childTnLst>
+                              <p:par>
+                                <p:cTn id="5" presetID="1" presetClass="entr" presetSubtype="0" fill="hold" grpId="0" nodeType="clickEffect">
+                                  <p:stCondLst>
+                                    <p:cond delay="0"/>
+                                  </p:stCondLst>
+                                  <p:childTnLst>
+                                    <p:set>
+                                      <p:cBhvr>
+                                        <p:cTn id="6" dur="1" fill="hold">
+                                          <p:stCondLst>
+                                            <p:cond delay="0"/>
+                                          </p:stCondLst>
+                                        </p:cTn>
+                                        <p:tgtEl>
+                                          <p:spTgt spid="3">
+                                            <p:txEl>
+                                              <p:pRg st="0" end="0"/>
+                                            </p:txEl>
+                                          </p:spTgt>
+                                        </p:tgtEl>
+                                        <p:attrNameLst>
+                                          <p:attrName>style.visibility</p:attrName>
+                                        </p:attrNameLst>
+                                      </p:cBhvr>
+                                      <p:to>
+                                        <p:strVal val="visible"/>
+                                      </p:to>
+                                    </p:set>
+                                  </p:childTnLst>
+                                </p:cTn>
+                              </p:par>
+                            </p:childTnLst>
+                          </p:cTn>
+                        </p:par>
+                      </p:childTnLst>
+                    </p:cTn>
+                  </p:par>
+                  <p:par>
+                    <p:cTn id="7" fill="hold">
+                      <p:stCondLst>
+                        <p:cond delay="indefinite"/>
+                      </p:stCondLst>
+                      <p:childTnLst>
+                        <p:par>
+                          <p:cTn id="8" fill="hold">
+                            <p:stCondLst>
+                              <p:cond delay="0"/>
+                            </p:stCondLst>
+                            <p:childTnLst>
+                              <p:par>
+                                <p:cTn id="9" presetID="1" presetClass="entr" presetSubtype="0" fill="hold" grpId="0" nodeType="clickEffect">
+                                  <p:stCondLst>
+                                    <p:cond delay="0"/>
+                                  </p:stCondLst>
+                                  <p:childTnLst>
+                                    <p:set>
+                                      <p:cBhvr>
+                                        <p:cTn id="10" dur="1" fill="hold">
+                                          <p:stCondLst>
+                                            <p:cond delay="0"/>
+                                          </p:stCondLst>
+                                        </p:cTn>
+                                        <p:tgtEl>
+                                          <p:spTgt spid="3">
+                                            <p:txEl>
+                                              <p:pRg st="1" end="1"/>
+                                            </p:txEl>
+                                          </p:spTgt>
+                                        </p:tgtEl>
+                                        <p:attrNameLst>
+                                          <p:attrName>style.visibility</p:attrName>
+                                        </p:attrNameLst>
+                                      </p:cBhvr>
+                                      <p:to>
+                                        <p:strVal val="visible"/>
+                                      </p:to>
+                                    </p:set>
+                                  </p:childTnLst>
+                                </p:cTn>
+                              </p:par>
+                            </p:childTnLst>
+                          </p:cTn>
+                        </p:par>
+                      </p:childTnLst>
+                    </p:cTn>
+                  </p:par>
+                </p:childTnLst>
+              </p:cTn>
+              <p:prevCondLst>
+                <p:cond evt="onPrev" delay="0">
+                  <p:tgtEl>
+                    <p:sldTgt/>
+                  </p:tgtEl>
+                </p:cond>
+              </p:prevCondLst>
+              <p:nextCondLst>
+                <p:cond evt="onNext" delay="0">
+                  <p:tgtEl>
+                    <p:sldTgt/>
+                  </p:tgtEl>
+                </p:cond>
+              </p:nextCondLst>
+            </p:seq>
+          </p:childTnLst>
+        </p:cTn>
+      </p:par>
+    </p:tnLst>
+    <p:bldLst>
+      <p:bldP spid="3" grpId="0" build="p"/>
+    </p:bldLst>
+  </p:timing>
+</p:sld>
+</file>
+
+<file path=ppt/slides/slide4.xml><?xml version="1.0" encoding="utf-8"?>
+<p:sld xmlns:a="http://schemas.openxmlformats.org/drawingml/2006/main" xmlns:r="http://schemas.openxmlformats.org/officeDocument/2006/relationships" xmlns:p="http://schemas.openxmlformats.org/presentationml/2006/main">
+  <p:cSld>
+    <p:spTree>
+      <p:nvGrpSpPr>
+        <p:cNvPr id="1" name=""/>
+        <p:cNvGrpSpPr/>
+        <p:nvPr/>
+      </p:nvGrpSpPr>
+      <p:grpSpPr>
+        <a:xfrm>
+          <a:off x="0" y="0"/>
+          <a:ext cx="0" cy="0"/>
+          <a:chOff x="0" y="0"/>
+          <a:chExt cx="0" cy="0"/>
+        </a:xfrm>
+      </p:grpSpPr>
+      <p:sp>
+        <p:nvSpPr>
+          <p:cNvPr id="2" name="Title 1"/>
+          <p:cNvSpPr>
+            <a:spLocks noGrp="1"/>
+          </p:cNvSpPr>
+          <p:nvPr>
+            <p:ph type="title"/>
+          </p:nvPr>
+        </p:nvSpPr>
+        <p:spPr/>
+        <p:txBody>
+          <a:bodyPr/>
+          <a:lstStyle/>
+          <a:p>
+            <a:r>
+              <a:rPr lang="en-GB" dirty="0" smtClean="0"/>
               <a:t>Relevant Works</a:t>
             </a:r>
             <a:endParaRPr lang="en-GB" dirty="0"/>
@@ -8256,7 +8477,7 @@
 </p:sld>
 </file>
 
-<file path=ppt/slides/slide4.xml><?xml version="1.0" encoding="utf-8"?>
+<file path=ppt/slides/slide5.xml><?xml version="1.0" encoding="utf-8"?>
 <p:sld xmlns:a="http://schemas.openxmlformats.org/drawingml/2006/main" xmlns:r="http://schemas.openxmlformats.org/officeDocument/2006/relationships" xmlns:p="http://schemas.openxmlformats.org/presentationml/2006/main">
   <p:cSld>
     <p:spTree>
@@ -8843,227 +9064,6 @@
         </p:cTn>
       </p:par>
     </p:tnLst>
-  </p:timing>
-</p:sld>
-</file>
-
-<file path=ppt/slides/slide5.xml><?xml version="1.0" encoding="utf-8"?>
-<p:sld xmlns:a="http://schemas.openxmlformats.org/drawingml/2006/main" xmlns:r="http://schemas.openxmlformats.org/officeDocument/2006/relationships" xmlns:p="http://schemas.openxmlformats.org/presentationml/2006/main">
-  <p:cSld>
-    <p:spTree>
-      <p:nvGrpSpPr>
-        <p:cNvPr id="1" name=""/>
-        <p:cNvGrpSpPr/>
-        <p:nvPr/>
-      </p:nvGrpSpPr>
-      <p:grpSpPr>
-        <a:xfrm>
-          <a:off x="0" y="0"/>
-          <a:ext cx="0" cy="0"/>
-          <a:chOff x="0" y="0"/>
-          <a:chExt cx="0" cy="0"/>
-        </a:xfrm>
-      </p:grpSpPr>
-      <p:sp>
-        <p:nvSpPr>
-          <p:cNvPr id="2" name="Title 1"/>
-          <p:cNvSpPr>
-            <a:spLocks noGrp="1"/>
-          </p:cNvSpPr>
-          <p:nvPr>
-            <p:ph type="title"/>
-          </p:nvPr>
-        </p:nvSpPr>
-        <p:spPr/>
-        <p:txBody>
-          <a:bodyPr/>
-          <a:lstStyle/>
-          <a:p>
-            <a:r>
-              <a:rPr lang="en-GB" dirty="0" smtClean="0"/>
-              <a:t>Research Problem</a:t>
-            </a:r>
-            <a:endParaRPr lang="en-GB" dirty="0"/>
-          </a:p>
-        </p:txBody>
-      </p:sp>
-      <p:sp>
-        <p:nvSpPr>
-          <p:cNvPr id="3" name="Content Placeholder 2"/>
-          <p:cNvSpPr>
-            <a:spLocks noGrp="1"/>
-          </p:cNvSpPr>
-          <p:nvPr>
-            <p:ph idx="1"/>
-          </p:nvPr>
-        </p:nvSpPr>
-        <p:spPr/>
-        <p:txBody>
-          <a:bodyPr/>
-          <a:lstStyle/>
-          <a:p>
-            <a:pPr>
-              <a:buFont typeface="Wingdings" panose="05000000000000000000" pitchFamily="2" charset="2"/>
-              <a:buChar char="Ø"/>
-            </a:pPr>
-            <a:r>
-              <a:rPr lang="en-GB" dirty="0" smtClean="0"/>
-              <a:t>Determine Robustness of Randomly Generated Graphs</a:t>
-            </a:r>
-          </a:p>
-          <a:p>
-            <a:pPr>
-              <a:buFont typeface="Wingdings" panose="05000000000000000000" pitchFamily="2" charset="2"/>
-              <a:buChar char="Ø"/>
-            </a:pPr>
-            <a:r>
-              <a:rPr lang="en-GB" dirty="0" smtClean="0"/>
-              <a:t>Effect of simplification of model is also explored</a:t>
-            </a:r>
-            <a:endParaRPr lang="en-GB" dirty="0"/>
-          </a:p>
-        </p:txBody>
-      </p:sp>
-    </p:spTree>
-    <p:extLst>
-      <p:ext uri="{BB962C8B-B14F-4D97-AF65-F5344CB8AC3E}">
-        <p14:creationId xmlns:p14="http://schemas.microsoft.com/office/powerpoint/2010/main" val="1833941494"/>
-      </p:ext>
-    </p:extLst>
-  </p:cSld>
-  <p:clrMapOvr>
-    <a:masterClrMapping/>
-  </p:clrMapOvr>
-  <p:timing>
-    <p:tnLst>
-      <p:par>
-        <p:cTn id="1" dur="indefinite" restart="never" nodeType="tmRoot">
-          <p:childTnLst>
-            <p:seq concurrent="1" nextAc="seek">
-              <p:cTn id="2" dur="indefinite" nodeType="mainSeq">
-                <p:childTnLst>
-                  <p:par>
-                    <p:cTn id="3" fill="hold">
-                      <p:stCondLst>
-                        <p:cond delay="indefinite"/>
-                      </p:stCondLst>
-                      <p:childTnLst>
-                        <p:par>
-                          <p:cTn id="4" fill="hold">
-                            <p:stCondLst>
-                              <p:cond delay="0"/>
-                            </p:stCondLst>
-                            <p:childTnLst>
-                              <p:par>
-                                <p:cTn id="5" presetID="1" presetClass="entr" presetSubtype="0" fill="hold" grpId="0" nodeType="clickEffect">
-                                  <p:stCondLst>
-                                    <p:cond delay="0"/>
-                                  </p:stCondLst>
-                                  <p:childTnLst>
-                                    <p:set>
-                                      <p:cBhvr>
-                                        <p:cTn id="6" dur="1" fill="hold">
-                                          <p:stCondLst>
-                                            <p:cond delay="0"/>
-                                          </p:stCondLst>
-                                        </p:cTn>
-                                        <p:tgtEl>
-                                          <p:spTgt spid="3">
-                                            <p:txEl>
-                                              <p:pRg st="0" end="0"/>
-                                            </p:txEl>
-                                          </p:spTgt>
-                                        </p:tgtEl>
-                                        <p:attrNameLst>
-                                          <p:attrName>style.visibility</p:attrName>
-                                        </p:attrNameLst>
-                                      </p:cBhvr>
-                                      <p:to>
-                                        <p:strVal val="visible"/>
-                                      </p:to>
-                                    </p:set>
-                                  </p:childTnLst>
-                                </p:cTn>
-                              </p:par>
-                            </p:childTnLst>
-                          </p:cTn>
-                        </p:par>
-                      </p:childTnLst>
-                    </p:cTn>
-                  </p:par>
-                  <p:par>
-                    <p:cTn id="7" fill="hold">
-                      <p:stCondLst>
-                        <p:cond delay="indefinite"/>
-                      </p:stCondLst>
-                      <p:childTnLst>
-                        <p:par>
-                          <p:cTn id="8" fill="hold">
-                            <p:stCondLst>
-                              <p:cond delay="0"/>
-                            </p:stCondLst>
-                            <p:childTnLst>
-                              <p:par>
-                                <p:cTn id="9" presetID="1" presetClass="entr" presetSubtype="0" fill="hold" grpId="0" nodeType="clickEffect">
-                                  <p:stCondLst>
-                                    <p:cond delay="0"/>
-                                  </p:stCondLst>
-                                  <p:childTnLst>
-                                    <p:set>
-                                      <p:cBhvr>
-                                        <p:cTn id="10" dur="1" fill="hold">
-                                          <p:stCondLst>
-                                            <p:cond delay="0"/>
-                                          </p:stCondLst>
-                                        </p:cTn>
-                                        <p:tgtEl>
-                                          <p:spTgt spid="3">
-                                            <p:txEl>
-                                              <p:pRg st="1" end="1"/>
-                                            </p:txEl>
-                                          </p:spTgt>
-                                        </p:tgtEl>
-                                        <p:attrNameLst>
-                                          <p:attrName>style.visibility</p:attrName>
-                                        </p:attrNameLst>
-                                      </p:cBhvr>
-                                      <p:to>
-                                        <p:strVal val="visible"/>
-                                      </p:to>
-                                    </p:set>
-                                  </p:childTnLst>
-                                </p:cTn>
-                              </p:par>
-                            </p:childTnLst>
-                          </p:cTn>
-                        </p:par>
-                      </p:childTnLst>
-                    </p:cTn>
-                  </p:par>
-                </p:childTnLst>
-              </p:cTn>
-              <p:prevCondLst>
-                <p:cond evt="onPrev" delay="0">
-                  <p:tgtEl>
-                    <p:sldTgt/>
-                  </p:tgtEl>
-                </p:cond>
-              </p:prevCondLst>
-              <p:nextCondLst>
-                <p:cond evt="onNext" delay="0">
-                  <p:tgtEl>
-                    <p:sldTgt/>
-                  </p:tgtEl>
-                </p:cond>
-              </p:nextCondLst>
-            </p:seq>
-          </p:childTnLst>
-        </p:cTn>
-      </p:par>
-    </p:tnLst>
-    <p:bldLst>
-      <p:bldP spid="3" grpId="0" build="p"/>
-    </p:bldLst>
   </p:timing>
 </p:sld>
 </file>

--- a/presentation/disease_spreading_presentation.pptx
+++ b/presentation/disease_spreading_presentation.pptx
@@ -684,7 +684,15 @@
           <a:p>
             <a:r>
               <a:rPr lang="en-GB" baseline="0" dirty="0" smtClean="0"/>
-              <a:t>Rather than trying to model evolution of epidemic within a given population, as done by the models discussed earlier, we interpret the spread of disease from one city to another.</a:t>
+              <a:t>Rather than trying to model evolution of epidemic within a given population, as done by the </a:t>
+            </a:r>
+            <a:r>
+              <a:rPr lang="en-GB" baseline="0" dirty="0" smtClean="0"/>
+              <a:t>most models, </a:t>
+            </a:r>
+            <a:r>
+              <a:rPr lang="en-GB" baseline="0" dirty="0" smtClean="0"/>
+              <a:t>we interpret the spread of disease from one city to another.</a:t>
             </a:r>
           </a:p>
           <a:p>
@@ -701,11 +709,7 @@
             </a:r>
             <a:r>
               <a:rPr lang="en-GB" baseline="0" dirty="0" smtClean="0"/>
-              <a:t> the model i.e. disregard the effect of some </a:t>
-            </a:r>
-            <a:r>
-              <a:rPr lang="en-GB" baseline="0" smtClean="0"/>
-              <a:t>parameters from the model.</a:t>
+              <a:t> the model i.e. disregard the effect of some parameters from the model.</a:t>
             </a:r>
             <a:endParaRPr lang="en-GB" dirty="0"/>
           </a:p>
@@ -5077,12 +5081,13 @@
             </a:r>
             <a:r>
               <a:rPr lang="en-US" dirty="0" smtClean="0"/>
-              <a:t>Different </a:t>
-            </a:r>
-            <a:r>
-              <a:rPr lang="en-US" dirty="0"/>
-              <a:t>Attack Models</a:t>
-            </a:r>
+              <a:t>Single </a:t>
+            </a:r>
+            <a:r>
+              <a:rPr lang="en-US" smtClean="0"/>
+              <a:t>Node Failure Model</a:t>
+            </a:r>
+            <a:endParaRPr lang="en-US" dirty="0"/>
           </a:p>
         </p:txBody>
       </p:sp>

--- a/presentation/disease_spreading_presentation.pptx
+++ b/presentation/disease_spreading_presentation.pptx
@@ -5081,11 +5081,11 @@
             </a:r>
             <a:r>
               <a:rPr lang="en-US" dirty="0" smtClean="0"/>
-              <a:t>Single </a:t>
+              <a:t>Single Node </a:t>
             </a:r>
             <a:r>
               <a:rPr lang="en-US" smtClean="0"/>
-              <a:t>Node Failure Model</a:t>
+              <a:t>Failure Scenario</a:t>
             </a:r>
             <a:endParaRPr lang="en-US" dirty="0"/>
           </a:p>

--- a/presentation/disease_spreading_presentation.pptx
+++ b/presentation/disease_spreading_presentation.pptx
@@ -535,49 +535,7 @@
           <a:bodyPr/>
           <a:lstStyle/>
           <a:p>
-            <a:r>
-              <a:rPr lang="en-US" dirty="0" smtClean="0"/>
-              <a:t>We start with definition of a network</a:t>
-            </a:r>
-            <a:r>
-              <a:rPr lang="en-US" baseline="0" dirty="0" smtClean="0"/>
-              <a:t> - </a:t>
-            </a:r>
-            <a:r>
-              <a:rPr lang="en-US" dirty="0" smtClean="0"/>
-              <a:t>Each individual has a desired behavior on his own,</a:t>
-            </a:r>
-            <a:r>
-              <a:rPr lang="en-US" baseline="0" dirty="0" smtClean="0"/>
-              <a:t> but we are constantly affected by behavior of people around us. Each block of a city has its local authority and they are linked to other blocks. Each city operates on its own but is connected to other cities. And so on</a:t>
-            </a:r>
-          </a:p>
-          <a:p>
-            <a:endParaRPr lang="en-US" baseline="0" dirty="0" smtClean="0"/>
-          </a:p>
-          <a:p>
-            <a:r>
-              <a:rPr lang="en-US" baseline="0" dirty="0" smtClean="0"/>
-              <a:t>More complicated than each individual</a:t>
-            </a:r>
-          </a:p>
-          <a:p>
-            <a:endParaRPr lang="en-US" baseline="0" dirty="0" smtClean="0"/>
-          </a:p>
-          <a:p>
-            <a:r>
-              <a:rPr lang="en-US" baseline="0" dirty="0" smtClean="0"/>
-              <a:t>We live in a networked world but are they perfect? What happens if one doesn’t do his job. Important to see because otherwise we unknowingly depend upon one person/ entity too </a:t>
-            </a:r>
-            <a:r>
-              <a:rPr lang="en-US" baseline="0" dirty="0" err="1" smtClean="0"/>
-              <a:t>muc</a:t>
-            </a:r>
-            <a:r>
-              <a:rPr lang="en-US" baseline="0" dirty="0" smtClean="0"/>
-              <a:t>.</a:t>
-            </a:r>
-            <a:endParaRPr lang="en-US" dirty="0"/>
+            <a:endParaRPr lang="en-GB" dirty="0"/>
           </a:p>
         </p:txBody>
       </p:sp>
@@ -598,7 +556,7 @@
           <a:p>
             <a:fld id="{0FE4AD66-8E5C-48F9-B0A6-E353D58EB762}" type="slidenum">
               <a:rPr lang="en-US" smtClean="0"/>
-              <a:t>2</a:t>
+              <a:t>1</a:t>
             </a:fld>
             <a:endParaRPr lang="en-US"/>
           </a:p>
@@ -607,7 +565,7 @@
     </p:spTree>
     <p:extLst>
       <p:ext uri="{BB962C8B-B14F-4D97-AF65-F5344CB8AC3E}">
-        <p14:creationId xmlns:p14="http://schemas.microsoft.com/office/powerpoint/2010/main" val="3249882799"/>
+        <p14:creationId xmlns:p14="http://schemas.microsoft.com/office/powerpoint/2010/main" val="4003133379"/>
       </p:ext>
     </p:extLst>
   </p:cSld>
@@ -662,56 +620,22 @@
           <a:lstStyle/>
           <a:p>
             <a:r>
-              <a:rPr lang="en-GB" dirty="0" smtClean="0"/>
-              <a:t>We define</a:t>
-            </a:r>
-            <a:r>
-              <a:rPr lang="en-GB" baseline="0" dirty="0" smtClean="0"/>
-              <a:t> a robustness metric and use it to study robustness of randomly generated graphs. We use the cascading model by </a:t>
-            </a:r>
-            <a:r>
-              <a:rPr lang="en-GB" baseline="0" dirty="0" err="1" smtClean="0"/>
-              <a:t>Lubos</a:t>
-            </a:r>
-            <a:r>
-              <a:rPr lang="en-GB" baseline="0" dirty="0" smtClean="0"/>
-              <a:t> et. al. to model the evolution of disease spread. </a:t>
-            </a:r>
-          </a:p>
-          <a:p>
-            <a:endParaRPr lang="en-GB" baseline="0" dirty="0" smtClean="0"/>
-          </a:p>
-          <a:p>
-            <a:r>
-              <a:rPr lang="en-GB" baseline="0" dirty="0" smtClean="0"/>
-              <a:t>Rather than trying to model evolution of epidemic within a given population, as done by the </a:t>
-            </a:r>
-            <a:r>
-              <a:rPr lang="en-GB" baseline="0" dirty="0" smtClean="0"/>
-              <a:t>most models, </a:t>
-            </a:r>
-            <a:r>
-              <a:rPr lang="en-GB" baseline="0" dirty="0" smtClean="0"/>
-              <a:t>we interpret the spread of disease from one city to another.</a:t>
-            </a:r>
-          </a:p>
-          <a:p>
-            <a:endParaRPr lang="en-GB" baseline="0" dirty="0" smtClean="0"/>
-          </a:p>
-          <a:p>
-            <a:r>
-              <a:rPr lang="en-GB" baseline="0" dirty="0" smtClean="0"/>
-              <a:t>We also explore what happens if we </a:t>
-            </a:r>
-            <a:r>
-              <a:rPr lang="en-GB" baseline="0" dirty="0" err="1" smtClean="0"/>
-              <a:t>simplifify</a:t>
-            </a:r>
-            <a:r>
-              <a:rPr lang="en-GB" baseline="0" dirty="0" smtClean="0"/>
-              <a:t> the model i.e. disregard the effect of some parameters from the model.</a:t>
-            </a:r>
-            <a:endParaRPr lang="en-GB" dirty="0"/>
+              <a:rPr lang="en-US" dirty="0" smtClean="0"/>
+              <a:t>Networks</a:t>
+            </a:r>
+            <a:r>
+              <a:rPr lang="en-US" baseline="0" dirty="0" smtClean="0"/>
+              <a:t> arise naturally in social systems. Each individual entity in the social system has its own properties. Such individuals can also influence the properties of other individuals that they interact with. And such interaction of those individuals also varies from individual to individual. As a result of different interaction of individuals, complicated </a:t>
+            </a:r>
+            <a:r>
+              <a:rPr lang="en-US" baseline="0" dirty="0" err="1" smtClean="0"/>
+              <a:t>behaviours</a:t>
+            </a:r>
+            <a:r>
+              <a:rPr lang="en-US" baseline="0" dirty="0" smtClean="0"/>
+              <a:t> can arise from such interactions and network might properties that are quiet un predictable from individual properties of the individuals.</a:t>
+            </a:r>
+            <a:endParaRPr lang="en-US" dirty="0"/>
           </a:p>
         </p:txBody>
       </p:sp>
@@ -732,7 +656,7 @@
           <a:p>
             <a:fld id="{0FE4AD66-8E5C-48F9-B0A6-E353D58EB762}" type="slidenum">
               <a:rPr lang="en-US" smtClean="0"/>
-              <a:t>3</a:t>
+              <a:t>2</a:t>
             </a:fld>
             <a:endParaRPr lang="en-US"/>
           </a:p>
@@ -741,7 +665,7 @@
     </p:spTree>
     <p:extLst>
       <p:ext uri="{BB962C8B-B14F-4D97-AF65-F5344CB8AC3E}">
-        <p14:creationId xmlns:p14="http://schemas.microsoft.com/office/powerpoint/2010/main" val="1928663785"/>
+        <p14:creationId xmlns:p14="http://schemas.microsoft.com/office/powerpoint/2010/main" val="3249882799"/>
       </p:ext>
     </p:extLst>
   </p:cSld>
@@ -797,15 +721,49 @@
           <a:p>
             <a:r>
               <a:rPr lang="en-GB" dirty="0" smtClean="0"/>
-              <a:t>SIR</a:t>
+              <a:t>We study</a:t>
             </a:r>
             <a:r>
               <a:rPr lang="en-GB" baseline="0" dirty="0" smtClean="0"/>
-              <a:t> and SIS models are based on compartmentalization of the whole population into respectively two or three compartments and study the evolution of number of individuals in each compartments. Correspondingly they use two or three differential equations to model population dynamic. These models have the disadvantage that they cannot account for the dynamics that may arise due to individual behaviour</a:t>
+              <a:t> the evolution of cascading disaster spreading in various small </a:t>
+            </a:r>
+            <a:r>
+              <a:rPr lang="en-GB" baseline="0" smtClean="0"/>
+              <a:t>world networks.</a:t>
+            </a:r>
+            <a:endParaRPr lang="en-GB" dirty="0" smtClean="0"/>
+          </a:p>
+          <a:p>
+            <a:endParaRPr lang="en-GB" dirty="0" smtClean="0"/>
+          </a:p>
+          <a:p>
+            <a:r>
+              <a:rPr lang="en-GB" dirty="0" smtClean="0"/>
+              <a:t>In our work, we use</a:t>
             </a:r>
             <a:r>
               <a:rPr lang="en-GB" baseline="0" dirty="0" smtClean="0"/>
-              <a:t>.</a:t>
+              <a:t> </a:t>
+            </a:r>
+            <a:r>
+              <a:rPr lang="en-GB" baseline="0" dirty="0" smtClean="0"/>
+              <a:t>a robustness metric and use it to study robustness of </a:t>
+            </a:r>
+            <a:r>
+              <a:rPr lang="en-GB" baseline="0" dirty="0" smtClean="0"/>
+              <a:t>Social Networks. </a:t>
+            </a:r>
+            <a:r>
+              <a:rPr lang="en-GB" baseline="0" dirty="0" smtClean="0"/>
+              <a:t>We use the cascading model by </a:t>
+            </a:r>
+            <a:r>
+              <a:rPr lang="en-GB" baseline="0" dirty="0" err="1" smtClean="0"/>
+              <a:t>Lubos</a:t>
+            </a:r>
+            <a:r>
+              <a:rPr lang="en-GB" baseline="0" dirty="0" smtClean="0"/>
+              <a:t> et. al. to model the evolution of disease spread. </a:t>
             </a:r>
           </a:p>
           <a:p>
@@ -814,11 +772,21 @@
           <a:p>
             <a:r>
               <a:rPr lang="en-GB" baseline="0" dirty="0" smtClean="0"/>
-              <a:t>Network Theory Based models try to capture the transfer of disease from one individual to another and study the dynamics of evolution of the epidemics. Based on the method of simulation of spread of disease, different methods are used. In one of the models, rate with which a node gets infected is equal to product of transmission rate and number of infected neighbours. In one of the models, a randomly chosen vertex can probabilistically infect any or all of its neighbours.</a:t>
-            </a:r>
-          </a:p>
-          <a:p>
-            <a:endParaRPr lang="en-GB" dirty="0"/>
+              <a:t>Rather than trying to model evolution of epidemic within a given population, as done by the </a:t>
+            </a:r>
+            <a:r>
+              <a:rPr lang="en-GB" baseline="0" dirty="0" smtClean="0"/>
+              <a:t>most models, </a:t>
+            </a:r>
+            <a:r>
+              <a:rPr lang="en-GB" baseline="0" dirty="0" smtClean="0"/>
+              <a:t>we interpret the spread of disease from one city to </a:t>
+            </a:r>
+            <a:r>
+              <a:rPr lang="en-GB" baseline="0" dirty="0" smtClean="0"/>
+              <a:t>another.</a:t>
+            </a:r>
+            <a:endParaRPr lang="en-GB" baseline="0" dirty="0" smtClean="0"/>
           </a:p>
         </p:txBody>
       </p:sp>
@@ -839,7 +807,7 @@
           <a:p>
             <a:fld id="{0FE4AD66-8E5C-48F9-B0A6-E353D58EB762}" type="slidenum">
               <a:rPr lang="en-US" smtClean="0"/>
-              <a:t>4</a:t>
+              <a:t>3</a:t>
             </a:fld>
             <a:endParaRPr lang="en-US"/>
           </a:p>
@@ -848,7 +816,7 @@
     </p:spTree>
     <p:extLst>
       <p:ext uri="{BB962C8B-B14F-4D97-AF65-F5344CB8AC3E}">
-        <p14:creationId xmlns:p14="http://schemas.microsoft.com/office/powerpoint/2010/main" val="3004335316"/>
+        <p14:creationId xmlns:p14="http://schemas.microsoft.com/office/powerpoint/2010/main" val="1928663785"/>
       </p:ext>
     </p:extLst>
   </p:cSld>
@@ -903,14 +871,29 @@
           <a:lstStyle/>
           <a:p>
             <a:r>
-              <a:rPr lang="en-US" dirty="0" smtClean="0"/>
-              <a:t>Obvious way to model a networked society is to model it with a network. Decouples the complexity of modeling individual behavior and their </a:t>
-            </a:r>
-            <a:r>
-              <a:rPr lang="en-US" dirty="0" err="1" smtClean="0"/>
-              <a:t>interraction</a:t>
-            </a:r>
-            <a:endParaRPr lang="en-US" dirty="0"/>
+              <a:rPr lang="en-GB" dirty="0" smtClean="0"/>
+              <a:t>SIR</a:t>
+            </a:r>
+            <a:r>
+              <a:rPr lang="en-GB" baseline="0" dirty="0" smtClean="0"/>
+              <a:t> and SIS models are based on compartmentalization of the whole population into respectively two or three compartments and study the evolution of number of individuals in each compartments. Correspondingly they use two or three differential equations to model population dynamic. These models have the disadvantage that they cannot account for the dynamics that may arise due to individual behaviour</a:t>
+            </a:r>
+            <a:r>
+              <a:rPr lang="en-GB" baseline="0" dirty="0" smtClean="0"/>
+              <a:t>.</a:t>
+            </a:r>
+          </a:p>
+          <a:p>
+            <a:endParaRPr lang="en-GB" baseline="0" dirty="0" smtClean="0"/>
+          </a:p>
+          <a:p>
+            <a:r>
+              <a:rPr lang="en-GB" baseline="0" dirty="0" smtClean="0"/>
+              <a:t>Network Theory Based models try to capture the transfer of disease from one individual to another and study the dynamics of evolution of the epidemics. Based on the method of simulation of spread of disease, different methods are used. In one of the models, rate with which a node gets infected is equal to product of transmission rate and number of infected neighbours. In one of the models, a randomly chosen vertex can probabilistically infect any or all of its neighbours.</a:t>
+            </a:r>
+          </a:p>
+          <a:p>
+            <a:endParaRPr lang="en-GB" dirty="0"/>
           </a:p>
         </p:txBody>
       </p:sp>
@@ -931,7 +914,7 @@
           <a:p>
             <a:fld id="{0FE4AD66-8E5C-48F9-B0A6-E353D58EB762}" type="slidenum">
               <a:rPr lang="en-US" smtClean="0"/>
-              <a:t>5</a:t>
+              <a:t>4</a:t>
             </a:fld>
             <a:endParaRPr lang="en-US"/>
           </a:p>
@@ -940,7 +923,7 @@
     </p:spTree>
     <p:extLst>
       <p:ext uri="{BB962C8B-B14F-4D97-AF65-F5344CB8AC3E}">
-        <p14:creationId xmlns:p14="http://schemas.microsoft.com/office/powerpoint/2010/main" val="3548918832"/>
+        <p14:creationId xmlns:p14="http://schemas.microsoft.com/office/powerpoint/2010/main" val="3004335316"/>
       </p:ext>
     </p:extLst>
   </p:cSld>
@@ -996,28 +979,11 @@
           <a:p>
             <a:r>
               <a:rPr lang="en-US" dirty="0" smtClean="0"/>
-              <a:t>Now before</a:t>
-            </a:r>
-            <a:r>
-              <a:rPr lang="en-US" baseline="0" dirty="0" smtClean="0"/>
-              <a:t> you think the model has too many hyper parameters let me explain you the physical meaning of the parameters and how we might sensibly set them. </a:t>
-            </a:r>
-          </a:p>
-          <a:p>
-            <a:endParaRPr lang="en-US" baseline="0" dirty="0" smtClean="0"/>
-          </a:p>
-          <a:p>
-            <a:r>
-              <a:rPr lang="en-US" baseline="0" dirty="0" smtClean="0"/>
-              <a:t>Point 5 - </a:t>
-            </a:r>
-            <a:r>
-              <a:rPr lang="en-US" dirty="0" smtClean="0"/>
-              <a:t>Let us assume that two</a:t>
-            </a:r>
-            <a:r>
-              <a:rPr lang="en-US" baseline="0" dirty="0" smtClean="0"/>
-              <a:t> causes have same effect for example earthquake can make you house tremble. Same can happen if a truck hits your house. Now if you know only that you house trembled then you have equal probability of earthquake and a truck hitting your house. But if you know that there was an earthquake the then what is the probability of a truck hitting at the same time? It is much less. So knowledge about one cause explains away the effect. Here is a similar thing happening. If a node is connected to many different nodes its influence gets washed away.</a:t>
+              <a:t>Obvious way to model a networked society is to model it with a network. Decouples the complexity of modeling individual behavior and their </a:t>
+            </a:r>
+            <a:r>
+              <a:rPr lang="en-US" dirty="0" err="1" smtClean="0"/>
+              <a:t>interraction</a:t>
             </a:r>
             <a:endParaRPr lang="en-US" dirty="0"/>
           </a:p>
@@ -1040,7 +1006,7 @@
           <a:p>
             <a:fld id="{0FE4AD66-8E5C-48F9-B0A6-E353D58EB762}" type="slidenum">
               <a:rPr lang="en-US" smtClean="0"/>
-              <a:t>7</a:t>
+              <a:t>5</a:t>
             </a:fld>
             <a:endParaRPr lang="en-US"/>
           </a:p>
@@ -1049,7 +1015,7 @@
     </p:spTree>
     <p:extLst>
       <p:ext uri="{BB962C8B-B14F-4D97-AF65-F5344CB8AC3E}">
-        <p14:creationId xmlns:p14="http://schemas.microsoft.com/office/powerpoint/2010/main" val="4200700982"/>
+        <p14:creationId xmlns:p14="http://schemas.microsoft.com/office/powerpoint/2010/main" val="3548918832"/>
       </p:ext>
     </p:extLst>
   </p:cSld>
@@ -1105,15 +1071,28 @@
           <a:p>
             <a:r>
               <a:rPr lang="en-US" dirty="0" smtClean="0"/>
-              <a:t>We decided to take the execution hit in</a:t>
+              <a:t>Now before</a:t>
             </a:r>
             <a:r>
               <a:rPr lang="en-US" baseline="0" dirty="0" smtClean="0"/>
-              <a:t> exchange to</a:t>
+              <a:t> you think the model has too many hyper parameters let me explain you the physical meaning of the parameters and how we might sensibly set them. </a:t>
+            </a:r>
+          </a:p>
+          <a:p>
+            <a:endParaRPr lang="en-US" baseline="0" dirty="0" smtClean="0"/>
+          </a:p>
+          <a:p>
+            <a:r>
+              <a:rPr lang="en-US" baseline="0" dirty="0" smtClean="0"/>
+              <a:t>Point 5 - </a:t>
             </a:r>
             <a:r>
               <a:rPr lang="en-US" dirty="0" smtClean="0"/>
-              <a:t> this convenience.</a:t>
+              <a:t>Let us assume that two</a:t>
+            </a:r>
+            <a:r>
+              <a:rPr lang="en-US" baseline="0" dirty="0" smtClean="0"/>
+              <a:t> causes have same effect for example earthquake can make you house tremble. Same can happen if a truck hits your house. Now if you know only that you house trembled then you have equal probability of earthquake and a truck hitting your house. But if you know that there was an earthquake the then what is the probability of a truck hitting at the same time? It is much less. So knowledge about one cause explains away the effect. Here is a similar thing happening. If a node is connected to many different nodes its influence gets washed away.</a:t>
             </a:r>
             <a:endParaRPr lang="en-US" dirty="0"/>
           </a:p>
@@ -1136,7 +1115,7 @@
           <a:p>
             <a:fld id="{0FE4AD66-8E5C-48F9-B0A6-E353D58EB762}" type="slidenum">
               <a:rPr lang="en-US" smtClean="0"/>
-              <a:t>8</a:t>
+              <a:t>7</a:t>
             </a:fld>
             <a:endParaRPr lang="en-US"/>
           </a:p>
@@ -1145,7 +1124,7 @@
     </p:spTree>
     <p:extLst>
       <p:ext uri="{BB962C8B-B14F-4D97-AF65-F5344CB8AC3E}">
-        <p14:creationId xmlns:p14="http://schemas.microsoft.com/office/powerpoint/2010/main" val="1208198564"/>
+        <p14:creationId xmlns:p14="http://schemas.microsoft.com/office/powerpoint/2010/main" val="4200700982"/>
       </p:ext>
     </p:extLst>
   </p:cSld>
@@ -1232,7 +1211,7 @@
           <a:p>
             <a:fld id="{0FE4AD66-8E5C-48F9-B0A6-E353D58EB762}" type="slidenum">
               <a:rPr lang="en-US" smtClean="0"/>
-              <a:t>9</a:t>
+              <a:t>8</a:t>
             </a:fld>
             <a:endParaRPr lang="en-US"/>
           </a:p>
@@ -1252,6 +1231,102 @@
 </file>
 
 <file path=ppt/notesSlides/notesSlide8.xml><?xml version="1.0" encoding="utf-8"?>
+<p:notes xmlns:a="http://schemas.openxmlformats.org/drawingml/2006/main" xmlns:r="http://schemas.openxmlformats.org/officeDocument/2006/relationships" xmlns:p="http://schemas.openxmlformats.org/presentationml/2006/main">
+  <p:cSld>
+    <p:spTree>
+      <p:nvGrpSpPr>
+        <p:cNvPr id="1" name=""/>
+        <p:cNvGrpSpPr/>
+        <p:nvPr/>
+      </p:nvGrpSpPr>
+      <p:grpSpPr>
+        <a:xfrm>
+          <a:off x="0" y="0"/>
+          <a:ext cx="0" cy="0"/>
+          <a:chOff x="0" y="0"/>
+          <a:chExt cx="0" cy="0"/>
+        </a:xfrm>
+      </p:grpSpPr>
+      <p:sp>
+        <p:nvSpPr>
+          <p:cNvPr id="2" name="Slide Image Placeholder 1"/>
+          <p:cNvSpPr>
+            <a:spLocks noGrp="1" noRot="1" noChangeAspect="1"/>
+          </p:cNvSpPr>
+          <p:nvPr>
+            <p:ph type="sldImg"/>
+          </p:nvPr>
+        </p:nvSpPr>
+        <p:spPr/>
+      </p:sp>
+      <p:sp>
+        <p:nvSpPr>
+          <p:cNvPr id="3" name="Notes Placeholder 2"/>
+          <p:cNvSpPr>
+            <a:spLocks noGrp="1"/>
+          </p:cNvSpPr>
+          <p:nvPr>
+            <p:ph type="body" idx="1"/>
+          </p:nvPr>
+        </p:nvSpPr>
+        <p:spPr/>
+        <p:txBody>
+          <a:bodyPr/>
+          <a:lstStyle/>
+          <a:p>
+            <a:r>
+              <a:rPr lang="en-US" dirty="0" smtClean="0"/>
+              <a:t>We decided to take the execution hit in</a:t>
+            </a:r>
+            <a:r>
+              <a:rPr lang="en-US" baseline="0" dirty="0" smtClean="0"/>
+              <a:t> exchange to</a:t>
+            </a:r>
+            <a:r>
+              <a:rPr lang="en-US" dirty="0" smtClean="0"/>
+              <a:t> this convenience.</a:t>
+            </a:r>
+            <a:endParaRPr lang="en-US" dirty="0"/>
+          </a:p>
+        </p:txBody>
+      </p:sp>
+      <p:sp>
+        <p:nvSpPr>
+          <p:cNvPr id="4" name="Slide Number Placeholder 3"/>
+          <p:cNvSpPr>
+            <a:spLocks noGrp="1"/>
+          </p:cNvSpPr>
+          <p:nvPr>
+            <p:ph type="sldNum" sz="quarter" idx="10"/>
+          </p:nvPr>
+        </p:nvSpPr>
+        <p:spPr/>
+        <p:txBody>
+          <a:bodyPr/>
+          <a:lstStyle/>
+          <a:p>
+            <a:fld id="{0FE4AD66-8E5C-48F9-B0A6-E353D58EB762}" type="slidenum">
+              <a:rPr lang="en-US" smtClean="0"/>
+              <a:t>9</a:t>
+            </a:fld>
+            <a:endParaRPr lang="en-US"/>
+          </a:p>
+        </p:txBody>
+      </p:sp>
+    </p:spTree>
+    <p:extLst>
+      <p:ext uri="{BB962C8B-B14F-4D97-AF65-F5344CB8AC3E}">
+        <p14:creationId xmlns:p14="http://schemas.microsoft.com/office/powerpoint/2010/main" val="1208198564"/>
+      </p:ext>
+    </p:extLst>
+  </p:cSld>
+  <p:clrMapOvr>
+    <a:masterClrMapping/>
+  </p:clrMapOvr>
+</p:notes>
+</file>
+
+<file path=ppt/notesSlides/notesSlide9.xml><?xml version="1.0" encoding="utf-8"?>
 <p:notes xmlns:a="http://schemas.openxmlformats.org/drawingml/2006/main" xmlns:r="http://schemas.openxmlformats.org/officeDocument/2006/relationships" xmlns:p="http://schemas.openxmlformats.org/presentationml/2006/main">
   <p:cSld>
     <p:spTree>
@@ -5081,11 +5156,7 @@
             </a:r>
             <a:r>
               <a:rPr lang="en-US" dirty="0" smtClean="0"/>
-              <a:t>Single Node </a:t>
-            </a:r>
-            <a:r>
-              <a:rPr lang="en-US" smtClean="0"/>
-              <a:t>Failure Scenario</a:t>
+              <a:t>Single Node Failure Scenario</a:t>
             </a:r>
             <a:endParaRPr lang="en-US" dirty="0"/>
           </a:p>
@@ -7889,7 +7960,7 @@
             </a:pPr>
             <a:r>
               <a:rPr lang="en-GB" dirty="0" smtClean="0"/>
-              <a:t>Determine Robustness of Randomly Generated Graphs</a:t>
+              <a:t>Evolution of cascading disaster spreading is studied in various small world networks</a:t>
             </a:r>
           </a:p>
           <a:p>
@@ -7898,9 +7969,15 @@
               <a:buChar char="Ø"/>
             </a:pPr>
             <a:r>
-              <a:rPr lang="en-GB" dirty="0" smtClean="0"/>
-              <a:t>Effect of simplification of model is also explored</a:t>
-            </a:r>
+              <a:rPr lang="en-GB" dirty="0"/>
+              <a:t>Determine Robustness of Social Networks</a:t>
+            </a:r>
+          </a:p>
+          <a:p>
+            <a:pPr>
+              <a:buFont typeface="Wingdings" panose="05000000000000000000" pitchFamily="2" charset="2"/>
+              <a:buChar char="Ø"/>
+            </a:pPr>
             <a:endParaRPr lang="en-GB" dirty="0"/>
           </a:p>
         </p:txBody>

--- a/presentation/disease_spreading_presentation.pptx
+++ b/presentation/disease_spreading_presentation.pptx
@@ -5,7 +5,7 @@
     <p:sldMasterId id="2147483660" r:id="rId1"/>
   </p:sldMasterIdLst>
   <p:notesMasterIdLst>
-    <p:notesMasterId r:id="rId18"/>
+    <p:notesMasterId r:id="rId17"/>
   </p:notesMasterIdLst>
   <p:sldIdLst>
     <p:sldId id="261" r:id="rId2"/>
@@ -15,15 +15,14 @@
     <p:sldId id="262" r:id="rId6"/>
     <p:sldId id="264" r:id="rId7"/>
     <p:sldId id="265" r:id="rId8"/>
-    <p:sldId id="266" r:id="rId9"/>
-    <p:sldId id="273" r:id="rId10"/>
-    <p:sldId id="267" r:id="rId11"/>
-    <p:sldId id="268" r:id="rId12"/>
-    <p:sldId id="272" r:id="rId13"/>
-    <p:sldId id="271" r:id="rId14"/>
-    <p:sldId id="270" r:id="rId15"/>
-    <p:sldId id="274" r:id="rId16"/>
-    <p:sldId id="277" r:id="rId17"/>
+    <p:sldId id="273" r:id="rId9"/>
+    <p:sldId id="267" r:id="rId10"/>
+    <p:sldId id="268" r:id="rId11"/>
+    <p:sldId id="272" r:id="rId12"/>
+    <p:sldId id="271" r:id="rId13"/>
+    <p:sldId id="270" r:id="rId14"/>
+    <p:sldId id="274" r:id="rId15"/>
+    <p:sldId id="277" r:id="rId16"/>
   </p:sldIdLst>
   <p:sldSz cx="9144000" cy="6858000" type="screen4x3"/>
   <p:notesSz cx="6858000" cy="9144000"/>
@@ -725,11 +724,7 @@
             </a:r>
             <a:r>
               <a:rPr lang="en-GB" baseline="0" dirty="0" smtClean="0"/>
-              <a:t> the evolution of cascading disaster spreading in various small </a:t>
-            </a:r>
-            <a:r>
-              <a:rPr lang="en-GB" baseline="0" smtClean="0"/>
-              <a:t>world networks.</a:t>
+              <a:t> the evolution of cascading disaster spreading in various small world networks.</a:t>
             </a:r>
             <a:endParaRPr lang="en-GB" dirty="0" smtClean="0"/>
           </a:p>
@@ -1274,102 +1269,6 @@
           <a:bodyPr/>
           <a:lstStyle/>
           <a:p>
-            <a:r>
-              <a:rPr lang="en-US" dirty="0" smtClean="0"/>
-              <a:t>We decided to take the execution hit in</a:t>
-            </a:r>
-            <a:r>
-              <a:rPr lang="en-US" baseline="0" dirty="0" smtClean="0"/>
-              <a:t> exchange to</a:t>
-            </a:r>
-            <a:r>
-              <a:rPr lang="en-US" dirty="0" smtClean="0"/>
-              <a:t> this convenience.</a:t>
-            </a:r>
-            <a:endParaRPr lang="en-US" dirty="0"/>
-          </a:p>
-        </p:txBody>
-      </p:sp>
-      <p:sp>
-        <p:nvSpPr>
-          <p:cNvPr id="4" name="Slide Number Placeholder 3"/>
-          <p:cNvSpPr>
-            <a:spLocks noGrp="1"/>
-          </p:cNvSpPr>
-          <p:nvPr>
-            <p:ph type="sldNum" sz="quarter" idx="10"/>
-          </p:nvPr>
-        </p:nvSpPr>
-        <p:spPr/>
-        <p:txBody>
-          <a:bodyPr/>
-          <a:lstStyle/>
-          <a:p>
-            <a:fld id="{0FE4AD66-8E5C-48F9-B0A6-E353D58EB762}" type="slidenum">
-              <a:rPr lang="en-US" smtClean="0"/>
-              <a:t>9</a:t>
-            </a:fld>
-            <a:endParaRPr lang="en-US"/>
-          </a:p>
-        </p:txBody>
-      </p:sp>
-    </p:spTree>
-    <p:extLst>
-      <p:ext uri="{BB962C8B-B14F-4D97-AF65-F5344CB8AC3E}">
-        <p14:creationId xmlns:p14="http://schemas.microsoft.com/office/powerpoint/2010/main" val="1208198564"/>
-      </p:ext>
-    </p:extLst>
-  </p:cSld>
-  <p:clrMapOvr>
-    <a:masterClrMapping/>
-  </p:clrMapOvr>
-</p:notes>
-</file>
-
-<file path=ppt/notesSlides/notesSlide9.xml><?xml version="1.0" encoding="utf-8"?>
-<p:notes xmlns:a="http://schemas.openxmlformats.org/drawingml/2006/main" xmlns:r="http://schemas.openxmlformats.org/officeDocument/2006/relationships" xmlns:p="http://schemas.openxmlformats.org/presentationml/2006/main">
-  <p:cSld>
-    <p:spTree>
-      <p:nvGrpSpPr>
-        <p:cNvPr id="1" name=""/>
-        <p:cNvGrpSpPr/>
-        <p:nvPr/>
-      </p:nvGrpSpPr>
-      <p:grpSpPr>
-        <a:xfrm>
-          <a:off x="0" y="0"/>
-          <a:ext cx="0" cy="0"/>
-          <a:chOff x="0" y="0"/>
-          <a:chExt cx="0" cy="0"/>
-        </a:xfrm>
-      </p:grpSpPr>
-      <p:sp>
-        <p:nvSpPr>
-          <p:cNvPr id="2" name="Slide Image Placeholder 1"/>
-          <p:cNvSpPr>
-            <a:spLocks noGrp="1" noRot="1" noChangeAspect="1"/>
-          </p:cNvSpPr>
-          <p:nvPr>
-            <p:ph type="sldImg"/>
-          </p:nvPr>
-        </p:nvSpPr>
-        <p:spPr/>
-      </p:sp>
-      <p:sp>
-        <p:nvSpPr>
-          <p:cNvPr id="3" name="Notes Placeholder 2"/>
-          <p:cNvSpPr>
-            <a:spLocks noGrp="1"/>
-          </p:cNvSpPr>
-          <p:nvPr>
-            <p:ph type="body" idx="1"/>
-          </p:nvPr>
-        </p:nvSpPr>
-        <p:spPr/>
-        <p:txBody>
-          <a:bodyPr/>
-          <a:lstStyle/>
-          <a:p>
             <a:pPr marL="0" marR="0" indent="0" algn="l" defTabSz="914400" rtl="0" eaLnBrk="1" fontAlgn="auto" latinLnBrk="0" hangingPunct="1">
               <a:lnSpc>
                 <a:spcPct val="100000"/>
@@ -1414,7 +1313,7 @@
           <a:p>
             <a:fld id="{0FE4AD66-8E5C-48F9-B0A6-E353D58EB762}" type="slidenum">
               <a:rPr lang="en-US" smtClean="0"/>
-              <a:t>15</a:t>
+              <a:t>14</a:t>
             </a:fld>
             <a:endParaRPr lang="en-US"/>
           </a:p>
@@ -5250,66 +5149,6 @@
           <a:p>
             <a:r>
               <a:rPr lang="en-US" dirty="0" smtClean="0"/>
-              <a:t>Results and their interpretations.</a:t>
-            </a:r>
-            <a:endParaRPr lang="en-US" dirty="0"/>
-          </a:p>
-        </p:txBody>
-      </p:sp>
-    </p:spTree>
-    <p:extLst>
-      <p:ext uri="{BB962C8B-B14F-4D97-AF65-F5344CB8AC3E}">
-        <p14:creationId xmlns:p14="http://schemas.microsoft.com/office/powerpoint/2010/main" val="2056232160"/>
-      </p:ext>
-    </p:extLst>
-  </p:cSld>
-  <p:clrMapOvr>
-    <a:masterClrMapping/>
-  </p:clrMapOvr>
-  <p:timing>
-    <p:tnLst>
-      <p:par>
-        <p:cTn id="1" dur="indefinite" restart="never" nodeType="tmRoot"/>
-      </p:par>
-    </p:tnLst>
-  </p:timing>
-</p:sld>
-</file>
-
-<file path=ppt/slides/slide11.xml><?xml version="1.0" encoding="utf-8"?>
-<p:sld xmlns:a="http://schemas.openxmlformats.org/drawingml/2006/main" xmlns:r="http://schemas.openxmlformats.org/officeDocument/2006/relationships" xmlns:p="http://schemas.openxmlformats.org/presentationml/2006/main">
-  <p:cSld>
-    <p:spTree>
-      <p:nvGrpSpPr>
-        <p:cNvPr id="1" name=""/>
-        <p:cNvGrpSpPr/>
-        <p:nvPr/>
-      </p:nvGrpSpPr>
-      <p:grpSpPr>
-        <a:xfrm>
-          <a:off x="0" y="0"/>
-          <a:ext cx="0" cy="0"/>
-          <a:chOff x="0" y="0"/>
-          <a:chExt cx="0" cy="0"/>
-        </a:xfrm>
-      </p:grpSpPr>
-      <p:sp>
-        <p:nvSpPr>
-          <p:cNvPr id="2" name="Title 1"/>
-          <p:cNvSpPr>
-            <a:spLocks noGrp="1"/>
-          </p:cNvSpPr>
-          <p:nvPr>
-            <p:ph type="title"/>
-          </p:nvPr>
-        </p:nvSpPr>
-        <p:spPr/>
-        <p:txBody>
-          <a:bodyPr/>
-          <a:lstStyle/>
-          <a:p>
-            <a:r>
-              <a:rPr lang="en-US" dirty="0" smtClean="0"/>
               <a:t>Small-world Networks</a:t>
             </a:r>
             <a:endParaRPr lang="en-US" dirty="0"/>
@@ -5487,7 +5326,7 @@
 </p:sld>
 </file>
 
-<file path=ppt/slides/slide12.xml><?xml version="1.0" encoding="utf-8"?>
+<file path=ppt/slides/slide11.xml><?xml version="1.0" encoding="utf-8"?>
 <p:sld xmlns:a="http://schemas.openxmlformats.org/drawingml/2006/main" xmlns:r="http://schemas.openxmlformats.org/officeDocument/2006/relationships" xmlns:p="http://schemas.openxmlformats.org/presentationml/2006/main">
   <p:cSld>
     <p:spTree>
@@ -5690,7 +5529,7 @@
 </p:sld>
 </file>
 
-<file path=ppt/slides/slide13.xml><?xml version="1.0" encoding="utf-8"?>
+<file path=ppt/slides/slide12.xml><?xml version="1.0" encoding="utf-8"?>
 <p:sld xmlns:a="http://schemas.openxmlformats.org/drawingml/2006/main" xmlns:r="http://schemas.openxmlformats.org/officeDocument/2006/relationships" xmlns:p="http://schemas.openxmlformats.org/presentationml/2006/main">
   <p:cSld>
     <p:spTree>
@@ -6129,6 +5968,215 @@
     <p:extLst>
       <p:ext uri="{BB962C8B-B14F-4D97-AF65-F5344CB8AC3E}">
         <p14:creationId xmlns:p14="http://schemas.microsoft.com/office/powerpoint/2010/main" val="696914910"/>
+      </p:ext>
+    </p:extLst>
+  </p:cSld>
+  <p:clrMapOvr>
+    <a:masterClrMapping/>
+  </p:clrMapOvr>
+  <p:timing>
+    <p:tnLst>
+      <p:par>
+        <p:cTn id="1" dur="indefinite" restart="never" nodeType="tmRoot"/>
+      </p:par>
+    </p:tnLst>
+  </p:timing>
+</p:sld>
+</file>
+
+<file path=ppt/slides/slide13.xml><?xml version="1.0" encoding="utf-8"?>
+<p:sld xmlns:a="http://schemas.openxmlformats.org/drawingml/2006/main" xmlns:r="http://schemas.openxmlformats.org/officeDocument/2006/relationships" xmlns:p="http://schemas.openxmlformats.org/presentationml/2006/main">
+  <p:cSld>
+    <p:spTree>
+      <p:nvGrpSpPr>
+        <p:cNvPr id="1" name=""/>
+        <p:cNvGrpSpPr/>
+        <p:nvPr/>
+      </p:nvGrpSpPr>
+      <p:grpSpPr>
+        <a:xfrm>
+          <a:off x="0" y="0"/>
+          <a:ext cx="0" cy="0"/>
+          <a:chOff x="0" y="0"/>
+          <a:chExt cx="0" cy="0"/>
+        </a:xfrm>
+      </p:grpSpPr>
+      <p:sp>
+        <p:nvSpPr>
+          <p:cNvPr id="2" name="Title 1"/>
+          <p:cNvSpPr>
+            <a:spLocks noGrp="1"/>
+          </p:cNvSpPr>
+          <p:nvPr>
+            <p:ph type="title"/>
+          </p:nvPr>
+        </p:nvSpPr>
+        <p:spPr/>
+        <p:txBody>
+          <a:bodyPr/>
+          <a:lstStyle/>
+          <a:p>
+            <a:r>
+              <a:rPr lang="en-US" dirty="0" smtClean="0"/>
+              <a:t>Robustness Metric</a:t>
+            </a:r>
+            <a:endParaRPr lang="en-US" dirty="0"/>
+          </a:p>
+        </p:txBody>
+      </p:sp>
+      <p:pic>
+        <p:nvPicPr>
+          <p:cNvPr id="5" name="Content Placeholder 4" descr="robustness.png"/>
+          <p:cNvPicPr>
+            <a:picLocks noGrp="1" noChangeAspect="1"/>
+          </p:cNvPicPr>
+          <p:nvPr>
+            <p:ph idx="1"/>
+          </p:nvPr>
+        </p:nvPicPr>
+        <p:blipFill rotWithShape="1">
+          <a:blip r:embed="rId2">
+            <a:extLst>
+              <a:ext uri="{28A0092B-C50C-407E-A947-70E740481C1C}">
+                <a14:useLocalDpi xmlns:a14="http://schemas.microsoft.com/office/drawing/2010/main" val="0"/>
+              </a:ext>
+            </a:extLst>
+          </a:blip>
+          <a:srcRect l="1" r="-2954"/>
+          <a:stretch/>
+        </p:blipFill>
+        <p:spPr>
+          <a:xfrm>
+            <a:off x="674513" y="1737361"/>
+            <a:ext cx="5033434" cy="4023360"/>
+          </a:xfrm>
+        </p:spPr>
+      </p:pic>
+      <p:sp>
+        <p:nvSpPr>
+          <p:cNvPr id="7" name="TextBox 6"/>
+          <p:cNvSpPr txBox="1"/>
+          <p:nvPr/>
+        </p:nvSpPr>
+        <p:spPr>
+          <a:xfrm>
+            <a:off x="5727680" y="1818377"/>
+            <a:ext cx="3416320" cy="3970318"/>
+          </a:xfrm>
+          <a:prstGeom prst="rect">
+            <a:avLst/>
+          </a:prstGeom>
+          <a:noFill/>
+        </p:spPr>
+        <p:txBody>
+          <a:bodyPr wrap="none" rtlCol="0">
+            <a:spAutoFit/>
+          </a:bodyPr>
+          <a:lstStyle/>
+          <a:p>
+            <a:pPr>
+              <a:buFont typeface="Wingdings" panose="05000000000000000000" pitchFamily="2" charset="2"/>
+              <a:buChar char="Ø"/>
+            </a:pPr>
+            <a:r>
+              <a:rPr lang="en-US" dirty="0" smtClean="0"/>
+              <a:t>This plot quantifies the </a:t>
+            </a:r>
+            <a:br>
+              <a:rPr lang="en-US" dirty="0" smtClean="0"/>
+            </a:br>
+            <a:r>
+              <a:rPr lang="en-US" dirty="0" smtClean="0"/>
+              <a:t>final robustness metric of network</a:t>
+            </a:r>
+            <a:br>
+              <a:rPr lang="en-US" dirty="0" smtClean="0"/>
+            </a:br>
+            <a:endParaRPr lang="en-US" dirty="0"/>
+          </a:p>
+          <a:p>
+            <a:pPr>
+              <a:buFont typeface="Wingdings" panose="05000000000000000000" pitchFamily="2" charset="2"/>
+              <a:buChar char="Ø"/>
+            </a:pPr>
+            <a:r>
+              <a:rPr lang="en-US" dirty="0" smtClean="0"/>
+              <a:t>It is defined as the average </a:t>
+            </a:r>
+            <a:br>
+              <a:rPr lang="en-US" dirty="0" smtClean="0"/>
+            </a:br>
+            <a:r>
+              <a:rPr lang="en-US" dirty="0" smtClean="0"/>
+              <a:t>of ‘average node health’</a:t>
+            </a:r>
+            <a:br>
+              <a:rPr lang="en-US" dirty="0" smtClean="0"/>
+            </a:br>
+            <a:endParaRPr lang="en-US" dirty="0"/>
+          </a:p>
+          <a:p>
+            <a:pPr>
+              <a:buFont typeface="Wingdings" panose="05000000000000000000" pitchFamily="2" charset="2"/>
+              <a:buChar char="Ø"/>
+            </a:pPr>
+            <a:r>
+              <a:rPr lang="en-US" dirty="0" smtClean="0"/>
+              <a:t>The network with beta=0 is the</a:t>
+            </a:r>
+            <a:br>
+              <a:rPr lang="en-US" dirty="0" smtClean="0"/>
+            </a:br>
+            <a:r>
+              <a:rPr lang="en-US" dirty="0" smtClean="0"/>
+              <a:t>least robust, while beta=1 is </a:t>
+            </a:r>
+            <a:br>
+              <a:rPr lang="en-US" dirty="0" smtClean="0"/>
+            </a:br>
+            <a:r>
+              <a:rPr lang="en-US" dirty="0" smtClean="0"/>
+              <a:t>the most robust; long range</a:t>
+            </a:r>
+            <a:br>
+              <a:rPr lang="en-US" dirty="0" smtClean="0"/>
+            </a:br>
+            <a:r>
+              <a:rPr lang="en-US" dirty="0" smtClean="0"/>
+              <a:t>interaction taking place</a:t>
+            </a:r>
+            <a:br>
+              <a:rPr lang="en-US" dirty="0" smtClean="0"/>
+            </a:br>
+            <a:endParaRPr lang="en-US" dirty="0"/>
+          </a:p>
+          <a:p>
+            <a:r>
+              <a:rPr lang="en-US" dirty="0"/>
+              <a:t/>
+            </a:r>
+            <a:br>
+              <a:rPr lang="en-US" dirty="0"/>
+            </a:br>
+            <a:endParaRPr lang="en-US" dirty="0"/>
+          </a:p>
+          <a:p>
+            <a:pPr>
+              <a:buFont typeface="Wingdings" panose="05000000000000000000" pitchFamily="2" charset="2"/>
+              <a:buChar char="Ø"/>
+            </a:pPr>
+            <a:endParaRPr lang="en-US" dirty="0">
+              <a:solidFill>
+                <a:srgbClr val="00B050"/>
+              </a:solidFill>
+            </a:endParaRPr>
+          </a:p>
+        </p:txBody>
+      </p:sp>
+    </p:spTree>
+    <p:extLst>
+      <p:ext uri="{BB962C8B-B14F-4D97-AF65-F5344CB8AC3E}">
+        <p14:creationId xmlns:p14="http://schemas.microsoft.com/office/powerpoint/2010/main" val="602921650"/>
       </p:ext>
     </p:extLst>
   </p:cSld>
@@ -6179,215 +6227,6 @@
           <a:p>
             <a:r>
               <a:rPr lang="en-US" dirty="0" smtClean="0"/>
-              <a:t>Robustness Metric</a:t>
-            </a:r>
-            <a:endParaRPr lang="en-US" dirty="0"/>
-          </a:p>
-        </p:txBody>
-      </p:sp>
-      <p:pic>
-        <p:nvPicPr>
-          <p:cNvPr id="5" name="Content Placeholder 4" descr="robustness.png"/>
-          <p:cNvPicPr>
-            <a:picLocks noGrp="1" noChangeAspect="1"/>
-          </p:cNvPicPr>
-          <p:nvPr>
-            <p:ph idx="1"/>
-          </p:nvPr>
-        </p:nvPicPr>
-        <p:blipFill rotWithShape="1">
-          <a:blip r:embed="rId2">
-            <a:extLst>
-              <a:ext uri="{28A0092B-C50C-407E-A947-70E740481C1C}">
-                <a14:useLocalDpi xmlns:a14="http://schemas.microsoft.com/office/drawing/2010/main" val="0"/>
-              </a:ext>
-            </a:extLst>
-          </a:blip>
-          <a:srcRect l="1" r="-2954"/>
-          <a:stretch/>
-        </p:blipFill>
-        <p:spPr>
-          <a:xfrm>
-            <a:off x="674513" y="1737361"/>
-            <a:ext cx="5033434" cy="4023360"/>
-          </a:xfrm>
-        </p:spPr>
-      </p:pic>
-      <p:sp>
-        <p:nvSpPr>
-          <p:cNvPr id="7" name="TextBox 6"/>
-          <p:cNvSpPr txBox="1"/>
-          <p:nvPr/>
-        </p:nvSpPr>
-        <p:spPr>
-          <a:xfrm>
-            <a:off x="5727680" y="1818377"/>
-            <a:ext cx="3416320" cy="3970318"/>
-          </a:xfrm>
-          <a:prstGeom prst="rect">
-            <a:avLst/>
-          </a:prstGeom>
-          <a:noFill/>
-        </p:spPr>
-        <p:txBody>
-          <a:bodyPr wrap="none" rtlCol="0">
-            <a:spAutoFit/>
-          </a:bodyPr>
-          <a:lstStyle/>
-          <a:p>
-            <a:pPr>
-              <a:buFont typeface="Wingdings" panose="05000000000000000000" pitchFamily="2" charset="2"/>
-              <a:buChar char="Ø"/>
-            </a:pPr>
-            <a:r>
-              <a:rPr lang="en-US" dirty="0" smtClean="0"/>
-              <a:t>This plot quantifies the </a:t>
-            </a:r>
-            <a:br>
-              <a:rPr lang="en-US" dirty="0" smtClean="0"/>
-            </a:br>
-            <a:r>
-              <a:rPr lang="en-US" dirty="0" smtClean="0"/>
-              <a:t>final robustness metric of network</a:t>
-            </a:r>
-            <a:br>
-              <a:rPr lang="en-US" dirty="0" smtClean="0"/>
-            </a:br>
-            <a:endParaRPr lang="en-US" dirty="0"/>
-          </a:p>
-          <a:p>
-            <a:pPr>
-              <a:buFont typeface="Wingdings" panose="05000000000000000000" pitchFamily="2" charset="2"/>
-              <a:buChar char="Ø"/>
-            </a:pPr>
-            <a:r>
-              <a:rPr lang="en-US" dirty="0" smtClean="0"/>
-              <a:t>It is defined as the average </a:t>
-            </a:r>
-            <a:br>
-              <a:rPr lang="en-US" dirty="0" smtClean="0"/>
-            </a:br>
-            <a:r>
-              <a:rPr lang="en-US" dirty="0" smtClean="0"/>
-              <a:t>of ‘average node health’</a:t>
-            </a:r>
-            <a:br>
-              <a:rPr lang="en-US" dirty="0" smtClean="0"/>
-            </a:br>
-            <a:endParaRPr lang="en-US" dirty="0"/>
-          </a:p>
-          <a:p>
-            <a:pPr>
-              <a:buFont typeface="Wingdings" panose="05000000000000000000" pitchFamily="2" charset="2"/>
-              <a:buChar char="Ø"/>
-            </a:pPr>
-            <a:r>
-              <a:rPr lang="en-US" dirty="0" smtClean="0"/>
-              <a:t>The network with beta=0 is the</a:t>
-            </a:r>
-            <a:br>
-              <a:rPr lang="en-US" dirty="0" smtClean="0"/>
-            </a:br>
-            <a:r>
-              <a:rPr lang="en-US" dirty="0" smtClean="0"/>
-              <a:t>least robust, while beta=1 is </a:t>
-            </a:r>
-            <a:br>
-              <a:rPr lang="en-US" dirty="0" smtClean="0"/>
-            </a:br>
-            <a:r>
-              <a:rPr lang="en-US" dirty="0" smtClean="0"/>
-              <a:t>the most robust; long range</a:t>
-            </a:r>
-            <a:br>
-              <a:rPr lang="en-US" dirty="0" smtClean="0"/>
-            </a:br>
-            <a:r>
-              <a:rPr lang="en-US" dirty="0" smtClean="0"/>
-              <a:t>interaction taking place</a:t>
-            </a:r>
-            <a:br>
-              <a:rPr lang="en-US" dirty="0" smtClean="0"/>
-            </a:br>
-            <a:endParaRPr lang="en-US" dirty="0"/>
-          </a:p>
-          <a:p>
-            <a:r>
-              <a:rPr lang="en-US" dirty="0"/>
-              <a:t/>
-            </a:r>
-            <a:br>
-              <a:rPr lang="en-US" dirty="0"/>
-            </a:br>
-            <a:endParaRPr lang="en-US" dirty="0"/>
-          </a:p>
-          <a:p>
-            <a:pPr>
-              <a:buFont typeface="Wingdings" panose="05000000000000000000" pitchFamily="2" charset="2"/>
-              <a:buChar char="Ø"/>
-            </a:pPr>
-            <a:endParaRPr lang="en-US" dirty="0">
-              <a:solidFill>
-                <a:srgbClr val="00B050"/>
-              </a:solidFill>
-            </a:endParaRPr>
-          </a:p>
-        </p:txBody>
-      </p:sp>
-    </p:spTree>
-    <p:extLst>
-      <p:ext uri="{BB962C8B-B14F-4D97-AF65-F5344CB8AC3E}">
-        <p14:creationId xmlns:p14="http://schemas.microsoft.com/office/powerpoint/2010/main" val="602921650"/>
-      </p:ext>
-    </p:extLst>
-  </p:cSld>
-  <p:clrMapOvr>
-    <a:masterClrMapping/>
-  </p:clrMapOvr>
-  <p:timing>
-    <p:tnLst>
-      <p:par>
-        <p:cTn id="1" dur="indefinite" restart="never" nodeType="tmRoot"/>
-      </p:par>
-    </p:tnLst>
-  </p:timing>
-</p:sld>
-</file>
-
-<file path=ppt/slides/slide15.xml><?xml version="1.0" encoding="utf-8"?>
-<p:sld xmlns:a="http://schemas.openxmlformats.org/drawingml/2006/main" xmlns:r="http://schemas.openxmlformats.org/officeDocument/2006/relationships" xmlns:p="http://schemas.openxmlformats.org/presentationml/2006/main">
-  <p:cSld>
-    <p:spTree>
-      <p:nvGrpSpPr>
-        <p:cNvPr id="1" name=""/>
-        <p:cNvGrpSpPr/>
-        <p:nvPr/>
-      </p:nvGrpSpPr>
-      <p:grpSpPr>
-        <a:xfrm>
-          <a:off x="0" y="0"/>
-          <a:ext cx="0" cy="0"/>
-          <a:chOff x="0" y="0"/>
-          <a:chExt cx="0" cy="0"/>
-        </a:xfrm>
-      </p:grpSpPr>
-      <p:sp>
-        <p:nvSpPr>
-          <p:cNvPr id="2" name="Title 1"/>
-          <p:cNvSpPr>
-            <a:spLocks noGrp="1"/>
-          </p:cNvSpPr>
-          <p:nvPr>
-            <p:ph type="title"/>
-          </p:nvPr>
-        </p:nvSpPr>
-        <p:spPr/>
-        <p:txBody>
-          <a:bodyPr/>
-          <a:lstStyle/>
-          <a:p>
-            <a:r>
-              <a:rPr lang="en-US" dirty="0" smtClean="0"/>
               <a:t>Conclusion</a:t>
             </a:r>
             <a:endParaRPr lang="en-US" dirty="0"/>
@@ -6500,7 +6339,7 @@
 </p:sld>
 </file>
 
-<file path=ppt/slides/slide16.xml><?xml version="1.0" encoding="utf-8"?>
+<file path=ppt/slides/slide15.xml><?xml version="1.0" encoding="utf-8"?>
 <p:sld xmlns:a="http://schemas.openxmlformats.org/drawingml/2006/main" xmlns:r="http://schemas.openxmlformats.org/officeDocument/2006/relationships" xmlns:p="http://schemas.openxmlformats.org/presentationml/2006/main">
   <p:cSld>
     <p:spTree>
@@ -10238,875 +10077,6 @@
 </file>
 
 <file path=ppt/slides/slide8.xml><?xml version="1.0" encoding="utf-8"?>
-<p:sld xmlns:a="http://schemas.openxmlformats.org/drawingml/2006/main" xmlns:r="http://schemas.openxmlformats.org/officeDocument/2006/relationships" xmlns:p="http://schemas.openxmlformats.org/presentationml/2006/main">
-  <p:cSld>
-    <p:spTree>
-      <p:nvGrpSpPr>
-        <p:cNvPr id="1" name=""/>
-        <p:cNvGrpSpPr/>
-        <p:nvPr/>
-      </p:nvGrpSpPr>
-      <p:grpSpPr>
-        <a:xfrm>
-          <a:off x="0" y="0"/>
-          <a:ext cx="0" cy="0"/>
-          <a:chOff x="0" y="0"/>
-          <a:chExt cx="0" cy="0"/>
-        </a:xfrm>
-      </p:grpSpPr>
-      <p:sp>
-        <p:nvSpPr>
-          <p:cNvPr id="2" name="Title 1"/>
-          <p:cNvSpPr>
-            <a:spLocks noGrp="1"/>
-          </p:cNvSpPr>
-          <p:nvPr>
-            <p:ph type="title"/>
-          </p:nvPr>
-        </p:nvSpPr>
-        <p:spPr/>
-        <p:txBody>
-          <a:bodyPr/>
-          <a:lstStyle/>
-          <a:p>
-            <a:r>
-              <a:rPr lang="en-US" dirty="0" smtClean="0"/>
-              <a:t>Implementation</a:t>
-            </a:r>
-            <a:endParaRPr lang="en-US" dirty="0"/>
-          </a:p>
-        </p:txBody>
-      </p:sp>
-      <mc:AlternateContent xmlns:mc="http://schemas.openxmlformats.org/markup-compatibility/2006" xmlns:a14="http://schemas.microsoft.com/office/drawing/2010/main">
-        <mc:Choice Requires="a14">
-          <p:sp>
-            <p:nvSpPr>
-              <p:cNvPr id="3" name="Content Placeholder 2"/>
-              <p:cNvSpPr>
-                <a:spLocks noGrp="1"/>
-              </p:cNvSpPr>
-              <p:nvPr>
-                <p:ph idx="1"/>
-              </p:nvPr>
-            </p:nvSpPr>
-            <p:spPr/>
-            <p:txBody>
-              <a:bodyPr>
-                <a:normAutofit fontScale="92500" lnSpcReduction="10000"/>
-              </a:bodyPr>
-              <a:lstStyle/>
-              <a:p>
-                <a:pPr>
-                  <a:buFont typeface="Wingdings" panose="05000000000000000000" pitchFamily="2" charset="2"/>
-                  <a:buChar char="Ø"/>
-                </a:pPr>
-                <a:r>
-                  <a:rPr lang="en-US" dirty="0" smtClean="0"/>
-                  <a:t>Two parts</a:t>
-                </a:r>
-              </a:p>
-              <a:p>
-                <a:pPr lvl="1">
-                  <a:buFont typeface="Wingdings" panose="05000000000000000000" pitchFamily="2" charset="2"/>
-                  <a:buChar char="Ø"/>
-                </a:pPr>
-                <a:r>
-                  <a:rPr lang="en-US" dirty="0" smtClean="0"/>
-                  <a:t>Specific to one individual in the group</a:t>
-                </a:r>
-              </a:p>
-              <a:p>
-                <a:pPr lvl="2">
-                  <a:buFont typeface="Wingdings" panose="05000000000000000000" pitchFamily="2" charset="2"/>
-                  <a:buChar char="Ø"/>
-                </a:pPr>
-                <a:endParaRPr lang="en-US" sz="2000" dirty="0" smtClean="0"/>
-              </a:p>
-              <a:p>
-                <a:pPr lvl="1">
-                  <a:buFont typeface="Wingdings" panose="05000000000000000000" pitchFamily="2" charset="2"/>
-                  <a:buChar char="Ø"/>
-                </a:pPr>
-                <a:r>
-                  <a:rPr lang="en-US" dirty="0" smtClean="0"/>
-                  <a:t>Disturbance from neighbors </a:t>
-                </a:r>
-              </a:p>
-              <a:p>
-                <a:pPr lvl="2">
-                  <a:buFont typeface="Wingdings" panose="05000000000000000000" pitchFamily="2" charset="2"/>
-                  <a:buChar char="Ø"/>
-                </a:pPr>
-                <a:endParaRPr lang="en-US" dirty="0" smtClean="0"/>
-              </a:p>
-              <a:p>
-                <a:pPr lvl="2">
-                  <a:buFont typeface="Wingdings" panose="05000000000000000000" pitchFamily="2" charset="2"/>
-                  <a:buChar char="Ø"/>
-                </a:pPr>
-                <a:r>
-                  <a:rPr lang="en-US" dirty="0" smtClean="0"/>
-                  <a:t> function is just a numerical convenience</a:t>
-                </a:r>
-              </a:p>
-              <a:p>
-                <a:pPr>
-                  <a:buFont typeface="Wingdings" panose="05000000000000000000" pitchFamily="2" charset="2"/>
-                  <a:buChar char="Ø"/>
-                </a:pPr>
-                <a:r>
-                  <a:rPr lang="en-US" dirty="0" smtClean="0"/>
-                  <a:t>Modular implementation</a:t>
-                </a:r>
-              </a:p>
-              <a:p>
-                <a:pPr lvl="1">
-                  <a:buFont typeface="Wingdings" panose="05000000000000000000" pitchFamily="2" charset="2"/>
-                  <a:buChar char="Ø"/>
-                </a:pPr>
-                <a:r>
-                  <a:rPr lang="en-US" dirty="0" smtClean="0"/>
-                  <a:t>Nodes simulate individual</a:t>
-                </a:r>
-              </a:p>
-              <a:p>
-                <a:pPr lvl="1">
-                  <a:buFont typeface="Wingdings" panose="05000000000000000000" pitchFamily="2" charset="2"/>
-                  <a:buChar char="Ø"/>
-                </a:pPr>
-                <a:r>
-                  <a:rPr lang="en-US" dirty="0" smtClean="0"/>
-                  <a:t>Network simulates interactions</a:t>
-                </a:r>
-              </a:p>
-              <a:p>
-                <a:pPr>
-                  <a:buFont typeface="Wingdings" panose="05000000000000000000" pitchFamily="2" charset="2"/>
-                  <a:buChar char="Ø"/>
-                </a:pPr>
-                <a:r>
-                  <a:rPr lang="en-US" dirty="0" smtClean="0"/>
-                  <a:t>Behavior of individual can be changed without effecting rest of the code</a:t>
-                </a:r>
-              </a:p>
-              <a:p>
-                <a:pPr>
-                  <a:buFont typeface="Wingdings" panose="05000000000000000000" pitchFamily="2" charset="2"/>
-                  <a:buChar char="Ø"/>
-                </a:pPr>
-                <a:r>
-                  <a:rPr lang="en-US" dirty="0" smtClean="0"/>
-                  <a:t>Properties of interaction can be specified separately for each connection</a:t>
-                </a:r>
-              </a:p>
-              <a:p>
-                <a:pPr lvl="1">
-                  <a:buFont typeface="Wingdings" panose="05000000000000000000" pitchFamily="2" charset="2"/>
-                  <a:buChar char="Ø"/>
-                </a:pPr>
-                <a:r>
-                  <a:rPr lang="en-US" dirty="0" smtClean="0"/>
-                  <a:t>Reusability.</a:t>
-                </a:r>
-              </a:p>
-            </p:txBody>
-          </p:sp>
-        </mc:Choice>
-        <mc:Fallback xmlns="">
-          <p:sp>
-            <p:nvSpPr>
-              <p:cNvPr id="3" name="Content Placeholder 2"/>
-              <p:cNvSpPr>
-                <a:spLocks noGrp="1" noRot="1" noChangeAspect="1" noMove="1" noResize="1" noEditPoints="1" noAdjustHandles="1" noChangeArrowheads="1" noChangeShapeType="1" noTextEdit="1"/>
-              </p:cNvSpPr>
-              <p:nvPr>
-                <p:ph idx="1"/>
-              </p:nvPr>
-            </p:nvSpPr>
-            <p:spPr>
-              <a:blipFill rotWithShape="0">
-                <a:blip r:embed="rId3"/>
-                <a:stretch>
-                  <a:fillRect l="-1777" t="-1970" b="-758"/>
-                </a:stretch>
-              </a:blipFill>
-            </p:spPr>
-            <p:txBody>
-              <a:bodyPr/>
-              <a:lstStyle/>
-              <a:p>
-                <a:r>
-                  <a:rPr lang="en-US">
-                    <a:noFill/>
-                  </a:rPr>
-                  <a:t> </a:t>
-                </a:r>
-              </a:p>
-            </p:txBody>
-          </p:sp>
-        </mc:Fallback>
-      </mc:AlternateContent>
-    </p:spTree>
-    <p:extLst>
-      <p:ext uri="{BB962C8B-B14F-4D97-AF65-F5344CB8AC3E}">
-        <p14:creationId xmlns:p14="http://schemas.microsoft.com/office/powerpoint/2010/main" val="2313981543"/>
-      </p:ext>
-    </p:extLst>
-  </p:cSld>
-  <p:clrMapOvr>
-    <a:masterClrMapping/>
-  </p:clrMapOvr>
-  <p:timing>
-    <p:tnLst>
-      <p:par>
-        <p:cTn id="1" dur="indefinite" restart="never" nodeType="tmRoot">
-          <p:childTnLst>
-            <p:seq concurrent="1" nextAc="seek">
-              <p:cTn id="2" dur="indefinite" nodeType="mainSeq">
-                <p:childTnLst>
-                  <p:par>
-                    <p:cTn id="3" fill="hold">
-                      <p:stCondLst>
-                        <p:cond delay="indefinite"/>
-                      </p:stCondLst>
-                      <p:childTnLst>
-                        <p:par>
-                          <p:cTn id="4" fill="hold">
-                            <p:stCondLst>
-                              <p:cond delay="0"/>
-                            </p:stCondLst>
-                            <p:childTnLst>
-                              <p:par>
-                                <p:cTn id="5" presetID="10" presetClass="entr" presetSubtype="0" fill="hold" nodeType="clickEffect">
-                                  <p:stCondLst>
-                                    <p:cond delay="0"/>
-                                  </p:stCondLst>
-                                  <p:childTnLst>
-                                    <p:set>
-                                      <p:cBhvr>
-                                        <p:cTn id="6" dur="1" fill="hold">
-                                          <p:stCondLst>
-                                            <p:cond delay="0"/>
-                                          </p:stCondLst>
-                                        </p:cTn>
-                                        <p:tgtEl>
-                                          <p:spTgt spid="3">
-                                            <p:txEl>
-                                              <p:pRg st="1" end="1"/>
-                                            </p:txEl>
-                                          </p:spTgt>
-                                        </p:tgtEl>
-                                        <p:attrNameLst>
-                                          <p:attrName>style.visibility</p:attrName>
-                                        </p:attrNameLst>
-                                      </p:cBhvr>
-                                      <p:to>
-                                        <p:strVal val="visible"/>
-                                      </p:to>
-                                    </p:set>
-                                    <p:animEffect transition="in" filter="fade">
-                                      <p:cBhvr>
-                                        <p:cTn id="7" dur="500"/>
-                                        <p:tgtEl>
-                                          <p:spTgt spid="3">
-                                            <p:txEl>
-                                              <p:pRg st="1" end="1"/>
-                                            </p:txEl>
-                                          </p:spTgt>
-                                        </p:tgtEl>
-                                      </p:cBhvr>
-                                    </p:animEffect>
-                                  </p:childTnLst>
-                                </p:cTn>
-                              </p:par>
-                              <p:par>
-                                <p:cTn id="8" presetID="10" presetClass="entr" presetSubtype="0" fill="hold" nodeType="withEffect">
-                                  <p:stCondLst>
-                                    <p:cond delay="0"/>
-                                  </p:stCondLst>
-                                  <p:childTnLst>
-                                    <p:set>
-                                      <p:cBhvr>
-                                        <p:cTn id="9" dur="1" fill="hold">
-                                          <p:stCondLst>
-                                            <p:cond delay="0"/>
-                                          </p:stCondLst>
-                                        </p:cTn>
-                                        <p:tgtEl>
-                                          <p:spTgt spid="3">
-                                            <p:txEl>
-                                              <p:pRg st="2" end="2"/>
-                                            </p:txEl>
-                                          </p:spTgt>
-                                        </p:tgtEl>
-                                        <p:attrNameLst>
-                                          <p:attrName>style.visibility</p:attrName>
-                                        </p:attrNameLst>
-                                      </p:cBhvr>
-                                      <p:to>
-                                        <p:strVal val="visible"/>
-                                      </p:to>
-                                    </p:set>
-                                    <p:animEffect transition="in" filter="fade">
-                                      <p:cBhvr>
-                                        <p:cTn id="10" dur="500"/>
-                                        <p:tgtEl>
-                                          <p:spTgt spid="3">
-                                            <p:txEl>
-                                              <p:pRg st="2" end="2"/>
-                                            </p:txEl>
-                                          </p:spTgt>
-                                        </p:tgtEl>
-                                      </p:cBhvr>
-                                    </p:animEffect>
-                                  </p:childTnLst>
-                                </p:cTn>
-                              </p:par>
-                            </p:childTnLst>
-                          </p:cTn>
-                        </p:par>
-                      </p:childTnLst>
-                    </p:cTn>
-                  </p:par>
-                  <p:par>
-                    <p:cTn id="11" fill="hold">
-                      <p:stCondLst>
-                        <p:cond delay="indefinite"/>
-                      </p:stCondLst>
-                      <p:childTnLst>
-                        <p:par>
-                          <p:cTn id="12" fill="hold">
-                            <p:stCondLst>
-                              <p:cond delay="0"/>
-                            </p:stCondLst>
-                            <p:childTnLst>
-                              <p:par>
-                                <p:cTn id="13" presetID="10" presetClass="entr" presetSubtype="0" fill="hold" nodeType="clickEffect">
-                                  <p:stCondLst>
-                                    <p:cond delay="0"/>
-                                  </p:stCondLst>
-                                  <p:childTnLst>
-                                    <p:set>
-                                      <p:cBhvr>
-                                        <p:cTn id="14" dur="1" fill="hold">
-                                          <p:stCondLst>
-                                            <p:cond delay="0"/>
-                                          </p:stCondLst>
-                                        </p:cTn>
-                                        <p:tgtEl>
-                                          <p:spTgt spid="3">
-                                            <p:txEl>
-                                              <p:pRg st="3" end="3"/>
-                                            </p:txEl>
-                                          </p:spTgt>
-                                        </p:tgtEl>
-                                        <p:attrNameLst>
-                                          <p:attrName>style.visibility</p:attrName>
-                                        </p:attrNameLst>
-                                      </p:cBhvr>
-                                      <p:to>
-                                        <p:strVal val="visible"/>
-                                      </p:to>
-                                    </p:set>
-                                    <p:animEffect transition="in" filter="fade">
-                                      <p:cBhvr>
-                                        <p:cTn id="15" dur="500"/>
-                                        <p:tgtEl>
-                                          <p:spTgt spid="3">
-                                            <p:txEl>
-                                              <p:pRg st="3" end="3"/>
-                                            </p:txEl>
-                                          </p:spTgt>
-                                        </p:tgtEl>
-                                      </p:cBhvr>
-                                    </p:animEffect>
-                                  </p:childTnLst>
-                                </p:cTn>
-                              </p:par>
-                              <p:par>
-                                <p:cTn id="16" presetID="10" presetClass="entr" presetSubtype="0" fill="hold" nodeType="withEffect">
-                                  <p:stCondLst>
-                                    <p:cond delay="0"/>
-                                  </p:stCondLst>
-                                  <p:childTnLst>
-                                    <p:set>
-                                      <p:cBhvr>
-                                        <p:cTn id="17" dur="1" fill="hold">
-                                          <p:stCondLst>
-                                            <p:cond delay="0"/>
-                                          </p:stCondLst>
-                                        </p:cTn>
-                                        <p:tgtEl>
-                                          <p:spTgt spid="3">
-                                            <p:txEl>
-                                              <p:pRg st="4" end="4"/>
-                                            </p:txEl>
-                                          </p:spTgt>
-                                        </p:tgtEl>
-                                        <p:attrNameLst>
-                                          <p:attrName>style.visibility</p:attrName>
-                                        </p:attrNameLst>
-                                      </p:cBhvr>
-                                      <p:to>
-                                        <p:strVal val="visible"/>
-                                      </p:to>
-                                    </p:set>
-                                    <p:animEffect transition="in" filter="fade">
-                                      <p:cBhvr>
-                                        <p:cTn id="18" dur="500"/>
-                                        <p:tgtEl>
-                                          <p:spTgt spid="3">
-                                            <p:txEl>
-                                              <p:pRg st="4" end="4"/>
-                                            </p:txEl>
-                                          </p:spTgt>
-                                        </p:tgtEl>
-                                      </p:cBhvr>
-                                    </p:animEffect>
-                                  </p:childTnLst>
-                                </p:cTn>
-                              </p:par>
-                            </p:childTnLst>
-                          </p:cTn>
-                        </p:par>
-                      </p:childTnLst>
-                    </p:cTn>
-                  </p:par>
-                  <p:par>
-                    <p:cTn id="19" fill="hold">
-                      <p:stCondLst>
-                        <p:cond delay="indefinite"/>
-                      </p:stCondLst>
-                      <p:childTnLst>
-                        <p:par>
-                          <p:cTn id="20" fill="hold">
-                            <p:stCondLst>
-                              <p:cond delay="0"/>
-                            </p:stCondLst>
-                            <p:childTnLst>
-                              <p:par>
-                                <p:cTn id="21" presetID="10" presetClass="entr" presetSubtype="0" fill="hold" nodeType="clickEffect">
-                                  <p:stCondLst>
-                                    <p:cond delay="0"/>
-                                  </p:stCondLst>
-                                  <p:childTnLst>
-                                    <p:set>
-                                      <p:cBhvr>
-                                        <p:cTn id="22" dur="1" fill="hold">
-                                          <p:stCondLst>
-                                            <p:cond delay="0"/>
-                                          </p:stCondLst>
-                                        </p:cTn>
-                                        <p:tgtEl>
-                                          <p:spTgt spid="3">
-                                            <p:txEl>
-                                              <p:pRg st="5" end="5"/>
-                                            </p:txEl>
-                                          </p:spTgt>
-                                        </p:tgtEl>
-                                        <p:attrNameLst>
-                                          <p:attrName>style.visibility</p:attrName>
-                                        </p:attrNameLst>
-                                      </p:cBhvr>
-                                      <p:to>
-                                        <p:strVal val="visible"/>
-                                      </p:to>
-                                    </p:set>
-                                    <p:animEffect transition="in" filter="fade">
-                                      <p:cBhvr>
-                                        <p:cTn id="23" dur="500"/>
-                                        <p:tgtEl>
-                                          <p:spTgt spid="3">
-                                            <p:txEl>
-                                              <p:pRg st="5" end="5"/>
-                                            </p:txEl>
-                                          </p:spTgt>
-                                        </p:tgtEl>
-                                      </p:cBhvr>
-                                    </p:animEffect>
-                                  </p:childTnLst>
-                                </p:cTn>
-                              </p:par>
-                            </p:childTnLst>
-                          </p:cTn>
-                        </p:par>
-                      </p:childTnLst>
-                    </p:cTn>
-                  </p:par>
-                  <p:par>
-                    <p:cTn id="24" fill="hold">
-                      <p:stCondLst>
-                        <p:cond delay="indefinite"/>
-                      </p:stCondLst>
-                      <p:childTnLst>
-                        <p:par>
-                          <p:cTn id="25" fill="hold">
-                            <p:stCondLst>
-                              <p:cond delay="0"/>
-                            </p:stCondLst>
-                            <p:childTnLst>
-                              <p:par>
-                                <p:cTn id="26" presetID="10" presetClass="entr" presetSubtype="0" fill="hold" nodeType="clickEffect">
-                                  <p:stCondLst>
-                                    <p:cond delay="0"/>
-                                  </p:stCondLst>
-                                  <p:childTnLst>
-                                    <p:set>
-                                      <p:cBhvr>
-                                        <p:cTn id="27" dur="1" fill="hold">
-                                          <p:stCondLst>
-                                            <p:cond delay="0"/>
-                                          </p:stCondLst>
-                                        </p:cTn>
-                                        <p:tgtEl>
-                                          <p:spTgt spid="3">
-                                            <p:txEl>
-                                              <p:pRg st="6" end="6"/>
-                                            </p:txEl>
-                                          </p:spTgt>
-                                        </p:tgtEl>
-                                        <p:attrNameLst>
-                                          <p:attrName>style.visibility</p:attrName>
-                                        </p:attrNameLst>
-                                      </p:cBhvr>
-                                      <p:to>
-                                        <p:strVal val="visible"/>
-                                      </p:to>
-                                    </p:set>
-                                    <p:animEffect transition="in" filter="fade">
-                                      <p:cBhvr>
-                                        <p:cTn id="28" dur="500"/>
-                                        <p:tgtEl>
-                                          <p:spTgt spid="3">
-                                            <p:txEl>
-                                              <p:pRg st="6" end="6"/>
-                                            </p:txEl>
-                                          </p:spTgt>
-                                        </p:tgtEl>
-                                      </p:cBhvr>
-                                    </p:animEffect>
-                                  </p:childTnLst>
-                                </p:cTn>
-                              </p:par>
-                            </p:childTnLst>
-                          </p:cTn>
-                        </p:par>
-                      </p:childTnLst>
-                    </p:cTn>
-                  </p:par>
-                  <p:par>
-                    <p:cTn id="29" fill="hold">
-                      <p:stCondLst>
-                        <p:cond delay="indefinite"/>
-                      </p:stCondLst>
-                      <p:childTnLst>
-                        <p:par>
-                          <p:cTn id="30" fill="hold">
-                            <p:stCondLst>
-                              <p:cond delay="0"/>
-                            </p:stCondLst>
-                            <p:childTnLst>
-                              <p:par>
-                                <p:cTn id="31" presetID="10" presetClass="entr" presetSubtype="0" fill="hold" nodeType="clickEffect">
-                                  <p:stCondLst>
-                                    <p:cond delay="0"/>
-                                  </p:stCondLst>
-                                  <p:childTnLst>
-                                    <p:set>
-                                      <p:cBhvr>
-                                        <p:cTn id="32" dur="1" fill="hold">
-                                          <p:stCondLst>
-                                            <p:cond delay="0"/>
-                                          </p:stCondLst>
-                                        </p:cTn>
-                                        <p:tgtEl>
-                                          <p:spTgt spid="3">
-                                            <p:txEl>
-                                              <p:pRg st="7" end="7"/>
-                                            </p:txEl>
-                                          </p:spTgt>
-                                        </p:tgtEl>
-                                        <p:attrNameLst>
-                                          <p:attrName>style.visibility</p:attrName>
-                                        </p:attrNameLst>
-                                      </p:cBhvr>
-                                      <p:to>
-                                        <p:strVal val="visible"/>
-                                      </p:to>
-                                    </p:set>
-                                    <p:animEffect transition="in" filter="fade">
-                                      <p:cBhvr>
-                                        <p:cTn id="33" dur="500"/>
-                                        <p:tgtEl>
-                                          <p:spTgt spid="3">
-                                            <p:txEl>
-                                              <p:pRg st="7" end="7"/>
-                                            </p:txEl>
-                                          </p:spTgt>
-                                        </p:tgtEl>
-                                      </p:cBhvr>
-                                    </p:animEffect>
-                                  </p:childTnLst>
-                                </p:cTn>
-                              </p:par>
-                            </p:childTnLst>
-                          </p:cTn>
-                        </p:par>
-                      </p:childTnLst>
-                    </p:cTn>
-                  </p:par>
-                  <p:par>
-                    <p:cTn id="34" fill="hold">
-                      <p:stCondLst>
-                        <p:cond delay="indefinite"/>
-                      </p:stCondLst>
-                      <p:childTnLst>
-                        <p:par>
-                          <p:cTn id="35" fill="hold">
-                            <p:stCondLst>
-                              <p:cond delay="0"/>
-                            </p:stCondLst>
-                            <p:childTnLst>
-                              <p:par>
-                                <p:cTn id="36" presetID="10" presetClass="entr" presetSubtype="0" fill="hold" nodeType="clickEffect">
-                                  <p:stCondLst>
-                                    <p:cond delay="0"/>
-                                  </p:stCondLst>
-                                  <p:childTnLst>
-                                    <p:set>
-                                      <p:cBhvr>
-                                        <p:cTn id="37" dur="1" fill="hold">
-                                          <p:stCondLst>
-                                            <p:cond delay="0"/>
-                                          </p:stCondLst>
-                                        </p:cTn>
-                                        <p:tgtEl>
-                                          <p:spTgt spid="3">
-                                            <p:txEl>
-                                              <p:pRg st="8" end="8"/>
-                                            </p:txEl>
-                                          </p:spTgt>
-                                        </p:tgtEl>
-                                        <p:attrNameLst>
-                                          <p:attrName>style.visibility</p:attrName>
-                                        </p:attrNameLst>
-                                      </p:cBhvr>
-                                      <p:to>
-                                        <p:strVal val="visible"/>
-                                      </p:to>
-                                    </p:set>
-                                    <p:animEffect transition="in" filter="fade">
-                                      <p:cBhvr>
-                                        <p:cTn id="38" dur="500"/>
-                                        <p:tgtEl>
-                                          <p:spTgt spid="3">
-                                            <p:txEl>
-                                              <p:pRg st="8" end="8"/>
-                                            </p:txEl>
-                                          </p:spTgt>
-                                        </p:tgtEl>
-                                      </p:cBhvr>
-                                    </p:animEffect>
-                                  </p:childTnLst>
-                                </p:cTn>
-                              </p:par>
-                            </p:childTnLst>
-                          </p:cTn>
-                        </p:par>
-                      </p:childTnLst>
-                    </p:cTn>
-                  </p:par>
-                  <p:par>
-                    <p:cTn id="39" fill="hold">
-                      <p:stCondLst>
-                        <p:cond delay="indefinite"/>
-                      </p:stCondLst>
-                      <p:childTnLst>
-                        <p:par>
-                          <p:cTn id="40" fill="hold">
-                            <p:stCondLst>
-                              <p:cond delay="0"/>
-                            </p:stCondLst>
-                            <p:childTnLst>
-                              <p:par>
-                                <p:cTn id="41" presetID="10" presetClass="entr" presetSubtype="0" fill="hold" nodeType="clickEffect">
-                                  <p:stCondLst>
-                                    <p:cond delay="0"/>
-                                  </p:stCondLst>
-                                  <p:childTnLst>
-                                    <p:set>
-                                      <p:cBhvr>
-                                        <p:cTn id="42" dur="1" fill="hold">
-                                          <p:stCondLst>
-                                            <p:cond delay="0"/>
-                                          </p:stCondLst>
-                                        </p:cTn>
-                                        <p:tgtEl>
-                                          <p:spTgt spid="3">
-                                            <p:txEl>
-                                              <p:pRg st="9" end="9"/>
-                                            </p:txEl>
-                                          </p:spTgt>
-                                        </p:tgtEl>
-                                        <p:attrNameLst>
-                                          <p:attrName>style.visibility</p:attrName>
-                                        </p:attrNameLst>
-                                      </p:cBhvr>
-                                      <p:to>
-                                        <p:strVal val="visible"/>
-                                      </p:to>
-                                    </p:set>
-                                    <p:animEffect transition="in" filter="fade">
-                                      <p:cBhvr>
-                                        <p:cTn id="43" dur="500"/>
-                                        <p:tgtEl>
-                                          <p:spTgt spid="3">
-                                            <p:txEl>
-                                              <p:pRg st="9" end="9"/>
-                                            </p:txEl>
-                                          </p:spTgt>
-                                        </p:tgtEl>
-                                      </p:cBhvr>
-                                    </p:animEffect>
-                                  </p:childTnLst>
-                                </p:cTn>
-                              </p:par>
-                            </p:childTnLst>
-                          </p:cTn>
-                        </p:par>
-                      </p:childTnLst>
-                    </p:cTn>
-                  </p:par>
-                  <p:par>
-                    <p:cTn id="44" fill="hold">
-                      <p:stCondLst>
-                        <p:cond delay="indefinite"/>
-                      </p:stCondLst>
-                      <p:childTnLst>
-                        <p:par>
-                          <p:cTn id="45" fill="hold">
-                            <p:stCondLst>
-                              <p:cond delay="0"/>
-                            </p:stCondLst>
-                            <p:childTnLst>
-                              <p:par>
-                                <p:cTn id="46" presetID="10" presetClass="entr" presetSubtype="0" fill="hold" nodeType="clickEffect">
-                                  <p:stCondLst>
-                                    <p:cond delay="0"/>
-                                  </p:stCondLst>
-                                  <p:childTnLst>
-                                    <p:set>
-                                      <p:cBhvr>
-                                        <p:cTn id="47" dur="1" fill="hold">
-                                          <p:stCondLst>
-                                            <p:cond delay="0"/>
-                                          </p:stCondLst>
-                                        </p:cTn>
-                                        <p:tgtEl>
-                                          <p:spTgt spid="3">
-                                            <p:txEl>
-                                              <p:pRg st="10" end="10"/>
-                                            </p:txEl>
-                                          </p:spTgt>
-                                        </p:tgtEl>
-                                        <p:attrNameLst>
-                                          <p:attrName>style.visibility</p:attrName>
-                                        </p:attrNameLst>
-                                      </p:cBhvr>
-                                      <p:to>
-                                        <p:strVal val="visible"/>
-                                      </p:to>
-                                    </p:set>
-                                    <p:animEffect transition="in" filter="fade">
-                                      <p:cBhvr>
-                                        <p:cTn id="48" dur="500"/>
-                                        <p:tgtEl>
-                                          <p:spTgt spid="3">
-                                            <p:txEl>
-                                              <p:pRg st="10" end="10"/>
-                                            </p:txEl>
-                                          </p:spTgt>
-                                        </p:tgtEl>
-                                      </p:cBhvr>
-                                    </p:animEffect>
-                                  </p:childTnLst>
-                                </p:cTn>
-                              </p:par>
-                              <p:par>
-                                <p:cTn id="49" presetID="10" presetClass="entr" presetSubtype="0" fill="hold" nodeType="withEffect">
-                                  <p:stCondLst>
-                                    <p:cond delay="0"/>
-                                  </p:stCondLst>
-                                  <p:childTnLst>
-                                    <p:set>
-                                      <p:cBhvr>
-                                        <p:cTn id="50" dur="1" fill="hold">
-                                          <p:stCondLst>
-                                            <p:cond delay="0"/>
-                                          </p:stCondLst>
-                                        </p:cTn>
-                                        <p:tgtEl>
-                                          <p:spTgt spid="3">
-                                            <p:txEl>
-                                              <p:pRg st="11" end="11"/>
-                                            </p:txEl>
-                                          </p:spTgt>
-                                        </p:tgtEl>
-                                        <p:attrNameLst>
-                                          <p:attrName>style.visibility</p:attrName>
-                                        </p:attrNameLst>
-                                      </p:cBhvr>
-                                      <p:to>
-                                        <p:strVal val="visible"/>
-                                      </p:to>
-                                    </p:set>
-                                    <p:animEffect transition="in" filter="fade">
-                                      <p:cBhvr>
-                                        <p:cTn id="51" dur="500"/>
-                                        <p:tgtEl>
-                                          <p:spTgt spid="3">
-                                            <p:txEl>
-                                              <p:pRg st="11" end="11"/>
-                                            </p:txEl>
-                                          </p:spTgt>
-                                        </p:tgtEl>
-                                      </p:cBhvr>
-                                    </p:animEffect>
-                                  </p:childTnLst>
-                                </p:cTn>
-                              </p:par>
-                            </p:childTnLst>
-                          </p:cTn>
-                        </p:par>
-                      </p:childTnLst>
-                    </p:cTn>
-                  </p:par>
-                </p:childTnLst>
-              </p:cTn>
-              <p:prevCondLst>
-                <p:cond evt="onPrev" delay="0">
-                  <p:tgtEl>
-                    <p:sldTgt/>
-                  </p:tgtEl>
-                </p:cond>
-              </p:prevCondLst>
-              <p:nextCondLst>
-                <p:cond evt="onNext" delay="0">
-                  <p:tgtEl>
-                    <p:sldTgt/>
-                  </p:tgtEl>
-                </p:cond>
-              </p:nextCondLst>
-            </p:seq>
-          </p:childTnLst>
-        </p:cTn>
-      </p:par>
-    </p:tnLst>
-  </p:timing>
-</p:sld>
-</file>
-
-<file path=ppt/slides/slide9.xml><?xml version="1.0" encoding="utf-8"?>
 <p:sld xmlns:a="http://schemas.openxmlformats.org/drawingml/2006/main" xmlns:r="http://schemas.openxmlformats.org/officeDocument/2006/relationships" xmlns:p="http://schemas.openxmlformats.org/presentationml/2006/main">
   <p:cSld>
     <p:spTree>
@@ -11975,6 +10945,66 @@
 </p:sld>
 </file>
 
+<file path=ppt/slides/slide9.xml><?xml version="1.0" encoding="utf-8"?>
+<p:sld xmlns:a="http://schemas.openxmlformats.org/drawingml/2006/main" xmlns:r="http://schemas.openxmlformats.org/officeDocument/2006/relationships" xmlns:p="http://schemas.openxmlformats.org/presentationml/2006/main">
+  <p:cSld>
+    <p:spTree>
+      <p:nvGrpSpPr>
+        <p:cNvPr id="1" name=""/>
+        <p:cNvGrpSpPr/>
+        <p:nvPr/>
+      </p:nvGrpSpPr>
+      <p:grpSpPr>
+        <a:xfrm>
+          <a:off x="0" y="0"/>
+          <a:ext cx="0" cy="0"/>
+          <a:chOff x="0" y="0"/>
+          <a:chExt cx="0" cy="0"/>
+        </a:xfrm>
+      </p:grpSpPr>
+      <p:sp>
+        <p:nvSpPr>
+          <p:cNvPr id="2" name="Title 1"/>
+          <p:cNvSpPr>
+            <a:spLocks noGrp="1"/>
+          </p:cNvSpPr>
+          <p:nvPr>
+            <p:ph type="title"/>
+          </p:nvPr>
+        </p:nvSpPr>
+        <p:spPr/>
+        <p:txBody>
+          <a:bodyPr/>
+          <a:lstStyle/>
+          <a:p>
+            <a:r>
+              <a:rPr lang="en-US" dirty="0" smtClean="0"/>
+              <a:t>Results and their interpretations.</a:t>
+            </a:r>
+            <a:endParaRPr lang="en-US" dirty="0"/>
+          </a:p>
+        </p:txBody>
+      </p:sp>
+    </p:spTree>
+    <p:extLst>
+      <p:ext uri="{BB962C8B-B14F-4D97-AF65-F5344CB8AC3E}">
+        <p14:creationId xmlns:p14="http://schemas.microsoft.com/office/powerpoint/2010/main" val="2056232160"/>
+      </p:ext>
+    </p:extLst>
+  </p:cSld>
+  <p:clrMapOvr>
+    <a:masterClrMapping/>
+  </p:clrMapOvr>
+  <p:timing>
+    <p:tnLst>
+      <p:par>
+        <p:cTn id="1" dur="indefinite" restart="never" nodeType="tmRoot"/>
+      </p:par>
+    </p:tnLst>
+  </p:timing>
+</p:sld>
+</file>
+
 <file path=ppt/theme/theme1.xml><?xml version="1.0" encoding="utf-8"?>
 <a:theme xmlns:a="http://schemas.openxmlformats.org/drawingml/2006/main" name="Retrospect">
   <a:themeElements>

--- a/presentation/disease_spreading_presentation.pptx
+++ b/presentation/disease_spreading_presentation.pptx
@@ -7098,640 +7098,7 @@
   <p:timing>
     <p:tnLst>
       <p:par>
-        <p:cTn id="1" dur="indefinite" restart="never" nodeType="tmRoot">
-          <p:childTnLst>
-            <p:seq concurrent="1" nextAc="seek">
-              <p:cTn id="2" dur="indefinite" nodeType="mainSeq">
-                <p:childTnLst>
-                  <p:par>
-                    <p:cTn id="3" fill="hold">
-                      <p:stCondLst>
-                        <p:cond delay="indefinite"/>
-                      </p:stCondLst>
-                      <p:childTnLst>
-                        <p:par>
-                          <p:cTn id="4" fill="hold">
-                            <p:stCondLst>
-                              <p:cond delay="0"/>
-                            </p:stCondLst>
-                            <p:childTnLst>
-                              <p:par>
-                                <p:cTn id="5" presetID="10" presetClass="entr" presetSubtype="0" fill="hold" nodeType="clickEffect">
-                                  <p:stCondLst>
-                                    <p:cond delay="0"/>
-                                  </p:stCondLst>
-                                  <p:childTnLst>
-                                    <p:set>
-                                      <p:cBhvr>
-                                        <p:cTn id="6" dur="1" fill="hold">
-                                          <p:stCondLst>
-                                            <p:cond delay="0"/>
-                                          </p:stCondLst>
-                                        </p:cTn>
-                                        <p:tgtEl>
-                                          <p:spTgt spid="3">
-                                            <p:txEl>
-                                              <p:pRg st="0" end="0"/>
-                                            </p:txEl>
-                                          </p:spTgt>
-                                        </p:tgtEl>
-                                        <p:attrNameLst>
-                                          <p:attrName>style.visibility</p:attrName>
-                                        </p:attrNameLst>
-                                      </p:cBhvr>
-                                      <p:to>
-                                        <p:strVal val="visible"/>
-                                      </p:to>
-                                    </p:set>
-                                    <p:animEffect transition="in" filter="fade">
-                                      <p:cBhvr>
-                                        <p:cTn id="7" dur="500"/>
-                                        <p:tgtEl>
-                                          <p:spTgt spid="3">
-                                            <p:txEl>
-                                              <p:pRg st="0" end="0"/>
-                                            </p:txEl>
-                                          </p:spTgt>
-                                        </p:tgtEl>
-                                      </p:cBhvr>
-                                    </p:animEffect>
-                                  </p:childTnLst>
-                                </p:cTn>
-                              </p:par>
-                            </p:childTnLst>
-                          </p:cTn>
-                        </p:par>
-                      </p:childTnLst>
-                    </p:cTn>
-                  </p:par>
-                  <p:par>
-                    <p:cTn id="8" fill="hold">
-                      <p:stCondLst>
-                        <p:cond delay="indefinite"/>
-                      </p:stCondLst>
-                      <p:childTnLst>
-                        <p:par>
-                          <p:cTn id="9" fill="hold">
-                            <p:stCondLst>
-                              <p:cond delay="0"/>
-                            </p:stCondLst>
-                            <p:childTnLst>
-                              <p:par>
-                                <p:cTn id="10" presetID="10" presetClass="entr" presetSubtype="0" fill="hold" nodeType="clickEffect">
-                                  <p:stCondLst>
-                                    <p:cond delay="0"/>
-                                  </p:stCondLst>
-                                  <p:childTnLst>
-                                    <p:set>
-                                      <p:cBhvr>
-                                        <p:cTn id="11" dur="1" fill="hold">
-                                          <p:stCondLst>
-                                            <p:cond delay="0"/>
-                                          </p:stCondLst>
-                                        </p:cTn>
-                                        <p:tgtEl>
-                                          <p:spTgt spid="3">
-                                            <p:txEl>
-                                              <p:pRg st="1" end="1"/>
-                                            </p:txEl>
-                                          </p:spTgt>
-                                        </p:tgtEl>
-                                        <p:attrNameLst>
-                                          <p:attrName>style.visibility</p:attrName>
-                                        </p:attrNameLst>
-                                      </p:cBhvr>
-                                      <p:to>
-                                        <p:strVal val="visible"/>
-                                      </p:to>
-                                    </p:set>
-                                    <p:animEffect transition="in" filter="fade">
-                                      <p:cBhvr>
-                                        <p:cTn id="12" dur="500"/>
-                                        <p:tgtEl>
-                                          <p:spTgt spid="3">
-                                            <p:txEl>
-                                              <p:pRg st="1" end="1"/>
-                                            </p:txEl>
-                                          </p:spTgt>
-                                        </p:tgtEl>
-                                      </p:cBhvr>
-                                    </p:animEffect>
-                                  </p:childTnLst>
-                                </p:cTn>
-                              </p:par>
-                            </p:childTnLst>
-                          </p:cTn>
-                        </p:par>
-                      </p:childTnLst>
-                    </p:cTn>
-                  </p:par>
-                  <p:par>
-                    <p:cTn id="13" fill="hold">
-                      <p:stCondLst>
-                        <p:cond delay="indefinite"/>
-                      </p:stCondLst>
-                      <p:childTnLst>
-                        <p:par>
-                          <p:cTn id="14" fill="hold">
-                            <p:stCondLst>
-                              <p:cond delay="0"/>
-                            </p:stCondLst>
-                            <p:childTnLst>
-                              <p:par>
-                                <p:cTn id="15" presetID="10" presetClass="entr" presetSubtype="0" fill="hold" nodeType="clickEffect">
-                                  <p:stCondLst>
-                                    <p:cond delay="0"/>
-                                  </p:stCondLst>
-                                  <p:childTnLst>
-                                    <p:set>
-                                      <p:cBhvr>
-                                        <p:cTn id="16" dur="1" fill="hold">
-                                          <p:stCondLst>
-                                            <p:cond delay="0"/>
-                                          </p:stCondLst>
-                                        </p:cTn>
-                                        <p:tgtEl>
-                                          <p:spTgt spid="3">
-                                            <p:txEl>
-                                              <p:pRg st="2" end="2"/>
-                                            </p:txEl>
-                                          </p:spTgt>
-                                        </p:tgtEl>
-                                        <p:attrNameLst>
-                                          <p:attrName>style.visibility</p:attrName>
-                                        </p:attrNameLst>
-                                      </p:cBhvr>
-                                      <p:to>
-                                        <p:strVal val="visible"/>
-                                      </p:to>
-                                    </p:set>
-                                    <p:animEffect transition="in" filter="fade">
-                                      <p:cBhvr>
-                                        <p:cTn id="17" dur="500"/>
-                                        <p:tgtEl>
-                                          <p:spTgt spid="3">
-                                            <p:txEl>
-                                              <p:pRg st="2" end="2"/>
-                                            </p:txEl>
-                                          </p:spTgt>
-                                        </p:tgtEl>
-                                      </p:cBhvr>
-                                    </p:animEffect>
-                                  </p:childTnLst>
-                                </p:cTn>
-                              </p:par>
-                            </p:childTnLst>
-                          </p:cTn>
-                        </p:par>
-                      </p:childTnLst>
-                    </p:cTn>
-                  </p:par>
-                  <p:par>
-                    <p:cTn id="18" fill="hold">
-                      <p:stCondLst>
-                        <p:cond delay="indefinite"/>
-                      </p:stCondLst>
-                      <p:childTnLst>
-                        <p:par>
-                          <p:cTn id="19" fill="hold">
-                            <p:stCondLst>
-                              <p:cond delay="0"/>
-                            </p:stCondLst>
-                            <p:childTnLst>
-                              <p:par>
-                                <p:cTn id="20" presetID="10" presetClass="entr" presetSubtype="0" fill="hold" nodeType="clickEffect">
-                                  <p:stCondLst>
-                                    <p:cond delay="0"/>
-                                  </p:stCondLst>
-                                  <p:childTnLst>
-                                    <p:set>
-                                      <p:cBhvr>
-                                        <p:cTn id="21" dur="1" fill="hold">
-                                          <p:stCondLst>
-                                            <p:cond delay="0"/>
-                                          </p:stCondLst>
-                                        </p:cTn>
-                                        <p:tgtEl>
-                                          <p:spTgt spid="3">
-                                            <p:txEl>
-                                              <p:pRg st="3" end="3"/>
-                                            </p:txEl>
-                                          </p:spTgt>
-                                        </p:tgtEl>
-                                        <p:attrNameLst>
-                                          <p:attrName>style.visibility</p:attrName>
-                                        </p:attrNameLst>
-                                      </p:cBhvr>
-                                      <p:to>
-                                        <p:strVal val="visible"/>
-                                      </p:to>
-                                    </p:set>
-                                    <p:animEffect transition="in" filter="fade">
-                                      <p:cBhvr>
-                                        <p:cTn id="22" dur="500"/>
-                                        <p:tgtEl>
-                                          <p:spTgt spid="3">
-                                            <p:txEl>
-                                              <p:pRg st="3" end="3"/>
-                                            </p:txEl>
-                                          </p:spTgt>
-                                        </p:tgtEl>
-                                      </p:cBhvr>
-                                    </p:animEffect>
-                                  </p:childTnLst>
-                                </p:cTn>
-                              </p:par>
-                            </p:childTnLst>
-                          </p:cTn>
-                        </p:par>
-                      </p:childTnLst>
-                    </p:cTn>
-                  </p:par>
-                  <p:par>
-                    <p:cTn id="23" fill="hold">
-                      <p:stCondLst>
-                        <p:cond delay="indefinite"/>
-                      </p:stCondLst>
-                      <p:childTnLst>
-                        <p:par>
-                          <p:cTn id="24" fill="hold">
-                            <p:stCondLst>
-                              <p:cond delay="0"/>
-                            </p:stCondLst>
-                            <p:childTnLst>
-                              <p:par>
-                                <p:cTn id="25" presetID="10" presetClass="entr" presetSubtype="0" fill="hold" nodeType="clickEffect">
-                                  <p:stCondLst>
-                                    <p:cond delay="0"/>
-                                  </p:stCondLst>
-                                  <p:childTnLst>
-                                    <p:set>
-                                      <p:cBhvr>
-                                        <p:cTn id="26" dur="1" fill="hold">
-                                          <p:stCondLst>
-                                            <p:cond delay="0"/>
-                                          </p:stCondLst>
-                                        </p:cTn>
-                                        <p:tgtEl>
-                                          <p:spTgt spid="3">
-                                            <p:txEl>
-                                              <p:pRg st="4" end="4"/>
-                                            </p:txEl>
-                                          </p:spTgt>
-                                        </p:tgtEl>
-                                        <p:attrNameLst>
-                                          <p:attrName>style.visibility</p:attrName>
-                                        </p:attrNameLst>
-                                      </p:cBhvr>
-                                      <p:to>
-                                        <p:strVal val="visible"/>
-                                      </p:to>
-                                    </p:set>
-                                    <p:animEffect transition="in" filter="fade">
-                                      <p:cBhvr>
-                                        <p:cTn id="27" dur="500"/>
-                                        <p:tgtEl>
-                                          <p:spTgt spid="3">
-                                            <p:txEl>
-                                              <p:pRg st="4" end="4"/>
-                                            </p:txEl>
-                                          </p:spTgt>
-                                        </p:tgtEl>
-                                      </p:cBhvr>
-                                    </p:animEffect>
-                                  </p:childTnLst>
-                                </p:cTn>
-                              </p:par>
-                            </p:childTnLst>
-                          </p:cTn>
-                        </p:par>
-                      </p:childTnLst>
-                    </p:cTn>
-                  </p:par>
-                  <p:par>
-                    <p:cTn id="28" fill="hold">
-                      <p:stCondLst>
-                        <p:cond delay="indefinite"/>
-                      </p:stCondLst>
-                      <p:childTnLst>
-                        <p:par>
-                          <p:cTn id="29" fill="hold">
-                            <p:stCondLst>
-                              <p:cond delay="0"/>
-                            </p:stCondLst>
-                            <p:childTnLst>
-                              <p:par>
-                                <p:cTn id="30" presetID="10" presetClass="entr" presetSubtype="0" fill="hold" nodeType="clickEffect">
-                                  <p:stCondLst>
-                                    <p:cond delay="0"/>
-                                  </p:stCondLst>
-                                  <p:childTnLst>
-                                    <p:set>
-                                      <p:cBhvr>
-                                        <p:cTn id="31" dur="1" fill="hold">
-                                          <p:stCondLst>
-                                            <p:cond delay="0"/>
-                                          </p:stCondLst>
-                                        </p:cTn>
-                                        <p:tgtEl>
-                                          <p:spTgt spid="3">
-                                            <p:txEl>
-                                              <p:pRg st="5" end="5"/>
-                                            </p:txEl>
-                                          </p:spTgt>
-                                        </p:tgtEl>
-                                        <p:attrNameLst>
-                                          <p:attrName>style.visibility</p:attrName>
-                                        </p:attrNameLst>
-                                      </p:cBhvr>
-                                      <p:to>
-                                        <p:strVal val="visible"/>
-                                      </p:to>
-                                    </p:set>
-                                    <p:animEffect transition="in" filter="fade">
-                                      <p:cBhvr>
-                                        <p:cTn id="32" dur="500"/>
-                                        <p:tgtEl>
-                                          <p:spTgt spid="3">
-                                            <p:txEl>
-                                              <p:pRg st="5" end="5"/>
-                                            </p:txEl>
-                                          </p:spTgt>
-                                        </p:tgtEl>
-                                      </p:cBhvr>
-                                    </p:animEffect>
-                                  </p:childTnLst>
-                                </p:cTn>
-                              </p:par>
-                            </p:childTnLst>
-                          </p:cTn>
-                        </p:par>
-                      </p:childTnLst>
-                    </p:cTn>
-                  </p:par>
-                  <p:par>
-                    <p:cTn id="33" fill="hold">
-                      <p:stCondLst>
-                        <p:cond delay="indefinite"/>
-                      </p:stCondLst>
-                      <p:childTnLst>
-                        <p:par>
-                          <p:cTn id="34" fill="hold">
-                            <p:stCondLst>
-                              <p:cond delay="0"/>
-                            </p:stCondLst>
-                            <p:childTnLst>
-                              <p:par>
-                                <p:cTn id="35" presetID="10" presetClass="entr" presetSubtype="0" fill="hold" nodeType="clickEffect">
-                                  <p:stCondLst>
-                                    <p:cond delay="0"/>
-                                  </p:stCondLst>
-                                  <p:childTnLst>
-                                    <p:set>
-                                      <p:cBhvr>
-                                        <p:cTn id="36" dur="1" fill="hold">
-                                          <p:stCondLst>
-                                            <p:cond delay="0"/>
-                                          </p:stCondLst>
-                                        </p:cTn>
-                                        <p:tgtEl>
-                                          <p:spTgt spid="3">
-                                            <p:txEl>
-                                              <p:pRg st="6" end="6"/>
-                                            </p:txEl>
-                                          </p:spTgt>
-                                        </p:tgtEl>
-                                        <p:attrNameLst>
-                                          <p:attrName>style.visibility</p:attrName>
-                                        </p:attrNameLst>
-                                      </p:cBhvr>
-                                      <p:to>
-                                        <p:strVal val="visible"/>
-                                      </p:to>
-                                    </p:set>
-                                    <p:animEffect transition="in" filter="fade">
-                                      <p:cBhvr>
-                                        <p:cTn id="37" dur="500"/>
-                                        <p:tgtEl>
-                                          <p:spTgt spid="3">
-                                            <p:txEl>
-                                              <p:pRg st="6" end="6"/>
-                                            </p:txEl>
-                                          </p:spTgt>
-                                        </p:tgtEl>
-                                      </p:cBhvr>
-                                    </p:animEffect>
-                                  </p:childTnLst>
-                                </p:cTn>
-                              </p:par>
-                            </p:childTnLst>
-                          </p:cTn>
-                        </p:par>
-                      </p:childTnLst>
-                    </p:cTn>
-                  </p:par>
-                  <p:par>
-                    <p:cTn id="38" fill="hold">
-                      <p:stCondLst>
-                        <p:cond delay="indefinite"/>
-                      </p:stCondLst>
-                      <p:childTnLst>
-                        <p:par>
-                          <p:cTn id="39" fill="hold">
-                            <p:stCondLst>
-                              <p:cond delay="0"/>
-                            </p:stCondLst>
-                            <p:childTnLst>
-                              <p:par>
-                                <p:cTn id="40" presetID="10" presetClass="entr" presetSubtype="0" fill="hold" nodeType="clickEffect">
-                                  <p:stCondLst>
-                                    <p:cond delay="0"/>
-                                  </p:stCondLst>
-                                  <p:childTnLst>
-                                    <p:set>
-                                      <p:cBhvr>
-                                        <p:cTn id="41" dur="1" fill="hold">
-                                          <p:stCondLst>
-                                            <p:cond delay="0"/>
-                                          </p:stCondLst>
-                                        </p:cTn>
-                                        <p:tgtEl>
-                                          <p:spTgt spid="3">
-                                            <p:txEl>
-                                              <p:pRg st="7" end="7"/>
-                                            </p:txEl>
-                                          </p:spTgt>
-                                        </p:tgtEl>
-                                        <p:attrNameLst>
-                                          <p:attrName>style.visibility</p:attrName>
-                                        </p:attrNameLst>
-                                      </p:cBhvr>
-                                      <p:to>
-                                        <p:strVal val="visible"/>
-                                      </p:to>
-                                    </p:set>
-                                    <p:animEffect transition="in" filter="fade">
-                                      <p:cBhvr>
-                                        <p:cTn id="42" dur="500"/>
-                                        <p:tgtEl>
-                                          <p:spTgt spid="3">
-                                            <p:txEl>
-                                              <p:pRg st="7" end="7"/>
-                                            </p:txEl>
-                                          </p:spTgt>
-                                        </p:tgtEl>
-                                      </p:cBhvr>
-                                    </p:animEffect>
-                                  </p:childTnLst>
-                                </p:cTn>
-                              </p:par>
-                            </p:childTnLst>
-                          </p:cTn>
-                        </p:par>
-                      </p:childTnLst>
-                    </p:cTn>
-                  </p:par>
-                  <p:par>
-                    <p:cTn id="43" fill="hold">
-                      <p:stCondLst>
-                        <p:cond delay="indefinite"/>
-                      </p:stCondLst>
-                      <p:childTnLst>
-                        <p:par>
-                          <p:cTn id="44" fill="hold">
-                            <p:stCondLst>
-                              <p:cond delay="0"/>
-                            </p:stCondLst>
-                            <p:childTnLst>
-                              <p:par>
-                                <p:cTn id="45" presetID="10" presetClass="entr" presetSubtype="0" fill="hold" nodeType="clickEffect">
-                                  <p:stCondLst>
-                                    <p:cond delay="0"/>
-                                  </p:stCondLst>
-                                  <p:childTnLst>
-                                    <p:set>
-                                      <p:cBhvr>
-                                        <p:cTn id="46" dur="1" fill="hold">
-                                          <p:stCondLst>
-                                            <p:cond delay="0"/>
-                                          </p:stCondLst>
-                                        </p:cTn>
-                                        <p:tgtEl>
-                                          <p:spTgt spid="3">
-                                            <p:txEl>
-                                              <p:pRg st="8" end="8"/>
-                                            </p:txEl>
-                                          </p:spTgt>
-                                        </p:tgtEl>
-                                        <p:attrNameLst>
-                                          <p:attrName>style.visibility</p:attrName>
-                                        </p:attrNameLst>
-                                      </p:cBhvr>
-                                      <p:to>
-                                        <p:strVal val="visible"/>
-                                      </p:to>
-                                    </p:set>
-                                    <p:animEffect transition="in" filter="fade">
-                                      <p:cBhvr>
-                                        <p:cTn id="47" dur="500"/>
-                                        <p:tgtEl>
-                                          <p:spTgt spid="3">
-                                            <p:txEl>
-                                              <p:pRg st="8" end="8"/>
-                                            </p:txEl>
-                                          </p:spTgt>
-                                        </p:tgtEl>
-                                      </p:cBhvr>
-                                    </p:animEffect>
-                                  </p:childTnLst>
-                                </p:cTn>
-                              </p:par>
-                            </p:childTnLst>
-                          </p:cTn>
-                        </p:par>
-                      </p:childTnLst>
-                    </p:cTn>
-                  </p:par>
-                  <p:par>
-                    <p:cTn id="48" fill="hold">
-                      <p:stCondLst>
-                        <p:cond delay="indefinite"/>
-                      </p:stCondLst>
-                      <p:childTnLst>
-                        <p:par>
-                          <p:cTn id="49" fill="hold">
-                            <p:stCondLst>
-                              <p:cond delay="0"/>
-                            </p:stCondLst>
-                            <p:childTnLst>
-                              <p:par>
-                                <p:cTn id="50" presetID="10" presetClass="entr" presetSubtype="0" fill="hold" nodeType="clickEffect">
-                                  <p:stCondLst>
-                                    <p:cond delay="0"/>
-                                  </p:stCondLst>
-                                  <p:childTnLst>
-                                    <p:set>
-                                      <p:cBhvr>
-                                        <p:cTn id="51" dur="1" fill="hold">
-                                          <p:stCondLst>
-                                            <p:cond delay="0"/>
-                                          </p:stCondLst>
-                                        </p:cTn>
-                                        <p:tgtEl>
-                                          <p:spTgt spid="3">
-                                            <p:txEl>
-                                              <p:pRg st="9" end="9"/>
-                                            </p:txEl>
-                                          </p:spTgt>
-                                        </p:tgtEl>
-                                        <p:attrNameLst>
-                                          <p:attrName>style.visibility</p:attrName>
-                                        </p:attrNameLst>
-                                      </p:cBhvr>
-                                      <p:to>
-                                        <p:strVal val="visible"/>
-                                      </p:to>
-                                    </p:set>
-                                    <p:animEffect transition="in" filter="fade">
-                                      <p:cBhvr>
-                                        <p:cTn id="52" dur="500"/>
-                                        <p:tgtEl>
-                                          <p:spTgt spid="3">
-                                            <p:txEl>
-                                              <p:pRg st="9" end="9"/>
-                                            </p:txEl>
-                                          </p:spTgt>
-                                        </p:tgtEl>
-                                      </p:cBhvr>
-                                    </p:animEffect>
-                                  </p:childTnLst>
-                                </p:cTn>
-                              </p:par>
-                            </p:childTnLst>
-                          </p:cTn>
-                        </p:par>
-                      </p:childTnLst>
-                    </p:cTn>
-                  </p:par>
-                </p:childTnLst>
-              </p:cTn>
-              <p:prevCondLst>
-                <p:cond evt="onPrev" delay="0">
-                  <p:tgtEl>
-                    <p:sldTgt/>
-                  </p:tgtEl>
-                </p:cond>
-              </p:prevCondLst>
-              <p:nextCondLst>
-                <p:cond evt="onNext" delay="0">
-                  <p:tgtEl>
-                    <p:sldTgt/>
-                  </p:tgtEl>
-                </p:cond>
-              </p:nextCondLst>
-            </p:seq>
-          </p:childTnLst>
-        </p:cTn>
+        <p:cTn id="1" dur="indefinite" restart="never" nodeType="tmRoot"/>
       </p:par>
     </p:tnLst>
   </p:timing>
@@ -8451,7 +7818,7 @@
         <p:spPr/>
         <p:txBody>
           <a:bodyPr>
-            <a:normAutofit lnSpcReduction="10000"/>
+            <a:normAutofit/>
           </a:bodyPr>
           <a:lstStyle/>
           <a:p>
@@ -8522,28 +7889,16 @@
                   <a:srgbClr val="00B050"/>
                 </a:solidFill>
               </a:rPr>
-              <a:t>The structure plays rather critical role</a:t>
-            </a:r>
-          </a:p>
-          <a:p>
-            <a:pPr lvl="1">
-              <a:buFont typeface="Wingdings" panose="05000000000000000000" pitchFamily="2" charset="2"/>
-              <a:buChar char="Ø"/>
-            </a:pPr>
+              <a:t>The structure plays rather critical </a:t>
+            </a:r>
             <a:r>
               <a:rPr lang="en-US" dirty="0" smtClean="0">
                 <a:solidFill>
                   <a:srgbClr val="00B050"/>
                 </a:solidFill>
               </a:rPr>
-              <a:t>We explore exactly how critical this parameter in some of the well-known networks</a:t>
-            </a:r>
-          </a:p>
-          <a:p>
-            <a:pPr>
-              <a:buFont typeface="Wingdings" panose="05000000000000000000" pitchFamily="2" charset="2"/>
-              <a:buChar char="Ø"/>
-            </a:pPr>
+              <a:t>role</a:t>
+            </a:r>
             <a:endParaRPr lang="en-US" dirty="0" smtClean="0"/>
           </a:p>
           <a:p>
@@ -8907,49 +8262,6 @@
                                           <p:spTgt spid="3">
                                             <p:txEl>
                                               <p:pRg st="6" end="6"/>
-                                            </p:txEl>
-                                          </p:spTgt>
-                                        </p:tgtEl>
-                                      </p:cBhvr>
-                                    </p:animEffect>
-                                  </p:childTnLst>
-                                </p:cTn>
-                              </p:par>
-                              <p:par>
-                                <p:cTn id="31" presetID="10" presetClass="entr" presetSubtype="0" fill="hold" nodeType="withEffect">
-                                  <p:stCondLst>
-                                    <p:cond delay="0"/>
-                                  </p:stCondLst>
-                                  <p:childTnLst>
-                                    <p:set>
-                                      <p:cBhvr>
-                                        <p:cTn id="32" dur="1" fill="hold">
-                                          <p:stCondLst>
-                                            <p:cond delay="0"/>
-                                          </p:stCondLst>
-                                        </p:cTn>
-                                        <p:tgtEl>
-                                          <p:spTgt spid="3">
-                                            <p:txEl>
-                                              <p:pRg st="7" end="7"/>
-                                            </p:txEl>
-                                          </p:spTgt>
-                                        </p:tgtEl>
-                                        <p:attrNameLst>
-                                          <p:attrName>style.visibility</p:attrName>
-                                        </p:attrNameLst>
-                                      </p:cBhvr>
-                                      <p:to>
-                                        <p:strVal val="visible"/>
-                                      </p:to>
-                                    </p:set>
-                                    <p:animEffect transition="in" filter="fade">
-                                      <p:cBhvr>
-                                        <p:cTn id="33" dur="500"/>
-                                        <p:tgtEl>
-                                          <p:spTgt spid="3">
-                                            <p:txEl>
-                                              <p:pRg st="7" end="7"/>
                                             </p:txEl>
                                           </p:spTgt>
                                         </p:tgtEl>

--- a/presentation/disease_spreading_presentation.pptx
+++ b/presentation/disease_spreading_presentation.pptx
@@ -8849,8 +8849,8 @@
           </a:p>
         </p:txBody>
       </p:sp>
-      <mc:AlternateContent xmlns:mc="http://schemas.openxmlformats.org/markup-compatibility/2006" xmlns:a14="http://schemas.microsoft.com/office/drawing/2010/main">
-        <mc:Choice Requires="a14">
+      <mc:AlternateContent xmlns:mc="http://schemas.openxmlformats.org/markup-compatibility/2006">
+        <mc:Choice xmlns:a14="http://schemas.microsoft.com/office/drawing/2010/main" Requires="a14">
           <p:sp>
             <p:nvSpPr>
               <p:cNvPr id="3" name="Content Placeholder 2"/>
@@ -8874,13 +8874,62 @@
                 <a:endParaRPr lang="en-US" dirty="0" smtClean="0"/>
               </a:p>
               <a:p>
+                <a:pPr marL="0" indent="0">
+                  <a:buNone/>
+                </a:pPr>
+                <a:endParaRPr lang="en-US" dirty="0" smtClean="0"/>
+              </a:p>
+              <a:p>
                 <a:pPr>
                   <a:buFont typeface="Wingdings" panose="05000000000000000000" pitchFamily="2" charset="2"/>
                   <a:buChar char="Ø"/>
                 </a:pPr>
                 <a:r>
                   <a:rPr lang="en-US" dirty="0" smtClean="0"/>
-                  <a:t> represents individual i’s health</a:t>
+                  <a:t> </a:t>
+                </a:r>
+                <a14:m>
+                  <m:oMath xmlns:m="http://schemas.openxmlformats.org/officeDocument/2006/math">
+                    <m:sSub>
+                      <m:sSubPr>
+                        <m:ctrlPr>
+                          <a:rPr lang="en-GB" b="0" i="1" smtClean="0">
+                            <a:latin typeface="Cambria Math" panose="02040503050406030204" pitchFamily="18" charset="0"/>
+                          </a:rPr>
+                        </m:ctrlPr>
+                      </m:sSubPr>
+                      <m:e>
+                        <m:r>
+                          <a:rPr lang="en-GB" b="0" i="1" smtClean="0">
+                            <a:latin typeface="Cambria Math" panose="02040503050406030204" pitchFamily="18" charset="0"/>
+                          </a:rPr>
+                          <m:t>𝑥</m:t>
+                        </m:r>
+                      </m:e>
+                      <m:sub>
+                        <m:r>
+                          <a:rPr lang="en-GB" b="0" i="1" smtClean="0">
+                            <a:latin typeface="Cambria Math" panose="02040503050406030204" pitchFamily="18" charset="0"/>
+                          </a:rPr>
+                          <m:t>𝑖</m:t>
+                        </m:r>
+                      </m:sub>
+                    </m:sSub>
+                    <m:r>
+                      <a:rPr lang="en-GB" b="0" i="1" smtClean="0">
+                        <a:latin typeface="Cambria Math" panose="02040503050406030204" pitchFamily="18" charset="0"/>
+                      </a:rPr>
+                      <m:t> </m:t>
+                    </m:r>
+                  </m:oMath>
+                </a14:m>
+                <a:r>
+                  <a:rPr lang="en-US" dirty="0" smtClean="0"/>
+                  <a:t>represents </a:t>
+                </a:r>
+                <a:r>
+                  <a:rPr lang="en-US" dirty="0" smtClean="0"/>
+                  <a:t>individual i’s health</a:t>
                 </a:r>
               </a:p>
               <a:p>
@@ -8890,7 +8939,50 @@
                 </a:pPr>
                 <a:r>
                   <a:rPr lang="en-US" dirty="0" smtClean="0"/>
-                  <a:t>Every individual tries to reject some disturbance.  represents one’s capability</a:t>
+                  <a:t>Every individual tries to reject some disturbance. </a:t>
+                </a:r>
+                <a14:m>
+                  <m:oMath xmlns:m="http://schemas.openxmlformats.org/officeDocument/2006/math">
+                    <m:sSub>
+                      <m:sSubPr>
+                        <m:ctrlPr>
+                          <a:rPr lang="en-GB" b="0" i="1" smtClean="0">
+                            <a:latin typeface="Cambria Math" panose="02040503050406030204" pitchFamily="18" charset="0"/>
+                          </a:rPr>
+                        </m:ctrlPr>
+                      </m:sSubPr>
+                      <m:e>
+                        <m:r>
+                          <a:rPr lang="en-GB" b="0" i="1" smtClean="0">
+                            <a:latin typeface="Cambria Math" panose="02040503050406030204" pitchFamily="18" charset="0"/>
+                          </a:rPr>
+                          <m:t>𝜏</m:t>
+                        </m:r>
+                      </m:e>
+                      <m:sub>
+                        <m:r>
+                          <a:rPr lang="en-GB" b="0" i="1" smtClean="0">
+                            <a:latin typeface="Cambria Math" panose="02040503050406030204" pitchFamily="18" charset="0"/>
+                          </a:rPr>
+                          <m:t>𝑖</m:t>
+                        </m:r>
+                      </m:sub>
+                    </m:sSub>
+                    <m:r>
+                      <a:rPr lang="en-GB" b="0" i="0" smtClean="0">
+                        <a:latin typeface="Cambria Math" panose="02040503050406030204" pitchFamily="18" charset="0"/>
+                      </a:rPr>
+                      <m:t> </m:t>
+                    </m:r>
+                  </m:oMath>
+                </a14:m>
+                <a:r>
+                  <a:rPr lang="en-US" dirty="0" smtClean="0"/>
+                  <a:t>represents </a:t>
+                </a:r>
+                <a:r>
+                  <a:rPr lang="en-US" dirty="0" smtClean="0"/>
+                  <a:t>one’s capability</a:t>
                 </a:r>
               </a:p>
               <a:p>
@@ -8900,7 +8992,28 @@
                 </a:pPr>
                 <a:r>
                   <a:rPr lang="en-US" dirty="0" smtClean="0"/>
-                  <a:t> is a sigmoid function to keep numerical bound on health value</a:t>
+                  <a:t> </a:t>
+                </a:r>
+                <a14:m>
+                  <m:oMath xmlns:m="http://schemas.openxmlformats.org/officeDocument/2006/math">
+                    <m:r>
+                      <m:rPr>
+                        <m:sty m:val="p"/>
+                      </m:rPr>
+                      <a:rPr lang="en-GB" b="0" i="0" smtClean="0">
+                        <a:latin typeface="Cambria Math" panose="02040503050406030204" pitchFamily="18" charset="0"/>
+                      </a:rPr>
+                      <m:t>Θ</m:t>
+                    </m:r>
+                  </m:oMath>
+                </a14:m>
+                <a:r>
+                  <a:rPr lang="en-US" dirty="0" smtClean="0"/>
+                  <a:t> is </a:t>
+                </a:r>
+                <a:r>
+                  <a:rPr lang="en-US" dirty="0" smtClean="0"/>
+                  <a:t>a sigmoid function to keep numerical bound on health value</a:t>
                 </a:r>
               </a:p>
               <a:p>
@@ -8910,7 +9023,44 @@
                 </a:pPr>
                 <a:r>
                   <a:rPr lang="en-US" dirty="0" smtClean="0"/>
-                  <a:t> represents the strength of connection between </a:t>
+                  <a:t> </a:t>
+                </a:r>
+                <a14:m>
+                  <m:oMath xmlns:m="http://schemas.openxmlformats.org/officeDocument/2006/math">
+                    <m:sSub>
+                      <m:sSubPr>
+                        <m:ctrlPr>
+                          <a:rPr lang="en-GB" b="0" i="1" smtClean="0">
+                            <a:latin typeface="Cambria Math" panose="02040503050406030204" pitchFamily="18" charset="0"/>
+                          </a:rPr>
+                        </m:ctrlPr>
+                      </m:sSubPr>
+                      <m:e>
+                        <m:r>
+                          <a:rPr lang="en-GB" b="0" i="1" smtClean="0">
+                            <a:latin typeface="Cambria Math" panose="02040503050406030204" pitchFamily="18" charset="0"/>
+                          </a:rPr>
+                          <m:t>𝑀</m:t>
+                        </m:r>
+                      </m:e>
+                      <m:sub>
+                        <m:r>
+                          <a:rPr lang="en-GB" b="0" i="1" smtClean="0">
+                            <a:latin typeface="Cambria Math" panose="02040503050406030204" pitchFamily="18" charset="0"/>
+                          </a:rPr>
+                          <m:t>𝑖𝑗</m:t>
+                        </m:r>
+                      </m:sub>
+                    </m:sSub>
+                  </m:oMath>
+                </a14:m>
+                <a:r>
+                  <a:rPr lang="en-US" dirty="0" smtClean="0"/>
+                  <a:t>represents </a:t>
+                </a:r>
+                <a:r>
+                  <a:rPr lang="en-US" dirty="0" smtClean="0"/>
+                  <a:t>the strength of connection between </a:t>
                 </a:r>
                 <a:r>
                   <a:rPr lang="en-US" dirty="0" err="1" smtClean="0"/>
@@ -8928,7 +9078,61 @@
                 </a:pPr>
                 <a:r>
                   <a:rPr lang="en-US" dirty="0" smtClean="0"/>
-                  <a:t> represents the explain away effect</a:t>
+                  <a:t> </a:t>
+                </a:r>
+                <a14:m>
+                  <m:oMath xmlns:m="http://schemas.openxmlformats.org/officeDocument/2006/math">
+                    <m:r>
+                      <a:rPr lang="en-GB" b="0" i="1" smtClean="0">
+                        <a:latin typeface="Cambria Math" panose="02040503050406030204" pitchFamily="18" charset="0"/>
+                      </a:rPr>
+                      <m:t>𝑓</m:t>
+                    </m:r>
+                    <m:d>
+                      <m:dPr>
+                        <m:ctrlPr>
+                          <a:rPr lang="en-GB" b="0" i="1" smtClean="0">
+                            <a:latin typeface="Cambria Math" panose="02040503050406030204" pitchFamily="18" charset="0"/>
+                          </a:rPr>
+                        </m:ctrlPr>
+                      </m:dPr>
+                      <m:e>
+                        <m:sSub>
+                          <m:sSubPr>
+                            <m:ctrlPr>
+                              <a:rPr lang="en-GB" b="0" i="1" smtClean="0">
+                                <a:latin typeface="Cambria Math" panose="02040503050406030204" pitchFamily="18" charset="0"/>
+                              </a:rPr>
+                            </m:ctrlPr>
+                          </m:sSubPr>
+                          <m:e>
+                            <m:r>
+                              <a:rPr lang="en-GB" b="0" i="1" smtClean="0">
+                                <a:latin typeface="Cambria Math" panose="02040503050406030204" pitchFamily="18" charset="0"/>
+                              </a:rPr>
+                              <m:t>𝑂</m:t>
+                            </m:r>
+                          </m:e>
+                          <m:sub>
+                            <m:r>
+                              <a:rPr lang="en-GB" b="0" i="1" smtClean="0">
+                                <a:latin typeface="Cambria Math" panose="02040503050406030204" pitchFamily="18" charset="0"/>
+                              </a:rPr>
+                              <m:t>𝑗</m:t>
+                            </m:r>
+                          </m:sub>
+                        </m:sSub>
+                      </m:e>
+                    </m:d>
+                  </m:oMath>
+                </a14:m>
+                <a:r>
+                  <a:rPr lang="en-US" dirty="0" smtClean="0"/>
+                  <a:t>represents </a:t>
+                </a:r>
+                <a:r>
+                  <a:rPr lang="en-US" dirty="0" smtClean="0"/>
+                  <a:t>the explain away effect</a:t>
                 </a:r>
               </a:p>
               <a:p>
@@ -8938,14 +9142,85 @@
                 </a:pPr>
                 <a:r>
                   <a:rPr lang="en-US" dirty="0" smtClean="0"/>
-                  <a:t> represents the gain of the propagation channel</a:t>
+                  <a:t> </a:t>
+                </a:r>
+                <a14:m>
+                  <m:oMath xmlns:m="http://schemas.openxmlformats.org/officeDocument/2006/math">
+                    <m:sSup>
+                      <m:sSupPr>
+                        <m:ctrlPr>
+                          <a:rPr lang="en-GB" b="0" i="1" smtClean="0">
+                            <a:latin typeface="Cambria Math" panose="02040503050406030204" pitchFamily="18" charset="0"/>
+                          </a:rPr>
+                        </m:ctrlPr>
+                      </m:sSupPr>
+                      <m:e>
+                        <m:r>
+                          <a:rPr lang="en-GB" b="0" i="1" smtClean="0">
+                            <a:latin typeface="Cambria Math" panose="02040503050406030204" pitchFamily="18" charset="0"/>
+                          </a:rPr>
+                          <m:t>𝑒</m:t>
+                        </m:r>
+                      </m:e>
+                      <m:sup>
+                        <m:r>
+                          <a:rPr lang="en-GB" b="0" i="1" smtClean="0">
+                            <a:latin typeface="Cambria Math" panose="02040503050406030204" pitchFamily="18" charset="0"/>
+                          </a:rPr>
+                          <m:t>−</m:t>
+                        </m:r>
+                        <m:r>
+                          <a:rPr lang="en-GB" b="0" i="1" smtClean="0">
+                            <a:latin typeface="Cambria Math" panose="02040503050406030204" pitchFamily="18" charset="0"/>
+                          </a:rPr>
+                          <m:t>𝛽</m:t>
+                        </m:r>
+                        <m:sSub>
+                          <m:sSubPr>
+                            <m:ctrlPr>
+                              <a:rPr lang="en-GB" b="0" i="1" smtClean="0">
+                                <a:latin typeface="Cambria Math" panose="02040503050406030204" pitchFamily="18" charset="0"/>
+                              </a:rPr>
+                            </m:ctrlPr>
+                          </m:sSubPr>
+                          <m:e>
+                            <m:r>
+                              <m:rPr>
+                                <m:sty m:val="p"/>
+                              </m:rPr>
+                              <a:rPr lang="en-GB" b="0" i="1" smtClean="0">
+                                <a:latin typeface="Cambria Math" panose="02040503050406030204" pitchFamily="18" charset="0"/>
+                              </a:rPr>
+                              <m:t>t</m:t>
+                            </m:r>
+                          </m:e>
+                          <m:sub>
+                            <m:r>
+                              <a:rPr lang="en-GB" b="0" i="1" smtClean="0">
+                                <a:latin typeface="Cambria Math" panose="02040503050406030204" pitchFamily="18" charset="0"/>
+                              </a:rPr>
+                              <m:t>𝑗𝑖</m:t>
+                            </m:r>
+                          </m:sub>
+                        </m:sSub>
+                      </m:sup>
+                    </m:sSup>
+                  </m:oMath>
+                </a14:m>
+                <a:r>
+                  <a:rPr lang="en-US" dirty="0" smtClean="0"/>
+                  <a:t>represents </a:t>
+                </a:r>
+                <a:r>
+                  <a:rPr lang="en-US" dirty="0" smtClean="0"/>
+                  <a:t>the gain of the propagation channel</a:t>
                 </a:r>
                 <a:endParaRPr lang="en-US" dirty="0"/>
               </a:p>
             </p:txBody>
           </p:sp>
         </mc:Choice>
-        <mc:Fallback xmlns="">
+        <mc:Fallback>
           <p:sp>
             <p:nvSpPr>
               <p:cNvPr id="3" name="Content Placeholder 2"/>
@@ -8960,7 +9235,7 @@
               <a:blipFill rotWithShape="0">
                 <a:blip r:embed="rId3"/>
                 <a:stretch>
-                  <a:fillRect l="-1939" t="-152"/>
+                  <a:fillRect l="-1939"/>
                 </a:stretch>
               </a:blipFill>
             </p:spPr>
@@ -8969,7 +9244,7 @@
               <a:lstStyle/>
               <a:p>
                 <a:r>
-                  <a:rPr lang="en-US">
+                  <a:rPr lang="en-GB">
                     <a:noFill/>
                   </a:rPr>
                   <a:t> </a:t>
@@ -8979,6 +9254,36 @@
           </p:sp>
         </mc:Fallback>
       </mc:AlternateContent>
+      <p:pic>
+        <p:nvPicPr>
+          <p:cNvPr id="4" name="Picture 3"/>
+          <p:cNvPicPr>
+            <a:picLocks noChangeAspect="1"/>
+          </p:cNvPicPr>
+          <p:nvPr/>
+        </p:nvPicPr>
+        <p:blipFill>
+          <a:blip r:embed="rId4">
+            <a:extLst>
+              <a:ext uri="{28A0092B-C50C-407E-A947-70E740481C1C}">
+                <a14:useLocalDpi xmlns:a14="http://schemas.microsoft.com/office/drawing/2010/main" val="0"/>
+              </a:ext>
+            </a:extLst>
+          </a:blip>
+          <a:stretch>
+            <a:fillRect/>
+          </a:stretch>
+        </p:blipFill>
+        <p:spPr>
+          <a:xfrm>
+            <a:off x="822959" y="1845733"/>
+            <a:ext cx="4463583" cy="979109"/>
+          </a:xfrm>
+          <a:prstGeom prst="rect">
+            <a:avLst/>
+          </a:prstGeom>
+        </p:spPr>
+      </p:pic>
     </p:spTree>
     <p:extLst>
       <p:ext uri="{BB962C8B-B14F-4D97-AF65-F5344CB8AC3E}">
@@ -8992,396 +9297,7 @@
   <p:timing>
     <p:tnLst>
       <p:par>
-        <p:cTn id="1" dur="indefinite" restart="never" nodeType="tmRoot">
-          <p:childTnLst>
-            <p:seq concurrent="1" nextAc="seek">
-              <p:cTn id="2" dur="indefinite" nodeType="mainSeq">
-                <p:childTnLst>
-                  <p:par>
-                    <p:cTn id="3" fill="hold">
-                      <p:stCondLst>
-                        <p:cond delay="indefinite"/>
-                      </p:stCondLst>
-                      <p:childTnLst>
-                        <p:par>
-                          <p:cTn id="4" fill="hold">
-                            <p:stCondLst>
-                              <p:cond delay="0"/>
-                            </p:stCondLst>
-                            <p:childTnLst>
-                              <p:par>
-                                <p:cTn id="5" presetID="10" presetClass="entr" presetSubtype="0" fill="hold" nodeType="clickEffect">
-                                  <p:stCondLst>
-                                    <p:cond delay="0"/>
-                                  </p:stCondLst>
-                                  <p:childTnLst>
-                                    <p:set>
-                                      <p:cBhvr>
-                                        <p:cTn id="6" dur="1" fill="hold">
-                                          <p:stCondLst>
-                                            <p:cond delay="0"/>
-                                          </p:stCondLst>
-                                        </p:cTn>
-                                        <p:tgtEl>
-                                          <p:spTgt spid="3">
-                                            <p:txEl>
-                                              <p:pRg st="1" end="1"/>
-                                            </p:txEl>
-                                          </p:spTgt>
-                                        </p:tgtEl>
-                                        <p:attrNameLst>
-                                          <p:attrName>style.visibility</p:attrName>
-                                        </p:attrNameLst>
-                                      </p:cBhvr>
-                                      <p:to>
-                                        <p:strVal val="visible"/>
-                                      </p:to>
-                                    </p:set>
-                                    <p:animEffect transition="in" filter="fade">
-                                      <p:cBhvr>
-                                        <p:cTn id="7" dur="500"/>
-                                        <p:tgtEl>
-                                          <p:spTgt spid="3">
-                                            <p:txEl>
-                                              <p:pRg st="1" end="1"/>
-                                            </p:txEl>
-                                          </p:spTgt>
-                                        </p:tgtEl>
-                                      </p:cBhvr>
-                                    </p:animEffect>
-                                  </p:childTnLst>
-                                </p:cTn>
-                              </p:par>
-                            </p:childTnLst>
-                          </p:cTn>
-                        </p:par>
-                      </p:childTnLst>
-                    </p:cTn>
-                  </p:par>
-                  <p:par>
-                    <p:cTn id="8" fill="hold">
-                      <p:stCondLst>
-                        <p:cond delay="indefinite"/>
-                      </p:stCondLst>
-                      <p:childTnLst>
-                        <p:par>
-                          <p:cTn id="9" fill="hold">
-                            <p:stCondLst>
-                              <p:cond delay="0"/>
-                            </p:stCondLst>
-                            <p:childTnLst>
-                              <p:par>
-                                <p:cTn id="10" presetID="10" presetClass="entr" presetSubtype="0" fill="hold" nodeType="clickEffect">
-                                  <p:stCondLst>
-                                    <p:cond delay="0"/>
-                                  </p:stCondLst>
-                                  <p:childTnLst>
-                                    <p:set>
-                                      <p:cBhvr>
-                                        <p:cTn id="11" dur="1" fill="hold">
-                                          <p:stCondLst>
-                                            <p:cond delay="0"/>
-                                          </p:stCondLst>
-                                        </p:cTn>
-                                        <p:tgtEl>
-                                          <p:spTgt spid="3">
-                                            <p:txEl>
-                                              <p:pRg st="2" end="2"/>
-                                            </p:txEl>
-                                          </p:spTgt>
-                                        </p:tgtEl>
-                                        <p:attrNameLst>
-                                          <p:attrName>style.visibility</p:attrName>
-                                        </p:attrNameLst>
-                                      </p:cBhvr>
-                                      <p:to>
-                                        <p:strVal val="visible"/>
-                                      </p:to>
-                                    </p:set>
-                                    <p:animEffect transition="in" filter="fade">
-                                      <p:cBhvr>
-                                        <p:cTn id="12" dur="500"/>
-                                        <p:tgtEl>
-                                          <p:spTgt spid="3">
-                                            <p:txEl>
-                                              <p:pRg st="2" end="2"/>
-                                            </p:txEl>
-                                          </p:spTgt>
-                                        </p:tgtEl>
-                                      </p:cBhvr>
-                                    </p:animEffect>
-                                  </p:childTnLst>
-                                </p:cTn>
-                              </p:par>
-                            </p:childTnLst>
-                          </p:cTn>
-                        </p:par>
-                      </p:childTnLst>
-                    </p:cTn>
-                  </p:par>
-                  <p:par>
-                    <p:cTn id="13" fill="hold">
-                      <p:stCondLst>
-                        <p:cond delay="indefinite"/>
-                      </p:stCondLst>
-                      <p:childTnLst>
-                        <p:par>
-                          <p:cTn id="14" fill="hold">
-                            <p:stCondLst>
-                              <p:cond delay="0"/>
-                            </p:stCondLst>
-                            <p:childTnLst>
-                              <p:par>
-                                <p:cTn id="15" presetID="10" presetClass="entr" presetSubtype="0" fill="hold" nodeType="clickEffect">
-                                  <p:stCondLst>
-                                    <p:cond delay="0"/>
-                                  </p:stCondLst>
-                                  <p:childTnLst>
-                                    <p:set>
-                                      <p:cBhvr>
-                                        <p:cTn id="16" dur="1" fill="hold">
-                                          <p:stCondLst>
-                                            <p:cond delay="0"/>
-                                          </p:stCondLst>
-                                        </p:cTn>
-                                        <p:tgtEl>
-                                          <p:spTgt spid="3">
-                                            <p:txEl>
-                                              <p:pRg st="3" end="3"/>
-                                            </p:txEl>
-                                          </p:spTgt>
-                                        </p:tgtEl>
-                                        <p:attrNameLst>
-                                          <p:attrName>style.visibility</p:attrName>
-                                        </p:attrNameLst>
-                                      </p:cBhvr>
-                                      <p:to>
-                                        <p:strVal val="visible"/>
-                                      </p:to>
-                                    </p:set>
-                                    <p:animEffect transition="in" filter="fade">
-                                      <p:cBhvr>
-                                        <p:cTn id="17" dur="500"/>
-                                        <p:tgtEl>
-                                          <p:spTgt spid="3">
-                                            <p:txEl>
-                                              <p:pRg st="3" end="3"/>
-                                            </p:txEl>
-                                          </p:spTgt>
-                                        </p:tgtEl>
-                                      </p:cBhvr>
-                                    </p:animEffect>
-                                  </p:childTnLst>
-                                </p:cTn>
-                              </p:par>
-                            </p:childTnLst>
-                          </p:cTn>
-                        </p:par>
-                      </p:childTnLst>
-                    </p:cTn>
-                  </p:par>
-                  <p:par>
-                    <p:cTn id="18" fill="hold">
-                      <p:stCondLst>
-                        <p:cond delay="indefinite"/>
-                      </p:stCondLst>
-                      <p:childTnLst>
-                        <p:par>
-                          <p:cTn id="19" fill="hold">
-                            <p:stCondLst>
-                              <p:cond delay="0"/>
-                            </p:stCondLst>
-                            <p:childTnLst>
-                              <p:par>
-                                <p:cTn id="20" presetID="10" presetClass="entr" presetSubtype="0" fill="hold" nodeType="clickEffect">
-                                  <p:stCondLst>
-                                    <p:cond delay="0"/>
-                                  </p:stCondLst>
-                                  <p:childTnLst>
-                                    <p:set>
-                                      <p:cBhvr>
-                                        <p:cTn id="21" dur="1" fill="hold">
-                                          <p:stCondLst>
-                                            <p:cond delay="0"/>
-                                          </p:stCondLst>
-                                        </p:cTn>
-                                        <p:tgtEl>
-                                          <p:spTgt spid="3">
-                                            <p:txEl>
-                                              <p:pRg st="4" end="4"/>
-                                            </p:txEl>
-                                          </p:spTgt>
-                                        </p:tgtEl>
-                                        <p:attrNameLst>
-                                          <p:attrName>style.visibility</p:attrName>
-                                        </p:attrNameLst>
-                                      </p:cBhvr>
-                                      <p:to>
-                                        <p:strVal val="visible"/>
-                                      </p:to>
-                                    </p:set>
-                                    <p:animEffect transition="in" filter="fade">
-                                      <p:cBhvr>
-                                        <p:cTn id="22" dur="500"/>
-                                        <p:tgtEl>
-                                          <p:spTgt spid="3">
-                                            <p:txEl>
-                                              <p:pRg st="4" end="4"/>
-                                            </p:txEl>
-                                          </p:spTgt>
-                                        </p:tgtEl>
-                                      </p:cBhvr>
-                                    </p:animEffect>
-                                  </p:childTnLst>
-                                </p:cTn>
-                              </p:par>
-                            </p:childTnLst>
-                          </p:cTn>
-                        </p:par>
-                      </p:childTnLst>
-                    </p:cTn>
-                  </p:par>
-                  <p:par>
-                    <p:cTn id="23" fill="hold">
-                      <p:stCondLst>
-                        <p:cond delay="indefinite"/>
-                      </p:stCondLst>
-                      <p:childTnLst>
-                        <p:par>
-                          <p:cTn id="24" fill="hold">
-                            <p:stCondLst>
-                              <p:cond delay="0"/>
-                            </p:stCondLst>
-                            <p:childTnLst>
-                              <p:par>
-                                <p:cTn id="25" presetID="10" presetClass="entr" presetSubtype="0" fill="hold" nodeType="clickEffect">
-                                  <p:stCondLst>
-                                    <p:cond delay="0"/>
-                                  </p:stCondLst>
-                                  <p:childTnLst>
-                                    <p:set>
-                                      <p:cBhvr>
-                                        <p:cTn id="26" dur="1" fill="hold">
-                                          <p:stCondLst>
-                                            <p:cond delay="0"/>
-                                          </p:stCondLst>
-                                        </p:cTn>
-                                        <p:tgtEl>
-                                          <p:spTgt spid="3">
-                                            <p:txEl>
-                                              <p:pRg st="5" end="5"/>
-                                            </p:txEl>
-                                          </p:spTgt>
-                                        </p:tgtEl>
-                                        <p:attrNameLst>
-                                          <p:attrName>style.visibility</p:attrName>
-                                        </p:attrNameLst>
-                                      </p:cBhvr>
-                                      <p:to>
-                                        <p:strVal val="visible"/>
-                                      </p:to>
-                                    </p:set>
-                                    <p:animEffect transition="in" filter="fade">
-                                      <p:cBhvr>
-                                        <p:cTn id="27" dur="500"/>
-                                        <p:tgtEl>
-                                          <p:spTgt spid="3">
-                                            <p:txEl>
-                                              <p:pRg st="5" end="5"/>
-                                            </p:txEl>
-                                          </p:spTgt>
-                                        </p:tgtEl>
-                                      </p:cBhvr>
-                                    </p:animEffect>
-                                  </p:childTnLst>
-                                </p:cTn>
-                              </p:par>
-                            </p:childTnLst>
-                          </p:cTn>
-                        </p:par>
-                      </p:childTnLst>
-                    </p:cTn>
-                  </p:par>
-                  <p:par>
-                    <p:cTn id="28" fill="hold">
-                      <p:stCondLst>
-                        <p:cond delay="indefinite"/>
-                      </p:stCondLst>
-                      <p:childTnLst>
-                        <p:par>
-                          <p:cTn id="29" fill="hold">
-                            <p:stCondLst>
-                              <p:cond delay="0"/>
-                            </p:stCondLst>
-                            <p:childTnLst>
-                              <p:par>
-                                <p:cTn id="30" presetID="10" presetClass="entr" presetSubtype="0" fill="hold" nodeType="clickEffect">
-                                  <p:stCondLst>
-                                    <p:cond delay="0"/>
-                                  </p:stCondLst>
-                                  <p:childTnLst>
-                                    <p:set>
-                                      <p:cBhvr>
-                                        <p:cTn id="31" dur="1" fill="hold">
-                                          <p:stCondLst>
-                                            <p:cond delay="0"/>
-                                          </p:stCondLst>
-                                        </p:cTn>
-                                        <p:tgtEl>
-                                          <p:spTgt spid="3">
-                                            <p:txEl>
-                                              <p:pRg st="6" end="6"/>
-                                            </p:txEl>
-                                          </p:spTgt>
-                                        </p:tgtEl>
-                                        <p:attrNameLst>
-                                          <p:attrName>style.visibility</p:attrName>
-                                        </p:attrNameLst>
-                                      </p:cBhvr>
-                                      <p:to>
-                                        <p:strVal val="visible"/>
-                                      </p:to>
-                                    </p:set>
-                                    <p:animEffect transition="in" filter="fade">
-                                      <p:cBhvr>
-                                        <p:cTn id="32" dur="500"/>
-                                        <p:tgtEl>
-                                          <p:spTgt spid="3">
-                                            <p:txEl>
-                                              <p:pRg st="6" end="6"/>
-                                            </p:txEl>
-                                          </p:spTgt>
-                                        </p:tgtEl>
-                                      </p:cBhvr>
-                                    </p:animEffect>
-                                  </p:childTnLst>
-                                </p:cTn>
-                              </p:par>
-                            </p:childTnLst>
-                          </p:cTn>
-                        </p:par>
-                      </p:childTnLst>
-                    </p:cTn>
-                  </p:par>
-                </p:childTnLst>
-              </p:cTn>
-              <p:prevCondLst>
-                <p:cond evt="onPrev" delay="0">
-                  <p:tgtEl>
-                    <p:sldTgt/>
-                  </p:tgtEl>
-                </p:cond>
-              </p:prevCondLst>
-              <p:nextCondLst>
-                <p:cond evt="onNext" delay="0">
-                  <p:tgtEl>
-                    <p:sldTgt/>
-                  </p:tgtEl>
-                </p:cond>
-              </p:nextCondLst>
-            </p:seq>
-          </p:childTnLst>
-        </p:cTn>
+        <p:cTn id="1" dur="indefinite" restart="never" nodeType="tmRoot"/>
       </p:par>
     </p:tnLst>
   </p:timing>
@@ -9428,8 +9344,8 @@
           </a:p>
         </p:txBody>
       </p:sp>
-      <mc:AlternateContent xmlns:mc="http://schemas.openxmlformats.org/markup-compatibility/2006" xmlns:a14="http://schemas.microsoft.com/office/drawing/2010/main">
-        <mc:Choice Requires="a14">
+      <mc:AlternateContent xmlns:mc="http://schemas.openxmlformats.org/markup-compatibility/2006">
+        <mc:Choice xmlns:a14="http://schemas.microsoft.com/office/drawing/2010/main" Requires="a14">
           <p:sp>
             <p:nvSpPr>
               <p:cNvPr id="3" name="Content Placeholder 2"/>
@@ -9443,7 +9359,7 @@
             <p:spPr/>
             <p:txBody>
               <a:bodyPr>
-                <a:normAutofit fontScale="92500" lnSpcReduction="10000"/>
+                <a:normAutofit fontScale="92500" lnSpcReduction="20000"/>
               </a:bodyPr>
               <a:lstStyle/>
               <a:p>
@@ -9471,6 +9387,79 @@
                   <a:buFont typeface="Wingdings" panose="05000000000000000000" pitchFamily="2" charset="2"/>
                   <a:buChar char="Ø"/>
                 </a:pPr>
+                <a14:m>
+                  <m:oMath xmlns:m="http://schemas.openxmlformats.org/officeDocument/2006/math">
+                    <m:r>
+                      <a:rPr lang="en-GB" sz="2000" b="0" i="1" smtClean="0">
+                        <a:latin typeface="Cambria Math" panose="02040503050406030204" pitchFamily="18" charset="0"/>
+                      </a:rPr>
+                      <m:t>−</m:t>
+                    </m:r>
+                    <m:f>
+                      <m:fPr>
+                        <m:ctrlPr>
+                          <a:rPr lang="en-GB" sz="2000" b="0" i="1" smtClean="0">
+                            <a:latin typeface="Cambria Math" panose="02040503050406030204" pitchFamily="18" charset="0"/>
+                          </a:rPr>
+                        </m:ctrlPr>
+                      </m:fPr>
+                      <m:num>
+                        <m:sSub>
+                          <m:sSubPr>
+                            <m:ctrlPr>
+                              <a:rPr lang="en-GB" sz="2000" b="0" i="1" smtClean="0">
+                                <a:latin typeface="Cambria Math" panose="02040503050406030204" pitchFamily="18" charset="0"/>
+                              </a:rPr>
+                            </m:ctrlPr>
+                          </m:sSubPr>
+                          <m:e>
+                            <m:r>
+                              <a:rPr lang="en-GB" sz="2000" b="0" i="1" smtClean="0">
+                                <a:latin typeface="Cambria Math" panose="02040503050406030204" pitchFamily="18" charset="0"/>
+                              </a:rPr>
+                              <m:t>𝑥</m:t>
+                            </m:r>
+                          </m:e>
+                          <m:sub>
+                            <m:r>
+                              <a:rPr lang="en-GB" sz="2000" b="0" i="1" smtClean="0">
+                                <a:latin typeface="Cambria Math" panose="02040503050406030204" pitchFamily="18" charset="0"/>
+                              </a:rPr>
+                              <m:t>𝑖</m:t>
+                            </m:r>
+                          </m:sub>
+                        </m:sSub>
+                      </m:num>
+                      <m:den>
+                        <m:sSub>
+                          <m:sSubPr>
+                            <m:ctrlPr>
+                              <a:rPr lang="en-GB" sz="2000" b="0" i="1" smtClean="0">
+                                <a:latin typeface="Cambria Math" panose="02040503050406030204" pitchFamily="18" charset="0"/>
+                              </a:rPr>
+                            </m:ctrlPr>
+                          </m:sSubPr>
+                          <m:e>
+                            <m:r>
+                              <a:rPr lang="en-GB" sz="2000" b="0" i="1" smtClean="0">
+                                <a:latin typeface="Cambria Math" panose="02040503050406030204" pitchFamily="18" charset="0"/>
+                              </a:rPr>
+                              <m:t>𝜏</m:t>
+                            </m:r>
+                          </m:e>
+                          <m:sub>
+                            <m:r>
+                              <a:rPr lang="en-GB" sz="2000" b="0" i="1" smtClean="0">
+                                <a:latin typeface="Cambria Math" panose="02040503050406030204" pitchFamily="18" charset="0"/>
+                              </a:rPr>
+                              <m:t>𝑖</m:t>
+                            </m:r>
+                          </m:sub>
+                        </m:sSub>
+                      </m:den>
+                    </m:f>
+                  </m:oMath>
+                </a14:m>
                 <a:endParaRPr lang="en-US" sz="2000" dirty="0" smtClean="0"/>
               </a:p>
               <a:p>
@@ -9482,6 +9471,21 @@
                   <a:rPr lang="en-US" dirty="0" smtClean="0"/>
                   <a:t>Disturbance from neighbors </a:t>
                 </a:r>
+                <a:endParaRPr lang="en-US" dirty="0"/>
+              </a:p>
+              <a:p>
+                <a:pPr lvl="3">
+                  <a:buFont typeface="Wingdings" panose="05000000000000000000" pitchFamily="2" charset="2"/>
+                  <a:buChar char="Ø"/>
+                </a:pPr>
+                <a:endParaRPr lang="en-US" dirty="0" smtClean="0"/>
+              </a:p>
+              <a:p>
+                <a:pPr lvl="3">
+                  <a:buFont typeface="Wingdings" panose="05000000000000000000" pitchFamily="2" charset="2"/>
+                  <a:buChar char="Ø"/>
+                </a:pPr>
+                <a:endParaRPr lang="en-US" dirty="0" smtClean="0"/>
               </a:p>
               <a:p>
                 <a:pPr lvl="2">
@@ -9563,7 +9567,7 @@
             </p:txBody>
           </p:sp>
         </mc:Choice>
-        <mc:Fallback xmlns="">
+        <mc:Fallback>
           <p:sp>
             <p:nvSpPr>
               <p:cNvPr id="3" name="Content Placeholder 2"/>
@@ -9578,7 +9582,7 @@
               <a:blipFill rotWithShape="0">
                 <a:blip r:embed="rId3"/>
                 <a:stretch>
-                  <a:fillRect l="-1777" t="-1970" b="-758"/>
+                  <a:fillRect l="-1777" t="-2576"/>
                 </a:stretch>
               </a:blipFill>
             </p:spPr>
@@ -9587,7 +9591,7 @@
               <a:lstStyle/>
               <a:p>
                 <a:r>
-                  <a:rPr lang="en-US">
+                  <a:rPr lang="en-GB">
                     <a:noFill/>
                   </a:rPr>
                   <a:t> </a:t>
@@ -9597,6 +9601,35 @@
           </p:sp>
         </mc:Fallback>
       </mc:AlternateContent>
+      <p:pic>
+        <p:nvPicPr>
+          <p:cNvPr id="5" name="Picture 4"/>
+          <p:cNvPicPr>
+            <a:picLocks noChangeAspect="1"/>
+          </p:cNvPicPr>
+          <p:nvPr/>
+        </p:nvPicPr>
+        <p:blipFill rotWithShape="1">
+          <a:blip r:embed="rId4">
+            <a:extLst>
+              <a:ext uri="{28A0092B-C50C-407E-A947-70E740481C1C}">
+                <a14:useLocalDpi xmlns:a14="http://schemas.microsoft.com/office/drawing/2010/main" val="0"/>
+              </a:ext>
+            </a:extLst>
+          </a:blip>
+          <a:srcRect l="39424" t="6140" r="-1836" b="8378"/>
+          <a:stretch/>
+        </p:blipFill>
+        <p:spPr>
+          <a:xfrm>
+            <a:off x="1518557" y="2971800"/>
+            <a:ext cx="2220686" cy="669471"/>
+          </a:xfrm>
+          <a:prstGeom prst="rect">
+            <a:avLst/>
+          </a:prstGeom>
+        </p:spPr>
+      </p:pic>
     </p:spTree>
     <p:extLst>
       <p:ext uri="{BB962C8B-B14F-4D97-AF65-F5344CB8AC3E}">
@@ -9610,647 +9643,7 @@
   <p:timing>
     <p:tnLst>
       <p:par>
-        <p:cTn id="1" dur="indefinite" restart="never" nodeType="tmRoot">
-          <p:childTnLst>
-            <p:seq concurrent="1" nextAc="seek">
-              <p:cTn id="2" dur="indefinite" nodeType="mainSeq">
-                <p:childTnLst>
-                  <p:par>
-                    <p:cTn id="3" fill="hold">
-                      <p:stCondLst>
-                        <p:cond delay="indefinite"/>
-                      </p:stCondLst>
-                      <p:childTnLst>
-                        <p:par>
-                          <p:cTn id="4" fill="hold">
-                            <p:stCondLst>
-                              <p:cond delay="0"/>
-                            </p:stCondLst>
-                            <p:childTnLst>
-                              <p:par>
-                                <p:cTn id="5" presetID="10" presetClass="entr" presetSubtype="0" fill="hold" nodeType="clickEffect">
-                                  <p:stCondLst>
-                                    <p:cond delay="0"/>
-                                  </p:stCondLst>
-                                  <p:childTnLst>
-                                    <p:set>
-                                      <p:cBhvr>
-                                        <p:cTn id="6" dur="1" fill="hold">
-                                          <p:stCondLst>
-                                            <p:cond delay="0"/>
-                                          </p:stCondLst>
-                                        </p:cTn>
-                                        <p:tgtEl>
-                                          <p:spTgt spid="3">
-                                            <p:txEl>
-                                              <p:pRg st="1" end="1"/>
-                                            </p:txEl>
-                                          </p:spTgt>
-                                        </p:tgtEl>
-                                        <p:attrNameLst>
-                                          <p:attrName>style.visibility</p:attrName>
-                                        </p:attrNameLst>
-                                      </p:cBhvr>
-                                      <p:to>
-                                        <p:strVal val="visible"/>
-                                      </p:to>
-                                    </p:set>
-                                    <p:animEffect transition="in" filter="fade">
-                                      <p:cBhvr>
-                                        <p:cTn id="7" dur="500"/>
-                                        <p:tgtEl>
-                                          <p:spTgt spid="3">
-                                            <p:txEl>
-                                              <p:pRg st="1" end="1"/>
-                                            </p:txEl>
-                                          </p:spTgt>
-                                        </p:tgtEl>
-                                      </p:cBhvr>
-                                    </p:animEffect>
-                                  </p:childTnLst>
-                                </p:cTn>
-                              </p:par>
-                              <p:par>
-                                <p:cTn id="8" presetID="10" presetClass="entr" presetSubtype="0" fill="hold" nodeType="withEffect">
-                                  <p:stCondLst>
-                                    <p:cond delay="0"/>
-                                  </p:stCondLst>
-                                  <p:childTnLst>
-                                    <p:set>
-                                      <p:cBhvr>
-                                        <p:cTn id="9" dur="1" fill="hold">
-                                          <p:stCondLst>
-                                            <p:cond delay="0"/>
-                                          </p:stCondLst>
-                                        </p:cTn>
-                                        <p:tgtEl>
-                                          <p:spTgt spid="3">
-                                            <p:txEl>
-                                              <p:pRg st="2" end="2"/>
-                                            </p:txEl>
-                                          </p:spTgt>
-                                        </p:tgtEl>
-                                        <p:attrNameLst>
-                                          <p:attrName>style.visibility</p:attrName>
-                                        </p:attrNameLst>
-                                      </p:cBhvr>
-                                      <p:to>
-                                        <p:strVal val="visible"/>
-                                      </p:to>
-                                    </p:set>
-                                    <p:animEffect transition="in" filter="fade">
-                                      <p:cBhvr>
-                                        <p:cTn id="10" dur="500"/>
-                                        <p:tgtEl>
-                                          <p:spTgt spid="3">
-                                            <p:txEl>
-                                              <p:pRg st="2" end="2"/>
-                                            </p:txEl>
-                                          </p:spTgt>
-                                        </p:tgtEl>
-                                      </p:cBhvr>
-                                    </p:animEffect>
-                                  </p:childTnLst>
-                                </p:cTn>
-                              </p:par>
-                            </p:childTnLst>
-                          </p:cTn>
-                        </p:par>
-                      </p:childTnLst>
-                    </p:cTn>
-                  </p:par>
-                  <p:par>
-                    <p:cTn id="11" fill="hold">
-                      <p:stCondLst>
-                        <p:cond delay="indefinite"/>
-                      </p:stCondLst>
-                      <p:childTnLst>
-                        <p:par>
-                          <p:cTn id="12" fill="hold">
-                            <p:stCondLst>
-                              <p:cond delay="0"/>
-                            </p:stCondLst>
-                            <p:childTnLst>
-                              <p:par>
-                                <p:cTn id="13" presetID="10" presetClass="entr" presetSubtype="0" fill="hold" nodeType="clickEffect">
-                                  <p:stCondLst>
-                                    <p:cond delay="0"/>
-                                  </p:stCondLst>
-                                  <p:childTnLst>
-                                    <p:set>
-                                      <p:cBhvr>
-                                        <p:cTn id="14" dur="1" fill="hold">
-                                          <p:stCondLst>
-                                            <p:cond delay="0"/>
-                                          </p:stCondLst>
-                                        </p:cTn>
-                                        <p:tgtEl>
-                                          <p:spTgt spid="3">
-                                            <p:txEl>
-                                              <p:pRg st="3" end="3"/>
-                                            </p:txEl>
-                                          </p:spTgt>
-                                        </p:tgtEl>
-                                        <p:attrNameLst>
-                                          <p:attrName>style.visibility</p:attrName>
-                                        </p:attrNameLst>
-                                      </p:cBhvr>
-                                      <p:to>
-                                        <p:strVal val="visible"/>
-                                      </p:to>
-                                    </p:set>
-                                    <p:animEffect transition="in" filter="fade">
-                                      <p:cBhvr>
-                                        <p:cTn id="15" dur="500"/>
-                                        <p:tgtEl>
-                                          <p:spTgt spid="3">
-                                            <p:txEl>
-                                              <p:pRg st="3" end="3"/>
-                                            </p:txEl>
-                                          </p:spTgt>
-                                        </p:tgtEl>
-                                      </p:cBhvr>
-                                    </p:animEffect>
-                                  </p:childTnLst>
-                                </p:cTn>
-                              </p:par>
-                              <p:par>
-                                <p:cTn id="16" presetID="10" presetClass="entr" presetSubtype="0" fill="hold" nodeType="withEffect">
-                                  <p:stCondLst>
-                                    <p:cond delay="0"/>
-                                  </p:stCondLst>
-                                  <p:childTnLst>
-                                    <p:set>
-                                      <p:cBhvr>
-                                        <p:cTn id="17" dur="1" fill="hold">
-                                          <p:stCondLst>
-                                            <p:cond delay="0"/>
-                                          </p:stCondLst>
-                                        </p:cTn>
-                                        <p:tgtEl>
-                                          <p:spTgt spid="3">
-                                            <p:txEl>
-                                              <p:pRg st="4" end="4"/>
-                                            </p:txEl>
-                                          </p:spTgt>
-                                        </p:tgtEl>
-                                        <p:attrNameLst>
-                                          <p:attrName>style.visibility</p:attrName>
-                                        </p:attrNameLst>
-                                      </p:cBhvr>
-                                      <p:to>
-                                        <p:strVal val="visible"/>
-                                      </p:to>
-                                    </p:set>
-                                    <p:animEffect transition="in" filter="fade">
-                                      <p:cBhvr>
-                                        <p:cTn id="18" dur="500"/>
-                                        <p:tgtEl>
-                                          <p:spTgt spid="3">
-                                            <p:txEl>
-                                              <p:pRg st="4" end="4"/>
-                                            </p:txEl>
-                                          </p:spTgt>
-                                        </p:tgtEl>
-                                      </p:cBhvr>
-                                    </p:animEffect>
-                                  </p:childTnLst>
-                                </p:cTn>
-                              </p:par>
-                            </p:childTnLst>
-                          </p:cTn>
-                        </p:par>
-                      </p:childTnLst>
-                    </p:cTn>
-                  </p:par>
-                  <p:par>
-                    <p:cTn id="19" fill="hold">
-                      <p:stCondLst>
-                        <p:cond delay="indefinite"/>
-                      </p:stCondLst>
-                      <p:childTnLst>
-                        <p:par>
-                          <p:cTn id="20" fill="hold">
-                            <p:stCondLst>
-                              <p:cond delay="0"/>
-                            </p:stCondLst>
-                            <p:childTnLst>
-                              <p:par>
-                                <p:cTn id="21" presetID="10" presetClass="entr" presetSubtype="0" fill="hold" nodeType="clickEffect">
-                                  <p:stCondLst>
-                                    <p:cond delay="0"/>
-                                  </p:stCondLst>
-                                  <p:childTnLst>
-                                    <p:set>
-                                      <p:cBhvr>
-                                        <p:cTn id="22" dur="1" fill="hold">
-                                          <p:stCondLst>
-                                            <p:cond delay="0"/>
-                                          </p:stCondLst>
-                                        </p:cTn>
-                                        <p:tgtEl>
-                                          <p:spTgt spid="3">
-                                            <p:txEl>
-                                              <p:pRg st="5" end="5"/>
-                                            </p:txEl>
-                                          </p:spTgt>
-                                        </p:tgtEl>
-                                        <p:attrNameLst>
-                                          <p:attrName>style.visibility</p:attrName>
-                                        </p:attrNameLst>
-                                      </p:cBhvr>
-                                      <p:to>
-                                        <p:strVal val="visible"/>
-                                      </p:to>
-                                    </p:set>
-                                    <p:animEffect transition="in" filter="fade">
-                                      <p:cBhvr>
-                                        <p:cTn id="23" dur="500"/>
-                                        <p:tgtEl>
-                                          <p:spTgt spid="3">
-                                            <p:txEl>
-                                              <p:pRg st="5" end="5"/>
-                                            </p:txEl>
-                                          </p:spTgt>
-                                        </p:tgtEl>
-                                      </p:cBhvr>
-                                    </p:animEffect>
-                                  </p:childTnLst>
-                                </p:cTn>
-                              </p:par>
-                            </p:childTnLst>
-                          </p:cTn>
-                        </p:par>
-                      </p:childTnLst>
-                    </p:cTn>
-                  </p:par>
-                  <p:par>
-                    <p:cTn id="24" fill="hold">
-                      <p:stCondLst>
-                        <p:cond delay="indefinite"/>
-                      </p:stCondLst>
-                      <p:childTnLst>
-                        <p:par>
-                          <p:cTn id="25" fill="hold">
-                            <p:stCondLst>
-                              <p:cond delay="0"/>
-                            </p:stCondLst>
-                            <p:childTnLst>
-                              <p:par>
-                                <p:cTn id="26" presetID="10" presetClass="entr" presetSubtype="0" fill="hold" nodeType="clickEffect">
-                                  <p:stCondLst>
-                                    <p:cond delay="0"/>
-                                  </p:stCondLst>
-                                  <p:childTnLst>
-                                    <p:set>
-                                      <p:cBhvr>
-                                        <p:cTn id="27" dur="1" fill="hold">
-                                          <p:stCondLst>
-                                            <p:cond delay="0"/>
-                                          </p:stCondLst>
-                                        </p:cTn>
-                                        <p:tgtEl>
-                                          <p:spTgt spid="3">
-                                            <p:txEl>
-                                              <p:pRg st="6" end="6"/>
-                                            </p:txEl>
-                                          </p:spTgt>
-                                        </p:tgtEl>
-                                        <p:attrNameLst>
-                                          <p:attrName>style.visibility</p:attrName>
-                                        </p:attrNameLst>
-                                      </p:cBhvr>
-                                      <p:to>
-                                        <p:strVal val="visible"/>
-                                      </p:to>
-                                    </p:set>
-                                    <p:animEffect transition="in" filter="fade">
-                                      <p:cBhvr>
-                                        <p:cTn id="28" dur="500"/>
-                                        <p:tgtEl>
-                                          <p:spTgt spid="3">
-                                            <p:txEl>
-                                              <p:pRg st="6" end="6"/>
-                                            </p:txEl>
-                                          </p:spTgt>
-                                        </p:tgtEl>
-                                      </p:cBhvr>
-                                    </p:animEffect>
-                                  </p:childTnLst>
-                                </p:cTn>
-                              </p:par>
-                            </p:childTnLst>
-                          </p:cTn>
-                        </p:par>
-                      </p:childTnLst>
-                    </p:cTn>
-                  </p:par>
-                  <p:par>
-                    <p:cTn id="29" fill="hold">
-                      <p:stCondLst>
-                        <p:cond delay="indefinite"/>
-                      </p:stCondLst>
-                      <p:childTnLst>
-                        <p:par>
-                          <p:cTn id="30" fill="hold">
-                            <p:stCondLst>
-                              <p:cond delay="0"/>
-                            </p:stCondLst>
-                            <p:childTnLst>
-                              <p:par>
-                                <p:cTn id="31" presetID="10" presetClass="entr" presetSubtype="0" fill="hold" nodeType="clickEffect">
-                                  <p:stCondLst>
-                                    <p:cond delay="0"/>
-                                  </p:stCondLst>
-                                  <p:childTnLst>
-                                    <p:set>
-                                      <p:cBhvr>
-                                        <p:cTn id="32" dur="1" fill="hold">
-                                          <p:stCondLst>
-                                            <p:cond delay="0"/>
-                                          </p:stCondLst>
-                                        </p:cTn>
-                                        <p:tgtEl>
-                                          <p:spTgt spid="3">
-                                            <p:txEl>
-                                              <p:pRg st="7" end="7"/>
-                                            </p:txEl>
-                                          </p:spTgt>
-                                        </p:tgtEl>
-                                        <p:attrNameLst>
-                                          <p:attrName>style.visibility</p:attrName>
-                                        </p:attrNameLst>
-                                      </p:cBhvr>
-                                      <p:to>
-                                        <p:strVal val="visible"/>
-                                      </p:to>
-                                    </p:set>
-                                    <p:animEffect transition="in" filter="fade">
-                                      <p:cBhvr>
-                                        <p:cTn id="33" dur="500"/>
-                                        <p:tgtEl>
-                                          <p:spTgt spid="3">
-                                            <p:txEl>
-                                              <p:pRg st="7" end="7"/>
-                                            </p:txEl>
-                                          </p:spTgt>
-                                        </p:tgtEl>
-                                      </p:cBhvr>
-                                    </p:animEffect>
-                                  </p:childTnLst>
-                                </p:cTn>
-                              </p:par>
-                            </p:childTnLst>
-                          </p:cTn>
-                        </p:par>
-                      </p:childTnLst>
-                    </p:cTn>
-                  </p:par>
-                  <p:par>
-                    <p:cTn id="34" fill="hold">
-                      <p:stCondLst>
-                        <p:cond delay="indefinite"/>
-                      </p:stCondLst>
-                      <p:childTnLst>
-                        <p:par>
-                          <p:cTn id="35" fill="hold">
-                            <p:stCondLst>
-                              <p:cond delay="0"/>
-                            </p:stCondLst>
-                            <p:childTnLst>
-                              <p:par>
-                                <p:cTn id="36" presetID="10" presetClass="entr" presetSubtype="0" fill="hold" nodeType="clickEffect">
-                                  <p:stCondLst>
-                                    <p:cond delay="0"/>
-                                  </p:stCondLst>
-                                  <p:childTnLst>
-                                    <p:set>
-                                      <p:cBhvr>
-                                        <p:cTn id="37" dur="1" fill="hold">
-                                          <p:stCondLst>
-                                            <p:cond delay="0"/>
-                                          </p:stCondLst>
-                                        </p:cTn>
-                                        <p:tgtEl>
-                                          <p:spTgt spid="3">
-                                            <p:txEl>
-                                              <p:pRg st="8" end="8"/>
-                                            </p:txEl>
-                                          </p:spTgt>
-                                        </p:tgtEl>
-                                        <p:attrNameLst>
-                                          <p:attrName>style.visibility</p:attrName>
-                                        </p:attrNameLst>
-                                      </p:cBhvr>
-                                      <p:to>
-                                        <p:strVal val="visible"/>
-                                      </p:to>
-                                    </p:set>
-                                    <p:animEffect transition="in" filter="fade">
-                                      <p:cBhvr>
-                                        <p:cTn id="38" dur="500"/>
-                                        <p:tgtEl>
-                                          <p:spTgt spid="3">
-                                            <p:txEl>
-                                              <p:pRg st="8" end="8"/>
-                                            </p:txEl>
-                                          </p:spTgt>
-                                        </p:tgtEl>
-                                      </p:cBhvr>
-                                    </p:animEffect>
-                                  </p:childTnLst>
-                                </p:cTn>
-                              </p:par>
-                            </p:childTnLst>
-                          </p:cTn>
-                        </p:par>
-                      </p:childTnLst>
-                    </p:cTn>
-                  </p:par>
-                  <p:par>
-                    <p:cTn id="39" fill="hold">
-                      <p:stCondLst>
-                        <p:cond delay="indefinite"/>
-                      </p:stCondLst>
-                      <p:childTnLst>
-                        <p:par>
-                          <p:cTn id="40" fill="hold">
-                            <p:stCondLst>
-                              <p:cond delay="0"/>
-                            </p:stCondLst>
-                            <p:childTnLst>
-                              <p:par>
-                                <p:cTn id="41" presetID="10" presetClass="entr" presetSubtype="0" fill="hold" nodeType="clickEffect">
-                                  <p:stCondLst>
-                                    <p:cond delay="0"/>
-                                  </p:stCondLst>
-                                  <p:childTnLst>
-                                    <p:set>
-                                      <p:cBhvr>
-                                        <p:cTn id="42" dur="1" fill="hold">
-                                          <p:stCondLst>
-                                            <p:cond delay="0"/>
-                                          </p:stCondLst>
-                                        </p:cTn>
-                                        <p:tgtEl>
-                                          <p:spTgt spid="3">
-                                            <p:txEl>
-                                              <p:pRg st="9" end="9"/>
-                                            </p:txEl>
-                                          </p:spTgt>
-                                        </p:tgtEl>
-                                        <p:attrNameLst>
-                                          <p:attrName>style.visibility</p:attrName>
-                                        </p:attrNameLst>
-                                      </p:cBhvr>
-                                      <p:to>
-                                        <p:strVal val="visible"/>
-                                      </p:to>
-                                    </p:set>
-                                    <p:animEffect transition="in" filter="fade">
-                                      <p:cBhvr>
-                                        <p:cTn id="43" dur="500"/>
-                                        <p:tgtEl>
-                                          <p:spTgt spid="3">
-                                            <p:txEl>
-                                              <p:pRg st="9" end="9"/>
-                                            </p:txEl>
-                                          </p:spTgt>
-                                        </p:tgtEl>
-                                      </p:cBhvr>
-                                    </p:animEffect>
-                                  </p:childTnLst>
-                                </p:cTn>
-                              </p:par>
-                            </p:childTnLst>
-                          </p:cTn>
-                        </p:par>
-                      </p:childTnLst>
-                    </p:cTn>
-                  </p:par>
-                  <p:par>
-                    <p:cTn id="44" fill="hold">
-                      <p:stCondLst>
-                        <p:cond delay="indefinite"/>
-                      </p:stCondLst>
-                      <p:childTnLst>
-                        <p:par>
-                          <p:cTn id="45" fill="hold">
-                            <p:stCondLst>
-                              <p:cond delay="0"/>
-                            </p:stCondLst>
-                            <p:childTnLst>
-                              <p:par>
-                                <p:cTn id="46" presetID="10" presetClass="entr" presetSubtype="0" fill="hold" nodeType="clickEffect">
-                                  <p:stCondLst>
-                                    <p:cond delay="0"/>
-                                  </p:stCondLst>
-                                  <p:childTnLst>
-                                    <p:set>
-                                      <p:cBhvr>
-                                        <p:cTn id="47" dur="1" fill="hold">
-                                          <p:stCondLst>
-                                            <p:cond delay="0"/>
-                                          </p:stCondLst>
-                                        </p:cTn>
-                                        <p:tgtEl>
-                                          <p:spTgt spid="3">
-                                            <p:txEl>
-                                              <p:pRg st="10" end="10"/>
-                                            </p:txEl>
-                                          </p:spTgt>
-                                        </p:tgtEl>
-                                        <p:attrNameLst>
-                                          <p:attrName>style.visibility</p:attrName>
-                                        </p:attrNameLst>
-                                      </p:cBhvr>
-                                      <p:to>
-                                        <p:strVal val="visible"/>
-                                      </p:to>
-                                    </p:set>
-                                    <p:animEffect transition="in" filter="fade">
-                                      <p:cBhvr>
-                                        <p:cTn id="48" dur="500"/>
-                                        <p:tgtEl>
-                                          <p:spTgt spid="3">
-                                            <p:txEl>
-                                              <p:pRg st="10" end="10"/>
-                                            </p:txEl>
-                                          </p:spTgt>
-                                        </p:tgtEl>
-                                      </p:cBhvr>
-                                    </p:animEffect>
-                                  </p:childTnLst>
-                                </p:cTn>
-                              </p:par>
-                              <p:par>
-                                <p:cTn id="49" presetID="10" presetClass="entr" presetSubtype="0" fill="hold" nodeType="withEffect">
-                                  <p:stCondLst>
-                                    <p:cond delay="0"/>
-                                  </p:stCondLst>
-                                  <p:childTnLst>
-                                    <p:set>
-                                      <p:cBhvr>
-                                        <p:cTn id="50" dur="1" fill="hold">
-                                          <p:stCondLst>
-                                            <p:cond delay="0"/>
-                                          </p:stCondLst>
-                                        </p:cTn>
-                                        <p:tgtEl>
-                                          <p:spTgt spid="3">
-                                            <p:txEl>
-                                              <p:pRg st="11" end="11"/>
-                                            </p:txEl>
-                                          </p:spTgt>
-                                        </p:tgtEl>
-                                        <p:attrNameLst>
-                                          <p:attrName>style.visibility</p:attrName>
-                                        </p:attrNameLst>
-                                      </p:cBhvr>
-                                      <p:to>
-                                        <p:strVal val="visible"/>
-                                      </p:to>
-                                    </p:set>
-                                    <p:animEffect transition="in" filter="fade">
-                                      <p:cBhvr>
-                                        <p:cTn id="51" dur="500"/>
-                                        <p:tgtEl>
-                                          <p:spTgt spid="3">
-                                            <p:txEl>
-                                              <p:pRg st="11" end="11"/>
-                                            </p:txEl>
-                                          </p:spTgt>
-                                        </p:tgtEl>
-                                      </p:cBhvr>
-                                    </p:animEffect>
-                                  </p:childTnLst>
-                                </p:cTn>
-                              </p:par>
-                            </p:childTnLst>
-                          </p:cTn>
-                        </p:par>
-                      </p:childTnLst>
-                    </p:cTn>
-                  </p:par>
-                </p:childTnLst>
-              </p:cTn>
-              <p:prevCondLst>
-                <p:cond evt="onPrev" delay="0">
-                  <p:tgtEl>
-                    <p:sldTgt/>
-                  </p:tgtEl>
-                </p:cond>
-              </p:prevCondLst>
-              <p:nextCondLst>
-                <p:cond evt="onNext" delay="0">
-                  <p:tgtEl>
-                    <p:sldTgt/>
-                  </p:tgtEl>
-                </p:cond>
-              </p:nextCondLst>
-            </p:seq>
-          </p:childTnLst>
-        </p:cTn>
+        <p:cTn id="1" dur="indefinite" restart="never" nodeType="tmRoot"/>
       </p:par>
     </p:tnLst>
   </p:timing>

--- a/presentation/disease_spreading_presentation.pptx
+++ b/presentation/disease_spreading_presentation.pptx
@@ -534,6 +534,10 @@
           <a:bodyPr/>
           <a:lstStyle/>
           <a:p>
+            <a:r>
+              <a:rPr lang="en-GB" dirty="0" smtClean="0"/>
+              <a:t>Efficient Response to Cascading Disaster Spreading</a:t>
+            </a:r>
             <a:endParaRPr lang="en-GB" dirty="0"/>
           </a:p>
         </p:txBody>
@@ -7866,46 +7870,6 @@
               <a:buFont typeface="Wingdings" panose="05000000000000000000" pitchFamily="2" charset="2"/>
               <a:buChar char="Ø"/>
             </a:pPr>
-            <a:r>
-              <a:rPr lang="en-US" dirty="0" smtClean="0"/>
-              <a:t>It is easy to model individual participants in a system and then find their inter relation rather than trying to figure out everything at once.</a:t>
-            </a:r>
-          </a:p>
-          <a:p>
-            <a:pPr>
-              <a:buFont typeface="Wingdings" panose="05000000000000000000" pitchFamily="2" charset="2"/>
-              <a:buChar char="Ø"/>
-            </a:pPr>
-            <a:endParaRPr lang="en-US" dirty="0"/>
-          </a:p>
-          <a:p>
-            <a:pPr>
-              <a:buFont typeface="Wingdings" panose="05000000000000000000" pitchFamily="2" charset="2"/>
-              <a:buChar char="Ø"/>
-            </a:pPr>
-            <a:r>
-              <a:rPr lang="en-US" dirty="0" smtClean="0">
-                <a:solidFill>
-                  <a:srgbClr val="00B050"/>
-                </a:solidFill>
-              </a:rPr>
-              <a:t>The structure plays rather critical </a:t>
-            </a:r>
-            <a:r>
-              <a:rPr lang="en-US" dirty="0" smtClean="0">
-                <a:solidFill>
-                  <a:srgbClr val="00B050"/>
-                </a:solidFill>
-              </a:rPr>
-              <a:t>role</a:t>
-            </a:r>
-            <a:endParaRPr lang="en-US" dirty="0" smtClean="0"/>
-          </a:p>
-          <a:p>
-            <a:pPr>
-              <a:buFont typeface="Wingdings" panose="05000000000000000000" pitchFamily="2" charset="2"/>
-              <a:buChar char="Ø"/>
-            </a:pPr>
             <a:endParaRPr lang="en-US" dirty="0"/>
           </a:p>
         </p:txBody>
@@ -8140,128 +8104,6 @@
                                           <p:spTgt spid="3">
                                             <p:txEl>
                                               <p:pRg st="3" end="3"/>
-                                            </p:txEl>
-                                          </p:spTgt>
-                                        </p:tgtEl>
-                                      </p:cBhvr>
-                                    </p:animEffect>
-                                  </p:childTnLst>
-                                </p:cTn>
-                              </p:par>
-                            </p:childTnLst>
-                          </p:cTn>
-                        </p:par>
-                      </p:childTnLst>
-                    </p:cTn>
-                  </p:par>
-                  <p:par>
-                    <p:cTn id="21" fill="hold">
-                      <p:stCondLst>
-                        <p:cond delay="indefinite"/>
-                      </p:stCondLst>
-                      <p:childTnLst>
-                        <p:par>
-                          <p:cTn id="22" fill="hold">
-                            <p:stCondLst>
-                              <p:cond delay="0"/>
-                            </p:stCondLst>
-                            <p:childTnLst>
-                              <p:par>
-                                <p:cTn id="23" presetID="10" presetClass="entr" presetSubtype="0" fill="hold" nodeType="clickEffect">
-                                  <p:stCondLst>
-                                    <p:cond delay="0"/>
-                                  </p:stCondLst>
-                                  <p:childTnLst>
-                                    <p:set>
-                                      <p:cBhvr>
-                                        <p:cTn id="24" dur="1" fill="hold">
-                                          <p:stCondLst>
-                                            <p:cond delay="0"/>
-                                          </p:stCondLst>
-                                        </p:cTn>
-                                        <p:tgtEl>
-                                          <p:spTgt spid="3">
-                                            <p:txEl>
-                                              <p:pRg st="4" end="4"/>
-                                            </p:txEl>
-                                          </p:spTgt>
-                                        </p:tgtEl>
-                                        <p:attrNameLst>
-                                          <p:attrName>style.visibility</p:attrName>
-                                        </p:attrNameLst>
-                                      </p:cBhvr>
-                                      <p:to>
-                                        <p:strVal val="visible"/>
-                                      </p:to>
-                                    </p:set>
-                                    <p:animEffect transition="in" filter="fade">
-                                      <p:cBhvr>
-                                        <p:cTn id="25" dur="500"/>
-                                        <p:tgtEl>
-                                          <p:spTgt spid="3">
-                                            <p:txEl>
-                                              <p:pRg st="4" end="4"/>
-                                            </p:txEl>
-                                          </p:spTgt>
-                                        </p:tgtEl>
-                                      </p:cBhvr>
-                                    </p:animEffect>
-                                  </p:childTnLst>
-                                </p:cTn>
-                              </p:par>
-                            </p:childTnLst>
-                          </p:cTn>
-                        </p:par>
-                      </p:childTnLst>
-                    </p:cTn>
-                  </p:par>
-                  <p:par>
-                    <p:cTn id="26" fill="hold">
-                      <p:stCondLst>
-                        <p:cond delay="indefinite"/>
-                      </p:stCondLst>
-                      <p:childTnLst>
-                        <p:par>
-                          <p:cTn id="27" fill="hold">
-                            <p:stCondLst>
-                              <p:cond delay="0"/>
-                            </p:stCondLst>
-                            <p:childTnLst>
-                              <p:par>
-                                <p:cTn id="28" presetID="10" presetClass="entr" presetSubtype="0" fill="hold" nodeType="clickEffect">
-                                  <p:stCondLst>
-                                    <p:cond delay="0"/>
-                                  </p:stCondLst>
-                                  <p:childTnLst>
-                                    <p:set>
-                                      <p:cBhvr>
-                                        <p:cTn id="29" dur="1" fill="hold">
-                                          <p:stCondLst>
-                                            <p:cond delay="0"/>
-                                          </p:stCondLst>
-                                        </p:cTn>
-                                        <p:tgtEl>
-                                          <p:spTgt spid="3">
-                                            <p:txEl>
-                                              <p:pRg st="6" end="6"/>
-                                            </p:txEl>
-                                          </p:spTgt>
-                                        </p:tgtEl>
-                                        <p:attrNameLst>
-                                          <p:attrName>style.visibility</p:attrName>
-                                        </p:attrNameLst>
-                                      </p:cBhvr>
-                                      <p:to>
-                                        <p:strVal val="visible"/>
-                                      </p:to>
-                                    </p:set>
-                                    <p:animEffect transition="in" filter="fade">
-                                      <p:cBhvr>
-                                        <p:cTn id="30" dur="500"/>
-                                        <p:tgtEl>
-                                          <p:spTgt spid="3">
-                                            <p:txEl>
-                                              <p:pRg st="6" end="6"/>
                                             </p:txEl>
                                           </p:spTgt>
                                         </p:tgtEl>

--- a/presentation/disease_spreading_presentation.pptx
+++ b/presentation/disease_spreading_presentation.pptx
@@ -742,19 +742,7 @@
             </a:r>
             <a:r>
               <a:rPr lang="en-GB" baseline="0" dirty="0" smtClean="0"/>
-              <a:t> </a:t>
-            </a:r>
-            <a:r>
-              <a:rPr lang="en-GB" baseline="0" dirty="0" smtClean="0"/>
-              <a:t>a robustness metric and use it to study robustness of </a:t>
-            </a:r>
-            <a:r>
-              <a:rPr lang="en-GB" baseline="0" dirty="0" smtClean="0"/>
-              <a:t>Social Networks. </a:t>
-            </a:r>
-            <a:r>
-              <a:rPr lang="en-GB" baseline="0" dirty="0" smtClean="0"/>
-              <a:t>We use the cascading model by </a:t>
+              <a:t> a robustness metric and use it to study robustness of Social Networks. We use the cascading model by </a:t>
             </a:r>
             <a:r>
               <a:rPr lang="en-GB" baseline="0" dirty="0" err="1" smtClean="0"/>
@@ -771,21 +759,8 @@
           <a:p>
             <a:r>
               <a:rPr lang="en-GB" baseline="0" dirty="0" smtClean="0"/>
-              <a:t>Rather than trying to model evolution of epidemic within a given population, as done by the </a:t>
-            </a:r>
-            <a:r>
-              <a:rPr lang="en-GB" baseline="0" dirty="0" smtClean="0"/>
-              <a:t>most models, </a:t>
-            </a:r>
-            <a:r>
-              <a:rPr lang="en-GB" baseline="0" dirty="0" smtClean="0"/>
-              <a:t>we interpret the spread of disease from one city to </a:t>
-            </a:r>
-            <a:r>
-              <a:rPr lang="en-GB" baseline="0" dirty="0" smtClean="0"/>
-              <a:t>another.</a:t>
-            </a:r>
-            <a:endParaRPr lang="en-GB" baseline="0" dirty="0" smtClean="0"/>
+              <a:t>Rather than trying to model evolution of epidemic within a given population, as done by the most models, we interpret the spread of disease from one city to another.</a:t>
+            </a:r>
           </a:p>
         </p:txBody>
       </p:sp>
@@ -875,11 +850,7 @@
             </a:r>
             <a:r>
               <a:rPr lang="en-GB" baseline="0" dirty="0" smtClean="0"/>
-              <a:t> and SIS models are based on compartmentalization of the whole population into respectively two or three compartments and study the evolution of number of individuals in each compartments. Correspondingly they use two or three differential equations to model population dynamic. These models have the disadvantage that they cannot account for the dynamics that may arise due to individual behaviour</a:t>
-            </a:r>
-            <a:r>
-              <a:rPr lang="en-GB" baseline="0" dirty="0" smtClean="0"/>
-              <a:t>.</a:t>
+              <a:t> and SIS models are based on compartmentalization of the whole population into respectively two or three compartments and study the evolution of number of individuals in each compartments. Correspondingly they use two or three differential equations to model population dynamic. These models have the disadvantage that they cannot account for the dynamics that may arise due to individual behaviour.</a:t>
             </a:r>
           </a:p>
           <a:p>
@@ -6974,7 +6945,7 @@
         <p:spPr/>
         <p:txBody>
           <a:bodyPr>
-            <a:normAutofit lnSpcReduction="10000"/>
+            <a:normAutofit/>
           </a:bodyPr>
           <a:lstStyle/>
           <a:p>
@@ -7025,7 +6996,15 @@
             </a:pPr>
             <a:r>
               <a:rPr lang="en-US" dirty="0" smtClean="0"/>
-              <a:t>Complicated group behavior emerge from simple individual behavior.</a:t>
+              <a:t>Complicated group behavior emerge from simple individual </a:t>
+            </a:r>
+            <a:r>
+              <a:rPr lang="en-US" smtClean="0"/>
+              <a:t>behavior</a:t>
+            </a:r>
+            <a:r>
+              <a:rPr lang="en-US" smtClean="0"/>
+              <a:t>.</a:t>
             </a:r>
           </a:p>
           <a:p>
@@ -7033,53 +7012,32 @@
               <a:buFont typeface="Wingdings" panose="05000000000000000000" pitchFamily="2" charset="2"/>
               <a:buChar char="Ø"/>
             </a:pPr>
-            <a:r>
-              <a:rPr lang="en-US" dirty="0" smtClean="0"/>
-              <a:t>We form network without noticing.</a:t>
-            </a:r>
-          </a:p>
-          <a:p>
-            <a:pPr lvl="1">
-              <a:buFont typeface="Wingdings" panose="05000000000000000000" pitchFamily="2" charset="2"/>
-              <a:buChar char="Ø"/>
-            </a:pPr>
-            <a:r>
-              <a:rPr lang="en-US" dirty="0" smtClean="0"/>
-              <a:t>Power grid</a:t>
-            </a:r>
-          </a:p>
-          <a:p>
-            <a:pPr lvl="1">
-              <a:buFont typeface="Wingdings" panose="05000000000000000000" pitchFamily="2" charset="2"/>
-              <a:buChar char="Ø"/>
-            </a:pPr>
-            <a:r>
-              <a:rPr lang="en-US" dirty="0" smtClean="0"/>
-              <a:t>Supply chain</a:t>
-            </a:r>
-          </a:p>
-          <a:p>
-            <a:pPr lvl="1">
-              <a:buFont typeface="Wingdings" panose="05000000000000000000" pitchFamily="2" charset="2"/>
-              <a:buChar char="Ø"/>
-            </a:pPr>
-            <a:r>
-              <a:rPr lang="en-US" dirty="0" smtClean="0"/>
-              <a:t>Transportation</a:t>
-            </a:r>
+            <a:endParaRPr lang="en-US" smtClean="0"/>
           </a:p>
           <a:p>
             <a:pPr>
               <a:buFont typeface="Wingdings" panose="05000000000000000000" pitchFamily="2" charset="2"/>
               <a:buChar char="Ø"/>
             </a:pPr>
+            <a:r>
+              <a:rPr lang="en-US" dirty="0" smtClean="0"/>
+              <a:t> </a:t>
+            </a:r>
             <a:r>
               <a:rPr lang="en-US" dirty="0" smtClean="0">
                 <a:solidFill>
                   <a:srgbClr val="00B050"/>
                 </a:solidFill>
               </a:rPr>
-              <a:t>Are they Perfect? How do they behave when expected behavior is not received in individual level.</a:t>
+              <a:t>Are </a:t>
+            </a:r>
+            <a:r>
+              <a:rPr lang="en-US" dirty="0" smtClean="0">
+                <a:solidFill>
+                  <a:srgbClr val="00B050"/>
+                </a:solidFill>
+              </a:rPr>
+              <a:t>they Perfect? How do they behave when expected behavior is not received in individual level.</a:t>
             </a:r>
             <a:endParaRPr lang="en-US" dirty="0">
               <a:solidFill>
@@ -8691,8 +8649,8 @@
           </a:p>
         </p:txBody>
       </p:sp>
-      <mc:AlternateContent xmlns:mc="http://schemas.openxmlformats.org/markup-compatibility/2006">
-        <mc:Choice xmlns:a14="http://schemas.microsoft.com/office/drawing/2010/main" Requires="a14">
+      <mc:AlternateContent xmlns:mc="http://schemas.openxmlformats.org/markup-compatibility/2006" xmlns:a14="http://schemas.microsoft.com/office/drawing/2010/main">
+        <mc:Choice Requires="a14">
           <p:sp>
             <p:nvSpPr>
               <p:cNvPr id="3" name="Content Placeholder 2"/>
@@ -8767,11 +8725,7 @@
                 </a14:m>
                 <a:r>
                   <a:rPr lang="en-US" dirty="0" smtClean="0"/>
-                  <a:t>represents </a:t>
-                </a:r>
-                <a:r>
-                  <a:rPr lang="en-US" dirty="0" smtClean="0"/>
-                  <a:t>individual i’s health</a:t>
+                  <a:t>represents individual i’s health</a:t>
                 </a:r>
               </a:p>
               <a:p>
@@ -8820,11 +8774,7 @@
                 </a14:m>
                 <a:r>
                   <a:rPr lang="en-US" dirty="0" smtClean="0"/>
-                  <a:t>represents </a:t>
-                </a:r>
-                <a:r>
-                  <a:rPr lang="en-US" dirty="0" smtClean="0"/>
-                  <a:t>one’s capability</a:t>
+                  <a:t>represents one’s capability</a:t>
                 </a:r>
               </a:p>
               <a:p>
@@ -8851,11 +8801,7 @@
                 </a14:m>
                 <a:r>
                   <a:rPr lang="en-US" dirty="0" smtClean="0"/>
-                  <a:t> is </a:t>
-                </a:r>
-                <a:r>
-                  <a:rPr lang="en-US" dirty="0" smtClean="0"/>
-                  <a:t>a sigmoid function to keep numerical bound on health value</a:t>
+                  <a:t> is a sigmoid function to keep numerical bound on health value</a:t>
                 </a:r>
               </a:p>
               <a:p>
@@ -8898,11 +8844,7 @@
                 </a14:m>
                 <a:r>
                   <a:rPr lang="en-US" dirty="0" smtClean="0"/>
-                  <a:t>represents </a:t>
-                </a:r>
-                <a:r>
-                  <a:rPr lang="en-US" dirty="0" smtClean="0"/>
-                  <a:t>the strength of connection between </a:t>
+                  <a:t>represents the strength of connection between </a:t>
                 </a:r>
                 <a:r>
                   <a:rPr lang="en-US" dirty="0" err="1" smtClean="0"/>
@@ -8970,11 +8912,7 @@
                 </a14:m>
                 <a:r>
                   <a:rPr lang="en-US" dirty="0" smtClean="0"/>
-                  <a:t>represents </a:t>
-                </a:r>
-                <a:r>
-                  <a:rPr lang="en-US" dirty="0" smtClean="0"/>
-                  <a:t>the explain away effect</a:t>
+                  <a:t>represents the explain away effect</a:t>
                 </a:r>
               </a:p>
               <a:p>
@@ -9051,18 +8989,14 @@
                 </a14:m>
                 <a:r>
                   <a:rPr lang="en-US" dirty="0" smtClean="0"/>
-                  <a:t>represents </a:t>
-                </a:r>
-                <a:r>
-                  <a:rPr lang="en-US" dirty="0" smtClean="0"/>
-                  <a:t>the gain of the propagation channel</a:t>
+                  <a:t>represents the gain of the propagation channel</a:t>
                 </a:r>
                 <a:endParaRPr lang="en-US" dirty="0"/>
               </a:p>
             </p:txBody>
           </p:sp>
         </mc:Choice>
-        <mc:Fallback>
+        <mc:Fallback xmlns="">
           <p:sp>
             <p:nvSpPr>
               <p:cNvPr id="3" name="Content Placeholder 2"/>
@@ -9186,8 +9120,8 @@
           </a:p>
         </p:txBody>
       </p:sp>
-      <mc:AlternateContent xmlns:mc="http://schemas.openxmlformats.org/markup-compatibility/2006">
-        <mc:Choice xmlns:a14="http://schemas.microsoft.com/office/drawing/2010/main" Requires="a14">
+      <mc:AlternateContent xmlns:mc="http://schemas.openxmlformats.org/markup-compatibility/2006" xmlns:a14="http://schemas.microsoft.com/office/drawing/2010/main">
+        <mc:Choice Requires="a14">
           <p:sp>
             <p:nvSpPr>
               <p:cNvPr id="3" name="Content Placeholder 2"/>
@@ -9409,7 +9343,7 @@
             </p:txBody>
           </p:sp>
         </mc:Choice>
-        <mc:Fallback>
+        <mc:Fallback xmlns="">
           <p:sp>
             <p:nvSpPr>
               <p:cNvPr id="3" name="Content Placeholder 2"/>
